--- a/Documentation/Container Architecture.pptx
+++ b/Documentation/Container Architecture.pptx
@@ -14,7 +14,8 @@
     <p:sldId id="262" r:id="rId8"/>
     <p:sldId id="261" r:id="rId9"/>
     <p:sldId id="260" r:id="rId10"/>
-    <p:sldId id="259" r:id="rId11"/>
+    <p:sldId id="266" r:id="rId11"/>
+    <p:sldId id="259" r:id="rId12"/>
   </p:sldIdLst>
   <p:sldSz cx="9144000" cy="6858000" type="screen4x3"/>
   <p:notesSz cx="6858000" cy="9144000"/>
@@ -297,7 +298,7 @@
           <a:p>
             <a:fld id="{4F38D3F6-E48F-4950-AC1B-79C88B17E831}" type="datetimeFigureOut">
               <a:rPr lang="fr-FR" smtClean="0"/>
-              <a:t>03/11/2017</a:t>
+              <a:t>05/11/2017</a:t>
             </a:fld>
             <a:endParaRPr lang="fr-FR"/>
           </a:p>
@@ -467,7 +468,7 @@
           <a:p>
             <a:fld id="{4F38D3F6-E48F-4950-AC1B-79C88B17E831}" type="datetimeFigureOut">
               <a:rPr lang="fr-FR" smtClean="0"/>
-              <a:t>03/11/2017</a:t>
+              <a:t>05/11/2017</a:t>
             </a:fld>
             <a:endParaRPr lang="fr-FR"/>
           </a:p>
@@ -647,7 +648,7 @@
           <a:p>
             <a:fld id="{4F38D3F6-E48F-4950-AC1B-79C88B17E831}" type="datetimeFigureOut">
               <a:rPr lang="fr-FR" smtClean="0"/>
-              <a:t>03/11/2017</a:t>
+              <a:t>05/11/2017</a:t>
             </a:fld>
             <a:endParaRPr lang="fr-FR"/>
           </a:p>
@@ -817,7 +818,7 @@
           <a:p>
             <a:fld id="{4F38D3F6-E48F-4950-AC1B-79C88B17E831}" type="datetimeFigureOut">
               <a:rPr lang="fr-FR" smtClean="0"/>
-              <a:t>03/11/2017</a:t>
+              <a:t>05/11/2017</a:t>
             </a:fld>
             <a:endParaRPr lang="fr-FR"/>
           </a:p>
@@ -1063,7 +1064,7 @@
           <a:p>
             <a:fld id="{4F38D3F6-E48F-4950-AC1B-79C88B17E831}" type="datetimeFigureOut">
               <a:rPr lang="fr-FR" smtClean="0"/>
-              <a:t>03/11/2017</a:t>
+              <a:t>05/11/2017</a:t>
             </a:fld>
             <a:endParaRPr lang="fr-FR"/>
           </a:p>
@@ -1351,7 +1352,7 @@
           <a:p>
             <a:fld id="{4F38D3F6-E48F-4950-AC1B-79C88B17E831}" type="datetimeFigureOut">
               <a:rPr lang="fr-FR" smtClean="0"/>
-              <a:t>03/11/2017</a:t>
+              <a:t>05/11/2017</a:t>
             </a:fld>
             <a:endParaRPr lang="fr-FR"/>
           </a:p>
@@ -1773,7 +1774,7 @@
           <a:p>
             <a:fld id="{4F38D3F6-E48F-4950-AC1B-79C88B17E831}" type="datetimeFigureOut">
               <a:rPr lang="fr-FR" smtClean="0"/>
-              <a:t>03/11/2017</a:t>
+              <a:t>05/11/2017</a:t>
             </a:fld>
             <a:endParaRPr lang="fr-FR"/>
           </a:p>
@@ -1891,7 +1892,7 @@
           <a:p>
             <a:fld id="{4F38D3F6-E48F-4950-AC1B-79C88B17E831}" type="datetimeFigureOut">
               <a:rPr lang="fr-FR" smtClean="0"/>
-              <a:t>03/11/2017</a:t>
+              <a:t>05/11/2017</a:t>
             </a:fld>
             <a:endParaRPr lang="fr-FR"/>
           </a:p>
@@ -1986,7 +1987,7 @@
           <a:p>
             <a:fld id="{4F38D3F6-E48F-4950-AC1B-79C88B17E831}" type="datetimeFigureOut">
               <a:rPr lang="fr-FR" smtClean="0"/>
-              <a:t>03/11/2017</a:t>
+              <a:t>05/11/2017</a:t>
             </a:fld>
             <a:endParaRPr lang="fr-FR"/>
           </a:p>
@@ -2263,7 +2264,7 @@
           <a:p>
             <a:fld id="{4F38D3F6-E48F-4950-AC1B-79C88B17E831}" type="datetimeFigureOut">
               <a:rPr lang="fr-FR" smtClean="0"/>
-              <a:t>03/11/2017</a:t>
+              <a:t>05/11/2017</a:t>
             </a:fld>
             <a:endParaRPr lang="fr-FR"/>
           </a:p>
@@ -2516,7 +2517,7 @@
           <a:p>
             <a:fld id="{4F38D3F6-E48F-4950-AC1B-79C88B17E831}" type="datetimeFigureOut">
               <a:rPr lang="fr-FR" smtClean="0"/>
-              <a:t>03/11/2017</a:t>
+              <a:t>05/11/2017</a:t>
             </a:fld>
             <a:endParaRPr lang="fr-FR"/>
           </a:p>
@@ -2729,7 +2730,7 @@
           <a:p>
             <a:fld id="{4F38D3F6-E48F-4950-AC1B-79C88B17E831}" type="datetimeFigureOut">
               <a:rPr lang="fr-FR" smtClean="0"/>
-              <a:t>03/11/2017</a:t>
+              <a:t>05/11/2017</a:t>
             </a:fld>
             <a:endParaRPr lang="fr-FR"/>
           </a:p>
@@ -3245,6 +3246,194 @@
           <a:lstStyle/>
           <a:p>
             <a:r>
+              <a:rPr lang="en-GB" sz="2400" b="1" dirty="0" err="1" smtClean="0"/>
+              <a:t>.Net</a:t>
+            </a:r>
+            <a:r>
+              <a:rPr lang="en-GB" sz="2400" b="1" dirty="0" smtClean="0"/>
+              <a:t> Core</a:t>
+            </a:r>
+            <a:endParaRPr lang="en-GB" sz="2400" b="1" dirty="0"/>
+          </a:p>
+        </p:txBody>
+      </p:sp>
+      <p:sp>
+        <p:nvSpPr>
+          <p:cNvPr id="3" name="Espace réservé du contenu 2"/>
+          <p:cNvSpPr>
+            <a:spLocks noGrp="1"/>
+          </p:cNvSpPr>
+          <p:nvPr>
+            <p:ph idx="1"/>
+          </p:nvPr>
+        </p:nvSpPr>
+        <p:spPr>
+          <a:xfrm>
+            <a:off x="457200" y="980728"/>
+            <a:ext cx="8229600" cy="5145435"/>
+          </a:xfrm>
+        </p:spPr>
+        <p:txBody>
+          <a:bodyPr>
+            <a:normAutofit/>
+          </a:bodyPr>
+          <a:lstStyle/>
+          <a:p>
+            <a:r>
+              <a:rPr lang="en-GB" sz="2000" dirty="0" err="1" smtClean="0"/>
+              <a:t>.</a:t>
+            </a:r>
+            <a:r>
+              <a:rPr lang="en-GB" sz="2000" dirty="0" err="1" smtClean="0"/>
+              <a:t>Net</a:t>
+            </a:r>
+            <a:r>
+              <a:rPr lang="en-GB" sz="2000" dirty="0" smtClean="0"/>
+              <a:t> </a:t>
+            </a:r>
+            <a:r>
+              <a:rPr lang="en-GB" sz="2000" dirty="0" smtClean="0"/>
+              <a:t>Core Supported Interfaces</a:t>
+            </a:r>
+          </a:p>
+          <a:p>
+            <a:pPr lvl="1"/>
+            <a:r>
+              <a:rPr lang="en-GB" sz="1600" dirty="0"/>
+              <a:t>Oracle : </a:t>
+            </a:r>
+            <a:r>
+              <a:rPr lang="en-GB" sz="1600" dirty="0">
+                <a:hlinkClick r:id="rId2"/>
+              </a:rPr>
+              <a:t>http://</a:t>
+            </a:r>
+            <a:r>
+              <a:rPr lang="en-GB" sz="1600" dirty="0" smtClean="0">
+                <a:hlinkClick r:id="rId2"/>
+              </a:rPr>
+              <a:t>www.oracle.com/technetwork/topics/dotnet/tech-info/odpnet-dotnet-core-sod-3628981.pdf</a:t>
+            </a:r>
+            <a:r>
+              <a:rPr lang="en-GB" sz="1600" dirty="0" smtClean="0"/>
+              <a:t> : Only </a:t>
+            </a:r>
+            <a:r>
+              <a:rPr lang="en-GB" sz="1600" smtClean="0"/>
+              <a:t>Managed drivers</a:t>
+            </a:r>
+            <a:endParaRPr lang="en-GB" sz="1600" dirty="0" smtClean="0"/>
+          </a:p>
+          <a:p>
+            <a:pPr marL="457200" lvl="1" indent="0">
+              <a:buNone/>
+            </a:pPr>
+            <a:r>
+              <a:rPr lang="en-GB" sz="1600" dirty="0" smtClean="0"/>
+              <a:t>      </a:t>
+            </a:r>
+            <a:r>
+              <a:rPr lang="en-GB" sz="1600" dirty="0"/>
+              <a:t>	</a:t>
+            </a:r>
+            <a:endParaRPr lang="en-GB" sz="1600" dirty="0" smtClean="0"/>
+          </a:p>
+          <a:p>
+            <a:r>
+              <a:rPr lang="en-GB" sz="2000" dirty="0" err="1"/>
+              <a:t>.Net</a:t>
+            </a:r>
+            <a:r>
+              <a:rPr lang="en-GB" sz="2000" dirty="0"/>
+              <a:t> Core </a:t>
+            </a:r>
+            <a:r>
+              <a:rPr lang="en-GB" sz="2000" dirty="0" smtClean="0"/>
+              <a:t>Not Supported </a:t>
+            </a:r>
+            <a:r>
+              <a:rPr lang="en-GB" sz="2000" dirty="0"/>
+              <a:t>Interfaces</a:t>
+            </a:r>
+          </a:p>
+          <a:p>
+            <a:pPr lvl="1"/>
+            <a:r>
+              <a:rPr lang="en-GB" sz="1600" dirty="0" smtClean="0"/>
+              <a:t>IBM MQ : check version 9.0.x</a:t>
+            </a:r>
+          </a:p>
+          <a:p>
+            <a:endParaRPr lang="en-GB" sz="2000" dirty="0" smtClean="0"/>
+          </a:p>
+          <a:p>
+            <a:endParaRPr lang="en-GB" sz="2000" dirty="0" smtClean="0"/>
+          </a:p>
+          <a:p>
+            <a:pPr lvl="1"/>
+            <a:endParaRPr lang="en-GB" sz="1600" dirty="0" smtClean="0"/>
+          </a:p>
+          <a:p>
+            <a:pPr marL="457200" lvl="1" indent="0">
+              <a:buNone/>
+            </a:pPr>
+            <a:endParaRPr lang="en-GB" sz="2000" dirty="0"/>
+          </a:p>
+        </p:txBody>
+      </p:sp>
+    </p:spTree>
+    <p:extLst>
+      <p:ext uri="{BB962C8B-B14F-4D97-AF65-F5344CB8AC3E}">
+        <p14:creationId xmlns:p14="http://schemas.microsoft.com/office/powerpoint/2010/main" val="3140253936"/>
+      </p:ext>
+    </p:extLst>
+  </p:cSld>
+  <p:clrMapOvr>
+    <a:masterClrMapping/>
+  </p:clrMapOvr>
+</p:sld>
+</file>
+
+<file path=ppt/slides/slide11.xml><?xml version="1.0" encoding="utf-8"?>
+<p:sld xmlns:a="http://schemas.openxmlformats.org/drawingml/2006/main" xmlns:r="http://schemas.openxmlformats.org/officeDocument/2006/relationships" xmlns:p="http://schemas.openxmlformats.org/presentationml/2006/main">
+  <p:cSld>
+    <p:spTree>
+      <p:nvGrpSpPr>
+        <p:cNvPr id="1" name=""/>
+        <p:cNvGrpSpPr/>
+        <p:nvPr/>
+      </p:nvGrpSpPr>
+      <p:grpSpPr>
+        <a:xfrm>
+          <a:off x="0" y="0"/>
+          <a:ext cx="0" cy="0"/>
+          <a:chOff x="0" y="0"/>
+          <a:chExt cx="0" cy="0"/>
+        </a:xfrm>
+      </p:grpSpPr>
+      <p:sp>
+        <p:nvSpPr>
+          <p:cNvPr id="2" name="Titre 1"/>
+          <p:cNvSpPr>
+            <a:spLocks noGrp="1"/>
+          </p:cNvSpPr>
+          <p:nvPr>
+            <p:ph type="title"/>
+          </p:nvPr>
+        </p:nvSpPr>
+        <p:spPr>
+          <a:xfrm>
+            <a:off x="457200" y="274638"/>
+            <a:ext cx="8229600" cy="490066"/>
+          </a:xfrm>
+        </p:spPr>
+        <p:txBody>
+          <a:bodyPr>
+            <a:normAutofit/>
+          </a:bodyPr>
+          <a:lstStyle/>
+          <a:p>
+            <a:r>
               <a:rPr lang="fr-FR" sz="2400" b="1" dirty="0" err="1" smtClean="0"/>
               <a:t>Resources</a:t>
             </a:r>
@@ -5532,7 +5721,7 @@
         </p:spPr>
         <p:txBody>
           <a:bodyPr>
-            <a:normAutofit/>
+            <a:normAutofit fontScale="70000" lnSpcReduction="20000"/>
           </a:bodyPr>
           <a:lstStyle/>
           <a:p>
@@ -5552,8 +5741,146 @@
             </a:r>
             <a:r>
               <a:rPr lang="en-GB" sz="2000" dirty="0" smtClean="0"/>
-              <a:t> Core</a:t>
-            </a:r>
+              <a:t> </a:t>
+            </a:r>
+            <a:r>
+              <a:rPr lang="en-GB" sz="2000" dirty="0" smtClean="0"/>
+              <a:t>Core</a:t>
+            </a:r>
+          </a:p>
+          <a:p>
+            <a:pPr lvl="1"/>
+            <a:r>
+              <a:rPr lang="en-GB" sz="1600" dirty="0">
+                <a:hlinkClick r:id="rId2"/>
+              </a:rPr>
+              <a:t>https://</a:t>
+            </a:r>
+            <a:r>
+              <a:rPr lang="en-GB" sz="1600" dirty="0" smtClean="0">
+                <a:hlinkClick r:id="rId2"/>
+              </a:rPr>
+              <a:t>docs.microsoft.com/en-us/dotnet/standard/choosing-core-framework-server</a:t>
+            </a:r>
+            <a:endParaRPr lang="en-GB" sz="1600" dirty="0" smtClean="0"/>
+          </a:p>
+          <a:p>
+            <a:pPr marL="457200" lvl="1" indent="0">
+              <a:buNone/>
+            </a:pPr>
+            <a:endParaRPr lang="en-GB" sz="1600" dirty="0"/>
+          </a:p>
+          <a:p>
+            <a:pPr lvl="1"/>
+            <a:r>
+              <a:rPr lang="en-US" dirty="0"/>
+              <a:t>Use .NET Core for your server application when</a:t>
+            </a:r>
+            <a:r>
+              <a:rPr lang="en-US" dirty="0" smtClean="0"/>
+              <a:t>: </a:t>
+            </a:r>
+            <a:endParaRPr lang="en-US" dirty="0"/>
+          </a:p>
+          <a:p>
+            <a:pPr lvl="2"/>
+            <a:r>
+              <a:rPr lang="en-US" dirty="0"/>
+              <a:t>You have cross-platform needs.</a:t>
+            </a:r>
+          </a:p>
+          <a:p>
+            <a:pPr lvl="2"/>
+            <a:r>
+              <a:rPr lang="en-US" dirty="0"/>
+              <a:t>You are targeting </a:t>
+            </a:r>
+            <a:r>
+              <a:rPr lang="en-US" dirty="0" err="1"/>
+              <a:t>microservices</a:t>
+            </a:r>
+            <a:r>
+              <a:rPr lang="en-US" dirty="0"/>
+              <a:t>.</a:t>
+            </a:r>
+          </a:p>
+          <a:p>
+            <a:pPr lvl="2"/>
+            <a:r>
+              <a:rPr lang="en-US" dirty="0"/>
+              <a:t>You are using Docker containers.</a:t>
+            </a:r>
+          </a:p>
+          <a:p>
+            <a:pPr lvl="2"/>
+            <a:r>
+              <a:rPr lang="en-US" dirty="0"/>
+              <a:t>You need high-performance and scalable systems.</a:t>
+            </a:r>
+          </a:p>
+          <a:p>
+            <a:pPr lvl="2"/>
+            <a:r>
+              <a:rPr lang="en-US" dirty="0"/>
+              <a:t>You need side-by-side .NET versions per application.</a:t>
+            </a:r>
+          </a:p>
+          <a:p>
+            <a:endParaRPr lang="en-US" dirty="0"/>
+          </a:p>
+          <a:p>
+            <a:pPr lvl="1"/>
+            <a:r>
+              <a:rPr lang="en-US" dirty="0"/>
+              <a:t>Use .NET Framework for your server application when</a:t>
+            </a:r>
+            <a:r>
+              <a:rPr lang="en-US" dirty="0" smtClean="0"/>
+              <a:t>: </a:t>
+            </a:r>
+            <a:endParaRPr lang="en-US" dirty="0"/>
+          </a:p>
+          <a:p>
+            <a:pPr lvl="2"/>
+            <a:r>
+              <a:rPr lang="en-US" dirty="0"/>
+              <a:t>Your app currently uses .NET Framework (recommendation is to extend instead of migrating).</a:t>
+            </a:r>
+          </a:p>
+          <a:p>
+            <a:pPr lvl="2"/>
+            <a:r>
+              <a:rPr lang="en-US" dirty="0"/>
+              <a:t>Your app uses third-party .NET libraries or </a:t>
+            </a:r>
+            <a:r>
+              <a:rPr lang="en-US" dirty="0" err="1"/>
+              <a:t>NuGet</a:t>
+            </a:r>
+            <a:r>
+              <a:rPr lang="en-US" dirty="0"/>
+              <a:t> packages not available for .NET Core.</a:t>
+            </a:r>
+          </a:p>
+          <a:p>
+            <a:pPr lvl="2"/>
+            <a:r>
+              <a:rPr lang="en-US" dirty="0"/>
+              <a:t>Your app uses .NET technologies that aren't available for .NET Core.</a:t>
+            </a:r>
+          </a:p>
+          <a:p>
+            <a:pPr lvl="2"/>
+            <a:r>
+              <a:rPr lang="en-US" dirty="0"/>
+              <a:t>Your app uses a platform that doesn’t support .NET Core.</a:t>
+            </a:r>
+          </a:p>
+          <a:p>
+            <a:pPr marL="457200" lvl="1" indent="0">
+              <a:buNone/>
+            </a:pPr>
+            <a:endParaRPr lang="en-GB" sz="1600" dirty="0" smtClean="0"/>
           </a:p>
           <a:p>
             <a:r>

--- a/Documentation/Container Architecture.pptx
+++ b/Documentation/Container Architecture.pptx
@@ -2,20 +2,26 @@
 <file path=ppt/presentation.xml><?xml version="1.0" encoding="utf-8"?>
 <p:presentation xmlns:a="http://schemas.openxmlformats.org/drawingml/2006/main" xmlns:r="http://schemas.openxmlformats.org/officeDocument/2006/relationships" xmlns:p="http://schemas.openxmlformats.org/presentationml/2006/main" saveSubsetFonts="1">
   <p:sldMasterIdLst>
-    <p:sldMasterId id="2147483648" r:id="rId1"/>
+    <p:sldMasterId id="2147483660" r:id="rId1"/>
   </p:sldMasterIdLst>
   <p:sldIdLst>
-    <p:sldId id="257" r:id="rId2"/>
-    <p:sldId id="258" r:id="rId3"/>
-    <p:sldId id="256" r:id="rId4"/>
-    <p:sldId id="263" r:id="rId5"/>
-    <p:sldId id="264" r:id="rId6"/>
-    <p:sldId id="265" r:id="rId7"/>
-    <p:sldId id="262" r:id="rId8"/>
-    <p:sldId id="261" r:id="rId9"/>
-    <p:sldId id="260" r:id="rId10"/>
-    <p:sldId id="266" r:id="rId11"/>
-    <p:sldId id="259" r:id="rId12"/>
+    <p:sldId id="268" r:id="rId2"/>
+    <p:sldId id="267" r:id="rId3"/>
+    <p:sldId id="269" r:id="rId4"/>
+    <p:sldId id="270" r:id="rId5"/>
+    <p:sldId id="272" r:id="rId6"/>
+    <p:sldId id="271" r:id="rId7"/>
+    <p:sldId id="257" r:id="rId8"/>
+    <p:sldId id="258" r:id="rId9"/>
+    <p:sldId id="256" r:id="rId10"/>
+    <p:sldId id="263" r:id="rId11"/>
+    <p:sldId id="264" r:id="rId12"/>
+    <p:sldId id="265" r:id="rId13"/>
+    <p:sldId id="262" r:id="rId14"/>
+    <p:sldId id="261" r:id="rId15"/>
+    <p:sldId id="260" r:id="rId16"/>
+    <p:sldId id="266" r:id="rId17"/>
+    <p:sldId id="259" r:id="rId18"/>
   </p:sldIdLst>
   <p:sldSz cx="9144000" cy="6858000" type="screen4x3"/>
   <p:notesSz cx="6858000" cy="9144000"/>
@@ -120,6 +126,11 @@
 <file path=ppt/slideLayouts/slideLayout1.xml><?xml version="1.0" encoding="utf-8"?>
 <p:sldLayout xmlns:a="http://schemas.openxmlformats.org/drawingml/2006/main" xmlns:r="http://schemas.openxmlformats.org/officeDocument/2006/relationships" xmlns:p="http://schemas.openxmlformats.org/presentationml/2006/main" type="title" preserve="1">
   <p:cSld name="Diapositive de titre">
+    <p:bg>
+      <p:bgRef idx="1003">
+        <a:schemeClr val="bg1"/>
+      </p:bgRef>
+    </p:bg>
     <p:spTree>
       <p:nvGrpSpPr>
         <p:cNvPr id="1" name=""/>
@@ -136,7 +147,7 @@
       </p:grpSpPr>
       <p:sp>
         <p:nvSpPr>
-          <p:cNvPr id="2" name="Titre 1"/>
+          <p:cNvPr id="9" name="Title 8"/>
           <p:cNvSpPr>
             <a:spLocks noGrp="1"/>
           </p:cNvSpPr>
@@ -146,144 +157,131 @@
         </p:nvSpPr>
         <p:spPr>
           <a:xfrm>
-            <a:off x="685800" y="2130425"/>
-            <a:ext cx="7772400" cy="1470025"/>
+            <a:off x="533400" y="1371600"/>
+            <a:ext cx="7851648" cy="1828800"/>
+          </a:xfrm>
+          <a:ln>
+            <a:noFill/>
+          </a:ln>
+        </p:spPr>
+        <p:txBody>
+          <a:bodyPr vert="horz" tIns="0" rIns="18288" bIns="0" anchor="b">
+            <a:normAutofit/>
+            <a:scene3d>
+              <a:camera prst="orthographicFront"/>
+              <a:lightRig rig="freezing" dir="t">
+                <a:rot lat="0" lon="0" rev="5640000"/>
+              </a:lightRig>
+            </a:scene3d>
+            <a:sp3d prstMaterial="flat">
+              <a:bevelT w="38100" h="38100"/>
+              <a:contourClr>
+                <a:schemeClr val="tx2"/>
+              </a:contourClr>
+            </a:sp3d>
+          </a:bodyPr>
+          <a:lstStyle>
+            <a:lvl1pPr algn="r" rtl="0">
+              <a:spcBef>
+                <a:spcPct val="0"/>
+              </a:spcBef>
+              <a:buNone/>
+              <a:defRPr sz="5600" b="1">
+                <a:ln>
+                  <a:noFill/>
+                </a:ln>
+                <a:solidFill>
+                  <a:schemeClr val="accent3">
+                    <a:tint val="90000"/>
+                    <a:satMod val="120000"/>
+                  </a:schemeClr>
+                </a:solidFill>
+                <a:effectLst>
+                  <a:outerShdw blurRad="38100" dist="25400" dir="5400000" algn="tl" rotWithShape="0">
+                    <a:srgbClr val="000000">
+                      <a:alpha val="43000"/>
+                    </a:srgbClr>
+                  </a:outerShdw>
+                </a:effectLst>
+                <a:latin typeface="+mj-lt"/>
+                <a:ea typeface="+mj-ea"/>
+                <a:cs typeface="+mj-cs"/>
+              </a:defRPr>
+            </a:lvl1pPr>
+          </a:lstStyle>
+          <a:p>
+            <a:r>
+              <a:rPr kumimoji="0" lang="fr-FR" smtClean="0"/>
+              <a:t>Modifiez le style du titre</a:t>
+            </a:r>
+            <a:endParaRPr kumimoji="0" lang="en-US"/>
+          </a:p>
+        </p:txBody>
+      </p:sp>
+      <p:sp>
+        <p:nvSpPr>
+          <p:cNvPr id="17" name="Subtitle 16"/>
+          <p:cNvSpPr>
+            <a:spLocks noGrp="1"/>
+          </p:cNvSpPr>
+          <p:nvPr>
+            <p:ph type="subTitle" idx="1"/>
+          </p:nvPr>
+        </p:nvSpPr>
+        <p:spPr>
+          <a:xfrm>
+            <a:off x="533400" y="3228536"/>
+            <a:ext cx="7854696" cy="1752600"/>
           </a:xfrm>
         </p:spPr>
         <p:txBody>
-          <a:bodyPr/>
-          <a:lstStyle/>
-          <a:p>
-            <a:r>
-              <a:rPr lang="fr-FR" smtClean="0"/>
-              <a:t>Modifiez le style du titre</a:t>
-            </a:r>
-            <a:endParaRPr lang="fr-FR"/>
-          </a:p>
-        </p:txBody>
-      </p:sp>
-      <p:sp>
-        <p:nvSpPr>
-          <p:cNvPr id="3" name="Sous-titre 2"/>
-          <p:cNvSpPr>
-            <a:spLocks noGrp="1"/>
-          </p:cNvSpPr>
-          <p:nvPr>
-            <p:ph type="subTitle" idx="1"/>
-          </p:nvPr>
-        </p:nvSpPr>
-        <p:spPr>
-          <a:xfrm>
-            <a:off x="1371600" y="3886200"/>
-            <a:ext cx="6400800" cy="1752600"/>
-          </a:xfrm>
-        </p:spPr>
-        <p:txBody>
-          <a:bodyPr/>
+          <a:bodyPr lIns="0" rIns="18288"/>
           <a:lstStyle>
-            <a:lvl1pPr marL="0" indent="0" algn="ctr">
+            <a:lvl1pPr marL="0" marR="45720" indent="0" algn="r">
               <a:buNone/>
               <a:defRPr>
                 <a:solidFill>
-                  <a:schemeClr val="tx1">
-                    <a:tint val="75000"/>
-                  </a:schemeClr>
+                  <a:schemeClr val="tx1"/>
                 </a:solidFill>
               </a:defRPr>
             </a:lvl1pPr>
             <a:lvl2pPr marL="457200" indent="0" algn="ctr">
               <a:buNone/>
-              <a:defRPr>
-                <a:solidFill>
-                  <a:schemeClr val="tx1">
-                    <a:tint val="75000"/>
-                  </a:schemeClr>
-                </a:solidFill>
-              </a:defRPr>
             </a:lvl2pPr>
             <a:lvl3pPr marL="914400" indent="0" algn="ctr">
               <a:buNone/>
-              <a:defRPr>
-                <a:solidFill>
-                  <a:schemeClr val="tx1">
-                    <a:tint val="75000"/>
-                  </a:schemeClr>
-                </a:solidFill>
-              </a:defRPr>
             </a:lvl3pPr>
             <a:lvl4pPr marL="1371600" indent="0" algn="ctr">
               <a:buNone/>
-              <a:defRPr>
-                <a:solidFill>
-                  <a:schemeClr val="tx1">
-                    <a:tint val="75000"/>
-                  </a:schemeClr>
-                </a:solidFill>
-              </a:defRPr>
             </a:lvl4pPr>
             <a:lvl5pPr marL="1828800" indent="0" algn="ctr">
               <a:buNone/>
-              <a:defRPr>
-                <a:solidFill>
-                  <a:schemeClr val="tx1">
-                    <a:tint val="75000"/>
-                  </a:schemeClr>
-                </a:solidFill>
-              </a:defRPr>
             </a:lvl5pPr>
             <a:lvl6pPr marL="2286000" indent="0" algn="ctr">
               <a:buNone/>
-              <a:defRPr>
-                <a:solidFill>
-                  <a:schemeClr val="tx1">
-                    <a:tint val="75000"/>
-                  </a:schemeClr>
-                </a:solidFill>
-              </a:defRPr>
             </a:lvl6pPr>
             <a:lvl7pPr marL="2743200" indent="0" algn="ctr">
               <a:buNone/>
-              <a:defRPr>
-                <a:solidFill>
-                  <a:schemeClr val="tx1">
-                    <a:tint val="75000"/>
-                  </a:schemeClr>
-                </a:solidFill>
-              </a:defRPr>
             </a:lvl7pPr>
             <a:lvl8pPr marL="3200400" indent="0" algn="ctr">
               <a:buNone/>
-              <a:defRPr>
-                <a:solidFill>
-                  <a:schemeClr val="tx1">
-                    <a:tint val="75000"/>
-                  </a:schemeClr>
-                </a:solidFill>
-              </a:defRPr>
             </a:lvl8pPr>
             <a:lvl9pPr marL="3657600" indent="0" algn="ctr">
               <a:buNone/>
-              <a:defRPr>
-                <a:solidFill>
-                  <a:schemeClr val="tx1">
-                    <a:tint val="75000"/>
-                  </a:schemeClr>
-                </a:solidFill>
-              </a:defRPr>
             </a:lvl9pPr>
           </a:lstStyle>
           <a:p>
             <a:r>
-              <a:rPr lang="fr-FR" smtClean="0"/>
+              <a:rPr kumimoji="0" lang="fr-FR" smtClean="0"/>
               <a:t>Modifiez le style des sous-titres du masque</a:t>
             </a:r>
-            <a:endParaRPr lang="fr-FR"/>
-          </a:p>
-        </p:txBody>
-      </p:sp>
-      <p:sp>
-        <p:nvSpPr>
-          <p:cNvPr id="4" name="Espace réservé de la date 3"/>
+            <a:endParaRPr kumimoji="0" lang="en-US"/>
+          </a:p>
+        </p:txBody>
+      </p:sp>
+      <p:sp>
+        <p:nvSpPr>
+          <p:cNvPr id="30" name="Date Placeholder 29"/>
           <p:cNvSpPr>
             <a:spLocks noGrp="1"/>
           </p:cNvSpPr>
@@ -298,7 +296,7 @@
           <a:p>
             <a:fld id="{4F38D3F6-E48F-4950-AC1B-79C88B17E831}" type="datetimeFigureOut">
               <a:rPr lang="fr-FR" smtClean="0"/>
-              <a:t>05/11/2017</a:t>
+              <a:t>04/12/2017</a:t>
             </a:fld>
             <a:endParaRPr lang="fr-FR"/>
           </a:p>
@@ -306,7 +304,7 @@
       </p:sp>
       <p:sp>
         <p:nvSpPr>
-          <p:cNvPr id="5" name="Espace réservé du pied de page 4"/>
+          <p:cNvPr id="19" name="Footer Placeholder 18"/>
           <p:cNvSpPr>
             <a:spLocks noGrp="1"/>
           </p:cNvSpPr>
@@ -325,7 +323,7 @@
       </p:sp>
       <p:sp>
         <p:nvSpPr>
-          <p:cNvPr id="6" name="Espace réservé du numéro de diapositive 5"/>
+          <p:cNvPr id="27" name="Slide Number Placeholder 26"/>
           <p:cNvSpPr>
             <a:spLocks noGrp="1"/>
           </p:cNvSpPr>
@@ -347,20 +345,15 @@
         </p:txBody>
       </p:sp>
     </p:spTree>
-    <p:extLst>
-      <p:ext uri="{BB962C8B-B14F-4D97-AF65-F5344CB8AC3E}">
-        <p14:creationId xmlns:p14="http://schemas.microsoft.com/office/powerpoint/2010/main" val="3769279086"/>
-      </p:ext>
-    </p:extLst>
   </p:cSld>
   <p:clrMapOvr>
-    <a:masterClrMapping/>
+    <a:overrideClrMapping bg1="lt1" tx1="dk1" bg2="lt2" tx2="dk2" accent1="accent1" accent2="accent2" accent3="accent3" accent4="accent4" accent5="accent5" accent6="accent6" hlink="hlink" folHlink="folHlink"/>
   </p:clrMapOvr>
 </p:sldLayout>
 </file>
 
 <file path=ppt/slideLayouts/slideLayout10.xml><?xml version="1.0" encoding="utf-8"?>
-<p:sldLayout xmlns:a="http://schemas.openxmlformats.org/drawingml/2006/main" xmlns:r="http://schemas.openxmlformats.org/officeDocument/2006/relationships" xmlns:p="http://schemas.openxmlformats.org/presentationml/2006/main" type="vertTx" preserve="1">
+<p:sldLayout xmlns:a="http://schemas.openxmlformats.org/drawingml/2006/main" xmlns:r="http://schemas.openxmlformats.org/officeDocument/2006/relationships" xmlns:p="http://schemas.openxmlformats.org/presentationml/2006/main" preserve="1" userDrawn="1">
   <p:cSld name="Titre et texte vertical">
     <p:spTree>
       <p:nvGrpSpPr>
@@ -378,30 +371,7 @@
       </p:grpSpPr>
       <p:sp>
         <p:nvSpPr>
-          <p:cNvPr id="2" name="Titre 1"/>
-          <p:cNvSpPr>
-            <a:spLocks noGrp="1"/>
-          </p:cNvSpPr>
-          <p:nvPr>
-            <p:ph type="title"/>
-          </p:nvPr>
-        </p:nvSpPr>
-        <p:spPr/>
-        <p:txBody>
-          <a:bodyPr/>
-          <a:lstStyle/>
-          <a:p>
-            <a:r>
-              <a:rPr lang="fr-FR" smtClean="0"/>
-              <a:t>Modifiez le style du titre</a:t>
-            </a:r>
-            <a:endParaRPr lang="fr-FR"/>
-          </a:p>
-        </p:txBody>
-      </p:sp>
-      <p:sp>
-        <p:nvSpPr>
-          <p:cNvPr id="3" name="Espace réservé du texte vertical 2"/>
+          <p:cNvPr id="3" name="Vertical Text Placeholder 2"/>
           <p:cNvSpPr>
             <a:spLocks noGrp="1"/>
           </p:cNvSpPr>
@@ -409,51 +379,56 @@
             <p:ph type="body" orient="vert" idx="1"/>
           </p:nvPr>
         </p:nvSpPr>
-        <p:spPr/>
+        <p:spPr>
+          <a:xfrm>
+            <a:off x="457200" y="825320"/>
+            <a:ext cx="8229600" cy="5499280"/>
+          </a:xfrm>
+        </p:spPr>
         <p:txBody>
           <a:bodyPr vert="eaVert"/>
           <a:lstStyle/>
           <a:p>
-            <a:pPr lvl="0"/>
+            <a:pPr lvl="0" eaLnBrk="1" latinLnBrk="0" hangingPunct="1"/>
             <a:r>
               <a:rPr lang="fr-FR" smtClean="0"/>
               <a:t>Modifiez les styles du texte du masque</a:t>
             </a:r>
           </a:p>
           <a:p>
-            <a:pPr lvl="1"/>
+            <a:pPr lvl="1" eaLnBrk="1" latinLnBrk="0" hangingPunct="1"/>
             <a:r>
               <a:rPr lang="fr-FR" smtClean="0"/>
               <a:t>Deuxième niveau</a:t>
             </a:r>
           </a:p>
           <a:p>
-            <a:pPr lvl="2"/>
+            <a:pPr lvl="2" eaLnBrk="1" latinLnBrk="0" hangingPunct="1"/>
             <a:r>
               <a:rPr lang="fr-FR" smtClean="0"/>
               <a:t>Troisième niveau</a:t>
             </a:r>
           </a:p>
           <a:p>
-            <a:pPr lvl="3"/>
+            <a:pPr lvl="3" eaLnBrk="1" latinLnBrk="0" hangingPunct="1"/>
             <a:r>
               <a:rPr lang="fr-FR" smtClean="0"/>
               <a:t>Quatrième niveau</a:t>
             </a:r>
           </a:p>
           <a:p>
-            <a:pPr lvl="4"/>
+            <a:pPr lvl="4" eaLnBrk="1" latinLnBrk="0" hangingPunct="1"/>
             <a:r>
               <a:rPr lang="fr-FR" smtClean="0"/>
               <a:t>Cinquième niveau</a:t>
             </a:r>
-            <a:endParaRPr lang="fr-FR"/>
-          </a:p>
-        </p:txBody>
-      </p:sp>
-      <p:sp>
-        <p:nvSpPr>
-          <p:cNvPr id="4" name="Espace réservé de la date 3"/>
+            <a:endParaRPr kumimoji="0" lang="en-US"/>
+          </a:p>
+        </p:txBody>
+      </p:sp>
+      <p:sp>
+        <p:nvSpPr>
+          <p:cNvPr id="4" name="Date Placeholder 3"/>
           <p:cNvSpPr>
             <a:spLocks noGrp="1"/>
           </p:cNvSpPr>
@@ -468,7 +443,7 @@
           <a:p>
             <a:fld id="{4F38D3F6-E48F-4950-AC1B-79C88B17E831}" type="datetimeFigureOut">
               <a:rPr lang="fr-FR" smtClean="0"/>
-              <a:t>05/11/2017</a:t>
+              <a:t>04/12/2017</a:t>
             </a:fld>
             <a:endParaRPr lang="fr-FR"/>
           </a:p>
@@ -476,7 +451,7 @@
       </p:sp>
       <p:sp>
         <p:nvSpPr>
-          <p:cNvPr id="5" name="Espace réservé du pied de page 4"/>
+          <p:cNvPr id="5" name="Footer Placeholder 4"/>
           <p:cNvSpPr>
             <a:spLocks noGrp="1"/>
           </p:cNvSpPr>
@@ -495,7 +470,7 @@
       </p:sp>
       <p:sp>
         <p:nvSpPr>
-          <p:cNvPr id="6" name="Espace réservé du numéro de diapositive 5"/>
+          <p:cNvPr id="6" name="Slide Number Placeholder 5"/>
           <p:cNvSpPr>
             <a:spLocks noGrp="1"/>
           </p:cNvSpPr>
@@ -516,12 +491,57 @@
           </a:p>
         </p:txBody>
       </p:sp>
+      <p:sp>
+        <p:nvSpPr>
+          <p:cNvPr id="7" name="Title 1"/>
+          <p:cNvSpPr txBox="1">
+            <a:spLocks/>
+          </p:cNvSpPr>
+          <p:nvPr userDrawn="1"/>
+        </p:nvSpPr>
+        <p:spPr>
+          <a:xfrm>
+            <a:off x="467544" y="260648"/>
+            <a:ext cx="8229600" cy="564672"/>
+          </a:xfrm>
+          <a:prstGeom prst="rect">
+            <a:avLst/>
+          </a:prstGeom>
+        </p:spPr>
+        <p:txBody>
+          <a:bodyPr vert="horz" lIns="0" rIns="0" bIns="0" anchor="b">
+            <a:noAutofit/>
+          </a:bodyPr>
+          <a:lstStyle>
+            <a:lvl1pPr algn="l" rtl="0" eaLnBrk="1" latinLnBrk="0" hangingPunct="1">
+              <a:spcBef>
+                <a:spcPct val="0"/>
+              </a:spcBef>
+              <a:buNone/>
+              <a:defRPr kumimoji="0" sz="4000" b="0" kern="1200">
+                <a:ln>
+                  <a:noFill/>
+                </a:ln>
+                <a:solidFill>
+                  <a:schemeClr val="tx2"/>
+                </a:solidFill>
+                <a:effectLst/>
+                <a:latin typeface="+mj-lt"/>
+                <a:ea typeface="+mj-ea"/>
+                <a:cs typeface="+mj-cs"/>
+              </a:defRPr>
+            </a:lvl1pPr>
+          </a:lstStyle>
+          <a:p>
+            <a:r>
+              <a:rPr lang="fr-FR" dirty="0" smtClean="0"/>
+              <a:t>Modifiez le style du titre</a:t>
+            </a:r>
+            <a:endParaRPr lang="en-US" dirty="0"/>
+          </a:p>
+        </p:txBody>
+      </p:sp>
     </p:spTree>
-    <p:extLst>
-      <p:ext uri="{BB962C8B-B14F-4D97-AF65-F5344CB8AC3E}">
-        <p14:creationId xmlns:p14="http://schemas.microsoft.com/office/powerpoint/2010/main" val="2900850838"/>
-      </p:ext>
-    </p:extLst>
   </p:cSld>
   <p:clrMapOvr>
     <a:masterClrMapping/>
@@ -548,7 +568,7 @@
       </p:grpSpPr>
       <p:sp>
         <p:nvSpPr>
-          <p:cNvPr id="2" name="Titre vertical 1"/>
+          <p:cNvPr id="2" name="Vertical Title 1"/>
           <p:cNvSpPr>
             <a:spLocks noGrp="1"/>
           </p:cNvSpPr>
@@ -558,25 +578,31 @@
         </p:nvSpPr>
         <p:spPr>
           <a:xfrm>
-            <a:off x="6629400" y="274638"/>
-            <a:ext cx="2057400" cy="5851525"/>
+            <a:off x="8028384" y="914401"/>
+            <a:ext cx="658416" cy="5211763"/>
           </a:xfrm>
         </p:spPr>
         <p:txBody>
-          <a:bodyPr vert="eaVert"/>
-          <a:lstStyle/>
-          <a:p>
-            <a:r>
-              <a:rPr lang="fr-FR" smtClean="0"/>
+          <a:bodyPr vert="eaVert">
+            <a:normAutofit/>
+          </a:bodyPr>
+          <a:lstStyle>
+            <a:lvl1pPr>
+              <a:defRPr sz="4000"/>
+            </a:lvl1pPr>
+          </a:lstStyle>
+          <a:p>
+            <a:r>
+              <a:rPr kumimoji="0" lang="fr-FR" dirty="0" smtClean="0"/>
               <a:t>Modifiez le style du titre</a:t>
             </a:r>
-            <a:endParaRPr lang="fr-FR"/>
-          </a:p>
-        </p:txBody>
-      </p:sp>
-      <p:sp>
-        <p:nvSpPr>
-          <p:cNvPr id="3" name="Espace réservé du texte vertical 2"/>
+            <a:endParaRPr kumimoji="0" lang="en-US" dirty="0"/>
+          </a:p>
+        </p:txBody>
+      </p:sp>
+      <p:sp>
+        <p:nvSpPr>
+          <p:cNvPr id="3" name="Vertical Text Placeholder 2"/>
           <p:cNvSpPr>
             <a:spLocks noGrp="1"/>
           </p:cNvSpPr>
@@ -586,54 +612,54 @@
         </p:nvSpPr>
         <p:spPr>
           <a:xfrm>
-            <a:off x="457200" y="274638"/>
-            <a:ext cx="6019800" cy="5851525"/>
+            <a:off x="457200" y="914401"/>
+            <a:ext cx="7427168" cy="5211763"/>
           </a:xfrm>
         </p:spPr>
         <p:txBody>
           <a:bodyPr vert="eaVert"/>
           <a:lstStyle/>
           <a:p>
-            <a:pPr lvl="0"/>
+            <a:pPr lvl="0" eaLnBrk="1" latinLnBrk="0" hangingPunct="1"/>
             <a:r>
               <a:rPr lang="fr-FR" smtClean="0"/>
               <a:t>Modifiez les styles du texte du masque</a:t>
             </a:r>
           </a:p>
           <a:p>
-            <a:pPr lvl="1"/>
+            <a:pPr lvl="1" eaLnBrk="1" latinLnBrk="0" hangingPunct="1"/>
             <a:r>
               <a:rPr lang="fr-FR" smtClean="0"/>
               <a:t>Deuxième niveau</a:t>
             </a:r>
           </a:p>
           <a:p>
-            <a:pPr lvl="2"/>
+            <a:pPr lvl="2" eaLnBrk="1" latinLnBrk="0" hangingPunct="1"/>
             <a:r>
               <a:rPr lang="fr-FR" smtClean="0"/>
               <a:t>Troisième niveau</a:t>
             </a:r>
           </a:p>
           <a:p>
-            <a:pPr lvl="3"/>
+            <a:pPr lvl="3" eaLnBrk="1" latinLnBrk="0" hangingPunct="1"/>
             <a:r>
               <a:rPr lang="fr-FR" smtClean="0"/>
               <a:t>Quatrième niveau</a:t>
             </a:r>
           </a:p>
           <a:p>
-            <a:pPr lvl="4"/>
+            <a:pPr lvl="4" eaLnBrk="1" latinLnBrk="0" hangingPunct="1"/>
             <a:r>
               <a:rPr lang="fr-FR" smtClean="0"/>
               <a:t>Cinquième niveau</a:t>
             </a:r>
-            <a:endParaRPr lang="fr-FR"/>
-          </a:p>
-        </p:txBody>
-      </p:sp>
-      <p:sp>
-        <p:nvSpPr>
-          <p:cNvPr id="4" name="Espace réservé de la date 3"/>
+            <a:endParaRPr kumimoji="0" lang="en-US"/>
+          </a:p>
+        </p:txBody>
+      </p:sp>
+      <p:sp>
+        <p:nvSpPr>
+          <p:cNvPr id="4" name="Date Placeholder 3"/>
           <p:cNvSpPr>
             <a:spLocks noGrp="1"/>
           </p:cNvSpPr>
@@ -648,7 +674,7 @@
           <a:p>
             <a:fld id="{4F38D3F6-E48F-4950-AC1B-79C88B17E831}" type="datetimeFigureOut">
               <a:rPr lang="fr-FR" smtClean="0"/>
-              <a:t>05/11/2017</a:t>
+              <a:t>04/12/2017</a:t>
             </a:fld>
             <a:endParaRPr lang="fr-FR"/>
           </a:p>
@@ -656,7 +682,7 @@
       </p:sp>
       <p:sp>
         <p:nvSpPr>
-          <p:cNvPr id="5" name="Espace réservé du pied de page 4"/>
+          <p:cNvPr id="5" name="Footer Placeholder 4"/>
           <p:cNvSpPr>
             <a:spLocks noGrp="1"/>
           </p:cNvSpPr>
@@ -675,7 +701,7 @@
       </p:sp>
       <p:sp>
         <p:nvSpPr>
-          <p:cNvPr id="6" name="Espace réservé du numéro de diapositive 5"/>
+          <p:cNvPr id="6" name="Slide Number Placeholder 5"/>
           <p:cNvSpPr>
             <a:spLocks noGrp="1"/>
           </p:cNvSpPr>
@@ -697,11 +723,6 @@
         </p:txBody>
       </p:sp>
     </p:spTree>
-    <p:extLst>
-      <p:ext uri="{BB962C8B-B14F-4D97-AF65-F5344CB8AC3E}">
-        <p14:creationId xmlns:p14="http://schemas.microsoft.com/office/powerpoint/2010/main" val="1320824177"/>
-      </p:ext>
-    </p:extLst>
   </p:cSld>
   <p:clrMapOvr>
     <a:masterClrMapping/>
@@ -728,7 +749,7 @@
       </p:grpSpPr>
       <p:sp>
         <p:nvSpPr>
-          <p:cNvPr id="2" name="Titre 1"/>
+          <p:cNvPr id="2" name="Title 1"/>
           <p:cNvSpPr>
             <a:spLocks noGrp="1"/>
           </p:cNvSpPr>
@@ -736,74 +757,90 @@
             <p:ph type="title"/>
           </p:nvPr>
         </p:nvSpPr>
-        <p:spPr/>
+        <p:spPr>
+          <a:xfrm>
+            <a:off x="467544" y="260648"/>
+            <a:ext cx="8229600" cy="564672"/>
+          </a:xfrm>
+        </p:spPr>
+        <p:txBody>
+          <a:bodyPr>
+            <a:noAutofit/>
+          </a:bodyPr>
+          <a:lstStyle>
+            <a:lvl1pPr>
+              <a:defRPr sz="4000"/>
+            </a:lvl1pPr>
+          </a:lstStyle>
+          <a:p>
+            <a:r>
+              <a:rPr kumimoji="0" lang="fr-FR" dirty="0" smtClean="0"/>
+              <a:t>Modifiez le style du titre</a:t>
+            </a:r>
+            <a:endParaRPr kumimoji="0" lang="en-US" dirty="0"/>
+          </a:p>
+        </p:txBody>
+      </p:sp>
+      <p:sp>
+        <p:nvSpPr>
+          <p:cNvPr id="3" name="Content Placeholder 2"/>
+          <p:cNvSpPr>
+            <a:spLocks noGrp="1"/>
+          </p:cNvSpPr>
+          <p:nvPr>
+            <p:ph idx="1"/>
+          </p:nvPr>
+        </p:nvSpPr>
+        <p:spPr>
+          <a:xfrm>
+            <a:off x="457200" y="1052736"/>
+            <a:ext cx="8229600" cy="5271864"/>
+          </a:xfrm>
+        </p:spPr>
         <p:txBody>
           <a:bodyPr/>
           <a:lstStyle/>
           <a:p>
-            <a:r>
-              <a:rPr lang="fr-FR" smtClean="0"/>
-              <a:t>Modifiez le style du titre</a:t>
-            </a:r>
-            <a:endParaRPr lang="fr-FR"/>
-          </a:p>
-        </p:txBody>
-      </p:sp>
-      <p:sp>
-        <p:nvSpPr>
-          <p:cNvPr id="3" name="Espace réservé du contenu 2"/>
-          <p:cNvSpPr>
-            <a:spLocks noGrp="1"/>
-          </p:cNvSpPr>
-          <p:nvPr>
-            <p:ph idx="1"/>
-          </p:nvPr>
-        </p:nvSpPr>
-        <p:spPr/>
-        <p:txBody>
-          <a:bodyPr/>
-          <a:lstStyle/>
-          <a:p>
-            <a:pPr lvl="0"/>
-            <a:r>
-              <a:rPr lang="fr-FR" smtClean="0"/>
+            <a:pPr lvl="0" eaLnBrk="1" latinLnBrk="0" hangingPunct="1"/>
+            <a:r>
+              <a:rPr lang="fr-FR" dirty="0" smtClean="0"/>
               <a:t>Modifiez les styles du texte du masque</a:t>
             </a:r>
           </a:p>
           <a:p>
-            <a:pPr lvl="1"/>
-            <a:r>
-              <a:rPr lang="fr-FR" smtClean="0"/>
+            <a:pPr lvl="1" eaLnBrk="1" latinLnBrk="0" hangingPunct="1"/>
+            <a:r>
+              <a:rPr lang="fr-FR" dirty="0" smtClean="0"/>
               <a:t>Deuxième niveau</a:t>
             </a:r>
           </a:p>
           <a:p>
-            <a:pPr lvl="2"/>
-            <a:r>
-              <a:rPr lang="fr-FR" smtClean="0"/>
+            <a:pPr lvl="2" eaLnBrk="1" latinLnBrk="0" hangingPunct="1"/>
+            <a:r>
+              <a:rPr lang="fr-FR" dirty="0" smtClean="0"/>
               <a:t>Troisième niveau</a:t>
             </a:r>
           </a:p>
           <a:p>
-            <a:pPr lvl="3"/>
-            <a:r>
-              <a:rPr lang="fr-FR" smtClean="0"/>
+            <a:pPr lvl="3" eaLnBrk="1" latinLnBrk="0" hangingPunct="1"/>
+            <a:r>
+              <a:rPr lang="fr-FR" dirty="0" smtClean="0"/>
               <a:t>Quatrième niveau</a:t>
             </a:r>
           </a:p>
           <a:p>
-            <a:pPr lvl="4"/>
-            <a:r>
-              <a:rPr lang="fr-FR" smtClean="0"/>
+            <a:pPr lvl="4" eaLnBrk="1" latinLnBrk="0" hangingPunct="1"/>
+            <a:r>
+              <a:rPr lang="fr-FR" dirty="0" smtClean="0"/>
               <a:t>Cinquième niveau</a:t>
             </a:r>
-            <a:endParaRPr lang="fr-FR"/>
-          </a:p>
-        </p:txBody>
-      </p:sp>
-      <p:sp>
-        <p:nvSpPr>
-          <p:cNvPr id="4" name="Espace réservé de la date 3"/>
+            <a:endParaRPr kumimoji="0" lang="en-US" dirty="0"/>
+          </a:p>
+        </p:txBody>
+      </p:sp>
+      <p:sp>
+        <p:nvSpPr>
+          <p:cNvPr id="4" name="Date Placeholder 3"/>
           <p:cNvSpPr>
             <a:spLocks noGrp="1"/>
           </p:cNvSpPr>
@@ -818,7 +855,7 @@
           <a:p>
             <a:fld id="{4F38D3F6-E48F-4950-AC1B-79C88B17E831}" type="datetimeFigureOut">
               <a:rPr lang="fr-FR" smtClean="0"/>
-              <a:t>05/11/2017</a:t>
+              <a:t>04/12/2017</a:t>
             </a:fld>
             <a:endParaRPr lang="fr-FR"/>
           </a:p>
@@ -826,7 +863,7 @@
       </p:sp>
       <p:sp>
         <p:nvSpPr>
-          <p:cNvPr id="5" name="Espace réservé du pied de page 4"/>
+          <p:cNvPr id="5" name="Footer Placeholder 4"/>
           <p:cNvSpPr>
             <a:spLocks noGrp="1"/>
           </p:cNvSpPr>
@@ -845,7 +882,7 @@
       </p:sp>
       <p:sp>
         <p:nvSpPr>
-          <p:cNvPr id="6" name="Espace réservé du numéro de diapositive 5"/>
+          <p:cNvPr id="6" name="Slide Number Placeholder 5"/>
           <p:cNvSpPr>
             <a:spLocks noGrp="1"/>
           </p:cNvSpPr>
@@ -867,11 +904,6 @@
         </p:txBody>
       </p:sp>
     </p:spTree>
-    <p:extLst>
-      <p:ext uri="{BB962C8B-B14F-4D97-AF65-F5344CB8AC3E}">
-        <p14:creationId xmlns:p14="http://schemas.microsoft.com/office/powerpoint/2010/main" val="1837876579"/>
-      </p:ext>
-    </p:extLst>
   </p:cSld>
   <p:clrMapOvr>
     <a:masterClrMapping/>
@@ -882,6 +914,11 @@
 <file path=ppt/slideLayouts/slideLayout3.xml><?xml version="1.0" encoding="utf-8"?>
 <p:sldLayout xmlns:a="http://schemas.openxmlformats.org/drawingml/2006/main" xmlns:r="http://schemas.openxmlformats.org/officeDocument/2006/relationships" xmlns:p="http://schemas.openxmlformats.org/presentationml/2006/main" type="secHead" preserve="1">
   <p:cSld name="Titre de section">
+    <p:bg>
+      <p:bgRef idx="1003">
+        <a:schemeClr val="bg1"/>
+      </p:bgRef>
+    </p:bg>
     <p:spTree>
       <p:nvGrpSpPr>
         <p:cNvPr id="1" name=""/>
@@ -898,7 +935,7 @@
       </p:grpSpPr>
       <p:sp>
         <p:nvSpPr>
-          <p:cNvPr id="2" name="Titre 1"/>
+          <p:cNvPr id="2" name="Title 1"/>
           <p:cNvSpPr>
             <a:spLocks noGrp="1"/>
           </p:cNvSpPr>
@@ -908,56 +945,92 @@
         </p:nvSpPr>
         <p:spPr>
           <a:xfrm>
-            <a:off x="722313" y="4406900"/>
-            <a:ext cx="7772400" cy="1362075"/>
+            <a:off x="530352" y="1316736"/>
+            <a:ext cx="7772400" cy="1362456"/>
+          </a:xfrm>
+          <a:ln>
+            <a:noFill/>
+          </a:ln>
+        </p:spPr>
+        <p:txBody>
+          <a:bodyPr vert="horz" tIns="0" bIns="0" anchor="b">
+            <a:noAutofit/>
+            <a:scene3d>
+              <a:camera prst="orthographicFront"/>
+              <a:lightRig rig="freezing" dir="t">
+                <a:rot lat="0" lon="0" rev="5640000"/>
+              </a:lightRig>
+            </a:scene3d>
+            <a:sp3d prstMaterial="flat">
+              <a:bevelT w="38100" h="38100"/>
+            </a:sp3d>
+          </a:bodyPr>
+          <a:lstStyle>
+            <a:lvl1pPr algn="l" rtl="0">
+              <a:spcBef>
+                <a:spcPct val="0"/>
+              </a:spcBef>
+              <a:buNone/>
+              <a:defRPr lang="en-US" sz="5600" b="1" cap="none" baseline="0" dirty="0">
+                <a:ln w="635">
+                  <a:noFill/>
+                </a:ln>
+                <a:solidFill>
+                  <a:schemeClr val="accent4">
+                    <a:tint val="90000"/>
+                    <a:satMod val="125000"/>
+                  </a:schemeClr>
+                </a:solidFill>
+                <a:effectLst>
+                  <a:outerShdw blurRad="38100" dist="25400" dir="5400000" algn="tl" rotWithShape="0">
+                    <a:srgbClr val="000000">
+                      <a:alpha val="43000"/>
+                    </a:srgbClr>
+                  </a:outerShdw>
+                </a:effectLst>
+                <a:latin typeface="+mj-lt"/>
+                <a:ea typeface="+mj-ea"/>
+                <a:cs typeface="+mj-cs"/>
+              </a:defRPr>
+            </a:lvl1pPr>
+          </a:lstStyle>
+          <a:p>
+            <a:r>
+              <a:rPr kumimoji="0" lang="fr-FR" smtClean="0"/>
+              <a:t>Modifiez le style du titre</a:t>
+            </a:r>
+            <a:endParaRPr kumimoji="0" lang="en-US"/>
+          </a:p>
+        </p:txBody>
+      </p:sp>
+      <p:sp>
+        <p:nvSpPr>
+          <p:cNvPr id="3" name="Text Placeholder 2"/>
+          <p:cNvSpPr>
+            <a:spLocks noGrp="1"/>
+          </p:cNvSpPr>
+          <p:nvPr>
+            <p:ph type="body" idx="1"/>
+          </p:nvPr>
+        </p:nvSpPr>
+        <p:spPr>
+          <a:xfrm>
+            <a:off x="530352" y="2704664"/>
+            <a:ext cx="7772400" cy="1509712"/>
           </a:xfrm>
         </p:spPr>
         <p:txBody>
-          <a:bodyPr anchor="t"/>
-          <a:lstStyle>
-            <a:lvl1pPr algn="l">
-              <a:defRPr sz="4000" b="1" cap="all"/>
-            </a:lvl1pPr>
-          </a:lstStyle>
-          <a:p>
-            <a:r>
-              <a:rPr lang="fr-FR" smtClean="0"/>
-              <a:t>Modifiez le style du titre</a:t>
-            </a:r>
-            <a:endParaRPr lang="fr-FR"/>
-          </a:p>
-        </p:txBody>
-      </p:sp>
-      <p:sp>
-        <p:nvSpPr>
-          <p:cNvPr id="3" name="Espace réservé du texte 2"/>
-          <p:cNvSpPr>
-            <a:spLocks noGrp="1"/>
-          </p:cNvSpPr>
-          <p:nvPr>
-            <p:ph type="body" idx="1"/>
-          </p:nvPr>
-        </p:nvSpPr>
-        <p:spPr>
-          <a:xfrm>
-            <a:off x="722313" y="2906713"/>
-            <a:ext cx="7772400" cy="1500187"/>
-          </a:xfrm>
-        </p:spPr>
-        <p:txBody>
-          <a:bodyPr anchor="b"/>
+          <a:bodyPr lIns="45720" rIns="45720" anchor="t"/>
           <a:lstStyle>
             <a:lvl1pPr marL="0" indent="0">
               <a:buNone/>
-              <a:defRPr sz="2000">
+              <a:defRPr sz="2200">
                 <a:solidFill>
-                  <a:schemeClr val="tx1">
-                    <a:tint val="75000"/>
-                  </a:schemeClr>
+                  <a:schemeClr val="tx1"/>
                 </a:solidFill>
               </a:defRPr>
             </a:lvl1pPr>
-            <a:lvl2pPr marL="457200" indent="0">
+            <a:lvl2pPr>
               <a:buNone/>
               <a:defRPr sz="1800">
                 <a:solidFill>
@@ -967,7 +1040,7 @@
                 </a:solidFill>
               </a:defRPr>
             </a:lvl2pPr>
-            <a:lvl3pPr marL="914400" indent="0">
+            <a:lvl3pPr>
               <a:buNone/>
               <a:defRPr sz="1600">
                 <a:solidFill>
@@ -977,7 +1050,7 @@
                 </a:solidFill>
               </a:defRPr>
             </a:lvl3pPr>
-            <a:lvl4pPr marL="1371600" indent="0">
+            <a:lvl4pPr>
               <a:buNone/>
               <a:defRPr sz="1400">
                 <a:solidFill>
@@ -987,7 +1060,7 @@
                 </a:solidFill>
               </a:defRPr>
             </a:lvl4pPr>
-            <a:lvl5pPr marL="1828800" indent="0">
+            <a:lvl5pPr>
               <a:buNone/>
               <a:defRPr sz="1400">
                 <a:solidFill>
@@ -997,51 +1070,11 @@
                 </a:solidFill>
               </a:defRPr>
             </a:lvl5pPr>
-            <a:lvl6pPr marL="2286000" indent="0">
-              <a:buNone/>
-              <a:defRPr sz="1400">
-                <a:solidFill>
-                  <a:schemeClr val="tx1">
-                    <a:tint val="75000"/>
-                  </a:schemeClr>
-                </a:solidFill>
-              </a:defRPr>
-            </a:lvl6pPr>
-            <a:lvl7pPr marL="2743200" indent="0">
-              <a:buNone/>
-              <a:defRPr sz="1400">
-                <a:solidFill>
-                  <a:schemeClr val="tx1">
-                    <a:tint val="75000"/>
-                  </a:schemeClr>
-                </a:solidFill>
-              </a:defRPr>
-            </a:lvl7pPr>
-            <a:lvl8pPr marL="3200400" indent="0">
-              <a:buNone/>
-              <a:defRPr sz="1400">
-                <a:solidFill>
-                  <a:schemeClr val="tx1">
-                    <a:tint val="75000"/>
-                  </a:schemeClr>
-                </a:solidFill>
-              </a:defRPr>
-            </a:lvl8pPr>
-            <a:lvl9pPr marL="3657600" indent="0">
-              <a:buNone/>
-              <a:defRPr sz="1400">
-                <a:solidFill>
-                  <a:schemeClr val="tx1">
-                    <a:tint val="75000"/>
-                  </a:schemeClr>
-                </a:solidFill>
-              </a:defRPr>
-            </a:lvl9pPr>
           </a:lstStyle>
           <a:p>
-            <a:pPr lvl="0"/>
-            <a:r>
-              <a:rPr lang="fr-FR" smtClean="0"/>
+            <a:pPr lvl="0" eaLnBrk="1" latinLnBrk="0" hangingPunct="1"/>
+            <a:r>
+              <a:rPr kumimoji="0" lang="fr-FR" smtClean="0"/>
               <a:t>Modifiez les styles du texte du masque</a:t>
             </a:r>
           </a:p>
@@ -1049,7 +1082,7 @@
       </p:sp>
       <p:sp>
         <p:nvSpPr>
-          <p:cNvPr id="4" name="Espace réservé de la date 3"/>
+          <p:cNvPr id="4" name="Date Placeholder 3"/>
           <p:cNvSpPr>
             <a:spLocks noGrp="1"/>
           </p:cNvSpPr>
@@ -1064,7 +1097,7 @@
           <a:p>
             <a:fld id="{4F38D3F6-E48F-4950-AC1B-79C88B17E831}" type="datetimeFigureOut">
               <a:rPr lang="fr-FR" smtClean="0"/>
-              <a:t>05/11/2017</a:t>
+              <a:t>04/12/2017</a:t>
             </a:fld>
             <a:endParaRPr lang="fr-FR"/>
           </a:p>
@@ -1072,7 +1105,7 @@
       </p:sp>
       <p:sp>
         <p:nvSpPr>
-          <p:cNvPr id="5" name="Espace réservé du pied de page 4"/>
+          <p:cNvPr id="5" name="Footer Placeholder 4"/>
           <p:cNvSpPr>
             <a:spLocks noGrp="1"/>
           </p:cNvSpPr>
@@ -1091,7 +1124,7 @@
       </p:sp>
       <p:sp>
         <p:nvSpPr>
-          <p:cNvPr id="6" name="Espace réservé du numéro de diapositive 5"/>
+          <p:cNvPr id="6" name="Slide Number Placeholder 5"/>
           <p:cNvSpPr>
             <a:spLocks noGrp="1"/>
           </p:cNvSpPr>
@@ -1113,20 +1146,15 @@
         </p:txBody>
       </p:sp>
     </p:spTree>
-    <p:extLst>
-      <p:ext uri="{BB962C8B-B14F-4D97-AF65-F5344CB8AC3E}">
-        <p14:creationId xmlns:p14="http://schemas.microsoft.com/office/powerpoint/2010/main" val="1343332294"/>
-      </p:ext>
-    </p:extLst>
   </p:cSld>
   <p:clrMapOvr>
-    <a:masterClrMapping/>
+    <a:overrideClrMapping bg1="lt1" tx1="dk1" bg2="lt2" tx2="dk2" accent1="accent1" accent2="accent2" accent3="accent3" accent4="accent4" accent5="accent5" accent6="accent6" hlink="hlink" folHlink="folHlink"/>
   </p:clrMapOvr>
 </p:sldLayout>
 </file>
 
 <file path=ppt/slideLayouts/slideLayout4.xml><?xml version="1.0" encoding="utf-8"?>
-<p:sldLayout xmlns:a="http://schemas.openxmlformats.org/drawingml/2006/main" xmlns:r="http://schemas.openxmlformats.org/officeDocument/2006/relationships" xmlns:p="http://schemas.openxmlformats.org/presentationml/2006/main" type="twoObj" preserve="1">
+<p:sldLayout xmlns:a="http://schemas.openxmlformats.org/drawingml/2006/main" xmlns:r="http://schemas.openxmlformats.org/officeDocument/2006/relationships" xmlns:p="http://schemas.openxmlformats.org/presentationml/2006/main" preserve="1" userDrawn="1">
   <p:cSld name="Deux contenus">
     <p:spTree>
       <p:nvGrpSpPr>
@@ -1144,30 +1172,7 @@
       </p:grpSpPr>
       <p:sp>
         <p:nvSpPr>
-          <p:cNvPr id="2" name="Titre 1"/>
-          <p:cNvSpPr>
-            <a:spLocks noGrp="1"/>
-          </p:cNvSpPr>
-          <p:nvPr>
-            <p:ph type="title"/>
-          </p:nvPr>
-        </p:nvSpPr>
-        <p:spPr/>
-        <p:txBody>
-          <a:bodyPr/>
-          <a:lstStyle/>
-          <a:p>
-            <a:r>
-              <a:rPr lang="fr-FR" smtClean="0"/>
-              <a:t>Modifiez le style du titre</a:t>
-            </a:r>
-            <a:endParaRPr lang="fr-FR"/>
-          </a:p>
-        </p:txBody>
-      </p:sp>
-      <p:sp>
-        <p:nvSpPr>
-          <p:cNvPr id="3" name="Espace réservé du contenu 2"/>
+          <p:cNvPr id="3" name="Content Placeholder 2"/>
           <p:cNvSpPr>
             <a:spLocks noGrp="1"/>
           </p:cNvSpPr>
@@ -1177,15 +1182,15 @@
         </p:nvSpPr>
         <p:spPr>
           <a:xfrm>
-            <a:off x="457200" y="1600200"/>
-            <a:ext cx="4038600" cy="4525963"/>
+            <a:off x="457200" y="908720"/>
+            <a:ext cx="4038600" cy="5446205"/>
           </a:xfrm>
         </p:spPr>
         <p:txBody>
           <a:bodyPr/>
           <a:lstStyle>
             <a:lvl1pPr>
-              <a:defRPr sz="2800"/>
+              <a:defRPr sz="2600"/>
             </a:lvl1pPr>
             <a:lvl2pPr>
               <a:defRPr sz="2400"/>
@@ -1199,60 +1204,48 @@
             <a:lvl5pPr>
               <a:defRPr sz="1800"/>
             </a:lvl5pPr>
-            <a:lvl6pPr>
-              <a:defRPr sz="1800"/>
-            </a:lvl6pPr>
-            <a:lvl7pPr>
-              <a:defRPr sz="1800"/>
-            </a:lvl7pPr>
-            <a:lvl8pPr>
-              <a:defRPr sz="1800"/>
-            </a:lvl8pPr>
-            <a:lvl9pPr>
-              <a:defRPr sz="1800"/>
-            </a:lvl9pPr>
           </a:lstStyle>
           <a:p>
-            <a:pPr lvl="0"/>
+            <a:pPr lvl="0" eaLnBrk="1" latinLnBrk="0" hangingPunct="1"/>
             <a:r>
               <a:rPr lang="fr-FR" smtClean="0"/>
               <a:t>Modifiez les styles du texte du masque</a:t>
             </a:r>
           </a:p>
           <a:p>
-            <a:pPr lvl="1"/>
+            <a:pPr lvl="1" eaLnBrk="1" latinLnBrk="0" hangingPunct="1"/>
             <a:r>
               <a:rPr lang="fr-FR" smtClean="0"/>
               <a:t>Deuxième niveau</a:t>
             </a:r>
           </a:p>
           <a:p>
-            <a:pPr lvl="2"/>
+            <a:pPr lvl="2" eaLnBrk="1" latinLnBrk="0" hangingPunct="1"/>
             <a:r>
               <a:rPr lang="fr-FR" smtClean="0"/>
               <a:t>Troisième niveau</a:t>
             </a:r>
           </a:p>
           <a:p>
-            <a:pPr lvl="3"/>
+            <a:pPr lvl="3" eaLnBrk="1" latinLnBrk="0" hangingPunct="1"/>
             <a:r>
               <a:rPr lang="fr-FR" smtClean="0"/>
               <a:t>Quatrième niveau</a:t>
             </a:r>
           </a:p>
           <a:p>
-            <a:pPr lvl="4"/>
+            <a:pPr lvl="4" eaLnBrk="1" latinLnBrk="0" hangingPunct="1"/>
             <a:r>
               <a:rPr lang="fr-FR" smtClean="0"/>
               <a:t>Cinquième niveau</a:t>
             </a:r>
-            <a:endParaRPr lang="fr-FR"/>
-          </a:p>
-        </p:txBody>
-      </p:sp>
-      <p:sp>
-        <p:nvSpPr>
-          <p:cNvPr id="4" name="Espace réservé du contenu 3"/>
+            <a:endParaRPr kumimoji="0" lang="en-US"/>
+          </a:p>
+        </p:txBody>
+      </p:sp>
+      <p:sp>
+        <p:nvSpPr>
+          <p:cNvPr id="4" name="Content Placeholder 3"/>
           <p:cNvSpPr>
             <a:spLocks noGrp="1"/>
           </p:cNvSpPr>
@@ -1262,15 +1255,15 @@
         </p:nvSpPr>
         <p:spPr>
           <a:xfrm>
-            <a:off x="4648200" y="1600200"/>
-            <a:ext cx="4038600" cy="4525963"/>
+            <a:off x="4648200" y="908720"/>
+            <a:ext cx="4038600" cy="5446205"/>
           </a:xfrm>
         </p:spPr>
         <p:txBody>
           <a:bodyPr/>
           <a:lstStyle>
             <a:lvl1pPr>
-              <a:defRPr sz="2800"/>
+              <a:defRPr sz="2600"/>
             </a:lvl1pPr>
             <a:lvl2pPr>
               <a:defRPr sz="2400"/>
@@ -1284,60 +1277,48 @@
             <a:lvl5pPr>
               <a:defRPr sz="1800"/>
             </a:lvl5pPr>
-            <a:lvl6pPr>
-              <a:defRPr sz="1800"/>
-            </a:lvl6pPr>
-            <a:lvl7pPr>
-              <a:defRPr sz="1800"/>
-            </a:lvl7pPr>
-            <a:lvl8pPr>
-              <a:defRPr sz="1800"/>
-            </a:lvl8pPr>
-            <a:lvl9pPr>
-              <a:defRPr sz="1800"/>
-            </a:lvl9pPr>
           </a:lstStyle>
           <a:p>
-            <a:pPr lvl="0"/>
+            <a:pPr lvl="0" eaLnBrk="1" latinLnBrk="0" hangingPunct="1"/>
             <a:r>
               <a:rPr lang="fr-FR" smtClean="0"/>
               <a:t>Modifiez les styles du texte du masque</a:t>
             </a:r>
           </a:p>
           <a:p>
-            <a:pPr lvl="1"/>
+            <a:pPr lvl="1" eaLnBrk="1" latinLnBrk="0" hangingPunct="1"/>
             <a:r>
               <a:rPr lang="fr-FR" smtClean="0"/>
               <a:t>Deuxième niveau</a:t>
             </a:r>
           </a:p>
           <a:p>
-            <a:pPr lvl="2"/>
+            <a:pPr lvl="2" eaLnBrk="1" latinLnBrk="0" hangingPunct="1"/>
             <a:r>
               <a:rPr lang="fr-FR" smtClean="0"/>
               <a:t>Troisième niveau</a:t>
             </a:r>
           </a:p>
           <a:p>
-            <a:pPr lvl="3"/>
+            <a:pPr lvl="3" eaLnBrk="1" latinLnBrk="0" hangingPunct="1"/>
             <a:r>
               <a:rPr lang="fr-FR" smtClean="0"/>
               <a:t>Quatrième niveau</a:t>
             </a:r>
           </a:p>
           <a:p>
-            <a:pPr lvl="4"/>
+            <a:pPr lvl="4" eaLnBrk="1" latinLnBrk="0" hangingPunct="1"/>
             <a:r>
               <a:rPr lang="fr-FR" smtClean="0"/>
               <a:t>Cinquième niveau</a:t>
             </a:r>
-            <a:endParaRPr lang="fr-FR"/>
-          </a:p>
-        </p:txBody>
-      </p:sp>
-      <p:sp>
-        <p:nvSpPr>
-          <p:cNvPr id="5" name="Espace réservé de la date 4"/>
+            <a:endParaRPr kumimoji="0" lang="en-US"/>
+          </a:p>
+        </p:txBody>
+      </p:sp>
+      <p:sp>
+        <p:nvSpPr>
+          <p:cNvPr id="5" name="Date Placeholder 4"/>
           <p:cNvSpPr>
             <a:spLocks noGrp="1"/>
           </p:cNvSpPr>
@@ -1352,7 +1333,7 @@
           <a:p>
             <a:fld id="{4F38D3F6-E48F-4950-AC1B-79C88B17E831}" type="datetimeFigureOut">
               <a:rPr lang="fr-FR" smtClean="0"/>
-              <a:t>05/11/2017</a:t>
+              <a:t>04/12/2017</a:t>
             </a:fld>
             <a:endParaRPr lang="fr-FR"/>
           </a:p>
@@ -1360,7 +1341,7 @@
       </p:sp>
       <p:sp>
         <p:nvSpPr>
-          <p:cNvPr id="6" name="Espace réservé du pied de page 5"/>
+          <p:cNvPr id="6" name="Footer Placeholder 5"/>
           <p:cNvSpPr>
             <a:spLocks noGrp="1"/>
           </p:cNvSpPr>
@@ -1379,7 +1360,7 @@
       </p:sp>
       <p:sp>
         <p:nvSpPr>
-          <p:cNvPr id="7" name="Espace réservé du numéro de diapositive 6"/>
+          <p:cNvPr id="7" name="Slide Number Placeholder 6"/>
           <p:cNvSpPr>
             <a:spLocks noGrp="1"/>
           </p:cNvSpPr>
@@ -1400,12 +1381,57 @@
           </a:p>
         </p:txBody>
       </p:sp>
+      <p:sp>
+        <p:nvSpPr>
+          <p:cNvPr id="8" name="Title 1"/>
+          <p:cNvSpPr txBox="1">
+            <a:spLocks/>
+          </p:cNvSpPr>
+          <p:nvPr userDrawn="1"/>
+        </p:nvSpPr>
+        <p:spPr>
+          <a:xfrm>
+            <a:off x="467544" y="260648"/>
+            <a:ext cx="8229600" cy="564672"/>
+          </a:xfrm>
+          <a:prstGeom prst="rect">
+            <a:avLst/>
+          </a:prstGeom>
+        </p:spPr>
+        <p:txBody>
+          <a:bodyPr vert="horz" lIns="0" rIns="0" bIns="0" anchor="b">
+            <a:noAutofit/>
+          </a:bodyPr>
+          <a:lstStyle>
+            <a:lvl1pPr algn="l" rtl="0" eaLnBrk="1" latinLnBrk="0" hangingPunct="1">
+              <a:spcBef>
+                <a:spcPct val="0"/>
+              </a:spcBef>
+              <a:buNone/>
+              <a:defRPr kumimoji="0" sz="4000" b="0" kern="1200">
+                <a:ln>
+                  <a:noFill/>
+                </a:ln>
+                <a:solidFill>
+                  <a:schemeClr val="tx2"/>
+                </a:solidFill>
+                <a:effectLst/>
+                <a:latin typeface="+mj-lt"/>
+                <a:ea typeface="+mj-ea"/>
+                <a:cs typeface="+mj-cs"/>
+              </a:defRPr>
+            </a:lvl1pPr>
+          </a:lstStyle>
+          <a:p>
+            <a:r>
+              <a:rPr lang="fr-FR" dirty="0" smtClean="0"/>
+              <a:t>Modifiez le style du titre</a:t>
+            </a:r>
+            <a:endParaRPr lang="en-US" dirty="0"/>
+          </a:p>
+        </p:txBody>
+      </p:sp>
     </p:spTree>
-    <p:extLst>
-      <p:ext uri="{BB962C8B-B14F-4D97-AF65-F5344CB8AC3E}">
-        <p14:creationId xmlns:p14="http://schemas.microsoft.com/office/powerpoint/2010/main" val="849909659"/>
-      </p:ext>
-    </p:extLst>
   </p:cSld>
   <p:clrMapOvr>
     <a:masterClrMapping/>
@@ -1414,7 +1440,7 @@
 </file>
 
 <file path=ppt/slideLayouts/slideLayout5.xml><?xml version="1.0" encoding="utf-8"?>
-<p:sldLayout xmlns:a="http://schemas.openxmlformats.org/drawingml/2006/main" xmlns:r="http://schemas.openxmlformats.org/officeDocument/2006/relationships" xmlns:p="http://schemas.openxmlformats.org/presentationml/2006/main" type="twoTxTwoObj" preserve="1">
+<p:sldLayout xmlns:a="http://schemas.openxmlformats.org/drawingml/2006/main" xmlns:r="http://schemas.openxmlformats.org/officeDocument/2006/relationships" xmlns:p="http://schemas.openxmlformats.org/presentationml/2006/main" preserve="1" userDrawn="1">
   <p:cSld name="Comparaison">
     <p:spTree>
       <p:nvGrpSpPr>
@@ -1432,34 +1458,7 @@
       </p:grpSpPr>
       <p:sp>
         <p:nvSpPr>
-          <p:cNvPr id="2" name="Titre 1"/>
-          <p:cNvSpPr>
-            <a:spLocks noGrp="1"/>
-          </p:cNvSpPr>
-          <p:nvPr>
-            <p:ph type="title"/>
-          </p:nvPr>
-        </p:nvSpPr>
-        <p:spPr/>
-        <p:txBody>
-          <a:bodyPr/>
-          <a:lstStyle>
-            <a:lvl1pPr>
-              <a:defRPr/>
-            </a:lvl1pPr>
-          </a:lstStyle>
-          <a:p>
-            <a:r>
-              <a:rPr lang="fr-FR" smtClean="0"/>
-              <a:t>Modifiez le style du titre</a:t>
-            </a:r>
-            <a:endParaRPr lang="fr-FR"/>
-          </a:p>
-        </p:txBody>
-      </p:sp>
-      <p:sp>
-        <p:nvSpPr>
-          <p:cNvPr id="3" name="Espace réservé du texte 2"/>
+          <p:cNvPr id="3" name="Text Placeholder 2"/>
           <p:cNvSpPr>
             <a:spLocks noGrp="1"/>
           </p:cNvSpPr>
@@ -1469,54 +1468,99 @@
         </p:nvSpPr>
         <p:spPr>
           <a:xfrm>
-            <a:off x="457200" y="1535113"/>
-            <a:ext cx="4040188" cy="639762"/>
+            <a:off x="484664" y="832200"/>
+            <a:ext cx="4040188" cy="659352"/>
           </a:xfrm>
         </p:spPr>
         <p:txBody>
-          <a:bodyPr anchor="b"/>
+          <a:bodyPr lIns="45720" tIns="0" rIns="45720" bIns="0" anchor="ctr">
+            <a:noAutofit/>
+          </a:bodyPr>
           <a:lstStyle>
             <a:lvl1pPr marL="0" indent="0">
               <a:buNone/>
-              <a:defRPr sz="2400" b="1"/>
+              <a:defRPr sz="2400" b="1" cap="none" baseline="0">
+                <a:solidFill>
+                  <a:schemeClr val="tx2"/>
+                </a:solidFill>
+                <a:effectLst/>
+              </a:defRPr>
             </a:lvl1pPr>
-            <a:lvl2pPr marL="457200" indent="0">
+            <a:lvl2pPr>
               <a:buNone/>
               <a:defRPr sz="2000" b="1"/>
             </a:lvl2pPr>
-            <a:lvl3pPr marL="914400" indent="0">
+            <a:lvl3pPr>
               <a:buNone/>
               <a:defRPr sz="1800" b="1"/>
             </a:lvl3pPr>
-            <a:lvl4pPr marL="1371600" indent="0">
+            <a:lvl4pPr>
               <a:buNone/>
               <a:defRPr sz="1600" b="1"/>
             </a:lvl4pPr>
-            <a:lvl5pPr marL="1828800" indent="0">
+            <a:lvl5pPr>
               <a:buNone/>
               <a:defRPr sz="1600" b="1"/>
             </a:lvl5pPr>
-            <a:lvl6pPr marL="2286000" indent="0">
+          </a:lstStyle>
+          <a:p>
+            <a:pPr lvl="0" eaLnBrk="1" latinLnBrk="0" hangingPunct="1"/>
+            <a:r>
+              <a:rPr kumimoji="0" lang="fr-FR" dirty="0" smtClean="0"/>
+              <a:t>Modifiez les styles du texte du masque</a:t>
+            </a:r>
+          </a:p>
+        </p:txBody>
+      </p:sp>
+      <p:sp>
+        <p:nvSpPr>
+          <p:cNvPr id="4" name="Text Placeholder 3"/>
+          <p:cNvSpPr>
+            <a:spLocks noGrp="1"/>
+          </p:cNvSpPr>
+          <p:nvPr>
+            <p:ph type="body" sz="half" idx="3"/>
+          </p:nvPr>
+        </p:nvSpPr>
+        <p:spPr>
+          <a:xfrm>
+            <a:off x="4672489" y="836709"/>
+            <a:ext cx="4041775" cy="654843"/>
+          </a:xfrm>
+        </p:spPr>
+        <p:txBody>
+          <a:bodyPr lIns="45720" tIns="0" rIns="45720" bIns="0" anchor="ctr"/>
+          <a:lstStyle>
+            <a:lvl1pPr marL="0" indent="0">
+              <a:buNone/>
+              <a:defRPr sz="2400" b="1" cap="none" baseline="0">
+                <a:solidFill>
+                  <a:schemeClr val="tx2"/>
+                </a:solidFill>
+                <a:effectLst/>
+              </a:defRPr>
+            </a:lvl1pPr>
+            <a:lvl2pPr>
+              <a:buNone/>
+              <a:defRPr sz="2000" b="1"/>
+            </a:lvl2pPr>
+            <a:lvl3pPr>
+              <a:buNone/>
+              <a:defRPr sz="1800" b="1"/>
+            </a:lvl3pPr>
+            <a:lvl4pPr>
               <a:buNone/>
               <a:defRPr sz="1600" b="1"/>
-            </a:lvl6pPr>
-            <a:lvl7pPr marL="2743200" indent="0">
+            </a:lvl4pPr>
+            <a:lvl5pPr>
               <a:buNone/>
               <a:defRPr sz="1600" b="1"/>
-            </a:lvl7pPr>
-            <a:lvl8pPr marL="3200400" indent="0">
-              <a:buNone/>
-              <a:defRPr sz="1600" b="1"/>
-            </a:lvl8pPr>
-            <a:lvl9pPr marL="3657600" indent="0">
-              <a:buNone/>
-              <a:defRPr sz="1600" b="1"/>
-            </a:lvl9pPr>
+            </a:lvl5pPr>
           </a:lstStyle>
           <a:p>
-            <a:pPr lvl="0"/>
-            <a:r>
-              <a:rPr lang="fr-FR" smtClean="0"/>
+            <a:pPr lvl="0" eaLnBrk="1" latinLnBrk="0" hangingPunct="1"/>
+            <a:r>
+              <a:rPr kumimoji="0" lang="fr-FR" smtClean="0"/>
               <a:t>Modifiez les styles du texte du masque</a:t>
             </a:r>
           </a:p>
@@ -1524,25 +1568,25 @@
       </p:sp>
       <p:sp>
         <p:nvSpPr>
-          <p:cNvPr id="4" name="Espace réservé du contenu 3"/>
-          <p:cNvSpPr>
-            <a:spLocks noGrp="1"/>
-          </p:cNvSpPr>
-          <p:nvPr>
-            <p:ph sz="half" idx="2"/>
+          <p:cNvPr id="5" name="Content Placeholder 4"/>
+          <p:cNvSpPr>
+            <a:spLocks noGrp="1"/>
+          </p:cNvSpPr>
+          <p:nvPr>
+            <p:ph sz="quarter" idx="2"/>
           </p:nvPr>
         </p:nvSpPr>
         <p:spPr>
           <a:xfrm>
-            <a:off x="457200" y="2174875"/>
-            <a:ext cx="4040188" cy="3951288"/>
+            <a:off x="457200" y="1484784"/>
+            <a:ext cx="4040188" cy="4875536"/>
           </a:xfrm>
         </p:spPr>
         <p:txBody>
-          <a:bodyPr/>
+          <a:bodyPr tIns="0"/>
           <a:lstStyle>
             <a:lvl1pPr>
-              <a:defRPr sz="2400"/>
+              <a:defRPr sz="2200"/>
             </a:lvl1pPr>
             <a:lvl2pPr>
               <a:defRPr sz="2000"/>
@@ -1556,143 +1600,66 @@
             <a:lvl5pPr>
               <a:defRPr sz="1600"/>
             </a:lvl5pPr>
-            <a:lvl6pPr>
-              <a:defRPr sz="1600"/>
-            </a:lvl6pPr>
-            <a:lvl7pPr>
-              <a:defRPr sz="1600"/>
-            </a:lvl7pPr>
-            <a:lvl8pPr>
-              <a:defRPr sz="1600"/>
-            </a:lvl8pPr>
-            <a:lvl9pPr>
-              <a:defRPr sz="1600"/>
-            </a:lvl9pPr>
           </a:lstStyle>
           <a:p>
-            <a:pPr lvl="0"/>
-            <a:r>
-              <a:rPr lang="fr-FR" smtClean="0"/>
+            <a:pPr lvl="0" eaLnBrk="1" latinLnBrk="0" hangingPunct="1"/>
+            <a:r>
+              <a:rPr lang="fr-FR" dirty="0" smtClean="0"/>
               <a:t>Modifiez les styles du texte du masque</a:t>
             </a:r>
           </a:p>
           <a:p>
-            <a:pPr lvl="1"/>
-            <a:r>
-              <a:rPr lang="fr-FR" smtClean="0"/>
+            <a:pPr lvl="1" eaLnBrk="1" latinLnBrk="0" hangingPunct="1"/>
+            <a:r>
+              <a:rPr lang="fr-FR" dirty="0" smtClean="0"/>
               <a:t>Deuxième niveau</a:t>
             </a:r>
           </a:p>
           <a:p>
-            <a:pPr lvl="2"/>
-            <a:r>
-              <a:rPr lang="fr-FR" smtClean="0"/>
+            <a:pPr lvl="2" eaLnBrk="1" latinLnBrk="0" hangingPunct="1"/>
+            <a:r>
+              <a:rPr lang="fr-FR" dirty="0" smtClean="0"/>
               <a:t>Troisième niveau</a:t>
             </a:r>
           </a:p>
           <a:p>
-            <a:pPr lvl="3"/>
-            <a:r>
-              <a:rPr lang="fr-FR" smtClean="0"/>
+            <a:pPr lvl="3" eaLnBrk="1" latinLnBrk="0" hangingPunct="1"/>
+            <a:r>
+              <a:rPr lang="fr-FR" dirty="0" smtClean="0"/>
               <a:t>Quatrième niveau</a:t>
             </a:r>
           </a:p>
           <a:p>
-            <a:pPr lvl="4"/>
-            <a:r>
-              <a:rPr lang="fr-FR" smtClean="0"/>
+            <a:pPr lvl="4" eaLnBrk="1" latinLnBrk="0" hangingPunct="1"/>
+            <a:r>
+              <a:rPr lang="fr-FR" dirty="0" smtClean="0"/>
               <a:t>Cinquième niveau</a:t>
             </a:r>
-            <a:endParaRPr lang="fr-FR"/>
-          </a:p>
-        </p:txBody>
-      </p:sp>
-      <p:sp>
-        <p:nvSpPr>
-          <p:cNvPr id="5" name="Espace réservé du texte 4"/>
-          <p:cNvSpPr>
-            <a:spLocks noGrp="1"/>
-          </p:cNvSpPr>
-          <p:nvPr>
-            <p:ph type="body" sz="quarter" idx="3"/>
+            <a:endParaRPr kumimoji="0" lang="en-US" dirty="0"/>
+          </a:p>
+        </p:txBody>
+      </p:sp>
+      <p:sp>
+        <p:nvSpPr>
+          <p:cNvPr id="6" name="Content Placeholder 5"/>
+          <p:cNvSpPr>
+            <a:spLocks noGrp="1"/>
+          </p:cNvSpPr>
+          <p:nvPr>
+            <p:ph sz="quarter" idx="4"/>
           </p:nvPr>
         </p:nvSpPr>
         <p:spPr>
           <a:xfrm>
-            <a:off x="4645025" y="1535113"/>
-            <a:ext cx="4041775" cy="639762"/>
+            <a:off x="4645025" y="1484784"/>
+            <a:ext cx="4041775" cy="4875536"/>
           </a:xfrm>
         </p:spPr>
         <p:txBody>
-          <a:bodyPr anchor="b"/>
-          <a:lstStyle>
-            <a:lvl1pPr marL="0" indent="0">
-              <a:buNone/>
-              <a:defRPr sz="2400" b="1"/>
-            </a:lvl1pPr>
-            <a:lvl2pPr marL="457200" indent="0">
-              <a:buNone/>
-              <a:defRPr sz="2000" b="1"/>
-            </a:lvl2pPr>
-            <a:lvl3pPr marL="914400" indent="0">
-              <a:buNone/>
-              <a:defRPr sz="1800" b="1"/>
-            </a:lvl3pPr>
-            <a:lvl4pPr marL="1371600" indent="0">
-              <a:buNone/>
-              <a:defRPr sz="1600" b="1"/>
-            </a:lvl4pPr>
-            <a:lvl5pPr marL="1828800" indent="0">
-              <a:buNone/>
-              <a:defRPr sz="1600" b="1"/>
-            </a:lvl5pPr>
-            <a:lvl6pPr marL="2286000" indent="0">
-              <a:buNone/>
-              <a:defRPr sz="1600" b="1"/>
-            </a:lvl6pPr>
-            <a:lvl7pPr marL="2743200" indent="0">
-              <a:buNone/>
-              <a:defRPr sz="1600" b="1"/>
-            </a:lvl7pPr>
-            <a:lvl8pPr marL="3200400" indent="0">
-              <a:buNone/>
-              <a:defRPr sz="1600" b="1"/>
-            </a:lvl8pPr>
-            <a:lvl9pPr marL="3657600" indent="0">
-              <a:buNone/>
-              <a:defRPr sz="1600" b="1"/>
-            </a:lvl9pPr>
-          </a:lstStyle>
-          <a:p>
-            <a:pPr lvl="0"/>
-            <a:r>
-              <a:rPr lang="fr-FR" smtClean="0"/>
-              <a:t>Modifiez les styles du texte du masque</a:t>
-            </a:r>
-          </a:p>
-        </p:txBody>
-      </p:sp>
-      <p:sp>
-        <p:nvSpPr>
-          <p:cNvPr id="6" name="Espace réservé du contenu 5"/>
-          <p:cNvSpPr>
-            <a:spLocks noGrp="1"/>
-          </p:cNvSpPr>
-          <p:nvPr>
-            <p:ph sz="quarter" idx="4"/>
-          </p:nvPr>
-        </p:nvSpPr>
-        <p:spPr>
-          <a:xfrm>
-            <a:off x="4645025" y="2174875"/>
-            <a:ext cx="4041775" cy="3951288"/>
-          </a:xfrm>
-        </p:spPr>
-        <p:txBody>
-          <a:bodyPr/>
+          <a:bodyPr tIns="0"/>
           <a:lstStyle>
             <a:lvl1pPr>
-              <a:defRPr sz="2400"/>
+              <a:defRPr sz="2200"/>
             </a:lvl1pPr>
             <a:lvl2pPr>
               <a:defRPr sz="2000"/>
@@ -1706,60 +1673,48 @@
             <a:lvl5pPr>
               <a:defRPr sz="1600"/>
             </a:lvl5pPr>
-            <a:lvl6pPr>
-              <a:defRPr sz="1600"/>
-            </a:lvl6pPr>
-            <a:lvl7pPr>
-              <a:defRPr sz="1600"/>
-            </a:lvl7pPr>
-            <a:lvl8pPr>
-              <a:defRPr sz="1600"/>
-            </a:lvl8pPr>
-            <a:lvl9pPr>
-              <a:defRPr sz="1600"/>
-            </a:lvl9pPr>
           </a:lstStyle>
           <a:p>
-            <a:pPr lvl="0"/>
+            <a:pPr lvl="0" eaLnBrk="1" latinLnBrk="0" hangingPunct="1"/>
             <a:r>
               <a:rPr lang="fr-FR" smtClean="0"/>
               <a:t>Modifiez les styles du texte du masque</a:t>
             </a:r>
           </a:p>
           <a:p>
-            <a:pPr lvl="1"/>
+            <a:pPr lvl="1" eaLnBrk="1" latinLnBrk="0" hangingPunct="1"/>
             <a:r>
               <a:rPr lang="fr-FR" smtClean="0"/>
               <a:t>Deuxième niveau</a:t>
             </a:r>
           </a:p>
           <a:p>
-            <a:pPr lvl="2"/>
+            <a:pPr lvl="2" eaLnBrk="1" latinLnBrk="0" hangingPunct="1"/>
             <a:r>
               <a:rPr lang="fr-FR" smtClean="0"/>
               <a:t>Troisième niveau</a:t>
             </a:r>
           </a:p>
           <a:p>
-            <a:pPr lvl="3"/>
+            <a:pPr lvl="3" eaLnBrk="1" latinLnBrk="0" hangingPunct="1"/>
             <a:r>
               <a:rPr lang="fr-FR" smtClean="0"/>
               <a:t>Quatrième niveau</a:t>
             </a:r>
           </a:p>
           <a:p>
-            <a:pPr lvl="4"/>
+            <a:pPr lvl="4" eaLnBrk="1" latinLnBrk="0" hangingPunct="1"/>
             <a:r>
               <a:rPr lang="fr-FR" smtClean="0"/>
               <a:t>Cinquième niveau</a:t>
             </a:r>
-            <a:endParaRPr lang="fr-FR"/>
-          </a:p>
-        </p:txBody>
-      </p:sp>
-      <p:sp>
-        <p:nvSpPr>
-          <p:cNvPr id="7" name="Espace réservé de la date 6"/>
+            <a:endParaRPr kumimoji="0" lang="en-US"/>
+          </a:p>
+        </p:txBody>
+      </p:sp>
+      <p:sp>
+        <p:nvSpPr>
+          <p:cNvPr id="7" name="Date Placeholder 6"/>
           <p:cNvSpPr>
             <a:spLocks noGrp="1"/>
           </p:cNvSpPr>
@@ -1774,7 +1729,7 @@
           <a:p>
             <a:fld id="{4F38D3F6-E48F-4950-AC1B-79C88B17E831}" type="datetimeFigureOut">
               <a:rPr lang="fr-FR" smtClean="0"/>
-              <a:t>05/11/2017</a:t>
+              <a:t>04/12/2017</a:t>
             </a:fld>
             <a:endParaRPr lang="fr-FR"/>
           </a:p>
@@ -1782,7 +1737,7 @@
       </p:sp>
       <p:sp>
         <p:nvSpPr>
-          <p:cNvPr id="8" name="Espace réservé du pied de page 7"/>
+          <p:cNvPr id="8" name="Footer Placeholder 7"/>
           <p:cNvSpPr>
             <a:spLocks noGrp="1"/>
           </p:cNvSpPr>
@@ -1801,7 +1756,7 @@
       </p:sp>
       <p:sp>
         <p:nvSpPr>
-          <p:cNvPr id="9" name="Espace réservé du numéro de diapositive 8"/>
+          <p:cNvPr id="9" name="Slide Number Placeholder 8"/>
           <p:cNvSpPr>
             <a:spLocks noGrp="1"/>
           </p:cNvSpPr>
@@ -1822,12 +1777,57 @@
           </a:p>
         </p:txBody>
       </p:sp>
+      <p:sp>
+        <p:nvSpPr>
+          <p:cNvPr id="10" name="Title 1"/>
+          <p:cNvSpPr txBox="1">
+            <a:spLocks/>
+          </p:cNvSpPr>
+          <p:nvPr userDrawn="1"/>
+        </p:nvSpPr>
+        <p:spPr>
+          <a:xfrm>
+            <a:off x="467544" y="260648"/>
+            <a:ext cx="8229600" cy="564672"/>
+          </a:xfrm>
+          <a:prstGeom prst="rect">
+            <a:avLst/>
+          </a:prstGeom>
+        </p:spPr>
+        <p:txBody>
+          <a:bodyPr vert="horz" lIns="0" rIns="0" bIns="0" anchor="b">
+            <a:noAutofit/>
+          </a:bodyPr>
+          <a:lstStyle>
+            <a:lvl1pPr algn="l" rtl="0" eaLnBrk="1" latinLnBrk="0" hangingPunct="1">
+              <a:spcBef>
+                <a:spcPct val="0"/>
+              </a:spcBef>
+              <a:buNone/>
+              <a:defRPr kumimoji="0" sz="4000" b="0" kern="1200">
+                <a:ln>
+                  <a:noFill/>
+                </a:ln>
+                <a:solidFill>
+                  <a:schemeClr val="tx2"/>
+                </a:solidFill>
+                <a:effectLst/>
+                <a:latin typeface="+mj-lt"/>
+                <a:ea typeface="+mj-ea"/>
+                <a:cs typeface="+mj-cs"/>
+              </a:defRPr>
+            </a:lvl1pPr>
+          </a:lstStyle>
+          <a:p>
+            <a:r>
+              <a:rPr lang="fr-FR" dirty="0" smtClean="0"/>
+              <a:t>Modifiez le style du titre</a:t>
+            </a:r>
+            <a:endParaRPr lang="en-US" dirty="0"/>
+          </a:p>
+        </p:txBody>
+      </p:sp>
     </p:spTree>
-    <p:extLst>
-      <p:ext uri="{BB962C8B-B14F-4D97-AF65-F5344CB8AC3E}">
-        <p14:creationId xmlns:p14="http://schemas.microsoft.com/office/powerpoint/2010/main" val="263206403"/>
-      </p:ext>
-    </p:extLst>
   </p:cSld>
   <p:clrMapOvr>
     <a:masterClrMapping/>
@@ -1836,7 +1836,7 @@
 </file>
 
 <file path=ppt/slideLayouts/slideLayout6.xml><?xml version="1.0" encoding="utf-8"?>
-<p:sldLayout xmlns:a="http://schemas.openxmlformats.org/drawingml/2006/main" xmlns:r="http://schemas.openxmlformats.org/officeDocument/2006/relationships" xmlns:p="http://schemas.openxmlformats.org/presentationml/2006/main" type="titleOnly" preserve="1">
+<p:sldLayout xmlns:a="http://schemas.openxmlformats.org/drawingml/2006/main" xmlns:r="http://schemas.openxmlformats.org/officeDocument/2006/relationships" xmlns:p="http://schemas.openxmlformats.org/presentationml/2006/main" preserve="1" userDrawn="1">
   <p:cSld name="Titre seul">
     <p:spTree>
       <p:nvGrpSpPr>
@@ -1854,30 +1854,7 @@
       </p:grpSpPr>
       <p:sp>
         <p:nvSpPr>
-          <p:cNvPr id="2" name="Titre 1"/>
-          <p:cNvSpPr>
-            <a:spLocks noGrp="1"/>
-          </p:cNvSpPr>
-          <p:nvPr>
-            <p:ph type="title"/>
-          </p:nvPr>
-        </p:nvSpPr>
-        <p:spPr/>
-        <p:txBody>
-          <a:bodyPr/>
-          <a:lstStyle/>
-          <a:p>
-            <a:r>
-              <a:rPr lang="fr-FR" smtClean="0"/>
-              <a:t>Modifiez le style du titre</a:t>
-            </a:r>
-            <a:endParaRPr lang="fr-FR"/>
-          </a:p>
-        </p:txBody>
-      </p:sp>
-      <p:sp>
-        <p:nvSpPr>
-          <p:cNvPr id="3" name="Espace réservé de la date 2"/>
+          <p:cNvPr id="3" name="Date Placeholder 2"/>
           <p:cNvSpPr>
             <a:spLocks noGrp="1"/>
           </p:cNvSpPr>
@@ -1892,7 +1869,7 @@
           <a:p>
             <a:fld id="{4F38D3F6-E48F-4950-AC1B-79C88B17E831}" type="datetimeFigureOut">
               <a:rPr lang="fr-FR" smtClean="0"/>
-              <a:t>05/11/2017</a:t>
+              <a:t>04/12/2017</a:t>
             </a:fld>
             <a:endParaRPr lang="fr-FR"/>
           </a:p>
@@ -1900,7 +1877,7 @@
       </p:sp>
       <p:sp>
         <p:nvSpPr>
-          <p:cNvPr id="4" name="Espace réservé du pied de page 3"/>
+          <p:cNvPr id="4" name="Footer Placeholder 3"/>
           <p:cNvSpPr>
             <a:spLocks noGrp="1"/>
           </p:cNvSpPr>
@@ -1919,7 +1896,7 @@
       </p:sp>
       <p:sp>
         <p:nvSpPr>
-          <p:cNvPr id="5" name="Espace réservé du numéro de diapositive 4"/>
+          <p:cNvPr id="5" name="Slide Number Placeholder 4"/>
           <p:cNvSpPr>
             <a:spLocks noGrp="1"/>
           </p:cNvSpPr>
@@ -1940,12 +1917,57 @@
           </a:p>
         </p:txBody>
       </p:sp>
+      <p:sp>
+        <p:nvSpPr>
+          <p:cNvPr id="6" name="Title 1"/>
+          <p:cNvSpPr txBox="1">
+            <a:spLocks/>
+          </p:cNvSpPr>
+          <p:nvPr userDrawn="1"/>
+        </p:nvSpPr>
+        <p:spPr>
+          <a:xfrm>
+            <a:off x="467544" y="260648"/>
+            <a:ext cx="8229600" cy="564672"/>
+          </a:xfrm>
+          <a:prstGeom prst="rect">
+            <a:avLst/>
+          </a:prstGeom>
+        </p:spPr>
+        <p:txBody>
+          <a:bodyPr vert="horz" lIns="0" rIns="0" bIns="0" anchor="b">
+            <a:noAutofit/>
+          </a:bodyPr>
+          <a:lstStyle>
+            <a:lvl1pPr algn="l" rtl="0" eaLnBrk="1" latinLnBrk="0" hangingPunct="1">
+              <a:spcBef>
+                <a:spcPct val="0"/>
+              </a:spcBef>
+              <a:buNone/>
+              <a:defRPr kumimoji="0" sz="4000" b="0" kern="1200">
+                <a:ln>
+                  <a:noFill/>
+                </a:ln>
+                <a:solidFill>
+                  <a:schemeClr val="tx2"/>
+                </a:solidFill>
+                <a:effectLst/>
+                <a:latin typeface="+mj-lt"/>
+                <a:ea typeface="+mj-ea"/>
+                <a:cs typeface="+mj-cs"/>
+              </a:defRPr>
+            </a:lvl1pPr>
+          </a:lstStyle>
+          <a:p>
+            <a:r>
+              <a:rPr lang="fr-FR" dirty="0" smtClean="0"/>
+              <a:t>Modifiez le style du titre</a:t>
+            </a:r>
+            <a:endParaRPr lang="en-US" dirty="0"/>
+          </a:p>
+        </p:txBody>
+      </p:sp>
     </p:spTree>
-    <p:extLst>
-      <p:ext uri="{BB962C8B-B14F-4D97-AF65-F5344CB8AC3E}">
-        <p14:creationId xmlns:p14="http://schemas.microsoft.com/office/powerpoint/2010/main" val="1480224741"/>
-      </p:ext>
-    </p:extLst>
   </p:cSld>
   <p:clrMapOvr>
     <a:masterClrMapping/>
@@ -1972,7 +1994,7 @@
       </p:grpSpPr>
       <p:sp>
         <p:nvSpPr>
-          <p:cNvPr id="2" name="Espace réservé de la date 1"/>
+          <p:cNvPr id="2" name="Date Placeholder 1"/>
           <p:cNvSpPr>
             <a:spLocks noGrp="1"/>
           </p:cNvSpPr>
@@ -1987,7 +2009,7 @@
           <a:p>
             <a:fld id="{4F38D3F6-E48F-4950-AC1B-79C88B17E831}" type="datetimeFigureOut">
               <a:rPr lang="fr-FR" smtClean="0"/>
-              <a:t>05/11/2017</a:t>
+              <a:t>04/12/2017</a:t>
             </a:fld>
             <a:endParaRPr lang="fr-FR"/>
           </a:p>
@@ -1995,7 +2017,7 @@
       </p:sp>
       <p:sp>
         <p:nvSpPr>
-          <p:cNvPr id="3" name="Espace réservé du pied de page 2"/>
+          <p:cNvPr id="3" name="Footer Placeholder 2"/>
           <p:cNvSpPr>
             <a:spLocks noGrp="1"/>
           </p:cNvSpPr>
@@ -2014,7 +2036,7 @@
       </p:sp>
       <p:sp>
         <p:nvSpPr>
-          <p:cNvPr id="4" name="Espace réservé du numéro de diapositive 3"/>
+          <p:cNvPr id="4" name="Slide Number Placeholder 3"/>
           <p:cNvSpPr>
             <a:spLocks noGrp="1"/>
           </p:cNvSpPr>
@@ -2036,11 +2058,6 @@
         </p:txBody>
       </p:sp>
     </p:spTree>
-    <p:extLst>
-      <p:ext uri="{BB962C8B-B14F-4D97-AF65-F5344CB8AC3E}">
-        <p14:creationId xmlns:p14="http://schemas.microsoft.com/office/powerpoint/2010/main" val="3740655313"/>
-      </p:ext>
-    </p:extLst>
   </p:cSld>
   <p:clrMapOvr>
     <a:masterClrMapping/>
@@ -2049,7 +2066,7 @@
 </file>
 
 <file path=ppt/slideLayouts/slideLayout8.xml><?xml version="1.0" encoding="utf-8"?>
-<p:sldLayout xmlns:a="http://schemas.openxmlformats.org/drawingml/2006/main" xmlns:r="http://schemas.openxmlformats.org/officeDocument/2006/relationships" xmlns:p="http://schemas.openxmlformats.org/presentationml/2006/main" type="objTx" preserve="1">
+<p:sldLayout xmlns:a="http://schemas.openxmlformats.org/drawingml/2006/main" xmlns:r="http://schemas.openxmlformats.org/officeDocument/2006/relationships" xmlns:p="http://schemas.openxmlformats.org/presentationml/2006/main" preserve="1" userDrawn="1">
   <p:cSld name="Contenu avec légende">
     <p:spTree>
       <p:nvGrpSpPr>
@@ -2067,60 +2084,77 @@
       </p:grpSpPr>
       <p:sp>
         <p:nvSpPr>
-          <p:cNvPr id="2" name="Titre 1"/>
-          <p:cNvSpPr>
-            <a:spLocks noGrp="1"/>
-          </p:cNvSpPr>
-          <p:nvPr>
-            <p:ph type="title"/>
+          <p:cNvPr id="3" name="Text Placeholder 2"/>
+          <p:cNvSpPr>
+            <a:spLocks noGrp="1"/>
+          </p:cNvSpPr>
+          <p:nvPr>
+            <p:ph type="body" idx="2"/>
           </p:nvPr>
         </p:nvSpPr>
         <p:spPr>
           <a:xfrm>
-            <a:off x="457200" y="273050"/>
-            <a:ext cx="3008313" cy="1162050"/>
+            <a:off x="685800" y="825320"/>
+            <a:ext cx="2743200" cy="5423080"/>
           </a:xfrm>
         </p:spPr>
         <p:txBody>
-          <a:bodyPr anchor="b"/>
+          <a:bodyPr lIns="18288" rIns="18288"/>
           <a:lstStyle>
-            <a:lvl1pPr algn="l">
-              <a:defRPr sz="2000" b="1"/>
+            <a:lvl1pPr marL="0" indent="0" algn="l">
+              <a:buNone/>
+              <a:defRPr sz="1400"/>
             </a:lvl1pPr>
+            <a:lvl2pPr indent="0" algn="l">
+              <a:buNone/>
+              <a:defRPr sz="1200"/>
+            </a:lvl2pPr>
+            <a:lvl3pPr indent="0" algn="l">
+              <a:buNone/>
+              <a:defRPr sz="1000"/>
+            </a:lvl3pPr>
+            <a:lvl4pPr indent="0" algn="l">
+              <a:buNone/>
+              <a:defRPr sz="900"/>
+            </a:lvl4pPr>
+            <a:lvl5pPr indent="0" algn="l">
+              <a:buNone/>
+              <a:defRPr sz="900"/>
+            </a:lvl5pPr>
           </a:lstStyle>
           <a:p>
-            <a:r>
-              <a:rPr lang="fr-FR" smtClean="0"/>
-              <a:t>Modifiez le style du titre</a:t>
-            </a:r>
-            <a:endParaRPr lang="fr-FR"/>
-          </a:p>
-        </p:txBody>
-      </p:sp>
-      <p:sp>
-        <p:nvSpPr>
-          <p:cNvPr id="3" name="Espace réservé du contenu 2"/>
-          <p:cNvSpPr>
-            <a:spLocks noGrp="1"/>
-          </p:cNvSpPr>
-          <p:nvPr>
-            <p:ph idx="1"/>
+            <a:pPr lvl="0" eaLnBrk="1" latinLnBrk="0" hangingPunct="1"/>
+            <a:r>
+              <a:rPr kumimoji="0" lang="fr-FR" smtClean="0"/>
+              <a:t>Modifiez les styles du texte du masque</a:t>
+            </a:r>
+          </a:p>
+        </p:txBody>
+      </p:sp>
+      <p:sp>
+        <p:nvSpPr>
+          <p:cNvPr id="4" name="Content Placeholder 3"/>
+          <p:cNvSpPr>
+            <a:spLocks noGrp="1"/>
+          </p:cNvSpPr>
+          <p:nvPr>
+            <p:ph sz="half" idx="1"/>
           </p:nvPr>
         </p:nvSpPr>
         <p:spPr>
           <a:xfrm>
-            <a:off x="3575050" y="273050"/>
-            <a:ext cx="5111750" cy="5853113"/>
+            <a:off x="3575050" y="825320"/>
+            <a:ext cx="5111750" cy="5423080"/>
           </a:xfrm>
         </p:spPr>
         <p:txBody>
-          <a:bodyPr/>
+          <a:bodyPr tIns="0"/>
           <a:lstStyle>
             <a:lvl1pPr>
-              <a:defRPr sz="3200"/>
+              <a:defRPr sz="2800"/>
             </a:lvl1pPr>
             <a:lvl2pPr>
-              <a:defRPr sz="2800"/>
+              <a:defRPr sz="2600"/>
             </a:lvl2pPr>
             <a:lvl3pPr>
               <a:defRPr sz="2400"/>
@@ -2129,127 +2163,50 @@
               <a:defRPr sz="2000"/>
             </a:lvl4pPr>
             <a:lvl5pPr>
-              <a:defRPr sz="2000"/>
+              <a:defRPr sz="1800"/>
             </a:lvl5pPr>
-            <a:lvl6pPr>
-              <a:defRPr sz="2000"/>
-            </a:lvl6pPr>
-            <a:lvl7pPr>
-              <a:defRPr sz="2000"/>
-            </a:lvl7pPr>
-            <a:lvl8pPr>
-              <a:defRPr sz="2000"/>
-            </a:lvl8pPr>
-            <a:lvl9pPr>
-              <a:defRPr sz="2000"/>
-            </a:lvl9pPr>
           </a:lstStyle>
           <a:p>
-            <a:pPr lvl="0"/>
+            <a:pPr lvl="0" eaLnBrk="1" latinLnBrk="0" hangingPunct="1"/>
             <a:r>
               <a:rPr lang="fr-FR" smtClean="0"/>
               <a:t>Modifiez les styles du texte du masque</a:t>
             </a:r>
           </a:p>
           <a:p>
-            <a:pPr lvl="1"/>
+            <a:pPr lvl="1" eaLnBrk="1" latinLnBrk="0" hangingPunct="1"/>
             <a:r>
               <a:rPr lang="fr-FR" smtClean="0"/>
               <a:t>Deuxième niveau</a:t>
             </a:r>
           </a:p>
           <a:p>
-            <a:pPr lvl="2"/>
+            <a:pPr lvl="2" eaLnBrk="1" latinLnBrk="0" hangingPunct="1"/>
             <a:r>
               <a:rPr lang="fr-FR" smtClean="0"/>
               <a:t>Troisième niveau</a:t>
             </a:r>
           </a:p>
           <a:p>
-            <a:pPr lvl="3"/>
+            <a:pPr lvl="3" eaLnBrk="1" latinLnBrk="0" hangingPunct="1"/>
             <a:r>
               <a:rPr lang="fr-FR" smtClean="0"/>
               <a:t>Quatrième niveau</a:t>
             </a:r>
           </a:p>
           <a:p>
-            <a:pPr lvl="4"/>
+            <a:pPr lvl="4" eaLnBrk="1" latinLnBrk="0" hangingPunct="1"/>
             <a:r>
               <a:rPr lang="fr-FR" smtClean="0"/>
               <a:t>Cinquième niveau</a:t>
             </a:r>
-            <a:endParaRPr lang="fr-FR"/>
-          </a:p>
-        </p:txBody>
-      </p:sp>
-      <p:sp>
-        <p:nvSpPr>
-          <p:cNvPr id="4" name="Espace réservé du texte 3"/>
-          <p:cNvSpPr>
-            <a:spLocks noGrp="1"/>
-          </p:cNvSpPr>
-          <p:nvPr>
-            <p:ph type="body" sz="half" idx="2"/>
-          </p:nvPr>
-        </p:nvSpPr>
-        <p:spPr>
-          <a:xfrm>
-            <a:off x="457200" y="1435100"/>
-            <a:ext cx="3008313" cy="4691063"/>
-          </a:xfrm>
-        </p:spPr>
-        <p:txBody>
-          <a:bodyPr/>
-          <a:lstStyle>
-            <a:lvl1pPr marL="0" indent="0">
-              <a:buNone/>
-              <a:defRPr sz="1400"/>
-            </a:lvl1pPr>
-            <a:lvl2pPr marL="457200" indent="0">
-              <a:buNone/>
-              <a:defRPr sz="1200"/>
-            </a:lvl2pPr>
-            <a:lvl3pPr marL="914400" indent="0">
-              <a:buNone/>
-              <a:defRPr sz="1000"/>
-            </a:lvl3pPr>
-            <a:lvl4pPr marL="1371600" indent="0">
-              <a:buNone/>
-              <a:defRPr sz="900"/>
-            </a:lvl4pPr>
-            <a:lvl5pPr marL="1828800" indent="0">
-              <a:buNone/>
-              <a:defRPr sz="900"/>
-            </a:lvl5pPr>
-            <a:lvl6pPr marL="2286000" indent="0">
-              <a:buNone/>
-              <a:defRPr sz="900"/>
-            </a:lvl6pPr>
-            <a:lvl7pPr marL="2743200" indent="0">
-              <a:buNone/>
-              <a:defRPr sz="900"/>
-            </a:lvl7pPr>
-            <a:lvl8pPr marL="3200400" indent="0">
-              <a:buNone/>
-              <a:defRPr sz="900"/>
-            </a:lvl8pPr>
-            <a:lvl9pPr marL="3657600" indent="0">
-              <a:buNone/>
-              <a:defRPr sz="900"/>
-            </a:lvl9pPr>
-          </a:lstStyle>
-          <a:p>
-            <a:pPr lvl="0"/>
-            <a:r>
-              <a:rPr lang="fr-FR" smtClean="0"/>
-              <a:t>Modifiez les styles du texte du masque</a:t>
-            </a:r>
-          </a:p>
-        </p:txBody>
-      </p:sp>
-      <p:sp>
-        <p:nvSpPr>
-          <p:cNvPr id="5" name="Espace réservé de la date 4"/>
+            <a:endParaRPr kumimoji="0" lang="en-US"/>
+          </a:p>
+        </p:txBody>
+      </p:sp>
+      <p:sp>
+        <p:nvSpPr>
+          <p:cNvPr id="5" name="Date Placeholder 4"/>
           <p:cNvSpPr>
             <a:spLocks noGrp="1"/>
           </p:cNvSpPr>
@@ -2264,7 +2221,7 @@
           <a:p>
             <a:fld id="{4F38D3F6-E48F-4950-AC1B-79C88B17E831}" type="datetimeFigureOut">
               <a:rPr lang="fr-FR" smtClean="0"/>
-              <a:t>05/11/2017</a:t>
+              <a:t>04/12/2017</a:t>
             </a:fld>
             <a:endParaRPr lang="fr-FR"/>
           </a:p>
@@ -2272,7 +2229,7 @@
       </p:sp>
       <p:sp>
         <p:nvSpPr>
-          <p:cNvPr id="6" name="Espace réservé du pied de page 5"/>
+          <p:cNvPr id="6" name="Footer Placeholder 5"/>
           <p:cNvSpPr>
             <a:spLocks noGrp="1"/>
           </p:cNvSpPr>
@@ -2291,7 +2248,7 @@
       </p:sp>
       <p:sp>
         <p:nvSpPr>
-          <p:cNvPr id="7" name="Espace réservé du numéro de diapositive 6"/>
+          <p:cNvPr id="7" name="Slide Number Placeholder 6"/>
           <p:cNvSpPr>
             <a:spLocks noGrp="1"/>
           </p:cNvSpPr>
@@ -2312,12 +2269,57 @@
           </a:p>
         </p:txBody>
       </p:sp>
+      <p:sp>
+        <p:nvSpPr>
+          <p:cNvPr id="8" name="Title 1"/>
+          <p:cNvSpPr txBox="1">
+            <a:spLocks/>
+          </p:cNvSpPr>
+          <p:nvPr userDrawn="1"/>
+        </p:nvSpPr>
+        <p:spPr>
+          <a:xfrm>
+            <a:off x="467544" y="260648"/>
+            <a:ext cx="8229600" cy="564672"/>
+          </a:xfrm>
+          <a:prstGeom prst="rect">
+            <a:avLst/>
+          </a:prstGeom>
+        </p:spPr>
+        <p:txBody>
+          <a:bodyPr vert="horz" lIns="0" rIns="0" bIns="0" anchor="b">
+            <a:noAutofit/>
+          </a:bodyPr>
+          <a:lstStyle>
+            <a:lvl1pPr algn="l" rtl="0" eaLnBrk="1" latinLnBrk="0" hangingPunct="1">
+              <a:spcBef>
+                <a:spcPct val="0"/>
+              </a:spcBef>
+              <a:buNone/>
+              <a:defRPr kumimoji="0" sz="4000" b="0" kern="1200">
+                <a:ln>
+                  <a:noFill/>
+                </a:ln>
+                <a:solidFill>
+                  <a:schemeClr val="tx2"/>
+                </a:solidFill>
+                <a:effectLst/>
+                <a:latin typeface="+mj-lt"/>
+                <a:ea typeface="+mj-ea"/>
+                <a:cs typeface="+mj-cs"/>
+              </a:defRPr>
+            </a:lvl1pPr>
+          </a:lstStyle>
+          <a:p>
+            <a:r>
+              <a:rPr lang="fr-FR" dirty="0" smtClean="0"/>
+              <a:t>Modifiez le style du titre</a:t>
+            </a:r>
+            <a:endParaRPr lang="en-US" dirty="0"/>
+          </a:p>
+        </p:txBody>
+      </p:sp>
     </p:spTree>
-    <p:extLst>
-      <p:ext uri="{BB962C8B-B14F-4D97-AF65-F5344CB8AC3E}">
-        <p14:creationId xmlns:p14="http://schemas.microsoft.com/office/powerpoint/2010/main" val="2912144407"/>
-      </p:ext>
-    </p:extLst>
   </p:cSld>
   <p:clrMapOvr>
     <a:masterClrMapping/>
@@ -2326,7 +2328,7 @@
 </file>
 
 <file path=ppt/slideLayouts/slideLayout9.xml><?xml version="1.0" encoding="utf-8"?>
-<p:sldLayout xmlns:a="http://schemas.openxmlformats.org/drawingml/2006/main" xmlns:r="http://schemas.openxmlformats.org/officeDocument/2006/relationships" xmlns:p="http://schemas.openxmlformats.org/presentationml/2006/main" type="picTx" preserve="1">
+<p:sldLayout xmlns:a="http://schemas.openxmlformats.org/drawingml/2006/main" xmlns:r="http://schemas.openxmlformats.org/officeDocument/2006/relationships" xmlns:p="http://schemas.openxmlformats.org/presentationml/2006/main" showMasterSp="0" type="picTx" preserve="1">
   <p:cSld name="Image avec légende">
     <p:spTree>
       <p:nvGrpSpPr>
@@ -2344,7 +2346,119 @@
       </p:grpSpPr>
       <p:sp>
         <p:nvSpPr>
-          <p:cNvPr id="2" name="Titre 1"/>
+          <p:cNvPr id="9" name="Snip and Round Single Corner Rectangle 8"/>
+          <p:cNvSpPr/>
+          <p:nvPr/>
+        </p:nvSpPr>
+        <p:spPr>
+          <a:xfrm rot="420000" flipV="1">
+            <a:off x="3165753" y="1108077"/>
+            <a:ext cx="5257800" cy="4114800"/>
+          </a:xfrm>
+          <a:prstGeom prst="snipRoundRect">
+            <a:avLst>
+              <a:gd name="adj1" fmla="val 0"/>
+              <a:gd name="adj2" fmla="val 3646"/>
+            </a:avLst>
+          </a:prstGeom>
+          <a:solidFill>
+            <a:srgbClr val="FFFFFF"/>
+          </a:solidFill>
+          <a:ln w="3175" cap="rnd" cmpd="sng" algn="ctr">
+            <a:solidFill>
+              <a:srgbClr val="C0C0C0"/>
+            </a:solidFill>
+            <a:prstDash val="solid"/>
+          </a:ln>
+          <a:effectLst>
+            <a:outerShdw blurRad="63500" dist="38500" dir="7500000" sx="98500" sy="100080" kx="100000" algn="tl" rotWithShape="0">
+              <a:srgbClr val="000000">
+                <a:alpha val="25000"/>
+              </a:srgbClr>
+            </a:outerShdw>
+          </a:effectLst>
+        </p:spPr>
+        <p:style>
+          <a:lnRef idx="2">
+            <a:schemeClr val="accent1"/>
+          </a:lnRef>
+          <a:fillRef idx="1">
+            <a:schemeClr val="accent1"/>
+          </a:fillRef>
+          <a:effectRef idx="0">
+            <a:schemeClr val="accent1"/>
+          </a:effectRef>
+          <a:fontRef idx="minor">
+            <a:schemeClr val="lt1"/>
+          </a:fontRef>
+        </p:style>
+        <p:txBody>
+          <a:bodyPr rtlCol="0" anchor="ctr"/>
+          <a:lstStyle/>
+          <a:p>
+            <a:pPr algn="ctr" eaLnBrk="1" latinLnBrk="0" hangingPunct="1"/>
+            <a:endParaRPr kumimoji="0" lang="en-US"/>
+          </a:p>
+        </p:txBody>
+      </p:sp>
+      <p:sp>
+        <p:nvSpPr>
+          <p:cNvPr id="12" name="Right Triangle 11"/>
+          <p:cNvSpPr/>
+          <p:nvPr/>
+        </p:nvSpPr>
+        <p:spPr>
+          <a:xfrm rot="420000" flipV="1">
+            <a:off x="8004134" y="5359769"/>
+            <a:ext cx="155448" cy="155448"/>
+          </a:xfrm>
+          <a:prstGeom prst="rtTriangle">
+            <a:avLst/>
+          </a:prstGeom>
+          <a:solidFill>
+            <a:srgbClr val="FFFFFF"/>
+          </a:solidFill>
+          <a:ln w="12700" cap="flat" cmpd="sng" algn="ctr">
+            <a:solidFill>
+              <a:srgbClr val="FFFFFF"/>
+            </a:solidFill>
+            <a:prstDash val="solid"/>
+            <a:bevel/>
+          </a:ln>
+          <a:effectLst>
+            <a:outerShdw blurRad="19685" dist="6350" dir="12900000" algn="tl" rotWithShape="0">
+              <a:srgbClr val="000000">
+                <a:alpha val="47000"/>
+              </a:srgbClr>
+            </a:outerShdw>
+          </a:effectLst>
+        </p:spPr>
+        <p:style>
+          <a:lnRef idx="2">
+            <a:schemeClr val="accent1"/>
+          </a:lnRef>
+          <a:fillRef idx="1">
+            <a:schemeClr val="accent1"/>
+          </a:fillRef>
+          <a:effectRef idx="0">
+            <a:schemeClr val="accent1"/>
+          </a:effectRef>
+          <a:fontRef idx="minor">
+            <a:schemeClr val="lt1"/>
+          </a:fontRef>
+        </p:style>
+        <p:txBody>
+          <a:bodyPr rtlCol="0" anchor="ctr"/>
+          <a:lstStyle/>
+          <a:p>
+            <a:pPr algn="ctr" eaLnBrk="1" latinLnBrk="0" hangingPunct="1"/>
+            <a:endParaRPr kumimoji="0" lang="en-US"/>
+          </a:p>
+        </p:txBody>
+      </p:sp>
+      <p:sp>
+        <p:nvSpPr>
+          <p:cNvPr id="2" name="Title 1"/>
           <p:cNvSpPr>
             <a:spLocks noGrp="1"/>
           </p:cNvSpPr>
@@ -2354,41 +2468,178 @@
         </p:nvSpPr>
         <p:spPr>
           <a:xfrm>
-            <a:off x="1792288" y="4800600"/>
-            <a:ext cx="5486400" cy="566738"/>
+            <a:off x="609600" y="1176996"/>
+            <a:ext cx="2212848" cy="1582621"/>
           </a:xfrm>
         </p:spPr>
         <p:txBody>
-          <a:bodyPr anchor="b"/>
+          <a:bodyPr vert="horz" lIns="45720" tIns="45720" rIns="45720" bIns="45720" anchor="b"/>
           <a:lstStyle>
             <a:lvl1pPr algn="l">
-              <a:defRPr sz="2000" b="1"/>
+              <a:buNone/>
+              <a:defRPr sz="2000" b="1">
+                <a:solidFill>
+                  <a:schemeClr val="tx2"/>
+                </a:solidFill>
+              </a:defRPr>
             </a:lvl1pPr>
           </a:lstStyle>
           <a:p>
             <a:r>
-              <a:rPr lang="fr-FR" smtClean="0"/>
+              <a:rPr kumimoji="0" lang="fr-FR" smtClean="0"/>
               <a:t>Modifiez le style du titre</a:t>
             </a:r>
-            <a:endParaRPr lang="fr-FR"/>
-          </a:p>
-        </p:txBody>
-      </p:sp>
-      <p:sp>
-        <p:nvSpPr>
-          <p:cNvPr id="3" name="Espace réservé pour une image  2"/>
-          <p:cNvSpPr>
-            <a:spLocks noGrp="1"/>
-          </p:cNvSpPr>
-          <p:nvPr>
-            <p:ph type="pic" idx="1"/>
+            <a:endParaRPr kumimoji="0" lang="en-US"/>
+          </a:p>
+        </p:txBody>
+      </p:sp>
+      <p:sp>
+        <p:nvSpPr>
+          <p:cNvPr id="4" name="Text Placeholder 3"/>
+          <p:cNvSpPr>
+            <a:spLocks noGrp="1"/>
+          </p:cNvSpPr>
+          <p:nvPr>
+            <p:ph type="body" sz="half" idx="2"/>
           </p:nvPr>
         </p:nvSpPr>
         <p:spPr>
           <a:xfrm>
-            <a:off x="1792288" y="612775"/>
-            <a:ext cx="5486400" cy="4114800"/>
+            <a:off x="609600" y="2828785"/>
+            <a:ext cx="2209800" cy="2179320"/>
           </a:xfrm>
+        </p:spPr>
+        <p:txBody>
+          <a:bodyPr lIns="64008" rIns="45720" bIns="45720" anchor="t"/>
+          <a:lstStyle>
+            <a:lvl1pPr marL="0" indent="0" algn="l">
+              <a:spcBef>
+                <a:spcPts val="250"/>
+              </a:spcBef>
+              <a:buFontTx/>
+              <a:buNone/>
+              <a:defRPr sz="1300"/>
+            </a:lvl1pPr>
+            <a:lvl2pPr>
+              <a:defRPr sz="1200"/>
+            </a:lvl2pPr>
+            <a:lvl3pPr>
+              <a:defRPr sz="1000"/>
+            </a:lvl3pPr>
+            <a:lvl4pPr>
+              <a:defRPr sz="900"/>
+            </a:lvl4pPr>
+            <a:lvl5pPr>
+              <a:defRPr sz="900"/>
+            </a:lvl5pPr>
+          </a:lstStyle>
+          <a:p>
+            <a:pPr lvl="0" eaLnBrk="1" latinLnBrk="0" hangingPunct="1"/>
+            <a:r>
+              <a:rPr kumimoji="0" lang="fr-FR" smtClean="0"/>
+              <a:t>Modifiez les styles du texte du masque</a:t>
+            </a:r>
+          </a:p>
+        </p:txBody>
+      </p:sp>
+      <p:sp>
+        <p:nvSpPr>
+          <p:cNvPr id="5" name="Date Placeholder 4"/>
+          <p:cNvSpPr>
+            <a:spLocks noGrp="1"/>
+          </p:cNvSpPr>
+          <p:nvPr>
+            <p:ph type="dt" sz="half" idx="10"/>
+          </p:nvPr>
+        </p:nvSpPr>
+        <p:spPr/>
+        <p:txBody>
+          <a:bodyPr/>
+          <a:lstStyle/>
+          <a:p>
+            <a:fld id="{4F38D3F6-E48F-4950-AC1B-79C88B17E831}" type="datetimeFigureOut">
+              <a:rPr lang="fr-FR" smtClean="0"/>
+              <a:t>04/12/2017</a:t>
+            </a:fld>
+            <a:endParaRPr lang="fr-FR"/>
+          </a:p>
+        </p:txBody>
+      </p:sp>
+      <p:sp>
+        <p:nvSpPr>
+          <p:cNvPr id="6" name="Footer Placeholder 5"/>
+          <p:cNvSpPr>
+            <a:spLocks noGrp="1"/>
+          </p:cNvSpPr>
+          <p:nvPr>
+            <p:ph type="ftr" sz="quarter" idx="11"/>
+          </p:nvPr>
+        </p:nvSpPr>
+        <p:spPr/>
+        <p:txBody>
+          <a:bodyPr/>
+          <a:lstStyle/>
+          <a:p>
+            <a:endParaRPr lang="fr-FR"/>
+          </a:p>
+        </p:txBody>
+      </p:sp>
+      <p:sp>
+        <p:nvSpPr>
+          <p:cNvPr id="7" name="Slide Number Placeholder 6"/>
+          <p:cNvSpPr>
+            <a:spLocks noGrp="1"/>
+          </p:cNvSpPr>
+          <p:nvPr>
+            <p:ph type="sldNum" sz="quarter" idx="12"/>
+          </p:nvPr>
+        </p:nvSpPr>
+        <p:spPr>
+          <a:xfrm>
+            <a:off x="8077200" y="6356350"/>
+            <a:ext cx="609600" cy="365125"/>
+          </a:xfrm>
+        </p:spPr>
+        <p:txBody>
+          <a:bodyPr/>
+          <a:lstStyle/>
+          <a:p>
+            <a:fld id="{579ABEFE-C324-436D-8AB6-E7F8195D9C66}" type="slidenum">
+              <a:rPr lang="fr-FR" smtClean="0"/>
+              <a:t>‹N°›</a:t>
+            </a:fld>
+            <a:endParaRPr lang="fr-FR"/>
+          </a:p>
+        </p:txBody>
+      </p:sp>
+      <p:sp>
+        <p:nvSpPr>
+          <p:cNvPr id="3" name="Picture Placeholder 2"/>
+          <p:cNvSpPr>
+            <a:spLocks noGrp="1"/>
+          </p:cNvSpPr>
+          <p:nvPr>
+            <p:ph type="pic" idx="1"/>
+          </p:nvPr>
+        </p:nvSpPr>
+        <p:spPr>
+          <a:xfrm rot="420000">
+            <a:off x="3485793" y="1199517"/>
+            <a:ext cx="4617720" cy="3931920"/>
+          </a:xfrm>
+          <a:prstGeom prst="rect">
+            <a:avLst/>
+          </a:prstGeom>
+          <a:solidFill>
+            <a:schemeClr val="bg2"/>
+          </a:solidFill>
+          <a:ln w="3000" cap="rnd">
+            <a:solidFill>
+              <a:srgbClr val="C0C0C0"/>
+            </a:solidFill>
+            <a:round/>
+          </a:ln>
+          <a:effectLst/>
         </p:spPr>
         <p:txBody>
           <a:bodyPr/>
@@ -2397,180 +2648,273 @@
               <a:buNone/>
               <a:defRPr sz="3200"/>
             </a:lvl1pPr>
-            <a:lvl2pPr marL="457200" indent="0">
-              <a:buNone/>
-              <a:defRPr sz="2800"/>
-            </a:lvl2pPr>
-            <a:lvl3pPr marL="914400" indent="0">
-              <a:buNone/>
-              <a:defRPr sz="2400"/>
-            </a:lvl3pPr>
-            <a:lvl4pPr marL="1371600" indent="0">
-              <a:buNone/>
-              <a:defRPr sz="2000"/>
-            </a:lvl4pPr>
-            <a:lvl5pPr marL="1828800" indent="0">
-              <a:buNone/>
-              <a:defRPr sz="2000"/>
-            </a:lvl5pPr>
-            <a:lvl6pPr marL="2286000" indent="0">
-              <a:buNone/>
-              <a:defRPr sz="2000"/>
-            </a:lvl6pPr>
-            <a:lvl7pPr marL="2743200" indent="0">
-              <a:buNone/>
-              <a:defRPr sz="2000"/>
-            </a:lvl7pPr>
-            <a:lvl8pPr marL="3200400" indent="0">
-              <a:buNone/>
-              <a:defRPr sz="2000"/>
-            </a:lvl8pPr>
-            <a:lvl9pPr marL="3657600" indent="0">
-              <a:buNone/>
-              <a:defRPr sz="2000"/>
-            </a:lvl9pPr>
           </a:lstStyle>
           <a:p>
-            <a:endParaRPr lang="fr-FR"/>
-          </a:p>
-        </p:txBody>
-      </p:sp>
-      <p:sp>
-        <p:nvSpPr>
-          <p:cNvPr id="4" name="Espace réservé du texte 3"/>
-          <p:cNvSpPr>
-            <a:spLocks noGrp="1"/>
-          </p:cNvSpPr>
-          <p:nvPr>
-            <p:ph type="body" sz="half" idx="2"/>
-          </p:nvPr>
-        </p:nvSpPr>
-        <p:spPr>
-          <a:xfrm>
-            <a:off x="1792288" y="5367338"/>
-            <a:ext cx="5486400" cy="804862"/>
+            <a:r>
+              <a:rPr kumimoji="0" lang="fr-FR" smtClean="0"/>
+              <a:t>Cliquez sur l'icône pour ajouter une image</a:t>
+            </a:r>
+            <a:endParaRPr kumimoji="0" lang="en-US" dirty="0"/>
+          </a:p>
+        </p:txBody>
+      </p:sp>
+      <p:sp>
+        <p:nvSpPr>
+          <p:cNvPr id="10" name="Freeform 9"/>
+          <p:cNvSpPr>
+            <a:spLocks/>
+          </p:cNvSpPr>
+          <p:nvPr/>
+        </p:nvSpPr>
+        <p:spPr bwMode="auto">
+          <a:xfrm flipV="1">
+            <a:off x="-9525" y="5816600"/>
+            <a:ext cx="9163050" cy="1041400"/>
           </a:xfrm>
+          <a:custGeom>
+            <a:avLst>
+              <a:gd name="A1" fmla="val 0"/>
+              <a:gd name="A2" fmla="val 0"/>
+              <a:gd name="A3" fmla="val 0"/>
+              <a:gd name="A4" fmla="val 0"/>
+              <a:gd name="A5" fmla="val 0"/>
+              <a:gd name="A6" fmla="val 0"/>
+              <a:gd name="A7" fmla="val 0"/>
+              <a:gd name="A8" fmla="val 0"/>
+            </a:avLst>
+            <a:gdLst/>
+            <a:ahLst/>
+            <a:cxnLst>
+              <a:cxn ang="0">
+                <a:pos x="6" y="2"/>
+              </a:cxn>
+              <a:cxn ang="0">
+                <a:pos x="2542" y="0"/>
+              </a:cxn>
+              <a:cxn ang="0">
+                <a:pos x="4374" y="367"/>
+              </a:cxn>
+              <a:cxn ang="0">
+                <a:pos x="5766" y="55"/>
+              </a:cxn>
+              <a:cxn ang="0">
+                <a:pos x="5772" y="213"/>
+              </a:cxn>
+              <a:cxn ang="0">
+                <a:pos x="4302" y="439"/>
+              </a:cxn>
+              <a:cxn ang="0">
+                <a:pos x="1488" y="201"/>
+              </a:cxn>
+              <a:cxn ang="0">
+                <a:pos x="0" y="656"/>
+              </a:cxn>
+              <a:cxn ang="0">
+                <a:pos x="6" y="2"/>
+              </a:cxn>
+            </a:cxnLst>
+            <a:rect l="0" t="0" r="0" b="0"/>
+            <a:pathLst>
+              <a:path w="5772" h="656">
+                <a:moveTo>
+                  <a:pt x="6" y="2"/>
+                </a:moveTo>
+                <a:lnTo>
+                  <a:pt x="2542" y="0"/>
+                </a:lnTo>
+                <a:cubicBezTo>
+                  <a:pt x="2746" y="101"/>
+                  <a:pt x="3828" y="367"/>
+                  <a:pt x="4374" y="367"/>
+                </a:cubicBezTo>
+                <a:cubicBezTo>
+                  <a:pt x="4920" y="367"/>
+                  <a:pt x="5526" y="152"/>
+                  <a:pt x="5766" y="55"/>
+                </a:cubicBezTo>
+                <a:lnTo>
+                  <a:pt x="5772" y="213"/>
+                </a:lnTo>
+                <a:cubicBezTo>
+                  <a:pt x="5670" y="257"/>
+                  <a:pt x="5016" y="441"/>
+                  <a:pt x="4302" y="439"/>
+                </a:cubicBezTo>
+                <a:cubicBezTo>
+                  <a:pt x="3588" y="437"/>
+                  <a:pt x="2205" y="165"/>
+                  <a:pt x="1488" y="201"/>
+                </a:cubicBezTo>
+                <a:cubicBezTo>
+                  <a:pt x="750" y="209"/>
+                  <a:pt x="270" y="482"/>
+                  <a:pt x="0" y="656"/>
+                </a:cubicBezTo>
+                <a:lnTo>
+                  <a:pt x="6" y="2"/>
+                </a:lnTo>
+                <a:close/>
+              </a:path>
+            </a:pathLst>
+          </a:custGeom>
+          <a:gradFill>
+            <a:gsLst>
+              <a:gs pos="0">
+                <a:schemeClr val="accent2">
+                  <a:shade val="50000"/>
+                  <a:alpha val="45000"/>
+                  <a:satMod val="120000"/>
+                </a:schemeClr>
+              </a:gs>
+              <a:gs pos="100000">
+                <a:schemeClr val="accent3">
+                  <a:shade val="80000"/>
+                  <a:alpha val="55000"/>
+                  <a:satMod val="155000"/>
+                </a:schemeClr>
+              </a:gs>
+            </a:gsLst>
+            <a:lin ang="5400000" scaled="1"/>
+          </a:gradFill>
+          <a:ln w="9525" cap="flat" cmpd="sng" algn="ctr">
+            <a:noFill/>
+            <a:prstDash val="solid"/>
+            <a:round/>
+            <a:headEnd type="none" w="med" len="med"/>
+            <a:tailEnd type="none" w="med" len="med"/>
+          </a:ln>
+          <a:effectLst/>
         </p:spPr>
         <p:txBody>
-          <a:bodyPr/>
-          <a:lstStyle>
-            <a:lvl1pPr marL="0" indent="0">
-              <a:buNone/>
-              <a:defRPr sz="1400"/>
-            </a:lvl1pPr>
-            <a:lvl2pPr marL="457200" indent="0">
-              <a:buNone/>
-              <a:defRPr sz="1200"/>
-            </a:lvl2pPr>
-            <a:lvl3pPr marL="914400" indent="0">
-              <a:buNone/>
-              <a:defRPr sz="1000"/>
-            </a:lvl3pPr>
-            <a:lvl4pPr marL="1371600" indent="0">
-              <a:buNone/>
-              <a:defRPr sz="900"/>
-            </a:lvl4pPr>
-            <a:lvl5pPr marL="1828800" indent="0">
-              <a:buNone/>
-              <a:defRPr sz="900"/>
-            </a:lvl5pPr>
-            <a:lvl6pPr marL="2286000" indent="0">
-              <a:buNone/>
-              <a:defRPr sz="900"/>
-            </a:lvl6pPr>
-            <a:lvl7pPr marL="2743200" indent="0">
-              <a:buNone/>
-              <a:defRPr sz="900"/>
-            </a:lvl7pPr>
-            <a:lvl8pPr marL="3200400" indent="0">
-              <a:buNone/>
-              <a:defRPr sz="900"/>
-            </a:lvl8pPr>
-            <a:lvl9pPr marL="3657600" indent="0">
-              <a:buNone/>
-              <a:defRPr sz="900"/>
-            </a:lvl9pPr>
-          </a:lstStyle>
-          <a:p>
-            <a:pPr lvl="0"/>
-            <a:r>
-              <a:rPr lang="fr-FR" smtClean="0"/>
-              <a:t>Modifiez les styles du texte du masque</a:t>
-            </a:r>
-          </a:p>
-        </p:txBody>
-      </p:sp>
-      <p:sp>
-        <p:nvSpPr>
-          <p:cNvPr id="5" name="Espace réservé de la date 4"/>
-          <p:cNvSpPr>
-            <a:spLocks noGrp="1"/>
-          </p:cNvSpPr>
-          <p:nvPr>
-            <p:ph type="dt" sz="half" idx="10"/>
-          </p:nvPr>
-        </p:nvSpPr>
-        <p:spPr/>
-        <p:txBody>
-          <a:bodyPr/>
-          <a:lstStyle/>
-          <a:p>
-            <a:fld id="{4F38D3F6-E48F-4950-AC1B-79C88B17E831}" type="datetimeFigureOut">
-              <a:rPr lang="fr-FR" smtClean="0"/>
-              <a:t>05/11/2017</a:t>
-            </a:fld>
-            <a:endParaRPr lang="fr-FR"/>
-          </a:p>
-        </p:txBody>
-      </p:sp>
-      <p:sp>
-        <p:nvSpPr>
-          <p:cNvPr id="6" name="Espace réservé du pied de page 5"/>
-          <p:cNvSpPr>
-            <a:spLocks noGrp="1"/>
-          </p:cNvSpPr>
-          <p:nvPr>
-            <p:ph type="ftr" sz="quarter" idx="11"/>
-          </p:nvPr>
-        </p:nvSpPr>
-        <p:spPr/>
-        <p:txBody>
-          <a:bodyPr/>
-          <a:lstStyle/>
-          <a:p>
-            <a:endParaRPr lang="fr-FR"/>
-          </a:p>
-        </p:txBody>
-      </p:sp>
-      <p:sp>
-        <p:nvSpPr>
-          <p:cNvPr id="7" name="Espace réservé du numéro de diapositive 6"/>
-          <p:cNvSpPr>
-            <a:spLocks noGrp="1"/>
-          </p:cNvSpPr>
-          <p:nvPr>
-            <p:ph type="sldNum" sz="quarter" idx="12"/>
-          </p:nvPr>
-        </p:nvSpPr>
-        <p:spPr/>
-        <p:txBody>
-          <a:bodyPr/>
-          <a:lstStyle/>
-          <a:p>
-            <a:fld id="{579ABEFE-C324-436D-8AB6-E7F8195D9C66}" type="slidenum">
-              <a:rPr lang="fr-FR" smtClean="0"/>
-              <a:t>‹N°›</a:t>
-            </a:fld>
-            <a:endParaRPr lang="fr-FR"/>
+          <a:bodyPr vert="horz" wrap="square" lIns="91440" tIns="45720" rIns="91440" bIns="45720" anchor="t" compatLnSpc="1"/>
+          <a:lstStyle/>
+          <a:p>
+            <a:pPr marL="0" algn="l" rtl="0" eaLnBrk="1" latinLnBrk="0" hangingPunct="1"/>
+            <a:endParaRPr kumimoji="0" lang="en-US">
+              <a:solidFill>
+                <a:schemeClr val="tx1"/>
+              </a:solidFill>
+              <a:latin typeface="+mn-lt"/>
+              <a:ea typeface="+mn-ea"/>
+              <a:cs typeface="+mn-cs"/>
+            </a:endParaRPr>
+          </a:p>
+        </p:txBody>
+      </p:sp>
+      <p:sp>
+        <p:nvSpPr>
+          <p:cNvPr id="11" name="Freeform 10"/>
+          <p:cNvSpPr>
+            <a:spLocks/>
+          </p:cNvSpPr>
+          <p:nvPr/>
+        </p:nvSpPr>
+        <p:spPr bwMode="auto">
+          <a:xfrm flipV="1">
+            <a:off x="4381500" y="6219825"/>
+            <a:ext cx="4762500" cy="638175"/>
+          </a:xfrm>
+          <a:custGeom>
+            <a:avLst>
+              <a:gd name="A1" fmla="val 0"/>
+              <a:gd name="A2" fmla="val 0"/>
+              <a:gd name="A3" fmla="val 0"/>
+              <a:gd name="A4" fmla="val 0"/>
+              <a:gd name="A5" fmla="val 0"/>
+              <a:gd name="A6" fmla="val 0"/>
+              <a:gd name="A7" fmla="val 0"/>
+              <a:gd name="A8" fmla="val 0"/>
+            </a:avLst>
+            <a:gdLst/>
+            <a:ahLst/>
+            <a:cxnLst>
+              <a:cxn ang="0">
+                <a:pos x="0" y="0"/>
+              </a:cxn>
+              <a:cxn ang="0">
+                <a:pos x="1668" y="564"/>
+              </a:cxn>
+              <a:cxn ang="0">
+                <a:pos x="3000" y="186"/>
+              </a:cxn>
+              <a:cxn ang="0">
+                <a:pos x="3000" y="6"/>
+              </a:cxn>
+              <a:cxn ang="0">
+                <a:pos x="0" y="0"/>
+              </a:cxn>
+            </a:cxnLst>
+            <a:rect l="0" t="0" r="0" b="0"/>
+            <a:pathLst>
+              <a:path w="3000" h="595">
+                <a:moveTo>
+                  <a:pt x="0" y="0"/>
+                </a:moveTo>
+                <a:cubicBezTo>
+                  <a:pt x="174" y="102"/>
+                  <a:pt x="1168" y="533"/>
+                  <a:pt x="1668" y="564"/>
+                </a:cubicBezTo>
+                <a:cubicBezTo>
+                  <a:pt x="2168" y="595"/>
+                  <a:pt x="2778" y="279"/>
+                  <a:pt x="3000" y="186"/>
+                </a:cubicBezTo>
+                <a:lnTo>
+                  <a:pt x="3000" y="6"/>
+                </a:lnTo>
+                <a:lnTo>
+                  <a:pt x="0" y="0"/>
+                </a:lnTo>
+                <a:close/>
+              </a:path>
+            </a:pathLst>
+          </a:custGeom>
+          <a:gradFill>
+            <a:gsLst>
+              <a:gs pos="0">
+                <a:schemeClr val="accent3">
+                  <a:shade val="50000"/>
+                  <a:alpha val="30000"/>
+                  <a:satMod val="130000"/>
+                </a:schemeClr>
+              </a:gs>
+              <a:gs pos="80000">
+                <a:schemeClr val="accent2">
+                  <a:shade val="75000"/>
+                  <a:alpha val="45000"/>
+                  <a:satMod val="140000"/>
+                </a:schemeClr>
+              </a:gs>
+            </a:gsLst>
+            <a:lin ang="5400000" scaled="1"/>
+          </a:gradFill>
+          <a:ln w="9525" cap="flat" cmpd="sng" algn="ctr">
+            <a:noFill/>
+            <a:prstDash val="solid"/>
+            <a:round/>
+            <a:headEnd type="none" w="med" len="med"/>
+            <a:tailEnd type="none" w="med" len="med"/>
+          </a:ln>
+          <a:effectLst/>
+        </p:spPr>
+        <p:txBody>
+          <a:bodyPr vert="horz" wrap="square" lIns="91440" tIns="45720" rIns="91440" bIns="45720" anchor="t" compatLnSpc="1"/>
+          <a:lstStyle/>
+          <a:p>
+            <a:pPr marL="0" algn="l" rtl="0" eaLnBrk="1" latinLnBrk="0" hangingPunct="1"/>
+            <a:endParaRPr kumimoji="0" lang="en-US">
+              <a:solidFill>
+                <a:schemeClr val="tx1"/>
+              </a:solidFill>
+              <a:latin typeface="+mn-lt"/>
+              <a:ea typeface="+mn-ea"/>
+              <a:cs typeface="+mn-cs"/>
+            </a:endParaRPr>
           </a:p>
         </p:txBody>
       </p:sp>
     </p:spTree>
-    <p:extLst>
-      <p:ext uri="{BB962C8B-B14F-4D97-AF65-F5344CB8AC3E}">
-        <p14:creationId xmlns:p14="http://schemas.microsoft.com/office/powerpoint/2010/main" val="1030917459"/>
-      </p:ext>
-    </p:extLst>
   </p:cSld>
   <p:clrMapOvr>
     <a:masterClrMapping/>
@@ -2582,7 +2926,7 @@
 <p:sldMaster xmlns:a="http://schemas.openxmlformats.org/drawingml/2006/main" xmlns:r="http://schemas.openxmlformats.org/officeDocument/2006/relationships" xmlns:p="http://schemas.openxmlformats.org/presentationml/2006/main">
   <p:cSld>
     <p:bg>
-      <p:bgRef idx="1001">
+      <p:bgRef idx="1003">
         <a:schemeClr val="bg1"/>
       </p:bgRef>
     </p:bg>
@@ -2602,7 +2946,263 @@
       </p:grpSpPr>
       <p:sp>
         <p:nvSpPr>
-          <p:cNvPr id="2" name="Espace réservé du titre 1"/>
+          <p:cNvPr id="7" name="Freeform 6"/>
+          <p:cNvSpPr>
+            <a:spLocks/>
+          </p:cNvSpPr>
+          <p:nvPr/>
+        </p:nvSpPr>
+        <p:spPr bwMode="auto">
+          <a:xfrm>
+            <a:off x="-9525" y="-7144"/>
+            <a:ext cx="9163050" cy="411809"/>
+          </a:xfrm>
+          <a:custGeom>
+            <a:avLst>
+              <a:gd name="A1" fmla="val 0"/>
+              <a:gd name="A2" fmla="val 0"/>
+              <a:gd name="A3" fmla="val 0"/>
+              <a:gd name="A4" fmla="val 0"/>
+              <a:gd name="A5" fmla="val 0"/>
+              <a:gd name="A6" fmla="val 0"/>
+              <a:gd name="A7" fmla="val 0"/>
+              <a:gd name="A8" fmla="val 0"/>
+            </a:avLst>
+            <a:gdLst/>
+            <a:ahLst/>
+            <a:cxnLst>
+              <a:cxn ang="0">
+                <a:pos x="6" y="2"/>
+              </a:cxn>
+              <a:cxn ang="0">
+                <a:pos x="2542" y="0"/>
+              </a:cxn>
+              <a:cxn ang="0">
+                <a:pos x="4374" y="367"/>
+              </a:cxn>
+              <a:cxn ang="0">
+                <a:pos x="5766" y="55"/>
+              </a:cxn>
+              <a:cxn ang="0">
+                <a:pos x="5772" y="213"/>
+              </a:cxn>
+              <a:cxn ang="0">
+                <a:pos x="4302" y="439"/>
+              </a:cxn>
+              <a:cxn ang="0">
+                <a:pos x="1488" y="201"/>
+              </a:cxn>
+              <a:cxn ang="0">
+                <a:pos x="0" y="656"/>
+              </a:cxn>
+              <a:cxn ang="0">
+                <a:pos x="6" y="2"/>
+              </a:cxn>
+            </a:cxnLst>
+            <a:rect l="0" t="0" r="0" b="0"/>
+            <a:pathLst>
+              <a:path w="5772" h="656">
+                <a:moveTo>
+                  <a:pt x="6" y="2"/>
+                </a:moveTo>
+                <a:lnTo>
+                  <a:pt x="2542" y="0"/>
+                </a:lnTo>
+                <a:cubicBezTo>
+                  <a:pt x="2746" y="101"/>
+                  <a:pt x="3828" y="367"/>
+                  <a:pt x="4374" y="367"/>
+                </a:cubicBezTo>
+                <a:cubicBezTo>
+                  <a:pt x="4920" y="367"/>
+                  <a:pt x="5526" y="152"/>
+                  <a:pt x="5766" y="55"/>
+                </a:cubicBezTo>
+                <a:lnTo>
+                  <a:pt x="5772" y="213"/>
+                </a:lnTo>
+                <a:cubicBezTo>
+                  <a:pt x="5670" y="257"/>
+                  <a:pt x="5016" y="441"/>
+                  <a:pt x="4302" y="439"/>
+                </a:cubicBezTo>
+                <a:cubicBezTo>
+                  <a:pt x="3588" y="437"/>
+                  <a:pt x="2205" y="165"/>
+                  <a:pt x="1488" y="201"/>
+                </a:cubicBezTo>
+                <a:cubicBezTo>
+                  <a:pt x="750" y="209"/>
+                  <a:pt x="270" y="482"/>
+                  <a:pt x="0" y="656"/>
+                </a:cubicBezTo>
+                <a:lnTo>
+                  <a:pt x="6" y="2"/>
+                </a:lnTo>
+                <a:close/>
+              </a:path>
+            </a:pathLst>
+          </a:custGeom>
+          <a:gradFill>
+            <a:gsLst>
+              <a:gs pos="0">
+                <a:schemeClr val="accent2">
+                  <a:shade val="50000"/>
+                  <a:alpha val="45000"/>
+                  <a:satMod val="120000"/>
+                </a:schemeClr>
+              </a:gs>
+              <a:gs pos="100000">
+                <a:schemeClr val="accent3">
+                  <a:shade val="80000"/>
+                  <a:alpha val="55000"/>
+                  <a:satMod val="155000"/>
+                </a:schemeClr>
+              </a:gs>
+            </a:gsLst>
+            <a:lin ang="5400000" scaled="1"/>
+          </a:gradFill>
+          <a:ln w="9525" cap="flat" cmpd="sng" algn="ctr">
+            <a:noFill/>
+            <a:prstDash val="solid"/>
+            <a:round/>
+            <a:headEnd type="none" w="med" len="med"/>
+            <a:tailEnd type="none" w="med" len="med"/>
+          </a:ln>
+          <a:effectLst/>
+        </p:spPr>
+        <p:txBody>
+          <a:bodyPr vert="horz" wrap="square" lIns="91440" tIns="45720" rIns="91440" bIns="45720" anchor="t" compatLnSpc="1"/>
+          <a:lstStyle/>
+          <a:p>
+            <a:pPr marL="0" algn="l" rtl="0" eaLnBrk="1" latinLnBrk="0" hangingPunct="1"/>
+            <a:endParaRPr kumimoji="0" lang="en-US">
+              <a:solidFill>
+                <a:schemeClr val="tx1"/>
+              </a:solidFill>
+              <a:latin typeface="+mn-lt"/>
+              <a:ea typeface="+mn-ea"/>
+              <a:cs typeface="+mn-cs"/>
+            </a:endParaRPr>
+          </a:p>
+        </p:txBody>
+      </p:sp>
+      <p:sp>
+        <p:nvSpPr>
+          <p:cNvPr id="8" name="Freeform 7"/>
+          <p:cNvSpPr>
+            <a:spLocks/>
+          </p:cNvSpPr>
+          <p:nvPr/>
+        </p:nvSpPr>
+        <p:spPr bwMode="auto">
+          <a:xfrm>
+            <a:off x="4381500" y="-7143"/>
+            <a:ext cx="4762500" cy="411808"/>
+          </a:xfrm>
+          <a:custGeom>
+            <a:avLst>
+              <a:gd name="A1" fmla="val 0"/>
+              <a:gd name="A2" fmla="val 0"/>
+              <a:gd name="A3" fmla="val 0"/>
+              <a:gd name="A4" fmla="val 0"/>
+              <a:gd name="A5" fmla="val 0"/>
+              <a:gd name="A6" fmla="val 0"/>
+              <a:gd name="A7" fmla="val 0"/>
+              <a:gd name="A8" fmla="val 0"/>
+            </a:avLst>
+            <a:gdLst/>
+            <a:ahLst/>
+            <a:cxnLst>
+              <a:cxn ang="0">
+                <a:pos x="0" y="0"/>
+              </a:cxn>
+              <a:cxn ang="0">
+                <a:pos x="1668" y="564"/>
+              </a:cxn>
+              <a:cxn ang="0">
+                <a:pos x="3000" y="186"/>
+              </a:cxn>
+              <a:cxn ang="0">
+                <a:pos x="3000" y="6"/>
+              </a:cxn>
+              <a:cxn ang="0">
+                <a:pos x="0" y="0"/>
+              </a:cxn>
+            </a:cxnLst>
+            <a:rect l="0" t="0" r="0" b="0"/>
+            <a:pathLst>
+              <a:path w="3000" h="595">
+                <a:moveTo>
+                  <a:pt x="0" y="0"/>
+                </a:moveTo>
+                <a:cubicBezTo>
+                  <a:pt x="174" y="102"/>
+                  <a:pt x="1168" y="533"/>
+                  <a:pt x="1668" y="564"/>
+                </a:cubicBezTo>
+                <a:cubicBezTo>
+                  <a:pt x="2168" y="595"/>
+                  <a:pt x="2778" y="279"/>
+                  <a:pt x="3000" y="186"/>
+                </a:cubicBezTo>
+                <a:lnTo>
+                  <a:pt x="3000" y="6"/>
+                </a:lnTo>
+                <a:lnTo>
+                  <a:pt x="0" y="0"/>
+                </a:lnTo>
+                <a:close/>
+              </a:path>
+            </a:pathLst>
+          </a:custGeom>
+          <a:gradFill>
+            <a:gsLst>
+              <a:gs pos="0">
+                <a:schemeClr val="accent3">
+                  <a:shade val="50000"/>
+                  <a:alpha val="30000"/>
+                  <a:satMod val="130000"/>
+                </a:schemeClr>
+              </a:gs>
+              <a:gs pos="80000">
+                <a:schemeClr val="accent2">
+                  <a:shade val="75000"/>
+                  <a:alpha val="45000"/>
+                  <a:satMod val="140000"/>
+                </a:schemeClr>
+              </a:gs>
+            </a:gsLst>
+            <a:lin ang="5400000" scaled="1"/>
+          </a:gradFill>
+          <a:ln w="9525" cap="flat" cmpd="sng" algn="ctr">
+            <a:noFill/>
+            <a:prstDash val="solid"/>
+            <a:round/>
+            <a:headEnd type="none" w="med" len="med"/>
+            <a:tailEnd type="none" w="med" len="med"/>
+          </a:ln>
+          <a:effectLst/>
+        </p:spPr>
+        <p:txBody>
+          <a:bodyPr vert="horz" wrap="square" lIns="91440" tIns="45720" rIns="91440" bIns="45720" anchor="t" compatLnSpc="1"/>
+          <a:lstStyle/>
+          <a:p>
+            <a:pPr marL="0" algn="l" rtl="0" eaLnBrk="1" latinLnBrk="0" hangingPunct="1"/>
+            <a:endParaRPr kumimoji="0" lang="en-US">
+              <a:solidFill>
+                <a:schemeClr val="tx1"/>
+              </a:solidFill>
+              <a:latin typeface="+mn-lt"/>
+              <a:ea typeface="+mn-ea"/>
+              <a:cs typeface="+mn-cs"/>
+            </a:endParaRPr>
+          </a:p>
+        </p:txBody>
+      </p:sp>
+      <p:sp>
+        <p:nvSpPr>
+          <p:cNvPr id="9" name="Title Placeholder 8"/>
           <p:cNvSpPr>
             <a:spLocks noGrp="1"/>
           </p:cNvSpPr>
@@ -2612,7 +3212,7 @@
         </p:nvSpPr>
         <p:spPr>
           <a:xfrm>
-            <a:off x="457200" y="274638"/>
+            <a:off x="457200" y="704088"/>
             <a:ext cx="8229600" cy="1143000"/>
           </a:xfrm>
           <a:prstGeom prst="rect">
@@ -2620,22 +3220,22 @@
           </a:prstGeom>
         </p:spPr>
         <p:txBody>
-          <a:bodyPr vert="horz" lIns="91440" tIns="45720" rIns="91440" bIns="45720" rtlCol="0" anchor="ctr">
+          <a:bodyPr vert="horz" lIns="0" rIns="0" bIns="0" anchor="b">
             <a:normAutofit/>
           </a:bodyPr>
           <a:lstStyle/>
           <a:p>
             <a:r>
-              <a:rPr lang="fr-FR" smtClean="0"/>
+              <a:rPr kumimoji="0" lang="fr-FR" smtClean="0"/>
               <a:t>Modifiez le style du titre</a:t>
             </a:r>
-            <a:endParaRPr lang="fr-FR"/>
-          </a:p>
-        </p:txBody>
-      </p:sp>
-      <p:sp>
-        <p:nvSpPr>
-          <p:cNvPr id="3" name="Espace réservé du texte 2"/>
+            <a:endParaRPr kumimoji="0" lang="en-US"/>
+          </a:p>
+        </p:txBody>
+      </p:sp>
+      <p:sp>
+        <p:nvSpPr>
+          <p:cNvPr id="30" name="Text Placeholder 29"/>
           <p:cNvSpPr>
             <a:spLocks noGrp="1"/>
           </p:cNvSpPr>
@@ -2645,59 +3245,59 @@
         </p:nvSpPr>
         <p:spPr>
           <a:xfrm>
-            <a:off x="457200" y="1600200"/>
-            <a:ext cx="8229600" cy="4525963"/>
+            <a:off x="457200" y="1935480"/>
+            <a:ext cx="8229600" cy="4389120"/>
           </a:xfrm>
           <a:prstGeom prst="rect">
             <a:avLst/>
           </a:prstGeom>
         </p:spPr>
         <p:txBody>
-          <a:bodyPr vert="horz" lIns="91440" tIns="45720" rIns="91440" bIns="45720" rtlCol="0">
+          <a:bodyPr vert="horz">
             <a:normAutofit/>
           </a:bodyPr>
           <a:lstStyle/>
           <a:p>
-            <a:pPr lvl="0"/>
-            <a:r>
-              <a:rPr lang="fr-FR" smtClean="0"/>
+            <a:pPr lvl="0" eaLnBrk="1" latinLnBrk="0" hangingPunct="1"/>
+            <a:r>
+              <a:rPr kumimoji="0" lang="fr-FR" smtClean="0"/>
               <a:t>Modifiez les styles du texte du masque</a:t>
             </a:r>
           </a:p>
           <a:p>
-            <a:pPr lvl="1"/>
-            <a:r>
-              <a:rPr lang="fr-FR" smtClean="0"/>
+            <a:pPr lvl="1" eaLnBrk="1" latinLnBrk="0" hangingPunct="1"/>
+            <a:r>
+              <a:rPr kumimoji="0" lang="fr-FR" smtClean="0"/>
               <a:t>Deuxième niveau</a:t>
             </a:r>
           </a:p>
           <a:p>
-            <a:pPr lvl="2"/>
-            <a:r>
-              <a:rPr lang="fr-FR" smtClean="0"/>
+            <a:pPr lvl="2" eaLnBrk="1" latinLnBrk="0" hangingPunct="1"/>
+            <a:r>
+              <a:rPr kumimoji="0" lang="fr-FR" smtClean="0"/>
               <a:t>Troisième niveau</a:t>
             </a:r>
           </a:p>
           <a:p>
-            <a:pPr lvl="3"/>
-            <a:r>
-              <a:rPr lang="fr-FR" smtClean="0"/>
+            <a:pPr lvl="3" eaLnBrk="1" latinLnBrk="0" hangingPunct="1"/>
+            <a:r>
+              <a:rPr kumimoji="0" lang="fr-FR" smtClean="0"/>
               <a:t>Quatrième niveau</a:t>
             </a:r>
           </a:p>
           <a:p>
-            <a:pPr lvl="4"/>
-            <a:r>
-              <a:rPr lang="fr-FR" smtClean="0"/>
+            <a:pPr lvl="4" eaLnBrk="1" latinLnBrk="0" hangingPunct="1"/>
+            <a:r>
+              <a:rPr kumimoji="0" lang="fr-FR" smtClean="0"/>
               <a:t>Cinquième niveau</a:t>
             </a:r>
-            <a:endParaRPr lang="fr-FR"/>
-          </a:p>
-        </p:txBody>
-      </p:sp>
-      <p:sp>
-        <p:nvSpPr>
-          <p:cNvPr id="4" name="Espace réservé de la date 3"/>
+            <a:endParaRPr kumimoji="0" lang="en-US"/>
+          </a:p>
+        </p:txBody>
+      </p:sp>
+      <p:sp>
+        <p:nvSpPr>
+          <p:cNvPr id="10" name="Date Placeholder 9"/>
           <p:cNvSpPr>
             <a:spLocks noGrp="1"/>
           </p:cNvSpPr>
@@ -2715,13 +3315,13 @@
           </a:prstGeom>
         </p:spPr>
         <p:txBody>
-          <a:bodyPr vert="horz" lIns="91440" tIns="45720" rIns="91440" bIns="45720" rtlCol="0" anchor="ctr"/>
+          <a:bodyPr vert="horz" lIns="0" tIns="0" rIns="0" bIns="0" anchor="b"/>
           <a:lstStyle>
-            <a:lvl1pPr algn="l">
-              <a:defRPr sz="1200">
+            <a:lvl1pPr algn="l" eaLnBrk="1" latinLnBrk="0" hangingPunct="1">
+              <a:defRPr kumimoji="0" sz="1200">
                 <a:solidFill>
-                  <a:schemeClr val="tx1">
-                    <a:tint val="75000"/>
+                  <a:schemeClr val="tx2">
+                    <a:shade val="90000"/>
                   </a:schemeClr>
                 </a:solidFill>
               </a:defRPr>
@@ -2730,7 +3330,7 @@
           <a:p>
             <a:fld id="{4F38D3F6-E48F-4950-AC1B-79C88B17E831}" type="datetimeFigureOut">
               <a:rPr lang="fr-FR" smtClean="0"/>
-              <a:t>05/11/2017</a:t>
+              <a:t>04/12/2017</a:t>
             </a:fld>
             <a:endParaRPr lang="fr-FR"/>
           </a:p>
@@ -2738,7 +3338,7 @@
       </p:sp>
       <p:sp>
         <p:nvSpPr>
-          <p:cNvPr id="5" name="Espace réservé du pied de page 4"/>
+          <p:cNvPr id="22" name="Footer Placeholder 21"/>
           <p:cNvSpPr>
             <a:spLocks noGrp="1"/>
           </p:cNvSpPr>
@@ -2748,21 +3348,21 @@
         </p:nvSpPr>
         <p:spPr>
           <a:xfrm>
-            <a:off x="3124200" y="6356350"/>
-            <a:ext cx="2895600" cy="365125"/>
+            <a:off x="2667000" y="6356350"/>
+            <a:ext cx="3352800" cy="365125"/>
           </a:xfrm>
           <a:prstGeom prst="rect">
             <a:avLst/>
           </a:prstGeom>
         </p:spPr>
         <p:txBody>
-          <a:bodyPr vert="horz" lIns="91440" tIns="45720" rIns="91440" bIns="45720" rtlCol="0" anchor="ctr"/>
+          <a:bodyPr vert="horz" lIns="0" tIns="0" rIns="0" bIns="0" anchor="b"/>
           <a:lstStyle>
-            <a:lvl1pPr algn="ctr">
-              <a:defRPr sz="1200">
+            <a:lvl1pPr algn="l" eaLnBrk="1" latinLnBrk="0" hangingPunct="1">
+              <a:defRPr kumimoji="0" sz="1200">
                 <a:solidFill>
-                  <a:schemeClr val="tx1">
-                    <a:tint val="75000"/>
+                  <a:schemeClr val="tx2">
+                    <a:shade val="90000"/>
                   </a:schemeClr>
                 </a:solidFill>
               </a:defRPr>
@@ -2775,7 +3375,7 @@
       </p:sp>
       <p:sp>
         <p:nvSpPr>
-          <p:cNvPr id="6" name="Espace réservé du numéro de diapositive 5"/>
+          <p:cNvPr id="18" name="Slide Number Placeholder 17"/>
           <p:cNvSpPr>
             <a:spLocks noGrp="1"/>
           </p:cNvSpPr>
@@ -2785,21 +3385,21 @@
         </p:nvSpPr>
         <p:spPr>
           <a:xfrm>
-            <a:off x="6553200" y="6356350"/>
-            <a:ext cx="2133600" cy="365125"/>
+            <a:off x="7924800" y="6356350"/>
+            <a:ext cx="762000" cy="365125"/>
           </a:xfrm>
           <a:prstGeom prst="rect">
             <a:avLst/>
           </a:prstGeom>
         </p:spPr>
         <p:txBody>
-          <a:bodyPr vert="horz" lIns="91440" tIns="45720" rIns="91440" bIns="45720" rtlCol="0" anchor="ctr"/>
+          <a:bodyPr vert="horz" lIns="0" tIns="0" rIns="0" bIns="0" anchor="b"/>
           <a:lstStyle>
-            <a:lvl1pPr algn="r">
-              <a:defRPr sz="1200">
+            <a:lvl1pPr algn="r" eaLnBrk="1" latinLnBrk="0" hangingPunct="1">
+              <a:defRPr kumimoji="0" sz="1200">
                 <a:solidFill>
-                  <a:schemeClr val="tx1">
-                    <a:tint val="75000"/>
+                  <a:schemeClr val="tx2">
+                    <a:shade val="90000"/>
                   </a:schemeClr>
                 </a:solidFill>
               </a:defRPr>
@@ -2815,37 +3415,36 @@
         </p:txBody>
       </p:sp>
     </p:spTree>
-    <p:extLst>
-      <p:ext uri="{BB962C8B-B14F-4D97-AF65-F5344CB8AC3E}">
-        <p14:creationId xmlns:p14="http://schemas.microsoft.com/office/powerpoint/2010/main" val="2761032996"/>
-      </p:ext>
-    </p:extLst>
   </p:cSld>
   <p:clrMap bg1="lt1" tx1="dk1" bg2="lt2" tx2="dk2" accent1="accent1" accent2="accent2" accent3="accent3" accent4="accent4" accent5="accent5" accent6="accent6" hlink="hlink" folHlink="folHlink"/>
   <p:sldLayoutIdLst>
-    <p:sldLayoutId id="2147483649" r:id="rId1"/>
-    <p:sldLayoutId id="2147483650" r:id="rId2"/>
-    <p:sldLayoutId id="2147483651" r:id="rId3"/>
-    <p:sldLayoutId id="2147483652" r:id="rId4"/>
-    <p:sldLayoutId id="2147483653" r:id="rId5"/>
-    <p:sldLayoutId id="2147483654" r:id="rId6"/>
-    <p:sldLayoutId id="2147483655" r:id="rId7"/>
-    <p:sldLayoutId id="2147483656" r:id="rId8"/>
-    <p:sldLayoutId id="2147483657" r:id="rId9"/>
-    <p:sldLayoutId id="2147483658" r:id="rId10"/>
-    <p:sldLayoutId id="2147483659" r:id="rId11"/>
+    <p:sldLayoutId id="2147483661" r:id="rId1"/>
+    <p:sldLayoutId id="2147483662" r:id="rId2"/>
+    <p:sldLayoutId id="2147483663" r:id="rId3"/>
+    <p:sldLayoutId id="2147483664" r:id="rId4"/>
+    <p:sldLayoutId id="2147483665" r:id="rId5"/>
+    <p:sldLayoutId id="2147483666" r:id="rId6"/>
+    <p:sldLayoutId id="2147483667" r:id="rId7"/>
+    <p:sldLayoutId id="2147483668" r:id="rId8"/>
+    <p:sldLayoutId id="2147483669" r:id="rId9"/>
+    <p:sldLayoutId id="2147483670" r:id="rId10"/>
+    <p:sldLayoutId id="2147483671" r:id="rId11"/>
   </p:sldLayoutIdLst>
   <p:txStyles>
     <p:titleStyle>
-      <a:lvl1pPr algn="ctr" defTabSz="914400" rtl="0" eaLnBrk="1" latinLnBrk="0" hangingPunct="1">
+      <a:lvl1pPr algn="l" rtl="0" eaLnBrk="1" latinLnBrk="0" hangingPunct="1">
         <a:spcBef>
           <a:spcPct val="0"/>
         </a:spcBef>
         <a:buNone/>
-        <a:defRPr sz="4400" kern="1200">
+        <a:defRPr kumimoji="0" sz="5000" b="0" kern="1200">
+          <a:ln>
+            <a:noFill/>
+          </a:ln>
           <a:solidFill>
-            <a:schemeClr val="tx1"/>
+            <a:schemeClr val="tx2"/>
           </a:solidFill>
+          <a:effectLst/>
           <a:latin typeface="+mj-lt"/>
           <a:ea typeface="+mj-ea"/>
           <a:cs typeface="+mj-cs"/>
@@ -2853,13 +3452,17 @@
       </a:lvl1pPr>
     </p:titleStyle>
     <p:bodyStyle>
-      <a:lvl1pPr marL="342900" indent="-342900" algn="l" defTabSz="914400" rtl="0" eaLnBrk="1" latinLnBrk="0" hangingPunct="1">
+      <a:lvl1pPr marL="274320" indent="-274320" algn="l" rtl="0" eaLnBrk="1" latinLnBrk="0" hangingPunct="1">
         <a:spcBef>
           <a:spcPct val="20000"/>
         </a:spcBef>
-        <a:buFont typeface="Arial" panose="020B0604020202020204" pitchFamily="34" charset="0"/>
-        <a:buChar char="•"/>
-        <a:defRPr sz="3200" kern="1200">
+        <a:buClr>
+          <a:schemeClr val="accent3"/>
+        </a:buClr>
+        <a:buSzPct val="95000"/>
+        <a:buFont typeface="Wingdings 2"/>
+        <a:buChar char=""/>
+        <a:defRPr kumimoji="0" sz="2600" kern="1200">
           <a:solidFill>
             <a:schemeClr val="tx1"/>
           </a:solidFill>
@@ -2868,13 +3471,17 @@
           <a:cs typeface="+mn-cs"/>
         </a:defRPr>
       </a:lvl1pPr>
-      <a:lvl2pPr marL="742950" indent="-285750" algn="l" defTabSz="914400" rtl="0" eaLnBrk="1" latinLnBrk="0" hangingPunct="1">
+      <a:lvl2pPr marL="640080" indent="-246888" algn="l" rtl="0" eaLnBrk="1" latinLnBrk="0" hangingPunct="1">
         <a:spcBef>
           <a:spcPct val="20000"/>
         </a:spcBef>
-        <a:buFont typeface="Arial" panose="020B0604020202020204" pitchFamily="34" charset="0"/>
-        <a:buChar char="–"/>
-        <a:defRPr sz="2800" kern="1200">
+        <a:buClr>
+          <a:schemeClr val="accent1"/>
+        </a:buClr>
+        <a:buSzPct val="85000"/>
+        <a:buFont typeface="Wingdings 2"/>
+        <a:buChar char=""/>
+        <a:defRPr kumimoji="0" sz="2400" kern="1200">
           <a:solidFill>
             <a:schemeClr val="tx1"/>
           </a:solidFill>
@@ -2883,13 +3490,17 @@
           <a:cs typeface="+mn-cs"/>
         </a:defRPr>
       </a:lvl2pPr>
-      <a:lvl3pPr marL="1143000" indent="-228600" algn="l" defTabSz="914400" rtl="0" eaLnBrk="1" latinLnBrk="0" hangingPunct="1">
+      <a:lvl3pPr marL="914400" indent="-246888" algn="l" rtl="0" eaLnBrk="1" latinLnBrk="0" hangingPunct="1">
         <a:spcBef>
           <a:spcPct val="20000"/>
         </a:spcBef>
-        <a:buFont typeface="Arial" panose="020B0604020202020204" pitchFamily="34" charset="0"/>
-        <a:buChar char="•"/>
-        <a:defRPr sz="2400" kern="1200">
+        <a:buClr>
+          <a:schemeClr val="accent2"/>
+        </a:buClr>
+        <a:buSzPct val="70000"/>
+        <a:buFont typeface="Wingdings 2"/>
+        <a:buChar char=""/>
+        <a:defRPr kumimoji="0" sz="2100" kern="1200">
           <a:solidFill>
             <a:schemeClr val="tx1"/>
           </a:solidFill>
@@ -2898,13 +3509,17 @@
           <a:cs typeface="+mn-cs"/>
         </a:defRPr>
       </a:lvl3pPr>
-      <a:lvl4pPr marL="1600200" indent="-228600" algn="l" defTabSz="914400" rtl="0" eaLnBrk="1" latinLnBrk="0" hangingPunct="1">
+      <a:lvl4pPr marL="1188720" indent="-210312" algn="l" rtl="0" eaLnBrk="1" latinLnBrk="0" hangingPunct="1">
         <a:spcBef>
           <a:spcPct val="20000"/>
         </a:spcBef>
-        <a:buFont typeface="Arial" panose="020B0604020202020204" pitchFamily="34" charset="0"/>
-        <a:buChar char="–"/>
-        <a:defRPr sz="2000" kern="1200">
+        <a:buClr>
+          <a:schemeClr val="accent3"/>
+        </a:buClr>
+        <a:buSzPct val="65000"/>
+        <a:buFont typeface="Wingdings 2"/>
+        <a:buChar char=""/>
+        <a:defRPr kumimoji="0" sz="2000" kern="1200">
           <a:solidFill>
             <a:schemeClr val="tx1"/>
           </a:solidFill>
@@ -2913,13 +3528,17 @@
           <a:cs typeface="+mn-cs"/>
         </a:defRPr>
       </a:lvl4pPr>
-      <a:lvl5pPr marL="2057400" indent="-228600" algn="l" defTabSz="914400" rtl="0" eaLnBrk="1" latinLnBrk="0" hangingPunct="1">
+      <a:lvl5pPr marL="1463040" indent="-210312" algn="l" rtl="0" eaLnBrk="1" latinLnBrk="0" hangingPunct="1">
         <a:spcBef>
           <a:spcPct val="20000"/>
         </a:spcBef>
-        <a:buFont typeface="Arial" panose="020B0604020202020204" pitchFamily="34" charset="0"/>
-        <a:buChar char="»"/>
-        <a:defRPr sz="2000" kern="1200">
+        <a:buClr>
+          <a:schemeClr val="accent4"/>
+        </a:buClr>
+        <a:buSzPct val="65000"/>
+        <a:buFont typeface="Wingdings 2"/>
+        <a:buChar char=""/>
+        <a:defRPr kumimoji="0" sz="2000" kern="1200">
           <a:solidFill>
             <a:schemeClr val="tx1"/>
           </a:solidFill>
@@ -2928,13 +3547,17 @@
           <a:cs typeface="+mn-cs"/>
         </a:defRPr>
       </a:lvl5pPr>
-      <a:lvl6pPr marL="2514600" indent="-228600" algn="l" defTabSz="914400" rtl="0" eaLnBrk="1" latinLnBrk="0" hangingPunct="1">
+      <a:lvl6pPr marL="1737360" indent="-210312" algn="l" rtl="0" eaLnBrk="1" latinLnBrk="0" hangingPunct="1">
         <a:spcBef>
           <a:spcPct val="20000"/>
         </a:spcBef>
-        <a:buFont typeface="Arial" panose="020B0604020202020204" pitchFamily="34" charset="0"/>
-        <a:buChar char="•"/>
-        <a:defRPr sz="2000" kern="1200">
+        <a:buClr>
+          <a:schemeClr val="accent5"/>
+        </a:buClr>
+        <a:buSzPct val="80000"/>
+        <a:buFont typeface="Wingdings 2"/>
+        <a:buChar char=""/>
+        <a:defRPr kumimoji="0" sz="1800" kern="1200">
           <a:solidFill>
             <a:schemeClr val="tx1"/>
           </a:solidFill>
@@ -2943,13 +3566,17 @@
           <a:cs typeface="+mn-cs"/>
         </a:defRPr>
       </a:lvl6pPr>
-      <a:lvl7pPr marL="2971800" indent="-228600" algn="l" defTabSz="914400" rtl="0" eaLnBrk="1" latinLnBrk="0" hangingPunct="1">
+      <a:lvl7pPr marL="1920240" indent="-182880" algn="l" rtl="0" eaLnBrk="1" latinLnBrk="0" hangingPunct="1">
         <a:spcBef>
           <a:spcPct val="20000"/>
         </a:spcBef>
-        <a:buFont typeface="Arial" panose="020B0604020202020204" pitchFamily="34" charset="0"/>
-        <a:buChar char="•"/>
-        <a:defRPr sz="2000" kern="1200">
+        <a:buClr>
+          <a:schemeClr val="accent6"/>
+        </a:buClr>
+        <a:buSzPct val="80000"/>
+        <a:buFont typeface="Wingdings 2"/>
+        <a:buChar char=""/>
+        <a:defRPr kumimoji="0" sz="1600" kern="1200" baseline="0">
           <a:solidFill>
             <a:schemeClr val="tx1"/>
           </a:solidFill>
@@ -2958,13 +3585,15 @@
           <a:cs typeface="+mn-cs"/>
         </a:defRPr>
       </a:lvl7pPr>
-      <a:lvl8pPr marL="3429000" indent="-228600" algn="l" defTabSz="914400" rtl="0" eaLnBrk="1" latinLnBrk="0" hangingPunct="1">
+      <a:lvl8pPr marL="2194560" indent="-182880" algn="l" rtl="0" eaLnBrk="1" latinLnBrk="0" hangingPunct="1">
         <a:spcBef>
           <a:spcPct val="20000"/>
         </a:spcBef>
-        <a:buFont typeface="Arial" panose="020B0604020202020204" pitchFamily="34" charset="0"/>
+        <a:buClr>
+          <a:schemeClr val="tx2"/>
+        </a:buClr>
         <a:buChar char="•"/>
-        <a:defRPr sz="2000" kern="1200">
+        <a:defRPr kumimoji="0" sz="1600" kern="1200">
           <a:solidFill>
             <a:schemeClr val="tx1"/>
           </a:solidFill>
@@ -2973,13 +3602,16 @@
           <a:cs typeface="+mn-cs"/>
         </a:defRPr>
       </a:lvl8pPr>
-      <a:lvl9pPr marL="3886200" indent="-228600" algn="l" defTabSz="914400" rtl="0" eaLnBrk="1" latinLnBrk="0" hangingPunct="1">
+      <a:lvl9pPr marL="2468880" indent="-182880" algn="l" rtl="0" eaLnBrk="1" latinLnBrk="0" hangingPunct="1">
         <a:spcBef>
           <a:spcPct val="20000"/>
         </a:spcBef>
-        <a:buFont typeface="Arial" panose="020B0604020202020204" pitchFamily="34" charset="0"/>
+        <a:buClr>
+          <a:schemeClr val="tx2"/>
+        </a:buClr>
+        <a:buFontTx/>
         <a:buChar char="•"/>
-        <a:defRPr sz="2000" kern="1200">
+        <a:defRPr kumimoji="0" sz="1400" kern="1200" baseline="0">
           <a:solidFill>
             <a:schemeClr val="tx1"/>
           </a:solidFill>
@@ -2990,11 +3622,8 @@
       </a:lvl9pPr>
     </p:bodyStyle>
     <p:otherStyle>
-      <a:defPPr>
-        <a:defRPr lang="fr-FR"/>
-      </a:defPPr>
-      <a:lvl1pPr marL="0" algn="l" defTabSz="914400" rtl="0" eaLnBrk="1" latinLnBrk="0" hangingPunct="1">
-        <a:defRPr sz="1800" kern="1200">
+      <a:lvl1pPr marL="0" algn="l" rtl="0" eaLnBrk="1" latinLnBrk="0" hangingPunct="1">
+        <a:defRPr kumimoji="0" kern="1200">
           <a:solidFill>
             <a:schemeClr val="tx1"/>
           </a:solidFill>
@@ -3003,8 +3632,8 @@
           <a:cs typeface="+mn-cs"/>
         </a:defRPr>
       </a:lvl1pPr>
-      <a:lvl2pPr marL="457200" algn="l" defTabSz="914400" rtl="0" eaLnBrk="1" latinLnBrk="0" hangingPunct="1">
-        <a:defRPr sz="1800" kern="1200">
+      <a:lvl2pPr marL="457200" algn="l" rtl="0" eaLnBrk="1" latinLnBrk="0" hangingPunct="1">
+        <a:defRPr kumimoji="0" kern="1200">
           <a:solidFill>
             <a:schemeClr val="tx1"/>
           </a:solidFill>
@@ -3013,8 +3642,8 @@
           <a:cs typeface="+mn-cs"/>
         </a:defRPr>
       </a:lvl2pPr>
-      <a:lvl3pPr marL="914400" algn="l" defTabSz="914400" rtl="0" eaLnBrk="1" latinLnBrk="0" hangingPunct="1">
-        <a:defRPr sz="1800" kern="1200">
+      <a:lvl3pPr marL="914400" algn="l" rtl="0" eaLnBrk="1" latinLnBrk="0" hangingPunct="1">
+        <a:defRPr kumimoji="0" kern="1200">
           <a:solidFill>
             <a:schemeClr val="tx1"/>
           </a:solidFill>
@@ -3023,8 +3652,8 @@
           <a:cs typeface="+mn-cs"/>
         </a:defRPr>
       </a:lvl3pPr>
-      <a:lvl4pPr marL="1371600" algn="l" defTabSz="914400" rtl="0" eaLnBrk="1" latinLnBrk="0" hangingPunct="1">
-        <a:defRPr sz="1800" kern="1200">
+      <a:lvl4pPr marL="1371600" algn="l" rtl="0" eaLnBrk="1" latinLnBrk="0" hangingPunct="1">
+        <a:defRPr kumimoji="0" kern="1200">
           <a:solidFill>
             <a:schemeClr val="tx1"/>
           </a:solidFill>
@@ -3033,8 +3662,8 @@
           <a:cs typeface="+mn-cs"/>
         </a:defRPr>
       </a:lvl4pPr>
-      <a:lvl5pPr marL="1828800" algn="l" defTabSz="914400" rtl="0" eaLnBrk="1" latinLnBrk="0" hangingPunct="1">
-        <a:defRPr sz="1800" kern="1200">
+      <a:lvl5pPr marL="1828800" algn="l" rtl="0" eaLnBrk="1" latinLnBrk="0" hangingPunct="1">
+        <a:defRPr kumimoji="0" kern="1200">
           <a:solidFill>
             <a:schemeClr val="tx1"/>
           </a:solidFill>
@@ -3043,8 +3672,8 @@
           <a:cs typeface="+mn-cs"/>
         </a:defRPr>
       </a:lvl5pPr>
-      <a:lvl6pPr marL="2286000" algn="l" defTabSz="914400" rtl="0" eaLnBrk="1" latinLnBrk="0" hangingPunct="1">
-        <a:defRPr sz="1800" kern="1200">
+      <a:lvl6pPr marL="2286000" algn="l" rtl="0" eaLnBrk="1" latinLnBrk="0" hangingPunct="1">
+        <a:defRPr kumimoji="0" kern="1200">
           <a:solidFill>
             <a:schemeClr val="tx1"/>
           </a:solidFill>
@@ -3053,8 +3682,8 @@
           <a:cs typeface="+mn-cs"/>
         </a:defRPr>
       </a:lvl6pPr>
-      <a:lvl7pPr marL="2743200" algn="l" defTabSz="914400" rtl="0" eaLnBrk="1" latinLnBrk="0" hangingPunct="1">
-        <a:defRPr sz="1800" kern="1200">
+      <a:lvl7pPr marL="2743200" algn="l" rtl="0" eaLnBrk="1" latinLnBrk="0" hangingPunct="1">
+        <a:defRPr kumimoji="0" kern="1200">
           <a:solidFill>
             <a:schemeClr val="tx1"/>
           </a:solidFill>
@@ -3063,8 +3692,8 @@
           <a:cs typeface="+mn-cs"/>
         </a:defRPr>
       </a:lvl7pPr>
-      <a:lvl8pPr marL="3200400" algn="l" defTabSz="914400" rtl="0" eaLnBrk="1" latinLnBrk="0" hangingPunct="1">
-        <a:defRPr sz="1800" kern="1200">
+      <a:lvl8pPr marL="3200400" algn="l" rtl="0" eaLnBrk="1" latinLnBrk="0" hangingPunct="1">
+        <a:defRPr kumimoji="0" kern="1200">
           <a:solidFill>
             <a:schemeClr val="tx1"/>
           </a:solidFill>
@@ -3073,8 +3702,8 @@
           <a:cs typeface="+mn-cs"/>
         </a:defRPr>
       </a:lvl8pPr>
-      <a:lvl9pPr marL="3657600" algn="l" defTabSz="914400" rtl="0" eaLnBrk="1" latinLnBrk="0" hangingPunct="1">
-        <a:defRPr sz="1800" kern="1200">
+      <a:lvl9pPr marL="3657600" algn="l" rtl="0" eaLnBrk="1" latinLnBrk="0" hangingPunct="1">
+        <a:defRPr kumimoji="0" kern="1200">
           <a:solidFill>
             <a:schemeClr val="tx1"/>
           </a:solidFill>
@@ -3107,88 +3736,46 @@
       </p:grpSpPr>
       <p:sp>
         <p:nvSpPr>
-          <p:cNvPr id="4" name="Rectangle à coins arrondis 3"/>
-          <p:cNvSpPr/>
-          <p:nvPr/>
-        </p:nvSpPr>
-        <p:spPr>
-          <a:xfrm>
-            <a:off x="2195736" y="1124744"/>
-            <a:ext cx="1440160" cy="432048"/>
-          </a:xfrm>
-          <a:prstGeom prst="roundRect">
-            <a:avLst/>
-          </a:prstGeom>
-        </p:spPr>
-        <p:style>
-          <a:lnRef idx="2">
-            <a:schemeClr val="accent1">
-              <a:shade val="50000"/>
-            </a:schemeClr>
-          </a:lnRef>
-          <a:fillRef idx="1">
-            <a:schemeClr val="accent1"/>
-          </a:fillRef>
-          <a:effectRef idx="0">
-            <a:schemeClr val="accent1"/>
-          </a:effectRef>
-          <a:fontRef idx="minor">
-            <a:schemeClr val="lt1"/>
-          </a:fontRef>
-        </p:style>
-        <p:txBody>
-          <a:bodyPr rtlCol="0" anchor="ctr"/>
-          <a:lstStyle/>
-          <a:p>
-            <a:pPr algn="ctr"/>
-            <a:r>
-              <a:rPr lang="fr-FR" sz="1200" dirty="0" smtClean="0"/>
-              <a:t>Plateforme to </a:t>
-            </a:r>
-            <a:r>
-              <a:rPr lang="fr-FR" sz="1200" dirty="0" err="1" smtClean="0"/>
-              <a:t>study</a:t>
-            </a:r>
-            <a:endParaRPr lang="fr-FR" sz="1200" dirty="0"/>
-          </a:p>
-        </p:txBody>
-      </p:sp>
-      <p:sp>
-        <p:nvSpPr>
-          <p:cNvPr id="5" name="Organigramme : Décision 4"/>
-          <p:cNvSpPr/>
-          <p:nvPr/>
-        </p:nvSpPr>
-        <p:spPr>
-          <a:xfrm>
-            <a:off x="2735796" y="2492896"/>
-            <a:ext cx="612068" cy="504056"/>
-          </a:xfrm>
-          <a:prstGeom prst="flowChartDecision">
-            <a:avLst/>
-          </a:prstGeom>
-        </p:spPr>
-        <p:style>
-          <a:lnRef idx="2">
-            <a:schemeClr val="accent1">
-              <a:shade val="50000"/>
-            </a:schemeClr>
-          </a:lnRef>
-          <a:fillRef idx="1">
-            <a:schemeClr val="accent1"/>
-          </a:fillRef>
-          <a:effectRef idx="0">
-            <a:schemeClr val="accent1"/>
-          </a:effectRef>
-          <a:fontRef idx="minor">
-            <a:schemeClr val="lt1"/>
-          </a:fontRef>
-        </p:style>
-        <p:txBody>
-          <a:bodyPr rtlCol="0" anchor="ctr"/>
-          <a:lstStyle/>
-          <a:p>
-            <a:pPr algn="ctr"/>
+          <p:cNvPr id="2" name="Titre 1"/>
+          <p:cNvSpPr>
+            <a:spLocks noGrp="1"/>
+          </p:cNvSpPr>
+          <p:nvPr>
+            <p:ph type="ctrTitle"/>
+          </p:nvPr>
+        </p:nvSpPr>
+        <p:spPr/>
+        <p:txBody>
+          <a:bodyPr/>
+          <a:lstStyle/>
+          <a:p>
+            <a:r>
+              <a:rPr lang="fr-FR" dirty="0" smtClean="0"/>
+              <a:t>Containérisation Applications</a:t>
+            </a:r>
+            <a:endParaRPr lang="fr-FR" dirty="0"/>
+          </a:p>
+        </p:txBody>
+      </p:sp>
+      <p:sp>
+        <p:nvSpPr>
+          <p:cNvPr id="3" name="Sous-titre 2"/>
+          <p:cNvSpPr>
+            <a:spLocks noGrp="1"/>
+          </p:cNvSpPr>
+          <p:nvPr>
+            <p:ph type="subTitle" idx="1"/>
+          </p:nvPr>
+        </p:nvSpPr>
+        <p:spPr/>
+        <p:txBody>
+          <a:bodyPr/>
+          <a:lstStyle/>
+          <a:p>
+            <a:r>
+              <a:rPr lang="fr-FR" dirty="0" smtClean="0"/>
+              <a:t>Définition du scope de l’étude</a:t>
+            </a:r>
             <a:endParaRPr lang="fr-FR" dirty="0"/>
           </a:p>
         </p:txBody>
@@ -3196,7 +3783,7 @@
     </p:spTree>
     <p:extLst>
       <p:ext uri="{BB962C8B-B14F-4D97-AF65-F5344CB8AC3E}">
-        <p14:creationId xmlns:p14="http://schemas.microsoft.com/office/powerpoint/2010/main" val="2432471116"/>
+        <p14:creationId xmlns:p14="http://schemas.microsoft.com/office/powerpoint/2010/main" val="568762939"/>
       </p:ext>
     </p:extLst>
   </p:cSld>
@@ -3207,982 +3794,6 @@
 </file>
 
 <file path=ppt/slides/slide10.xml><?xml version="1.0" encoding="utf-8"?>
-<p:sld xmlns:a="http://schemas.openxmlformats.org/drawingml/2006/main" xmlns:r="http://schemas.openxmlformats.org/officeDocument/2006/relationships" xmlns:p="http://schemas.openxmlformats.org/presentationml/2006/main">
-  <p:cSld>
-    <p:spTree>
-      <p:nvGrpSpPr>
-        <p:cNvPr id="1" name=""/>
-        <p:cNvGrpSpPr/>
-        <p:nvPr/>
-      </p:nvGrpSpPr>
-      <p:grpSpPr>
-        <a:xfrm>
-          <a:off x="0" y="0"/>
-          <a:ext cx="0" cy="0"/>
-          <a:chOff x="0" y="0"/>
-          <a:chExt cx="0" cy="0"/>
-        </a:xfrm>
-      </p:grpSpPr>
-      <p:sp>
-        <p:nvSpPr>
-          <p:cNvPr id="2" name="Titre 1"/>
-          <p:cNvSpPr>
-            <a:spLocks noGrp="1"/>
-          </p:cNvSpPr>
-          <p:nvPr>
-            <p:ph type="title"/>
-          </p:nvPr>
-        </p:nvSpPr>
-        <p:spPr>
-          <a:xfrm>
-            <a:off x="457200" y="274638"/>
-            <a:ext cx="8229600" cy="490066"/>
-          </a:xfrm>
-        </p:spPr>
-        <p:txBody>
-          <a:bodyPr>
-            <a:normAutofit/>
-          </a:bodyPr>
-          <a:lstStyle/>
-          <a:p>
-            <a:r>
-              <a:rPr lang="en-GB" sz="2400" b="1" dirty="0" err="1" smtClean="0"/>
-              <a:t>.Net</a:t>
-            </a:r>
-            <a:r>
-              <a:rPr lang="en-GB" sz="2400" b="1" dirty="0" smtClean="0"/>
-              <a:t> Core</a:t>
-            </a:r>
-            <a:endParaRPr lang="en-GB" sz="2400" b="1" dirty="0"/>
-          </a:p>
-        </p:txBody>
-      </p:sp>
-      <p:sp>
-        <p:nvSpPr>
-          <p:cNvPr id="3" name="Espace réservé du contenu 2"/>
-          <p:cNvSpPr>
-            <a:spLocks noGrp="1"/>
-          </p:cNvSpPr>
-          <p:nvPr>
-            <p:ph idx="1"/>
-          </p:nvPr>
-        </p:nvSpPr>
-        <p:spPr>
-          <a:xfrm>
-            <a:off x="457200" y="980728"/>
-            <a:ext cx="8229600" cy="5145435"/>
-          </a:xfrm>
-        </p:spPr>
-        <p:txBody>
-          <a:bodyPr>
-            <a:normAutofit/>
-          </a:bodyPr>
-          <a:lstStyle/>
-          <a:p>
-            <a:r>
-              <a:rPr lang="en-GB" sz="2000" dirty="0" err="1" smtClean="0"/>
-              <a:t>.</a:t>
-            </a:r>
-            <a:r>
-              <a:rPr lang="en-GB" sz="2000" dirty="0" err="1" smtClean="0"/>
-              <a:t>Net</a:t>
-            </a:r>
-            <a:r>
-              <a:rPr lang="en-GB" sz="2000" dirty="0" smtClean="0"/>
-              <a:t> </a:t>
-            </a:r>
-            <a:r>
-              <a:rPr lang="en-GB" sz="2000" dirty="0" smtClean="0"/>
-              <a:t>Core Supported Interfaces</a:t>
-            </a:r>
-          </a:p>
-          <a:p>
-            <a:pPr lvl="1"/>
-            <a:r>
-              <a:rPr lang="en-GB" sz="1600" dirty="0"/>
-              <a:t>Oracle : </a:t>
-            </a:r>
-            <a:r>
-              <a:rPr lang="en-GB" sz="1600" dirty="0">
-                <a:hlinkClick r:id="rId2"/>
-              </a:rPr>
-              <a:t>http://</a:t>
-            </a:r>
-            <a:r>
-              <a:rPr lang="en-GB" sz="1600" dirty="0" smtClean="0">
-                <a:hlinkClick r:id="rId2"/>
-              </a:rPr>
-              <a:t>www.oracle.com/technetwork/topics/dotnet/tech-info/odpnet-dotnet-core-sod-3628981.pdf</a:t>
-            </a:r>
-            <a:r>
-              <a:rPr lang="en-GB" sz="1600" dirty="0" smtClean="0"/>
-              <a:t> : Only </a:t>
-            </a:r>
-            <a:r>
-              <a:rPr lang="en-GB" sz="1600" smtClean="0"/>
-              <a:t>Managed drivers</a:t>
-            </a:r>
-            <a:endParaRPr lang="en-GB" sz="1600" dirty="0" smtClean="0"/>
-          </a:p>
-          <a:p>
-            <a:pPr marL="457200" lvl="1" indent="0">
-              <a:buNone/>
-            </a:pPr>
-            <a:r>
-              <a:rPr lang="en-GB" sz="1600" dirty="0" smtClean="0"/>
-              <a:t>      </a:t>
-            </a:r>
-            <a:r>
-              <a:rPr lang="en-GB" sz="1600" dirty="0"/>
-              <a:t>	</a:t>
-            </a:r>
-            <a:endParaRPr lang="en-GB" sz="1600" dirty="0" smtClean="0"/>
-          </a:p>
-          <a:p>
-            <a:r>
-              <a:rPr lang="en-GB" sz="2000" dirty="0" err="1"/>
-              <a:t>.Net</a:t>
-            </a:r>
-            <a:r>
-              <a:rPr lang="en-GB" sz="2000" dirty="0"/>
-              <a:t> Core </a:t>
-            </a:r>
-            <a:r>
-              <a:rPr lang="en-GB" sz="2000" dirty="0" smtClean="0"/>
-              <a:t>Not Supported </a:t>
-            </a:r>
-            <a:r>
-              <a:rPr lang="en-GB" sz="2000" dirty="0"/>
-              <a:t>Interfaces</a:t>
-            </a:r>
-          </a:p>
-          <a:p>
-            <a:pPr lvl="1"/>
-            <a:r>
-              <a:rPr lang="en-GB" sz="1600" dirty="0" smtClean="0"/>
-              <a:t>IBM MQ : check version 9.0.x</a:t>
-            </a:r>
-          </a:p>
-          <a:p>
-            <a:endParaRPr lang="en-GB" sz="2000" dirty="0" smtClean="0"/>
-          </a:p>
-          <a:p>
-            <a:endParaRPr lang="en-GB" sz="2000" dirty="0" smtClean="0"/>
-          </a:p>
-          <a:p>
-            <a:pPr lvl="1"/>
-            <a:endParaRPr lang="en-GB" sz="1600" dirty="0" smtClean="0"/>
-          </a:p>
-          <a:p>
-            <a:pPr marL="457200" lvl="1" indent="0">
-              <a:buNone/>
-            </a:pPr>
-            <a:endParaRPr lang="en-GB" sz="2000" dirty="0"/>
-          </a:p>
-        </p:txBody>
-      </p:sp>
-    </p:spTree>
-    <p:extLst>
-      <p:ext uri="{BB962C8B-B14F-4D97-AF65-F5344CB8AC3E}">
-        <p14:creationId xmlns:p14="http://schemas.microsoft.com/office/powerpoint/2010/main" val="3140253936"/>
-      </p:ext>
-    </p:extLst>
-  </p:cSld>
-  <p:clrMapOvr>
-    <a:masterClrMapping/>
-  </p:clrMapOvr>
-</p:sld>
-</file>
-
-<file path=ppt/slides/slide11.xml><?xml version="1.0" encoding="utf-8"?>
-<p:sld xmlns:a="http://schemas.openxmlformats.org/drawingml/2006/main" xmlns:r="http://schemas.openxmlformats.org/officeDocument/2006/relationships" xmlns:p="http://schemas.openxmlformats.org/presentationml/2006/main">
-  <p:cSld>
-    <p:spTree>
-      <p:nvGrpSpPr>
-        <p:cNvPr id="1" name=""/>
-        <p:cNvGrpSpPr/>
-        <p:nvPr/>
-      </p:nvGrpSpPr>
-      <p:grpSpPr>
-        <a:xfrm>
-          <a:off x="0" y="0"/>
-          <a:ext cx="0" cy="0"/>
-          <a:chOff x="0" y="0"/>
-          <a:chExt cx="0" cy="0"/>
-        </a:xfrm>
-      </p:grpSpPr>
-      <p:sp>
-        <p:nvSpPr>
-          <p:cNvPr id="2" name="Titre 1"/>
-          <p:cNvSpPr>
-            <a:spLocks noGrp="1"/>
-          </p:cNvSpPr>
-          <p:nvPr>
-            <p:ph type="title"/>
-          </p:nvPr>
-        </p:nvSpPr>
-        <p:spPr>
-          <a:xfrm>
-            <a:off x="457200" y="274638"/>
-            <a:ext cx="8229600" cy="490066"/>
-          </a:xfrm>
-        </p:spPr>
-        <p:txBody>
-          <a:bodyPr>
-            <a:normAutofit/>
-          </a:bodyPr>
-          <a:lstStyle/>
-          <a:p>
-            <a:r>
-              <a:rPr lang="fr-FR" sz="2400" b="1" dirty="0" err="1" smtClean="0"/>
-              <a:t>Resources</a:t>
-            </a:r>
-            <a:endParaRPr lang="fr-FR" sz="2400" b="1" dirty="0"/>
-          </a:p>
-        </p:txBody>
-      </p:sp>
-      <p:sp>
-        <p:nvSpPr>
-          <p:cNvPr id="3" name="Espace réservé du contenu 2"/>
-          <p:cNvSpPr>
-            <a:spLocks noGrp="1"/>
-          </p:cNvSpPr>
-          <p:nvPr>
-            <p:ph idx="1"/>
-          </p:nvPr>
-        </p:nvSpPr>
-        <p:spPr>
-          <a:xfrm>
-            <a:off x="457200" y="980728"/>
-            <a:ext cx="8229600" cy="5145435"/>
-          </a:xfrm>
-        </p:spPr>
-        <p:txBody>
-          <a:bodyPr>
-            <a:normAutofit/>
-          </a:bodyPr>
-          <a:lstStyle/>
-          <a:p>
-            <a:r>
-              <a:rPr lang="fr-FR" sz="2000" dirty="0" smtClean="0"/>
-              <a:t>Microsoft</a:t>
-            </a:r>
-          </a:p>
-          <a:p>
-            <a:pPr lvl="1"/>
-            <a:r>
-              <a:rPr lang="fr-FR" sz="1600" dirty="0"/>
-              <a:t>NET-Microservices-Architecture-for-Containerized-NET-Applications-(Microsoft-eBook).</a:t>
-            </a:r>
-            <a:r>
-              <a:rPr lang="fr-FR" sz="1600" dirty="0" smtClean="0"/>
-              <a:t>pdf</a:t>
-            </a:r>
-          </a:p>
-          <a:p>
-            <a:pPr lvl="1"/>
-            <a:r>
-              <a:rPr lang="fr-FR" sz="1600" dirty="0"/>
-              <a:t>Containerized-Docker-Application-Lifecycle-with-Microsoft-Platform-and-Tools-(eBook)_</a:t>
-            </a:r>
-            <a:r>
-              <a:rPr lang="fr-FR" sz="1600" dirty="0" smtClean="0"/>
-              <a:t>v1.1.pdf</a:t>
-            </a:r>
-          </a:p>
-          <a:p>
-            <a:r>
-              <a:rPr lang="fr-FR" sz="2000" dirty="0" smtClean="0"/>
-              <a:t>Gartner :</a:t>
-            </a:r>
-          </a:p>
-          <a:p>
-            <a:pPr lvl="1"/>
-            <a:r>
-              <a:rPr lang="fr-FR" sz="1600" dirty="0">
-                <a:hlinkClick r:id="rId2"/>
-              </a:rPr>
-              <a:t>https://</a:t>
-            </a:r>
-            <a:r>
-              <a:rPr lang="fr-FR" sz="1600" dirty="0" smtClean="0">
-                <a:hlinkClick r:id="rId2"/>
-              </a:rPr>
-              <a:t>www.gartner.com/doc/3574617/assessing-docker-containers-software-delivery</a:t>
-            </a:r>
-            <a:endParaRPr lang="fr-FR" sz="1600" dirty="0" smtClean="0"/>
-          </a:p>
-          <a:p>
-            <a:pPr lvl="1"/>
-            <a:r>
-              <a:rPr lang="fr-FR" sz="1600" dirty="0">
-                <a:hlinkClick r:id="rId3"/>
-              </a:rPr>
-              <a:t>https://</a:t>
-            </a:r>
-            <a:r>
-              <a:rPr lang="fr-FR" sz="1600" dirty="0" smtClean="0">
-                <a:hlinkClick r:id="rId3"/>
-              </a:rPr>
-              <a:t>www.gartner.com/doc/3512817/need-know-docker-containers</a:t>
-            </a:r>
-            <a:endParaRPr lang="fr-FR" sz="1600" dirty="0" smtClean="0"/>
-          </a:p>
-          <a:p>
-            <a:pPr lvl="1"/>
-            <a:endParaRPr lang="fr-FR" sz="1600" dirty="0" smtClean="0"/>
-          </a:p>
-          <a:p>
-            <a:pPr lvl="1"/>
-            <a:endParaRPr lang="fr-FR" sz="1600" dirty="0" smtClean="0"/>
-          </a:p>
-          <a:p>
-            <a:endParaRPr lang="fr-FR" sz="2000" dirty="0" smtClean="0"/>
-          </a:p>
-          <a:p>
-            <a:pPr lvl="1"/>
-            <a:endParaRPr lang="fr-FR" sz="1600" dirty="0" smtClean="0"/>
-          </a:p>
-          <a:p>
-            <a:pPr marL="457200" lvl="1" indent="0">
-              <a:buNone/>
-            </a:pPr>
-            <a:endParaRPr lang="fr-FR" sz="2000" dirty="0"/>
-          </a:p>
-        </p:txBody>
-      </p:sp>
-    </p:spTree>
-    <p:extLst>
-      <p:ext uri="{BB962C8B-B14F-4D97-AF65-F5344CB8AC3E}">
-        <p14:creationId xmlns:p14="http://schemas.microsoft.com/office/powerpoint/2010/main" val="3925886425"/>
-      </p:ext>
-    </p:extLst>
-  </p:cSld>
-  <p:clrMapOvr>
-    <a:masterClrMapping/>
-  </p:clrMapOvr>
-</p:sld>
-</file>
-
-<file path=ppt/slides/slide2.xml><?xml version="1.0" encoding="utf-8"?>
-<p:sld xmlns:a="http://schemas.openxmlformats.org/drawingml/2006/main" xmlns:r="http://schemas.openxmlformats.org/officeDocument/2006/relationships" xmlns:p="http://schemas.openxmlformats.org/presentationml/2006/main">
-  <p:cSld>
-    <p:spTree>
-      <p:nvGrpSpPr>
-        <p:cNvPr id="1" name=""/>
-        <p:cNvGrpSpPr/>
-        <p:nvPr/>
-      </p:nvGrpSpPr>
-      <p:grpSpPr>
-        <a:xfrm>
-          <a:off x="0" y="0"/>
-          <a:ext cx="0" cy="0"/>
-          <a:chOff x="0" y="0"/>
-          <a:chExt cx="0" cy="0"/>
-        </a:xfrm>
-      </p:grpSpPr>
-      <p:sp>
-        <p:nvSpPr>
-          <p:cNvPr id="2" name="Titre 1"/>
-          <p:cNvSpPr>
-            <a:spLocks noGrp="1"/>
-          </p:cNvSpPr>
-          <p:nvPr>
-            <p:ph type="title"/>
-          </p:nvPr>
-        </p:nvSpPr>
-        <p:spPr/>
-        <p:txBody>
-          <a:bodyPr/>
-          <a:lstStyle/>
-          <a:p>
-            <a:endParaRPr lang="fr-FR" dirty="0"/>
-          </a:p>
-        </p:txBody>
-      </p:sp>
-      <p:sp>
-        <p:nvSpPr>
-          <p:cNvPr id="3" name="Espace réservé du contenu 2"/>
-          <p:cNvSpPr>
-            <a:spLocks noGrp="1"/>
-          </p:cNvSpPr>
-          <p:nvPr>
-            <p:ph idx="1"/>
-          </p:nvPr>
-        </p:nvSpPr>
-        <p:spPr/>
-        <p:txBody>
-          <a:bodyPr/>
-          <a:lstStyle/>
-          <a:p>
-            <a:r>
-              <a:rPr lang="fr-FR" dirty="0" smtClean="0"/>
-              <a:t>Docker</a:t>
-            </a:r>
-          </a:p>
-          <a:p>
-            <a:r>
-              <a:rPr lang="fr-FR" dirty="0" smtClean="0"/>
-              <a:t>Orchestration </a:t>
-            </a:r>
-            <a:r>
-              <a:rPr lang="fr-FR" dirty="0" err="1" smtClean="0"/>
-              <a:t>plateform</a:t>
-            </a:r>
-            <a:endParaRPr lang="fr-FR" dirty="0" smtClean="0"/>
-          </a:p>
-          <a:p>
-            <a:r>
-              <a:rPr lang="fr-FR" dirty="0" err="1" smtClean="0"/>
-              <a:t>Resources</a:t>
-            </a:r>
-            <a:endParaRPr lang="fr-FR" dirty="0" smtClean="0"/>
-          </a:p>
-          <a:p>
-            <a:pPr marL="457200" lvl="1" indent="0">
-              <a:buNone/>
-            </a:pPr>
-            <a:endParaRPr lang="fr-FR" dirty="0"/>
-          </a:p>
-        </p:txBody>
-      </p:sp>
-    </p:spTree>
-    <p:extLst>
-      <p:ext uri="{BB962C8B-B14F-4D97-AF65-F5344CB8AC3E}">
-        <p14:creationId xmlns:p14="http://schemas.microsoft.com/office/powerpoint/2010/main" val="1176314488"/>
-      </p:ext>
-    </p:extLst>
-  </p:cSld>
-  <p:clrMapOvr>
-    <a:masterClrMapping/>
-  </p:clrMapOvr>
-</p:sld>
-</file>
-
-<file path=ppt/slides/slide3.xml><?xml version="1.0" encoding="utf-8"?>
-<p:sld xmlns:a="http://schemas.openxmlformats.org/drawingml/2006/main" xmlns:r="http://schemas.openxmlformats.org/officeDocument/2006/relationships" xmlns:p="http://schemas.openxmlformats.org/presentationml/2006/main">
-  <p:cSld>
-    <p:spTree>
-      <p:nvGrpSpPr>
-        <p:cNvPr id="1" name=""/>
-        <p:cNvGrpSpPr/>
-        <p:nvPr/>
-      </p:nvGrpSpPr>
-      <p:grpSpPr>
-        <a:xfrm>
-          <a:off x="0" y="0"/>
-          <a:ext cx="0" cy="0"/>
-          <a:chOff x="0" y="0"/>
-          <a:chExt cx="0" cy="0"/>
-        </a:xfrm>
-      </p:grpSpPr>
-      <p:sp>
-        <p:nvSpPr>
-          <p:cNvPr id="4" name="Rectangle à coins arrondis 3"/>
-          <p:cNvSpPr/>
-          <p:nvPr/>
-        </p:nvSpPr>
-        <p:spPr>
-          <a:xfrm>
-            <a:off x="1551656" y="5599370"/>
-            <a:ext cx="1440160" cy="360040"/>
-          </a:xfrm>
-          <a:prstGeom prst="roundRect">
-            <a:avLst/>
-          </a:prstGeom>
-        </p:spPr>
-        <p:style>
-          <a:lnRef idx="2">
-            <a:schemeClr val="accent1">
-              <a:shade val="50000"/>
-            </a:schemeClr>
-          </a:lnRef>
-          <a:fillRef idx="1">
-            <a:schemeClr val="accent1"/>
-          </a:fillRef>
-          <a:effectRef idx="0">
-            <a:schemeClr val="accent1"/>
-          </a:effectRef>
-          <a:fontRef idx="minor">
-            <a:schemeClr val="lt1"/>
-          </a:fontRef>
-        </p:style>
-        <p:txBody>
-          <a:bodyPr rtlCol="0" anchor="ctr"/>
-          <a:lstStyle/>
-          <a:p>
-            <a:pPr algn="ctr"/>
-            <a:r>
-              <a:rPr lang="fr-FR" sz="1000" dirty="0" err="1" smtClean="0"/>
-              <a:t>microsoft</a:t>
-            </a:r>
-            <a:r>
-              <a:rPr lang="fr-FR" sz="1000" dirty="0" smtClean="0"/>
-              <a:t>/</a:t>
-            </a:r>
-            <a:r>
-              <a:rPr lang="fr-FR" sz="1000" dirty="0" err="1" smtClean="0"/>
-              <a:t>windowsservercore</a:t>
-            </a:r>
-            <a:endParaRPr lang="fr-FR" sz="1000" dirty="0"/>
-          </a:p>
-        </p:txBody>
-      </p:sp>
-      <p:sp>
-        <p:nvSpPr>
-          <p:cNvPr id="5" name="Rectangle à coins arrondis 4"/>
-          <p:cNvSpPr/>
-          <p:nvPr/>
-        </p:nvSpPr>
-        <p:spPr>
-          <a:xfrm>
-            <a:off x="7164288" y="4869160"/>
-            <a:ext cx="1440160" cy="360040"/>
-          </a:xfrm>
-          <a:prstGeom prst="roundRect">
-            <a:avLst/>
-          </a:prstGeom>
-        </p:spPr>
-        <p:style>
-          <a:lnRef idx="2">
-            <a:schemeClr val="accent1">
-              <a:shade val="50000"/>
-            </a:schemeClr>
-          </a:lnRef>
-          <a:fillRef idx="1">
-            <a:schemeClr val="accent1"/>
-          </a:fillRef>
-          <a:effectRef idx="0">
-            <a:schemeClr val="accent1"/>
-          </a:effectRef>
-          <a:fontRef idx="minor">
-            <a:schemeClr val="lt1"/>
-          </a:fontRef>
-        </p:style>
-        <p:txBody>
-          <a:bodyPr rtlCol="0" anchor="ctr"/>
-          <a:lstStyle/>
-          <a:p>
-            <a:pPr algn="ctr"/>
-            <a:r>
-              <a:rPr lang="fr-FR" sz="1000" dirty="0" smtClean="0"/>
-              <a:t>Linux RHEL</a:t>
-            </a:r>
-            <a:endParaRPr lang="fr-FR" sz="1000" dirty="0"/>
-          </a:p>
-        </p:txBody>
-      </p:sp>
-      <p:sp>
-        <p:nvSpPr>
-          <p:cNvPr id="6" name="Rectangle à coins arrondis 5"/>
-          <p:cNvSpPr/>
-          <p:nvPr/>
-        </p:nvSpPr>
-        <p:spPr>
-          <a:xfrm>
-            <a:off x="1714779" y="2096852"/>
-            <a:ext cx="1440160" cy="360040"/>
-          </a:xfrm>
-          <a:prstGeom prst="roundRect">
-            <a:avLst/>
-          </a:prstGeom>
-        </p:spPr>
-        <p:style>
-          <a:lnRef idx="2">
-            <a:schemeClr val="accent1">
-              <a:shade val="50000"/>
-            </a:schemeClr>
-          </a:lnRef>
-          <a:fillRef idx="1">
-            <a:schemeClr val="accent1"/>
-          </a:fillRef>
-          <a:effectRef idx="0">
-            <a:schemeClr val="accent1"/>
-          </a:effectRef>
-          <a:fontRef idx="minor">
-            <a:schemeClr val="lt1"/>
-          </a:fontRef>
-        </p:style>
-        <p:txBody>
-          <a:bodyPr rtlCol="0" anchor="ctr"/>
-          <a:lstStyle/>
-          <a:p>
-            <a:pPr algn="ctr"/>
-            <a:r>
-              <a:rPr lang="fr-FR" sz="1200" dirty="0" smtClean="0"/>
-              <a:t>Enterprise image:</a:t>
-            </a:r>
-          </a:p>
-          <a:p>
-            <a:pPr algn="ctr"/>
-            <a:r>
-              <a:rPr lang="fr-FR" sz="1200" dirty="0" smtClean="0"/>
-              <a:t>Windows 2016</a:t>
-            </a:r>
-            <a:endParaRPr lang="fr-FR" sz="1200" dirty="0"/>
-          </a:p>
-        </p:txBody>
-      </p:sp>
-      <p:cxnSp>
-        <p:nvCxnSpPr>
-          <p:cNvPr id="9" name="Connecteur droit 8"/>
-          <p:cNvCxnSpPr/>
-          <p:nvPr/>
-        </p:nvCxnSpPr>
-        <p:spPr>
-          <a:xfrm>
-            <a:off x="107504" y="3140968"/>
-            <a:ext cx="8784976" cy="0"/>
-          </a:xfrm>
-          <a:prstGeom prst="line">
-            <a:avLst/>
-          </a:prstGeom>
-        </p:spPr>
-        <p:style>
-          <a:lnRef idx="1">
-            <a:schemeClr val="accent1"/>
-          </a:lnRef>
-          <a:fillRef idx="0">
-            <a:schemeClr val="accent1"/>
-          </a:fillRef>
-          <a:effectRef idx="0">
-            <a:schemeClr val="accent1"/>
-          </a:effectRef>
-          <a:fontRef idx="minor">
-            <a:schemeClr val="tx1"/>
-          </a:fontRef>
-        </p:style>
-      </p:cxnSp>
-      <p:sp>
-        <p:nvSpPr>
-          <p:cNvPr id="10" name="ZoneTexte 9"/>
-          <p:cNvSpPr txBox="1"/>
-          <p:nvPr/>
-        </p:nvSpPr>
-        <p:spPr>
-          <a:xfrm>
-            <a:off x="120483" y="3161566"/>
-            <a:ext cx="1257652" cy="369332"/>
-          </a:xfrm>
-          <a:prstGeom prst="rect">
-            <a:avLst/>
-          </a:prstGeom>
-          <a:noFill/>
-        </p:spPr>
-        <p:txBody>
-          <a:bodyPr wrap="none" rtlCol="0">
-            <a:spAutoFit/>
-          </a:bodyPr>
-          <a:lstStyle/>
-          <a:p>
-            <a:r>
-              <a:rPr lang="fr-FR" dirty="0" smtClean="0"/>
-              <a:t>Docker hub</a:t>
-            </a:r>
-            <a:endParaRPr lang="fr-FR" dirty="0"/>
-          </a:p>
-        </p:txBody>
-      </p:sp>
-      <p:sp>
-        <p:nvSpPr>
-          <p:cNvPr id="11" name="ZoneTexte 10"/>
-          <p:cNvSpPr txBox="1"/>
-          <p:nvPr/>
-        </p:nvSpPr>
-        <p:spPr>
-          <a:xfrm>
-            <a:off x="145996" y="2708920"/>
-            <a:ext cx="1565044" cy="369332"/>
-          </a:xfrm>
-          <a:prstGeom prst="rect">
-            <a:avLst/>
-          </a:prstGeom>
-          <a:noFill/>
-        </p:spPr>
-        <p:txBody>
-          <a:bodyPr wrap="none" rtlCol="0">
-            <a:spAutoFit/>
-          </a:bodyPr>
-          <a:lstStyle/>
-          <a:p>
-            <a:r>
-              <a:rPr lang="fr-FR" dirty="0" smtClean="0"/>
-              <a:t>Enterprise hub</a:t>
-            </a:r>
-            <a:endParaRPr lang="fr-FR" dirty="0"/>
-          </a:p>
-        </p:txBody>
-      </p:sp>
-      <p:sp>
-        <p:nvSpPr>
-          <p:cNvPr id="12" name="Rectangle à coins arrondis 11"/>
-          <p:cNvSpPr/>
-          <p:nvPr/>
-        </p:nvSpPr>
-        <p:spPr>
-          <a:xfrm>
-            <a:off x="3711809" y="5589240"/>
-            <a:ext cx="1440160" cy="360040"/>
-          </a:xfrm>
-          <a:prstGeom prst="roundRect">
-            <a:avLst/>
-          </a:prstGeom>
-        </p:spPr>
-        <p:style>
-          <a:lnRef idx="2">
-            <a:schemeClr val="accent1">
-              <a:shade val="50000"/>
-            </a:schemeClr>
-          </a:lnRef>
-          <a:fillRef idx="1">
-            <a:schemeClr val="accent1"/>
-          </a:fillRef>
-          <a:effectRef idx="0">
-            <a:schemeClr val="accent1"/>
-          </a:effectRef>
-          <a:fontRef idx="minor">
-            <a:schemeClr val="lt1"/>
-          </a:fontRef>
-        </p:style>
-        <p:txBody>
-          <a:bodyPr rtlCol="0" anchor="ctr"/>
-          <a:lstStyle/>
-          <a:p>
-            <a:pPr algn="ctr"/>
-            <a:r>
-              <a:rPr lang="fr-FR" sz="1000" dirty="0" smtClean="0"/>
-              <a:t>Windows 2016 </a:t>
-            </a:r>
-            <a:r>
-              <a:rPr lang="fr-FR" sz="1000" dirty="0" err="1" smtClean="0"/>
-              <a:t>nanoserver</a:t>
-            </a:r>
-            <a:endParaRPr lang="fr-FR" sz="1000" dirty="0"/>
-          </a:p>
-        </p:txBody>
-      </p:sp>
-      <p:sp>
-        <p:nvSpPr>
-          <p:cNvPr id="13" name="Rectangle à coins arrondis 12"/>
-          <p:cNvSpPr/>
-          <p:nvPr/>
-        </p:nvSpPr>
-        <p:spPr>
-          <a:xfrm>
-            <a:off x="1551656" y="4941168"/>
-            <a:ext cx="1440160" cy="360040"/>
-          </a:xfrm>
-          <a:prstGeom prst="roundRect">
-            <a:avLst/>
-          </a:prstGeom>
-        </p:spPr>
-        <p:style>
-          <a:lnRef idx="2">
-            <a:schemeClr val="accent1">
-              <a:shade val="50000"/>
-            </a:schemeClr>
-          </a:lnRef>
-          <a:fillRef idx="1">
-            <a:schemeClr val="accent1"/>
-          </a:fillRef>
-          <a:effectRef idx="0">
-            <a:schemeClr val="accent1"/>
-          </a:effectRef>
-          <a:fontRef idx="minor">
-            <a:schemeClr val="lt1"/>
-          </a:fontRef>
-        </p:style>
-        <p:txBody>
-          <a:bodyPr rtlCol="0" anchor="ctr"/>
-          <a:lstStyle/>
-          <a:p>
-            <a:pPr algn="ctr"/>
-            <a:r>
-              <a:rPr lang="fr-FR" sz="1000" dirty="0" err="1"/>
-              <a:t>microsoft</a:t>
-            </a:r>
-            <a:r>
-              <a:rPr lang="fr-FR" sz="1000" dirty="0"/>
-              <a:t>/</a:t>
-            </a:r>
-            <a:r>
-              <a:rPr lang="fr-FR" sz="1000" dirty="0" err="1"/>
-              <a:t>dotnet-framework</a:t>
-            </a:r>
-            <a:endParaRPr lang="fr-FR" sz="1000" dirty="0"/>
-          </a:p>
-        </p:txBody>
-      </p:sp>
-      <p:sp>
-        <p:nvSpPr>
-          <p:cNvPr id="14" name="Rectangle à coins arrondis 13"/>
-          <p:cNvSpPr/>
-          <p:nvPr/>
-        </p:nvSpPr>
-        <p:spPr>
-          <a:xfrm>
-            <a:off x="1547664" y="4221088"/>
-            <a:ext cx="1440160" cy="360040"/>
-          </a:xfrm>
-          <a:prstGeom prst="roundRect">
-            <a:avLst/>
-          </a:prstGeom>
-        </p:spPr>
-        <p:style>
-          <a:lnRef idx="2">
-            <a:schemeClr val="accent1">
-              <a:shade val="50000"/>
-            </a:schemeClr>
-          </a:lnRef>
-          <a:fillRef idx="1">
-            <a:schemeClr val="accent1"/>
-          </a:fillRef>
-          <a:effectRef idx="0">
-            <a:schemeClr val="accent1"/>
-          </a:effectRef>
-          <a:fontRef idx="minor">
-            <a:schemeClr val="lt1"/>
-          </a:fontRef>
-        </p:style>
-        <p:txBody>
-          <a:bodyPr rtlCol="0" anchor="ctr"/>
-          <a:lstStyle/>
-          <a:p>
-            <a:pPr algn="ctr"/>
-            <a:r>
-              <a:rPr lang="fr-FR" sz="1000" dirty="0" err="1" smtClean="0"/>
-              <a:t>microsoft</a:t>
-            </a:r>
-            <a:r>
-              <a:rPr lang="fr-FR" sz="1000" dirty="0" smtClean="0"/>
-              <a:t>/</a:t>
-            </a:r>
-            <a:r>
-              <a:rPr lang="fr-FR" sz="1000" dirty="0" err="1" smtClean="0"/>
-              <a:t>aspnet</a:t>
-            </a:r>
-            <a:endParaRPr lang="fr-FR" sz="1000" dirty="0"/>
-          </a:p>
-        </p:txBody>
-      </p:sp>
-      <p:sp>
-        <p:nvSpPr>
-          <p:cNvPr id="15" name="Rectangle à coins arrondis 14"/>
-          <p:cNvSpPr/>
-          <p:nvPr/>
-        </p:nvSpPr>
-        <p:spPr>
-          <a:xfrm>
-            <a:off x="3707904" y="4241645"/>
-            <a:ext cx="1440160" cy="360040"/>
-          </a:xfrm>
-          <a:prstGeom prst="roundRect">
-            <a:avLst/>
-          </a:prstGeom>
-        </p:spPr>
-        <p:style>
-          <a:lnRef idx="2">
-            <a:schemeClr val="accent1">
-              <a:shade val="50000"/>
-            </a:schemeClr>
-          </a:lnRef>
-          <a:fillRef idx="1">
-            <a:schemeClr val="accent1"/>
-          </a:fillRef>
-          <a:effectRef idx="0">
-            <a:schemeClr val="accent1"/>
-          </a:effectRef>
-          <a:fontRef idx="minor">
-            <a:schemeClr val="lt1"/>
-          </a:fontRef>
-        </p:style>
-        <p:txBody>
-          <a:bodyPr rtlCol="0" anchor="ctr"/>
-          <a:lstStyle/>
-          <a:p>
-            <a:pPr algn="ctr"/>
-            <a:r>
-              <a:rPr lang="fr-FR" sz="1000" dirty="0" err="1" smtClean="0"/>
-              <a:t>microsoft</a:t>
-            </a:r>
-            <a:r>
-              <a:rPr lang="fr-FR" sz="1000" dirty="0" smtClean="0"/>
-              <a:t>/</a:t>
-            </a:r>
-            <a:r>
-              <a:rPr lang="fr-FR" sz="1000" dirty="0" err="1" smtClean="0"/>
-              <a:t>aspnetcore</a:t>
-            </a:r>
-            <a:endParaRPr lang="fr-FR" sz="1000" dirty="0"/>
-          </a:p>
-        </p:txBody>
-      </p:sp>
-      <p:sp>
-        <p:nvSpPr>
-          <p:cNvPr id="16" name="Rectangle à coins arrondis 15"/>
-          <p:cNvSpPr/>
-          <p:nvPr/>
-        </p:nvSpPr>
-        <p:spPr>
-          <a:xfrm>
-            <a:off x="3711809" y="4941168"/>
-            <a:ext cx="1440160" cy="360040"/>
-          </a:xfrm>
-          <a:prstGeom prst="roundRect">
-            <a:avLst/>
-          </a:prstGeom>
-        </p:spPr>
-        <p:style>
-          <a:lnRef idx="2">
-            <a:schemeClr val="accent1">
-              <a:shade val="50000"/>
-            </a:schemeClr>
-          </a:lnRef>
-          <a:fillRef idx="1">
-            <a:schemeClr val="accent1"/>
-          </a:fillRef>
-          <a:effectRef idx="0">
-            <a:schemeClr val="accent1"/>
-          </a:effectRef>
-          <a:fontRef idx="minor">
-            <a:schemeClr val="lt1"/>
-          </a:fontRef>
-        </p:style>
-        <p:txBody>
-          <a:bodyPr rtlCol="0" anchor="ctr"/>
-          <a:lstStyle/>
-          <a:p>
-            <a:pPr algn="ctr"/>
-            <a:r>
-              <a:rPr lang="fr-FR" sz="1000" dirty="0" err="1" smtClean="0"/>
-              <a:t>microsoft</a:t>
-            </a:r>
-            <a:r>
-              <a:rPr lang="fr-FR" sz="1000" dirty="0" smtClean="0"/>
-              <a:t>/</a:t>
-            </a:r>
-            <a:r>
-              <a:rPr lang="fr-FR" sz="1000" dirty="0" err="1" smtClean="0"/>
-              <a:t>dotnet</a:t>
-            </a:r>
-            <a:endParaRPr lang="fr-FR" sz="1000" dirty="0"/>
-          </a:p>
-        </p:txBody>
-      </p:sp>
-    </p:spTree>
-    <p:extLst>
-      <p:ext uri="{BB962C8B-B14F-4D97-AF65-F5344CB8AC3E}">
-        <p14:creationId xmlns:p14="http://schemas.microsoft.com/office/powerpoint/2010/main" val="1344675733"/>
-      </p:ext>
-    </p:extLst>
-  </p:cSld>
-  <p:clrMapOvr>
-    <a:masterClrMapping/>
-  </p:clrMapOvr>
-</p:sld>
-</file>
-
-<file path=ppt/slides/slide4.xml><?xml version="1.0" encoding="utf-8"?>
 <p:sld xmlns:a="http://schemas.openxmlformats.org/drawingml/2006/main" xmlns:r="http://schemas.openxmlformats.org/officeDocument/2006/relationships" xmlns:p="http://schemas.openxmlformats.org/presentationml/2006/main">
   <p:cSld>
     <p:spTree>
@@ -4463,7 +4074,7 @@
 </p:sld>
 </file>
 
-<file path=ppt/slides/slide5.xml><?xml version="1.0" encoding="utf-8"?>
+<file path=ppt/slides/slide11.xml><?xml version="1.0" encoding="utf-8"?>
 <p:sld xmlns:a="http://schemas.openxmlformats.org/drawingml/2006/main" xmlns:r="http://schemas.openxmlformats.org/officeDocument/2006/relationships" xmlns:p="http://schemas.openxmlformats.org/presentationml/2006/main">
   <p:cSld>
     <p:spTree>
@@ -4694,7 +4305,7 @@
 </p:sld>
 </file>
 
-<file path=ppt/slides/slide6.xml><?xml version="1.0" encoding="utf-8"?>
+<file path=ppt/slides/slide12.xml><?xml version="1.0" encoding="utf-8"?>
 <p:sld xmlns:a="http://schemas.openxmlformats.org/drawingml/2006/main" xmlns:r="http://schemas.openxmlformats.org/officeDocument/2006/relationships" xmlns:p="http://schemas.openxmlformats.org/presentationml/2006/main">
   <p:cSld>
     <p:spTree>
@@ -4759,7 +4370,7 @@
         </p:spPr>
         <p:txBody>
           <a:bodyPr>
-            <a:normAutofit fontScale="55000" lnSpcReduction="20000"/>
+            <a:normAutofit fontScale="62500" lnSpcReduction="20000"/>
           </a:bodyPr>
           <a:lstStyle/>
           <a:p>
@@ -4925,7 +4536,7 @@
 </p:sld>
 </file>
 
-<file path=ppt/slides/slide7.xml><?xml version="1.0" encoding="utf-8"?>
+<file path=ppt/slides/slide13.xml><?xml version="1.0" encoding="utf-8"?>
 <p:sld xmlns:a="http://schemas.openxmlformats.org/drawingml/2006/main" xmlns:r="http://schemas.openxmlformats.org/officeDocument/2006/relationships" xmlns:p="http://schemas.openxmlformats.org/presentationml/2006/main">
   <p:cSld>
     <p:spTree>
@@ -5344,7 +4955,7 @@
 </p:sld>
 </file>
 
-<file path=ppt/slides/slide8.xml><?xml version="1.0" encoding="utf-8"?>
+<file path=ppt/slides/slide14.xml><?xml version="1.0" encoding="utf-8"?>
 <p:sld xmlns:a="http://schemas.openxmlformats.org/drawingml/2006/main" xmlns:r="http://schemas.openxmlformats.org/officeDocument/2006/relationships" xmlns:p="http://schemas.openxmlformats.org/presentationml/2006/main">
   <p:cSld>
     <p:spTree>
@@ -5648,6 +5259,1568 @@
 </p:sld>
 </file>
 
+<file path=ppt/slides/slide15.xml><?xml version="1.0" encoding="utf-8"?>
+<p:sld xmlns:a="http://schemas.openxmlformats.org/drawingml/2006/main" xmlns:r="http://schemas.openxmlformats.org/officeDocument/2006/relationships" xmlns:p="http://schemas.openxmlformats.org/presentationml/2006/main">
+  <p:cSld>
+    <p:spTree>
+      <p:nvGrpSpPr>
+        <p:cNvPr id="1" name=""/>
+        <p:cNvGrpSpPr/>
+        <p:nvPr/>
+      </p:nvGrpSpPr>
+      <p:grpSpPr>
+        <a:xfrm>
+          <a:off x="0" y="0"/>
+          <a:ext cx="0" cy="0"/>
+          <a:chOff x="0" y="0"/>
+          <a:chExt cx="0" cy="0"/>
+        </a:xfrm>
+      </p:grpSpPr>
+      <p:sp>
+        <p:nvSpPr>
+          <p:cNvPr id="2" name="Titre 1"/>
+          <p:cNvSpPr>
+            <a:spLocks noGrp="1"/>
+          </p:cNvSpPr>
+          <p:nvPr>
+            <p:ph type="title"/>
+          </p:nvPr>
+        </p:nvSpPr>
+        <p:spPr>
+          <a:xfrm>
+            <a:off x="457200" y="274638"/>
+            <a:ext cx="8229600" cy="490066"/>
+          </a:xfrm>
+        </p:spPr>
+        <p:txBody>
+          <a:bodyPr>
+            <a:normAutofit/>
+          </a:bodyPr>
+          <a:lstStyle/>
+          <a:p>
+            <a:r>
+              <a:rPr lang="en-GB" sz="2400" b="1" dirty="0" err="1" smtClean="0"/>
+              <a:t>Programmation</a:t>
+            </a:r>
+            <a:r>
+              <a:rPr lang="en-GB" sz="2400" b="1" dirty="0" smtClean="0"/>
+              <a:t> </a:t>
+            </a:r>
+            <a:r>
+              <a:rPr lang="en-GB" sz="2400" b="1" dirty="0" err="1" smtClean="0"/>
+              <a:t>Langages</a:t>
+            </a:r>
+            <a:endParaRPr lang="en-GB" sz="2400" b="1" dirty="0"/>
+          </a:p>
+        </p:txBody>
+      </p:sp>
+      <p:sp>
+        <p:nvSpPr>
+          <p:cNvPr id="3" name="Espace réservé du contenu 2"/>
+          <p:cNvSpPr>
+            <a:spLocks noGrp="1"/>
+          </p:cNvSpPr>
+          <p:nvPr>
+            <p:ph idx="1"/>
+          </p:nvPr>
+        </p:nvSpPr>
+        <p:spPr>
+          <a:xfrm>
+            <a:off x="457200" y="980728"/>
+            <a:ext cx="8229600" cy="5145435"/>
+          </a:xfrm>
+        </p:spPr>
+        <p:txBody>
+          <a:bodyPr>
+            <a:normAutofit fontScale="77500" lnSpcReduction="20000"/>
+          </a:bodyPr>
+          <a:lstStyle/>
+          <a:p>
+            <a:r>
+              <a:rPr lang="en-GB" sz="2000" dirty="0" err="1" smtClean="0"/>
+              <a:t>.Net</a:t>
+            </a:r>
+            <a:r>
+              <a:rPr lang="en-GB" sz="2000" dirty="0" smtClean="0"/>
+              <a:t> Framework</a:t>
+            </a:r>
+          </a:p>
+          <a:p>
+            <a:r>
+              <a:rPr lang="en-GB" sz="2000" dirty="0" err="1" smtClean="0"/>
+              <a:t>.Net</a:t>
+            </a:r>
+            <a:r>
+              <a:rPr lang="en-GB" sz="2000" dirty="0" smtClean="0"/>
+              <a:t> Core</a:t>
+            </a:r>
+          </a:p>
+          <a:p>
+            <a:pPr lvl="1"/>
+            <a:r>
+              <a:rPr lang="en-GB" sz="1600" dirty="0">
+                <a:hlinkClick r:id="rId2"/>
+              </a:rPr>
+              <a:t>https://</a:t>
+            </a:r>
+            <a:r>
+              <a:rPr lang="en-GB" sz="1600" dirty="0" smtClean="0">
+                <a:hlinkClick r:id="rId2"/>
+              </a:rPr>
+              <a:t>docs.microsoft.com/en-us/dotnet/standard/choosing-core-framework-server</a:t>
+            </a:r>
+            <a:endParaRPr lang="en-GB" sz="1600" dirty="0" smtClean="0"/>
+          </a:p>
+          <a:p>
+            <a:pPr marL="457200" lvl="1" indent="0">
+              <a:buNone/>
+            </a:pPr>
+            <a:endParaRPr lang="en-GB" sz="1600" dirty="0"/>
+          </a:p>
+          <a:p>
+            <a:pPr lvl="1"/>
+            <a:r>
+              <a:rPr lang="en-US" dirty="0"/>
+              <a:t>Use .NET Core for your server application when</a:t>
+            </a:r>
+            <a:r>
+              <a:rPr lang="en-US" dirty="0" smtClean="0"/>
+              <a:t>: </a:t>
+            </a:r>
+            <a:endParaRPr lang="en-US" dirty="0"/>
+          </a:p>
+          <a:p>
+            <a:pPr lvl="2"/>
+            <a:r>
+              <a:rPr lang="en-US" dirty="0"/>
+              <a:t>You have cross-platform needs.</a:t>
+            </a:r>
+          </a:p>
+          <a:p>
+            <a:pPr lvl="2"/>
+            <a:r>
+              <a:rPr lang="en-US" dirty="0"/>
+              <a:t>You are targeting </a:t>
+            </a:r>
+            <a:r>
+              <a:rPr lang="en-US" dirty="0" err="1"/>
+              <a:t>microservices</a:t>
+            </a:r>
+            <a:r>
+              <a:rPr lang="en-US" dirty="0"/>
+              <a:t>.</a:t>
+            </a:r>
+          </a:p>
+          <a:p>
+            <a:pPr lvl="2"/>
+            <a:r>
+              <a:rPr lang="en-US" dirty="0"/>
+              <a:t>You are using Docker containers.</a:t>
+            </a:r>
+          </a:p>
+          <a:p>
+            <a:pPr lvl="2"/>
+            <a:r>
+              <a:rPr lang="en-US" dirty="0"/>
+              <a:t>You need high-performance and scalable systems.</a:t>
+            </a:r>
+          </a:p>
+          <a:p>
+            <a:pPr lvl="2"/>
+            <a:r>
+              <a:rPr lang="en-US" dirty="0"/>
+              <a:t>You need side-by-side .NET versions per application.</a:t>
+            </a:r>
+          </a:p>
+          <a:p>
+            <a:endParaRPr lang="en-US" dirty="0"/>
+          </a:p>
+          <a:p>
+            <a:pPr lvl="1"/>
+            <a:r>
+              <a:rPr lang="en-US" dirty="0"/>
+              <a:t>Use .NET Framework for your server application when</a:t>
+            </a:r>
+            <a:r>
+              <a:rPr lang="en-US" dirty="0" smtClean="0"/>
+              <a:t>: </a:t>
+            </a:r>
+            <a:endParaRPr lang="en-US" dirty="0"/>
+          </a:p>
+          <a:p>
+            <a:pPr lvl="2"/>
+            <a:r>
+              <a:rPr lang="en-US" dirty="0"/>
+              <a:t>Your app currently uses .NET Framework (recommendation is to extend instead of migrating).</a:t>
+            </a:r>
+          </a:p>
+          <a:p>
+            <a:pPr lvl="2"/>
+            <a:r>
+              <a:rPr lang="en-US" dirty="0"/>
+              <a:t>Your app uses third-party .NET libraries or </a:t>
+            </a:r>
+            <a:r>
+              <a:rPr lang="en-US" dirty="0" err="1"/>
+              <a:t>NuGet</a:t>
+            </a:r>
+            <a:r>
+              <a:rPr lang="en-US" dirty="0"/>
+              <a:t> packages not available for .NET Core.</a:t>
+            </a:r>
+          </a:p>
+          <a:p>
+            <a:pPr lvl="2"/>
+            <a:r>
+              <a:rPr lang="en-US" dirty="0"/>
+              <a:t>Your app uses .NET technologies that aren't available for .NET Core.</a:t>
+            </a:r>
+          </a:p>
+          <a:p>
+            <a:pPr lvl="2"/>
+            <a:r>
+              <a:rPr lang="en-US" dirty="0"/>
+              <a:t>Your app uses a platform that doesn’t support .NET Core.</a:t>
+            </a:r>
+          </a:p>
+          <a:p>
+            <a:pPr marL="457200" lvl="1" indent="0">
+              <a:buNone/>
+            </a:pPr>
+            <a:endParaRPr lang="en-GB" sz="1600" dirty="0" smtClean="0"/>
+          </a:p>
+          <a:p>
+            <a:r>
+              <a:rPr lang="en-GB" sz="2000" dirty="0" smtClean="0"/>
+              <a:t>Java</a:t>
+            </a:r>
+          </a:p>
+          <a:p>
+            <a:r>
+              <a:rPr lang="en-GB" sz="2000" dirty="0" smtClean="0"/>
+              <a:t>Others </a:t>
+            </a:r>
+          </a:p>
+          <a:p>
+            <a:endParaRPr lang="en-GB" sz="2000" dirty="0" smtClean="0"/>
+          </a:p>
+          <a:p>
+            <a:pPr lvl="1"/>
+            <a:endParaRPr lang="en-GB" sz="1600" dirty="0" smtClean="0"/>
+          </a:p>
+          <a:p>
+            <a:pPr marL="457200" lvl="1" indent="0">
+              <a:buNone/>
+            </a:pPr>
+            <a:endParaRPr lang="en-GB" sz="2000" dirty="0"/>
+          </a:p>
+        </p:txBody>
+      </p:sp>
+    </p:spTree>
+    <p:extLst>
+      <p:ext uri="{BB962C8B-B14F-4D97-AF65-F5344CB8AC3E}">
+        <p14:creationId xmlns:p14="http://schemas.microsoft.com/office/powerpoint/2010/main" val="4062880136"/>
+      </p:ext>
+    </p:extLst>
+  </p:cSld>
+  <p:clrMapOvr>
+    <a:masterClrMapping/>
+  </p:clrMapOvr>
+</p:sld>
+</file>
+
+<file path=ppt/slides/slide16.xml><?xml version="1.0" encoding="utf-8"?>
+<p:sld xmlns:a="http://schemas.openxmlformats.org/drawingml/2006/main" xmlns:r="http://schemas.openxmlformats.org/officeDocument/2006/relationships" xmlns:p="http://schemas.openxmlformats.org/presentationml/2006/main">
+  <p:cSld>
+    <p:spTree>
+      <p:nvGrpSpPr>
+        <p:cNvPr id="1" name=""/>
+        <p:cNvGrpSpPr/>
+        <p:nvPr/>
+      </p:nvGrpSpPr>
+      <p:grpSpPr>
+        <a:xfrm>
+          <a:off x="0" y="0"/>
+          <a:ext cx="0" cy="0"/>
+          <a:chOff x="0" y="0"/>
+          <a:chExt cx="0" cy="0"/>
+        </a:xfrm>
+      </p:grpSpPr>
+      <p:sp>
+        <p:nvSpPr>
+          <p:cNvPr id="2" name="Titre 1"/>
+          <p:cNvSpPr>
+            <a:spLocks noGrp="1"/>
+          </p:cNvSpPr>
+          <p:nvPr>
+            <p:ph type="title"/>
+          </p:nvPr>
+        </p:nvSpPr>
+        <p:spPr>
+          <a:xfrm>
+            <a:off x="457200" y="274638"/>
+            <a:ext cx="8229600" cy="490066"/>
+          </a:xfrm>
+        </p:spPr>
+        <p:txBody>
+          <a:bodyPr>
+            <a:normAutofit/>
+          </a:bodyPr>
+          <a:lstStyle/>
+          <a:p>
+            <a:r>
+              <a:rPr lang="en-GB" sz="2400" b="1" dirty="0" err="1" smtClean="0"/>
+              <a:t>.Net</a:t>
+            </a:r>
+            <a:r>
+              <a:rPr lang="en-GB" sz="2400" b="1" dirty="0" smtClean="0"/>
+              <a:t> Core</a:t>
+            </a:r>
+            <a:endParaRPr lang="en-GB" sz="2400" b="1" dirty="0"/>
+          </a:p>
+        </p:txBody>
+      </p:sp>
+      <p:sp>
+        <p:nvSpPr>
+          <p:cNvPr id="3" name="Espace réservé du contenu 2"/>
+          <p:cNvSpPr>
+            <a:spLocks noGrp="1"/>
+          </p:cNvSpPr>
+          <p:nvPr>
+            <p:ph idx="1"/>
+          </p:nvPr>
+        </p:nvSpPr>
+        <p:spPr>
+          <a:xfrm>
+            <a:off x="457200" y="980728"/>
+            <a:ext cx="8229600" cy="5145435"/>
+          </a:xfrm>
+        </p:spPr>
+        <p:txBody>
+          <a:bodyPr>
+            <a:normAutofit/>
+          </a:bodyPr>
+          <a:lstStyle/>
+          <a:p>
+            <a:r>
+              <a:rPr lang="en-GB" sz="2000" dirty="0" err="1" smtClean="0"/>
+              <a:t>.Net</a:t>
+            </a:r>
+            <a:r>
+              <a:rPr lang="en-GB" sz="2000" dirty="0" smtClean="0"/>
+              <a:t> Core Supported Interfaces</a:t>
+            </a:r>
+          </a:p>
+          <a:p>
+            <a:pPr lvl="1"/>
+            <a:r>
+              <a:rPr lang="en-GB" sz="1600" dirty="0"/>
+              <a:t>Oracle : </a:t>
+            </a:r>
+            <a:r>
+              <a:rPr lang="en-GB" sz="1600" dirty="0">
+                <a:hlinkClick r:id="rId2"/>
+              </a:rPr>
+              <a:t>http://</a:t>
+            </a:r>
+            <a:r>
+              <a:rPr lang="en-GB" sz="1600" dirty="0" smtClean="0">
+                <a:hlinkClick r:id="rId2"/>
+              </a:rPr>
+              <a:t>www.oracle.com/technetwork/topics/dotnet/tech-info/odpnet-dotnet-core-sod-3628981.pdf</a:t>
+            </a:r>
+            <a:r>
+              <a:rPr lang="en-GB" sz="1600" dirty="0" smtClean="0"/>
+              <a:t> : Only </a:t>
+            </a:r>
+            <a:r>
+              <a:rPr lang="en-GB" sz="1600" smtClean="0"/>
+              <a:t>Managed drivers</a:t>
+            </a:r>
+            <a:endParaRPr lang="en-GB" sz="1600" dirty="0" smtClean="0"/>
+          </a:p>
+          <a:p>
+            <a:pPr marL="457200" lvl="1" indent="0">
+              <a:buNone/>
+            </a:pPr>
+            <a:r>
+              <a:rPr lang="en-GB" sz="1600" dirty="0" smtClean="0"/>
+              <a:t>      </a:t>
+            </a:r>
+            <a:r>
+              <a:rPr lang="en-GB" sz="1600" dirty="0"/>
+              <a:t>	</a:t>
+            </a:r>
+            <a:endParaRPr lang="en-GB" sz="1600" dirty="0" smtClean="0"/>
+          </a:p>
+          <a:p>
+            <a:r>
+              <a:rPr lang="en-GB" sz="2000" dirty="0" err="1"/>
+              <a:t>.Net</a:t>
+            </a:r>
+            <a:r>
+              <a:rPr lang="en-GB" sz="2000" dirty="0"/>
+              <a:t> Core </a:t>
+            </a:r>
+            <a:r>
+              <a:rPr lang="en-GB" sz="2000" dirty="0" smtClean="0"/>
+              <a:t>Not Supported </a:t>
+            </a:r>
+            <a:r>
+              <a:rPr lang="en-GB" sz="2000" dirty="0"/>
+              <a:t>Interfaces</a:t>
+            </a:r>
+          </a:p>
+          <a:p>
+            <a:pPr lvl="1"/>
+            <a:r>
+              <a:rPr lang="en-GB" sz="1600" dirty="0" smtClean="0"/>
+              <a:t>IBM MQ : check version 9.0.x</a:t>
+            </a:r>
+          </a:p>
+          <a:p>
+            <a:endParaRPr lang="en-GB" sz="2000" dirty="0" smtClean="0"/>
+          </a:p>
+          <a:p>
+            <a:endParaRPr lang="en-GB" sz="2000" dirty="0" smtClean="0"/>
+          </a:p>
+          <a:p>
+            <a:pPr lvl="1"/>
+            <a:endParaRPr lang="en-GB" sz="1600" dirty="0" smtClean="0"/>
+          </a:p>
+          <a:p>
+            <a:pPr marL="457200" lvl="1" indent="0">
+              <a:buNone/>
+            </a:pPr>
+            <a:endParaRPr lang="en-GB" sz="2000" dirty="0"/>
+          </a:p>
+        </p:txBody>
+      </p:sp>
+    </p:spTree>
+    <p:extLst>
+      <p:ext uri="{BB962C8B-B14F-4D97-AF65-F5344CB8AC3E}">
+        <p14:creationId xmlns:p14="http://schemas.microsoft.com/office/powerpoint/2010/main" val="3140253936"/>
+      </p:ext>
+    </p:extLst>
+  </p:cSld>
+  <p:clrMapOvr>
+    <a:masterClrMapping/>
+  </p:clrMapOvr>
+</p:sld>
+</file>
+
+<file path=ppt/slides/slide17.xml><?xml version="1.0" encoding="utf-8"?>
+<p:sld xmlns:a="http://schemas.openxmlformats.org/drawingml/2006/main" xmlns:r="http://schemas.openxmlformats.org/officeDocument/2006/relationships" xmlns:p="http://schemas.openxmlformats.org/presentationml/2006/main">
+  <p:cSld>
+    <p:spTree>
+      <p:nvGrpSpPr>
+        <p:cNvPr id="1" name=""/>
+        <p:cNvGrpSpPr/>
+        <p:nvPr/>
+      </p:nvGrpSpPr>
+      <p:grpSpPr>
+        <a:xfrm>
+          <a:off x="0" y="0"/>
+          <a:ext cx="0" cy="0"/>
+          <a:chOff x="0" y="0"/>
+          <a:chExt cx="0" cy="0"/>
+        </a:xfrm>
+      </p:grpSpPr>
+      <p:sp>
+        <p:nvSpPr>
+          <p:cNvPr id="2" name="Titre 1"/>
+          <p:cNvSpPr>
+            <a:spLocks noGrp="1"/>
+          </p:cNvSpPr>
+          <p:nvPr>
+            <p:ph type="title"/>
+          </p:nvPr>
+        </p:nvSpPr>
+        <p:spPr>
+          <a:xfrm>
+            <a:off x="457200" y="274638"/>
+            <a:ext cx="8229600" cy="490066"/>
+          </a:xfrm>
+        </p:spPr>
+        <p:txBody>
+          <a:bodyPr>
+            <a:normAutofit/>
+          </a:bodyPr>
+          <a:lstStyle/>
+          <a:p>
+            <a:r>
+              <a:rPr lang="fr-FR" sz="2400" b="1" dirty="0" err="1" smtClean="0"/>
+              <a:t>Resources</a:t>
+            </a:r>
+            <a:endParaRPr lang="fr-FR" sz="2400" b="1" dirty="0"/>
+          </a:p>
+        </p:txBody>
+      </p:sp>
+      <p:sp>
+        <p:nvSpPr>
+          <p:cNvPr id="3" name="Espace réservé du contenu 2"/>
+          <p:cNvSpPr>
+            <a:spLocks noGrp="1"/>
+          </p:cNvSpPr>
+          <p:nvPr>
+            <p:ph idx="1"/>
+          </p:nvPr>
+        </p:nvSpPr>
+        <p:spPr>
+          <a:xfrm>
+            <a:off x="457200" y="980728"/>
+            <a:ext cx="8229600" cy="5145435"/>
+          </a:xfrm>
+        </p:spPr>
+        <p:txBody>
+          <a:bodyPr>
+            <a:normAutofit/>
+          </a:bodyPr>
+          <a:lstStyle/>
+          <a:p>
+            <a:r>
+              <a:rPr lang="fr-FR" sz="2000" dirty="0" smtClean="0"/>
+              <a:t>Microsoft</a:t>
+            </a:r>
+          </a:p>
+          <a:p>
+            <a:pPr lvl="1"/>
+            <a:r>
+              <a:rPr lang="fr-FR" sz="1600" dirty="0"/>
+              <a:t>NET-Microservices-Architecture-for-Containerized-NET-Applications-(Microsoft-eBook).</a:t>
+            </a:r>
+            <a:r>
+              <a:rPr lang="fr-FR" sz="1600" dirty="0" smtClean="0"/>
+              <a:t>pdf</a:t>
+            </a:r>
+          </a:p>
+          <a:p>
+            <a:pPr lvl="1"/>
+            <a:r>
+              <a:rPr lang="fr-FR" sz="1600" dirty="0"/>
+              <a:t>Containerized-Docker-Application-Lifecycle-with-Microsoft-Platform-and-Tools-(eBook)_</a:t>
+            </a:r>
+            <a:r>
+              <a:rPr lang="fr-FR" sz="1600" dirty="0" smtClean="0"/>
+              <a:t>v1.1.pdf</a:t>
+            </a:r>
+          </a:p>
+          <a:p>
+            <a:r>
+              <a:rPr lang="fr-FR" sz="2000" dirty="0" smtClean="0"/>
+              <a:t>Gartner :</a:t>
+            </a:r>
+          </a:p>
+          <a:p>
+            <a:pPr lvl="1"/>
+            <a:r>
+              <a:rPr lang="fr-FR" sz="1600" dirty="0">
+                <a:hlinkClick r:id="rId2"/>
+              </a:rPr>
+              <a:t>https://</a:t>
+            </a:r>
+            <a:r>
+              <a:rPr lang="fr-FR" sz="1600" dirty="0" smtClean="0">
+                <a:hlinkClick r:id="rId2"/>
+              </a:rPr>
+              <a:t>www.gartner.com/doc/3574617/assessing-docker-containers-software-delivery</a:t>
+            </a:r>
+            <a:endParaRPr lang="fr-FR" sz="1600" dirty="0" smtClean="0"/>
+          </a:p>
+          <a:p>
+            <a:pPr lvl="1"/>
+            <a:r>
+              <a:rPr lang="fr-FR" sz="1600" dirty="0">
+                <a:hlinkClick r:id="rId3"/>
+              </a:rPr>
+              <a:t>https://</a:t>
+            </a:r>
+            <a:r>
+              <a:rPr lang="fr-FR" sz="1600" dirty="0" smtClean="0">
+                <a:hlinkClick r:id="rId3"/>
+              </a:rPr>
+              <a:t>www.gartner.com/doc/3512817/need-know-docker-containers</a:t>
+            </a:r>
+            <a:endParaRPr lang="fr-FR" sz="1600" dirty="0" smtClean="0"/>
+          </a:p>
+          <a:p>
+            <a:pPr lvl="1"/>
+            <a:endParaRPr lang="fr-FR" sz="1600" dirty="0" smtClean="0"/>
+          </a:p>
+          <a:p>
+            <a:pPr lvl="1"/>
+            <a:endParaRPr lang="fr-FR" sz="1600" dirty="0" smtClean="0"/>
+          </a:p>
+          <a:p>
+            <a:endParaRPr lang="fr-FR" sz="2000" dirty="0" smtClean="0"/>
+          </a:p>
+          <a:p>
+            <a:pPr lvl="1"/>
+            <a:endParaRPr lang="fr-FR" sz="1600" dirty="0" smtClean="0"/>
+          </a:p>
+          <a:p>
+            <a:pPr marL="457200" lvl="1" indent="0">
+              <a:buNone/>
+            </a:pPr>
+            <a:endParaRPr lang="fr-FR" sz="2000" dirty="0"/>
+          </a:p>
+        </p:txBody>
+      </p:sp>
+    </p:spTree>
+    <p:extLst>
+      <p:ext uri="{BB962C8B-B14F-4D97-AF65-F5344CB8AC3E}">
+        <p14:creationId xmlns:p14="http://schemas.microsoft.com/office/powerpoint/2010/main" val="3925886425"/>
+      </p:ext>
+    </p:extLst>
+  </p:cSld>
+  <p:clrMapOvr>
+    <a:masterClrMapping/>
+  </p:clrMapOvr>
+</p:sld>
+</file>
+
+<file path=ppt/slides/slide2.xml><?xml version="1.0" encoding="utf-8"?>
+<p:sld xmlns:a="http://schemas.openxmlformats.org/drawingml/2006/main" xmlns:r="http://schemas.openxmlformats.org/officeDocument/2006/relationships" xmlns:p="http://schemas.openxmlformats.org/presentationml/2006/main">
+  <p:cSld>
+    <p:spTree>
+      <p:nvGrpSpPr>
+        <p:cNvPr id="1" name=""/>
+        <p:cNvGrpSpPr/>
+        <p:nvPr/>
+      </p:nvGrpSpPr>
+      <p:grpSpPr>
+        <a:xfrm>
+          <a:off x="0" y="0"/>
+          <a:ext cx="0" cy="0"/>
+          <a:chOff x="0" y="0"/>
+          <a:chExt cx="0" cy="0"/>
+        </a:xfrm>
+      </p:grpSpPr>
+      <p:sp>
+        <p:nvSpPr>
+          <p:cNvPr id="2" name="Titre 1"/>
+          <p:cNvSpPr>
+            <a:spLocks noGrp="1"/>
+          </p:cNvSpPr>
+          <p:nvPr>
+            <p:ph type="title"/>
+          </p:nvPr>
+        </p:nvSpPr>
+        <p:spPr/>
+        <p:txBody>
+          <a:bodyPr>
+            <a:normAutofit fontScale="90000"/>
+          </a:bodyPr>
+          <a:lstStyle/>
+          <a:p>
+            <a:r>
+              <a:rPr lang="fr-FR" dirty="0" smtClean="0"/>
+              <a:t>Généralités</a:t>
+            </a:r>
+            <a:endParaRPr lang="fr-FR" dirty="0"/>
+          </a:p>
+        </p:txBody>
+      </p:sp>
+      <p:sp>
+        <p:nvSpPr>
+          <p:cNvPr id="3" name="Espace réservé du contenu 2"/>
+          <p:cNvSpPr>
+            <a:spLocks noGrp="1"/>
+          </p:cNvSpPr>
+          <p:nvPr>
+            <p:ph idx="1"/>
+          </p:nvPr>
+        </p:nvSpPr>
+        <p:spPr/>
+        <p:txBody>
+          <a:bodyPr>
+            <a:normAutofit fontScale="92500" lnSpcReduction="20000"/>
+          </a:bodyPr>
+          <a:lstStyle/>
+          <a:p>
+            <a:r>
+              <a:rPr lang="fr-FR" dirty="0" smtClean="0"/>
+              <a:t>Docker</a:t>
+            </a:r>
+          </a:p>
+          <a:p>
+            <a:pPr lvl="1"/>
+            <a:r>
+              <a:rPr lang="fr-FR" dirty="0" smtClean="0"/>
+              <a:t>Solution de containérisation adoptée par tous les Majors IT</a:t>
+            </a:r>
+          </a:p>
+          <a:p>
+            <a:pPr lvl="1"/>
+            <a:r>
+              <a:rPr lang="fr-FR" dirty="0" smtClean="0"/>
+              <a:t>Cross-</a:t>
+            </a:r>
+            <a:r>
+              <a:rPr lang="fr-FR" dirty="0" err="1" smtClean="0"/>
+              <a:t>platform</a:t>
+            </a:r>
+            <a:endParaRPr lang="fr-FR" dirty="0" smtClean="0"/>
+          </a:p>
+          <a:p>
+            <a:pPr lvl="1"/>
+            <a:r>
+              <a:rPr lang="fr-FR" dirty="0" smtClean="0"/>
+              <a:t>Peu ou pas de concurrents (</a:t>
+            </a:r>
+            <a:r>
+              <a:rPr lang="fr-FR" dirty="0" err="1" smtClean="0"/>
+              <a:t>Roket</a:t>
+            </a:r>
+            <a:r>
+              <a:rPr lang="fr-FR" dirty="0" smtClean="0"/>
+              <a:t>, LXC)</a:t>
+            </a:r>
+          </a:p>
+          <a:p>
+            <a:r>
+              <a:rPr lang="fr-FR" dirty="0" smtClean="0"/>
+              <a:t>Pourquoi les containers</a:t>
+            </a:r>
+          </a:p>
+          <a:p>
+            <a:pPr lvl="1"/>
+            <a:r>
+              <a:rPr lang="fr-FR" dirty="0" err="1" smtClean="0"/>
+              <a:t>Scalabilité</a:t>
+            </a:r>
+            <a:r>
+              <a:rPr lang="fr-FR" dirty="0" smtClean="0"/>
+              <a:t> Horizontale</a:t>
+            </a:r>
+          </a:p>
+          <a:p>
+            <a:pPr lvl="1"/>
+            <a:r>
+              <a:rPr lang="fr-FR" dirty="0" smtClean="0"/>
+              <a:t>Patch Management</a:t>
+            </a:r>
+          </a:p>
+          <a:p>
+            <a:pPr lvl="1"/>
+            <a:r>
+              <a:rPr lang="fr-FR" dirty="0" smtClean="0"/>
+              <a:t>Rapidité / Fiabilité de déploiement</a:t>
+            </a:r>
+          </a:p>
+          <a:p>
+            <a:r>
+              <a:rPr lang="fr-FR" dirty="0" smtClean="0"/>
+              <a:t>Plate-forme d’exécution</a:t>
+            </a:r>
+          </a:p>
+          <a:p>
+            <a:pPr lvl="1"/>
+            <a:r>
+              <a:rPr lang="fr-FR" dirty="0" smtClean="0"/>
+              <a:t>Orchestration déploiement</a:t>
+            </a:r>
+          </a:p>
+          <a:p>
+            <a:pPr lvl="1"/>
+            <a:r>
+              <a:rPr lang="fr-FR" dirty="0" smtClean="0"/>
+              <a:t>Orchestration </a:t>
+            </a:r>
+            <a:r>
+              <a:rPr lang="fr-FR" dirty="0" err="1" smtClean="0"/>
+              <a:t>scalabilité</a:t>
+            </a:r>
+            <a:endParaRPr lang="fr-FR" dirty="0" smtClean="0"/>
+          </a:p>
+          <a:p>
+            <a:pPr lvl="1"/>
+            <a:r>
+              <a:rPr lang="fr-FR" dirty="0" smtClean="0"/>
+              <a:t>Services associés</a:t>
+            </a:r>
+          </a:p>
+          <a:p>
+            <a:pPr lvl="1"/>
+            <a:r>
+              <a:rPr lang="fr-FR" dirty="0" smtClean="0"/>
+              <a:t>Monitoring</a:t>
+            </a:r>
+          </a:p>
+          <a:p>
+            <a:r>
+              <a:rPr lang="fr-FR" dirty="0" smtClean="0"/>
+              <a:t>Micro Service</a:t>
+            </a:r>
+          </a:p>
+          <a:p>
+            <a:pPr lvl="1"/>
+            <a:r>
+              <a:rPr lang="fr-FR" dirty="0" smtClean="0"/>
+              <a:t>Changement architecture applicative</a:t>
+            </a:r>
+            <a:endParaRPr lang="fr-FR" dirty="0"/>
+          </a:p>
+          <a:p>
+            <a:pPr lvl="1"/>
+            <a:endParaRPr lang="fr-FR" dirty="0" smtClean="0"/>
+          </a:p>
+        </p:txBody>
+      </p:sp>
+    </p:spTree>
+    <p:extLst>
+      <p:ext uri="{BB962C8B-B14F-4D97-AF65-F5344CB8AC3E}">
+        <p14:creationId xmlns:p14="http://schemas.microsoft.com/office/powerpoint/2010/main" val="4219070909"/>
+      </p:ext>
+    </p:extLst>
+  </p:cSld>
+  <p:clrMapOvr>
+    <a:masterClrMapping/>
+  </p:clrMapOvr>
+</p:sld>
+</file>
+
+<file path=ppt/slides/slide3.xml><?xml version="1.0" encoding="utf-8"?>
+<p:sld xmlns:a="http://schemas.openxmlformats.org/drawingml/2006/main" xmlns:r="http://schemas.openxmlformats.org/officeDocument/2006/relationships" xmlns:p="http://schemas.openxmlformats.org/presentationml/2006/main">
+  <p:cSld>
+    <p:spTree>
+      <p:nvGrpSpPr>
+        <p:cNvPr id="1" name=""/>
+        <p:cNvGrpSpPr/>
+        <p:nvPr/>
+      </p:nvGrpSpPr>
+      <p:grpSpPr>
+        <a:xfrm>
+          <a:off x="0" y="0"/>
+          <a:ext cx="0" cy="0"/>
+          <a:chOff x="0" y="0"/>
+          <a:chExt cx="0" cy="0"/>
+        </a:xfrm>
+      </p:grpSpPr>
+      <p:sp>
+        <p:nvSpPr>
+          <p:cNvPr id="2" name="Titre 1"/>
+          <p:cNvSpPr>
+            <a:spLocks noGrp="1"/>
+          </p:cNvSpPr>
+          <p:nvPr>
+            <p:ph type="title"/>
+          </p:nvPr>
+        </p:nvSpPr>
+        <p:spPr/>
+        <p:txBody>
+          <a:bodyPr>
+            <a:normAutofit fontScale="90000"/>
+          </a:bodyPr>
+          <a:lstStyle/>
+          <a:p>
+            <a:r>
+              <a:rPr lang="fr-FR" dirty="0" smtClean="0"/>
+              <a:t>Objectifs du document</a:t>
+            </a:r>
+            <a:endParaRPr lang="fr-FR" dirty="0"/>
+          </a:p>
+        </p:txBody>
+      </p:sp>
+      <p:sp>
+        <p:nvSpPr>
+          <p:cNvPr id="3" name="Espace réservé du contenu 2"/>
+          <p:cNvSpPr>
+            <a:spLocks noGrp="1"/>
+          </p:cNvSpPr>
+          <p:nvPr>
+            <p:ph idx="1"/>
+          </p:nvPr>
+        </p:nvSpPr>
+        <p:spPr/>
+        <p:txBody>
+          <a:bodyPr>
+            <a:normAutofit/>
+          </a:bodyPr>
+          <a:lstStyle/>
+          <a:p>
+            <a:r>
+              <a:rPr lang="fr-FR" dirty="0" smtClean="0"/>
+              <a:t>Passer en revue les topics liés à la containérisation</a:t>
+            </a:r>
+          </a:p>
+          <a:p>
+            <a:r>
+              <a:rPr lang="fr-FR" dirty="0" smtClean="0"/>
+              <a:t>Sélection des topics à inclure dans l’étude</a:t>
+            </a:r>
+          </a:p>
+          <a:p>
+            <a:r>
+              <a:rPr lang="fr-FR" dirty="0" smtClean="0"/>
+              <a:t>Mettre une priorité :</a:t>
+            </a:r>
+          </a:p>
+          <a:p>
+            <a:pPr lvl="1"/>
+            <a:r>
+              <a:rPr lang="fr-FR" dirty="0" smtClean="0"/>
+              <a:t>Importante, moyenne, faible</a:t>
+            </a:r>
+            <a:endParaRPr lang="fr-FR" dirty="0"/>
+          </a:p>
+          <a:p>
+            <a:pPr lvl="1"/>
+            <a:endParaRPr lang="fr-FR" dirty="0" smtClean="0"/>
+          </a:p>
+        </p:txBody>
+      </p:sp>
+    </p:spTree>
+    <p:extLst>
+      <p:ext uri="{BB962C8B-B14F-4D97-AF65-F5344CB8AC3E}">
+        <p14:creationId xmlns:p14="http://schemas.microsoft.com/office/powerpoint/2010/main" val="35213746"/>
+      </p:ext>
+    </p:extLst>
+  </p:cSld>
+  <p:clrMapOvr>
+    <a:masterClrMapping/>
+  </p:clrMapOvr>
+</p:sld>
+</file>
+
+<file path=ppt/slides/slide4.xml><?xml version="1.0" encoding="utf-8"?>
+<p:sld xmlns:a="http://schemas.openxmlformats.org/drawingml/2006/main" xmlns:r="http://schemas.openxmlformats.org/officeDocument/2006/relationships" xmlns:p="http://schemas.openxmlformats.org/presentationml/2006/main">
+  <p:cSld>
+    <p:spTree>
+      <p:nvGrpSpPr>
+        <p:cNvPr id="1" name=""/>
+        <p:cNvGrpSpPr/>
+        <p:nvPr/>
+      </p:nvGrpSpPr>
+      <p:grpSpPr>
+        <a:xfrm>
+          <a:off x="0" y="0"/>
+          <a:ext cx="0" cy="0"/>
+          <a:chOff x="0" y="0"/>
+          <a:chExt cx="0" cy="0"/>
+        </a:xfrm>
+      </p:grpSpPr>
+      <p:sp>
+        <p:nvSpPr>
+          <p:cNvPr id="2" name="Titre 1"/>
+          <p:cNvSpPr>
+            <a:spLocks noGrp="1"/>
+          </p:cNvSpPr>
+          <p:nvPr>
+            <p:ph type="title"/>
+          </p:nvPr>
+        </p:nvSpPr>
+        <p:spPr/>
+        <p:txBody>
+          <a:bodyPr>
+            <a:normAutofit fontScale="90000"/>
+          </a:bodyPr>
+          <a:lstStyle/>
+          <a:p>
+            <a:r>
+              <a:rPr lang="fr-FR" dirty="0" smtClean="0"/>
+              <a:t>Sommaire</a:t>
+            </a:r>
+            <a:endParaRPr lang="fr-FR" dirty="0"/>
+          </a:p>
+        </p:txBody>
+      </p:sp>
+      <p:sp>
+        <p:nvSpPr>
+          <p:cNvPr id="3" name="Espace réservé du contenu 2"/>
+          <p:cNvSpPr>
+            <a:spLocks noGrp="1"/>
+          </p:cNvSpPr>
+          <p:nvPr>
+            <p:ph idx="1"/>
+          </p:nvPr>
+        </p:nvSpPr>
+        <p:spPr/>
+        <p:txBody>
+          <a:bodyPr>
+            <a:normAutofit/>
+          </a:bodyPr>
+          <a:lstStyle/>
+          <a:p>
+            <a:r>
+              <a:rPr lang="fr-FR" dirty="0" smtClean="0"/>
+              <a:t>Micro service</a:t>
+            </a:r>
+          </a:p>
+          <a:p>
+            <a:r>
+              <a:rPr lang="fr-FR" dirty="0" smtClean="0"/>
+              <a:t>Docker</a:t>
+            </a:r>
+          </a:p>
+          <a:p>
+            <a:r>
+              <a:rPr lang="fr-FR" dirty="0" smtClean="0"/>
+              <a:t>Application cibles</a:t>
+            </a:r>
+          </a:p>
+          <a:p>
+            <a:r>
+              <a:rPr lang="fr-FR" dirty="0" smtClean="0"/>
+              <a:t>Application développement</a:t>
+            </a:r>
+          </a:p>
+          <a:p>
+            <a:r>
+              <a:rPr lang="fr-FR" dirty="0" smtClean="0"/>
+              <a:t>Plateforme d’exécution</a:t>
+            </a:r>
+          </a:p>
+          <a:p>
+            <a:r>
+              <a:rPr lang="fr-FR" dirty="0" smtClean="0"/>
+              <a:t>Architecture</a:t>
+            </a:r>
+          </a:p>
+          <a:p>
+            <a:r>
+              <a:rPr lang="fr-FR" dirty="0" smtClean="0"/>
+              <a:t>Sécurité</a:t>
+            </a:r>
+          </a:p>
+          <a:p>
+            <a:endParaRPr lang="fr-FR" dirty="0"/>
+          </a:p>
+          <a:p>
+            <a:pPr lvl="1"/>
+            <a:endParaRPr lang="fr-FR" dirty="0" smtClean="0"/>
+          </a:p>
+        </p:txBody>
+      </p:sp>
+    </p:spTree>
+    <p:extLst>
+      <p:ext uri="{BB962C8B-B14F-4D97-AF65-F5344CB8AC3E}">
+        <p14:creationId xmlns:p14="http://schemas.microsoft.com/office/powerpoint/2010/main" val="4037784113"/>
+      </p:ext>
+    </p:extLst>
+  </p:cSld>
+  <p:clrMapOvr>
+    <a:masterClrMapping/>
+  </p:clrMapOvr>
+</p:sld>
+</file>
+
+<file path=ppt/slides/slide5.xml><?xml version="1.0" encoding="utf-8"?>
+<p:sld xmlns:a="http://schemas.openxmlformats.org/drawingml/2006/main" xmlns:r="http://schemas.openxmlformats.org/officeDocument/2006/relationships" xmlns:p="http://schemas.openxmlformats.org/presentationml/2006/main">
+  <p:cSld>
+    <p:spTree>
+      <p:nvGrpSpPr>
+        <p:cNvPr id="1" name=""/>
+        <p:cNvGrpSpPr/>
+        <p:nvPr/>
+      </p:nvGrpSpPr>
+      <p:grpSpPr>
+        <a:xfrm>
+          <a:off x="0" y="0"/>
+          <a:ext cx="0" cy="0"/>
+          <a:chOff x="0" y="0"/>
+          <a:chExt cx="0" cy="0"/>
+        </a:xfrm>
+      </p:grpSpPr>
+      <p:sp>
+        <p:nvSpPr>
+          <p:cNvPr id="2" name="Titre 1"/>
+          <p:cNvSpPr>
+            <a:spLocks noGrp="1"/>
+          </p:cNvSpPr>
+          <p:nvPr>
+            <p:ph type="title"/>
+          </p:nvPr>
+        </p:nvSpPr>
+        <p:spPr/>
+        <p:txBody>
+          <a:bodyPr>
+            <a:normAutofit fontScale="90000"/>
+          </a:bodyPr>
+          <a:lstStyle/>
+          <a:p>
+            <a:r>
+              <a:rPr lang="fr-FR" dirty="0" smtClean="0"/>
+              <a:t>Micro service</a:t>
+            </a:r>
+            <a:endParaRPr lang="fr-FR" dirty="0"/>
+          </a:p>
+        </p:txBody>
+      </p:sp>
+      <p:sp>
+        <p:nvSpPr>
+          <p:cNvPr id="3" name="Espace réservé du contenu 2"/>
+          <p:cNvSpPr>
+            <a:spLocks noGrp="1"/>
+          </p:cNvSpPr>
+          <p:nvPr>
+            <p:ph idx="1"/>
+          </p:nvPr>
+        </p:nvSpPr>
+        <p:spPr/>
+        <p:txBody>
+          <a:bodyPr>
+            <a:normAutofit/>
+          </a:bodyPr>
+          <a:lstStyle/>
+          <a:p>
+            <a:r>
+              <a:rPr lang="fr-FR" dirty="0" smtClean="0"/>
+              <a:t>Pourquoi ?</a:t>
+            </a:r>
+          </a:p>
+          <a:p>
+            <a:pPr lvl="1"/>
+            <a:r>
+              <a:rPr lang="fr-FR" dirty="0" smtClean="0"/>
+              <a:t>Container = Architecture micro services « State </a:t>
+            </a:r>
+            <a:r>
+              <a:rPr lang="fr-FR" dirty="0" err="1" smtClean="0"/>
+              <a:t>less</a:t>
+            </a:r>
+            <a:r>
+              <a:rPr lang="fr-FR" dirty="0" smtClean="0"/>
+              <a:t> »</a:t>
+            </a:r>
+          </a:p>
+          <a:p>
+            <a:pPr lvl="1"/>
+            <a:r>
+              <a:rPr lang="fr-FR" dirty="0" smtClean="0"/>
+              <a:t>Existence d’autres types de micro services</a:t>
+            </a:r>
+          </a:p>
+          <a:p>
+            <a:pPr lvl="1"/>
+            <a:r>
+              <a:rPr lang="fr-FR" dirty="0" smtClean="0"/>
+              <a:t>Existence de plateformes dédiées aux micro services</a:t>
+            </a:r>
+          </a:p>
+          <a:p>
+            <a:pPr marL="393192" lvl="1" indent="0">
+              <a:buNone/>
+            </a:pPr>
+            <a:endParaRPr lang="fr-FR" dirty="0" smtClean="0"/>
+          </a:p>
+          <a:p>
+            <a:r>
+              <a:rPr lang="fr-FR" dirty="0" smtClean="0"/>
+              <a:t>Architecture micro service</a:t>
+            </a:r>
+          </a:p>
+          <a:p>
+            <a:pPr lvl="1"/>
+            <a:endParaRPr lang="fr-FR" dirty="0" smtClean="0"/>
+          </a:p>
+          <a:p>
+            <a:r>
+              <a:rPr lang="fr-FR" dirty="0"/>
+              <a:t>T</a:t>
+            </a:r>
+            <a:r>
+              <a:rPr lang="fr-FR" dirty="0" smtClean="0"/>
+              <a:t>ypes de micro services</a:t>
+            </a:r>
+          </a:p>
+          <a:p>
+            <a:pPr lvl="1"/>
+            <a:r>
+              <a:rPr lang="fr-FR" dirty="0" smtClean="0"/>
+              <a:t>State </a:t>
+            </a:r>
+            <a:r>
+              <a:rPr lang="fr-FR" dirty="0" err="1" smtClean="0"/>
+              <a:t>less</a:t>
+            </a:r>
+            <a:endParaRPr lang="fr-FR" dirty="0" smtClean="0"/>
+          </a:p>
+          <a:p>
+            <a:pPr lvl="1"/>
+            <a:r>
+              <a:rPr lang="fr-FR" dirty="0" smtClean="0"/>
+              <a:t>State Full</a:t>
+            </a:r>
+          </a:p>
+          <a:p>
+            <a:endParaRPr lang="fr-FR" dirty="0" smtClean="0"/>
+          </a:p>
+          <a:p>
+            <a:pPr lvl="1"/>
+            <a:endParaRPr lang="fr-FR" dirty="0"/>
+          </a:p>
+          <a:p>
+            <a:pPr lvl="1"/>
+            <a:endParaRPr lang="fr-FR" dirty="0" smtClean="0"/>
+          </a:p>
+        </p:txBody>
+      </p:sp>
+    </p:spTree>
+    <p:extLst>
+      <p:ext uri="{BB962C8B-B14F-4D97-AF65-F5344CB8AC3E}">
+        <p14:creationId xmlns:p14="http://schemas.microsoft.com/office/powerpoint/2010/main" val="158660815"/>
+      </p:ext>
+    </p:extLst>
+  </p:cSld>
+  <p:clrMapOvr>
+    <a:masterClrMapping/>
+  </p:clrMapOvr>
+</p:sld>
+</file>
+
+<file path=ppt/slides/slide6.xml><?xml version="1.0" encoding="utf-8"?>
+<p:sld xmlns:a="http://schemas.openxmlformats.org/drawingml/2006/main" xmlns:r="http://schemas.openxmlformats.org/officeDocument/2006/relationships" xmlns:p="http://schemas.openxmlformats.org/presentationml/2006/main">
+  <p:cSld>
+    <p:spTree>
+      <p:nvGrpSpPr>
+        <p:cNvPr id="1" name=""/>
+        <p:cNvGrpSpPr/>
+        <p:nvPr/>
+      </p:nvGrpSpPr>
+      <p:grpSpPr>
+        <a:xfrm>
+          <a:off x="0" y="0"/>
+          <a:ext cx="0" cy="0"/>
+          <a:chOff x="0" y="0"/>
+          <a:chExt cx="0" cy="0"/>
+        </a:xfrm>
+      </p:grpSpPr>
+      <p:sp>
+        <p:nvSpPr>
+          <p:cNvPr id="2" name="Titre 1"/>
+          <p:cNvSpPr>
+            <a:spLocks noGrp="1"/>
+          </p:cNvSpPr>
+          <p:nvPr>
+            <p:ph type="title"/>
+          </p:nvPr>
+        </p:nvSpPr>
+        <p:spPr/>
+        <p:txBody>
+          <a:bodyPr/>
+          <a:lstStyle/>
+          <a:p>
+            <a:r>
+              <a:rPr lang="fr-FR" dirty="0" smtClean="0"/>
+              <a:t>Annexes</a:t>
+            </a:r>
+            <a:endParaRPr lang="fr-FR" dirty="0"/>
+          </a:p>
+        </p:txBody>
+      </p:sp>
+      <p:sp>
+        <p:nvSpPr>
+          <p:cNvPr id="3" name="Espace réservé du texte 2"/>
+          <p:cNvSpPr>
+            <a:spLocks noGrp="1"/>
+          </p:cNvSpPr>
+          <p:nvPr>
+            <p:ph type="body" sz="half" idx="2"/>
+          </p:nvPr>
+        </p:nvSpPr>
+        <p:spPr/>
+        <p:txBody>
+          <a:bodyPr/>
+          <a:lstStyle/>
+          <a:p>
+            <a:endParaRPr lang="fr-FR" dirty="0"/>
+          </a:p>
+        </p:txBody>
+      </p:sp>
+      <p:sp>
+        <p:nvSpPr>
+          <p:cNvPr id="4" name="Espace réservé pour une image  3"/>
+          <p:cNvSpPr>
+            <a:spLocks noGrp="1"/>
+          </p:cNvSpPr>
+          <p:nvPr>
+            <p:ph type="pic" idx="1"/>
+          </p:nvPr>
+        </p:nvSpPr>
+        <p:spPr/>
+      </p:sp>
+    </p:spTree>
+    <p:extLst>
+      <p:ext uri="{BB962C8B-B14F-4D97-AF65-F5344CB8AC3E}">
+        <p14:creationId xmlns:p14="http://schemas.microsoft.com/office/powerpoint/2010/main" val="1784905360"/>
+      </p:ext>
+    </p:extLst>
+  </p:cSld>
+  <p:clrMapOvr>
+    <a:masterClrMapping/>
+  </p:clrMapOvr>
+</p:sld>
+</file>
+
+<file path=ppt/slides/slide7.xml><?xml version="1.0" encoding="utf-8"?>
+<p:sld xmlns:a="http://schemas.openxmlformats.org/drawingml/2006/main" xmlns:r="http://schemas.openxmlformats.org/officeDocument/2006/relationships" xmlns:p="http://schemas.openxmlformats.org/presentationml/2006/main">
+  <p:cSld>
+    <p:spTree>
+      <p:nvGrpSpPr>
+        <p:cNvPr id="1" name=""/>
+        <p:cNvGrpSpPr/>
+        <p:nvPr/>
+      </p:nvGrpSpPr>
+      <p:grpSpPr>
+        <a:xfrm>
+          <a:off x="0" y="0"/>
+          <a:ext cx="0" cy="0"/>
+          <a:chOff x="0" y="0"/>
+          <a:chExt cx="0" cy="0"/>
+        </a:xfrm>
+      </p:grpSpPr>
+      <p:sp>
+        <p:nvSpPr>
+          <p:cNvPr id="4" name="Rectangle à coins arrondis 3"/>
+          <p:cNvSpPr/>
+          <p:nvPr/>
+        </p:nvSpPr>
+        <p:spPr>
+          <a:xfrm>
+            <a:off x="2195736" y="1124744"/>
+            <a:ext cx="1440160" cy="432048"/>
+          </a:xfrm>
+          <a:prstGeom prst="roundRect">
+            <a:avLst/>
+          </a:prstGeom>
+        </p:spPr>
+        <p:style>
+          <a:lnRef idx="2">
+            <a:schemeClr val="accent1">
+              <a:shade val="50000"/>
+            </a:schemeClr>
+          </a:lnRef>
+          <a:fillRef idx="1">
+            <a:schemeClr val="accent1"/>
+          </a:fillRef>
+          <a:effectRef idx="0">
+            <a:schemeClr val="accent1"/>
+          </a:effectRef>
+          <a:fontRef idx="minor">
+            <a:schemeClr val="lt1"/>
+          </a:fontRef>
+        </p:style>
+        <p:txBody>
+          <a:bodyPr rtlCol="0" anchor="ctr"/>
+          <a:lstStyle/>
+          <a:p>
+            <a:pPr algn="ctr"/>
+            <a:r>
+              <a:rPr lang="fr-FR" sz="1200" dirty="0" smtClean="0"/>
+              <a:t>Plateforme to </a:t>
+            </a:r>
+            <a:r>
+              <a:rPr lang="fr-FR" sz="1200" dirty="0" err="1" smtClean="0"/>
+              <a:t>study</a:t>
+            </a:r>
+            <a:endParaRPr lang="fr-FR" sz="1200" dirty="0"/>
+          </a:p>
+        </p:txBody>
+      </p:sp>
+      <p:sp>
+        <p:nvSpPr>
+          <p:cNvPr id="5" name="Organigramme : Décision 4"/>
+          <p:cNvSpPr/>
+          <p:nvPr/>
+        </p:nvSpPr>
+        <p:spPr>
+          <a:xfrm>
+            <a:off x="2735796" y="2492896"/>
+            <a:ext cx="612068" cy="504056"/>
+          </a:xfrm>
+          <a:prstGeom prst="flowChartDecision">
+            <a:avLst/>
+          </a:prstGeom>
+        </p:spPr>
+        <p:style>
+          <a:lnRef idx="2">
+            <a:schemeClr val="accent1">
+              <a:shade val="50000"/>
+            </a:schemeClr>
+          </a:lnRef>
+          <a:fillRef idx="1">
+            <a:schemeClr val="accent1"/>
+          </a:fillRef>
+          <a:effectRef idx="0">
+            <a:schemeClr val="accent1"/>
+          </a:effectRef>
+          <a:fontRef idx="minor">
+            <a:schemeClr val="lt1"/>
+          </a:fontRef>
+        </p:style>
+        <p:txBody>
+          <a:bodyPr rtlCol="0" anchor="ctr"/>
+          <a:lstStyle/>
+          <a:p>
+            <a:pPr algn="ctr"/>
+            <a:endParaRPr lang="fr-FR" dirty="0"/>
+          </a:p>
+        </p:txBody>
+      </p:sp>
+    </p:spTree>
+    <p:extLst>
+      <p:ext uri="{BB962C8B-B14F-4D97-AF65-F5344CB8AC3E}">
+        <p14:creationId xmlns:p14="http://schemas.microsoft.com/office/powerpoint/2010/main" val="2432471116"/>
+      </p:ext>
+    </p:extLst>
+  </p:cSld>
+  <p:clrMapOvr>
+    <a:masterClrMapping/>
+  </p:clrMapOvr>
+</p:sld>
+</file>
+
+<file path=ppt/slides/slide8.xml><?xml version="1.0" encoding="utf-8"?>
+<p:sld xmlns:a="http://schemas.openxmlformats.org/drawingml/2006/main" xmlns:r="http://schemas.openxmlformats.org/officeDocument/2006/relationships" xmlns:p="http://schemas.openxmlformats.org/presentationml/2006/main">
+  <p:cSld>
+    <p:spTree>
+      <p:nvGrpSpPr>
+        <p:cNvPr id="1" name=""/>
+        <p:cNvGrpSpPr/>
+        <p:nvPr/>
+      </p:nvGrpSpPr>
+      <p:grpSpPr>
+        <a:xfrm>
+          <a:off x="0" y="0"/>
+          <a:ext cx="0" cy="0"/>
+          <a:chOff x="0" y="0"/>
+          <a:chExt cx="0" cy="0"/>
+        </a:xfrm>
+      </p:grpSpPr>
+      <p:sp>
+        <p:nvSpPr>
+          <p:cNvPr id="2" name="Titre 1"/>
+          <p:cNvSpPr>
+            <a:spLocks noGrp="1"/>
+          </p:cNvSpPr>
+          <p:nvPr>
+            <p:ph type="title"/>
+          </p:nvPr>
+        </p:nvSpPr>
+        <p:spPr/>
+        <p:txBody>
+          <a:bodyPr>
+            <a:normAutofit fontScale="90000"/>
+          </a:bodyPr>
+          <a:lstStyle/>
+          <a:p>
+            <a:r>
+              <a:rPr lang="fr-FR" dirty="0" smtClean="0"/>
+              <a:t>Micro Services </a:t>
+            </a:r>
+            <a:r>
+              <a:rPr lang="fr-FR" dirty="0" err="1" smtClean="0"/>
+              <a:t>references</a:t>
+            </a:r>
+            <a:endParaRPr lang="fr-FR" dirty="0"/>
+          </a:p>
+        </p:txBody>
+      </p:sp>
+      <p:sp>
+        <p:nvSpPr>
+          <p:cNvPr id="3" name="Espace réservé du contenu 2"/>
+          <p:cNvSpPr>
+            <a:spLocks noGrp="1"/>
+          </p:cNvSpPr>
+          <p:nvPr>
+            <p:ph idx="1"/>
+          </p:nvPr>
+        </p:nvSpPr>
+        <p:spPr/>
+        <p:txBody>
+          <a:bodyPr/>
+          <a:lstStyle/>
+          <a:p>
+            <a:r>
+              <a:rPr lang="fr-FR" dirty="0" err="1" smtClean="0"/>
+              <a:t>Redhat</a:t>
+            </a:r>
+            <a:endParaRPr lang="fr-FR" dirty="0" smtClean="0"/>
+          </a:p>
+          <a:p>
+            <a:pPr lvl="1"/>
+            <a:r>
+              <a:rPr lang="fr-FR" dirty="0">
+                <a:hlinkClick r:id="rId2"/>
+              </a:rPr>
+              <a:t>https://</a:t>
+            </a:r>
+            <a:r>
+              <a:rPr lang="fr-FR" dirty="0" smtClean="0">
+                <a:hlinkClick r:id="rId2"/>
+              </a:rPr>
+              <a:t>www.redhat.com/cms/managed-files/mi-microservices-eap-7-reference-architecture-201606-en.pdf</a:t>
+            </a:r>
+            <a:endParaRPr lang="fr-FR" dirty="0" smtClean="0"/>
+          </a:p>
+          <a:p>
+            <a:pPr lvl="1"/>
+            <a:r>
+              <a:rPr lang="fr-FR" dirty="0" err="1" smtClean="0"/>
+              <a:t>Definition</a:t>
+            </a:r>
+            <a:r>
+              <a:rPr lang="fr-FR" dirty="0" smtClean="0"/>
+              <a:t> : Page 4</a:t>
+            </a:r>
+          </a:p>
+          <a:p>
+            <a:pPr lvl="1"/>
+            <a:r>
+              <a:rPr lang="fr-FR" dirty="0" err="1" smtClean="0"/>
+              <a:t>Advantages</a:t>
+            </a:r>
+            <a:r>
+              <a:rPr lang="fr-FR" dirty="0" smtClean="0"/>
+              <a:t> / </a:t>
+            </a:r>
+            <a:r>
+              <a:rPr lang="fr-FR" dirty="0" err="1" smtClean="0"/>
+              <a:t>Disadvantages</a:t>
+            </a:r>
+            <a:r>
+              <a:rPr lang="fr-FR" dirty="0" smtClean="0"/>
+              <a:t> : Page 4-5</a:t>
+            </a:r>
+          </a:p>
+          <a:p>
+            <a:pPr lvl="1"/>
+            <a:r>
+              <a:rPr lang="fr-FR" dirty="0" smtClean="0"/>
+              <a:t>Cross-</a:t>
+            </a:r>
+            <a:r>
+              <a:rPr lang="fr-FR" dirty="0" err="1" smtClean="0"/>
+              <a:t>Cutting</a:t>
+            </a:r>
+            <a:r>
+              <a:rPr lang="fr-FR" dirty="0" smtClean="0"/>
+              <a:t> : Page 16</a:t>
+            </a:r>
+            <a:endParaRPr lang="fr-FR" dirty="0" smtClean="0"/>
+          </a:p>
+          <a:p>
+            <a:pPr marL="457200" lvl="1" indent="0">
+              <a:buNone/>
+            </a:pPr>
+            <a:endParaRPr lang="fr-FR" dirty="0"/>
+          </a:p>
+        </p:txBody>
+      </p:sp>
+    </p:spTree>
+    <p:extLst>
+      <p:ext uri="{BB962C8B-B14F-4D97-AF65-F5344CB8AC3E}">
+        <p14:creationId xmlns:p14="http://schemas.microsoft.com/office/powerpoint/2010/main" val="1176314488"/>
+      </p:ext>
+    </p:extLst>
+  </p:cSld>
+  <p:clrMapOvr>
+    <a:masterClrMapping/>
+  </p:clrMapOvr>
+</p:sld>
+</file>
+
 <file path=ppt/slides/slide9.xml><?xml version="1.0" encoding="utf-8"?>
 <p:sld xmlns:a="http://schemas.openxmlformats.org/drawingml/2006/main" xmlns:r="http://schemas.openxmlformats.org/officeDocument/2006/relationships" xmlns:p="http://schemas.openxmlformats.org/presentationml/2006/main">
   <p:cSld>
@@ -5667,252 +6840,501 @@
       </p:grpSpPr>
       <p:sp>
         <p:nvSpPr>
-          <p:cNvPr id="2" name="Titre 1"/>
-          <p:cNvSpPr>
-            <a:spLocks noGrp="1"/>
-          </p:cNvSpPr>
-          <p:nvPr>
-            <p:ph type="title"/>
-          </p:nvPr>
+          <p:cNvPr id="4" name="Rectangle à coins arrondis 3"/>
+          <p:cNvSpPr/>
+          <p:nvPr/>
         </p:nvSpPr>
         <p:spPr>
           <a:xfrm>
-            <a:off x="457200" y="274638"/>
-            <a:ext cx="8229600" cy="490066"/>
+            <a:off x="1551656" y="5599370"/>
+            <a:ext cx="1440160" cy="360040"/>
           </a:xfrm>
+          <a:prstGeom prst="roundRect">
+            <a:avLst/>
+          </a:prstGeom>
         </p:spPr>
-        <p:txBody>
-          <a:bodyPr>
-            <a:normAutofit/>
-          </a:bodyPr>
-          <a:lstStyle/>
-          <a:p>
-            <a:r>
-              <a:rPr lang="en-GB" sz="2400" b="1" dirty="0" err="1" smtClean="0"/>
-              <a:t>Programmation</a:t>
-            </a:r>
-            <a:r>
-              <a:rPr lang="en-GB" sz="2400" b="1" dirty="0" smtClean="0"/>
-              <a:t> </a:t>
-            </a:r>
-            <a:r>
-              <a:rPr lang="en-GB" sz="2400" b="1" dirty="0" err="1" smtClean="0"/>
-              <a:t>Langages</a:t>
-            </a:r>
-            <a:endParaRPr lang="en-GB" sz="2400" b="1" dirty="0"/>
-          </a:p>
-        </p:txBody>
-      </p:sp>
-      <p:sp>
-        <p:nvSpPr>
-          <p:cNvPr id="3" name="Espace réservé du contenu 2"/>
-          <p:cNvSpPr>
-            <a:spLocks noGrp="1"/>
-          </p:cNvSpPr>
-          <p:nvPr>
-            <p:ph idx="1"/>
-          </p:nvPr>
+        <p:style>
+          <a:lnRef idx="2">
+            <a:schemeClr val="accent1">
+              <a:shade val="50000"/>
+            </a:schemeClr>
+          </a:lnRef>
+          <a:fillRef idx="1">
+            <a:schemeClr val="accent1"/>
+          </a:fillRef>
+          <a:effectRef idx="0">
+            <a:schemeClr val="accent1"/>
+          </a:effectRef>
+          <a:fontRef idx="minor">
+            <a:schemeClr val="lt1"/>
+          </a:fontRef>
+        </p:style>
+        <p:txBody>
+          <a:bodyPr rtlCol="0" anchor="ctr"/>
+          <a:lstStyle/>
+          <a:p>
+            <a:pPr algn="ctr"/>
+            <a:r>
+              <a:rPr lang="fr-FR" sz="1000" dirty="0" err="1" smtClean="0"/>
+              <a:t>microsoft</a:t>
+            </a:r>
+            <a:r>
+              <a:rPr lang="fr-FR" sz="1000" dirty="0" smtClean="0"/>
+              <a:t>/</a:t>
+            </a:r>
+            <a:r>
+              <a:rPr lang="fr-FR" sz="1000" dirty="0" err="1" smtClean="0"/>
+              <a:t>windowsservercore</a:t>
+            </a:r>
+            <a:endParaRPr lang="fr-FR" sz="1000" dirty="0"/>
+          </a:p>
+        </p:txBody>
+      </p:sp>
+      <p:sp>
+        <p:nvSpPr>
+          <p:cNvPr id="5" name="Rectangle à coins arrondis 4"/>
+          <p:cNvSpPr/>
+          <p:nvPr/>
         </p:nvSpPr>
         <p:spPr>
           <a:xfrm>
-            <a:off x="457200" y="980728"/>
-            <a:ext cx="8229600" cy="5145435"/>
+            <a:off x="7164288" y="4869160"/>
+            <a:ext cx="1440160" cy="360040"/>
           </a:xfrm>
+          <a:prstGeom prst="roundRect">
+            <a:avLst/>
+          </a:prstGeom>
         </p:spPr>
-        <p:txBody>
-          <a:bodyPr>
-            <a:normAutofit fontScale="70000" lnSpcReduction="20000"/>
+        <p:style>
+          <a:lnRef idx="2">
+            <a:schemeClr val="accent1">
+              <a:shade val="50000"/>
+            </a:schemeClr>
+          </a:lnRef>
+          <a:fillRef idx="1">
+            <a:schemeClr val="accent1"/>
+          </a:fillRef>
+          <a:effectRef idx="0">
+            <a:schemeClr val="accent1"/>
+          </a:effectRef>
+          <a:fontRef idx="minor">
+            <a:schemeClr val="lt1"/>
+          </a:fontRef>
+        </p:style>
+        <p:txBody>
+          <a:bodyPr rtlCol="0" anchor="ctr"/>
+          <a:lstStyle/>
+          <a:p>
+            <a:pPr algn="ctr"/>
+            <a:r>
+              <a:rPr lang="fr-FR" sz="1000" dirty="0" smtClean="0"/>
+              <a:t>Linux RHEL</a:t>
+            </a:r>
+            <a:endParaRPr lang="fr-FR" sz="1000" dirty="0"/>
+          </a:p>
+        </p:txBody>
+      </p:sp>
+      <p:sp>
+        <p:nvSpPr>
+          <p:cNvPr id="6" name="Rectangle à coins arrondis 5"/>
+          <p:cNvSpPr/>
+          <p:nvPr/>
+        </p:nvSpPr>
+        <p:spPr>
+          <a:xfrm>
+            <a:off x="1714779" y="2096852"/>
+            <a:ext cx="1440160" cy="360040"/>
+          </a:xfrm>
+          <a:prstGeom prst="roundRect">
+            <a:avLst/>
+          </a:prstGeom>
+        </p:spPr>
+        <p:style>
+          <a:lnRef idx="2">
+            <a:schemeClr val="accent1">
+              <a:shade val="50000"/>
+            </a:schemeClr>
+          </a:lnRef>
+          <a:fillRef idx="1">
+            <a:schemeClr val="accent1"/>
+          </a:fillRef>
+          <a:effectRef idx="0">
+            <a:schemeClr val="accent1"/>
+          </a:effectRef>
+          <a:fontRef idx="minor">
+            <a:schemeClr val="lt1"/>
+          </a:fontRef>
+        </p:style>
+        <p:txBody>
+          <a:bodyPr rtlCol="0" anchor="ctr"/>
+          <a:lstStyle/>
+          <a:p>
+            <a:pPr algn="ctr"/>
+            <a:r>
+              <a:rPr lang="fr-FR" sz="1200" dirty="0" smtClean="0"/>
+              <a:t>Enterprise image:</a:t>
+            </a:r>
+          </a:p>
+          <a:p>
+            <a:pPr algn="ctr"/>
+            <a:r>
+              <a:rPr lang="fr-FR" sz="1200" dirty="0" smtClean="0"/>
+              <a:t>Windows 2016</a:t>
+            </a:r>
+            <a:endParaRPr lang="fr-FR" sz="1200" dirty="0"/>
+          </a:p>
+        </p:txBody>
+      </p:sp>
+      <p:cxnSp>
+        <p:nvCxnSpPr>
+          <p:cNvPr id="9" name="Connecteur droit 8"/>
+          <p:cNvCxnSpPr/>
+          <p:nvPr/>
+        </p:nvCxnSpPr>
+        <p:spPr>
+          <a:xfrm>
+            <a:off x="107504" y="3140968"/>
+            <a:ext cx="8784976" cy="0"/>
+          </a:xfrm>
+          <a:prstGeom prst="line">
+            <a:avLst/>
+          </a:prstGeom>
+        </p:spPr>
+        <p:style>
+          <a:lnRef idx="1">
+            <a:schemeClr val="accent1"/>
+          </a:lnRef>
+          <a:fillRef idx="0">
+            <a:schemeClr val="accent1"/>
+          </a:fillRef>
+          <a:effectRef idx="0">
+            <a:schemeClr val="accent1"/>
+          </a:effectRef>
+          <a:fontRef idx="minor">
+            <a:schemeClr val="tx1"/>
+          </a:fontRef>
+        </p:style>
+      </p:cxnSp>
+      <p:sp>
+        <p:nvSpPr>
+          <p:cNvPr id="10" name="ZoneTexte 9"/>
+          <p:cNvSpPr txBox="1"/>
+          <p:nvPr/>
+        </p:nvSpPr>
+        <p:spPr>
+          <a:xfrm>
+            <a:off x="120483" y="3161566"/>
+            <a:ext cx="1257652" cy="369332"/>
+          </a:xfrm>
+          <a:prstGeom prst="rect">
+            <a:avLst/>
+          </a:prstGeom>
+          <a:noFill/>
+        </p:spPr>
+        <p:txBody>
+          <a:bodyPr wrap="none" rtlCol="0">
+            <a:spAutoFit/>
           </a:bodyPr>
           <a:lstStyle/>
           <a:p>
             <a:r>
-              <a:rPr lang="en-GB" sz="2000" dirty="0" err="1" smtClean="0"/>
-              <a:t>.Net</a:t>
-            </a:r>
-            <a:r>
-              <a:rPr lang="en-GB" sz="2000" dirty="0" smtClean="0"/>
-              <a:t> Framework</a:t>
-            </a:r>
-          </a:p>
-          <a:p>
-            <a:r>
-              <a:rPr lang="en-GB" sz="2000" dirty="0" err="1" smtClean="0"/>
-              <a:t>.Net</a:t>
-            </a:r>
-            <a:r>
-              <a:rPr lang="en-GB" sz="2000" dirty="0" smtClean="0"/>
-              <a:t> </a:t>
-            </a:r>
-            <a:r>
-              <a:rPr lang="en-GB" sz="2000" dirty="0" smtClean="0"/>
-              <a:t>Core</a:t>
-            </a:r>
-          </a:p>
-          <a:p>
-            <a:pPr lvl="1"/>
-            <a:r>
-              <a:rPr lang="en-GB" sz="1600" dirty="0">
-                <a:hlinkClick r:id="rId2"/>
-              </a:rPr>
-              <a:t>https://</a:t>
-            </a:r>
-            <a:r>
-              <a:rPr lang="en-GB" sz="1600" dirty="0" smtClean="0">
-                <a:hlinkClick r:id="rId2"/>
-              </a:rPr>
-              <a:t>docs.microsoft.com/en-us/dotnet/standard/choosing-core-framework-server</a:t>
-            </a:r>
-            <a:endParaRPr lang="en-GB" sz="1600" dirty="0" smtClean="0"/>
-          </a:p>
-          <a:p>
-            <a:pPr marL="457200" lvl="1" indent="0">
-              <a:buNone/>
-            </a:pPr>
-            <a:endParaRPr lang="en-GB" sz="1600" dirty="0"/>
-          </a:p>
-          <a:p>
-            <a:pPr lvl="1"/>
-            <a:r>
-              <a:rPr lang="en-US" dirty="0"/>
-              <a:t>Use .NET Core for your server application when</a:t>
-            </a:r>
-            <a:r>
-              <a:rPr lang="en-US" dirty="0" smtClean="0"/>
-              <a:t>: </a:t>
-            </a:r>
-            <a:endParaRPr lang="en-US" dirty="0"/>
-          </a:p>
-          <a:p>
-            <a:pPr lvl="2"/>
-            <a:r>
-              <a:rPr lang="en-US" dirty="0"/>
-              <a:t>You have cross-platform needs.</a:t>
-            </a:r>
-          </a:p>
-          <a:p>
-            <a:pPr lvl="2"/>
-            <a:r>
-              <a:rPr lang="en-US" dirty="0"/>
-              <a:t>You are targeting </a:t>
-            </a:r>
-            <a:r>
-              <a:rPr lang="en-US" dirty="0" err="1"/>
-              <a:t>microservices</a:t>
-            </a:r>
-            <a:r>
-              <a:rPr lang="en-US" dirty="0"/>
-              <a:t>.</a:t>
-            </a:r>
-          </a:p>
-          <a:p>
-            <a:pPr lvl="2"/>
-            <a:r>
-              <a:rPr lang="en-US" dirty="0"/>
-              <a:t>You are using Docker containers.</a:t>
-            </a:r>
-          </a:p>
-          <a:p>
-            <a:pPr lvl="2"/>
-            <a:r>
-              <a:rPr lang="en-US" dirty="0"/>
-              <a:t>You need high-performance and scalable systems.</a:t>
-            </a:r>
-          </a:p>
-          <a:p>
-            <a:pPr lvl="2"/>
-            <a:r>
-              <a:rPr lang="en-US" dirty="0"/>
-              <a:t>You need side-by-side .NET versions per application.</a:t>
-            </a:r>
-          </a:p>
-          <a:p>
-            <a:endParaRPr lang="en-US" dirty="0"/>
-          </a:p>
-          <a:p>
-            <a:pPr lvl="1"/>
-            <a:r>
-              <a:rPr lang="en-US" dirty="0"/>
-              <a:t>Use .NET Framework for your server application when</a:t>
-            </a:r>
-            <a:r>
-              <a:rPr lang="en-US" dirty="0" smtClean="0"/>
-              <a:t>: </a:t>
-            </a:r>
-            <a:endParaRPr lang="en-US" dirty="0"/>
-          </a:p>
-          <a:p>
-            <a:pPr lvl="2"/>
-            <a:r>
-              <a:rPr lang="en-US" dirty="0"/>
-              <a:t>Your app currently uses .NET Framework (recommendation is to extend instead of migrating).</a:t>
-            </a:r>
-          </a:p>
-          <a:p>
-            <a:pPr lvl="2"/>
-            <a:r>
-              <a:rPr lang="en-US" dirty="0"/>
-              <a:t>Your app uses third-party .NET libraries or </a:t>
-            </a:r>
-            <a:r>
-              <a:rPr lang="en-US" dirty="0" err="1"/>
-              <a:t>NuGet</a:t>
-            </a:r>
-            <a:r>
-              <a:rPr lang="en-US" dirty="0"/>
-              <a:t> packages not available for .NET Core.</a:t>
-            </a:r>
-          </a:p>
-          <a:p>
-            <a:pPr lvl="2"/>
-            <a:r>
-              <a:rPr lang="en-US" dirty="0"/>
-              <a:t>Your app uses .NET technologies that aren't available for .NET Core.</a:t>
-            </a:r>
-          </a:p>
-          <a:p>
-            <a:pPr lvl="2"/>
-            <a:r>
-              <a:rPr lang="en-US" dirty="0"/>
-              <a:t>Your app uses a platform that doesn’t support .NET Core.</a:t>
-            </a:r>
-          </a:p>
-          <a:p>
-            <a:pPr marL="457200" lvl="1" indent="0">
-              <a:buNone/>
-            </a:pPr>
-            <a:endParaRPr lang="en-GB" sz="1600" dirty="0" smtClean="0"/>
-          </a:p>
-          <a:p>
-            <a:r>
-              <a:rPr lang="en-GB" sz="2000" dirty="0" smtClean="0"/>
-              <a:t>Java</a:t>
-            </a:r>
-          </a:p>
-          <a:p>
-            <a:r>
-              <a:rPr lang="en-GB" sz="2000" dirty="0" smtClean="0"/>
-              <a:t>Others </a:t>
-            </a:r>
-          </a:p>
-          <a:p>
-            <a:endParaRPr lang="en-GB" sz="2000" dirty="0" smtClean="0"/>
-          </a:p>
-          <a:p>
-            <a:pPr lvl="1"/>
-            <a:endParaRPr lang="en-GB" sz="1600" dirty="0" smtClean="0"/>
-          </a:p>
-          <a:p>
-            <a:pPr marL="457200" lvl="1" indent="0">
-              <a:buNone/>
-            </a:pPr>
-            <a:endParaRPr lang="en-GB" sz="2000" dirty="0"/>
+              <a:rPr lang="fr-FR" dirty="0" smtClean="0"/>
+              <a:t>Docker hub</a:t>
+            </a:r>
+            <a:endParaRPr lang="fr-FR" dirty="0"/>
+          </a:p>
+        </p:txBody>
+      </p:sp>
+      <p:sp>
+        <p:nvSpPr>
+          <p:cNvPr id="11" name="ZoneTexte 10"/>
+          <p:cNvSpPr txBox="1"/>
+          <p:nvPr/>
+        </p:nvSpPr>
+        <p:spPr>
+          <a:xfrm>
+            <a:off x="145996" y="2708920"/>
+            <a:ext cx="1565044" cy="369332"/>
+          </a:xfrm>
+          <a:prstGeom prst="rect">
+            <a:avLst/>
+          </a:prstGeom>
+          <a:noFill/>
+        </p:spPr>
+        <p:txBody>
+          <a:bodyPr wrap="none" rtlCol="0">
+            <a:spAutoFit/>
+          </a:bodyPr>
+          <a:lstStyle/>
+          <a:p>
+            <a:r>
+              <a:rPr lang="fr-FR" dirty="0" smtClean="0"/>
+              <a:t>Enterprise hub</a:t>
+            </a:r>
+            <a:endParaRPr lang="fr-FR" dirty="0"/>
+          </a:p>
+        </p:txBody>
+      </p:sp>
+      <p:sp>
+        <p:nvSpPr>
+          <p:cNvPr id="12" name="Rectangle à coins arrondis 11"/>
+          <p:cNvSpPr/>
+          <p:nvPr/>
+        </p:nvSpPr>
+        <p:spPr>
+          <a:xfrm>
+            <a:off x="3711809" y="5589240"/>
+            <a:ext cx="1440160" cy="360040"/>
+          </a:xfrm>
+          <a:prstGeom prst="roundRect">
+            <a:avLst/>
+          </a:prstGeom>
+        </p:spPr>
+        <p:style>
+          <a:lnRef idx="2">
+            <a:schemeClr val="accent1">
+              <a:shade val="50000"/>
+            </a:schemeClr>
+          </a:lnRef>
+          <a:fillRef idx="1">
+            <a:schemeClr val="accent1"/>
+          </a:fillRef>
+          <a:effectRef idx="0">
+            <a:schemeClr val="accent1"/>
+          </a:effectRef>
+          <a:fontRef idx="minor">
+            <a:schemeClr val="lt1"/>
+          </a:fontRef>
+        </p:style>
+        <p:txBody>
+          <a:bodyPr rtlCol="0" anchor="ctr"/>
+          <a:lstStyle/>
+          <a:p>
+            <a:pPr algn="ctr"/>
+            <a:r>
+              <a:rPr lang="fr-FR" sz="1000" dirty="0" smtClean="0"/>
+              <a:t>Windows 2016 </a:t>
+            </a:r>
+            <a:r>
+              <a:rPr lang="fr-FR" sz="1000" dirty="0" err="1" smtClean="0"/>
+              <a:t>nanoserver</a:t>
+            </a:r>
+            <a:endParaRPr lang="fr-FR" sz="1000" dirty="0"/>
+          </a:p>
+        </p:txBody>
+      </p:sp>
+      <p:sp>
+        <p:nvSpPr>
+          <p:cNvPr id="13" name="Rectangle à coins arrondis 12"/>
+          <p:cNvSpPr/>
+          <p:nvPr/>
+        </p:nvSpPr>
+        <p:spPr>
+          <a:xfrm>
+            <a:off x="1551656" y="4941168"/>
+            <a:ext cx="1440160" cy="360040"/>
+          </a:xfrm>
+          <a:prstGeom prst="roundRect">
+            <a:avLst/>
+          </a:prstGeom>
+        </p:spPr>
+        <p:style>
+          <a:lnRef idx="2">
+            <a:schemeClr val="accent1">
+              <a:shade val="50000"/>
+            </a:schemeClr>
+          </a:lnRef>
+          <a:fillRef idx="1">
+            <a:schemeClr val="accent1"/>
+          </a:fillRef>
+          <a:effectRef idx="0">
+            <a:schemeClr val="accent1"/>
+          </a:effectRef>
+          <a:fontRef idx="minor">
+            <a:schemeClr val="lt1"/>
+          </a:fontRef>
+        </p:style>
+        <p:txBody>
+          <a:bodyPr rtlCol="0" anchor="ctr"/>
+          <a:lstStyle/>
+          <a:p>
+            <a:pPr algn="ctr"/>
+            <a:r>
+              <a:rPr lang="fr-FR" sz="1000" dirty="0" err="1"/>
+              <a:t>microsoft</a:t>
+            </a:r>
+            <a:r>
+              <a:rPr lang="fr-FR" sz="1000" dirty="0"/>
+              <a:t>/</a:t>
+            </a:r>
+            <a:r>
+              <a:rPr lang="fr-FR" sz="1000" dirty="0" err="1"/>
+              <a:t>dotnet-framework</a:t>
+            </a:r>
+            <a:endParaRPr lang="fr-FR" sz="1000" dirty="0"/>
+          </a:p>
+        </p:txBody>
+      </p:sp>
+      <p:sp>
+        <p:nvSpPr>
+          <p:cNvPr id="14" name="Rectangle à coins arrondis 13"/>
+          <p:cNvSpPr/>
+          <p:nvPr/>
+        </p:nvSpPr>
+        <p:spPr>
+          <a:xfrm>
+            <a:off x="1547664" y="4221088"/>
+            <a:ext cx="1440160" cy="360040"/>
+          </a:xfrm>
+          <a:prstGeom prst="roundRect">
+            <a:avLst/>
+          </a:prstGeom>
+        </p:spPr>
+        <p:style>
+          <a:lnRef idx="2">
+            <a:schemeClr val="accent1">
+              <a:shade val="50000"/>
+            </a:schemeClr>
+          </a:lnRef>
+          <a:fillRef idx="1">
+            <a:schemeClr val="accent1"/>
+          </a:fillRef>
+          <a:effectRef idx="0">
+            <a:schemeClr val="accent1"/>
+          </a:effectRef>
+          <a:fontRef idx="minor">
+            <a:schemeClr val="lt1"/>
+          </a:fontRef>
+        </p:style>
+        <p:txBody>
+          <a:bodyPr rtlCol="0" anchor="ctr"/>
+          <a:lstStyle/>
+          <a:p>
+            <a:pPr algn="ctr"/>
+            <a:r>
+              <a:rPr lang="fr-FR" sz="1000" dirty="0" err="1" smtClean="0"/>
+              <a:t>microsoft</a:t>
+            </a:r>
+            <a:r>
+              <a:rPr lang="fr-FR" sz="1000" dirty="0" smtClean="0"/>
+              <a:t>/</a:t>
+            </a:r>
+            <a:r>
+              <a:rPr lang="fr-FR" sz="1000" dirty="0" err="1" smtClean="0"/>
+              <a:t>aspnet</a:t>
+            </a:r>
+            <a:endParaRPr lang="fr-FR" sz="1000" dirty="0"/>
+          </a:p>
+        </p:txBody>
+      </p:sp>
+      <p:sp>
+        <p:nvSpPr>
+          <p:cNvPr id="15" name="Rectangle à coins arrondis 14"/>
+          <p:cNvSpPr/>
+          <p:nvPr/>
+        </p:nvSpPr>
+        <p:spPr>
+          <a:xfrm>
+            <a:off x="3707904" y="4241645"/>
+            <a:ext cx="1440160" cy="360040"/>
+          </a:xfrm>
+          <a:prstGeom prst="roundRect">
+            <a:avLst/>
+          </a:prstGeom>
+        </p:spPr>
+        <p:style>
+          <a:lnRef idx="2">
+            <a:schemeClr val="accent1">
+              <a:shade val="50000"/>
+            </a:schemeClr>
+          </a:lnRef>
+          <a:fillRef idx="1">
+            <a:schemeClr val="accent1"/>
+          </a:fillRef>
+          <a:effectRef idx="0">
+            <a:schemeClr val="accent1"/>
+          </a:effectRef>
+          <a:fontRef idx="minor">
+            <a:schemeClr val="lt1"/>
+          </a:fontRef>
+        </p:style>
+        <p:txBody>
+          <a:bodyPr rtlCol="0" anchor="ctr"/>
+          <a:lstStyle/>
+          <a:p>
+            <a:pPr algn="ctr"/>
+            <a:r>
+              <a:rPr lang="fr-FR" sz="1000" dirty="0" err="1" smtClean="0"/>
+              <a:t>microsoft</a:t>
+            </a:r>
+            <a:r>
+              <a:rPr lang="fr-FR" sz="1000" dirty="0" smtClean="0"/>
+              <a:t>/</a:t>
+            </a:r>
+            <a:r>
+              <a:rPr lang="fr-FR" sz="1000" dirty="0" err="1" smtClean="0"/>
+              <a:t>aspnetcore</a:t>
+            </a:r>
+            <a:endParaRPr lang="fr-FR" sz="1000" dirty="0"/>
+          </a:p>
+        </p:txBody>
+      </p:sp>
+      <p:sp>
+        <p:nvSpPr>
+          <p:cNvPr id="16" name="Rectangle à coins arrondis 15"/>
+          <p:cNvSpPr/>
+          <p:nvPr/>
+        </p:nvSpPr>
+        <p:spPr>
+          <a:xfrm>
+            <a:off x="3711809" y="4941168"/>
+            <a:ext cx="1440160" cy="360040"/>
+          </a:xfrm>
+          <a:prstGeom prst="roundRect">
+            <a:avLst/>
+          </a:prstGeom>
+        </p:spPr>
+        <p:style>
+          <a:lnRef idx="2">
+            <a:schemeClr val="accent1">
+              <a:shade val="50000"/>
+            </a:schemeClr>
+          </a:lnRef>
+          <a:fillRef idx="1">
+            <a:schemeClr val="accent1"/>
+          </a:fillRef>
+          <a:effectRef idx="0">
+            <a:schemeClr val="accent1"/>
+          </a:effectRef>
+          <a:fontRef idx="minor">
+            <a:schemeClr val="lt1"/>
+          </a:fontRef>
+        </p:style>
+        <p:txBody>
+          <a:bodyPr rtlCol="0" anchor="ctr"/>
+          <a:lstStyle/>
+          <a:p>
+            <a:pPr algn="ctr"/>
+            <a:r>
+              <a:rPr lang="fr-FR" sz="1000" dirty="0" err="1" smtClean="0"/>
+              <a:t>microsoft</a:t>
+            </a:r>
+            <a:r>
+              <a:rPr lang="fr-FR" sz="1000" dirty="0" smtClean="0"/>
+              <a:t>/</a:t>
+            </a:r>
+            <a:r>
+              <a:rPr lang="fr-FR" sz="1000" dirty="0" err="1" smtClean="0"/>
+              <a:t>dotnet</a:t>
+            </a:r>
+            <a:endParaRPr lang="fr-FR" sz="1000" dirty="0"/>
           </a:p>
         </p:txBody>
       </p:sp>
     </p:spTree>
     <p:extLst>
       <p:ext uri="{BB962C8B-B14F-4D97-AF65-F5344CB8AC3E}">
-        <p14:creationId xmlns:p14="http://schemas.microsoft.com/office/powerpoint/2010/main" val="4062880136"/>
+        <p14:creationId xmlns:p14="http://schemas.microsoft.com/office/powerpoint/2010/main" val="1344675733"/>
       </p:ext>
     </p:extLst>
   </p:cSld>
@@ -5923,9 +7345,9 @@
 </file>
 
 <file path=ppt/theme/theme1.xml><?xml version="1.0" encoding="utf-8"?>
-<a:theme xmlns:a="http://schemas.openxmlformats.org/drawingml/2006/main" name="Thème Office">
+<a:theme xmlns:a="http://schemas.openxmlformats.org/drawingml/2006/main" name="Débit">
   <a:themeElements>
-    <a:clrScheme name="Office">
+    <a:clrScheme name="Débit">
       <a:dk1>
         <a:sysClr val="windowText" lastClr="000000"/>
       </a:dk1>
@@ -5933,81 +7355,46 @@
         <a:sysClr val="window" lastClr="FFFFFF"/>
       </a:lt1>
       <a:dk2>
-        <a:srgbClr val="1F497D"/>
+        <a:srgbClr val="04617B"/>
       </a:dk2>
       <a:lt2>
-        <a:srgbClr val="EEECE1"/>
+        <a:srgbClr val="DBF5F9"/>
       </a:lt2>
       <a:accent1>
-        <a:srgbClr val="4F81BD"/>
+        <a:srgbClr val="0F6FC6"/>
       </a:accent1>
       <a:accent2>
-        <a:srgbClr val="C0504D"/>
+        <a:srgbClr val="009DD9"/>
       </a:accent2>
       <a:accent3>
-        <a:srgbClr val="9BBB59"/>
+        <a:srgbClr val="0BD0D9"/>
       </a:accent3>
       <a:accent4>
-        <a:srgbClr val="8064A2"/>
+        <a:srgbClr val="10CF9B"/>
       </a:accent4>
       <a:accent5>
-        <a:srgbClr val="4BACC6"/>
+        <a:srgbClr val="7CCA62"/>
       </a:accent5>
       <a:accent6>
-        <a:srgbClr val="F79646"/>
+        <a:srgbClr val="A5C249"/>
       </a:accent6>
       <a:hlink>
-        <a:srgbClr val="0000FF"/>
+        <a:srgbClr val="F49100"/>
       </a:hlink>
       <a:folHlink>
-        <a:srgbClr val="800080"/>
+        <a:srgbClr val="85DFD0"/>
       </a:folHlink>
     </a:clrScheme>
-    <a:fontScheme name="Office">
+    <a:fontScheme name="Débit">
       <a:majorFont>
         <a:latin typeface="Calibri"/>
         <a:ea typeface=""/>
         <a:cs typeface=""/>
         <a:font script="Jpan" typeface="ＭＳ Ｐゴシック"/>
-        <a:font script="Hang" typeface="맑은 고딕"/>
-        <a:font script="Hans" typeface="宋体"/>
-        <a:font script="Hant" typeface="新細明體"/>
-        <a:font script="Arab" typeface="Times New Roman"/>
-        <a:font script="Hebr" typeface="Times New Roman"/>
-        <a:font script="Thai" typeface="Angsana New"/>
-        <a:font script="Ethi" typeface="Nyala"/>
-        <a:font script="Beng" typeface="Vrinda"/>
-        <a:font script="Gujr" typeface="Shruti"/>
-        <a:font script="Khmr" typeface="MoolBoran"/>
-        <a:font script="Knda" typeface="Tunga"/>
-        <a:font script="Guru" typeface="Raavi"/>
-        <a:font script="Cans" typeface="Euphemia"/>
-        <a:font script="Cher" typeface="Plantagenet Cherokee"/>
-        <a:font script="Yiii" typeface="Microsoft Yi Baiti"/>
-        <a:font script="Tibt" typeface="Microsoft Himalaya"/>
-        <a:font script="Thaa" typeface="MV Boli"/>
-        <a:font script="Deva" typeface="Mangal"/>
-        <a:font script="Telu" typeface="Gautami"/>
-        <a:font script="Taml" typeface="Latha"/>
-        <a:font script="Syrc" typeface="Estrangelo Edessa"/>
-        <a:font script="Orya" typeface="Kalinga"/>
-        <a:font script="Mlym" typeface="Kartika"/>
-        <a:font script="Laoo" typeface="DokChampa"/>
-        <a:font script="Sinh" typeface="Iskoola Pota"/>
-        <a:font script="Mong" typeface="Mongolian Baiti"/>
-        <a:font script="Viet" typeface="Times New Roman"/>
-        <a:font script="Uigh" typeface="Microsoft Uighur"/>
-        <a:font script="Geor" typeface="Sylfaen"/>
-      </a:majorFont>
-      <a:minorFont>
-        <a:latin typeface="Calibri"/>
-        <a:ea typeface=""/>
-        <a:cs typeface=""/>
-        <a:font script="Jpan" typeface="ＭＳ Ｐゴシック"/>
-        <a:font script="Hang" typeface="맑은 고딕"/>
-        <a:font script="Hans" typeface="宋体"/>
-        <a:font script="Hant" typeface="新細明體"/>
-        <a:font script="Arab" typeface="Arial"/>
+        <a:font script="Hang" typeface="HY중고딕"/>
+        <a:font script="Hans" typeface="隶书"/>
+        <a:font script="Hant" typeface="微軟正黑體"/>
+        <a:font script="Arab" typeface="Traditional Arabic"/>
         <a:font script="Hebr" typeface="Arial"/>
         <a:font script="Thai" typeface="Cordia New"/>
         <a:font script="Ethi" typeface="Nyala"/>
@@ -6032,10 +7419,43 @@
         <a:font script="Mong" typeface="Mongolian Baiti"/>
         <a:font script="Viet" typeface="Arial"/>
         <a:font script="Uigh" typeface="Microsoft Uighur"/>
-        <a:font script="Geor" typeface="Sylfaen"/>
+      </a:majorFont>
+      <a:minorFont>
+        <a:latin typeface="Constantia"/>
+        <a:ea typeface=""/>
+        <a:cs typeface=""/>
+        <a:font script="Jpan" typeface="HGP明朝E"/>
+        <a:font script="Hang" typeface="HY신명조"/>
+        <a:font script="Hans" typeface="宋体"/>
+        <a:font script="Hant" typeface="新細明體"/>
+        <a:font script="Arab" typeface="Majalla UI"/>
+        <a:font script="Hebr" typeface="David"/>
+        <a:font script="Thai" typeface="Browallia New"/>
+        <a:font script="Ethi" typeface="Nyala"/>
+        <a:font script="Beng" typeface="Vrinda"/>
+        <a:font script="Gujr" typeface="Shruti"/>
+        <a:font script="Khmr" typeface="MoolBoran"/>
+        <a:font script="Knda" typeface="Tunga"/>
+        <a:font script="Guru" typeface="Raavi"/>
+        <a:font script="Cans" typeface="Euphemia"/>
+        <a:font script="Cher" typeface="Plantagenet Cherokee"/>
+        <a:font script="Yiii" typeface="Microsoft Yi Baiti"/>
+        <a:font script="Tibt" typeface="Microsoft Himalaya"/>
+        <a:font script="Thaa" typeface="MV Boli"/>
+        <a:font script="Deva" typeface="Mangal"/>
+        <a:font script="Telu" typeface="Gautami"/>
+        <a:font script="Taml" typeface="Latha"/>
+        <a:font script="Syrc" typeface="Estrangelo Edessa"/>
+        <a:font script="Orya" typeface="Kalinga"/>
+        <a:font script="Mlym" typeface="Kartika"/>
+        <a:font script="Laoo" typeface="DokChampa"/>
+        <a:font script="Sinh" typeface="Iskoola Pota"/>
+        <a:font script="Mong" typeface="Mongolian Baiti"/>
+        <a:font script="Viet" typeface="Times New Roman"/>
+        <a:font script="Uigh" typeface="Microsoft Uighur"/>
       </a:minorFont>
     </a:fontScheme>
-    <a:fmtScheme name="Office">
+    <a:fmtScheme name="Débit">
       <a:fillStyleLst>
         <a:solidFill>
           <a:schemeClr val="phClr"/>
@@ -6044,55 +7464,66 @@
           <a:gsLst>
             <a:gs pos="0">
               <a:schemeClr val="phClr">
-                <a:tint val="50000"/>
-                <a:satMod val="300000"/>
+                <a:tint val="70000"/>
+                <a:satMod val="130000"/>
               </a:schemeClr>
             </a:gs>
-            <a:gs pos="35000">
+            <a:gs pos="43000">
               <a:schemeClr val="phClr">
-                <a:tint val="37000"/>
-                <a:satMod val="300000"/>
+                <a:tint val="44000"/>
+                <a:satMod val="165000"/>
+              </a:schemeClr>
+            </a:gs>
+            <a:gs pos="93000">
+              <a:schemeClr val="phClr">
+                <a:tint val="15000"/>
+                <a:satMod val="165000"/>
               </a:schemeClr>
             </a:gs>
             <a:gs pos="100000">
               <a:schemeClr val="phClr">
-                <a:tint val="15000"/>
-                <a:satMod val="350000"/>
+                <a:tint val="5000"/>
+                <a:satMod val="250000"/>
               </a:schemeClr>
             </a:gs>
           </a:gsLst>
-          <a:lin ang="16200000" scaled="1"/>
+          <a:path path="circle">
+            <a:fillToRect l="50000" t="130000" r="50000" b="-30000"/>
+          </a:path>
         </a:gradFill>
         <a:gradFill rotWithShape="1">
           <a:gsLst>
             <a:gs pos="0">
               <a:schemeClr val="phClr">
-                <a:shade val="51000"/>
-                <a:satMod val="130000"/>
+                <a:tint val="98000"/>
+                <a:shade val="25000"/>
+                <a:satMod val="250000"/>
               </a:schemeClr>
             </a:gs>
-            <a:gs pos="80000">
+            <a:gs pos="68000">
               <a:schemeClr val="phClr">
-                <a:shade val="93000"/>
-                <a:satMod val="130000"/>
+                <a:tint val="86000"/>
+                <a:satMod val="115000"/>
               </a:schemeClr>
             </a:gs>
             <a:gs pos="100000">
               <a:schemeClr val="phClr">
-                <a:shade val="94000"/>
-                <a:satMod val="135000"/>
+                <a:tint val="50000"/>
+                <a:satMod val="150000"/>
               </a:schemeClr>
             </a:gs>
           </a:gsLst>
-          <a:lin ang="16200000" scaled="0"/>
+          <a:path path="circle">
+            <a:fillToRect l="50000" t="130000" r="50000" b="-30000"/>
+          </a:path>
         </a:gradFill>
       </a:fillStyleLst>
       <a:lnStyleLst>
         <a:ln w="9525" cap="flat" cmpd="sng" algn="ctr">
           <a:solidFill>
             <a:schemeClr val="phClr">
-              <a:shade val="95000"/>
-              <a:satMod val="105000"/>
+              <a:shade val="50000"/>
+              <a:satMod val="103000"/>
             </a:schemeClr>
           </a:solidFill>
           <a:prstDash val="solid"/>
@@ -6113,40 +7544,46 @@
       <a:effectStyleLst>
         <a:effectStyle>
           <a:effectLst>
-            <a:outerShdw blurRad="40000" dist="20000" dir="5400000" rotWithShape="0">
-              <a:srgbClr val="000000">
-                <a:alpha val="38000"/>
-              </a:srgbClr>
+            <a:outerShdw blurRad="57150" dist="38100" dir="5400000" algn="ctr" rotWithShape="0">
+              <a:schemeClr val="phClr">
+                <a:shade val="9000"/>
+                <a:alpha val="48000"/>
+                <a:satMod val="105000"/>
+              </a:schemeClr>
             </a:outerShdw>
           </a:effectLst>
         </a:effectStyle>
         <a:effectStyle>
           <a:effectLst>
-            <a:outerShdw blurRad="40000" dist="23000" dir="5400000" rotWithShape="0">
-              <a:srgbClr val="000000">
-                <a:alpha val="35000"/>
-              </a:srgbClr>
+            <a:outerShdw blurRad="57150" dist="38100" dir="5400000" algn="ctr" rotWithShape="0">
+              <a:schemeClr val="phClr">
+                <a:shade val="9000"/>
+                <a:alpha val="48000"/>
+                <a:satMod val="105000"/>
+              </a:schemeClr>
             </a:outerShdw>
           </a:effectLst>
         </a:effectStyle>
         <a:effectStyle>
           <a:effectLst>
-            <a:outerShdw blurRad="40000" dist="23000" dir="5400000" rotWithShape="0">
-              <a:srgbClr val="000000">
-                <a:alpha val="35000"/>
-              </a:srgbClr>
+            <a:outerShdw blurRad="57150" dist="38100" dir="5400000" algn="ctr" rotWithShape="0">
+              <a:schemeClr val="phClr">
+                <a:shade val="9000"/>
+                <a:alpha val="48000"/>
+                <a:satMod val="105000"/>
+              </a:schemeClr>
             </a:outerShdw>
           </a:effectLst>
           <a:scene3d>
             <a:camera prst="orthographicFront">
               <a:rot lat="0" lon="0" rev="0"/>
             </a:camera>
-            <a:lightRig rig="threePt" dir="t">
-              <a:rot lat="0" lon="0" rev="1200000"/>
+            <a:lightRig rig="glow" dir="tl">
+              <a:rot lat="0" lon="0" rev="900000"/>
             </a:lightRig>
           </a:scene3d>
-          <a:sp3d>
-            <a:bevelT w="63500" h="25400"/>
+          <a:sp3d prstMaterial="powder">
+            <a:bevelT w="25400" h="38100"/>
           </a:sp3d>
         </a:effectStyle>
       </a:effectStyleLst>
@@ -6158,47 +7595,42 @@
           <a:gsLst>
             <a:gs pos="0">
               <a:schemeClr val="phClr">
-                <a:tint val="40000"/>
-                <a:satMod val="350000"/>
+                <a:tint val="80000"/>
+                <a:satMod val="400000"/>
               </a:schemeClr>
             </a:gs>
-            <a:gs pos="40000">
+            <a:gs pos="25000">
               <a:schemeClr val="phClr">
-                <a:tint val="45000"/>
-                <a:shade val="99000"/>
-                <a:satMod val="350000"/>
+                <a:tint val="83000"/>
+                <a:satMod val="320000"/>
               </a:schemeClr>
             </a:gs>
             <a:gs pos="100000">
               <a:schemeClr val="phClr">
-                <a:shade val="20000"/>
-                <a:satMod val="255000"/>
+                <a:shade val="15000"/>
+                <a:satMod val="320000"/>
               </a:schemeClr>
             </a:gs>
           </a:gsLst>
           <a:path path="circle">
-            <a:fillToRect l="50000" t="-80000" r="50000" b="180000"/>
+            <a:fillToRect l="10000" t="110000" r="10000" b="100000"/>
           </a:path>
         </a:gradFill>
-        <a:gradFill rotWithShape="1">
-          <a:gsLst>
-            <a:gs pos="0">
+        <a:blipFill>
+          <a:blip xmlns:r="http://schemas.openxmlformats.org/officeDocument/2006/relationships" r:embed="rId1">
+            <a:duotone>
               <a:schemeClr val="phClr">
-                <a:tint val="80000"/>
-                <a:satMod val="300000"/>
+                <a:shade val="90000"/>
+                <a:satMod val="150000"/>
               </a:schemeClr>
-            </a:gs>
-            <a:gs pos="100000">
               <a:schemeClr val="phClr">
-                <a:shade val="30000"/>
-                <a:satMod val="200000"/>
+                <a:tint val="88000"/>
+                <a:satMod val="150000"/>
               </a:schemeClr>
-            </a:gs>
-          </a:gsLst>
-          <a:path path="circle">
-            <a:fillToRect l="50000" t="50000" r="50000" b="50000"/>
-          </a:path>
-        </a:gradFill>
+            </a:duotone>
+          </a:blip>
+          <a:tile tx="0" ty="0" sx="65000" sy="65000" flip="none" algn="tl"/>
+        </a:blipFill>
       </a:bgFillStyleLst>
     </a:fmtScheme>
   </a:themeElements>

--- a/Documentation/Container Architecture.pptx
+++ b/Documentation/Container Architecture.pptx
@@ -12,16 +12,17 @@
     <p:sldId id="272" r:id="rId6"/>
     <p:sldId id="271" r:id="rId7"/>
     <p:sldId id="257" r:id="rId8"/>
-    <p:sldId id="258" r:id="rId9"/>
-    <p:sldId id="256" r:id="rId10"/>
-    <p:sldId id="263" r:id="rId11"/>
-    <p:sldId id="264" r:id="rId12"/>
-    <p:sldId id="265" r:id="rId13"/>
-    <p:sldId id="262" r:id="rId14"/>
-    <p:sldId id="261" r:id="rId15"/>
-    <p:sldId id="260" r:id="rId16"/>
-    <p:sldId id="266" r:id="rId17"/>
-    <p:sldId id="259" r:id="rId18"/>
+    <p:sldId id="273" r:id="rId9"/>
+    <p:sldId id="258" r:id="rId10"/>
+    <p:sldId id="256" r:id="rId11"/>
+    <p:sldId id="263" r:id="rId12"/>
+    <p:sldId id="264" r:id="rId13"/>
+    <p:sldId id="265" r:id="rId14"/>
+    <p:sldId id="262" r:id="rId15"/>
+    <p:sldId id="261" r:id="rId16"/>
+    <p:sldId id="260" r:id="rId17"/>
+    <p:sldId id="266" r:id="rId18"/>
+    <p:sldId id="259" r:id="rId19"/>
   </p:sldIdLst>
   <p:sldSz cx="9144000" cy="6858000" type="screen4x3"/>
   <p:notesSz cx="6858000" cy="9144000"/>
@@ -296,7 +297,7 @@
           <a:p>
             <a:fld id="{4F38D3F6-E48F-4950-AC1B-79C88B17E831}" type="datetimeFigureOut">
               <a:rPr lang="fr-FR" smtClean="0"/>
-              <a:t>04/12/2017</a:t>
+              <a:t>07/12/2017</a:t>
             </a:fld>
             <a:endParaRPr lang="fr-FR"/>
           </a:p>
@@ -443,7 +444,7 @@
           <a:p>
             <a:fld id="{4F38D3F6-E48F-4950-AC1B-79C88B17E831}" type="datetimeFigureOut">
               <a:rPr lang="fr-FR" smtClean="0"/>
-              <a:t>04/12/2017</a:t>
+              <a:t>07/12/2017</a:t>
             </a:fld>
             <a:endParaRPr lang="fr-FR"/>
           </a:p>
@@ -674,7 +675,7 @@
           <a:p>
             <a:fld id="{4F38D3F6-E48F-4950-AC1B-79C88B17E831}" type="datetimeFigureOut">
               <a:rPr lang="fr-FR" smtClean="0"/>
-              <a:t>04/12/2017</a:t>
+              <a:t>07/12/2017</a:t>
             </a:fld>
             <a:endParaRPr lang="fr-FR"/>
           </a:p>
@@ -855,7 +856,7 @@
           <a:p>
             <a:fld id="{4F38D3F6-E48F-4950-AC1B-79C88B17E831}" type="datetimeFigureOut">
               <a:rPr lang="fr-FR" smtClean="0"/>
-              <a:t>04/12/2017</a:t>
+              <a:t>07/12/2017</a:t>
             </a:fld>
             <a:endParaRPr lang="fr-FR"/>
           </a:p>
@@ -1097,7 +1098,7 @@
           <a:p>
             <a:fld id="{4F38D3F6-E48F-4950-AC1B-79C88B17E831}" type="datetimeFigureOut">
               <a:rPr lang="fr-FR" smtClean="0"/>
-              <a:t>04/12/2017</a:t>
+              <a:t>07/12/2017</a:t>
             </a:fld>
             <a:endParaRPr lang="fr-FR"/>
           </a:p>
@@ -1333,7 +1334,7 @@
           <a:p>
             <a:fld id="{4F38D3F6-E48F-4950-AC1B-79C88B17E831}" type="datetimeFigureOut">
               <a:rPr lang="fr-FR" smtClean="0"/>
-              <a:t>04/12/2017</a:t>
+              <a:t>07/12/2017</a:t>
             </a:fld>
             <a:endParaRPr lang="fr-FR"/>
           </a:p>
@@ -1729,7 +1730,7 @@
           <a:p>
             <a:fld id="{4F38D3F6-E48F-4950-AC1B-79C88B17E831}" type="datetimeFigureOut">
               <a:rPr lang="fr-FR" smtClean="0"/>
-              <a:t>04/12/2017</a:t>
+              <a:t>07/12/2017</a:t>
             </a:fld>
             <a:endParaRPr lang="fr-FR"/>
           </a:p>
@@ -1869,7 +1870,7 @@
           <a:p>
             <a:fld id="{4F38D3F6-E48F-4950-AC1B-79C88B17E831}" type="datetimeFigureOut">
               <a:rPr lang="fr-FR" smtClean="0"/>
-              <a:t>04/12/2017</a:t>
+              <a:t>07/12/2017</a:t>
             </a:fld>
             <a:endParaRPr lang="fr-FR"/>
           </a:p>
@@ -2009,7 +2010,7 @@
           <a:p>
             <a:fld id="{4F38D3F6-E48F-4950-AC1B-79C88B17E831}" type="datetimeFigureOut">
               <a:rPr lang="fr-FR" smtClean="0"/>
-              <a:t>04/12/2017</a:t>
+              <a:t>07/12/2017</a:t>
             </a:fld>
             <a:endParaRPr lang="fr-FR"/>
           </a:p>
@@ -2221,7 +2222,7 @@
           <a:p>
             <a:fld id="{4F38D3F6-E48F-4950-AC1B-79C88B17E831}" type="datetimeFigureOut">
               <a:rPr lang="fr-FR" smtClean="0"/>
-              <a:t>04/12/2017</a:t>
+              <a:t>07/12/2017</a:t>
             </a:fld>
             <a:endParaRPr lang="fr-FR"/>
           </a:p>
@@ -2559,7 +2560,7 @@
           <a:p>
             <a:fld id="{4F38D3F6-E48F-4950-AC1B-79C88B17E831}" type="datetimeFigureOut">
               <a:rPr lang="fr-FR" smtClean="0"/>
-              <a:t>04/12/2017</a:t>
+              <a:t>07/12/2017</a:t>
             </a:fld>
             <a:endParaRPr lang="fr-FR"/>
           </a:p>
@@ -3330,7 +3331,7 @@
           <a:p>
             <a:fld id="{4F38D3F6-E48F-4950-AC1B-79C88B17E831}" type="datetimeFigureOut">
               <a:rPr lang="fr-FR" smtClean="0"/>
-              <a:t>04/12/2017</a:t>
+              <a:t>07/12/2017</a:t>
             </a:fld>
             <a:endParaRPr lang="fr-FR"/>
           </a:p>
@@ -3812,6 +3813,529 @@
       </p:grpSpPr>
       <p:sp>
         <p:nvSpPr>
+          <p:cNvPr id="4" name="Rectangle à coins arrondis 3"/>
+          <p:cNvSpPr/>
+          <p:nvPr/>
+        </p:nvSpPr>
+        <p:spPr>
+          <a:xfrm>
+            <a:off x="1551656" y="5599370"/>
+            <a:ext cx="1440160" cy="360040"/>
+          </a:xfrm>
+          <a:prstGeom prst="roundRect">
+            <a:avLst/>
+          </a:prstGeom>
+        </p:spPr>
+        <p:style>
+          <a:lnRef idx="2">
+            <a:schemeClr val="accent1">
+              <a:shade val="50000"/>
+            </a:schemeClr>
+          </a:lnRef>
+          <a:fillRef idx="1">
+            <a:schemeClr val="accent1"/>
+          </a:fillRef>
+          <a:effectRef idx="0">
+            <a:schemeClr val="accent1"/>
+          </a:effectRef>
+          <a:fontRef idx="minor">
+            <a:schemeClr val="lt1"/>
+          </a:fontRef>
+        </p:style>
+        <p:txBody>
+          <a:bodyPr rtlCol="0" anchor="ctr"/>
+          <a:lstStyle/>
+          <a:p>
+            <a:pPr algn="ctr"/>
+            <a:r>
+              <a:rPr lang="fr-FR" sz="1000" dirty="0" err="1" smtClean="0"/>
+              <a:t>microsoft</a:t>
+            </a:r>
+            <a:r>
+              <a:rPr lang="fr-FR" sz="1000" dirty="0" smtClean="0"/>
+              <a:t>/</a:t>
+            </a:r>
+            <a:r>
+              <a:rPr lang="fr-FR" sz="1000" dirty="0" err="1" smtClean="0"/>
+              <a:t>windowsservercore</a:t>
+            </a:r>
+            <a:endParaRPr lang="fr-FR" sz="1000" dirty="0"/>
+          </a:p>
+        </p:txBody>
+      </p:sp>
+      <p:sp>
+        <p:nvSpPr>
+          <p:cNvPr id="5" name="Rectangle à coins arrondis 4"/>
+          <p:cNvSpPr/>
+          <p:nvPr/>
+        </p:nvSpPr>
+        <p:spPr>
+          <a:xfrm>
+            <a:off x="7164288" y="4869160"/>
+            <a:ext cx="1440160" cy="360040"/>
+          </a:xfrm>
+          <a:prstGeom prst="roundRect">
+            <a:avLst/>
+          </a:prstGeom>
+        </p:spPr>
+        <p:style>
+          <a:lnRef idx="2">
+            <a:schemeClr val="accent1">
+              <a:shade val="50000"/>
+            </a:schemeClr>
+          </a:lnRef>
+          <a:fillRef idx="1">
+            <a:schemeClr val="accent1"/>
+          </a:fillRef>
+          <a:effectRef idx="0">
+            <a:schemeClr val="accent1"/>
+          </a:effectRef>
+          <a:fontRef idx="minor">
+            <a:schemeClr val="lt1"/>
+          </a:fontRef>
+        </p:style>
+        <p:txBody>
+          <a:bodyPr rtlCol="0" anchor="ctr"/>
+          <a:lstStyle/>
+          <a:p>
+            <a:pPr algn="ctr"/>
+            <a:r>
+              <a:rPr lang="fr-FR" sz="1000" dirty="0" smtClean="0"/>
+              <a:t>Linux RHEL</a:t>
+            </a:r>
+            <a:endParaRPr lang="fr-FR" sz="1000" dirty="0"/>
+          </a:p>
+        </p:txBody>
+      </p:sp>
+      <p:sp>
+        <p:nvSpPr>
+          <p:cNvPr id="6" name="Rectangle à coins arrondis 5"/>
+          <p:cNvSpPr/>
+          <p:nvPr/>
+        </p:nvSpPr>
+        <p:spPr>
+          <a:xfrm>
+            <a:off x="1714779" y="2096852"/>
+            <a:ext cx="1440160" cy="360040"/>
+          </a:xfrm>
+          <a:prstGeom prst="roundRect">
+            <a:avLst/>
+          </a:prstGeom>
+        </p:spPr>
+        <p:style>
+          <a:lnRef idx="2">
+            <a:schemeClr val="accent1">
+              <a:shade val="50000"/>
+            </a:schemeClr>
+          </a:lnRef>
+          <a:fillRef idx="1">
+            <a:schemeClr val="accent1"/>
+          </a:fillRef>
+          <a:effectRef idx="0">
+            <a:schemeClr val="accent1"/>
+          </a:effectRef>
+          <a:fontRef idx="minor">
+            <a:schemeClr val="lt1"/>
+          </a:fontRef>
+        </p:style>
+        <p:txBody>
+          <a:bodyPr rtlCol="0" anchor="ctr"/>
+          <a:lstStyle/>
+          <a:p>
+            <a:pPr algn="ctr"/>
+            <a:r>
+              <a:rPr lang="fr-FR" sz="1200" dirty="0" smtClean="0"/>
+              <a:t>Enterprise image:</a:t>
+            </a:r>
+          </a:p>
+          <a:p>
+            <a:pPr algn="ctr"/>
+            <a:r>
+              <a:rPr lang="fr-FR" sz="1200" dirty="0" smtClean="0"/>
+              <a:t>Windows 2016</a:t>
+            </a:r>
+            <a:endParaRPr lang="fr-FR" sz="1200" dirty="0"/>
+          </a:p>
+        </p:txBody>
+      </p:sp>
+      <p:cxnSp>
+        <p:nvCxnSpPr>
+          <p:cNvPr id="9" name="Connecteur droit 8"/>
+          <p:cNvCxnSpPr/>
+          <p:nvPr/>
+        </p:nvCxnSpPr>
+        <p:spPr>
+          <a:xfrm>
+            <a:off x="107504" y="3140968"/>
+            <a:ext cx="8784976" cy="0"/>
+          </a:xfrm>
+          <a:prstGeom prst="line">
+            <a:avLst/>
+          </a:prstGeom>
+        </p:spPr>
+        <p:style>
+          <a:lnRef idx="1">
+            <a:schemeClr val="accent1"/>
+          </a:lnRef>
+          <a:fillRef idx="0">
+            <a:schemeClr val="accent1"/>
+          </a:fillRef>
+          <a:effectRef idx="0">
+            <a:schemeClr val="accent1"/>
+          </a:effectRef>
+          <a:fontRef idx="minor">
+            <a:schemeClr val="tx1"/>
+          </a:fontRef>
+        </p:style>
+      </p:cxnSp>
+      <p:sp>
+        <p:nvSpPr>
+          <p:cNvPr id="10" name="ZoneTexte 9"/>
+          <p:cNvSpPr txBox="1"/>
+          <p:nvPr/>
+        </p:nvSpPr>
+        <p:spPr>
+          <a:xfrm>
+            <a:off x="120483" y="3161566"/>
+            <a:ext cx="1257652" cy="369332"/>
+          </a:xfrm>
+          <a:prstGeom prst="rect">
+            <a:avLst/>
+          </a:prstGeom>
+          <a:noFill/>
+        </p:spPr>
+        <p:txBody>
+          <a:bodyPr wrap="none" rtlCol="0">
+            <a:spAutoFit/>
+          </a:bodyPr>
+          <a:lstStyle/>
+          <a:p>
+            <a:r>
+              <a:rPr lang="fr-FR" dirty="0" smtClean="0"/>
+              <a:t>Docker hub</a:t>
+            </a:r>
+            <a:endParaRPr lang="fr-FR" dirty="0"/>
+          </a:p>
+        </p:txBody>
+      </p:sp>
+      <p:sp>
+        <p:nvSpPr>
+          <p:cNvPr id="11" name="ZoneTexte 10"/>
+          <p:cNvSpPr txBox="1"/>
+          <p:nvPr/>
+        </p:nvSpPr>
+        <p:spPr>
+          <a:xfrm>
+            <a:off x="145996" y="2708920"/>
+            <a:ext cx="1565044" cy="369332"/>
+          </a:xfrm>
+          <a:prstGeom prst="rect">
+            <a:avLst/>
+          </a:prstGeom>
+          <a:noFill/>
+        </p:spPr>
+        <p:txBody>
+          <a:bodyPr wrap="none" rtlCol="0">
+            <a:spAutoFit/>
+          </a:bodyPr>
+          <a:lstStyle/>
+          <a:p>
+            <a:r>
+              <a:rPr lang="fr-FR" dirty="0" smtClean="0"/>
+              <a:t>Enterprise hub</a:t>
+            </a:r>
+            <a:endParaRPr lang="fr-FR" dirty="0"/>
+          </a:p>
+        </p:txBody>
+      </p:sp>
+      <p:sp>
+        <p:nvSpPr>
+          <p:cNvPr id="12" name="Rectangle à coins arrondis 11"/>
+          <p:cNvSpPr/>
+          <p:nvPr/>
+        </p:nvSpPr>
+        <p:spPr>
+          <a:xfrm>
+            <a:off x="3711809" y="5589240"/>
+            <a:ext cx="1440160" cy="360040"/>
+          </a:xfrm>
+          <a:prstGeom prst="roundRect">
+            <a:avLst/>
+          </a:prstGeom>
+        </p:spPr>
+        <p:style>
+          <a:lnRef idx="2">
+            <a:schemeClr val="accent1">
+              <a:shade val="50000"/>
+            </a:schemeClr>
+          </a:lnRef>
+          <a:fillRef idx="1">
+            <a:schemeClr val="accent1"/>
+          </a:fillRef>
+          <a:effectRef idx="0">
+            <a:schemeClr val="accent1"/>
+          </a:effectRef>
+          <a:fontRef idx="minor">
+            <a:schemeClr val="lt1"/>
+          </a:fontRef>
+        </p:style>
+        <p:txBody>
+          <a:bodyPr rtlCol="0" anchor="ctr"/>
+          <a:lstStyle/>
+          <a:p>
+            <a:pPr algn="ctr"/>
+            <a:r>
+              <a:rPr lang="fr-FR" sz="1000" dirty="0" smtClean="0"/>
+              <a:t>Windows 2016 </a:t>
+            </a:r>
+            <a:r>
+              <a:rPr lang="fr-FR" sz="1000" dirty="0" err="1" smtClean="0"/>
+              <a:t>nanoserver</a:t>
+            </a:r>
+            <a:endParaRPr lang="fr-FR" sz="1000" dirty="0"/>
+          </a:p>
+        </p:txBody>
+      </p:sp>
+      <p:sp>
+        <p:nvSpPr>
+          <p:cNvPr id="13" name="Rectangle à coins arrondis 12"/>
+          <p:cNvSpPr/>
+          <p:nvPr/>
+        </p:nvSpPr>
+        <p:spPr>
+          <a:xfrm>
+            <a:off x="1551656" y="4941168"/>
+            <a:ext cx="1440160" cy="360040"/>
+          </a:xfrm>
+          <a:prstGeom prst="roundRect">
+            <a:avLst/>
+          </a:prstGeom>
+        </p:spPr>
+        <p:style>
+          <a:lnRef idx="2">
+            <a:schemeClr val="accent1">
+              <a:shade val="50000"/>
+            </a:schemeClr>
+          </a:lnRef>
+          <a:fillRef idx="1">
+            <a:schemeClr val="accent1"/>
+          </a:fillRef>
+          <a:effectRef idx="0">
+            <a:schemeClr val="accent1"/>
+          </a:effectRef>
+          <a:fontRef idx="minor">
+            <a:schemeClr val="lt1"/>
+          </a:fontRef>
+        </p:style>
+        <p:txBody>
+          <a:bodyPr rtlCol="0" anchor="ctr"/>
+          <a:lstStyle/>
+          <a:p>
+            <a:pPr algn="ctr"/>
+            <a:r>
+              <a:rPr lang="fr-FR" sz="1000" dirty="0" err="1"/>
+              <a:t>microsoft</a:t>
+            </a:r>
+            <a:r>
+              <a:rPr lang="fr-FR" sz="1000" dirty="0"/>
+              <a:t>/</a:t>
+            </a:r>
+            <a:r>
+              <a:rPr lang="fr-FR" sz="1000" dirty="0" err="1"/>
+              <a:t>dotnet-framework</a:t>
+            </a:r>
+            <a:endParaRPr lang="fr-FR" sz="1000" dirty="0"/>
+          </a:p>
+        </p:txBody>
+      </p:sp>
+      <p:sp>
+        <p:nvSpPr>
+          <p:cNvPr id="14" name="Rectangle à coins arrondis 13"/>
+          <p:cNvSpPr/>
+          <p:nvPr/>
+        </p:nvSpPr>
+        <p:spPr>
+          <a:xfrm>
+            <a:off x="1547664" y="4221088"/>
+            <a:ext cx="1440160" cy="360040"/>
+          </a:xfrm>
+          <a:prstGeom prst="roundRect">
+            <a:avLst/>
+          </a:prstGeom>
+        </p:spPr>
+        <p:style>
+          <a:lnRef idx="2">
+            <a:schemeClr val="accent1">
+              <a:shade val="50000"/>
+            </a:schemeClr>
+          </a:lnRef>
+          <a:fillRef idx="1">
+            <a:schemeClr val="accent1"/>
+          </a:fillRef>
+          <a:effectRef idx="0">
+            <a:schemeClr val="accent1"/>
+          </a:effectRef>
+          <a:fontRef idx="minor">
+            <a:schemeClr val="lt1"/>
+          </a:fontRef>
+        </p:style>
+        <p:txBody>
+          <a:bodyPr rtlCol="0" anchor="ctr"/>
+          <a:lstStyle/>
+          <a:p>
+            <a:pPr algn="ctr"/>
+            <a:r>
+              <a:rPr lang="fr-FR" sz="1000" dirty="0" err="1" smtClean="0"/>
+              <a:t>microsoft</a:t>
+            </a:r>
+            <a:r>
+              <a:rPr lang="fr-FR" sz="1000" dirty="0" smtClean="0"/>
+              <a:t>/</a:t>
+            </a:r>
+            <a:r>
+              <a:rPr lang="fr-FR" sz="1000" dirty="0" err="1" smtClean="0"/>
+              <a:t>aspnet</a:t>
+            </a:r>
+            <a:endParaRPr lang="fr-FR" sz="1000" dirty="0"/>
+          </a:p>
+        </p:txBody>
+      </p:sp>
+      <p:sp>
+        <p:nvSpPr>
+          <p:cNvPr id="15" name="Rectangle à coins arrondis 14"/>
+          <p:cNvSpPr/>
+          <p:nvPr/>
+        </p:nvSpPr>
+        <p:spPr>
+          <a:xfrm>
+            <a:off x="3707904" y="4241645"/>
+            <a:ext cx="1440160" cy="360040"/>
+          </a:xfrm>
+          <a:prstGeom prst="roundRect">
+            <a:avLst/>
+          </a:prstGeom>
+        </p:spPr>
+        <p:style>
+          <a:lnRef idx="2">
+            <a:schemeClr val="accent1">
+              <a:shade val="50000"/>
+            </a:schemeClr>
+          </a:lnRef>
+          <a:fillRef idx="1">
+            <a:schemeClr val="accent1"/>
+          </a:fillRef>
+          <a:effectRef idx="0">
+            <a:schemeClr val="accent1"/>
+          </a:effectRef>
+          <a:fontRef idx="minor">
+            <a:schemeClr val="lt1"/>
+          </a:fontRef>
+        </p:style>
+        <p:txBody>
+          <a:bodyPr rtlCol="0" anchor="ctr"/>
+          <a:lstStyle/>
+          <a:p>
+            <a:pPr algn="ctr"/>
+            <a:r>
+              <a:rPr lang="fr-FR" sz="1000" dirty="0" err="1" smtClean="0"/>
+              <a:t>microsoft</a:t>
+            </a:r>
+            <a:r>
+              <a:rPr lang="fr-FR" sz="1000" dirty="0" smtClean="0"/>
+              <a:t>/</a:t>
+            </a:r>
+            <a:r>
+              <a:rPr lang="fr-FR" sz="1000" dirty="0" err="1" smtClean="0"/>
+              <a:t>aspnetcore</a:t>
+            </a:r>
+            <a:endParaRPr lang="fr-FR" sz="1000" dirty="0"/>
+          </a:p>
+        </p:txBody>
+      </p:sp>
+      <p:sp>
+        <p:nvSpPr>
+          <p:cNvPr id="16" name="Rectangle à coins arrondis 15"/>
+          <p:cNvSpPr/>
+          <p:nvPr/>
+        </p:nvSpPr>
+        <p:spPr>
+          <a:xfrm>
+            <a:off x="3711809" y="4941168"/>
+            <a:ext cx="1440160" cy="360040"/>
+          </a:xfrm>
+          <a:prstGeom prst="roundRect">
+            <a:avLst/>
+          </a:prstGeom>
+        </p:spPr>
+        <p:style>
+          <a:lnRef idx="2">
+            <a:schemeClr val="accent1">
+              <a:shade val="50000"/>
+            </a:schemeClr>
+          </a:lnRef>
+          <a:fillRef idx="1">
+            <a:schemeClr val="accent1"/>
+          </a:fillRef>
+          <a:effectRef idx="0">
+            <a:schemeClr val="accent1"/>
+          </a:effectRef>
+          <a:fontRef idx="minor">
+            <a:schemeClr val="lt1"/>
+          </a:fontRef>
+        </p:style>
+        <p:txBody>
+          <a:bodyPr rtlCol="0" anchor="ctr"/>
+          <a:lstStyle/>
+          <a:p>
+            <a:pPr algn="ctr"/>
+            <a:r>
+              <a:rPr lang="fr-FR" sz="1000" dirty="0" err="1" smtClean="0"/>
+              <a:t>microsoft</a:t>
+            </a:r>
+            <a:r>
+              <a:rPr lang="fr-FR" sz="1000" dirty="0" smtClean="0"/>
+              <a:t>/</a:t>
+            </a:r>
+            <a:r>
+              <a:rPr lang="fr-FR" sz="1000" dirty="0" err="1" smtClean="0"/>
+              <a:t>dotnet</a:t>
+            </a:r>
+            <a:endParaRPr lang="fr-FR" sz="1000" dirty="0"/>
+          </a:p>
+        </p:txBody>
+      </p:sp>
+    </p:spTree>
+    <p:extLst>
+      <p:ext uri="{BB962C8B-B14F-4D97-AF65-F5344CB8AC3E}">
+        <p14:creationId xmlns:p14="http://schemas.microsoft.com/office/powerpoint/2010/main" val="1344675733"/>
+      </p:ext>
+    </p:extLst>
+  </p:cSld>
+  <p:clrMapOvr>
+    <a:masterClrMapping/>
+  </p:clrMapOvr>
+</p:sld>
+</file>
+
+<file path=ppt/slides/slide11.xml><?xml version="1.0" encoding="utf-8"?>
+<p:sld xmlns:a="http://schemas.openxmlformats.org/drawingml/2006/main" xmlns:r="http://schemas.openxmlformats.org/officeDocument/2006/relationships" xmlns:p="http://schemas.openxmlformats.org/presentationml/2006/main">
+  <p:cSld>
+    <p:spTree>
+      <p:nvGrpSpPr>
+        <p:cNvPr id="1" name=""/>
+        <p:cNvGrpSpPr/>
+        <p:nvPr/>
+      </p:nvGrpSpPr>
+      <p:grpSpPr>
+        <a:xfrm>
+          <a:off x="0" y="0"/>
+          <a:ext cx="0" cy="0"/>
+          <a:chOff x="0" y="0"/>
+          <a:chExt cx="0" cy="0"/>
+        </a:xfrm>
+      </p:grpSpPr>
+      <p:sp>
+        <p:nvSpPr>
           <p:cNvPr id="2" name="Titre 1"/>
           <p:cNvSpPr>
             <a:spLocks noGrp="1"/>
@@ -4074,7 +4598,7 @@
 </p:sld>
 </file>
 
-<file path=ppt/slides/slide11.xml><?xml version="1.0" encoding="utf-8"?>
+<file path=ppt/slides/slide12.xml><?xml version="1.0" encoding="utf-8"?>
 <p:sld xmlns:a="http://schemas.openxmlformats.org/drawingml/2006/main" xmlns:r="http://schemas.openxmlformats.org/officeDocument/2006/relationships" xmlns:p="http://schemas.openxmlformats.org/presentationml/2006/main">
   <p:cSld>
     <p:spTree>
@@ -4305,237 +4829,6 @@
 </p:sld>
 </file>
 
-<file path=ppt/slides/slide12.xml><?xml version="1.0" encoding="utf-8"?>
-<p:sld xmlns:a="http://schemas.openxmlformats.org/drawingml/2006/main" xmlns:r="http://schemas.openxmlformats.org/officeDocument/2006/relationships" xmlns:p="http://schemas.openxmlformats.org/presentationml/2006/main">
-  <p:cSld>
-    <p:spTree>
-      <p:nvGrpSpPr>
-        <p:cNvPr id="1" name=""/>
-        <p:cNvGrpSpPr/>
-        <p:nvPr/>
-      </p:nvGrpSpPr>
-      <p:grpSpPr>
-        <a:xfrm>
-          <a:off x="0" y="0"/>
-          <a:ext cx="0" cy="0"/>
-          <a:chOff x="0" y="0"/>
-          <a:chExt cx="0" cy="0"/>
-        </a:xfrm>
-      </p:grpSpPr>
-      <p:sp>
-        <p:nvSpPr>
-          <p:cNvPr id="2" name="Titre 1"/>
-          <p:cNvSpPr>
-            <a:spLocks noGrp="1"/>
-          </p:cNvSpPr>
-          <p:nvPr>
-            <p:ph type="title"/>
-          </p:nvPr>
-        </p:nvSpPr>
-        <p:spPr>
-          <a:xfrm>
-            <a:off x="457200" y="274638"/>
-            <a:ext cx="8229600" cy="490066"/>
-          </a:xfrm>
-        </p:spPr>
-        <p:txBody>
-          <a:bodyPr>
-            <a:normAutofit/>
-          </a:bodyPr>
-          <a:lstStyle/>
-          <a:p>
-            <a:r>
-              <a:rPr lang="en-GB" sz="2400" b="1" dirty="0" smtClean="0"/>
-              <a:t>Docker : Uses cases</a:t>
-            </a:r>
-            <a:endParaRPr lang="en-GB" sz="2400" b="1" dirty="0"/>
-          </a:p>
-        </p:txBody>
-      </p:sp>
-      <p:sp>
-        <p:nvSpPr>
-          <p:cNvPr id="3" name="Espace réservé du contenu 2"/>
-          <p:cNvSpPr>
-            <a:spLocks noGrp="1"/>
-          </p:cNvSpPr>
-          <p:nvPr>
-            <p:ph idx="1"/>
-          </p:nvPr>
-        </p:nvSpPr>
-        <p:spPr>
-          <a:xfrm>
-            <a:off x="457200" y="980728"/>
-            <a:ext cx="8229600" cy="5145435"/>
-          </a:xfrm>
-        </p:spPr>
-        <p:txBody>
-          <a:bodyPr>
-            <a:normAutofit fontScale="62500" lnSpcReduction="20000"/>
-          </a:bodyPr>
-          <a:lstStyle/>
-          <a:p>
-            <a:r>
-              <a:rPr lang="en-US" b="1" dirty="0"/>
-              <a:t>Table of Contents : </a:t>
-            </a:r>
-            <a:r>
-              <a:rPr lang="en-US" b="1" dirty="0">
-                <a:hlinkClick r:id="rId2"/>
-              </a:rPr>
-              <a:t>https://</a:t>
-            </a:r>
-            <a:r>
-              <a:rPr lang="en-US" b="1" dirty="0" smtClean="0">
-                <a:hlinkClick r:id="rId2"/>
-              </a:rPr>
-              <a:t>www.gartner.com/doc/3574617/assessing-docker-containers-software-delivery</a:t>
-            </a:r>
-            <a:endParaRPr lang="en-US" b="1" dirty="0" smtClean="0"/>
-          </a:p>
-          <a:p>
-            <a:endParaRPr lang="en-US" b="1" dirty="0"/>
-          </a:p>
-          <a:p>
-            <a:r>
-              <a:rPr lang="en-US" dirty="0"/>
-              <a:t>Analysis </a:t>
-            </a:r>
-          </a:p>
-          <a:p>
-            <a:pPr lvl="1"/>
-            <a:r>
-              <a:rPr lang="en-US" dirty="0"/>
-              <a:t>Use Cases for Docker </a:t>
-            </a:r>
-          </a:p>
-          <a:p>
-            <a:pPr lvl="2"/>
-            <a:r>
-              <a:rPr lang="en-US" dirty="0"/>
-              <a:t>Summary of Use-Case Assessments </a:t>
-            </a:r>
-          </a:p>
-          <a:p>
-            <a:pPr lvl="2"/>
-            <a:r>
-              <a:rPr lang="en-US" dirty="0"/>
-              <a:t>Assessment Criteria </a:t>
-            </a:r>
-          </a:p>
-          <a:p>
-            <a:pPr lvl="2"/>
-            <a:r>
-              <a:rPr lang="en-US" dirty="0"/>
-              <a:t>Use Case 1: Docker for Solo and Team Application Development and Test </a:t>
-            </a:r>
-          </a:p>
-          <a:p>
-            <a:pPr lvl="2"/>
-            <a:r>
-              <a:rPr lang="en-US" dirty="0"/>
-              <a:t>Use Case 2: Docker for Continuous Integration </a:t>
-            </a:r>
-          </a:p>
-          <a:p>
-            <a:pPr lvl="2"/>
-            <a:r>
-              <a:rPr lang="en-US" dirty="0"/>
-              <a:t>Use Case 3: Docker for Production Application Deployment </a:t>
-            </a:r>
-          </a:p>
-          <a:p>
-            <a:pPr lvl="2"/>
-            <a:r>
-              <a:rPr lang="en-US" dirty="0"/>
-              <a:t>Use Case 4: Docker for Creating a Private PaaS </a:t>
-            </a:r>
-          </a:p>
-          <a:p>
-            <a:pPr lvl="2"/>
-            <a:r>
-              <a:rPr lang="en-US" dirty="0"/>
-              <a:t>Use Case 5: Docker for Application Infrastructure and Cloud Portability </a:t>
-            </a:r>
-          </a:p>
-          <a:p>
-            <a:pPr lvl="1"/>
-            <a:r>
-              <a:rPr lang="en-US" dirty="0"/>
-              <a:t>Strengths </a:t>
-            </a:r>
-          </a:p>
-          <a:p>
-            <a:pPr lvl="1"/>
-            <a:r>
-              <a:rPr lang="en-US" dirty="0"/>
-              <a:t>Weaknesses </a:t>
-            </a:r>
-          </a:p>
-          <a:p>
-            <a:r>
-              <a:rPr lang="en-US" dirty="0"/>
-              <a:t>Guidance </a:t>
-            </a:r>
-          </a:p>
-          <a:p>
-            <a:pPr lvl="1"/>
-            <a:r>
-              <a:rPr lang="en-US" dirty="0"/>
-              <a:t>Containers Are Not Suitable for Every Application </a:t>
-            </a:r>
-          </a:p>
-          <a:p>
-            <a:pPr lvl="1"/>
-            <a:r>
-              <a:rPr lang="en-US" dirty="0"/>
-              <a:t>Use Docker in Production If You Have Sophisticated and Agile Operations </a:t>
-            </a:r>
-          </a:p>
-          <a:p>
-            <a:pPr lvl="1"/>
-            <a:r>
-              <a:rPr lang="en-US" dirty="0"/>
-              <a:t>Consider Management, Monitoring, Backup, Disaster Recovery and Other Tools as Well as Orchestration </a:t>
-            </a:r>
-          </a:p>
-          <a:p>
-            <a:pPr lvl="1"/>
-            <a:r>
-              <a:rPr lang="en-US" dirty="0"/>
-              <a:t>Plan on a Combination of Containers and Virtual Machines </a:t>
-            </a:r>
-          </a:p>
-          <a:p>
-            <a:pPr lvl="1"/>
-            <a:r>
-              <a:rPr lang="en-US" dirty="0"/>
-              <a:t>Don't Build a PaaS Yourself Using Docker, but Build Docker Into Your PaaS Strategy </a:t>
-            </a:r>
-          </a:p>
-          <a:p>
-            <a:r>
-              <a:rPr lang="en-US" dirty="0"/>
-              <a:t>Gartner Recommended Reading </a:t>
-            </a:r>
-          </a:p>
-          <a:p>
-            <a:endParaRPr lang="en-GB" sz="1600" dirty="0"/>
-          </a:p>
-        </p:txBody>
-      </p:sp>
-    </p:spTree>
-    <p:extLst>
-      <p:ext uri="{BB962C8B-B14F-4D97-AF65-F5344CB8AC3E}">
-        <p14:creationId xmlns:p14="http://schemas.microsoft.com/office/powerpoint/2010/main" val="3568153689"/>
-      </p:ext>
-    </p:extLst>
-  </p:cSld>
-  <p:clrMapOvr>
-    <a:masterClrMapping/>
-  </p:clrMapOvr>
-</p:sld>
-</file>
-
 <file path=ppt/slides/slide13.xml><?xml version="1.0" encoding="utf-8"?>
 <p:sld xmlns:a="http://schemas.openxmlformats.org/drawingml/2006/main" xmlns:r="http://schemas.openxmlformats.org/officeDocument/2006/relationships" xmlns:p="http://schemas.openxmlformats.org/presentationml/2006/main">
   <p:cSld>
@@ -4577,6 +4870,237 @@
           <a:p>
             <a:r>
               <a:rPr lang="en-GB" sz="2400" b="1" dirty="0" smtClean="0"/>
+              <a:t>Docker : Uses cases</a:t>
+            </a:r>
+            <a:endParaRPr lang="en-GB" sz="2400" b="1" dirty="0"/>
+          </a:p>
+        </p:txBody>
+      </p:sp>
+      <p:sp>
+        <p:nvSpPr>
+          <p:cNvPr id="3" name="Espace réservé du contenu 2"/>
+          <p:cNvSpPr>
+            <a:spLocks noGrp="1"/>
+          </p:cNvSpPr>
+          <p:nvPr>
+            <p:ph idx="1"/>
+          </p:nvPr>
+        </p:nvSpPr>
+        <p:spPr>
+          <a:xfrm>
+            <a:off x="457200" y="980728"/>
+            <a:ext cx="8229600" cy="5145435"/>
+          </a:xfrm>
+        </p:spPr>
+        <p:txBody>
+          <a:bodyPr>
+            <a:normAutofit fontScale="62500" lnSpcReduction="20000"/>
+          </a:bodyPr>
+          <a:lstStyle/>
+          <a:p>
+            <a:r>
+              <a:rPr lang="en-US" b="1" dirty="0"/>
+              <a:t>Table of Contents : </a:t>
+            </a:r>
+            <a:r>
+              <a:rPr lang="en-US" b="1" dirty="0">
+                <a:hlinkClick r:id="rId2"/>
+              </a:rPr>
+              <a:t>https://</a:t>
+            </a:r>
+            <a:r>
+              <a:rPr lang="en-US" b="1" dirty="0" smtClean="0">
+                <a:hlinkClick r:id="rId2"/>
+              </a:rPr>
+              <a:t>www.gartner.com/doc/3574617/assessing-docker-containers-software-delivery</a:t>
+            </a:r>
+            <a:endParaRPr lang="en-US" b="1" dirty="0" smtClean="0"/>
+          </a:p>
+          <a:p>
+            <a:endParaRPr lang="en-US" b="1" dirty="0"/>
+          </a:p>
+          <a:p>
+            <a:r>
+              <a:rPr lang="en-US" dirty="0"/>
+              <a:t>Analysis </a:t>
+            </a:r>
+          </a:p>
+          <a:p>
+            <a:pPr lvl="1"/>
+            <a:r>
+              <a:rPr lang="en-US" dirty="0"/>
+              <a:t>Use Cases for Docker </a:t>
+            </a:r>
+          </a:p>
+          <a:p>
+            <a:pPr lvl="2"/>
+            <a:r>
+              <a:rPr lang="en-US" dirty="0"/>
+              <a:t>Summary of Use-Case Assessments </a:t>
+            </a:r>
+          </a:p>
+          <a:p>
+            <a:pPr lvl="2"/>
+            <a:r>
+              <a:rPr lang="en-US" dirty="0"/>
+              <a:t>Assessment Criteria </a:t>
+            </a:r>
+          </a:p>
+          <a:p>
+            <a:pPr lvl="2"/>
+            <a:r>
+              <a:rPr lang="en-US" dirty="0"/>
+              <a:t>Use Case 1: Docker for Solo and Team Application Development and Test </a:t>
+            </a:r>
+          </a:p>
+          <a:p>
+            <a:pPr lvl="2"/>
+            <a:r>
+              <a:rPr lang="en-US" dirty="0"/>
+              <a:t>Use Case 2: Docker for Continuous Integration </a:t>
+            </a:r>
+          </a:p>
+          <a:p>
+            <a:pPr lvl="2"/>
+            <a:r>
+              <a:rPr lang="en-US" dirty="0"/>
+              <a:t>Use Case 3: Docker for Production Application Deployment </a:t>
+            </a:r>
+          </a:p>
+          <a:p>
+            <a:pPr lvl="2"/>
+            <a:r>
+              <a:rPr lang="en-US" dirty="0"/>
+              <a:t>Use Case 4: Docker for Creating a Private PaaS </a:t>
+            </a:r>
+          </a:p>
+          <a:p>
+            <a:pPr lvl="2"/>
+            <a:r>
+              <a:rPr lang="en-US" dirty="0"/>
+              <a:t>Use Case 5: Docker for Application Infrastructure and Cloud Portability </a:t>
+            </a:r>
+          </a:p>
+          <a:p>
+            <a:pPr lvl="1"/>
+            <a:r>
+              <a:rPr lang="en-US" dirty="0"/>
+              <a:t>Strengths </a:t>
+            </a:r>
+          </a:p>
+          <a:p>
+            <a:pPr lvl="1"/>
+            <a:r>
+              <a:rPr lang="en-US" dirty="0"/>
+              <a:t>Weaknesses </a:t>
+            </a:r>
+          </a:p>
+          <a:p>
+            <a:r>
+              <a:rPr lang="en-US" dirty="0"/>
+              <a:t>Guidance </a:t>
+            </a:r>
+          </a:p>
+          <a:p>
+            <a:pPr lvl="1"/>
+            <a:r>
+              <a:rPr lang="en-US" dirty="0"/>
+              <a:t>Containers Are Not Suitable for Every Application </a:t>
+            </a:r>
+          </a:p>
+          <a:p>
+            <a:pPr lvl="1"/>
+            <a:r>
+              <a:rPr lang="en-US" dirty="0"/>
+              <a:t>Use Docker in Production If You Have Sophisticated and Agile Operations </a:t>
+            </a:r>
+          </a:p>
+          <a:p>
+            <a:pPr lvl="1"/>
+            <a:r>
+              <a:rPr lang="en-US" dirty="0"/>
+              <a:t>Consider Management, Monitoring, Backup, Disaster Recovery and Other Tools as Well as Orchestration </a:t>
+            </a:r>
+          </a:p>
+          <a:p>
+            <a:pPr lvl="1"/>
+            <a:r>
+              <a:rPr lang="en-US" dirty="0"/>
+              <a:t>Plan on a Combination of Containers and Virtual Machines </a:t>
+            </a:r>
+          </a:p>
+          <a:p>
+            <a:pPr lvl="1"/>
+            <a:r>
+              <a:rPr lang="en-US" dirty="0"/>
+              <a:t>Don't Build a PaaS Yourself Using Docker, but Build Docker Into Your PaaS Strategy </a:t>
+            </a:r>
+          </a:p>
+          <a:p>
+            <a:r>
+              <a:rPr lang="en-US" dirty="0"/>
+              <a:t>Gartner Recommended Reading </a:t>
+            </a:r>
+          </a:p>
+          <a:p>
+            <a:endParaRPr lang="en-GB" sz="1600" dirty="0"/>
+          </a:p>
+        </p:txBody>
+      </p:sp>
+    </p:spTree>
+    <p:extLst>
+      <p:ext uri="{BB962C8B-B14F-4D97-AF65-F5344CB8AC3E}">
+        <p14:creationId xmlns:p14="http://schemas.microsoft.com/office/powerpoint/2010/main" val="3568153689"/>
+      </p:ext>
+    </p:extLst>
+  </p:cSld>
+  <p:clrMapOvr>
+    <a:masterClrMapping/>
+  </p:clrMapOvr>
+</p:sld>
+</file>
+
+<file path=ppt/slides/slide14.xml><?xml version="1.0" encoding="utf-8"?>
+<p:sld xmlns:a="http://schemas.openxmlformats.org/drawingml/2006/main" xmlns:r="http://schemas.openxmlformats.org/officeDocument/2006/relationships" xmlns:p="http://schemas.openxmlformats.org/presentationml/2006/main">
+  <p:cSld>
+    <p:spTree>
+      <p:nvGrpSpPr>
+        <p:cNvPr id="1" name=""/>
+        <p:cNvGrpSpPr/>
+        <p:nvPr/>
+      </p:nvGrpSpPr>
+      <p:grpSpPr>
+        <a:xfrm>
+          <a:off x="0" y="0"/>
+          <a:ext cx="0" cy="0"/>
+          <a:chOff x="0" y="0"/>
+          <a:chExt cx="0" cy="0"/>
+        </a:xfrm>
+      </p:grpSpPr>
+      <p:sp>
+        <p:nvSpPr>
+          <p:cNvPr id="2" name="Titre 1"/>
+          <p:cNvSpPr>
+            <a:spLocks noGrp="1"/>
+          </p:cNvSpPr>
+          <p:nvPr>
+            <p:ph type="title"/>
+          </p:nvPr>
+        </p:nvSpPr>
+        <p:spPr>
+          <a:xfrm>
+            <a:off x="457200" y="274638"/>
+            <a:ext cx="8229600" cy="490066"/>
+          </a:xfrm>
+        </p:spPr>
+        <p:txBody>
+          <a:bodyPr>
+            <a:normAutofit/>
+          </a:bodyPr>
+          <a:lstStyle/>
+          <a:p>
+            <a:r>
+              <a:rPr lang="en-GB" sz="2400" b="1" dirty="0" smtClean="0"/>
               <a:t>Docker : Monitoring</a:t>
             </a:r>
             <a:endParaRPr lang="en-GB" sz="2400" b="1" dirty="0"/>
@@ -4955,7 +5479,7 @@
 </p:sld>
 </file>
 
-<file path=ppt/slides/slide14.xml><?xml version="1.0" encoding="utf-8"?>
+<file path=ppt/slides/slide15.xml><?xml version="1.0" encoding="utf-8"?>
 <p:sld xmlns:a="http://schemas.openxmlformats.org/drawingml/2006/main" xmlns:r="http://schemas.openxmlformats.org/officeDocument/2006/relationships" xmlns:p="http://schemas.openxmlformats.org/presentationml/2006/main">
   <p:cSld>
     <p:spTree>
@@ -5259,276 +5783,6 @@
 </p:sld>
 </file>
 
-<file path=ppt/slides/slide15.xml><?xml version="1.0" encoding="utf-8"?>
-<p:sld xmlns:a="http://schemas.openxmlformats.org/drawingml/2006/main" xmlns:r="http://schemas.openxmlformats.org/officeDocument/2006/relationships" xmlns:p="http://schemas.openxmlformats.org/presentationml/2006/main">
-  <p:cSld>
-    <p:spTree>
-      <p:nvGrpSpPr>
-        <p:cNvPr id="1" name=""/>
-        <p:cNvGrpSpPr/>
-        <p:nvPr/>
-      </p:nvGrpSpPr>
-      <p:grpSpPr>
-        <a:xfrm>
-          <a:off x="0" y="0"/>
-          <a:ext cx="0" cy="0"/>
-          <a:chOff x="0" y="0"/>
-          <a:chExt cx="0" cy="0"/>
-        </a:xfrm>
-      </p:grpSpPr>
-      <p:sp>
-        <p:nvSpPr>
-          <p:cNvPr id="2" name="Titre 1"/>
-          <p:cNvSpPr>
-            <a:spLocks noGrp="1"/>
-          </p:cNvSpPr>
-          <p:nvPr>
-            <p:ph type="title"/>
-          </p:nvPr>
-        </p:nvSpPr>
-        <p:spPr>
-          <a:xfrm>
-            <a:off x="457200" y="274638"/>
-            <a:ext cx="8229600" cy="490066"/>
-          </a:xfrm>
-        </p:spPr>
-        <p:txBody>
-          <a:bodyPr>
-            <a:normAutofit/>
-          </a:bodyPr>
-          <a:lstStyle/>
-          <a:p>
-            <a:r>
-              <a:rPr lang="en-GB" sz="2400" b="1" dirty="0" err="1" smtClean="0"/>
-              <a:t>Programmation</a:t>
-            </a:r>
-            <a:r>
-              <a:rPr lang="en-GB" sz="2400" b="1" dirty="0" smtClean="0"/>
-              <a:t> </a:t>
-            </a:r>
-            <a:r>
-              <a:rPr lang="en-GB" sz="2400" b="1" dirty="0" err="1" smtClean="0"/>
-              <a:t>Langages</a:t>
-            </a:r>
-            <a:endParaRPr lang="en-GB" sz="2400" b="1" dirty="0"/>
-          </a:p>
-        </p:txBody>
-      </p:sp>
-      <p:sp>
-        <p:nvSpPr>
-          <p:cNvPr id="3" name="Espace réservé du contenu 2"/>
-          <p:cNvSpPr>
-            <a:spLocks noGrp="1"/>
-          </p:cNvSpPr>
-          <p:nvPr>
-            <p:ph idx="1"/>
-          </p:nvPr>
-        </p:nvSpPr>
-        <p:spPr>
-          <a:xfrm>
-            <a:off x="457200" y="980728"/>
-            <a:ext cx="8229600" cy="5145435"/>
-          </a:xfrm>
-        </p:spPr>
-        <p:txBody>
-          <a:bodyPr>
-            <a:normAutofit fontScale="77500" lnSpcReduction="20000"/>
-          </a:bodyPr>
-          <a:lstStyle/>
-          <a:p>
-            <a:r>
-              <a:rPr lang="en-GB" sz="2000" dirty="0" err="1" smtClean="0"/>
-              <a:t>.Net</a:t>
-            </a:r>
-            <a:r>
-              <a:rPr lang="en-GB" sz="2000" dirty="0" smtClean="0"/>
-              <a:t> Framework</a:t>
-            </a:r>
-          </a:p>
-          <a:p>
-            <a:r>
-              <a:rPr lang="en-GB" sz="2000" dirty="0" err="1" smtClean="0"/>
-              <a:t>.Net</a:t>
-            </a:r>
-            <a:r>
-              <a:rPr lang="en-GB" sz="2000" dirty="0" smtClean="0"/>
-              <a:t> Core</a:t>
-            </a:r>
-          </a:p>
-          <a:p>
-            <a:pPr lvl="1"/>
-            <a:r>
-              <a:rPr lang="en-GB" sz="1600" dirty="0">
-                <a:hlinkClick r:id="rId2"/>
-              </a:rPr>
-              <a:t>https://</a:t>
-            </a:r>
-            <a:r>
-              <a:rPr lang="en-GB" sz="1600" dirty="0" smtClean="0">
-                <a:hlinkClick r:id="rId2"/>
-              </a:rPr>
-              <a:t>docs.microsoft.com/en-us/dotnet/standard/choosing-core-framework-server</a:t>
-            </a:r>
-            <a:endParaRPr lang="en-GB" sz="1600" dirty="0" smtClean="0"/>
-          </a:p>
-          <a:p>
-            <a:pPr marL="457200" lvl="1" indent="0">
-              <a:buNone/>
-            </a:pPr>
-            <a:endParaRPr lang="en-GB" sz="1600" dirty="0"/>
-          </a:p>
-          <a:p>
-            <a:pPr lvl="1"/>
-            <a:r>
-              <a:rPr lang="en-US" dirty="0"/>
-              <a:t>Use .NET Core for your server application when</a:t>
-            </a:r>
-            <a:r>
-              <a:rPr lang="en-US" dirty="0" smtClean="0"/>
-              <a:t>: </a:t>
-            </a:r>
-            <a:endParaRPr lang="en-US" dirty="0"/>
-          </a:p>
-          <a:p>
-            <a:pPr lvl="2"/>
-            <a:r>
-              <a:rPr lang="en-US" dirty="0"/>
-              <a:t>You have cross-platform needs.</a:t>
-            </a:r>
-          </a:p>
-          <a:p>
-            <a:pPr lvl="2"/>
-            <a:r>
-              <a:rPr lang="en-US" dirty="0"/>
-              <a:t>You are targeting </a:t>
-            </a:r>
-            <a:r>
-              <a:rPr lang="en-US" dirty="0" err="1"/>
-              <a:t>microservices</a:t>
-            </a:r>
-            <a:r>
-              <a:rPr lang="en-US" dirty="0"/>
-              <a:t>.</a:t>
-            </a:r>
-          </a:p>
-          <a:p>
-            <a:pPr lvl="2"/>
-            <a:r>
-              <a:rPr lang="en-US" dirty="0"/>
-              <a:t>You are using Docker containers.</a:t>
-            </a:r>
-          </a:p>
-          <a:p>
-            <a:pPr lvl="2"/>
-            <a:r>
-              <a:rPr lang="en-US" dirty="0"/>
-              <a:t>You need high-performance and scalable systems.</a:t>
-            </a:r>
-          </a:p>
-          <a:p>
-            <a:pPr lvl="2"/>
-            <a:r>
-              <a:rPr lang="en-US" dirty="0"/>
-              <a:t>You need side-by-side .NET versions per application.</a:t>
-            </a:r>
-          </a:p>
-          <a:p>
-            <a:endParaRPr lang="en-US" dirty="0"/>
-          </a:p>
-          <a:p>
-            <a:pPr lvl="1"/>
-            <a:r>
-              <a:rPr lang="en-US" dirty="0"/>
-              <a:t>Use .NET Framework for your server application when</a:t>
-            </a:r>
-            <a:r>
-              <a:rPr lang="en-US" dirty="0" smtClean="0"/>
-              <a:t>: </a:t>
-            </a:r>
-            <a:endParaRPr lang="en-US" dirty="0"/>
-          </a:p>
-          <a:p>
-            <a:pPr lvl="2"/>
-            <a:r>
-              <a:rPr lang="en-US" dirty="0"/>
-              <a:t>Your app currently uses .NET Framework (recommendation is to extend instead of migrating).</a:t>
-            </a:r>
-          </a:p>
-          <a:p>
-            <a:pPr lvl="2"/>
-            <a:r>
-              <a:rPr lang="en-US" dirty="0"/>
-              <a:t>Your app uses third-party .NET libraries or </a:t>
-            </a:r>
-            <a:r>
-              <a:rPr lang="en-US" dirty="0" err="1"/>
-              <a:t>NuGet</a:t>
-            </a:r>
-            <a:r>
-              <a:rPr lang="en-US" dirty="0"/>
-              <a:t> packages not available for .NET Core.</a:t>
-            </a:r>
-          </a:p>
-          <a:p>
-            <a:pPr lvl="2"/>
-            <a:r>
-              <a:rPr lang="en-US" dirty="0"/>
-              <a:t>Your app uses .NET technologies that aren't available for .NET Core.</a:t>
-            </a:r>
-          </a:p>
-          <a:p>
-            <a:pPr lvl="2"/>
-            <a:r>
-              <a:rPr lang="en-US" dirty="0"/>
-              <a:t>Your app uses a platform that doesn’t support .NET Core.</a:t>
-            </a:r>
-          </a:p>
-          <a:p>
-            <a:pPr marL="457200" lvl="1" indent="0">
-              <a:buNone/>
-            </a:pPr>
-            <a:endParaRPr lang="en-GB" sz="1600" dirty="0" smtClean="0"/>
-          </a:p>
-          <a:p>
-            <a:r>
-              <a:rPr lang="en-GB" sz="2000" dirty="0" smtClean="0"/>
-              <a:t>Java</a:t>
-            </a:r>
-          </a:p>
-          <a:p>
-            <a:r>
-              <a:rPr lang="en-GB" sz="2000" dirty="0" smtClean="0"/>
-              <a:t>Others </a:t>
-            </a:r>
-          </a:p>
-          <a:p>
-            <a:endParaRPr lang="en-GB" sz="2000" dirty="0" smtClean="0"/>
-          </a:p>
-          <a:p>
-            <a:pPr lvl="1"/>
-            <a:endParaRPr lang="en-GB" sz="1600" dirty="0" smtClean="0"/>
-          </a:p>
-          <a:p>
-            <a:pPr marL="457200" lvl="1" indent="0">
-              <a:buNone/>
-            </a:pPr>
-            <a:endParaRPr lang="en-GB" sz="2000" dirty="0"/>
-          </a:p>
-        </p:txBody>
-      </p:sp>
-    </p:spTree>
-    <p:extLst>
-      <p:ext uri="{BB962C8B-B14F-4D97-AF65-F5344CB8AC3E}">
-        <p14:creationId xmlns:p14="http://schemas.microsoft.com/office/powerpoint/2010/main" val="4062880136"/>
-      </p:ext>
-    </p:extLst>
-  </p:cSld>
-  <p:clrMapOvr>
-    <a:masterClrMapping/>
-  </p:clrMapOvr>
-</p:sld>
-</file>
-
 <file path=ppt/slides/slide16.xml><?xml version="1.0" encoding="utf-8"?>
 <p:sld xmlns:a="http://schemas.openxmlformats.org/drawingml/2006/main" xmlns:r="http://schemas.openxmlformats.org/officeDocument/2006/relationships" xmlns:p="http://schemas.openxmlformats.org/presentationml/2006/main">
   <p:cSld>
@@ -5570,6 +5824,276 @@
           <a:p>
             <a:r>
               <a:rPr lang="en-GB" sz="2400" b="1" dirty="0" err="1" smtClean="0"/>
+              <a:t>Programmation</a:t>
+            </a:r>
+            <a:r>
+              <a:rPr lang="en-GB" sz="2400" b="1" dirty="0" smtClean="0"/>
+              <a:t> </a:t>
+            </a:r>
+            <a:r>
+              <a:rPr lang="en-GB" sz="2400" b="1" dirty="0" err="1" smtClean="0"/>
+              <a:t>Langages</a:t>
+            </a:r>
+            <a:endParaRPr lang="en-GB" sz="2400" b="1" dirty="0"/>
+          </a:p>
+        </p:txBody>
+      </p:sp>
+      <p:sp>
+        <p:nvSpPr>
+          <p:cNvPr id="3" name="Espace réservé du contenu 2"/>
+          <p:cNvSpPr>
+            <a:spLocks noGrp="1"/>
+          </p:cNvSpPr>
+          <p:nvPr>
+            <p:ph idx="1"/>
+          </p:nvPr>
+        </p:nvSpPr>
+        <p:spPr>
+          <a:xfrm>
+            <a:off x="457200" y="980728"/>
+            <a:ext cx="8229600" cy="5145435"/>
+          </a:xfrm>
+        </p:spPr>
+        <p:txBody>
+          <a:bodyPr>
+            <a:normAutofit fontScale="77500" lnSpcReduction="20000"/>
+          </a:bodyPr>
+          <a:lstStyle/>
+          <a:p>
+            <a:r>
+              <a:rPr lang="en-GB" sz="2000" dirty="0" err="1" smtClean="0"/>
+              <a:t>.Net</a:t>
+            </a:r>
+            <a:r>
+              <a:rPr lang="en-GB" sz="2000" dirty="0" smtClean="0"/>
+              <a:t> Framework</a:t>
+            </a:r>
+          </a:p>
+          <a:p>
+            <a:r>
+              <a:rPr lang="en-GB" sz="2000" dirty="0" err="1" smtClean="0"/>
+              <a:t>.Net</a:t>
+            </a:r>
+            <a:r>
+              <a:rPr lang="en-GB" sz="2000" dirty="0" smtClean="0"/>
+              <a:t> Core</a:t>
+            </a:r>
+          </a:p>
+          <a:p>
+            <a:pPr lvl="1"/>
+            <a:r>
+              <a:rPr lang="en-GB" sz="1600" dirty="0">
+                <a:hlinkClick r:id="rId2"/>
+              </a:rPr>
+              <a:t>https://</a:t>
+            </a:r>
+            <a:r>
+              <a:rPr lang="en-GB" sz="1600" dirty="0" smtClean="0">
+                <a:hlinkClick r:id="rId2"/>
+              </a:rPr>
+              <a:t>docs.microsoft.com/en-us/dotnet/standard/choosing-core-framework-server</a:t>
+            </a:r>
+            <a:endParaRPr lang="en-GB" sz="1600" dirty="0" smtClean="0"/>
+          </a:p>
+          <a:p>
+            <a:pPr marL="457200" lvl="1" indent="0">
+              <a:buNone/>
+            </a:pPr>
+            <a:endParaRPr lang="en-GB" sz="1600" dirty="0"/>
+          </a:p>
+          <a:p>
+            <a:pPr lvl="1"/>
+            <a:r>
+              <a:rPr lang="en-US" dirty="0"/>
+              <a:t>Use .NET Core for your server application when</a:t>
+            </a:r>
+            <a:r>
+              <a:rPr lang="en-US" dirty="0" smtClean="0"/>
+              <a:t>: </a:t>
+            </a:r>
+            <a:endParaRPr lang="en-US" dirty="0"/>
+          </a:p>
+          <a:p>
+            <a:pPr lvl="2"/>
+            <a:r>
+              <a:rPr lang="en-US" dirty="0"/>
+              <a:t>You have cross-platform needs.</a:t>
+            </a:r>
+          </a:p>
+          <a:p>
+            <a:pPr lvl="2"/>
+            <a:r>
+              <a:rPr lang="en-US" dirty="0"/>
+              <a:t>You are targeting </a:t>
+            </a:r>
+            <a:r>
+              <a:rPr lang="en-US" dirty="0" err="1"/>
+              <a:t>microservices</a:t>
+            </a:r>
+            <a:r>
+              <a:rPr lang="en-US" dirty="0"/>
+              <a:t>.</a:t>
+            </a:r>
+          </a:p>
+          <a:p>
+            <a:pPr lvl="2"/>
+            <a:r>
+              <a:rPr lang="en-US" dirty="0"/>
+              <a:t>You are using Docker containers.</a:t>
+            </a:r>
+          </a:p>
+          <a:p>
+            <a:pPr lvl="2"/>
+            <a:r>
+              <a:rPr lang="en-US" dirty="0"/>
+              <a:t>You need high-performance and scalable systems.</a:t>
+            </a:r>
+          </a:p>
+          <a:p>
+            <a:pPr lvl="2"/>
+            <a:r>
+              <a:rPr lang="en-US" dirty="0"/>
+              <a:t>You need side-by-side .NET versions per application.</a:t>
+            </a:r>
+          </a:p>
+          <a:p>
+            <a:endParaRPr lang="en-US" dirty="0"/>
+          </a:p>
+          <a:p>
+            <a:pPr lvl="1"/>
+            <a:r>
+              <a:rPr lang="en-US" dirty="0"/>
+              <a:t>Use .NET Framework for your server application when</a:t>
+            </a:r>
+            <a:r>
+              <a:rPr lang="en-US" dirty="0" smtClean="0"/>
+              <a:t>: </a:t>
+            </a:r>
+            <a:endParaRPr lang="en-US" dirty="0"/>
+          </a:p>
+          <a:p>
+            <a:pPr lvl="2"/>
+            <a:r>
+              <a:rPr lang="en-US" dirty="0"/>
+              <a:t>Your app currently uses .NET Framework (recommendation is to extend instead of migrating).</a:t>
+            </a:r>
+          </a:p>
+          <a:p>
+            <a:pPr lvl="2"/>
+            <a:r>
+              <a:rPr lang="en-US" dirty="0"/>
+              <a:t>Your app uses third-party .NET libraries or </a:t>
+            </a:r>
+            <a:r>
+              <a:rPr lang="en-US" dirty="0" err="1"/>
+              <a:t>NuGet</a:t>
+            </a:r>
+            <a:r>
+              <a:rPr lang="en-US" dirty="0"/>
+              <a:t> packages not available for .NET Core.</a:t>
+            </a:r>
+          </a:p>
+          <a:p>
+            <a:pPr lvl="2"/>
+            <a:r>
+              <a:rPr lang="en-US" dirty="0"/>
+              <a:t>Your app uses .NET technologies that aren't available for .NET Core.</a:t>
+            </a:r>
+          </a:p>
+          <a:p>
+            <a:pPr lvl="2"/>
+            <a:r>
+              <a:rPr lang="en-US" dirty="0"/>
+              <a:t>Your app uses a platform that doesn’t support .NET Core.</a:t>
+            </a:r>
+          </a:p>
+          <a:p>
+            <a:pPr marL="457200" lvl="1" indent="0">
+              <a:buNone/>
+            </a:pPr>
+            <a:endParaRPr lang="en-GB" sz="1600" dirty="0" smtClean="0"/>
+          </a:p>
+          <a:p>
+            <a:r>
+              <a:rPr lang="en-GB" sz="2000" dirty="0" smtClean="0"/>
+              <a:t>Java</a:t>
+            </a:r>
+          </a:p>
+          <a:p>
+            <a:r>
+              <a:rPr lang="en-GB" sz="2000" dirty="0" smtClean="0"/>
+              <a:t>Others </a:t>
+            </a:r>
+          </a:p>
+          <a:p>
+            <a:endParaRPr lang="en-GB" sz="2000" dirty="0" smtClean="0"/>
+          </a:p>
+          <a:p>
+            <a:pPr lvl="1"/>
+            <a:endParaRPr lang="en-GB" sz="1600" dirty="0" smtClean="0"/>
+          </a:p>
+          <a:p>
+            <a:pPr marL="457200" lvl="1" indent="0">
+              <a:buNone/>
+            </a:pPr>
+            <a:endParaRPr lang="en-GB" sz="2000" dirty="0"/>
+          </a:p>
+        </p:txBody>
+      </p:sp>
+    </p:spTree>
+    <p:extLst>
+      <p:ext uri="{BB962C8B-B14F-4D97-AF65-F5344CB8AC3E}">
+        <p14:creationId xmlns:p14="http://schemas.microsoft.com/office/powerpoint/2010/main" val="4062880136"/>
+      </p:ext>
+    </p:extLst>
+  </p:cSld>
+  <p:clrMapOvr>
+    <a:masterClrMapping/>
+  </p:clrMapOvr>
+</p:sld>
+</file>
+
+<file path=ppt/slides/slide17.xml><?xml version="1.0" encoding="utf-8"?>
+<p:sld xmlns:a="http://schemas.openxmlformats.org/drawingml/2006/main" xmlns:r="http://schemas.openxmlformats.org/officeDocument/2006/relationships" xmlns:p="http://schemas.openxmlformats.org/presentationml/2006/main">
+  <p:cSld>
+    <p:spTree>
+      <p:nvGrpSpPr>
+        <p:cNvPr id="1" name=""/>
+        <p:cNvGrpSpPr/>
+        <p:nvPr/>
+      </p:nvGrpSpPr>
+      <p:grpSpPr>
+        <a:xfrm>
+          <a:off x="0" y="0"/>
+          <a:ext cx="0" cy="0"/>
+          <a:chOff x="0" y="0"/>
+          <a:chExt cx="0" cy="0"/>
+        </a:xfrm>
+      </p:grpSpPr>
+      <p:sp>
+        <p:nvSpPr>
+          <p:cNvPr id="2" name="Titre 1"/>
+          <p:cNvSpPr>
+            <a:spLocks noGrp="1"/>
+          </p:cNvSpPr>
+          <p:nvPr>
+            <p:ph type="title"/>
+          </p:nvPr>
+        </p:nvSpPr>
+        <p:spPr>
+          <a:xfrm>
+            <a:off x="457200" y="274638"/>
+            <a:ext cx="8229600" cy="490066"/>
+          </a:xfrm>
+        </p:spPr>
+        <p:txBody>
+          <a:bodyPr>
+            <a:normAutofit/>
+          </a:bodyPr>
+          <a:lstStyle/>
+          <a:p>
+            <a:r>
+              <a:rPr lang="en-GB" sz="2400" b="1" dirty="0" err="1" smtClean="0"/>
               <a:t>.Net</a:t>
             </a:r>
             <a:r>
@@ -5709,7 +6233,7 @@
 </p:sld>
 </file>
 
-<file path=ppt/slides/slide17.xml><?xml version="1.0" encoding="utf-8"?>
+<file path=ppt/slides/slide18.xml><?xml version="1.0" encoding="utf-8"?>
 <p:sld xmlns:a="http://schemas.openxmlformats.org/drawingml/2006/main" xmlns:r="http://schemas.openxmlformats.org/officeDocument/2006/relationships" xmlns:p="http://schemas.openxmlformats.org/presentationml/2006/main">
   <p:cSld>
     <p:spTree>
@@ -6570,90 +7094,190 @@
           <a:chExt cx="0" cy="0"/>
         </a:xfrm>
       </p:grpSpPr>
-      <p:sp>
-        <p:nvSpPr>
-          <p:cNvPr id="4" name="Rectangle à coins arrondis 3"/>
-          <p:cNvSpPr/>
+      <p:pic>
+        <p:nvPicPr>
+          <p:cNvPr id="1026" name="Picture 2"/>
+          <p:cNvPicPr>
+            <a:picLocks noChangeAspect="1" noChangeArrowheads="1"/>
+          </p:cNvPicPr>
+          <p:nvPr/>
+        </p:nvPicPr>
+        <p:blipFill>
+          <a:blip r:embed="rId2">
+            <a:extLst>
+              <a:ext uri="{28A0092B-C50C-407E-A947-70E740481C1C}">
+                <a14:useLocalDpi xmlns:a14="http://schemas.microsoft.com/office/drawing/2010/main" val="0"/>
+              </a:ext>
+            </a:extLst>
+          </a:blip>
+          <a:srcRect/>
+          <a:stretch>
+            <a:fillRect/>
+          </a:stretch>
+        </p:blipFill>
+        <p:spPr bwMode="auto">
+          <a:xfrm>
+            <a:off x="539552" y="1700808"/>
+            <a:ext cx="7478713" cy="1247775"/>
+          </a:xfrm>
+          <a:prstGeom prst="rect">
+            <a:avLst/>
+          </a:prstGeom>
+          <a:noFill/>
+          <a:ln>
+            <a:noFill/>
+          </a:ln>
+          <a:effectLst/>
+          <a:extLst>
+            <a:ext uri="{909E8E84-426E-40DD-AFC4-6F175D3DCCD1}">
+              <a14:hiddenFill xmlns:a14="http://schemas.microsoft.com/office/drawing/2010/main">
+                <a:solidFill>
+                  <a:schemeClr val="accent1"/>
+                </a:solidFill>
+              </a14:hiddenFill>
+            </a:ext>
+            <a:ext uri="{91240B29-F687-4F45-9708-019B960494DF}">
+              <a14:hiddenLine xmlns:a14="http://schemas.microsoft.com/office/drawing/2010/main" w="9525">
+                <a:solidFill>
+                  <a:schemeClr val="tx1"/>
+                </a:solidFill>
+                <a:miter lim="800000"/>
+                <a:headEnd/>
+                <a:tailEnd/>
+              </a14:hiddenLine>
+            </a:ext>
+            <a:ext uri="{AF507438-7753-43E0-B8FC-AC1667EBCBE1}">
+              <a14:hiddenEffects xmlns:a14="http://schemas.microsoft.com/office/drawing/2010/main">
+                <a:effectLst>
+                  <a:outerShdw dist="35921" dir="2700000" algn="ctr" rotWithShape="0">
+                    <a:schemeClr val="bg2"/>
+                  </a:outerShdw>
+                </a:effectLst>
+              </a14:hiddenEffects>
+            </a:ext>
+          </a:extLst>
+        </p:spPr>
+      </p:pic>
+      <p:pic>
+        <p:nvPicPr>
+          <p:cNvPr id="1027" name="Picture 3"/>
+          <p:cNvPicPr>
+            <a:picLocks noChangeAspect="1" noChangeArrowheads="1"/>
+          </p:cNvPicPr>
+          <p:nvPr/>
+        </p:nvPicPr>
+        <p:blipFill>
+          <a:blip r:embed="rId3">
+            <a:extLst>
+              <a:ext uri="{28A0092B-C50C-407E-A947-70E740481C1C}">
+                <a14:useLocalDpi xmlns:a14="http://schemas.microsoft.com/office/drawing/2010/main" val="0"/>
+              </a:ext>
+            </a:extLst>
+          </a:blip>
+          <a:srcRect/>
+          <a:stretch>
+            <a:fillRect/>
+          </a:stretch>
+        </p:blipFill>
+        <p:spPr bwMode="auto">
+          <a:xfrm>
+            <a:off x="539552" y="4005064"/>
+            <a:ext cx="6469063" cy="742950"/>
+          </a:xfrm>
+          <a:prstGeom prst="rect">
+            <a:avLst/>
+          </a:prstGeom>
+          <a:noFill/>
+          <a:ln>
+            <a:noFill/>
+          </a:ln>
+          <a:effectLst/>
+          <a:extLst>
+            <a:ext uri="{909E8E84-426E-40DD-AFC4-6F175D3DCCD1}">
+              <a14:hiddenFill xmlns:a14="http://schemas.microsoft.com/office/drawing/2010/main">
+                <a:solidFill>
+                  <a:schemeClr val="accent1"/>
+                </a:solidFill>
+              </a14:hiddenFill>
+            </a:ext>
+            <a:ext uri="{91240B29-F687-4F45-9708-019B960494DF}">
+              <a14:hiddenLine xmlns:a14="http://schemas.microsoft.com/office/drawing/2010/main" w="9525">
+                <a:solidFill>
+                  <a:schemeClr val="tx1"/>
+                </a:solidFill>
+                <a:miter lim="800000"/>
+                <a:headEnd/>
+                <a:tailEnd/>
+              </a14:hiddenLine>
+            </a:ext>
+            <a:ext uri="{AF507438-7753-43E0-B8FC-AC1667EBCBE1}">
+              <a14:hiddenEffects xmlns:a14="http://schemas.microsoft.com/office/drawing/2010/main">
+                <a:effectLst>
+                  <a:outerShdw dist="35921" dir="2700000" algn="ctr" rotWithShape="0">
+                    <a:schemeClr val="bg2"/>
+                  </a:outerShdw>
+                </a:effectLst>
+              </a14:hiddenEffects>
+            </a:ext>
+          </a:extLst>
+        </p:spPr>
+      </p:pic>
+      <p:sp>
+        <p:nvSpPr>
+          <p:cNvPr id="2" name="ZoneTexte 1"/>
+          <p:cNvSpPr txBox="1"/>
           <p:nvPr/>
         </p:nvSpPr>
         <p:spPr>
           <a:xfrm>
-            <a:off x="2195736" y="1124744"/>
-            <a:ext cx="1440160" cy="432048"/>
+            <a:off x="516951" y="1194585"/>
+            <a:ext cx="1891672" cy="369332"/>
           </a:xfrm>
-          <a:prstGeom prst="roundRect">
+          <a:prstGeom prst="rect">
             <a:avLst/>
           </a:prstGeom>
+          <a:noFill/>
         </p:spPr>
-        <p:style>
-          <a:lnRef idx="2">
-            <a:schemeClr val="accent1">
-              <a:shade val="50000"/>
-            </a:schemeClr>
-          </a:lnRef>
-          <a:fillRef idx="1">
-            <a:schemeClr val="accent1"/>
-          </a:fillRef>
-          <a:effectRef idx="0">
-            <a:schemeClr val="accent1"/>
-          </a:effectRef>
-          <a:fontRef idx="minor">
-            <a:schemeClr val="lt1"/>
-          </a:fontRef>
-        </p:style>
-        <p:txBody>
-          <a:bodyPr rtlCol="0" anchor="ctr"/>
-          <a:lstStyle/>
-          <a:p>
-            <a:pPr algn="ctr"/>
-            <a:r>
-              <a:rPr lang="fr-FR" sz="1200" dirty="0" smtClean="0"/>
-              <a:t>Plateforme to </a:t>
-            </a:r>
-            <a:r>
-              <a:rPr lang="fr-FR" sz="1200" dirty="0" err="1" smtClean="0"/>
-              <a:t>study</a:t>
-            </a:r>
-            <a:endParaRPr lang="fr-FR" sz="1200" dirty="0"/>
-          </a:p>
-        </p:txBody>
-      </p:sp>
-      <p:sp>
-        <p:nvSpPr>
-          <p:cNvPr id="5" name="Organigramme : Décision 4"/>
-          <p:cNvSpPr/>
+        <p:txBody>
+          <a:bodyPr wrap="none" rtlCol="0">
+            <a:spAutoFit/>
+          </a:bodyPr>
+          <a:lstStyle/>
+          <a:p>
+            <a:r>
+              <a:rPr lang="fr-FR" dirty="0" smtClean="0"/>
+              <a:t>Windows Images</a:t>
+            </a:r>
+            <a:endParaRPr lang="fr-FR" dirty="0"/>
+          </a:p>
+        </p:txBody>
+      </p:sp>
+      <p:sp>
+        <p:nvSpPr>
+          <p:cNvPr id="7" name="ZoneTexte 6"/>
+          <p:cNvSpPr txBox="1"/>
           <p:nvPr/>
         </p:nvSpPr>
         <p:spPr>
           <a:xfrm>
-            <a:off x="2735796" y="2492896"/>
-            <a:ext cx="612068" cy="504056"/>
+            <a:off x="549990" y="3573016"/>
+            <a:ext cx="1513043" cy="369332"/>
           </a:xfrm>
-          <a:prstGeom prst="flowChartDecision">
+          <a:prstGeom prst="rect">
             <a:avLst/>
           </a:prstGeom>
+          <a:noFill/>
         </p:spPr>
-        <p:style>
-          <a:lnRef idx="2">
-            <a:schemeClr val="accent1">
-              <a:shade val="50000"/>
-            </a:schemeClr>
-          </a:lnRef>
-          <a:fillRef idx="1">
-            <a:schemeClr val="accent1"/>
-          </a:fillRef>
-          <a:effectRef idx="0">
-            <a:schemeClr val="accent1"/>
-          </a:effectRef>
-          <a:fontRef idx="minor">
-            <a:schemeClr val="lt1"/>
-          </a:fontRef>
-        </p:style>
-        <p:txBody>
-          <a:bodyPr rtlCol="0" anchor="ctr"/>
-          <a:lstStyle/>
-          <a:p>
-            <a:pPr algn="ctr"/>
+        <p:txBody>
+          <a:bodyPr wrap="none" rtlCol="0">
+            <a:spAutoFit/>
+          </a:bodyPr>
+          <a:lstStyle/>
+          <a:p>
+            <a:r>
+              <a:rPr lang="fr-FR" dirty="0" smtClean="0"/>
+              <a:t>Linux Images</a:t>
+            </a:r>
             <a:endParaRPr lang="fr-FR" dirty="0"/>
           </a:p>
         </p:txBody>
@@ -6690,128 +7314,241 @@
       </p:grpSpPr>
       <p:sp>
         <p:nvSpPr>
-          <p:cNvPr id="2" name="Titre 1"/>
-          <p:cNvSpPr>
-            <a:spLocks noGrp="1"/>
-          </p:cNvSpPr>
-          <p:nvPr>
-            <p:ph type="title"/>
-          </p:nvPr>
-        </p:nvSpPr>
-        <p:spPr/>
-        <p:txBody>
-          <a:bodyPr>
-            <a:normAutofit fontScale="90000"/>
+          <p:cNvPr id="2" name="ZoneTexte 1"/>
+          <p:cNvSpPr txBox="1"/>
+          <p:nvPr/>
+        </p:nvSpPr>
+        <p:spPr>
+          <a:xfrm>
+            <a:off x="516949" y="908720"/>
+            <a:ext cx="3336041" cy="369332"/>
+          </a:xfrm>
+          <a:prstGeom prst="rect">
+            <a:avLst/>
+          </a:prstGeom>
+          <a:noFill/>
+        </p:spPr>
+        <p:txBody>
+          <a:bodyPr wrap="none" rtlCol="0">
+            <a:spAutoFit/>
           </a:bodyPr>
           <a:lstStyle/>
           <a:p>
             <a:r>
+              <a:rPr lang="fr-FR" dirty="0" err="1" smtClean="0"/>
+              <a:t>Integration</a:t>
+            </a:r>
+            <a:r>
               <a:rPr lang="fr-FR" dirty="0" smtClean="0"/>
-              <a:t>Micro Services </a:t>
+              <a:t> </a:t>
             </a:r>
             <a:r>
               <a:rPr lang="fr-FR" dirty="0" err="1" smtClean="0"/>
-              <a:t>references</a:t>
+              <a:t>development</a:t>
+            </a:r>
+            <a:r>
+              <a:rPr lang="fr-FR" dirty="0" smtClean="0"/>
+              <a:t> studio</a:t>
             </a:r>
             <a:endParaRPr lang="fr-FR" dirty="0"/>
           </a:p>
         </p:txBody>
       </p:sp>
-      <p:sp>
-        <p:nvSpPr>
-          <p:cNvPr id="3" name="Espace réservé du contenu 2"/>
-          <p:cNvSpPr>
-            <a:spLocks noGrp="1"/>
-          </p:cNvSpPr>
-          <p:nvPr>
-            <p:ph idx="1"/>
-          </p:nvPr>
-        </p:nvSpPr>
-        <p:spPr/>
-        <p:txBody>
-          <a:bodyPr/>
-          <a:lstStyle/>
-          <a:p>
+      <p:pic>
+        <p:nvPicPr>
+          <p:cNvPr id="2050" name="Picture 2"/>
+          <p:cNvPicPr>
+            <a:picLocks noChangeAspect="1" noChangeArrowheads="1"/>
+          </p:cNvPicPr>
+          <p:nvPr/>
+        </p:nvPicPr>
+        <p:blipFill>
+          <a:blip r:embed="rId2">
+            <a:extLst>
+              <a:ext uri="{28A0092B-C50C-407E-A947-70E740481C1C}">
+                <a14:useLocalDpi xmlns:a14="http://schemas.microsoft.com/office/drawing/2010/main" val="0"/>
+              </a:ext>
+            </a:extLst>
+          </a:blip>
+          <a:srcRect/>
+          <a:stretch>
+            <a:fillRect/>
+          </a:stretch>
+        </p:blipFill>
+        <p:spPr bwMode="auto">
+          <a:xfrm>
+            <a:off x="511316" y="1278053"/>
+            <a:ext cx="1972451" cy="1798922"/>
+          </a:xfrm>
+          <a:prstGeom prst="rect">
+            <a:avLst/>
+          </a:prstGeom>
+          <a:noFill/>
+          <a:ln>
+            <a:noFill/>
+          </a:ln>
+          <a:effectLst/>
+          <a:extLst>
+            <a:ext uri="{909E8E84-426E-40DD-AFC4-6F175D3DCCD1}">
+              <a14:hiddenFill xmlns:a14="http://schemas.microsoft.com/office/drawing/2010/main">
+                <a:solidFill>
+                  <a:schemeClr val="accent1"/>
+                </a:solidFill>
+              </a14:hiddenFill>
+            </a:ext>
+            <a:ext uri="{91240B29-F687-4F45-9708-019B960494DF}">
+              <a14:hiddenLine xmlns:a14="http://schemas.microsoft.com/office/drawing/2010/main" w="9525">
+                <a:solidFill>
+                  <a:schemeClr val="tx1"/>
+                </a:solidFill>
+                <a:miter lim="800000"/>
+                <a:headEnd/>
+                <a:tailEnd/>
+              </a14:hiddenLine>
+            </a:ext>
+            <a:ext uri="{AF507438-7753-43E0-B8FC-AC1667EBCBE1}">
+              <a14:hiddenEffects xmlns:a14="http://schemas.microsoft.com/office/drawing/2010/main">
+                <a:effectLst>
+                  <a:outerShdw dist="35921" dir="2700000" algn="ctr" rotWithShape="0">
+                    <a:schemeClr val="bg2"/>
+                  </a:outerShdw>
+                </a:effectLst>
+              </a14:hiddenEffects>
+            </a:ext>
+          </a:extLst>
+        </p:spPr>
+      </p:pic>
+      <p:sp>
+        <p:nvSpPr>
+          <p:cNvPr id="3" name="ZoneTexte 2"/>
+          <p:cNvSpPr txBox="1"/>
+          <p:nvPr/>
+        </p:nvSpPr>
+        <p:spPr>
+          <a:xfrm>
+            <a:off x="474448" y="3257014"/>
+            <a:ext cx="3216073" cy="2031325"/>
+          </a:xfrm>
+          <a:prstGeom prst="rect">
+            <a:avLst/>
+          </a:prstGeom>
+          <a:noFill/>
+        </p:spPr>
+        <p:txBody>
+          <a:bodyPr wrap="none" rtlCol="0">
+            <a:spAutoFit/>
+          </a:bodyPr>
+          <a:lstStyle/>
+          <a:p>
+            <a:r>
+              <a:rPr lang="fr-FR" dirty="0" smtClean="0">
+                <a:hlinkClick r:id="rId3"/>
+              </a:rPr>
+              <a:t>Visual Studio</a:t>
+            </a:r>
+            <a:endParaRPr lang="fr-FR" dirty="0" smtClean="0"/>
+          </a:p>
+          <a:p>
+            <a:r>
+              <a:rPr lang="fr-FR" dirty="0" smtClean="0"/>
+              <a:t>2017 : Integrated</a:t>
+            </a:r>
+          </a:p>
+          <a:p>
+            <a:r>
+              <a:rPr lang="fr-FR" dirty="0" smtClean="0"/>
+              <a:t>2015 : Extension to </a:t>
+            </a:r>
             <a:r>
               <a:rPr lang="fr-FR" dirty="0" err="1" smtClean="0"/>
-              <a:t>Redhat</a:t>
+              <a:t>be</a:t>
+            </a:r>
+            <a:r>
+              <a:rPr lang="fr-FR" dirty="0" smtClean="0"/>
+              <a:t> </a:t>
+            </a:r>
+            <a:r>
+              <a:rPr lang="fr-FR" dirty="0" err="1" smtClean="0"/>
+              <a:t>installed</a:t>
             </a:r>
             <a:endParaRPr lang="fr-FR" dirty="0" smtClean="0"/>
           </a:p>
           <a:p>
-            <a:pPr lvl="1"/>
-            <a:r>
-              <a:rPr lang="fr-FR" dirty="0">
-                <a:hlinkClick r:id="rId2"/>
+            <a:endParaRPr lang="fr-FR" dirty="0"/>
+          </a:p>
+          <a:p>
+            <a:r>
+              <a:rPr lang="fr-FR" dirty="0" smtClean="0">
+                <a:hlinkClick r:id="rId4"/>
               </a:rPr>
-              <a:t>https://</a:t>
-            </a:r>
-            <a:r>
-              <a:rPr lang="fr-FR" dirty="0" smtClean="0">
-                <a:hlinkClick r:id="rId2"/>
-              </a:rPr>
-              <a:t>www.redhat.com/cms/managed-files/mi-microservices-eap-7-reference-architecture-201606-en.pdf</a:t>
+              <a:t>Eclipse</a:t>
             </a:r>
             <a:endParaRPr lang="fr-FR" dirty="0" smtClean="0"/>
           </a:p>
           <a:p>
-            <a:pPr lvl="1"/>
+            <a:r>
+              <a:rPr lang="fr-FR" dirty="0" smtClean="0"/>
+              <a:t>Eclipse </a:t>
+            </a:r>
             <a:r>
               <a:rPr lang="fr-FR" dirty="0" err="1" smtClean="0"/>
-              <a:t>Definition</a:t>
+              <a:t>Neon</a:t>
             </a:r>
             <a:r>
               <a:rPr lang="fr-FR" dirty="0" smtClean="0"/>
-              <a:t> : Page 4</a:t>
-            </a:r>
-          </a:p>
-          <a:p>
-            <a:pPr lvl="1"/>
-            <a:r>
-              <a:rPr lang="fr-FR" dirty="0" err="1" smtClean="0"/>
-              <a:t>Advantages</a:t>
-            </a:r>
-            <a:r>
-              <a:rPr lang="fr-FR" dirty="0" smtClean="0"/>
-              <a:t> / </a:t>
-            </a:r>
-            <a:r>
-              <a:rPr lang="fr-FR" dirty="0" err="1" smtClean="0"/>
-              <a:t>Disadvantages</a:t>
-            </a:r>
-            <a:r>
-              <a:rPr lang="fr-FR" dirty="0" smtClean="0"/>
-              <a:t> : Page 4-5</a:t>
-            </a:r>
-          </a:p>
-          <a:p>
-            <a:pPr lvl="1"/>
-            <a:r>
-              <a:rPr lang="fr-FR" dirty="0" smtClean="0"/>
-              <a:t>Cross-</a:t>
-            </a:r>
-            <a:r>
-              <a:rPr lang="fr-FR" dirty="0" err="1" smtClean="0"/>
-              <a:t>Cutting</a:t>
-            </a:r>
-            <a:r>
-              <a:rPr lang="fr-FR" dirty="0" smtClean="0"/>
-              <a:t> : Page 16</a:t>
-            </a:r>
-            <a:endParaRPr lang="fr-FR" dirty="0" smtClean="0"/>
-          </a:p>
-          <a:p>
-            <a:pPr marL="457200" lvl="1" indent="0">
-              <a:buNone/>
-            </a:pPr>
+              <a:t> 4.6.0 </a:t>
+            </a:r>
+          </a:p>
+          <a:p>
             <a:endParaRPr lang="fr-FR" dirty="0"/>
           </a:p>
         </p:txBody>
       </p:sp>
+      <p:pic>
+        <p:nvPicPr>
+          <p:cNvPr id="2052" name="Picture 4" descr="https://i1.visualstudiogallery.msdn.s-msft.com/0f5b2caa-ea00-41c8-b8a2-058c7da0b3e4/image/file/205468/1/add-docker-support.png"/>
+          <p:cNvPicPr>
+            <a:picLocks noChangeAspect="1" noChangeArrowheads="1"/>
+          </p:cNvPicPr>
+          <p:nvPr/>
+        </p:nvPicPr>
+        <p:blipFill>
+          <a:blip r:embed="rId5">
+            <a:extLst>
+              <a:ext uri="{28A0092B-C50C-407E-A947-70E740481C1C}">
+                <a14:useLocalDpi xmlns:a14="http://schemas.microsoft.com/office/drawing/2010/main" val="0"/>
+              </a:ext>
+            </a:extLst>
+          </a:blip>
+          <a:srcRect/>
+          <a:stretch>
+            <a:fillRect/>
+          </a:stretch>
+        </p:blipFill>
+        <p:spPr bwMode="auto">
+          <a:xfrm>
+            <a:off x="2699792" y="1287181"/>
+            <a:ext cx="5943600" cy="1581150"/>
+          </a:xfrm>
+          <a:prstGeom prst="rect">
+            <a:avLst/>
+          </a:prstGeom>
+          <a:noFill/>
+          <a:extLst>
+            <a:ext uri="{909E8E84-426E-40DD-AFC4-6F175D3DCCD1}">
+              <a14:hiddenFill xmlns:a14="http://schemas.microsoft.com/office/drawing/2010/main">
+                <a:solidFill>
+                  <a:srgbClr val="FFFFFF"/>
+                </a:solidFill>
+              </a14:hiddenFill>
+            </a:ext>
+          </a:extLst>
+        </p:spPr>
+      </p:pic>
     </p:spTree>
     <p:extLst>
       <p:ext uri="{BB962C8B-B14F-4D97-AF65-F5344CB8AC3E}">
-        <p14:creationId xmlns:p14="http://schemas.microsoft.com/office/powerpoint/2010/main" val="1176314488"/>
+        <p14:creationId xmlns:p14="http://schemas.microsoft.com/office/powerpoint/2010/main" val="884425970"/>
       </p:ext>
     </p:extLst>
   </p:cSld>
@@ -6840,206 +7577,28 @@
       </p:grpSpPr>
       <p:sp>
         <p:nvSpPr>
-          <p:cNvPr id="4" name="Rectangle à coins arrondis 3"/>
-          <p:cNvSpPr/>
-          <p:nvPr/>
-        </p:nvSpPr>
-        <p:spPr>
-          <a:xfrm>
-            <a:off x="1551656" y="5599370"/>
-            <a:ext cx="1440160" cy="360040"/>
-          </a:xfrm>
-          <a:prstGeom prst="roundRect">
-            <a:avLst/>
-          </a:prstGeom>
-        </p:spPr>
-        <p:style>
-          <a:lnRef idx="2">
-            <a:schemeClr val="accent1">
-              <a:shade val="50000"/>
-            </a:schemeClr>
-          </a:lnRef>
-          <a:fillRef idx="1">
-            <a:schemeClr val="accent1"/>
-          </a:fillRef>
-          <a:effectRef idx="0">
-            <a:schemeClr val="accent1"/>
-          </a:effectRef>
-          <a:fontRef idx="minor">
-            <a:schemeClr val="lt1"/>
-          </a:fontRef>
-        </p:style>
-        <p:txBody>
-          <a:bodyPr rtlCol="0" anchor="ctr"/>
-          <a:lstStyle/>
-          <a:p>
-            <a:pPr algn="ctr"/>
-            <a:r>
-              <a:rPr lang="fr-FR" sz="1000" dirty="0" err="1" smtClean="0"/>
-              <a:t>microsoft</a:t>
-            </a:r>
-            <a:r>
-              <a:rPr lang="fr-FR" sz="1000" dirty="0" smtClean="0"/>
-              <a:t>/</a:t>
-            </a:r>
-            <a:r>
-              <a:rPr lang="fr-FR" sz="1000" dirty="0" err="1" smtClean="0"/>
-              <a:t>windowsservercore</a:t>
-            </a:r>
-            <a:endParaRPr lang="fr-FR" sz="1000" dirty="0"/>
-          </a:p>
-        </p:txBody>
-      </p:sp>
-      <p:sp>
-        <p:nvSpPr>
-          <p:cNvPr id="5" name="Rectangle à coins arrondis 4"/>
-          <p:cNvSpPr/>
-          <p:nvPr/>
-        </p:nvSpPr>
-        <p:spPr>
-          <a:xfrm>
-            <a:off x="7164288" y="4869160"/>
-            <a:ext cx="1440160" cy="360040"/>
-          </a:xfrm>
-          <a:prstGeom prst="roundRect">
-            <a:avLst/>
-          </a:prstGeom>
-        </p:spPr>
-        <p:style>
-          <a:lnRef idx="2">
-            <a:schemeClr val="accent1">
-              <a:shade val="50000"/>
-            </a:schemeClr>
-          </a:lnRef>
-          <a:fillRef idx="1">
-            <a:schemeClr val="accent1"/>
-          </a:fillRef>
-          <a:effectRef idx="0">
-            <a:schemeClr val="accent1"/>
-          </a:effectRef>
-          <a:fontRef idx="minor">
-            <a:schemeClr val="lt1"/>
-          </a:fontRef>
-        </p:style>
-        <p:txBody>
-          <a:bodyPr rtlCol="0" anchor="ctr"/>
-          <a:lstStyle/>
-          <a:p>
-            <a:pPr algn="ctr"/>
-            <a:r>
-              <a:rPr lang="fr-FR" sz="1000" dirty="0" smtClean="0"/>
-              <a:t>Linux RHEL</a:t>
-            </a:r>
-            <a:endParaRPr lang="fr-FR" sz="1000" dirty="0"/>
-          </a:p>
-        </p:txBody>
-      </p:sp>
-      <p:sp>
-        <p:nvSpPr>
-          <p:cNvPr id="6" name="Rectangle à coins arrondis 5"/>
-          <p:cNvSpPr/>
-          <p:nvPr/>
-        </p:nvSpPr>
-        <p:spPr>
-          <a:xfrm>
-            <a:off x="1714779" y="2096852"/>
-            <a:ext cx="1440160" cy="360040"/>
-          </a:xfrm>
-          <a:prstGeom prst="roundRect">
-            <a:avLst/>
-          </a:prstGeom>
-        </p:spPr>
-        <p:style>
-          <a:lnRef idx="2">
-            <a:schemeClr val="accent1">
-              <a:shade val="50000"/>
-            </a:schemeClr>
-          </a:lnRef>
-          <a:fillRef idx="1">
-            <a:schemeClr val="accent1"/>
-          </a:fillRef>
-          <a:effectRef idx="0">
-            <a:schemeClr val="accent1"/>
-          </a:effectRef>
-          <a:fontRef idx="minor">
-            <a:schemeClr val="lt1"/>
-          </a:fontRef>
-        </p:style>
-        <p:txBody>
-          <a:bodyPr rtlCol="0" anchor="ctr"/>
-          <a:lstStyle/>
-          <a:p>
-            <a:pPr algn="ctr"/>
-            <a:r>
-              <a:rPr lang="fr-FR" sz="1200" dirty="0" smtClean="0"/>
-              <a:t>Enterprise image:</a:t>
-            </a:r>
-          </a:p>
-          <a:p>
-            <a:pPr algn="ctr"/>
-            <a:r>
-              <a:rPr lang="fr-FR" sz="1200" dirty="0" smtClean="0"/>
-              <a:t>Windows 2016</a:t>
-            </a:r>
-            <a:endParaRPr lang="fr-FR" sz="1200" dirty="0"/>
-          </a:p>
-        </p:txBody>
-      </p:sp>
-      <p:cxnSp>
-        <p:nvCxnSpPr>
-          <p:cNvPr id="9" name="Connecteur droit 8"/>
-          <p:cNvCxnSpPr/>
-          <p:nvPr/>
-        </p:nvCxnSpPr>
-        <p:spPr>
-          <a:xfrm>
-            <a:off x="107504" y="3140968"/>
-            <a:ext cx="8784976" cy="0"/>
-          </a:xfrm>
-          <a:prstGeom prst="line">
-            <a:avLst/>
-          </a:prstGeom>
-        </p:spPr>
-        <p:style>
-          <a:lnRef idx="1">
-            <a:schemeClr val="accent1"/>
-          </a:lnRef>
-          <a:fillRef idx="0">
-            <a:schemeClr val="accent1"/>
-          </a:fillRef>
-          <a:effectRef idx="0">
-            <a:schemeClr val="accent1"/>
-          </a:effectRef>
-          <a:fontRef idx="minor">
-            <a:schemeClr val="tx1"/>
-          </a:fontRef>
-        </p:style>
-      </p:cxnSp>
-      <p:sp>
-        <p:nvSpPr>
-          <p:cNvPr id="10" name="ZoneTexte 9"/>
-          <p:cNvSpPr txBox="1"/>
-          <p:nvPr/>
-        </p:nvSpPr>
-        <p:spPr>
-          <a:xfrm>
-            <a:off x="120483" y="3161566"/>
-            <a:ext cx="1257652" cy="369332"/>
-          </a:xfrm>
-          <a:prstGeom prst="rect">
-            <a:avLst/>
-          </a:prstGeom>
-          <a:noFill/>
-        </p:spPr>
-        <p:txBody>
-          <a:bodyPr wrap="none" rtlCol="0">
-            <a:spAutoFit/>
+          <p:cNvPr id="2" name="Titre 1"/>
+          <p:cNvSpPr>
+            <a:spLocks noGrp="1"/>
+          </p:cNvSpPr>
+          <p:nvPr>
+            <p:ph type="title"/>
+          </p:nvPr>
+        </p:nvSpPr>
+        <p:spPr/>
+        <p:txBody>
+          <a:bodyPr>
+            <a:normAutofit fontScale="90000"/>
           </a:bodyPr>
           <a:lstStyle/>
           <a:p>
             <a:r>
               <a:rPr lang="fr-FR" dirty="0" smtClean="0"/>
-              <a:t>Docker hub</a:t>
+              <a:t>Micro Services </a:t>
+            </a:r>
+            <a:r>
+              <a:rPr lang="fr-FR" dirty="0" err="1" smtClean="0"/>
+              <a:t>references</a:t>
             </a:r>
             <a:endParaRPr lang="fr-FR" dirty="0"/>
           </a:p>
@@ -7047,294 +7606,98 @@
       </p:sp>
       <p:sp>
         <p:nvSpPr>
-          <p:cNvPr id="11" name="ZoneTexte 10"/>
-          <p:cNvSpPr txBox="1"/>
-          <p:nvPr/>
-        </p:nvSpPr>
-        <p:spPr>
-          <a:xfrm>
-            <a:off x="145996" y="2708920"/>
-            <a:ext cx="1565044" cy="369332"/>
-          </a:xfrm>
-          <a:prstGeom prst="rect">
-            <a:avLst/>
-          </a:prstGeom>
-          <a:noFill/>
-        </p:spPr>
-        <p:txBody>
-          <a:bodyPr wrap="none" rtlCol="0">
-            <a:spAutoFit/>
-          </a:bodyPr>
-          <a:lstStyle/>
-          <a:p>
+          <p:cNvPr id="3" name="Espace réservé du contenu 2"/>
+          <p:cNvSpPr>
+            <a:spLocks noGrp="1"/>
+          </p:cNvSpPr>
+          <p:nvPr>
+            <p:ph idx="1"/>
+          </p:nvPr>
+        </p:nvSpPr>
+        <p:spPr/>
+        <p:txBody>
+          <a:bodyPr/>
+          <a:lstStyle/>
+          <a:p>
+            <a:r>
+              <a:rPr lang="fr-FR" dirty="0" err="1" smtClean="0"/>
+              <a:t>Redhat</a:t>
+            </a:r>
+            <a:endParaRPr lang="fr-FR" dirty="0" smtClean="0"/>
+          </a:p>
+          <a:p>
+            <a:pPr lvl="1"/>
+            <a:r>
+              <a:rPr lang="fr-FR" dirty="0">
+                <a:hlinkClick r:id="rId2"/>
+              </a:rPr>
+              <a:t>https://</a:t>
+            </a:r>
+            <a:r>
+              <a:rPr lang="fr-FR" dirty="0" smtClean="0">
+                <a:hlinkClick r:id="rId2"/>
+              </a:rPr>
+              <a:t>www.redhat.com/cms/managed-files/mi-microservices-eap-7-reference-architecture-201606-en.pdf</a:t>
+            </a:r>
+            <a:endParaRPr lang="fr-FR" dirty="0" smtClean="0"/>
+          </a:p>
+          <a:p>
+            <a:pPr lvl="1"/>
+            <a:r>
+              <a:rPr lang="fr-FR" dirty="0" err="1" smtClean="0"/>
+              <a:t>Definition</a:t>
+            </a:r>
             <a:r>
               <a:rPr lang="fr-FR" dirty="0" smtClean="0"/>
-              <a:t>Enterprise hub</a:t>
-            </a:r>
+              <a:t> : Page 4</a:t>
+            </a:r>
+          </a:p>
+          <a:p>
+            <a:pPr lvl="1"/>
+            <a:r>
+              <a:rPr lang="fr-FR" dirty="0" err="1" smtClean="0"/>
+              <a:t>Advantages</a:t>
+            </a:r>
+            <a:r>
+              <a:rPr lang="fr-FR" dirty="0" smtClean="0"/>
+              <a:t> / </a:t>
+            </a:r>
+            <a:r>
+              <a:rPr lang="fr-FR" dirty="0" err="1" smtClean="0"/>
+              <a:t>Disadvantages</a:t>
+            </a:r>
+            <a:r>
+              <a:rPr lang="fr-FR" dirty="0" smtClean="0"/>
+              <a:t> : Page 4-5</a:t>
+            </a:r>
+          </a:p>
+          <a:p>
+            <a:pPr lvl="1"/>
+            <a:r>
+              <a:rPr lang="fr-FR" dirty="0" smtClean="0"/>
+              <a:t>Cross-</a:t>
+            </a:r>
+            <a:r>
+              <a:rPr lang="fr-FR" dirty="0" err="1" smtClean="0"/>
+              <a:t>Cutting</a:t>
+            </a:r>
+            <a:r>
+              <a:rPr lang="fr-FR" dirty="0" smtClean="0"/>
+              <a:t> : Page 16</a:t>
+            </a:r>
+          </a:p>
+          <a:p>
+            <a:pPr marL="457200" lvl="1" indent="0">
+              <a:buNone/>
+            </a:pPr>
             <a:endParaRPr lang="fr-FR" dirty="0"/>
-          </a:p>
-        </p:txBody>
-      </p:sp>
-      <p:sp>
-        <p:nvSpPr>
-          <p:cNvPr id="12" name="Rectangle à coins arrondis 11"/>
-          <p:cNvSpPr/>
-          <p:nvPr/>
-        </p:nvSpPr>
-        <p:spPr>
-          <a:xfrm>
-            <a:off x="3711809" y="5589240"/>
-            <a:ext cx="1440160" cy="360040"/>
-          </a:xfrm>
-          <a:prstGeom prst="roundRect">
-            <a:avLst/>
-          </a:prstGeom>
-        </p:spPr>
-        <p:style>
-          <a:lnRef idx="2">
-            <a:schemeClr val="accent1">
-              <a:shade val="50000"/>
-            </a:schemeClr>
-          </a:lnRef>
-          <a:fillRef idx="1">
-            <a:schemeClr val="accent1"/>
-          </a:fillRef>
-          <a:effectRef idx="0">
-            <a:schemeClr val="accent1"/>
-          </a:effectRef>
-          <a:fontRef idx="minor">
-            <a:schemeClr val="lt1"/>
-          </a:fontRef>
-        </p:style>
-        <p:txBody>
-          <a:bodyPr rtlCol="0" anchor="ctr"/>
-          <a:lstStyle/>
-          <a:p>
-            <a:pPr algn="ctr"/>
-            <a:r>
-              <a:rPr lang="fr-FR" sz="1000" dirty="0" smtClean="0"/>
-              <a:t>Windows 2016 </a:t>
-            </a:r>
-            <a:r>
-              <a:rPr lang="fr-FR" sz="1000" dirty="0" err="1" smtClean="0"/>
-              <a:t>nanoserver</a:t>
-            </a:r>
-            <a:endParaRPr lang="fr-FR" sz="1000" dirty="0"/>
-          </a:p>
-        </p:txBody>
-      </p:sp>
-      <p:sp>
-        <p:nvSpPr>
-          <p:cNvPr id="13" name="Rectangle à coins arrondis 12"/>
-          <p:cNvSpPr/>
-          <p:nvPr/>
-        </p:nvSpPr>
-        <p:spPr>
-          <a:xfrm>
-            <a:off x="1551656" y="4941168"/>
-            <a:ext cx="1440160" cy="360040"/>
-          </a:xfrm>
-          <a:prstGeom prst="roundRect">
-            <a:avLst/>
-          </a:prstGeom>
-        </p:spPr>
-        <p:style>
-          <a:lnRef idx="2">
-            <a:schemeClr val="accent1">
-              <a:shade val="50000"/>
-            </a:schemeClr>
-          </a:lnRef>
-          <a:fillRef idx="1">
-            <a:schemeClr val="accent1"/>
-          </a:fillRef>
-          <a:effectRef idx="0">
-            <a:schemeClr val="accent1"/>
-          </a:effectRef>
-          <a:fontRef idx="minor">
-            <a:schemeClr val="lt1"/>
-          </a:fontRef>
-        </p:style>
-        <p:txBody>
-          <a:bodyPr rtlCol="0" anchor="ctr"/>
-          <a:lstStyle/>
-          <a:p>
-            <a:pPr algn="ctr"/>
-            <a:r>
-              <a:rPr lang="fr-FR" sz="1000" dirty="0" err="1"/>
-              <a:t>microsoft</a:t>
-            </a:r>
-            <a:r>
-              <a:rPr lang="fr-FR" sz="1000" dirty="0"/>
-              <a:t>/</a:t>
-            </a:r>
-            <a:r>
-              <a:rPr lang="fr-FR" sz="1000" dirty="0" err="1"/>
-              <a:t>dotnet-framework</a:t>
-            </a:r>
-            <a:endParaRPr lang="fr-FR" sz="1000" dirty="0"/>
-          </a:p>
-        </p:txBody>
-      </p:sp>
-      <p:sp>
-        <p:nvSpPr>
-          <p:cNvPr id="14" name="Rectangle à coins arrondis 13"/>
-          <p:cNvSpPr/>
-          <p:nvPr/>
-        </p:nvSpPr>
-        <p:spPr>
-          <a:xfrm>
-            <a:off x="1547664" y="4221088"/>
-            <a:ext cx="1440160" cy="360040"/>
-          </a:xfrm>
-          <a:prstGeom prst="roundRect">
-            <a:avLst/>
-          </a:prstGeom>
-        </p:spPr>
-        <p:style>
-          <a:lnRef idx="2">
-            <a:schemeClr val="accent1">
-              <a:shade val="50000"/>
-            </a:schemeClr>
-          </a:lnRef>
-          <a:fillRef idx="1">
-            <a:schemeClr val="accent1"/>
-          </a:fillRef>
-          <a:effectRef idx="0">
-            <a:schemeClr val="accent1"/>
-          </a:effectRef>
-          <a:fontRef idx="minor">
-            <a:schemeClr val="lt1"/>
-          </a:fontRef>
-        </p:style>
-        <p:txBody>
-          <a:bodyPr rtlCol="0" anchor="ctr"/>
-          <a:lstStyle/>
-          <a:p>
-            <a:pPr algn="ctr"/>
-            <a:r>
-              <a:rPr lang="fr-FR" sz="1000" dirty="0" err="1" smtClean="0"/>
-              <a:t>microsoft</a:t>
-            </a:r>
-            <a:r>
-              <a:rPr lang="fr-FR" sz="1000" dirty="0" smtClean="0"/>
-              <a:t>/</a:t>
-            </a:r>
-            <a:r>
-              <a:rPr lang="fr-FR" sz="1000" dirty="0" err="1" smtClean="0"/>
-              <a:t>aspnet</a:t>
-            </a:r>
-            <a:endParaRPr lang="fr-FR" sz="1000" dirty="0"/>
-          </a:p>
-        </p:txBody>
-      </p:sp>
-      <p:sp>
-        <p:nvSpPr>
-          <p:cNvPr id="15" name="Rectangle à coins arrondis 14"/>
-          <p:cNvSpPr/>
-          <p:nvPr/>
-        </p:nvSpPr>
-        <p:spPr>
-          <a:xfrm>
-            <a:off x="3707904" y="4241645"/>
-            <a:ext cx="1440160" cy="360040"/>
-          </a:xfrm>
-          <a:prstGeom prst="roundRect">
-            <a:avLst/>
-          </a:prstGeom>
-        </p:spPr>
-        <p:style>
-          <a:lnRef idx="2">
-            <a:schemeClr val="accent1">
-              <a:shade val="50000"/>
-            </a:schemeClr>
-          </a:lnRef>
-          <a:fillRef idx="1">
-            <a:schemeClr val="accent1"/>
-          </a:fillRef>
-          <a:effectRef idx="0">
-            <a:schemeClr val="accent1"/>
-          </a:effectRef>
-          <a:fontRef idx="minor">
-            <a:schemeClr val="lt1"/>
-          </a:fontRef>
-        </p:style>
-        <p:txBody>
-          <a:bodyPr rtlCol="0" anchor="ctr"/>
-          <a:lstStyle/>
-          <a:p>
-            <a:pPr algn="ctr"/>
-            <a:r>
-              <a:rPr lang="fr-FR" sz="1000" dirty="0" err="1" smtClean="0"/>
-              <a:t>microsoft</a:t>
-            </a:r>
-            <a:r>
-              <a:rPr lang="fr-FR" sz="1000" dirty="0" smtClean="0"/>
-              <a:t>/</a:t>
-            </a:r>
-            <a:r>
-              <a:rPr lang="fr-FR" sz="1000" dirty="0" err="1" smtClean="0"/>
-              <a:t>aspnetcore</a:t>
-            </a:r>
-            <a:endParaRPr lang="fr-FR" sz="1000" dirty="0"/>
-          </a:p>
-        </p:txBody>
-      </p:sp>
-      <p:sp>
-        <p:nvSpPr>
-          <p:cNvPr id="16" name="Rectangle à coins arrondis 15"/>
-          <p:cNvSpPr/>
-          <p:nvPr/>
-        </p:nvSpPr>
-        <p:spPr>
-          <a:xfrm>
-            <a:off x="3711809" y="4941168"/>
-            <a:ext cx="1440160" cy="360040"/>
-          </a:xfrm>
-          <a:prstGeom prst="roundRect">
-            <a:avLst/>
-          </a:prstGeom>
-        </p:spPr>
-        <p:style>
-          <a:lnRef idx="2">
-            <a:schemeClr val="accent1">
-              <a:shade val="50000"/>
-            </a:schemeClr>
-          </a:lnRef>
-          <a:fillRef idx="1">
-            <a:schemeClr val="accent1"/>
-          </a:fillRef>
-          <a:effectRef idx="0">
-            <a:schemeClr val="accent1"/>
-          </a:effectRef>
-          <a:fontRef idx="minor">
-            <a:schemeClr val="lt1"/>
-          </a:fontRef>
-        </p:style>
-        <p:txBody>
-          <a:bodyPr rtlCol="0" anchor="ctr"/>
-          <a:lstStyle/>
-          <a:p>
-            <a:pPr algn="ctr"/>
-            <a:r>
-              <a:rPr lang="fr-FR" sz="1000" dirty="0" err="1" smtClean="0"/>
-              <a:t>microsoft</a:t>
-            </a:r>
-            <a:r>
-              <a:rPr lang="fr-FR" sz="1000" dirty="0" smtClean="0"/>
-              <a:t>/</a:t>
-            </a:r>
-            <a:r>
-              <a:rPr lang="fr-FR" sz="1000" dirty="0" err="1" smtClean="0"/>
-              <a:t>dotnet</a:t>
-            </a:r>
-            <a:endParaRPr lang="fr-FR" sz="1000" dirty="0"/>
           </a:p>
         </p:txBody>
       </p:sp>
     </p:spTree>
     <p:extLst>
       <p:ext uri="{BB962C8B-B14F-4D97-AF65-F5344CB8AC3E}">
-        <p14:creationId xmlns:p14="http://schemas.microsoft.com/office/powerpoint/2010/main" val="1344675733"/>
+        <p14:creationId xmlns:p14="http://schemas.microsoft.com/office/powerpoint/2010/main" val="1176314488"/>
       </p:ext>
     </p:extLst>
   </p:cSld>

--- a/Documentation/Container Architecture.pptx
+++ b/Documentation/Container Architecture.pptx
@@ -10,19 +10,26 @@
     <p:sldId id="269" r:id="rId4"/>
     <p:sldId id="270" r:id="rId5"/>
     <p:sldId id="272" r:id="rId6"/>
-    <p:sldId id="271" r:id="rId7"/>
-    <p:sldId id="257" r:id="rId8"/>
-    <p:sldId id="273" r:id="rId9"/>
-    <p:sldId id="258" r:id="rId10"/>
-    <p:sldId id="256" r:id="rId11"/>
-    <p:sldId id="263" r:id="rId12"/>
-    <p:sldId id="264" r:id="rId13"/>
-    <p:sldId id="265" r:id="rId14"/>
-    <p:sldId id="262" r:id="rId15"/>
-    <p:sldId id="261" r:id="rId16"/>
-    <p:sldId id="260" r:id="rId17"/>
-    <p:sldId id="266" r:id="rId18"/>
-    <p:sldId id="259" r:id="rId19"/>
+    <p:sldId id="280" r:id="rId7"/>
+    <p:sldId id="276" r:id="rId8"/>
+    <p:sldId id="274" r:id="rId9"/>
+    <p:sldId id="278" r:id="rId10"/>
+    <p:sldId id="271" r:id="rId11"/>
+    <p:sldId id="257" r:id="rId12"/>
+    <p:sldId id="273" r:id="rId13"/>
+    <p:sldId id="275" r:id="rId14"/>
+    <p:sldId id="258" r:id="rId15"/>
+    <p:sldId id="279" r:id="rId16"/>
+    <p:sldId id="277" r:id="rId17"/>
+    <p:sldId id="256" r:id="rId18"/>
+    <p:sldId id="263" r:id="rId19"/>
+    <p:sldId id="264" r:id="rId20"/>
+    <p:sldId id="265" r:id="rId21"/>
+    <p:sldId id="262" r:id="rId22"/>
+    <p:sldId id="261" r:id="rId23"/>
+    <p:sldId id="260" r:id="rId24"/>
+    <p:sldId id="266" r:id="rId25"/>
+    <p:sldId id="259" r:id="rId26"/>
   </p:sldIdLst>
   <p:sldSz cx="9144000" cy="6858000" type="screen4x3"/>
   <p:notesSz cx="6858000" cy="9144000"/>
@@ -297,7 +304,7 @@
           <a:p>
             <a:fld id="{4F38D3F6-E48F-4950-AC1B-79C88B17E831}" type="datetimeFigureOut">
               <a:rPr lang="fr-FR" smtClean="0"/>
-              <a:t>07/12/2017</a:t>
+              <a:t>14/12/2017</a:t>
             </a:fld>
             <a:endParaRPr lang="fr-FR"/>
           </a:p>
@@ -444,7 +451,7 @@
           <a:p>
             <a:fld id="{4F38D3F6-E48F-4950-AC1B-79C88B17E831}" type="datetimeFigureOut">
               <a:rPr lang="fr-FR" smtClean="0"/>
-              <a:t>07/12/2017</a:t>
+              <a:t>14/12/2017</a:t>
             </a:fld>
             <a:endParaRPr lang="fr-FR"/>
           </a:p>
@@ -675,7 +682,7 @@
           <a:p>
             <a:fld id="{4F38D3F6-E48F-4950-AC1B-79C88B17E831}" type="datetimeFigureOut">
               <a:rPr lang="fr-FR" smtClean="0"/>
-              <a:t>07/12/2017</a:t>
+              <a:t>14/12/2017</a:t>
             </a:fld>
             <a:endParaRPr lang="fr-FR"/>
           </a:p>
@@ -856,7 +863,7 @@
           <a:p>
             <a:fld id="{4F38D3F6-E48F-4950-AC1B-79C88B17E831}" type="datetimeFigureOut">
               <a:rPr lang="fr-FR" smtClean="0"/>
-              <a:t>07/12/2017</a:t>
+              <a:t>14/12/2017</a:t>
             </a:fld>
             <a:endParaRPr lang="fr-FR"/>
           </a:p>
@@ -1098,7 +1105,7 @@
           <a:p>
             <a:fld id="{4F38D3F6-E48F-4950-AC1B-79C88B17E831}" type="datetimeFigureOut">
               <a:rPr lang="fr-FR" smtClean="0"/>
-              <a:t>07/12/2017</a:t>
+              <a:t>14/12/2017</a:t>
             </a:fld>
             <a:endParaRPr lang="fr-FR"/>
           </a:p>
@@ -1334,7 +1341,7 @@
           <a:p>
             <a:fld id="{4F38D3F6-E48F-4950-AC1B-79C88B17E831}" type="datetimeFigureOut">
               <a:rPr lang="fr-FR" smtClean="0"/>
-              <a:t>07/12/2017</a:t>
+              <a:t>14/12/2017</a:t>
             </a:fld>
             <a:endParaRPr lang="fr-FR"/>
           </a:p>
@@ -1730,7 +1737,7 @@
           <a:p>
             <a:fld id="{4F38D3F6-E48F-4950-AC1B-79C88B17E831}" type="datetimeFigureOut">
               <a:rPr lang="fr-FR" smtClean="0"/>
-              <a:t>07/12/2017</a:t>
+              <a:t>14/12/2017</a:t>
             </a:fld>
             <a:endParaRPr lang="fr-FR"/>
           </a:p>
@@ -1870,7 +1877,7 @@
           <a:p>
             <a:fld id="{4F38D3F6-E48F-4950-AC1B-79C88B17E831}" type="datetimeFigureOut">
               <a:rPr lang="fr-FR" smtClean="0"/>
-              <a:t>07/12/2017</a:t>
+              <a:t>14/12/2017</a:t>
             </a:fld>
             <a:endParaRPr lang="fr-FR"/>
           </a:p>
@@ -2010,7 +2017,7 @@
           <a:p>
             <a:fld id="{4F38D3F6-E48F-4950-AC1B-79C88B17E831}" type="datetimeFigureOut">
               <a:rPr lang="fr-FR" smtClean="0"/>
-              <a:t>07/12/2017</a:t>
+              <a:t>14/12/2017</a:t>
             </a:fld>
             <a:endParaRPr lang="fr-FR"/>
           </a:p>
@@ -2222,7 +2229,7 @@
           <a:p>
             <a:fld id="{4F38D3F6-E48F-4950-AC1B-79C88B17E831}" type="datetimeFigureOut">
               <a:rPr lang="fr-FR" smtClean="0"/>
-              <a:t>07/12/2017</a:t>
+              <a:t>14/12/2017</a:t>
             </a:fld>
             <a:endParaRPr lang="fr-FR"/>
           </a:p>
@@ -2560,7 +2567,7 @@
           <a:p>
             <a:fld id="{4F38D3F6-E48F-4950-AC1B-79C88B17E831}" type="datetimeFigureOut">
               <a:rPr lang="fr-FR" smtClean="0"/>
-              <a:t>07/12/2017</a:t>
+              <a:t>14/12/2017</a:t>
             </a:fld>
             <a:endParaRPr lang="fr-FR"/>
           </a:p>
@@ -3331,7 +3338,7 @@
           <a:p>
             <a:fld id="{4F38D3F6-E48F-4950-AC1B-79C88B17E831}" type="datetimeFigureOut">
               <a:rPr lang="fr-FR" smtClean="0"/>
-              <a:t>07/12/2017</a:t>
+              <a:t>14/12/2017</a:t>
             </a:fld>
             <a:endParaRPr lang="fr-FR"/>
           </a:p>
@@ -3813,3205 +3820,6 @@
       </p:grpSpPr>
       <p:sp>
         <p:nvSpPr>
-          <p:cNvPr id="4" name="Rectangle à coins arrondis 3"/>
-          <p:cNvSpPr/>
-          <p:nvPr/>
-        </p:nvSpPr>
-        <p:spPr>
-          <a:xfrm>
-            <a:off x="1551656" y="5599370"/>
-            <a:ext cx="1440160" cy="360040"/>
-          </a:xfrm>
-          <a:prstGeom prst="roundRect">
-            <a:avLst/>
-          </a:prstGeom>
-        </p:spPr>
-        <p:style>
-          <a:lnRef idx="2">
-            <a:schemeClr val="accent1">
-              <a:shade val="50000"/>
-            </a:schemeClr>
-          </a:lnRef>
-          <a:fillRef idx="1">
-            <a:schemeClr val="accent1"/>
-          </a:fillRef>
-          <a:effectRef idx="0">
-            <a:schemeClr val="accent1"/>
-          </a:effectRef>
-          <a:fontRef idx="minor">
-            <a:schemeClr val="lt1"/>
-          </a:fontRef>
-        </p:style>
-        <p:txBody>
-          <a:bodyPr rtlCol="0" anchor="ctr"/>
-          <a:lstStyle/>
-          <a:p>
-            <a:pPr algn="ctr"/>
-            <a:r>
-              <a:rPr lang="fr-FR" sz="1000" dirty="0" err="1" smtClean="0"/>
-              <a:t>microsoft</a:t>
-            </a:r>
-            <a:r>
-              <a:rPr lang="fr-FR" sz="1000" dirty="0" smtClean="0"/>
-              <a:t>/</a:t>
-            </a:r>
-            <a:r>
-              <a:rPr lang="fr-FR" sz="1000" dirty="0" err="1" smtClean="0"/>
-              <a:t>windowsservercore</a:t>
-            </a:r>
-            <a:endParaRPr lang="fr-FR" sz="1000" dirty="0"/>
-          </a:p>
-        </p:txBody>
-      </p:sp>
-      <p:sp>
-        <p:nvSpPr>
-          <p:cNvPr id="5" name="Rectangle à coins arrondis 4"/>
-          <p:cNvSpPr/>
-          <p:nvPr/>
-        </p:nvSpPr>
-        <p:spPr>
-          <a:xfrm>
-            <a:off x="7164288" y="4869160"/>
-            <a:ext cx="1440160" cy="360040"/>
-          </a:xfrm>
-          <a:prstGeom prst="roundRect">
-            <a:avLst/>
-          </a:prstGeom>
-        </p:spPr>
-        <p:style>
-          <a:lnRef idx="2">
-            <a:schemeClr val="accent1">
-              <a:shade val="50000"/>
-            </a:schemeClr>
-          </a:lnRef>
-          <a:fillRef idx="1">
-            <a:schemeClr val="accent1"/>
-          </a:fillRef>
-          <a:effectRef idx="0">
-            <a:schemeClr val="accent1"/>
-          </a:effectRef>
-          <a:fontRef idx="minor">
-            <a:schemeClr val="lt1"/>
-          </a:fontRef>
-        </p:style>
-        <p:txBody>
-          <a:bodyPr rtlCol="0" anchor="ctr"/>
-          <a:lstStyle/>
-          <a:p>
-            <a:pPr algn="ctr"/>
-            <a:r>
-              <a:rPr lang="fr-FR" sz="1000" dirty="0" smtClean="0"/>
-              <a:t>Linux RHEL</a:t>
-            </a:r>
-            <a:endParaRPr lang="fr-FR" sz="1000" dirty="0"/>
-          </a:p>
-        </p:txBody>
-      </p:sp>
-      <p:sp>
-        <p:nvSpPr>
-          <p:cNvPr id="6" name="Rectangle à coins arrondis 5"/>
-          <p:cNvSpPr/>
-          <p:nvPr/>
-        </p:nvSpPr>
-        <p:spPr>
-          <a:xfrm>
-            <a:off x="1714779" y="2096852"/>
-            <a:ext cx="1440160" cy="360040"/>
-          </a:xfrm>
-          <a:prstGeom prst="roundRect">
-            <a:avLst/>
-          </a:prstGeom>
-        </p:spPr>
-        <p:style>
-          <a:lnRef idx="2">
-            <a:schemeClr val="accent1">
-              <a:shade val="50000"/>
-            </a:schemeClr>
-          </a:lnRef>
-          <a:fillRef idx="1">
-            <a:schemeClr val="accent1"/>
-          </a:fillRef>
-          <a:effectRef idx="0">
-            <a:schemeClr val="accent1"/>
-          </a:effectRef>
-          <a:fontRef idx="minor">
-            <a:schemeClr val="lt1"/>
-          </a:fontRef>
-        </p:style>
-        <p:txBody>
-          <a:bodyPr rtlCol="0" anchor="ctr"/>
-          <a:lstStyle/>
-          <a:p>
-            <a:pPr algn="ctr"/>
-            <a:r>
-              <a:rPr lang="fr-FR" sz="1200" dirty="0" smtClean="0"/>
-              <a:t>Enterprise image:</a:t>
-            </a:r>
-          </a:p>
-          <a:p>
-            <a:pPr algn="ctr"/>
-            <a:r>
-              <a:rPr lang="fr-FR" sz="1200" dirty="0" smtClean="0"/>
-              <a:t>Windows 2016</a:t>
-            </a:r>
-            <a:endParaRPr lang="fr-FR" sz="1200" dirty="0"/>
-          </a:p>
-        </p:txBody>
-      </p:sp>
-      <p:cxnSp>
-        <p:nvCxnSpPr>
-          <p:cNvPr id="9" name="Connecteur droit 8"/>
-          <p:cNvCxnSpPr/>
-          <p:nvPr/>
-        </p:nvCxnSpPr>
-        <p:spPr>
-          <a:xfrm>
-            <a:off x="107504" y="3140968"/>
-            <a:ext cx="8784976" cy="0"/>
-          </a:xfrm>
-          <a:prstGeom prst="line">
-            <a:avLst/>
-          </a:prstGeom>
-        </p:spPr>
-        <p:style>
-          <a:lnRef idx="1">
-            <a:schemeClr val="accent1"/>
-          </a:lnRef>
-          <a:fillRef idx="0">
-            <a:schemeClr val="accent1"/>
-          </a:fillRef>
-          <a:effectRef idx="0">
-            <a:schemeClr val="accent1"/>
-          </a:effectRef>
-          <a:fontRef idx="minor">
-            <a:schemeClr val="tx1"/>
-          </a:fontRef>
-        </p:style>
-      </p:cxnSp>
-      <p:sp>
-        <p:nvSpPr>
-          <p:cNvPr id="10" name="ZoneTexte 9"/>
-          <p:cNvSpPr txBox="1"/>
-          <p:nvPr/>
-        </p:nvSpPr>
-        <p:spPr>
-          <a:xfrm>
-            <a:off x="120483" y="3161566"/>
-            <a:ext cx="1257652" cy="369332"/>
-          </a:xfrm>
-          <a:prstGeom prst="rect">
-            <a:avLst/>
-          </a:prstGeom>
-          <a:noFill/>
-        </p:spPr>
-        <p:txBody>
-          <a:bodyPr wrap="none" rtlCol="0">
-            <a:spAutoFit/>
-          </a:bodyPr>
-          <a:lstStyle/>
-          <a:p>
-            <a:r>
-              <a:rPr lang="fr-FR" dirty="0" smtClean="0"/>
-              <a:t>Docker hub</a:t>
-            </a:r>
-            <a:endParaRPr lang="fr-FR" dirty="0"/>
-          </a:p>
-        </p:txBody>
-      </p:sp>
-      <p:sp>
-        <p:nvSpPr>
-          <p:cNvPr id="11" name="ZoneTexte 10"/>
-          <p:cNvSpPr txBox="1"/>
-          <p:nvPr/>
-        </p:nvSpPr>
-        <p:spPr>
-          <a:xfrm>
-            <a:off x="145996" y="2708920"/>
-            <a:ext cx="1565044" cy="369332"/>
-          </a:xfrm>
-          <a:prstGeom prst="rect">
-            <a:avLst/>
-          </a:prstGeom>
-          <a:noFill/>
-        </p:spPr>
-        <p:txBody>
-          <a:bodyPr wrap="none" rtlCol="0">
-            <a:spAutoFit/>
-          </a:bodyPr>
-          <a:lstStyle/>
-          <a:p>
-            <a:r>
-              <a:rPr lang="fr-FR" dirty="0" smtClean="0"/>
-              <a:t>Enterprise hub</a:t>
-            </a:r>
-            <a:endParaRPr lang="fr-FR" dirty="0"/>
-          </a:p>
-        </p:txBody>
-      </p:sp>
-      <p:sp>
-        <p:nvSpPr>
-          <p:cNvPr id="12" name="Rectangle à coins arrondis 11"/>
-          <p:cNvSpPr/>
-          <p:nvPr/>
-        </p:nvSpPr>
-        <p:spPr>
-          <a:xfrm>
-            <a:off x="3711809" y="5589240"/>
-            <a:ext cx="1440160" cy="360040"/>
-          </a:xfrm>
-          <a:prstGeom prst="roundRect">
-            <a:avLst/>
-          </a:prstGeom>
-        </p:spPr>
-        <p:style>
-          <a:lnRef idx="2">
-            <a:schemeClr val="accent1">
-              <a:shade val="50000"/>
-            </a:schemeClr>
-          </a:lnRef>
-          <a:fillRef idx="1">
-            <a:schemeClr val="accent1"/>
-          </a:fillRef>
-          <a:effectRef idx="0">
-            <a:schemeClr val="accent1"/>
-          </a:effectRef>
-          <a:fontRef idx="minor">
-            <a:schemeClr val="lt1"/>
-          </a:fontRef>
-        </p:style>
-        <p:txBody>
-          <a:bodyPr rtlCol="0" anchor="ctr"/>
-          <a:lstStyle/>
-          <a:p>
-            <a:pPr algn="ctr"/>
-            <a:r>
-              <a:rPr lang="fr-FR" sz="1000" dirty="0" smtClean="0"/>
-              <a:t>Windows 2016 </a:t>
-            </a:r>
-            <a:r>
-              <a:rPr lang="fr-FR" sz="1000" dirty="0" err="1" smtClean="0"/>
-              <a:t>nanoserver</a:t>
-            </a:r>
-            <a:endParaRPr lang="fr-FR" sz="1000" dirty="0"/>
-          </a:p>
-        </p:txBody>
-      </p:sp>
-      <p:sp>
-        <p:nvSpPr>
-          <p:cNvPr id="13" name="Rectangle à coins arrondis 12"/>
-          <p:cNvSpPr/>
-          <p:nvPr/>
-        </p:nvSpPr>
-        <p:spPr>
-          <a:xfrm>
-            <a:off x="1551656" y="4941168"/>
-            <a:ext cx="1440160" cy="360040"/>
-          </a:xfrm>
-          <a:prstGeom prst="roundRect">
-            <a:avLst/>
-          </a:prstGeom>
-        </p:spPr>
-        <p:style>
-          <a:lnRef idx="2">
-            <a:schemeClr val="accent1">
-              <a:shade val="50000"/>
-            </a:schemeClr>
-          </a:lnRef>
-          <a:fillRef idx="1">
-            <a:schemeClr val="accent1"/>
-          </a:fillRef>
-          <a:effectRef idx="0">
-            <a:schemeClr val="accent1"/>
-          </a:effectRef>
-          <a:fontRef idx="minor">
-            <a:schemeClr val="lt1"/>
-          </a:fontRef>
-        </p:style>
-        <p:txBody>
-          <a:bodyPr rtlCol="0" anchor="ctr"/>
-          <a:lstStyle/>
-          <a:p>
-            <a:pPr algn="ctr"/>
-            <a:r>
-              <a:rPr lang="fr-FR" sz="1000" dirty="0" err="1"/>
-              <a:t>microsoft</a:t>
-            </a:r>
-            <a:r>
-              <a:rPr lang="fr-FR" sz="1000" dirty="0"/>
-              <a:t>/</a:t>
-            </a:r>
-            <a:r>
-              <a:rPr lang="fr-FR" sz="1000" dirty="0" err="1"/>
-              <a:t>dotnet-framework</a:t>
-            </a:r>
-            <a:endParaRPr lang="fr-FR" sz="1000" dirty="0"/>
-          </a:p>
-        </p:txBody>
-      </p:sp>
-      <p:sp>
-        <p:nvSpPr>
-          <p:cNvPr id="14" name="Rectangle à coins arrondis 13"/>
-          <p:cNvSpPr/>
-          <p:nvPr/>
-        </p:nvSpPr>
-        <p:spPr>
-          <a:xfrm>
-            <a:off x="1547664" y="4221088"/>
-            <a:ext cx="1440160" cy="360040"/>
-          </a:xfrm>
-          <a:prstGeom prst="roundRect">
-            <a:avLst/>
-          </a:prstGeom>
-        </p:spPr>
-        <p:style>
-          <a:lnRef idx="2">
-            <a:schemeClr val="accent1">
-              <a:shade val="50000"/>
-            </a:schemeClr>
-          </a:lnRef>
-          <a:fillRef idx="1">
-            <a:schemeClr val="accent1"/>
-          </a:fillRef>
-          <a:effectRef idx="0">
-            <a:schemeClr val="accent1"/>
-          </a:effectRef>
-          <a:fontRef idx="minor">
-            <a:schemeClr val="lt1"/>
-          </a:fontRef>
-        </p:style>
-        <p:txBody>
-          <a:bodyPr rtlCol="0" anchor="ctr"/>
-          <a:lstStyle/>
-          <a:p>
-            <a:pPr algn="ctr"/>
-            <a:r>
-              <a:rPr lang="fr-FR" sz="1000" dirty="0" err="1" smtClean="0"/>
-              <a:t>microsoft</a:t>
-            </a:r>
-            <a:r>
-              <a:rPr lang="fr-FR" sz="1000" dirty="0" smtClean="0"/>
-              <a:t>/</a:t>
-            </a:r>
-            <a:r>
-              <a:rPr lang="fr-FR" sz="1000" dirty="0" err="1" smtClean="0"/>
-              <a:t>aspnet</a:t>
-            </a:r>
-            <a:endParaRPr lang="fr-FR" sz="1000" dirty="0"/>
-          </a:p>
-        </p:txBody>
-      </p:sp>
-      <p:sp>
-        <p:nvSpPr>
-          <p:cNvPr id="15" name="Rectangle à coins arrondis 14"/>
-          <p:cNvSpPr/>
-          <p:nvPr/>
-        </p:nvSpPr>
-        <p:spPr>
-          <a:xfrm>
-            <a:off x="3707904" y="4241645"/>
-            <a:ext cx="1440160" cy="360040"/>
-          </a:xfrm>
-          <a:prstGeom prst="roundRect">
-            <a:avLst/>
-          </a:prstGeom>
-        </p:spPr>
-        <p:style>
-          <a:lnRef idx="2">
-            <a:schemeClr val="accent1">
-              <a:shade val="50000"/>
-            </a:schemeClr>
-          </a:lnRef>
-          <a:fillRef idx="1">
-            <a:schemeClr val="accent1"/>
-          </a:fillRef>
-          <a:effectRef idx="0">
-            <a:schemeClr val="accent1"/>
-          </a:effectRef>
-          <a:fontRef idx="minor">
-            <a:schemeClr val="lt1"/>
-          </a:fontRef>
-        </p:style>
-        <p:txBody>
-          <a:bodyPr rtlCol="0" anchor="ctr"/>
-          <a:lstStyle/>
-          <a:p>
-            <a:pPr algn="ctr"/>
-            <a:r>
-              <a:rPr lang="fr-FR" sz="1000" dirty="0" err="1" smtClean="0"/>
-              <a:t>microsoft</a:t>
-            </a:r>
-            <a:r>
-              <a:rPr lang="fr-FR" sz="1000" dirty="0" smtClean="0"/>
-              <a:t>/</a:t>
-            </a:r>
-            <a:r>
-              <a:rPr lang="fr-FR" sz="1000" dirty="0" err="1" smtClean="0"/>
-              <a:t>aspnetcore</a:t>
-            </a:r>
-            <a:endParaRPr lang="fr-FR" sz="1000" dirty="0"/>
-          </a:p>
-        </p:txBody>
-      </p:sp>
-      <p:sp>
-        <p:nvSpPr>
-          <p:cNvPr id="16" name="Rectangle à coins arrondis 15"/>
-          <p:cNvSpPr/>
-          <p:nvPr/>
-        </p:nvSpPr>
-        <p:spPr>
-          <a:xfrm>
-            <a:off x="3711809" y="4941168"/>
-            <a:ext cx="1440160" cy="360040"/>
-          </a:xfrm>
-          <a:prstGeom prst="roundRect">
-            <a:avLst/>
-          </a:prstGeom>
-        </p:spPr>
-        <p:style>
-          <a:lnRef idx="2">
-            <a:schemeClr val="accent1">
-              <a:shade val="50000"/>
-            </a:schemeClr>
-          </a:lnRef>
-          <a:fillRef idx="1">
-            <a:schemeClr val="accent1"/>
-          </a:fillRef>
-          <a:effectRef idx="0">
-            <a:schemeClr val="accent1"/>
-          </a:effectRef>
-          <a:fontRef idx="minor">
-            <a:schemeClr val="lt1"/>
-          </a:fontRef>
-        </p:style>
-        <p:txBody>
-          <a:bodyPr rtlCol="0" anchor="ctr"/>
-          <a:lstStyle/>
-          <a:p>
-            <a:pPr algn="ctr"/>
-            <a:r>
-              <a:rPr lang="fr-FR" sz="1000" dirty="0" err="1" smtClean="0"/>
-              <a:t>microsoft</a:t>
-            </a:r>
-            <a:r>
-              <a:rPr lang="fr-FR" sz="1000" dirty="0" smtClean="0"/>
-              <a:t>/</a:t>
-            </a:r>
-            <a:r>
-              <a:rPr lang="fr-FR" sz="1000" dirty="0" err="1" smtClean="0"/>
-              <a:t>dotnet</a:t>
-            </a:r>
-            <a:endParaRPr lang="fr-FR" sz="1000" dirty="0"/>
-          </a:p>
-        </p:txBody>
-      </p:sp>
-    </p:spTree>
-    <p:extLst>
-      <p:ext uri="{BB962C8B-B14F-4D97-AF65-F5344CB8AC3E}">
-        <p14:creationId xmlns:p14="http://schemas.microsoft.com/office/powerpoint/2010/main" val="1344675733"/>
-      </p:ext>
-    </p:extLst>
-  </p:cSld>
-  <p:clrMapOvr>
-    <a:masterClrMapping/>
-  </p:clrMapOvr>
-</p:sld>
-</file>
-
-<file path=ppt/slides/slide11.xml><?xml version="1.0" encoding="utf-8"?>
-<p:sld xmlns:a="http://schemas.openxmlformats.org/drawingml/2006/main" xmlns:r="http://schemas.openxmlformats.org/officeDocument/2006/relationships" xmlns:p="http://schemas.openxmlformats.org/presentationml/2006/main">
-  <p:cSld>
-    <p:spTree>
-      <p:nvGrpSpPr>
-        <p:cNvPr id="1" name=""/>
-        <p:cNvGrpSpPr/>
-        <p:nvPr/>
-      </p:nvGrpSpPr>
-      <p:grpSpPr>
-        <a:xfrm>
-          <a:off x="0" y="0"/>
-          <a:ext cx="0" cy="0"/>
-          <a:chOff x="0" y="0"/>
-          <a:chExt cx="0" cy="0"/>
-        </a:xfrm>
-      </p:grpSpPr>
-      <p:sp>
-        <p:nvSpPr>
-          <p:cNvPr id="2" name="Titre 1"/>
-          <p:cNvSpPr>
-            <a:spLocks noGrp="1"/>
-          </p:cNvSpPr>
-          <p:nvPr>
-            <p:ph type="title"/>
-          </p:nvPr>
-        </p:nvSpPr>
-        <p:spPr>
-          <a:xfrm>
-            <a:off x="457200" y="274638"/>
-            <a:ext cx="8229600" cy="490066"/>
-          </a:xfrm>
-        </p:spPr>
-        <p:txBody>
-          <a:bodyPr>
-            <a:normAutofit/>
-          </a:bodyPr>
-          <a:lstStyle/>
-          <a:p>
-            <a:r>
-              <a:rPr lang="en-GB" sz="2400" b="1" dirty="0" smtClean="0"/>
-              <a:t>Docker : Standard</a:t>
-            </a:r>
-            <a:endParaRPr lang="en-GB" sz="2400" b="1" dirty="0"/>
-          </a:p>
-        </p:txBody>
-      </p:sp>
-      <p:sp>
-        <p:nvSpPr>
-          <p:cNvPr id="3" name="Espace réservé du contenu 2"/>
-          <p:cNvSpPr>
-            <a:spLocks noGrp="1"/>
-          </p:cNvSpPr>
-          <p:nvPr>
-            <p:ph idx="1"/>
-          </p:nvPr>
-        </p:nvSpPr>
-        <p:spPr>
-          <a:xfrm>
-            <a:off x="457200" y="980728"/>
-            <a:ext cx="8229600" cy="5145435"/>
-          </a:xfrm>
-        </p:spPr>
-        <p:txBody>
-          <a:bodyPr>
-            <a:normAutofit fontScale="92500" lnSpcReduction="10000"/>
-          </a:bodyPr>
-          <a:lstStyle/>
-          <a:p>
-            <a:r>
-              <a:rPr lang="en-GB" sz="2000" dirty="0" smtClean="0"/>
-              <a:t>Docker is the standard</a:t>
-            </a:r>
-          </a:p>
-          <a:p>
-            <a:pPr lvl="1"/>
-            <a:r>
-              <a:rPr lang="en-GB" sz="1600" dirty="0"/>
-              <a:t>Resource : </a:t>
-            </a:r>
-            <a:r>
-              <a:rPr lang="en-GB" sz="1600" dirty="0">
-                <a:hlinkClick r:id="rId2"/>
-              </a:rPr>
-              <a:t>http://</a:t>
-            </a:r>
-            <a:r>
-              <a:rPr lang="en-GB" sz="1600" dirty="0" smtClean="0">
-                <a:hlinkClick r:id="rId2"/>
-              </a:rPr>
-              <a:t>www.silicon.fr/conteneurs-plebiscites-docker-leader-inconteste-119810.html?inf_by=59fcd2a2681db87f588b4b04</a:t>
-            </a:r>
-            <a:r>
-              <a:rPr lang="fr-FR" sz="1800" dirty="0" smtClean="0"/>
-              <a:t>   22 </a:t>
-            </a:r>
-            <a:r>
-              <a:rPr lang="fr-FR" sz="1800" dirty="0"/>
-              <a:t>juin 2015</a:t>
-            </a:r>
-            <a:endParaRPr lang="en-GB" sz="1800" dirty="0" smtClean="0"/>
-          </a:p>
-          <a:p>
-            <a:pPr lvl="1"/>
-            <a:endParaRPr lang="en-GB" sz="1600" dirty="0" smtClean="0"/>
-          </a:p>
-          <a:p>
-            <a:pPr lvl="1"/>
-            <a:endParaRPr lang="en-GB" sz="1600" dirty="0" smtClean="0"/>
-          </a:p>
-          <a:p>
-            <a:pPr lvl="1"/>
-            <a:endParaRPr lang="en-GB" sz="1600" dirty="0"/>
-          </a:p>
-          <a:p>
-            <a:pPr lvl="1"/>
-            <a:endParaRPr lang="en-GB" sz="1600" dirty="0" smtClean="0"/>
-          </a:p>
-          <a:p>
-            <a:pPr lvl="1"/>
-            <a:endParaRPr lang="en-GB" sz="1600" dirty="0" smtClean="0"/>
-          </a:p>
-          <a:p>
-            <a:pPr lvl="1"/>
-            <a:endParaRPr lang="en-GB" sz="1600" dirty="0"/>
-          </a:p>
-          <a:p>
-            <a:pPr lvl="1"/>
-            <a:endParaRPr lang="en-GB" sz="1600" dirty="0" smtClean="0"/>
-          </a:p>
-          <a:p>
-            <a:pPr lvl="1"/>
-            <a:endParaRPr lang="en-GB" sz="1600" dirty="0" smtClean="0"/>
-          </a:p>
-          <a:p>
-            <a:r>
-              <a:rPr lang="en-GB" sz="2000" dirty="0" err="1" smtClean="0"/>
-              <a:t>Concurents</a:t>
-            </a:r>
-            <a:endParaRPr lang="en-GB" sz="2000" dirty="0" smtClean="0"/>
-          </a:p>
-          <a:p>
-            <a:pPr lvl="1"/>
-            <a:r>
-              <a:rPr lang="en-GB" sz="1600" dirty="0" smtClean="0">
-                <a:hlinkClick r:id="rId3"/>
-              </a:rPr>
-              <a:t>Resource : https</a:t>
-            </a:r>
-            <a:r>
-              <a:rPr lang="en-GB" sz="1600" dirty="0">
-                <a:hlinkClick r:id="rId3"/>
-              </a:rPr>
-              <a:t>://</a:t>
-            </a:r>
-            <a:r>
-              <a:rPr lang="en-GB" sz="1600" dirty="0" smtClean="0">
-                <a:hlinkClick r:id="rId3"/>
-              </a:rPr>
-              <a:t>www.lemarson.com/thematic/1137/les-concurrents-de-docker-oui-ils-existent</a:t>
-            </a:r>
-            <a:r>
-              <a:rPr lang="en-GB" sz="1600" dirty="0" smtClean="0"/>
-              <a:t> (2017)</a:t>
-            </a:r>
-          </a:p>
-          <a:p>
-            <a:pPr lvl="1"/>
-            <a:r>
-              <a:rPr lang="en-GB" sz="1600" dirty="0" smtClean="0"/>
-              <a:t>LXC</a:t>
-            </a:r>
-          </a:p>
-          <a:p>
-            <a:pPr lvl="1"/>
-            <a:r>
-              <a:rPr lang="en-GB" sz="1600" dirty="0" smtClean="0"/>
-              <a:t>Rocket By CoreOS</a:t>
-            </a:r>
-          </a:p>
-          <a:p>
-            <a:pPr lvl="1"/>
-            <a:r>
-              <a:rPr lang="en-GB" sz="1600" dirty="0" smtClean="0"/>
-              <a:t>LXD</a:t>
-            </a:r>
-          </a:p>
-          <a:p>
-            <a:pPr lvl="1"/>
-            <a:r>
-              <a:rPr lang="en-GB" sz="1600" dirty="0" smtClean="0"/>
-              <a:t>Solaris Zones</a:t>
-            </a:r>
-          </a:p>
-          <a:p>
-            <a:pPr lvl="1"/>
-            <a:r>
-              <a:rPr lang="en-GB" sz="1600" dirty="0" smtClean="0"/>
-              <a:t>BSD Jails</a:t>
-            </a:r>
-          </a:p>
-          <a:p>
-            <a:pPr lvl="1"/>
-            <a:r>
-              <a:rPr lang="en-GB" sz="1600" dirty="0" smtClean="0"/>
-              <a:t>Open Container Initiative</a:t>
-            </a:r>
-          </a:p>
-          <a:p>
-            <a:pPr lvl="1"/>
-            <a:endParaRPr lang="en-GB" sz="1600" dirty="0"/>
-          </a:p>
-        </p:txBody>
-      </p:sp>
-      <p:pic>
-        <p:nvPicPr>
-          <p:cNvPr id="1026" name="Picture 2"/>
-          <p:cNvPicPr>
-            <a:picLocks noChangeAspect="1" noChangeArrowheads="1"/>
-          </p:cNvPicPr>
-          <p:nvPr/>
-        </p:nvPicPr>
-        <p:blipFill>
-          <a:blip r:embed="rId4">
-            <a:extLst>
-              <a:ext uri="{28A0092B-C50C-407E-A947-70E740481C1C}">
-                <a14:useLocalDpi xmlns:a14="http://schemas.microsoft.com/office/drawing/2010/main" val="0"/>
-              </a:ext>
-            </a:extLst>
-          </a:blip>
-          <a:srcRect/>
-          <a:stretch>
-            <a:fillRect/>
-          </a:stretch>
-        </p:blipFill>
-        <p:spPr bwMode="auto">
-          <a:xfrm>
-            <a:off x="1240832" y="1844824"/>
-            <a:ext cx="3960440" cy="2034659"/>
-          </a:xfrm>
-          <a:prstGeom prst="rect">
-            <a:avLst/>
-          </a:prstGeom>
-          <a:noFill/>
-          <a:ln>
-            <a:noFill/>
-          </a:ln>
-          <a:extLst>
-            <a:ext uri="{909E8E84-426E-40DD-AFC4-6F175D3DCCD1}">
-              <a14:hiddenFill xmlns:a14="http://schemas.microsoft.com/office/drawing/2010/main">
-                <a:solidFill>
-                  <a:schemeClr val="accent1"/>
-                </a:solidFill>
-              </a14:hiddenFill>
-            </a:ext>
-            <a:ext uri="{91240B29-F687-4F45-9708-019B960494DF}">
-              <a14:hiddenLine xmlns:a14="http://schemas.microsoft.com/office/drawing/2010/main" w="9525">
-                <a:solidFill>
-                  <a:schemeClr val="tx1"/>
-                </a:solidFill>
-                <a:miter lim="800000"/>
-                <a:headEnd/>
-                <a:tailEnd/>
-              </a14:hiddenLine>
-            </a:ext>
-          </a:extLst>
-        </p:spPr>
-      </p:pic>
-    </p:spTree>
-    <p:extLst>
-      <p:ext uri="{BB962C8B-B14F-4D97-AF65-F5344CB8AC3E}">
-        <p14:creationId xmlns:p14="http://schemas.microsoft.com/office/powerpoint/2010/main" val="2816874521"/>
-      </p:ext>
-    </p:extLst>
-  </p:cSld>
-  <p:clrMapOvr>
-    <a:masterClrMapping/>
-  </p:clrMapOvr>
-</p:sld>
-</file>
-
-<file path=ppt/slides/slide12.xml><?xml version="1.0" encoding="utf-8"?>
-<p:sld xmlns:a="http://schemas.openxmlformats.org/drawingml/2006/main" xmlns:r="http://schemas.openxmlformats.org/officeDocument/2006/relationships" xmlns:p="http://schemas.openxmlformats.org/presentationml/2006/main">
-  <p:cSld>
-    <p:spTree>
-      <p:nvGrpSpPr>
-        <p:cNvPr id="1" name=""/>
-        <p:cNvGrpSpPr/>
-        <p:nvPr/>
-      </p:nvGrpSpPr>
-      <p:grpSpPr>
-        <a:xfrm>
-          <a:off x="0" y="0"/>
-          <a:ext cx="0" cy="0"/>
-          <a:chOff x="0" y="0"/>
-          <a:chExt cx="0" cy="0"/>
-        </a:xfrm>
-      </p:grpSpPr>
-      <p:sp>
-        <p:nvSpPr>
-          <p:cNvPr id="2" name="Titre 1"/>
-          <p:cNvSpPr>
-            <a:spLocks noGrp="1"/>
-          </p:cNvSpPr>
-          <p:nvPr>
-            <p:ph type="title"/>
-          </p:nvPr>
-        </p:nvSpPr>
-        <p:spPr>
-          <a:xfrm>
-            <a:off x="457200" y="274638"/>
-            <a:ext cx="8229600" cy="490066"/>
-          </a:xfrm>
-        </p:spPr>
-        <p:txBody>
-          <a:bodyPr>
-            <a:normAutofit/>
-          </a:bodyPr>
-          <a:lstStyle/>
-          <a:p>
-            <a:r>
-              <a:rPr lang="en-GB" sz="2400" b="1" dirty="0" smtClean="0"/>
-              <a:t>Docker :</a:t>
-            </a:r>
-            <a:r>
-              <a:rPr lang="en-GB" sz="2400" b="1" dirty="0" err="1" smtClean="0"/>
-              <a:t>Concurrents</a:t>
-            </a:r>
-            <a:endParaRPr lang="en-GB" sz="2400" b="1" dirty="0"/>
-          </a:p>
-        </p:txBody>
-      </p:sp>
-      <p:sp>
-        <p:nvSpPr>
-          <p:cNvPr id="3" name="Espace réservé du contenu 2"/>
-          <p:cNvSpPr>
-            <a:spLocks noGrp="1"/>
-          </p:cNvSpPr>
-          <p:nvPr>
-            <p:ph idx="1"/>
-          </p:nvPr>
-        </p:nvSpPr>
-        <p:spPr>
-          <a:xfrm>
-            <a:off x="457200" y="980728"/>
-            <a:ext cx="8229600" cy="5145435"/>
-          </a:xfrm>
-        </p:spPr>
-        <p:txBody>
-          <a:bodyPr>
-            <a:normAutofit/>
-          </a:bodyPr>
-          <a:lstStyle/>
-          <a:p>
-            <a:r>
-              <a:rPr lang="en-GB" sz="2000" dirty="0" smtClean="0"/>
-              <a:t>Model 4 couches Containers</a:t>
-            </a:r>
-          </a:p>
-          <a:p>
-            <a:endParaRPr lang="en-GB" sz="2000" dirty="0"/>
-          </a:p>
-          <a:p>
-            <a:endParaRPr lang="en-GB" sz="2000" dirty="0" smtClean="0"/>
-          </a:p>
-          <a:p>
-            <a:endParaRPr lang="en-GB" sz="2000" dirty="0"/>
-          </a:p>
-          <a:p>
-            <a:endParaRPr lang="en-GB" sz="2000" dirty="0" smtClean="0"/>
-          </a:p>
-          <a:p>
-            <a:endParaRPr lang="en-GB" sz="2000" dirty="0"/>
-          </a:p>
-          <a:p>
-            <a:r>
-              <a:rPr lang="en-GB" sz="2000" dirty="0" err="1" smtClean="0"/>
-              <a:t>Pourquoi</a:t>
-            </a:r>
-            <a:r>
-              <a:rPr lang="en-GB" sz="2000" dirty="0" smtClean="0"/>
-              <a:t> Rocket</a:t>
-            </a:r>
-          </a:p>
-          <a:p>
-            <a:pPr lvl="1"/>
-            <a:r>
-              <a:rPr lang="en-GB" sz="1600" dirty="0"/>
-              <a:t>Resource : </a:t>
-            </a:r>
-            <a:r>
-              <a:rPr lang="en-GB" sz="1600" dirty="0">
-                <a:hlinkClick r:id="rId2"/>
-              </a:rPr>
-              <a:t>https://</a:t>
-            </a:r>
-            <a:r>
-              <a:rPr lang="en-GB" sz="1600" dirty="0" smtClean="0">
-                <a:hlinkClick r:id="rId2"/>
-              </a:rPr>
-              <a:t>www.linformaticien.com/actualites/id/34959/coreos-lance-rocket-son-concurrent-de-docker.aspx</a:t>
-            </a:r>
-            <a:r>
-              <a:rPr lang="en-GB" sz="1600" dirty="0" smtClean="0"/>
-              <a:t> (2014)</a:t>
-            </a:r>
-          </a:p>
-          <a:p>
-            <a:pPr marL="457200" lvl="1" indent="0">
-              <a:buNone/>
-            </a:pPr>
-            <a:r>
-              <a:rPr lang="en-GB" sz="1600" dirty="0"/>
-              <a:t> </a:t>
-            </a:r>
-            <a:r>
-              <a:rPr lang="en-GB" sz="1600" dirty="0" smtClean="0"/>
-              <a:t>     “</a:t>
-            </a:r>
-            <a:r>
-              <a:rPr lang="fr-FR" sz="1600" dirty="0"/>
-              <a:t>Rocket doit se cantonner à un rôle de container, contrairement à Docker qui évolue vers </a:t>
-            </a:r>
-            <a:r>
-              <a:rPr lang="fr-FR" sz="1600" dirty="0" smtClean="0"/>
-              <a:t> une </a:t>
-            </a:r>
-            <a:r>
-              <a:rPr lang="fr-FR" sz="1600" dirty="0"/>
-              <a:t>plateforme globale de services et de gestion. </a:t>
-            </a:r>
-            <a:r>
-              <a:rPr lang="fr-FR" sz="1600" dirty="0" smtClean="0"/>
-              <a:t> »</a:t>
-            </a:r>
-            <a:endParaRPr lang="en-GB" sz="1600" dirty="0"/>
-          </a:p>
-          <a:p>
-            <a:endParaRPr lang="en-GB" sz="2000" dirty="0" smtClean="0"/>
-          </a:p>
-          <a:p>
-            <a:endParaRPr lang="en-GB" sz="1600" dirty="0"/>
-          </a:p>
-        </p:txBody>
-      </p:sp>
-      <p:pic>
-        <p:nvPicPr>
-          <p:cNvPr id="3074" name="Picture 2"/>
-          <p:cNvPicPr>
-            <a:picLocks noChangeAspect="1" noChangeArrowheads="1"/>
-          </p:cNvPicPr>
-          <p:nvPr/>
-        </p:nvPicPr>
-        <p:blipFill>
-          <a:blip r:embed="rId3">
-            <a:extLst>
-              <a:ext uri="{28A0092B-C50C-407E-A947-70E740481C1C}">
-                <a14:useLocalDpi xmlns:a14="http://schemas.microsoft.com/office/drawing/2010/main" val="0"/>
-              </a:ext>
-            </a:extLst>
-          </a:blip>
-          <a:srcRect/>
-          <a:stretch>
-            <a:fillRect/>
-          </a:stretch>
-        </p:blipFill>
-        <p:spPr bwMode="auto">
-          <a:xfrm>
-            <a:off x="1000124" y="1412776"/>
-            <a:ext cx="4680521" cy="1872208"/>
-          </a:xfrm>
-          <a:prstGeom prst="rect">
-            <a:avLst/>
-          </a:prstGeom>
-          <a:noFill/>
-          <a:ln>
-            <a:noFill/>
-          </a:ln>
-          <a:extLst>
-            <a:ext uri="{909E8E84-426E-40DD-AFC4-6F175D3DCCD1}">
-              <a14:hiddenFill xmlns:a14="http://schemas.microsoft.com/office/drawing/2010/main">
-                <a:solidFill>
-                  <a:schemeClr val="accent1"/>
-                </a:solidFill>
-              </a14:hiddenFill>
-            </a:ext>
-            <a:ext uri="{91240B29-F687-4F45-9708-019B960494DF}">
-              <a14:hiddenLine xmlns:a14="http://schemas.microsoft.com/office/drawing/2010/main" w="9525">
-                <a:solidFill>
-                  <a:schemeClr val="tx1"/>
-                </a:solidFill>
-                <a:miter lim="800000"/>
-                <a:headEnd/>
-                <a:tailEnd/>
-              </a14:hiddenLine>
-            </a:ext>
-          </a:extLst>
-        </p:spPr>
-      </p:pic>
-    </p:spTree>
-    <p:extLst>
-      <p:ext uri="{BB962C8B-B14F-4D97-AF65-F5344CB8AC3E}">
-        <p14:creationId xmlns:p14="http://schemas.microsoft.com/office/powerpoint/2010/main" val="2008055695"/>
-      </p:ext>
-    </p:extLst>
-  </p:cSld>
-  <p:clrMapOvr>
-    <a:masterClrMapping/>
-  </p:clrMapOvr>
-</p:sld>
-</file>
-
-<file path=ppt/slides/slide13.xml><?xml version="1.0" encoding="utf-8"?>
-<p:sld xmlns:a="http://schemas.openxmlformats.org/drawingml/2006/main" xmlns:r="http://schemas.openxmlformats.org/officeDocument/2006/relationships" xmlns:p="http://schemas.openxmlformats.org/presentationml/2006/main">
-  <p:cSld>
-    <p:spTree>
-      <p:nvGrpSpPr>
-        <p:cNvPr id="1" name=""/>
-        <p:cNvGrpSpPr/>
-        <p:nvPr/>
-      </p:nvGrpSpPr>
-      <p:grpSpPr>
-        <a:xfrm>
-          <a:off x="0" y="0"/>
-          <a:ext cx="0" cy="0"/>
-          <a:chOff x="0" y="0"/>
-          <a:chExt cx="0" cy="0"/>
-        </a:xfrm>
-      </p:grpSpPr>
-      <p:sp>
-        <p:nvSpPr>
-          <p:cNvPr id="2" name="Titre 1"/>
-          <p:cNvSpPr>
-            <a:spLocks noGrp="1"/>
-          </p:cNvSpPr>
-          <p:nvPr>
-            <p:ph type="title"/>
-          </p:nvPr>
-        </p:nvSpPr>
-        <p:spPr>
-          <a:xfrm>
-            <a:off x="457200" y="274638"/>
-            <a:ext cx="8229600" cy="490066"/>
-          </a:xfrm>
-        </p:spPr>
-        <p:txBody>
-          <a:bodyPr>
-            <a:normAutofit/>
-          </a:bodyPr>
-          <a:lstStyle/>
-          <a:p>
-            <a:r>
-              <a:rPr lang="en-GB" sz="2400" b="1" dirty="0" smtClean="0"/>
-              <a:t>Docker : Uses cases</a:t>
-            </a:r>
-            <a:endParaRPr lang="en-GB" sz="2400" b="1" dirty="0"/>
-          </a:p>
-        </p:txBody>
-      </p:sp>
-      <p:sp>
-        <p:nvSpPr>
-          <p:cNvPr id="3" name="Espace réservé du contenu 2"/>
-          <p:cNvSpPr>
-            <a:spLocks noGrp="1"/>
-          </p:cNvSpPr>
-          <p:nvPr>
-            <p:ph idx="1"/>
-          </p:nvPr>
-        </p:nvSpPr>
-        <p:spPr>
-          <a:xfrm>
-            <a:off x="457200" y="980728"/>
-            <a:ext cx="8229600" cy="5145435"/>
-          </a:xfrm>
-        </p:spPr>
-        <p:txBody>
-          <a:bodyPr>
-            <a:normAutofit fontScale="62500" lnSpcReduction="20000"/>
-          </a:bodyPr>
-          <a:lstStyle/>
-          <a:p>
-            <a:r>
-              <a:rPr lang="en-US" b="1" dirty="0"/>
-              <a:t>Table of Contents : </a:t>
-            </a:r>
-            <a:r>
-              <a:rPr lang="en-US" b="1" dirty="0">
-                <a:hlinkClick r:id="rId2"/>
-              </a:rPr>
-              <a:t>https://</a:t>
-            </a:r>
-            <a:r>
-              <a:rPr lang="en-US" b="1" dirty="0" smtClean="0">
-                <a:hlinkClick r:id="rId2"/>
-              </a:rPr>
-              <a:t>www.gartner.com/doc/3574617/assessing-docker-containers-software-delivery</a:t>
-            </a:r>
-            <a:endParaRPr lang="en-US" b="1" dirty="0" smtClean="0"/>
-          </a:p>
-          <a:p>
-            <a:endParaRPr lang="en-US" b="1" dirty="0"/>
-          </a:p>
-          <a:p>
-            <a:r>
-              <a:rPr lang="en-US" dirty="0"/>
-              <a:t>Analysis </a:t>
-            </a:r>
-          </a:p>
-          <a:p>
-            <a:pPr lvl="1"/>
-            <a:r>
-              <a:rPr lang="en-US" dirty="0"/>
-              <a:t>Use Cases for Docker </a:t>
-            </a:r>
-          </a:p>
-          <a:p>
-            <a:pPr lvl="2"/>
-            <a:r>
-              <a:rPr lang="en-US" dirty="0"/>
-              <a:t>Summary of Use-Case Assessments </a:t>
-            </a:r>
-          </a:p>
-          <a:p>
-            <a:pPr lvl="2"/>
-            <a:r>
-              <a:rPr lang="en-US" dirty="0"/>
-              <a:t>Assessment Criteria </a:t>
-            </a:r>
-          </a:p>
-          <a:p>
-            <a:pPr lvl="2"/>
-            <a:r>
-              <a:rPr lang="en-US" dirty="0"/>
-              <a:t>Use Case 1: Docker for Solo and Team Application Development and Test </a:t>
-            </a:r>
-          </a:p>
-          <a:p>
-            <a:pPr lvl="2"/>
-            <a:r>
-              <a:rPr lang="en-US" dirty="0"/>
-              <a:t>Use Case 2: Docker for Continuous Integration </a:t>
-            </a:r>
-          </a:p>
-          <a:p>
-            <a:pPr lvl="2"/>
-            <a:r>
-              <a:rPr lang="en-US" dirty="0"/>
-              <a:t>Use Case 3: Docker for Production Application Deployment </a:t>
-            </a:r>
-          </a:p>
-          <a:p>
-            <a:pPr lvl="2"/>
-            <a:r>
-              <a:rPr lang="en-US" dirty="0"/>
-              <a:t>Use Case 4: Docker for Creating a Private PaaS </a:t>
-            </a:r>
-          </a:p>
-          <a:p>
-            <a:pPr lvl="2"/>
-            <a:r>
-              <a:rPr lang="en-US" dirty="0"/>
-              <a:t>Use Case 5: Docker for Application Infrastructure and Cloud Portability </a:t>
-            </a:r>
-          </a:p>
-          <a:p>
-            <a:pPr lvl="1"/>
-            <a:r>
-              <a:rPr lang="en-US" dirty="0"/>
-              <a:t>Strengths </a:t>
-            </a:r>
-          </a:p>
-          <a:p>
-            <a:pPr lvl="1"/>
-            <a:r>
-              <a:rPr lang="en-US" dirty="0"/>
-              <a:t>Weaknesses </a:t>
-            </a:r>
-          </a:p>
-          <a:p>
-            <a:r>
-              <a:rPr lang="en-US" dirty="0"/>
-              <a:t>Guidance </a:t>
-            </a:r>
-          </a:p>
-          <a:p>
-            <a:pPr lvl="1"/>
-            <a:r>
-              <a:rPr lang="en-US" dirty="0"/>
-              <a:t>Containers Are Not Suitable for Every Application </a:t>
-            </a:r>
-          </a:p>
-          <a:p>
-            <a:pPr lvl="1"/>
-            <a:r>
-              <a:rPr lang="en-US" dirty="0"/>
-              <a:t>Use Docker in Production If You Have Sophisticated and Agile Operations </a:t>
-            </a:r>
-          </a:p>
-          <a:p>
-            <a:pPr lvl="1"/>
-            <a:r>
-              <a:rPr lang="en-US" dirty="0"/>
-              <a:t>Consider Management, Monitoring, Backup, Disaster Recovery and Other Tools as Well as Orchestration </a:t>
-            </a:r>
-          </a:p>
-          <a:p>
-            <a:pPr lvl="1"/>
-            <a:r>
-              <a:rPr lang="en-US" dirty="0"/>
-              <a:t>Plan on a Combination of Containers and Virtual Machines </a:t>
-            </a:r>
-          </a:p>
-          <a:p>
-            <a:pPr lvl="1"/>
-            <a:r>
-              <a:rPr lang="en-US" dirty="0"/>
-              <a:t>Don't Build a PaaS Yourself Using Docker, but Build Docker Into Your PaaS Strategy </a:t>
-            </a:r>
-          </a:p>
-          <a:p>
-            <a:r>
-              <a:rPr lang="en-US" dirty="0"/>
-              <a:t>Gartner Recommended Reading </a:t>
-            </a:r>
-          </a:p>
-          <a:p>
-            <a:endParaRPr lang="en-GB" sz="1600" dirty="0"/>
-          </a:p>
-        </p:txBody>
-      </p:sp>
-    </p:spTree>
-    <p:extLst>
-      <p:ext uri="{BB962C8B-B14F-4D97-AF65-F5344CB8AC3E}">
-        <p14:creationId xmlns:p14="http://schemas.microsoft.com/office/powerpoint/2010/main" val="3568153689"/>
-      </p:ext>
-    </p:extLst>
-  </p:cSld>
-  <p:clrMapOvr>
-    <a:masterClrMapping/>
-  </p:clrMapOvr>
-</p:sld>
-</file>
-
-<file path=ppt/slides/slide14.xml><?xml version="1.0" encoding="utf-8"?>
-<p:sld xmlns:a="http://schemas.openxmlformats.org/drawingml/2006/main" xmlns:r="http://schemas.openxmlformats.org/officeDocument/2006/relationships" xmlns:p="http://schemas.openxmlformats.org/presentationml/2006/main">
-  <p:cSld>
-    <p:spTree>
-      <p:nvGrpSpPr>
-        <p:cNvPr id="1" name=""/>
-        <p:cNvGrpSpPr/>
-        <p:nvPr/>
-      </p:nvGrpSpPr>
-      <p:grpSpPr>
-        <a:xfrm>
-          <a:off x="0" y="0"/>
-          <a:ext cx="0" cy="0"/>
-          <a:chOff x="0" y="0"/>
-          <a:chExt cx="0" cy="0"/>
-        </a:xfrm>
-      </p:grpSpPr>
-      <p:sp>
-        <p:nvSpPr>
-          <p:cNvPr id="2" name="Titre 1"/>
-          <p:cNvSpPr>
-            <a:spLocks noGrp="1"/>
-          </p:cNvSpPr>
-          <p:nvPr>
-            <p:ph type="title"/>
-          </p:nvPr>
-        </p:nvSpPr>
-        <p:spPr>
-          <a:xfrm>
-            <a:off x="457200" y="274638"/>
-            <a:ext cx="8229600" cy="490066"/>
-          </a:xfrm>
-        </p:spPr>
-        <p:txBody>
-          <a:bodyPr>
-            <a:normAutofit/>
-          </a:bodyPr>
-          <a:lstStyle/>
-          <a:p>
-            <a:r>
-              <a:rPr lang="en-GB" sz="2400" b="1" dirty="0" smtClean="0"/>
-              <a:t>Docker : Monitoring</a:t>
-            </a:r>
-            <a:endParaRPr lang="en-GB" sz="2400" b="1" dirty="0"/>
-          </a:p>
-        </p:txBody>
-      </p:sp>
-      <p:sp>
-        <p:nvSpPr>
-          <p:cNvPr id="3" name="Espace réservé du contenu 2"/>
-          <p:cNvSpPr>
-            <a:spLocks noGrp="1"/>
-          </p:cNvSpPr>
-          <p:nvPr>
-            <p:ph idx="1"/>
-          </p:nvPr>
-        </p:nvSpPr>
-        <p:spPr>
-          <a:xfrm>
-            <a:off x="457200" y="980728"/>
-            <a:ext cx="8229600" cy="5145435"/>
-          </a:xfrm>
-        </p:spPr>
-        <p:txBody>
-          <a:bodyPr>
-            <a:normAutofit fontScale="77500" lnSpcReduction="20000"/>
-          </a:bodyPr>
-          <a:lstStyle/>
-          <a:p>
-            <a:r>
-              <a:rPr lang="en-GB" sz="2000" dirty="0" smtClean="0"/>
-              <a:t>Docker is the standard</a:t>
-            </a:r>
-          </a:p>
-          <a:p>
-            <a:endParaRPr lang="en-GB" sz="2000" dirty="0" smtClean="0"/>
-          </a:p>
-          <a:p>
-            <a:r>
-              <a:rPr lang="en-GB" sz="2000" dirty="0" err="1" smtClean="0"/>
-              <a:t>Concurents</a:t>
-            </a:r>
-            <a:endParaRPr lang="en-GB" sz="2000" dirty="0" smtClean="0"/>
-          </a:p>
-          <a:p>
-            <a:pPr lvl="1"/>
-            <a:r>
-              <a:rPr lang="en-GB" sz="1600" dirty="0" smtClean="0"/>
-              <a:t>Rocket By CoreOS</a:t>
-            </a:r>
-          </a:p>
-          <a:p>
-            <a:pPr lvl="1"/>
-            <a:endParaRPr lang="en-GB" sz="1600" dirty="0"/>
-          </a:p>
-          <a:p>
-            <a:r>
-              <a:rPr lang="en-GB" sz="2000" dirty="0" smtClean="0"/>
-              <a:t>Monitoring containers</a:t>
-            </a:r>
-          </a:p>
-          <a:p>
-            <a:pPr lvl="1"/>
-            <a:r>
-              <a:rPr lang="en-GB" sz="1600" dirty="0"/>
-              <a:t>Resources : </a:t>
-            </a:r>
-            <a:r>
-              <a:rPr lang="en-GB" sz="1600" dirty="0">
-                <a:hlinkClick r:id="rId2"/>
-              </a:rPr>
-              <a:t>http://</a:t>
-            </a:r>
-            <a:r>
-              <a:rPr lang="en-GB" sz="1600" dirty="0" smtClean="0">
-                <a:hlinkClick r:id="rId2"/>
-              </a:rPr>
-              <a:t>www.lemondeinformatique.fr/actualites/lire-6-outils-de-suivi-des-conteneurs-concurrents-a-docker-62190.html</a:t>
-            </a:r>
-            <a:endParaRPr lang="en-GB" sz="1600" dirty="0" smtClean="0"/>
-          </a:p>
-          <a:p>
-            <a:pPr lvl="1"/>
-            <a:endParaRPr lang="en-GB" sz="1600" dirty="0" smtClean="0"/>
-          </a:p>
-          <a:p>
-            <a:pPr lvl="1"/>
-            <a:r>
-              <a:rPr lang="en-GB" sz="1600" dirty="0" err="1" smtClean="0"/>
-              <a:t>cAdvisor</a:t>
-            </a:r>
-            <a:r>
-              <a:rPr lang="en-GB" sz="1600" dirty="0" smtClean="0"/>
-              <a:t> by Google :</a:t>
-            </a:r>
-          </a:p>
-          <a:p>
-            <a:pPr lvl="2"/>
-            <a:r>
-              <a:rPr lang="en-GB" sz="1200" dirty="0" smtClean="0"/>
-              <a:t>Open source : </a:t>
-            </a:r>
-            <a:r>
-              <a:rPr lang="en-GB" sz="1200" dirty="0" err="1" smtClean="0"/>
-              <a:t>github</a:t>
-            </a:r>
-            <a:endParaRPr lang="en-GB" sz="1200" dirty="0" smtClean="0"/>
-          </a:p>
-          <a:p>
-            <a:pPr lvl="2"/>
-            <a:r>
-              <a:rPr lang="en-GB" sz="1200" dirty="0" smtClean="0"/>
-              <a:t>Simple</a:t>
-            </a:r>
-          </a:p>
-          <a:p>
-            <a:pPr lvl="2"/>
-            <a:r>
-              <a:rPr lang="en-GB" sz="1200" dirty="0" smtClean="0"/>
-              <a:t>Suit </a:t>
-            </a:r>
-            <a:r>
-              <a:rPr lang="en-GB" sz="1200" dirty="0" err="1" smtClean="0"/>
-              <a:t>uniquement</a:t>
-            </a:r>
-            <a:r>
-              <a:rPr lang="en-GB" sz="1200" dirty="0" smtClean="0"/>
-              <a:t> les containers sur le </a:t>
-            </a:r>
-            <a:r>
-              <a:rPr lang="en-GB" sz="1200" dirty="0" err="1" smtClean="0"/>
-              <a:t>même</a:t>
-            </a:r>
-            <a:r>
-              <a:rPr lang="en-GB" sz="1200" dirty="0" smtClean="0"/>
-              <a:t> </a:t>
-            </a:r>
-            <a:r>
-              <a:rPr lang="en-GB" sz="1200" dirty="0" err="1" smtClean="0"/>
-              <a:t>hôte</a:t>
-            </a:r>
-            <a:endParaRPr lang="en-GB" sz="1200" dirty="0" smtClean="0"/>
-          </a:p>
-          <a:p>
-            <a:pPr lvl="1"/>
-            <a:r>
-              <a:rPr lang="en-GB" sz="1600" dirty="0" smtClean="0"/>
-              <a:t>Promotheus.io by </a:t>
-            </a:r>
-            <a:r>
-              <a:rPr lang="en-GB" sz="1600" dirty="0" err="1" smtClean="0"/>
-              <a:t>SoundCloud</a:t>
-            </a:r>
-            <a:endParaRPr lang="en-GB" sz="1600" dirty="0" smtClean="0"/>
-          </a:p>
-          <a:p>
-            <a:pPr lvl="2"/>
-            <a:r>
-              <a:rPr lang="en-GB" sz="1200" dirty="0" smtClean="0"/>
-              <a:t>Open source</a:t>
-            </a:r>
-          </a:p>
-          <a:p>
-            <a:pPr lvl="2"/>
-            <a:r>
-              <a:rPr lang="en-GB" sz="1200" dirty="0" err="1" smtClean="0"/>
-              <a:t>Intégre</a:t>
-            </a:r>
-            <a:r>
-              <a:rPr lang="en-GB" sz="1200" dirty="0" smtClean="0"/>
-              <a:t> </a:t>
-            </a:r>
-            <a:r>
-              <a:rPr lang="en-GB" sz="1200" dirty="0" err="1" smtClean="0"/>
-              <a:t>données</a:t>
-            </a:r>
-            <a:r>
-              <a:rPr lang="en-GB" sz="1200" dirty="0" smtClean="0"/>
-              <a:t> de </a:t>
-            </a:r>
-            <a:r>
-              <a:rPr lang="en-GB" sz="1200" dirty="0" err="1" smtClean="0"/>
-              <a:t>nombreuses</a:t>
-            </a:r>
-            <a:r>
-              <a:rPr lang="en-GB" sz="1200" dirty="0" smtClean="0"/>
-              <a:t> sources </a:t>
-            </a:r>
-            <a:r>
-              <a:rPr lang="en-GB" sz="1200" dirty="0" err="1" smtClean="0"/>
-              <a:t>dont</a:t>
-            </a:r>
-            <a:r>
-              <a:rPr lang="en-GB" sz="1200" dirty="0" smtClean="0"/>
-              <a:t> les </a:t>
-            </a:r>
-            <a:r>
-              <a:rPr lang="en-GB" sz="1200" dirty="0" err="1" smtClean="0"/>
-              <a:t>conteneurs</a:t>
-            </a:r>
-            <a:r>
-              <a:rPr lang="en-GB" sz="1200" dirty="0" smtClean="0"/>
-              <a:t>, </a:t>
-            </a:r>
-            <a:r>
-              <a:rPr lang="en-GB" sz="1200" dirty="0" err="1" smtClean="0"/>
-              <a:t>cAdvisor</a:t>
-            </a:r>
-            <a:r>
-              <a:rPr lang="en-GB" sz="1200" dirty="0" smtClean="0"/>
-              <a:t>, Kubernetes, </a:t>
-            </a:r>
-            <a:r>
-              <a:rPr lang="en-GB" sz="1200" dirty="0" err="1" smtClean="0"/>
-              <a:t>Etcd</a:t>
-            </a:r>
-            <a:r>
-              <a:rPr lang="en-GB" sz="1200" dirty="0" smtClean="0"/>
-              <a:t>, </a:t>
-            </a:r>
-            <a:r>
-              <a:rPr lang="en-GB" sz="1200" dirty="0" err="1" smtClean="0"/>
-              <a:t>CoreOs</a:t>
-            </a:r>
-            <a:endParaRPr lang="en-GB" sz="1200" dirty="0" smtClean="0"/>
-          </a:p>
-          <a:p>
-            <a:pPr lvl="1"/>
-            <a:r>
-              <a:rPr lang="en-GB" sz="1600" dirty="0" smtClean="0"/>
-              <a:t>Scout</a:t>
-            </a:r>
-          </a:p>
-          <a:p>
-            <a:pPr lvl="2"/>
-            <a:r>
-              <a:rPr lang="en-GB" sz="1200" dirty="0" smtClean="0"/>
-              <a:t>Service de monitoring</a:t>
-            </a:r>
-          </a:p>
-          <a:p>
-            <a:pPr lvl="2"/>
-            <a:r>
-              <a:rPr lang="en-GB" sz="1200" dirty="0" smtClean="0"/>
-              <a:t>Plugin architecture</a:t>
-            </a:r>
-          </a:p>
-          <a:p>
-            <a:pPr lvl="2"/>
-            <a:r>
-              <a:rPr lang="en-GB" sz="1200" dirty="0" smtClean="0"/>
-              <a:t>Price : 10 $ / host</a:t>
-            </a:r>
-          </a:p>
-          <a:p>
-            <a:pPr lvl="1"/>
-            <a:r>
-              <a:rPr lang="en-GB" sz="1600" dirty="0" err="1" smtClean="0"/>
-              <a:t>DataDog</a:t>
-            </a:r>
-            <a:endParaRPr lang="en-GB" sz="1600" dirty="0" smtClean="0"/>
-          </a:p>
-          <a:p>
-            <a:pPr lvl="2"/>
-            <a:r>
-              <a:rPr lang="en-GB" sz="1200" dirty="0"/>
-              <a:t>Service de monitoring</a:t>
-            </a:r>
-          </a:p>
-          <a:p>
-            <a:pPr lvl="2"/>
-            <a:r>
-              <a:rPr lang="en-GB" sz="1200" dirty="0" smtClean="0"/>
-              <a:t>Reporting plus </a:t>
-            </a:r>
-            <a:r>
-              <a:rPr lang="en-GB" sz="1200" dirty="0" err="1" smtClean="0"/>
-              <a:t>détaillé</a:t>
-            </a:r>
-            <a:r>
-              <a:rPr lang="en-GB" sz="1200" dirty="0" smtClean="0"/>
-              <a:t> / flexible que Scout</a:t>
-            </a:r>
-          </a:p>
-          <a:p>
-            <a:pPr lvl="2"/>
-            <a:r>
-              <a:rPr lang="en-GB" sz="1200" dirty="0" smtClean="0"/>
-              <a:t>Price :  15 </a:t>
-            </a:r>
-            <a:r>
-              <a:rPr lang="en-GB" sz="1200" dirty="0"/>
-              <a:t>$ / </a:t>
-            </a:r>
-            <a:r>
-              <a:rPr lang="en-GB" sz="1200" dirty="0" smtClean="0"/>
-              <a:t>host</a:t>
-            </a:r>
-          </a:p>
-          <a:p>
-            <a:pPr lvl="1">
-              <a:buFontTx/>
-              <a:buChar char="-"/>
-            </a:pPr>
-            <a:r>
-              <a:rPr lang="en-GB" sz="1600" dirty="0" err="1" smtClean="0"/>
-              <a:t>LogEntries</a:t>
-            </a:r>
-            <a:endParaRPr lang="en-GB" sz="1600" dirty="0" smtClean="0"/>
-          </a:p>
-          <a:p>
-            <a:pPr lvl="2">
-              <a:buFontTx/>
-              <a:buChar char="-"/>
-            </a:pPr>
-            <a:r>
-              <a:rPr lang="en-GB" sz="1200" dirty="0" smtClean="0"/>
-              <a:t>Service  de monitoring</a:t>
-            </a:r>
-          </a:p>
-          <a:p>
-            <a:pPr lvl="1">
-              <a:buFontTx/>
-              <a:buChar char="-"/>
-            </a:pPr>
-            <a:r>
-              <a:rPr lang="en-GB" sz="1600" dirty="0" err="1" smtClean="0"/>
-              <a:t>Sematext</a:t>
-            </a:r>
-            <a:endParaRPr lang="en-GB" sz="1600" dirty="0" smtClean="0"/>
-          </a:p>
-          <a:p>
-            <a:pPr lvl="2">
-              <a:buFontTx/>
-              <a:buChar char="-"/>
-            </a:pPr>
-            <a:r>
-              <a:rPr lang="en-GB" sz="1200" dirty="0" smtClean="0"/>
-              <a:t>Service </a:t>
-            </a:r>
-            <a:r>
-              <a:rPr lang="en-GB" sz="1200" dirty="0" err="1" smtClean="0"/>
-              <a:t>ou</a:t>
-            </a:r>
-            <a:r>
-              <a:rPr lang="en-GB" sz="1200" dirty="0" smtClean="0"/>
-              <a:t> on premise</a:t>
-            </a:r>
-            <a:endParaRPr lang="en-GB" sz="1200" dirty="0"/>
-          </a:p>
-          <a:p>
-            <a:pPr lvl="2"/>
-            <a:endParaRPr lang="en-GB" sz="1200" dirty="0" smtClean="0"/>
-          </a:p>
-          <a:p>
-            <a:pPr lvl="1"/>
-            <a:endParaRPr lang="en-GB" sz="1600" dirty="0" smtClean="0"/>
-          </a:p>
-          <a:p>
-            <a:pPr marL="457200" lvl="1" indent="0">
-              <a:buNone/>
-            </a:pPr>
-            <a:endParaRPr lang="en-GB" sz="2000" dirty="0"/>
-          </a:p>
-        </p:txBody>
-      </p:sp>
-    </p:spTree>
-    <p:extLst>
-      <p:ext uri="{BB962C8B-B14F-4D97-AF65-F5344CB8AC3E}">
-        <p14:creationId xmlns:p14="http://schemas.microsoft.com/office/powerpoint/2010/main" val="4058090107"/>
-      </p:ext>
-    </p:extLst>
-  </p:cSld>
-  <p:clrMapOvr>
-    <a:masterClrMapping/>
-  </p:clrMapOvr>
-</p:sld>
-</file>
-
-<file path=ppt/slides/slide15.xml><?xml version="1.0" encoding="utf-8"?>
-<p:sld xmlns:a="http://schemas.openxmlformats.org/drawingml/2006/main" xmlns:r="http://schemas.openxmlformats.org/officeDocument/2006/relationships" xmlns:p="http://schemas.openxmlformats.org/presentationml/2006/main">
-  <p:cSld>
-    <p:spTree>
-      <p:nvGrpSpPr>
-        <p:cNvPr id="1" name=""/>
-        <p:cNvGrpSpPr/>
-        <p:nvPr/>
-      </p:nvGrpSpPr>
-      <p:grpSpPr>
-        <a:xfrm>
-          <a:off x="0" y="0"/>
-          <a:ext cx="0" cy="0"/>
-          <a:chOff x="0" y="0"/>
-          <a:chExt cx="0" cy="0"/>
-        </a:xfrm>
-      </p:grpSpPr>
-      <p:sp>
-        <p:nvSpPr>
-          <p:cNvPr id="2" name="Titre 1"/>
-          <p:cNvSpPr>
-            <a:spLocks noGrp="1"/>
-          </p:cNvSpPr>
-          <p:nvPr>
-            <p:ph type="title"/>
-          </p:nvPr>
-        </p:nvSpPr>
-        <p:spPr>
-          <a:xfrm>
-            <a:off x="457200" y="274638"/>
-            <a:ext cx="8229600" cy="490066"/>
-          </a:xfrm>
-        </p:spPr>
-        <p:txBody>
-          <a:bodyPr>
-            <a:normAutofit/>
-          </a:bodyPr>
-          <a:lstStyle/>
-          <a:p>
-            <a:r>
-              <a:rPr lang="en-GB" sz="2400" b="1" dirty="0" smtClean="0"/>
-              <a:t>Platform Orchestrators / Services</a:t>
-            </a:r>
-            <a:endParaRPr lang="en-GB" sz="2400" b="1" dirty="0"/>
-          </a:p>
-        </p:txBody>
-      </p:sp>
-      <p:sp>
-        <p:nvSpPr>
-          <p:cNvPr id="3" name="Espace réservé du contenu 2"/>
-          <p:cNvSpPr>
-            <a:spLocks noGrp="1"/>
-          </p:cNvSpPr>
-          <p:nvPr>
-            <p:ph idx="1"/>
-          </p:nvPr>
-        </p:nvSpPr>
-        <p:spPr>
-          <a:xfrm>
-            <a:off x="457200" y="980728"/>
-            <a:ext cx="8229600" cy="5145435"/>
-          </a:xfrm>
-        </p:spPr>
-        <p:txBody>
-          <a:bodyPr>
-            <a:normAutofit fontScale="85000" lnSpcReduction="10000"/>
-          </a:bodyPr>
-          <a:lstStyle/>
-          <a:p>
-            <a:r>
-              <a:rPr lang="en-GB" sz="2000" dirty="0" smtClean="0"/>
-              <a:t>Platform repartitions</a:t>
-            </a:r>
-          </a:p>
-          <a:p>
-            <a:pPr lvl="1"/>
-            <a:r>
-              <a:rPr lang="en-GB" sz="1600" dirty="0"/>
-              <a:t>Resource : </a:t>
-            </a:r>
-            <a:r>
-              <a:rPr lang="en-GB" sz="1600" dirty="0">
-                <a:hlinkClick r:id="rId2"/>
-              </a:rPr>
-              <a:t>http://www.silicon.fr/conteneurs-plebiscites-docker-leader-inconteste-119810.html?inf_by=59fcd2a2681db87f588b4b04</a:t>
-            </a:r>
-            <a:r>
-              <a:rPr lang="fr-FR" sz="1800" dirty="0"/>
-              <a:t>   22 juin </a:t>
-            </a:r>
-            <a:r>
-              <a:rPr lang="fr-FR" sz="1800" dirty="0" smtClean="0"/>
-              <a:t>2015</a:t>
-            </a:r>
-          </a:p>
-          <a:p>
-            <a:pPr lvl="1"/>
-            <a:endParaRPr lang="fr-FR" sz="1800" dirty="0"/>
-          </a:p>
-          <a:p>
-            <a:pPr lvl="1"/>
-            <a:endParaRPr lang="fr-FR" sz="1800" dirty="0" smtClean="0"/>
-          </a:p>
-          <a:p>
-            <a:pPr lvl="1"/>
-            <a:endParaRPr lang="fr-FR" sz="1800" dirty="0"/>
-          </a:p>
-          <a:p>
-            <a:pPr lvl="1"/>
-            <a:endParaRPr lang="fr-FR" sz="1800" dirty="0" smtClean="0"/>
-          </a:p>
-          <a:p>
-            <a:pPr lvl="1"/>
-            <a:endParaRPr lang="fr-FR" sz="1800" dirty="0"/>
-          </a:p>
-          <a:p>
-            <a:pPr lvl="1"/>
-            <a:endParaRPr lang="fr-FR" sz="1800" dirty="0" smtClean="0"/>
-          </a:p>
-          <a:p>
-            <a:pPr lvl="1"/>
-            <a:endParaRPr lang="fr-FR" sz="1800" dirty="0" smtClean="0"/>
-          </a:p>
-          <a:p>
-            <a:pPr lvl="1"/>
-            <a:endParaRPr lang="fr-FR" sz="1800" dirty="0"/>
-          </a:p>
-          <a:p>
-            <a:pPr lvl="1"/>
-            <a:endParaRPr lang="fr-FR" sz="1800" dirty="0" smtClean="0"/>
-          </a:p>
-          <a:p>
-            <a:pPr lvl="1"/>
-            <a:endParaRPr lang="fr-FR" sz="1800" dirty="0"/>
-          </a:p>
-          <a:p>
-            <a:pPr lvl="1"/>
-            <a:endParaRPr lang="fr-FR" sz="1800" dirty="0" smtClean="0"/>
-          </a:p>
-          <a:p>
-            <a:pPr lvl="1"/>
-            <a:endParaRPr lang="fr-FR" sz="1800" dirty="0"/>
-          </a:p>
-          <a:p>
-            <a:pPr lvl="1"/>
-            <a:r>
-              <a:rPr lang="fr-FR" sz="1800" dirty="0" smtClean="0"/>
-              <a:t>Resource </a:t>
-            </a:r>
-            <a:r>
-              <a:rPr lang="fr-FR" sz="1800" dirty="0"/>
-              <a:t>: </a:t>
-            </a:r>
-            <a:r>
-              <a:rPr lang="fr-FR" sz="1800" dirty="0">
-                <a:hlinkClick r:id="rId3"/>
-              </a:rPr>
-              <a:t>https://</a:t>
-            </a:r>
-            <a:r>
-              <a:rPr lang="fr-FR" sz="1800" dirty="0" smtClean="0">
-                <a:hlinkClick r:id="rId3"/>
-              </a:rPr>
-              <a:t>www.linformaticien.com/actualites/id/45342/docker-rend-les-armes-face-a-kubernetes.aspx</a:t>
-            </a:r>
-            <a:r>
-              <a:rPr lang="fr-FR" sz="1800" dirty="0" smtClean="0"/>
-              <a:t> (17/10/2017)</a:t>
-            </a:r>
-          </a:p>
-          <a:p>
-            <a:pPr marL="457200" lvl="1" indent="0">
-              <a:buNone/>
-            </a:pPr>
-            <a:r>
-              <a:rPr lang="fr-FR" sz="1800" dirty="0"/>
-              <a:t> </a:t>
-            </a:r>
-            <a:r>
-              <a:rPr lang="fr-FR" sz="1800" dirty="0" smtClean="0"/>
-              <a:t>     « </a:t>
-            </a:r>
-            <a:r>
-              <a:rPr lang="fr-FR" sz="1800" dirty="0"/>
-              <a:t>Une étude d’avril dernier réalisée pour le compte de </a:t>
-            </a:r>
-            <a:r>
-              <a:rPr lang="fr-FR" sz="1800" dirty="0" err="1"/>
-              <a:t>Sysdig</a:t>
-            </a:r>
-            <a:r>
-              <a:rPr lang="fr-FR" sz="1800" dirty="0"/>
-              <a:t>, un éditeur de solutions de monitoring des environnements en containers, indiquait que parmi les entreprises ayant déployé des containers, 43 % avaient choisi </a:t>
-            </a:r>
-            <a:r>
-              <a:rPr lang="fr-FR" sz="1800" dirty="0" err="1"/>
-              <a:t>Kubernetes</a:t>
-            </a:r>
-            <a:r>
-              <a:rPr lang="fr-FR" sz="1800" dirty="0"/>
-              <a:t>, 9 % </a:t>
-            </a:r>
-            <a:r>
-              <a:rPr lang="fr-FR" sz="1800" dirty="0" err="1"/>
-              <a:t>Mesos</a:t>
-            </a:r>
-            <a:r>
-              <a:rPr lang="fr-FR" sz="1800" dirty="0"/>
-              <a:t> et 7 % </a:t>
-            </a:r>
-            <a:r>
-              <a:rPr lang="fr-FR" sz="1800" dirty="0" err="1" smtClean="0"/>
-              <a:t>Swarm</a:t>
-            </a:r>
-            <a:r>
-              <a:rPr lang="fr-FR" sz="1800" dirty="0" smtClean="0"/>
-              <a:t> »</a:t>
-            </a:r>
-          </a:p>
-          <a:p>
-            <a:pPr lvl="1"/>
-            <a:endParaRPr lang="en-GB" sz="1800" dirty="0"/>
-          </a:p>
-          <a:p>
-            <a:pPr marL="457200" lvl="1" indent="0">
-              <a:buNone/>
-            </a:pPr>
-            <a:endParaRPr lang="en-GB" sz="1600" dirty="0" smtClean="0"/>
-          </a:p>
-          <a:p>
-            <a:pPr marL="457200" lvl="1" indent="0">
-              <a:buNone/>
-            </a:pPr>
-            <a:endParaRPr lang="en-GB" sz="2000" dirty="0"/>
-          </a:p>
-        </p:txBody>
-      </p:sp>
-      <p:pic>
-        <p:nvPicPr>
-          <p:cNvPr id="2050" name="Picture 2"/>
-          <p:cNvPicPr>
-            <a:picLocks noChangeAspect="1" noChangeArrowheads="1"/>
-          </p:cNvPicPr>
-          <p:nvPr/>
-        </p:nvPicPr>
-        <p:blipFill>
-          <a:blip r:embed="rId4">
-            <a:extLst>
-              <a:ext uri="{28A0092B-C50C-407E-A947-70E740481C1C}">
-                <a14:useLocalDpi xmlns:a14="http://schemas.microsoft.com/office/drawing/2010/main" val="0"/>
-              </a:ext>
-            </a:extLst>
-          </a:blip>
-          <a:srcRect/>
-          <a:stretch>
-            <a:fillRect/>
-          </a:stretch>
-        </p:blipFill>
-        <p:spPr bwMode="auto">
-          <a:xfrm>
-            <a:off x="1259633" y="1700809"/>
-            <a:ext cx="4176463" cy="2547144"/>
-          </a:xfrm>
-          <a:prstGeom prst="rect">
-            <a:avLst/>
-          </a:prstGeom>
-          <a:noFill/>
-          <a:ln>
-            <a:noFill/>
-          </a:ln>
-          <a:extLst>
-            <a:ext uri="{909E8E84-426E-40DD-AFC4-6F175D3DCCD1}">
-              <a14:hiddenFill xmlns:a14="http://schemas.microsoft.com/office/drawing/2010/main">
-                <a:solidFill>
-                  <a:schemeClr val="accent1"/>
-                </a:solidFill>
-              </a14:hiddenFill>
-            </a:ext>
-            <a:ext uri="{91240B29-F687-4F45-9708-019B960494DF}">
-              <a14:hiddenLine xmlns:a14="http://schemas.microsoft.com/office/drawing/2010/main" w="9525">
-                <a:solidFill>
-                  <a:schemeClr val="tx1"/>
-                </a:solidFill>
-                <a:miter lim="800000"/>
-                <a:headEnd/>
-                <a:tailEnd/>
-              </a14:hiddenLine>
-            </a:ext>
-          </a:extLst>
-        </p:spPr>
-      </p:pic>
-    </p:spTree>
-    <p:extLst>
-      <p:ext uri="{BB962C8B-B14F-4D97-AF65-F5344CB8AC3E}">
-        <p14:creationId xmlns:p14="http://schemas.microsoft.com/office/powerpoint/2010/main" val="255936209"/>
-      </p:ext>
-    </p:extLst>
-  </p:cSld>
-  <p:clrMapOvr>
-    <a:masterClrMapping/>
-  </p:clrMapOvr>
-</p:sld>
-</file>
-
-<file path=ppt/slides/slide16.xml><?xml version="1.0" encoding="utf-8"?>
-<p:sld xmlns:a="http://schemas.openxmlformats.org/drawingml/2006/main" xmlns:r="http://schemas.openxmlformats.org/officeDocument/2006/relationships" xmlns:p="http://schemas.openxmlformats.org/presentationml/2006/main">
-  <p:cSld>
-    <p:spTree>
-      <p:nvGrpSpPr>
-        <p:cNvPr id="1" name=""/>
-        <p:cNvGrpSpPr/>
-        <p:nvPr/>
-      </p:nvGrpSpPr>
-      <p:grpSpPr>
-        <a:xfrm>
-          <a:off x="0" y="0"/>
-          <a:ext cx="0" cy="0"/>
-          <a:chOff x="0" y="0"/>
-          <a:chExt cx="0" cy="0"/>
-        </a:xfrm>
-      </p:grpSpPr>
-      <p:sp>
-        <p:nvSpPr>
-          <p:cNvPr id="2" name="Titre 1"/>
-          <p:cNvSpPr>
-            <a:spLocks noGrp="1"/>
-          </p:cNvSpPr>
-          <p:nvPr>
-            <p:ph type="title"/>
-          </p:nvPr>
-        </p:nvSpPr>
-        <p:spPr>
-          <a:xfrm>
-            <a:off x="457200" y="274638"/>
-            <a:ext cx="8229600" cy="490066"/>
-          </a:xfrm>
-        </p:spPr>
-        <p:txBody>
-          <a:bodyPr>
-            <a:normAutofit/>
-          </a:bodyPr>
-          <a:lstStyle/>
-          <a:p>
-            <a:r>
-              <a:rPr lang="en-GB" sz="2400" b="1" dirty="0" err="1" smtClean="0"/>
-              <a:t>Programmation</a:t>
-            </a:r>
-            <a:r>
-              <a:rPr lang="en-GB" sz="2400" b="1" dirty="0" smtClean="0"/>
-              <a:t> </a:t>
-            </a:r>
-            <a:r>
-              <a:rPr lang="en-GB" sz="2400" b="1" dirty="0" err="1" smtClean="0"/>
-              <a:t>Langages</a:t>
-            </a:r>
-            <a:endParaRPr lang="en-GB" sz="2400" b="1" dirty="0"/>
-          </a:p>
-        </p:txBody>
-      </p:sp>
-      <p:sp>
-        <p:nvSpPr>
-          <p:cNvPr id="3" name="Espace réservé du contenu 2"/>
-          <p:cNvSpPr>
-            <a:spLocks noGrp="1"/>
-          </p:cNvSpPr>
-          <p:nvPr>
-            <p:ph idx="1"/>
-          </p:nvPr>
-        </p:nvSpPr>
-        <p:spPr>
-          <a:xfrm>
-            <a:off x="457200" y="980728"/>
-            <a:ext cx="8229600" cy="5145435"/>
-          </a:xfrm>
-        </p:spPr>
-        <p:txBody>
-          <a:bodyPr>
-            <a:normAutofit fontScale="77500" lnSpcReduction="20000"/>
-          </a:bodyPr>
-          <a:lstStyle/>
-          <a:p>
-            <a:r>
-              <a:rPr lang="en-GB" sz="2000" dirty="0" err="1" smtClean="0"/>
-              <a:t>.Net</a:t>
-            </a:r>
-            <a:r>
-              <a:rPr lang="en-GB" sz="2000" dirty="0" smtClean="0"/>
-              <a:t> Framework</a:t>
-            </a:r>
-          </a:p>
-          <a:p>
-            <a:r>
-              <a:rPr lang="en-GB" sz="2000" dirty="0" err="1" smtClean="0"/>
-              <a:t>.Net</a:t>
-            </a:r>
-            <a:r>
-              <a:rPr lang="en-GB" sz="2000" dirty="0" smtClean="0"/>
-              <a:t> Core</a:t>
-            </a:r>
-          </a:p>
-          <a:p>
-            <a:pPr lvl="1"/>
-            <a:r>
-              <a:rPr lang="en-GB" sz="1600" dirty="0">
-                <a:hlinkClick r:id="rId2"/>
-              </a:rPr>
-              <a:t>https://</a:t>
-            </a:r>
-            <a:r>
-              <a:rPr lang="en-GB" sz="1600" dirty="0" smtClean="0">
-                <a:hlinkClick r:id="rId2"/>
-              </a:rPr>
-              <a:t>docs.microsoft.com/en-us/dotnet/standard/choosing-core-framework-server</a:t>
-            </a:r>
-            <a:endParaRPr lang="en-GB" sz="1600" dirty="0" smtClean="0"/>
-          </a:p>
-          <a:p>
-            <a:pPr marL="457200" lvl="1" indent="0">
-              <a:buNone/>
-            </a:pPr>
-            <a:endParaRPr lang="en-GB" sz="1600" dirty="0"/>
-          </a:p>
-          <a:p>
-            <a:pPr lvl="1"/>
-            <a:r>
-              <a:rPr lang="en-US" dirty="0"/>
-              <a:t>Use .NET Core for your server application when</a:t>
-            </a:r>
-            <a:r>
-              <a:rPr lang="en-US" dirty="0" smtClean="0"/>
-              <a:t>: </a:t>
-            </a:r>
-            <a:endParaRPr lang="en-US" dirty="0"/>
-          </a:p>
-          <a:p>
-            <a:pPr lvl="2"/>
-            <a:r>
-              <a:rPr lang="en-US" dirty="0"/>
-              <a:t>You have cross-platform needs.</a:t>
-            </a:r>
-          </a:p>
-          <a:p>
-            <a:pPr lvl="2"/>
-            <a:r>
-              <a:rPr lang="en-US" dirty="0"/>
-              <a:t>You are targeting </a:t>
-            </a:r>
-            <a:r>
-              <a:rPr lang="en-US" dirty="0" err="1"/>
-              <a:t>microservices</a:t>
-            </a:r>
-            <a:r>
-              <a:rPr lang="en-US" dirty="0"/>
-              <a:t>.</a:t>
-            </a:r>
-          </a:p>
-          <a:p>
-            <a:pPr lvl="2"/>
-            <a:r>
-              <a:rPr lang="en-US" dirty="0"/>
-              <a:t>You are using Docker containers.</a:t>
-            </a:r>
-          </a:p>
-          <a:p>
-            <a:pPr lvl="2"/>
-            <a:r>
-              <a:rPr lang="en-US" dirty="0"/>
-              <a:t>You need high-performance and scalable systems.</a:t>
-            </a:r>
-          </a:p>
-          <a:p>
-            <a:pPr lvl="2"/>
-            <a:r>
-              <a:rPr lang="en-US" dirty="0"/>
-              <a:t>You need side-by-side .NET versions per application.</a:t>
-            </a:r>
-          </a:p>
-          <a:p>
-            <a:endParaRPr lang="en-US" dirty="0"/>
-          </a:p>
-          <a:p>
-            <a:pPr lvl="1"/>
-            <a:r>
-              <a:rPr lang="en-US" dirty="0"/>
-              <a:t>Use .NET Framework for your server application when</a:t>
-            </a:r>
-            <a:r>
-              <a:rPr lang="en-US" dirty="0" smtClean="0"/>
-              <a:t>: </a:t>
-            </a:r>
-            <a:endParaRPr lang="en-US" dirty="0"/>
-          </a:p>
-          <a:p>
-            <a:pPr lvl="2"/>
-            <a:r>
-              <a:rPr lang="en-US" dirty="0"/>
-              <a:t>Your app currently uses .NET Framework (recommendation is to extend instead of migrating).</a:t>
-            </a:r>
-          </a:p>
-          <a:p>
-            <a:pPr lvl="2"/>
-            <a:r>
-              <a:rPr lang="en-US" dirty="0"/>
-              <a:t>Your app uses third-party .NET libraries or </a:t>
-            </a:r>
-            <a:r>
-              <a:rPr lang="en-US" dirty="0" err="1"/>
-              <a:t>NuGet</a:t>
-            </a:r>
-            <a:r>
-              <a:rPr lang="en-US" dirty="0"/>
-              <a:t> packages not available for .NET Core.</a:t>
-            </a:r>
-          </a:p>
-          <a:p>
-            <a:pPr lvl="2"/>
-            <a:r>
-              <a:rPr lang="en-US" dirty="0"/>
-              <a:t>Your app uses .NET technologies that aren't available for .NET Core.</a:t>
-            </a:r>
-          </a:p>
-          <a:p>
-            <a:pPr lvl="2"/>
-            <a:r>
-              <a:rPr lang="en-US" dirty="0"/>
-              <a:t>Your app uses a platform that doesn’t support .NET Core.</a:t>
-            </a:r>
-          </a:p>
-          <a:p>
-            <a:pPr marL="457200" lvl="1" indent="0">
-              <a:buNone/>
-            </a:pPr>
-            <a:endParaRPr lang="en-GB" sz="1600" dirty="0" smtClean="0"/>
-          </a:p>
-          <a:p>
-            <a:r>
-              <a:rPr lang="en-GB" sz="2000" dirty="0" smtClean="0"/>
-              <a:t>Java</a:t>
-            </a:r>
-          </a:p>
-          <a:p>
-            <a:r>
-              <a:rPr lang="en-GB" sz="2000" dirty="0" smtClean="0"/>
-              <a:t>Others </a:t>
-            </a:r>
-          </a:p>
-          <a:p>
-            <a:endParaRPr lang="en-GB" sz="2000" dirty="0" smtClean="0"/>
-          </a:p>
-          <a:p>
-            <a:pPr lvl="1"/>
-            <a:endParaRPr lang="en-GB" sz="1600" dirty="0" smtClean="0"/>
-          </a:p>
-          <a:p>
-            <a:pPr marL="457200" lvl="1" indent="0">
-              <a:buNone/>
-            </a:pPr>
-            <a:endParaRPr lang="en-GB" sz="2000" dirty="0"/>
-          </a:p>
-        </p:txBody>
-      </p:sp>
-    </p:spTree>
-    <p:extLst>
-      <p:ext uri="{BB962C8B-B14F-4D97-AF65-F5344CB8AC3E}">
-        <p14:creationId xmlns:p14="http://schemas.microsoft.com/office/powerpoint/2010/main" val="4062880136"/>
-      </p:ext>
-    </p:extLst>
-  </p:cSld>
-  <p:clrMapOvr>
-    <a:masterClrMapping/>
-  </p:clrMapOvr>
-</p:sld>
-</file>
-
-<file path=ppt/slides/slide17.xml><?xml version="1.0" encoding="utf-8"?>
-<p:sld xmlns:a="http://schemas.openxmlformats.org/drawingml/2006/main" xmlns:r="http://schemas.openxmlformats.org/officeDocument/2006/relationships" xmlns:p="http://schemas.openxmlformats.org/presentationml/2006/main">
-  <p:cSld>
-    <p:spTree>
-      <p:nvGrpSpPr>
-        <p:cNvPr id="1" name=""/>
-        <p:cNvGrpSpPr/>
-        <p:nvPr/>
-      </p:nvGrpSpPr>
-      <p:grpSpPr>
-        <a:xfrm>
-          <a:off x="0" y="0"/>
-          <a:ext cx="0" cy="0"/>
-          <a:chOff x="0" y="0"/>
-          <a:chExt cx="0" cy="0"/>
-        </a:xfrm>
-      </p:grpSpPr>
-      <p:sp>
-        <p:nvSpPr>
-          <p:cNvPr id="2" name="Titre 1"/>
-          <p:cNvSpPr>
-            <a:spLocks noGrp="1"/>
-          </p:cNvSpPr>
-          <p:nvPr>
-            <p:ph type="title"/>
-          </p:nvPr>
-        </p:nvSpPr>
-        <p:spPr>
-          <a:xfrm>
-            <a:off x="457200" y="274638"/>
-            <a:ext cx="8229600" cy="490066"/>
-          </a:xfrm>
-        </p:spPr>
-        <p:txBody>
-          <a:bodyPr>
-            <a:normAutofit/>
-          </a:bodyPr>
-          <a:lstStyle/>
-          <a:p>
-            <a:r>
-              <a:rPr lang="en-GB" sz="2400" b="1" dirty="0" err="1" smtClean="0"/>
-              <a:t>.Net</a:t>
-            </a:r>
-            <a:r>
-              <a:rPr lang="en-GB" sz="2400" b="1" dirty="0" smtClean="0"/>
-              <a:t> Core</a:t>
-            </a:r>
-            <a:endParaRPr lang="en-GB" sz="2400" b="1" dirty="0"/>
-          </a:p>
-        </p:txBody>
-      </p:sp>
-      <p:sp>
-        <p:nvSpPr>
-          <p:cNvPr id="3" name="Espace réservé du contenu 2"/>
-          <p:cNvSpPr>
-            <a:spLocks noGrp="1"/>
-          </p:cNvSpPr>
-          <p:nvPr>
-            <p:ph idx="1"/>
-          </p:nvPr>
-        </p:nvSpPr>
-        <p:spPr>
-          <a:xfrm>
-            <a:off x="457200" y="980728"/>
-            <a:ext cx="8229600" cy="5145435"/>
-          </a:xfrm>
-        </p:spPr>
-        <p:txBody>
-          <a:bodyPr>
-            <a:normAutofit/>
-          </a:bodyPr>
-          <a:lstStyle/>
-          <a:p>
-            <a:r>
-              <a:rPr lang="en-GB" sz="2000" dirty="0" err="1" smtClean="0"/>
-              <a:t>.Net</a:t>
-            </a:r>
-            <a:r>
-              <a:rPr lang="en-GB" sz="2000" dirty="0" smtClean="0"/>
-              <a:t> Core Supported Interfaces</a:t>
-            </a:r>
-          </a:p>
-          <a:p>
-            <a:pPr lvl="1"/>
-            <a:r>
-              <a:rPr lang="en-GB" sz="1600" dirty="0"/>
-              <a:t>Oracle : </a:t>
-            </a:r>
-            <a:r>
-              <a:rPr lang="en-GB" sz="1600" dirty="0">
-                <a:hlinkClick r:id="rId2"/>
-              </a:rPr>
-              <a:t>http://</a:t>
-            </a:r>
-            <a:r>
-              <a:rPr lang="en-GB" sz="1600" dirty="0" smtClean="0">
-                <a:hlinkClick r:id="rId2"/>
-              </a:rPr>
-              <a:t>www.oracle.com/technetwork/topics/dotnet/tech-info/odpnet-dotnet-core-sod-3628981.pdf</a:t>
-            </a:r>
-            <a:r>
-              <a:rPr lang="en-GB" sz="1600" dirty="0" smtClean="0"/>
-              <a:t> : Only </a:t>
-            </a:r>
-            <a:r>
-              <a:rPr lang="en-GB" sz="1600" smtClean="0"/>
-              <a:t>Managed drivers</a:t>
-            </a:r>
-            <a:endParaRPr lang="en-GB" sz="1600" dirty="0" smtClean="0"/>
-          </a:p>
-          <a:p>
-            <a:pPr marL="457200" lvl="1" indent="0">
-              <a:buNone/>
-            </a:pPr>
-            <a:r>
-              <a:rPr lang="en-GB" sz="1600" dirty="0" smtClean="0"/>
-              <a:t>      </a:t>
-            </a:r>
-            <a:r>
-              <a:rPr lang="en-GB" sz="1600" dirty="0"/>
-              <a:t>	</a:t>
-            </a:r>
-            <a:endParaRPr lang="en-GB" sz="1600" dirty="0" smtClean="0"/>
-          </a:p>
-          <a:p>
-            <a:r>
-              <a:rPr lang="en-GB" sz="2000" dirty="0" err="1"/>
-              <a:t>.Net</a:t>
-            </a:r>
-            <a:r>
-              <a:rPr lang="en-GB" sz="2000" dirty="0"/>
-              <a:t> Core </a:t>
-            </a:r>
-            <a:r>
-              <a:rPr lang="en-GB" sz="2000" dirty="0" smtClean="0"/>
-              <a:t>Not Supported </a:t>
-            </a:r>
-            <a:r>
-              <a:rPr lang="en-GB" sz="2000" dirty="0"/>
-              <a:t>Interfaces</a:t>
-            </a:r>
-          </a:p>
-          <a:p>
-            <a:pPr lvl="1"/>
-            <a:r>
-              <a:rPr lang="en-GB" sz="1600" dirty="0" smtClean="0"/>
-              <a:t>IBM MQ : check version 9.0.x</a:t>
-            </a:r>
-          </a:p>
-          <a:p>
-            <a:endParaRPr lang="en-GB" sz="2000" dirty="0" smtClean="0"/>
-          </a:p>
-          <a:p>
-            <a:endParaRPr lang="en-GB" sz="2000" dirty="0" smtClean="0"/>
-          </a:p>
-          <a:p>
-            <a:pPr lvl="1"/>
-            <a:endParaRPr lang="en-GB" sz="1600" dirty="0" smtClean="0"/>
-          </a:p>
-          <a:p>
-            <a:pPr marL="457200" lvl="1" indent="0">
-              <a:buNone/>
-            </a:pPr>
-            <a:endParaRPr lang="en-GB" sz="2000" dirty="0"/>
-          </a:p>
-        </p:txBody>
-      </p:sp>
-    </p:spTree>
-    <p:extLst>
-      <p:ext uri="{BB962C8B-B14F-4D97-AF65-F5344CB8AC3E}">
-        <p14:creationId xmlns:p14="http://schemas.microsoft.com/office/powerpoint/2010/main" val="3140253936"/>
-      </p:ext>
-    </p:extLst>
-  </p:cSld>
-  <p:clrMapOvr>
-    <a:masterClrMapping/>
-  </p:clrMapOvr>
-</p:sld>
-</file>
-
-<file path=ppt/slides/slide18.xml><?xml version="1.0" encoding="utf-8"?>
-<p:sld xmlns:a="http://schemas.openxmlformats.org/drawingml/2006/main" xmlns:r="http://schemas.openxmlformats.org/officeDocument/2006/relationships" xmlns:p="http://schemas.openxmlformats.org/presentationml/2006/main">
-  <p:cSld>
-    <p:spTree>
-      <p:nvGrpSpPr>
-        <p:cNvPr id="1" name=""/>
-        <p:cNvGrpSpPr/>
-        <p:nvPr/>
-      </p:nvGrpSpPr>
-      <p:grpSpPr>
-        <a:xfrm>
-          <a:off x="0" y="0"/>
-          <a:ext cx="0" cy="0"/>
-          <a:chOff x="0" y="0"/>
-          <a:chExt cx="0" cy="0"/>
-        </a:xfrm>
-      </p:grpSpPr>
-      <p:sp>
-        <p:nvSpPr>
-          <p:cNvPr id="2" name="Titre 1"/>
-          <p:cNvSpPr>
-            <a:spLocks noGrp="1"/>
-          </p:cNvSpPr>
-          <p:nvPr>
-            <p:ph type="title"/>
-          </p:nvPr>
-        </p:nvSpPr>
-        <p:spPr>
-          <a:xfrm>
-            <a:off x="457200" y="274638"/>
-            <a:ext cx="8229600" cy="490066"/>
-          </a:xfrm>
-        </p:spPr>
-        <p:txBody>
-          <a:bodyPr>
-            <a:normAutofit/>
-          </a:bodyPr>
-          <a:lstStyle/>
-          <a:p>
-            <a:r>
-              <a:rPr lang="fr-FR" sz="2400" b="1" dirty="0" err="1" smtClean="0"/>
-              <a:t>Resources</a:t>
-            </a:r>
-            <a:endParaRPr lang="fr-FR" sz="2400" b="1" dirty="0"/>
-          </a:p>
-        </p:txBody>
-      </p:sp>
-      <p:sp>
-        <p:nvSpPr>
-          <p:cNvPr id="3" name="Espace réservé du contenu 2"/>
-          <p:cNvSpPr>
-            <a:spLocks noGrp="1"/>
-          </p:cNvSpPr>
-          <p:nvPr>
-            <p:ph idx="1"/>
-          </p:nvPr>
-        </p:nvSpPr>
-        <p:spPr>
-          <a:xfrm>
-            <a:off x="457200" y="980728"/>
-            <a:ext cx="8229600" cy="5145435"/>
-          </a:xfrm>
-        </p:spPr>
-        <p:txBody>
-          <a:bodyPr>
-            <a:normAutofit/>
-          </a:bodyPr>
-          <a:lstStyle/>
-          <a:p>
-            <a:r>
-              <a:rPr lang="fr-FR" sz="2000" dirty="0" smtClean="0"/>
-              <a:t>Microsoft</a:t>
-            </a:r>
-          </a:p>
-          <a:p>
-            <a:pPr lvl="1"/>
-            <a:r>
-              <a:rPr lang="fr-FR" sz="1600" dirty="0"/>
-              <a:t>NET-Microservices-Architecture-for-Containerized-NET-Applications-(Microsoft-eBook).</a:t>
-            </a:r>
-            <a:r>
-              <a:rPr lang="fr-FR" sz="1600" dirty="0" smtClean="0"/>
-              <a:t>pdf</a:t>
-            </a:r>
-          </a:p>
-          <a:p>
-            <a:pPr lvl="1"/>
-            <a:r>
-              <a:rPr lang="fr-FR" sz="1600" dirty="0"/>
-              <a:t>Containerized-Docker-Application-Lifecycle-with-Microsoft-Platform-and-Tools-(eBook)_</a:t>
-            </a:r>
-            <a:r>
-              <a:rPr lang="fr-FR" sz="1600" dirty="0" smtClean="0"/>
-              <a:t>v1.1.pdf</a:t>
-            </a:r>
-          </a:p>
-          <a:p>
-            <a:r>
-              <a:rPr lang="fr-FR" sz="2000" dirty="0" smtClean="0"/>
-              <a:t>Gartner :</a:t>
-            </a:r>
-          </a:p>
-          <a:p>
-            <a:pPr lvl="1"/>
-            <a:r>
-              <a:rPr lang="fr-FR" sz="1600" dirty="0">
-                <a:hlinkClick r:id="rId2"/>
-              </a:rPr>
-              <a:t>https://</a:t>
-            </a:r>
-            <a:r>
-              <a:rPr lang="fr-FR" sz="1600" dirty="0" smtClean="0">
-                <a:hlinkClick r:id="rId2"/>
-              </a:rPr>
-              <a:t>www.gartner.com/doc/3574617/assessing-docker-containers-software-delivery</a:t>
-            </a:r>
-            <a:endParaRPr lang="fr-FR" sz="1600" dirty="0" smtClean="0"/>
-          </a:p>
-          <a:p>
-            <a:pPr lvl="1"/>
-            <a:r>
-              <a:rPr lang="fr-FR" sz="1600" dirty="0">
-                <a:hlinkClick r:id="rId3"/>
-              </a:rPr>
-              <a:t>https://</a:t>
-            </a:r>
-            <a:r>
-              <a:rPr lang="fr-FR" sz="1600" dirty="0" smtClean="0">
-                <a:hlinkClick r:id="rId3"/>
-              </a:rPr>
-              <a:t>www.gartner.com/doc/3512817/need-know-docker-containers</a:t>
-            </a:r>
-            <a:endParaRPr lang="fr-FR" sz="1600" dirty="0" smtClean="0"/>
-          </a:p>
-          <a:p>
-            <a:pPr lvl="1"/>
-            <a:endParaRPr lang="fr-FR" sz="1600" dirty="0" smtClean="0"/>
-          </a:p>
-          <a:p>
-            <a:pPr lvl="1"/>
-            <a:endParaRPr lang="fr-FR" sz="1600" dirty="0" smtClean="0"/>
-          </a:p>
-          <a:p>
-            <a:endParaRPr lang="fr-FR" sz="2000" dirty="0" smtClean="0"/>
-          </a:p>
-          <a:p>
-            <a:pPr lvl="1"/>
-            <a:endParaRPr lang="fr-FR" sz="1600" dirty="0" smtClean="0"/>
-          </a:p>
-          <a:p>
-            <a:pPr marL="457200" lvl="1" indent="0">
-              <a:buNone/>
-            </a:pPr>
-            <a:endParaRPr lang="fr-FR" sz="2000" dirty="0"/>
-          </a:p>
-        </p:txBody>
-      </p:sp>
-    </p:spTree>
-    <p:extLst>
-      <p:ext uri="{BB962C8B-B14F-4D97-AF65-F5344CB8AC3E}">
-        <p14:creationId xmlns:p14="http://schemas.microsoft.com/office/powerpoint/2010/main" val="3925886425"/>
-      </p:ext>
-    </p:extLst>
-  </p:cSld>
-  <p:clrMapOvr>
-    <a:masterClrMapping/>
-  </p:clrMapOvr>
-</p:sld>
-</file>
-
-<file path=ppt/slides/slide2.xml><?xml version="1.0" encoding="utf-8"?>
-<p:sld xmlns:a="http://schemas.openxmlformats.org/drawingml/2006/main" xmlns:r="http://schemas.openxmlformats.org/officeDocument/2006/relationships" xmlns:p="http://schemas.openxmlformats.org/presentationml/2006/main">
-  <p:cSld>
-    <p:spTree>
-      <p:nvGrpSpPr>
-        <p:cNvPr id="1" name=""/>
-        <p:cNvGrpSpPr/>
-        <p:nvPr/>
-      </p:nvGrpSpPr>
-      <p:grpSpPr>
-        <a:xfrm>
-          <a:off x="0" y="0"/>
-          <a:ext cx="0" cy="0"/>
-          <a:chOff x="0" y="0"/>
-          <a:chExt cx="0" cy="0"/>
-        </a:xfrm>
-      </p:grpSpPr>
-      <p:sp>
-        <p:nvSpPr>
-          <p:cNvPr id="2" name="Titre 1"/>
-          <p:cNvSpPr>
-            <a:spLocks noGrp="1"/>
-          </p:cNvSpPr>
-          <p:nvPr>
-            <p:ph type="title"/>
-          </p:nvPr>
-        </p:nvSpPr>
-        <p:spPr/>
-        <p:txBody>
-          <a:bodyPr>
-            <a:normAutofit fontScale="90000"/>
-          </a:bodyPr>
-          <a:lstStyle/>
-          <a:p>
-            <a:r>
-              <a:rPr lang="fr-FR" dirty="0" smtClean="0"/>
-              <a:t>Généralités</a:t>
-            </a:r>
-            <a:endParaRPr lang="fr-FR" dirty="0"/>
-          </a:p>
-        </p:txBody>
-      </p:sp>
-      <p:sp>
-        <p:nvSpPr>
-          <p:cNvPr id="3" name="Espace réservé du contenu 2"/>
-          <p:cNvSpPr>
-            <a:spLocks noGrp="1"/>
-          </p:cNvSpPr>
-          <p:nvPr>
-            <p:ph idx="1"/>
-          </p:nvPr>
-        </p:nvSpPr>
-        <p:spPr/>
-        <p:txBody>
-          <a:bodyPr>
-            <a:normAutofit fontScale="92500" lnSpcReduction="20000"/>
-          </a:bodyPr>
-          <a:lstStyle/>
-          <a:p>
-            <a:r>
-              <a:rPr lang="fr-FR" dirty="0" smtClean="0"/>
-              <a:t>Docker</a:t>
-            </a:r>
-          </a:p>
-          <a:p>
-            <a:pPr lvl="1"/>
-            <a:r>
-              <a:rPr lang="fr-FR" dirty="0" smtClean="0"/>
-              <a:t>Solution de containérisation adoptée par tous les Majors IT</a:t>
-            </a:r>
-          </a:p>
-          <a:p>
-            <a:pPr lvl="1"/>
-            <a:r>
-              <a:rPr lang="fr-FR" dirty="0" smtClean="0"/>
-              <a:t>Cross-</a:t>
-            </a:r>
-            <a:r>
-              <a:rPr lang="fr-FR" dirty="0" err="1" smtClean="0"/>
-              <a:t>platform</a:t>
-            </a:r>
-            <a:endParaRPr lang="fr-FR" dirty="0" smtClean="0"/>
-          </a:p>
-          <a:p>
-            <a:pPr lvl="1"/>
-            <a:r>
-              <a:rPr lang="fr-FR" dirty="0" smtClean="0"/>
-              <a:t>Peu ou pas de concurrents (</a:t>
-            </a:r>
-            <a:r>
-              <a:rPr lang="fr-FR" dirty="0" err="1" smtClean="0"/>
-              <a:t>Roket</a:t>
-            </a:r>
-            <a:r>
-              <a:rPr lang="fr-FR" dirty="0" smtClean="0"/>
-              <a:t>, LXC)</a:t>
-            </a:r>
-          </a:p>
-          <a:p>
-            <a:r>
-              <a:rPr lang="fr-FR" dirty="0" smtClean="0"/>
-              <a:t>Pourquoi les containers</a:t>
-            </a:r>
-          </a:p>
-          <a:p>
-            <a:pPr lvl="1"/>
-            <a:r>
-              <a:rPr lang="fr-FR" dirty="0" err="1" smtClean="0"/>
-              <a:t>Scalabilité</a:t>
-            </a:r>
-            <a:r>
-              <a:rPr lang="fr-FR" dirty="0" smtClean="0"/>
-              <a:t> Horizontale</a:t>
-            </a:r>
-          </a:p>
-          <a:p>
-            <a:pPr lvl="1"/>
-            <a:r>
-              <a:rPr lang="fr-FR" dirty="0" smtClean="0"/>
-              <a:t>Patch Management</a:t>
-            </a:r>
-          </a:p>
-          <a:p>
-            <a:pPr lvl="1"/>
-            <a:r>
-              <a:rPr lang="fr-FR" dirty="0" smtClean="0"/>
-              <a:t>Rapidité / Fiabilité de déploiement</a:t>
-            </a:r>
-          </a:p>
-          <a:p>
-            <a:r>
-              <a:rPr lang="fr-FR" dirty="0" smtClean="0"/>
-              <a:t>Plate-forme d’exécution</a:t>
-            </a:r>
-          </a:p>
-          <a:p>
-            <a:pPr lvl="1"/>
-            <a:r>
-              <a:rPr lang="fr-FR" dirty="0" smtClean="0"/>
-              <a:t>Orchestration déploiement</a:t>
-            </a:r>
-          </a:p>
-          <a:p>
-            <a:pPr lvl="1"/>
-            <a:r>
-              <a:rPr lang="fr-FR" dirty="0" smtClean="0"/>
-              <a:t>Orchestration </a:t>
-            </a:r>
-            <a:r>
-              <a:rPr lang="fr-FR" dirty="0" err="1" smtClean="0"/>
-              <a:t>scalabilité</a:t>
-            </a:r>
-            <a:endParaRPr lang="fr-FR" dirty="0" smtClean="0"/>
-          </a:p>
-          <a:p>
-            <a:pPr lvl="1"/>
-            <a:r>
-              <a:rPr lang="fr-FR" dirty="0" smtClean="0"/>
-              <a:t>Services associés</a:t>
-            </a:r>
-          </a:p>
-          <a:p>
-            <a:pPr lvl="1"/>
-            <a:r>
-              <a:rPr lang="fr-FR" dirty="0" smtClean="0"/>
-              <a:t>Monitoring</a:t>
-            </a:r>
-          </a:p>
-          <a:p>
-            <a:r>
-              <a:rPr lang="fr-FR" dirty="0" smtClean="0"/>
-              <a:t>Micro Service</a:t>
-            </a:r>
-          </a:p>
-          <a:p>
-            <a:pPr lvl="1"/>
-            <a:r>
-              <a:rPr lang="fr-FR" dirty="0" smtClean="0"/>
-              <a:t>Changement architecture applicative</a:t>
-            </a:r>
-            <a:endParaRPr lang="fr-FR" dirty="0"/>
-          </a:p>
-          <a:p>
-            <a:pPr lvl="1"/>
-            <a:endParaRPr lang="fr-FR" dirty="0" smtClean="0"/>
-          </a:p>
-        </p:txBody>
-      </p:sp>
-    </p:spTree>
-    <p:extLst>
-      <p:ext uri="{BB962C8B-B14F-4D97-AF65-F5344CB8AC3E}">
-        <p14:creationId xmlns:p14="http://schemas.microsoft.com/office/powerpoint/2010/main" val="4219070909"/>
-      </p:ext>
-    </p:extLst>
-  </p:cSld>
-  <p:clrMapOvr>
-    <a:masterClrMapping/>
-  </p:clrMapOvr>
-</p:sld>
-</file>
-
-<file path=ppt/slides/slide3.xml><?xml version="1.0" encoding="utf-8"?>
-<p:sld xmlns:a="http://schemas.openxmlformats.org/drawingml/2006/main" xmlns:r="http://schemas.openxmlformats.org/officeDocument/2006/relationships" xmlns:p="http://schemas.openxmlformats.org/presentationml/2006/main">
-  <p:cSld>
-    <p:spTree>
-      <p:nvGrpSpPr>
-        <p:cNvPr id="1" name=""/>
-        <p:cNvGrpSpPr/>
-        <p:nvPr/>
-      </p:nvGrpSpPr>
-      <p:grpSpPr>
-        <a:xfrm>
-          <a:off x="0" y="0"/>
-          <a:ext cx="0" cy="0"/>
-          <a:chOff x="0" y="0"/>
-          <a:chExt cx="0" cy="0"/>
-        </a:xfrm>
-      </p:grpSpPr>
-      <p:sp>
-        <p:nvSpPr>
-          <p:cNvPr id="2" name="Titre 1"/>
-          <p:cNvSpPr>
-            <a:spLocks noGrp="1"/>
-          </p:cNvSpPr>
-          <p:nvPr>
-            <p:ph type="title"/>
-          </p:nvPr>
-        </p:nvSpPr>
-        <p:spPr/>
-        <p:txBody>
-          <a:bodyPr>
-            <a:normAutofit fontScale="90000"/>
-          </a:bodyPr>
-          <a:lstStyle/>
-          <a:p>
-            <a:r>
-              <a:rPr lang="fr-FR" dirty="0" smtClean="0"/>
-              <a:t>Objectifs du document</a:t>
-            </a:r>
-            <a:endParaRPr lang="fr-FR" dirty="0"/>
-          </a:p>
-        </p:txBody>
-      </p:sp>
-      <p:sp>
-        <p:nvSpPr>
-          <p:cNvPr id="3" name="Espace réservé du contenu 2"/>
-          <p:cNvSpPr>
-            <a:spLocks noGrp="1"/>
-          </p:cNvSpPr>
-          <p:nvPr>
-            <p:ph idx="1"/>
-          </p:nvPr>
-        </p:nvSpPr>
-        <p:spPr/>
-        <p:txBody>
-          <a:bodyPr>
-            <a:normAutofit/>
-          </a:bodyPr>
-          <a:lstStyle/>
-          <a:p>
-            <a:r>
-              <a:rPr lang="fr-FR" dirty="0" smtClean="0"/>
-              <a:t>Passer en revue les topics liés à la containérisation</a:t>
-            </a:r>
-          </a:p>
-          <a:p>
-            <a:r>
-              <a:rPr lang="fr-FR" dirty="0" smtClean="0"/>
-              <a:t>Sélection des topics à inclure dans l’étude</a:t>
-            </a:r>
-          </a:p>
-          <a:p>
-            <a:r>
-              <a:rPr lang="fr-FR" dirty="0" smtClean="0"/>
-              <a:t>Mettre une priorité :</a:t>
-            </a:r>
-          </a:p>
-          <a:p>
-            <a:pPr lvl="1"/>
-            <a:r>
-              <a:rPr lang="fr-FR" dirty="0" smtClean="0"/>
-              <a:t>Importante, moyenne, faible</a:t>
-            </a:r>
-            <a:endParaRPr lang="fr-FR" dirty="0"/>
-          </a:p>
-          <a:p>
-            <a:pPr lvl="1"/>
-            <a:endParaRPr lang="fr-FR" dirty="0" smtClean="0"/>
-          </a:p>
-        </p:txBody>
-      </p:sp>
-    </p:spTree>
-    <p:extLst>
-      <p:ext uri="{BB962C8B-B14F-4D97-AF65-F5344CB8AC3E}">
-        <p14:creationId xmlns:p14="http://schemas.microsoft.com/office/powerpoint/2010/main" val="35213746"/>
-      </p:ext>
-    </p:extLst>
-  </p:cSld>
-  <p:clrMapOvr>
-    <a:masterClrMapping/>
-  </p:clrMapOvr>
-</p:sld>
-</file>
-
-<file path=ppt/slides/slide4.xml><?xml version="1.0" encoding="utf-8"?>
-<p:sld xmlns:a="http://schemas.openxmlformats.org/drawingml/2006/main" xmlns:r="http://schemas.openxmlformats.org/officeDocument/2006/relationships" xmlns:p="http://schemas.openxmlformats.org/presentationml/2006/main">
-  <p:cSld>
-    <p:spTree>
-      <p:nvGrpSpPr>
-        <p:cNvPr id="1" name=""/>
-        <p:cNvGrpSpPr/>
-        <p:nvPr/>
-      </p:nvGrpSpPr>
-      <p:grpSpPr>
-        <a:xfrm>
-          <a:off x="0" y="0"/>
-          <a:ext cx="0" cy="0"/>
-          <a:chOff x="0" y="0"/>
-          <a:chExt cx="0" cy="0"/>
-        </a:xfrm>
-      </p:grpSpPr>
-      <p:sp>
-        <p:nvSpPr>
-          <p:cNvPr id="2" name="Titre 1"/>
-          <p:cNvSpPr>
-            <a:spLocks noGrp="1"/>
-          </p:cNvSpPr>
-          <p:nvPr>
-            <p:ph type="title"/>
-          </p:nvPr>
-        </p:nvSpPr>
-        <p:spPr/>
-        <p:txBody>
-          <a:bodyPr>
-            <a:normAutofit fontScale="90000"/>
-          </a:bodyPr>
-          <a:lstStyle/>
-          <a:p>
-            <a:r>
-              <a:rPr lang="fr-FR" dirty="0" smtClean="0"/>
-              <a:t>Sommaire</a:t>
-            </a:r>
-            <a:endParaRPr lang="fr-FR" dirty="0"/>
-          </a:p>
-        </p:txBody>
-      </p:sp>
-      <p:sp>
-        <p:nvSpPr>
-          <p:cNvPr id="3" name="Espace réservé du contenu 2"/>
-          <p:cNvSpPr>
-            <a:spLocks noGrp="1"/>
-          </p:cNvSpPr>
-          <p:nvPr>
-            <p:ph idx="1"/>
-          </p:nvPr>
-        </p:nvSpPr>
-        <p:spPr/>
-        <p:txBody>
-          <a:bodyPr>
-            <a:normAutofit/>
-          </a:bodyPr>
-          <a:lstStyle/>
-          <a:p>
-            <a:r>
-              <a:rPr lang="fr-FR" dirty="0" smtClean="0"/>
-              <a:t>Micro service</a:t>
-            </a:r>
-          </a:p>
-          <a:p>
-            <a:r>
-              <a:rPr lang="fr-FR" dirty="0" smtClean="0"/>
-              <a:t>Docker</a:t>
-            </a:r>
-          </a:p>
-          <a:p>
-            <a:r>
-              <a:rPr lang="fr-FR" dirty="0" smtClean="0"/>
-              <a:t>Application cibles</a:t>
-            </a:r>
-          </a:p>
-          <a:p>
-            <a:r>
-              <a:rPr lang="fr-FR" dirty="0" smtClean="0"/>
-              <a:t>Application développement</a:t>
-            </a:r>
-          </a:p>
-          <a:p>
-            <a:r>
-              <a:rPr lang="fr-FR" dirty="0" smtClean="0"/>
-              <a:t>Plateforme d’exécution</a:t>
-            </a:r>
-          </a:p>
-          <a:p>
-            <a:r>
-              <a:rPr lang="fr-FR" dirty="0" smtClean="0"/>
-              <a:t>Architecture</a:t>
-            </a:r>
-          </a:p>
-          <a:p>
-            <a:r>
-              <a:rPr lang="fr-FR" dirty="0" smtClean="0"/>
-              <a:t>Sécurité</a:t>
-            </a:r>
-          </a:p>
-          <a:p>
-            <a:endParaRPr lang="fr-FR" dirty="0"/>
-          </a:p>
-          <a:p>
-            <a:pPr lvl="1"/>
-            <a:endParaRPr lang="fr-FR" dirty="0" smtClean="0"/>
-          </a:p>
-        </p:txBody>
-      </p:sp>
-    </p:spTree>
-    <p:extLst>
-      <p:ext uri="{BB962C8B-B14F-4D97-AF65-F5344CB8AC3E}">
-        <p14:creationId xmlns:p14="http://schemas.microsoft.com/office/powerpoint/2010/main" val="4037784113"/>
-      </p:ext>
-    </p:extLst>
-  </p:cSld>
-  <p:clrMapOvr>
-    <a:masterClrMapping/>
-  </p:clrMapOvr>
-</p:sld>
-</file>
-
-<file path=ppt/slides/slide5.xml><?xml version="1.0" encoding="utf-8"?>
-<p:sld xmlns:a="http://schemas.openxmlformats.org/drawingml/2006/main" xmlns:r="http://schemas.openxmlformats.org/officeDocument/2006/relationships" xmlns:p="http://schemas.openxmlformats.org/presentationml/2006/main">
-  <p:cSld>
-    <p:spTree>
-      <p:nvGrpSpPr>
-        <p:cNvPr id="1" name=""/>
-        <p:cNvGrpSpPr/>
-        <p:nvPr/>
-      </p:nvGrpSpPr>
-      <p:grpSpPr>
-        <a:xfrm>
-          <a:off x="0" y="0"/>
-          <a:ext cx="0" cy="0"/>
-          <a:chOff x="0" y="0"/>
-          <a:chExt cx="0" cy="0"/>
-        </a:xfrm>
-      </p:grpSpPr>
-      <p:sp>
-        <p:nvSpPr>
-          <p:cNvPr id="2" name="Titre 1"/>
-          <p:cNvSpPr>
-            <a:spLocks noGrp="1"/>
-          </p:cNvSpPr>
-          <p:nvPr>
-            <p:ph type="title"/>
-          </p:nvPr>
-        </p:nvSpPr>
-        <p:spPr/>
-        <p:txBody>
-          <a:bodyPr>
-            <a:normAutofit fontScale="90000"/>
-          </a:bodyPr>
-          <a:lstStyle/>
-          <a:p>
-            <a:r>
-              <a:rPr lang="fr-FR" dirty="0" smtClean="0"/>
-              <a:t>Micro service</a:t>
-            </a:r>
-            <a:endParaRPr lang="fr-FR" dirty="0"/>
-          </a:p>
-        </p:txBody>
-      </p:sp>
-      <p:sp>
-        <p:nvSpPr>
-          <p:cNvPr id="3" name="Espace réservé du contenu 2"/>
-          <p:cNvSpPr>
-            <a:spLocks noGrp="1"/>
-          </p:cNvSpPr>
-          <p:nvPr>
-            <p:ph idx="1"/>
-          </p:nvPr>
-        </p:nvSpPr>
-        <p:spPr/>
-        <p:txBody>
-          <a:bodyPr>
-            <a:normAutofit/>
-          </a:bodyPr>
-          <a:lstStyle/>
-          <a:p>
-            <a:r>
-              <a:rPr lang="fr-FR" dirty="0" smtClean="0"/>
-              <a:t>Pourquoi ?</a:t>
-            </a:r>
-          </a:p>
-          <a:p>
-            <a:pPr lvl="1"/>
-            <a:r>
-              <a:rPr lang="fr-FR" dirty="0" smtClean="0"/>
-              <a:t>Container = Architecture micro services « State </a:t>
-            </a:r>
-            <a:r>
-              <a:rPr lang="fr-FR" dirty="0" err="1" smtClean="0"/>
-              <a:t>less</a:t>
-            </a:r>
-            <a:r>
-              <a:rPr lang="fr-FR" dirty="0" smtClean="0"/>
-              <a:t> »</a:t>
-            </a:r>
-          </a:p>
-          <a:p>
-            <a:pPr lvl="1"/>
-            <a:r>
-              <a:rPr lang="fr-FR" dirty="0" smtClean="0"/>
-              <a:t>Existence d’autres types de micro services</a:t>
-            </a:r>
-          </a:p>
-          <a:p>
-            <a:pPr lvl="1"/>
-            <a:r>
-              <a:rPr lang="fr-FR" dirty="0" smtClean="0"/>
-              <a:t>Existence de plateformes dédiées aux micro services</a:t>
-            </a:r>
-          </a:p>
-          <a:p>
-            <a:pPr marL="393192" lvl="1" indent="0">
-              <a:buNone/>
-            </a:pPr>
-            <a:endParaRPr lang="fr-FR" dirty="0" smtClean="0"/>
-          </a:p>
-          <a:p>
-            <a:r>
-              <a:rPr lang="fr-FR" dirty="0" smtClean="0"/>
-              <a:t>Architecture micro service</a:t>
-            </a:r>
-          </a:p>
-          <a:p>
-            <a:pPr lvl="1"/>
-            <a:endParaRPr lang="fr-FR" dirty="0" smtClean="0"/>
-          </a:p>
-          <a:p>
-            <a:r>
-              <a:rPr lang="fr-FR" dirty="0"/>
-              <a:t>T</a:t>
-            </a:r>
-            <a:r>
-              <a:rPr lang="fr-FR" dirty="0" smtClean="0"/>
-              <a:t>ypes de micro services</a:t>
-            </a:r>
-          </a:p>
-          <a:p>
-            <a:pPr lvl="1"/>
-            <a:r>
-              <a:rPr lang="fr-FR" dirty="0" smtClean="0"/>
-              <a:t>State </a:t>
-            </a:r>
-            <a:r>
-              <a:rPr lang="fr-FR" dirty="0" err="1" smtClean="0"/>
-              <a:t>less</a:t>
-            </a:r>
-            <a:endParaRPr lang="fr-FR" dirty="0" smtClean="0"/>
-          </a:p>
-          <a:p>
-            <a:pPr lvl="1"/>
-            <a:r>
-              <a:rPr lang="fr-FR" dirty="0" smtClean="0"/>
-              <a:t>State Full</a:t>
-            </a:r>
-          </a:p>
-          <a:p>
-            <a:endParaRPr lang="fr-FR" dirty="0" smtClean="0"/>
-          </a:p>
-          <a:p>
-            <a:pPr lvl="1"/>
-            <a:endParaRPr lang="fr-FR" dirty="0"/>
-          </a:p>
-          <a:p>
-            <a:pPr lvl="1"/>
-            <a:endParaRPr lang="fr-FR" dirty="0" smtClean="0"/>
-          </a:p>
-        </p:txBody>
-      </p:sp>
-    </p:spTree>
-    <p:extLst>
-      <p:ext uri="{BB962C8B-B14F-4D97-AF65-F5344CB8AC3E}">
-        <p14:creationId xmlns:p14="http://schemas.microsoft.com/office/powerpoint/2010/main" val="158660815"/>
-      </p:ext>
-    </p:extLst>
-  </p:cSld>
-  <p:clrMapOvr>
-    <a:masterClrMapping/>
-  </p:clrMapOvr>
-</p:sld>
-</file>
-
-<file path=ppt/slides/slide6.xml><?xml version="1.0" encoding="utf-8"?>
-<p:sld xmlns:a="http://schemas.openxmlformats.org/drawingml/2006/main" xmlns:r="http://schemas.openxmlformats.org/officeDocument/2006/relationships" xmlns:p="http://schemas.openxmlformats.org/presentationml/2006/main">
-  <p:cSld>
-    <p:spTree>
-      <p:nvGrpSpPr>
-        <p:cNvPr id="1" name=""/>
-        <p:cNvGrpSpPr/>
-        <p:nvPr/>
-      </p:nvGrpSpPr>
-      <p:grpSpPr>
-        <a:xfrm>
-          <a:off x="0" y="0"/>
-          <a:ext cx="0" cy="0"/>
-          <a:chOff x="0" y="0"/>
-          <a:chExt cx="0" cy="0"/>
-        </a:xfrm>
-      </p:grpSpPr>
-      <p:sp>
-        <p:nvSpPr>
           <p:cNvPr id="2" name="Titre 1"/>
           <p:cNvSpPr>
             <a:spLocks noGrp="1"/>
@@ -7077,7 +3885,7 @@
 </p:sld>
 </file>
 
-<file path=ppt/slides/slide7.xml><?xml version="1.0" encoding="utf-8"?>
+<file path=ppt/slides/slide11.xml><?xml version="1.0" encoding="utf-8"?>
 <p:sld xmlns:a="http://schemas.openxmlformats.org/drawingml/2006/main" xmlns:r="http://schemas.openxmlformats.org/officeDocument/2006/relationships" xmlns:p="http://schemas.openxmlformats.org/presentationml/2006/main">
   <p:cSld>
     <p:spTree>
@@ -7295,7 +4103,7 @@
 </p:sld>
 </file>
 
-<file path=ppt/slides/slide8.xml><?xml version="1.0" encoding="utf-8"?>
+<file path=ppt/slides/slide12.xml><?xml version="1.0" encoding="utf-8"?>
 <p:sld xmlns:a="http://schemas.openxmlformats.org/drawingml/2006/main" xmlns:r="http://schemas.openxmlformats.org/officeDocument/2006/relationships" xmlns:p="http://schemas.openxmlformats.org/presentationml/2006/main">
   <p:cSld>
     <p:spTree>
@@ -7558,6 +4366,4591 @@
 </p:sld>
 </file>
 
+<file path=ppt/slides/slide13.xml><?xml version="1.0" encoding="utf-8"?>
+<p:sld xmlns:a="http://schemas.openxmlformats.org/drawingml/2006/main" xmlns:r="http://schemas.openxmlformats.org/officeDocument/2006/relationships" xmlns:p="http://schemas.openxmlformats.org/presentationml/2006/main">
+  <p:cSld>
+    <p:spTree>
+      <p:nvGrpSpPr>
+        <p:cNvPr id="1" name=""/>
+        <p:cNvGrpSpPr/>
+        <p:nvPr/>
+      </p:nvGrpSpPr>
+      <p:grpSpPr>
+        <a:xfrm>
+          <a:off x="0" y="0"/>
+          <a:ext cx="0" cy="0"/>
+          <a:chOff x="0" y="0"/>
+          <a:chExt cx="0" cy="0"/>
+        </a:xfrm>
+      </p:grpSpPr>
+      <p:sp>
+        <p:nvSpPr>
+          <p:cNvPr id="2" name="Titre 1"/>
+          <p:cNvSpPr>
+            <a:spLocks noGrp="1"/>
+          </p:cNvSpPr>
+          <p:nvPr>
+            <p:ph type="title"/>
+          </p:nvPr>
+        </p:nvSpPr>
+        <p:spPr/>
+        <p:txBody>
+          <a:bodyPr>
+            <a:normAutofit fontScale="90000"/>
+          </a:bodyPr>
+          <a:lstStyle/>
+          <a:p>
+            <a:r>
+              <a:rPr lang="fr-FR" dirty="0" err="1" smtClean="0"/>
+              <a:t>Kubernetes</a:t>
+            </a:r>
+            <a:endParaRPr lang="fr-FR" dirty="0"/>
+          </a:p>
+        </p:txBody>
+      </p:sp>
+      <p:sp>
+        <p:nvSpPr>
+          <p:cNvPr id="3" name="Espace réservé du contenu 2"/>
+          <p:cNvSpPr>
+            <a:spLocks noGrp="1"/>
+          </p:cNvSpPr>
+          <p:nvPr>
+            <p:ph idx="1"/>
+          </p:nvPr>
+        </p:nvSpPr>
+        <p:spPr/>
+        <p:txBody>
+          <a:bodyPr/>
+          <a:lstStyle/>
+          <a:p>
+            <a:r>
+              <a:rPr lang="fr-FR" dirty="0" err="1" smtClean="0"/>
+              <a:t>Minikube</a:t>
+            </a:r>
+            <a:endParaRPr lang="fr-FR" dirty="0" smtClean="0"/>
+          </a:p>
+          <a:p>
+            <a:pPr lvl="1"/>
+            <a:r>
+              <a:rPr lang="fr-FR" dirty="0" smtClean="0"/>
+              <a:t>url </a:t>
+            </a:r>
+            <a:r>
+              <a:rPr lang="fr-FR" dirty="0"/>
+              <a:t>: </a:t>
+            </a:r>
+            <a:r>
+              <a:rPr lang="fr-FR" dirty="0">
+                <a:hlinkClick r:id="rId2"/>
+              </a:rPr>
+              <a:t>https://</a:t>
+            </a:r>
+            <a:r>
+              <a:rPr lang="fr-FR" dirty="0" smtClean="0">
+                <a:hlinkClick r:id="rId2"/>
+              </a:rPr>
+              <a:t>github.com/kubernetes/minikube/releases</a:t>
+            </a:r>
+            <a:endParaRPr lang="fr-FR" dirty="0" smtClean="0"/>
+          </a:p>
+          <a:p>
+            <a:pPr lvl="1"/>
+            <a:r>
+              <a:rPr lang="fr-FR" dirty="0" smtClean="0"/>
+              <a:t>Date : 14/12/2017</a:t>
+            </a:r>
+            <a:endParaRPr lang="fr-FR" dirty="0" smtClean="0"/>
+          </a:p>
+          <a:p>
+            <a:pPr marL="457200" lvl="1" indent="0">
+              <a:buNone/>
+            </a:pPr>
+            <a:endParaRPr lang="fr-FR" dirty="0"/>
+          </a:p>
+        </p:txBody>
+      </p:sp>
+      <p:pic>
+        <p:nvPicPr>
+          <p:cNvPr id="1026" name="Picture 2"/>
+          <p:cNvPicPr>
+            <a:picLocks noChangeAspect="1" noChangeArrowheads="1"/>
+          </p:cNvPicPr>
+          <p:nvPr/>
+        </p:nvPicPr>
+        <p:blipFill>
+          <a:blip r:embed="rId3">
+            <a:extLst>
+              <a:ext uri="{28A0092B-C50C-407E-A947-70E740481C1C}">
+                <a14:useLocalDpi xmlns:a14="http://schemas.microsoft.com/office/drawing/2010/main" val="0"/>
+              </a:ext>
+            </a:extLst>
+          </a:blip>
+          <a:srcRect/>
+          <a:stretch>
+            <a:fillRect/>
+          </a:stretch>
+        </p:blipFill>
+        <p:spPr bwMode="auto">
+          <a:xfrm>
+            <a:off x="539552" y="2564905"/>
+            <a:ext cx="7173913" cy="2880320"/>
+          </a:xfrm>
+          <a:prstGeom prst="rect">
+            <a:avLst/>
+          </a:prstGeom>
+          <a:noFill/>
+          <a:ln>
+            <a:noFill/>
+          </a:ln>
+          <a:effectLst/>
+          <a:extLst>
+            <a:ext uri="{909E8E84-426E-40DD-AFC4-6F175D3DCCD1}">
+              <a14:hiddenFill xmlns:a14="http://schemas.microsoft.com/office/drawing/2010/main">
+                <a:solidFill>
+                  <a:schemeClr val="accent1"/>
+                </a:solidFill>
+              </a14:hiddenFill>
+            </a:ext>
+            <a:ext uri="{91240B29-F687-4F45-9708-019B960494DF}">
+              <a14:hiddenLine xmlns:a14="http://schemas.microsoft.com/office/drawing/2010/main" w="9525">
+                <a:solidFill>
+                  <a:schemeClr val="tx1"/>
+                </a:solidFill>
+                <a:miter lim="800000"/>
+                <a:headEnd/>
+                <a:tailEnd/>
+              </a14:hiddenLine>
+            </a:ext>
+            <a:ext uri="{AF507438-7753-43E0-B8FC-AC1667EBCBE1}">
+              <a14:hiddenEffects xmlns:a14="http://schemas.microsoft.com/office/drawing/2010/main">
+                <a:effectLst>
+                  <a:outerShdw dist="35921" dir="2700000" algn="ctr" rotWithShape="0">
+                    <a:schemeClr val="bg2"/>
+                  </a:outerShdw>
+                </a:effectLst>
+              </a14:hiddenEffects>
+            </a:ext>
+          </a:extLst>
+        </p:spPr>
+      </p:pic>
+    </p:spTree>
+    <p:extLst>
+      <p:ext uri="{BB962C8B-B14F-4D97-AF65-F5344CB8AC3E}">
+        <p14:creationId xmlns:p14="http://schemas.microsoft.com/office/powerpoint/2010/main" val="1551703747"/>
+      </p:ext>
+    </p:extLst>
+  </p:cSld>
+  <p:clrMapOvr>
+    <a:masterClrMapping/>
+  </p:clrMapOvr>
+</p:sld>
+</file>
+
+<file path=ppt/slides/slide14.xml><?xml version="1.0" encoding="utf-8"?>
+<p:sld xmlns:a="http://schemas.openxmlformats.org/drawingml/2006/main" xmlns:r="http://schemas.openxmlformats.org/officeDocument/2006/relationships" xmlns:p="http://schemas.openxmlformats.org/presentationml/2006/main">
+  <p:cSld>
+    <p:spTree>
+      <p:nvGrpSpPr>
+        <p:cNvPr id="1" name=""/>
+        <p:cNvGrpSpPr/>
+        <p:nvPr/>
+      </p:nvGrpSpPr>
+      <p:grpSpPr>
+        <a:xfrm>
+          <a:off x="0" y="0"/>
+          <a:ext cx="0" cy="0"/>
+          <a:chOff x="0" y="0"/>
+          <a:chExt cx="0" cy="0"/>
+        </a:xfrm>
+      </p:grpSpPr>
+      <p:sp>
+        <p:nvSpPr>
+          <p:cNvPr id="2" name="Titre 1"/>
+          <p:cNvSpPr>
+            <a:spLocks noGrp="1"/>
+          </p:cNvSpPr>
+          <p:nvPr>
+            <p:ph type="title"/>
+          </p:nvPr>
+        </p:nvSpPr>
+        <p:spPr/>
+        <p:txBody>
+          <a:bodyPr>
+            <a:normAutofit fontScale="90000"/>
+          </a:bodyPr>
+          <a:lstStyle/>
+          <a:p>
+            <a:r>
+              <a:rPr lang="fr-FR" dirty="0" smtClean="0"/>
+              <a:t>Micro Services </a:t>
+            </a:r>
+            <a:r>
+              <a:rPr lang="fr-FR" dirty="0" smtClean="0"/>
+              <a:t>- </a:t>
+            </a:r>
+            <a:r>
+              <a:rPr lang="fr-FR" dirty="0" err="1" smtClean="0"/>
+              <a:t>Redhat</a:t>
+            </a:r>
+            <a:endParaRPr lang="fr-FR" dirty="0"/>
+          </a:p>
+        </p:txBody>
+      </p:sp>
+      <p:sp>
+        <p:nvSpPr>
+          <p:cNvPr id="3" name="Espace réservé du contenu 2"/>
+          <p:cNvSpPr>
+            <a:spLocks noGrp="1"/>
+          </p:cNvSpPr>
+          <p:nvPr>
+            <p:ph idx="1"/>
+          </p:nvPr>
+        </p:nvSpPr>
+        <p:spPr/>
+        <p:txBody>
+          <a:bodyPr/>
+          <a:lstStyle/>
+          <a:p>
+            <a:r>
+              <a:rPr lang="fr-FR" dirty="0" smtClean="0"/>
+              <a:t>Architecture</a:t>
+            </a:r>
+            <a:endParaRPr lang="fr-FR" dirty="0" smtClean="0"/>
+          </a:p>
+          <a:p>
+            <a:pPr lvl="1"/>
+            <a:r>
+              <a:rPr lang="fr-FR" dirty="0">
+                <a:hlinkClick r:id="rId2"/>
+              </a:rPr>
+              <a:t>https://</a:t>
+            </a:r>
+            <a:r>
+              <a:rPr lang="fr-FR" dirty="0" smtClean="0">
+                <a:hlinkClick r:id="rId2"/>
+              </a:rPr>
+              <a:t>www.redhat.com/cms/managed-files/mi-microservices-eap-7-reference-architecture-201606-en.pdf</a:t>
+            </a:r>
+            <a:endParaRPr lang="fr-FR" dirty="0" smtClean="0"/>
+          </a:p>
+          <a:p>
+            <a:pPr lvl="1"/>
+            <a:r>
+              <a:rPr lang="fr-FR" dirty="0" err="1" smtClean="0"/>
+              <a:t>Definition</a:t>
+            </a:r>
+            <a:r>
+              <a:rPr lang="fr-FR" dirty="0" smtClean="0"/>
+              <a:t> : Page 4</a:t>
+            </a:r>
+          </a:p>
+          <a:p>
+            <a:pPr lvl="1"/>
+            <a:r>
+              <a:rPr lang="fr-FR" dirty="0" err="1" smtClean="0"/>
+              <a:t>Advantages</a:t>
+            </a:r>
+            <a:r>
+              <a:rPr lang="fr-FR" dirty="0" smtClean="0"/>
+              <a:t> / </a:t>
+            </a:r>
+            <a:r>
+              <a:rPr lang="fr-FR" dirty="0" err="1" smtClean="0"/>
+              <a:t>Disadvantages</a:t>
+            </a:r>
+            <a:r>
+              <a:rPr lang="fr-FR" dirty="0" smtClean="0"/>
+              <a:t> : Page 4-5</a:t>
+            </a:r>
+          </a:p>
+          <a:p>
+            <a:pPr lvl="1"/>
+            <a:r>
+              <a:rPr lang="fr-FR" dirty="0" smtClean="0"/>
+              <a:t>Cross-</a:t>
+            </a:r>
+            <a:r>
+              <a:rPr lang="fr-FR" dirty="0" err="1" smtClean="0"/>
+              <a:t>Cutting</a:t>
+            </a:r>
+            <a:r>
+              <a:rPr lang="fr-FR" dirty="0" smtClean="0"/>
+              <a:t> : Page 16</a:t>
+            </a:r>
+          </a:p>
+          <a:p>
+            <a:pPr marL="457200" lvl="1" indent="0">
+              <a:buNone/>
+            </a:pPr>
+            <a:endParaRPr lang="fr-FR" dirty="0"/>
+          </a:p>
+        </p:txBody>
+      </p:sp>
+    </p:spTree>
+    <p:extLst>
+      <p:ext uri="{BB962C8B-B14F-4D97-AF65-F5344CB8AC3E}">
+        <p14:creationId xmlns:p14="http://schemas.microsoft.com/office/powerpoint/2010/main" val="1176314488"/>
+      </p:ext>
+    </p:extLst>
+  </p:cSld>
+  <p:clrMapOvr>
+    <a:masterClrMapping/>
+  </p:clrMapOvr>
+</p:sld>
+</file>
+
+<file path=ppt/slides/slide15.xml><?xml version="1.0" encoding="utf-8"?>
+<p:sld xmlns:a="http://schemas.openxmlformats.org/drawingml/2006/main" xmlns:r="http://schemas.openxmlformats.org/officeDocument/2006/relationships" xmlns:p="http://schemas.openxmlformats.org/presentationml/2006/main">
+  <p:cSld>
+    <p:spTree>
+      <p:nvGrpSpPr>
+        <p:cNvPr id="1" name=""/>
+        <p:cNvGrpSpPr/>
+        <p:nvPr/>
+      </p:nvGrpSpPr>
+      <p:grpSpPr>
+        <a:xfrm>
+          <a:off x="0" y="0"/>
+          <a:ext cx="0" cy="0"/>
+          <a:chOff x="0" y="0"/>
+          <a:chExt cx="0" cy="0"/>
+        </a:xfrm>
+      </p:grpSpPr>
+      <p:sp>
+        <p:nvSpPr>
+          <p:cNvPr id="2" name="Titre 1"/>
+          <p:cNvSpPr>
+            <a:spLocks noGrp="1"/>
+          </p:cNvSpPr>
+          <p:nvPr>
+            <p:ph type="title"/>
+          </p:nvPr>
+        </p:nvSpPr>
+        <p:spPr/>
+        <p:txBody>
+          <a:bodyPr>
+            <a:normAutofit fontScale="90000"/>
+          </a:bodyPr>
+          <a:lstStyle/>
+          <a:p>
+            <a:r>
+              <a:rPr lang="fr-FR" dirty="0" smtClean="0"/>
+              <a:t>Micro Services </a:t>
+            </a:r>
+            <a:r>
+              <a:rPr lang="fr-FR" dirty="0" smtClean="0"/>
+              <a:t>- Microsoft</a:t>
+            </a:r>
+            <a:endParaRPr lang="fr-FR" dirty="0"/>
+          </a:p>
+        </p:txBody>
+      </p:sp>
+      <p:sp>
+        <p:nvSpPr>
+          <p:cNvPr id="3" name="Espace réservé du contenu 2"/>
+          <p:cNvSpPr>
+            <a:spLocks noGrp="1"/>
+          </p:cNvSpPr>
+          <p:nvPr>
+            <p:ph idx="1"/>
+          </p:nvPr>
+        </p:nvSpPr>
+        <p:spPr/>
+        <p:txBody>
+          <a:bodyPr>
+            <a:normAutofit/>
+          </a:bodyPr>
+          <a:lstStyle/>
+          <a:p>
+            <a:r>
+              <a:rPr lang="fr-FR" sz="2000" dirty="0" smtClean="0"/>
+              <a:t>Architecture</a:t>
+            </a:r>
+            <a:endParaRPr lang="fr-FR" sz="2000" dirty="0"/>
+          </a:p>
+          <a:p>
+            <a:pPr lvl="1"/>
+            <a:r>
+              <a:rPr lang="fr-FR" sz="1600" dirty="0"/>
+              <a:t>NET-Microservices-Architecture-for-Containerized-NET-Applications-(Microsoft-eBook).</a:t>
+            </a:r>
+            <a:r>
+              <a:rPr lang="fr-FR" sz="1600" dirty="0" smtClean="0"/>
+              <a:t>pdf</a:t>
+            </a:r>
+          </a:p>
+          <a:p>
+            <a:pPr lvl="1"/>
+            <a:endParaRPr lang="fr-FR" sz="1600" dirty="0" smtClean="0"/>
+          </a:p>
+          <a:p>
+            <a:r>
+              <a:rPr lang="fr-FR" sz="1800" dirty="0" smtClean="0"/>
+              <a:t>Intégration avec outils Microsoft</a:t>
+            </a:r>
+            <a:endParaRPr lang="fr-FR" sz="1800" dirty="0"/>
+          </a:p>
+          <a:p>
+            <a:pPr lvl="1"/>
+            <a:r>
+              <a:rPr lang="fr-FR" sz="1600" dirty="0"/>
+              <a:t>Containerized-Docker-Application-Lifecycle-with-Microsoft-Platform-and-Tools-(eBook)_v1.1.pdf</a:t>
+            </a:r>
+          </a:p>
+          <a:p>
+            <a:endParaRPr lang="fr-FR" dirty="0" smtClean="0"/>
+          </a:p>
+          <a:p>
+            <a:pPr marL="457200" lvl="1" indent="0">
+              <a:buNone/>
+            </a:pPr>
+            <a:endParaRPr lang="fr-FR" dirty="0"/>
+          </a:p>
+        </p:txBody>
+      </p:sp>
+    </p:spTree>
+    <p:extLst>
+      <p:ext uri="{BB962C8B-B14F-4D97-AF65-F5344CB8AC3E}">
+        <p14:creationId xmlns:p14="http://schemas.microsoft.com/office/powerpoint/2010/main" val="3983967800"/>
+      </p:ext>
+    </p:extLst>
+  </p:cSld>
+  <p:clrMapOvr>
+    <a:masterClrMapping/>
+  </p:clrMapOvr>
+</p:sld>
+</file>
+
+<file path=ppt/slides/slide16.xml><?xml version="1.0" encoding="utf-8"?>
+<p:sld xmlns:a="http://schemas.openxmlformats.org/drawingml/2006/main" xmlns:r="http://schemas.openxmlformats.org/officeDocument/2006/relationships" xmlns:p="http://schemas.openxmlformats.org/presentationml/2006/main">
+  <p:cSld>
+    <p:spTree>
+      <p:nvGrpSpPr>
+        <p:cNvPr id="1" name=""/>
+        <p:cNvGrpSpPr/>
+        <p:nvPr/>
+      </p:nvGrpSpPr>
+      <p:grpSpPr>
+        <a:xfrm>
+          <a:off x="0" y="0"/>
+          <a:ext cx="0" cy="0"/>
+          <a:chOff x="0" y="0"/>
+          <a:chExt cx="0" cy="0"/>
+        </a:xfrm>
+      </p:grpSpPr>
+      <p:sp>
+        <p:nvSpPr>
+          <p:cNvPr id="2" name="Titre 1"/>
+          <p:cNvSpPr>
+            <a:spLocks noGrp="1"/>
+          </p:cNvSpPr>
+          <p:nvPr>
+            <p:ph type="title"/>
+          </p:nvPr>
+        </p:nvSpPr>
+        <p:spPr/>
+        <p:txBody>
+          <a:bodyPr>
+            <a:normAutofit fontScale="90000"/>
+          </a:bodyPr>
+          <a:lstStyle/>
+          <a:p>
+            <a:r>
+              <a:rPr lang="fr-FR" dirty="0" smtClean="0"/>
+              <a:t>Micro service – Architecture Pattern</a:t>
+            </a:r>
+            <a:endParaRPr lang="fr-FR" dirty="0"/>
+          </a:p>
+        </p:txBody>
+      </p:sp>
+      <p:sp>
+        <p:nvSpPr>
+          <p:cNvPr id="3" name="Espace réservé du contenu 2"/>
+          <p:cNvSpPr>
+            <a:spLocks noGrp="1"/>
+          </p:cNvSpPr>
+          <p:nvPr>
+            <p:ph idx="1"/>
+          </p:nvPr>
+        </p:nvSpPr>
+        <p:spPr/>
+        <p:txBody>
+          <a:bodyPr>
+            <a:normAutofit fontScale="85000" lnSpcReduction="10000"/>
+          </a:bodyPr>
+          <a:lstStyle/>
+          <a:p>
+            <a:r>
+              <a:rPr lang="fr-FR" dirty="0" smtClean="0"/>
+              <a:t>Micro service Architecture</a:t>
+            </a:r>
+          </a:p>
+          <a:p>
+            <a:pPr lvl="1"/>
+            <a:r>
+              <a:rPr lang="fr-FR" dirty="0">
+                <a:hlinkClick r:id="rId2"/>
+              </a:rPr>
+              <a:t>http://</a:t>
+            </a:r>
+            <a:r>
+              <a:rPr lang="fr-FR" dirty="0" smtClean="0">
+                <a:hlinkClick r:id="rId2"/>
+              </a:rPr>
+              <a:t>microservices.io/patterns/microservices.html</a:t>
+            </a:r>
+            <a:endParaRPr lang="fr-FR" dirty="0" smtClean="0"/>
+          </a:p>
+          <a:p>
+            <a:pPr marL="393192" lvl="1" indent="0">
+              <a:buNone/>
+            </a:pPr>
+            <a:endParaRPr lang="fr-FR" dirty="0" smtClean="0"/>
+          </a:p>
+          <a:p>
+            <a:r>
+              <a:rPr lang="fr-FR" dirty="0" err="1" smtClean="0"/>
+              <a:t>Database</a:t>
+            </a:r>
+            <a:r>
+              <a:rPr lang="fr-FR" dirty="0" smtClean="0"/>
+              <a:t> per service</a:t>
+            </a:r>
+          </a:p>
+          <a:p>
+            <a:pPr lvl="1"/>
+            <a:r>
+              <a:rPr lang="fr-FR" dirty="0">
+                <a:hlinkClick r:id="rId3"/>
+              </a:rPr>
+              <a:t>http://</a:t>
+            </a:r>
+            <a:r>
+              <a:rPr lang="fr-FR" dirty="0" smtClean="0">
+                <a:hlinkClick r:id="rId3"/>
+              </a:rPr>
+              <a:t>microservices.io/patterns/data/database-per-service.html</a:t>
+            </a:r>
+            <a:endParaRPr lang="fr-FR" dirty="0" smtClean="0"/>
+          </a:p>
+          <a:p>
+            <a:pPr lvl="1"/>
+            <a:endParaRPr lang="fr-FR" dirty="0" smtClean="0"/>
+          </a:p>
+          <a:p>
+            <a:r>
+              <a:rPr lang="fr-FR" dirty="0" err="1" smtClean="0"/>
+              <a:t>Decompose</a:t>
+            </a:r>
+            <a:r>
+              <a:rPr lang="fr-FR" dirty="0" smtClean="0"/>
+              <a:t> by Business </a:t>
+            </a:r>
+            <a:r>
+              <a:rPr lang="fr-FR" dirty="0" err="1" smtClean="0"/>
+              <a:t>capability</a:t>
+            </a:r>
+            <a:endParaRPr lang="fr-FR" dirty="0" smtClean="0"/>
+          </a:p>
+          <a:p>
+            <a:pPr lvl="1"/>
+            <a:r>
+              <a:rPr lang="fr-FR" dirty="0">
+                <a:hlinkClick r:id="rId4"/>
+              </a:rPr>
+              <a:t>http://</a:t>
+            </a:r>
+            <a:r>
+              <a:rPr lang="fr-FR" dirty="0" smtClean="0">
+                <a:hlinkClick r:id="rId4"/>
+              </a:rPr>
+              <a:t>microservices.io/patterns/decomposition/decompose-by-business-capability.html</a:t>
+            </a:r>
+            <a:endParaRPr lang="fr-FR" dirty="0" smtClean="0"/>
+          </a:p>
+          <a:p>
+            <a:pPr lvl="1"/>
+            <a:endParaRPr lang="fr-FR" dirty="0" smtClean="0"/>
+          </a:p>
+          <a:p>
+            <a:r>
+              <a:rPr lang="fr-FR" dirty="0" smtClean="0"/>
+              <a:t>Event </a:t>
+            </a:r>
+            <a:r>
+              <a:rPr lang="fr-FR" dirty="0" err="1" smtClean="0"/>
+              <a:t>sourcing</a:t>
+            </a:r>
+            <a:endParaRPr lang="fr-FR" dirty="0" smtClean="0"/>
+          </a:p>
+          <a:p>
+            <a:pPr lvl="1"/>
+            <a:r>
+              <a:rPr lang="fr-FR" dirty="0">
+                <a:hlinkClick r:id="rId5"/>
+              </a:rPr>
+              <a:t>http://</a:t>
+            </a:r>
+            <a:r>
+              <a:rPr lang="fr-FR" dirty="0" smtClean="0">
+                <a:hlinkClick r:id="rId5"/>
+              </a:rPr>
+              <a:t>microservices.io/patterns/data/event-sourcing.html</a:t>
+            </a:r>
+            <a:endParaRPr lang="fr-FR" dirty="0" smtClean="0"/>
+          </a:p>
+          <a:p>
+            <a:pPr lvl="1"/>
+            <a:endParaRPr lang="fr-FR" dirty="0" smtClean="0"/>
+          </a:p>
+          <a:p>
+            <a:r>
+              <a:rPr lang="fr-FR" dirty="0" smtClean="0"/>
+              <a:t>Command </a:t>
+            </a:r>
+            <a:r>
+              <a:rPr lang="fr-FR" dirty="0" err="1" smtClean="0"/>
+              <a:t>Query</a:t>
+            </a:r>
+            <a:r>
+              <a:rPr lang="fr-FR" dirty="0" smtClean="0"/>
+              <a:t> </a:t>
+            </a:r>
+            <a:r>
+              <a:rPr lang="fr-FR" dirty="0" err="1" smtClean="0"/>
+              <a:t>Responsibility</a:t>
+            </a:r>
+            <a:r>
+              <a:rPr lang="fr-FR" dirty="0" smtClean="0"/>
+              <a:t> </a:t>
+            </a:r>
+            <a:r>
+              <a:rPr lang="fr-FR" dirty="0" err="1" smtClean="0"/>
+              <a:t>Segregation</a:t>
+            </a:r>
+            <a:r>
+              <a:rPr lang="fr-FR" dirty="0" smtClean="0"/>
+              <a:t> (CQRS)</a:t>
+            </a:r>
+            <a:endParaRPr lang="fr-FR" dirty="0" smtClean="0"/>
+          </a:p>
+          <a:p>
+            <a:pPr lvl="1"/>
+            <a:r>
+              <a:rPr lang="fr-FR" dirty="0" smtClean="0"/>
+              <a:t>url </a:t>
+            </a:r>
+            <a:r>
+              <a:rPr lang="fr-FR" dirty="0"/>
+              <a:t>: </a:t>
+            </a:r>
+            <a:r>
+              <a:rPr lang="fr-FR" dirty="0">
+                <a:hlinkClick r:id="rId6"/>
+              </a:rPr>
+              <a:t>http://</a:t>
+            </a:r>
+            <a:r>
+              <a:rPr lang="fr-FR" dirty="0" smtClean="0">
+                <a:hlinkClick r:id="rId6"/>
+              </a:rPr>
+              <a:t>microservices.io/patterns/data/cqrs.html</a:t>
+            </a:r>
+            <a:endParaRPr lang="fr-FR" dirty="0" smtClean="0"/>
+          </a:p>
+          <a:p>
+            <a:pPr marL="457200" lvl="1" indent="0">
+              <a:buNone/>
+            </a:pPr>
+            <a:endParaRPr lang="fr-FR" dirty="0"/>
+          </a:p>
+        </p:txBody>
+      </p:sp>
+    </p:spTree>
+    <p:extLst>
+      <p:ext uri="{BB962C8B-B14F-4D97-AF65-F5344CB8AC3E}">
+        <p14:creationId xmlns:p14="http://schemas.microsoft.com/office/powerpoint/2010/main" val="791464001"/>
+      </p:ext>
+    </p:extLst>
+  </p:cSld>
+  <p:clrMapOvr>
+    <a:masterClrMapping/>
+  </p:clrMapOvr>
+</p:sld>
+</file>
+
+<file path=ppt/slides/slide17.xml><?xml version="1.0" encoding="utf-8"?>
+<p:sld xmlns:a="http://schemas.openxmlformats.org/drawingml/2006/main" xmlns:r="http://schemas.openxmlformats.org/officeDocument/2006/relationships" xmlns:p="http://schemas.openxmlformats.org/presentationml/2006/main">
+  <p:cSld>
+    <p:spTree>
+      <p:nvGrpSpPr>
+        <p:cNvPr id="1" name=""/>
+        <p:cNvGrpSpPr/>
+        <p:nvPr/>
+      </p:nvGrpSpPr>
+      <p:grpSpPr>
+        <a:xfrm>
+          <a:off x="0" y="0"/>
+          <a:ext cx="0" cy="0"/>
+          <a:chOff x="0" y="0"/>
+          <a:chExt cx="0" cy="0"/>
+        </a:xfrm>
+      </p:grpSpPr>
+      <p:sp>
+        <p:nvSpPr>
+          <p:cNvPr id="4" name="Rectangle à coins arrondis 3"/>
+          <p:cNvSpPr/>
+          <p:nvPr/>
+        </p:nvSpPr>
+        <p:spPr>
+          <a:xfrm>
+            <a:off x="1551656" y="5599370"/>
+            <a:ext cx="1440160" cy="360040"/>
+          </a:xfrm>
+          <a:prstGeom prst="roundRect">
+            <a:avLst/>
+          </a:prstGeom>
+        </p:spPr>
+        <p:style>
+          <a:lnRef idx="2">
+            <a:schemeClr val="accent1">
+              <a:shade val="50000"/>
+            </a:schemeClr>
+          </a:lnRef>
+          <a:fillRef idx="1">
+            <a:schemeClr val="accent1"/>
+          </a:fillRef>
+          <a:effectRef idx="0">
+            <a:schemeClr val="accent1"/>
+          </a:effectRef>
+          <a:fontRef idx="minor">
+            <a:schemeClr val="lt1"/>
+          </a:fontRef>
+        </p:style>
+        <p:txBody>
+          <a:bodyPr rtlCol="0" anchor="ctr"/>
+          <a:lstStyle/>
+          <a:p>
+            <a:pPr algn="ctr"/>
+            <a:r>
+              <a:rPr lang="fr-FR" sz="1000" dirty="0" err="1" smtClean="0"/>
+              <a:t>microsoft</a:t>
+            </a:r>
+            <a:r>
+              <a:rPr lang="fr-FR" sz="1000" dirty="0" smtClean="0"/>
+              <a:t>/</a:t>
+            </a:r>
+            <a:r>
+              <a:rPr lang="fr-FR" sz="1000" dirty="0" err="1" smtClean="0"/>
+              <a:t>windowsservercore</a:t>
+            </a:r>
+            <a:endParaRPr lang="fr-FR" sz="1000" dirty="0"/>
+          </a:p>
+        </p:txBody>
+      </p:sp>
+      <p:sp>
+        <p:nvSpPr>
+          <p:cNvPr id="5" name="Rectangle à coins arrondis 4"/>
+          <p:cNvSpPr/>
+          <p:nvPr/>
+        </p:nvSpPr>
+        <p:spPr>
+          <a:xfrm>
+            <a:off x="7164288" y="4869160"/>
+            <a:ext cx="1440160" cy="360040"/>
+          </a:xfrm>
+          <a:prstGeom prst="roundRect">
+            <a:avLst/>
+          </a:prstGeom>
+        </p:spPr>
+        <p:style>
+          <a:lnRef idx="2">
+            <a:schemeClr val="accent1">
+              <a:shade val="50000"/>
+            </a:schemeClr>
+          </a:lnRef>
+          <a:fillRef idx="1">
+            <a:schemeClr val="accent1"/>
+          </a:fillRef>
+          <a:effectRef idx="0">
+            <a:schemeClr val="accent1"/>
+          </a:effectRef>
+          <a:fontRef idx="minor">
+            <a:schemeClr val="lt1"/>
+          </a:fontRef>
+        </p:style>
+        <p:txBody>
+          <a:bodyPr rtlCol="0" anchor="ctr"/>
+          <a:lstStyle/>
+          <a:p>
+            <a:pPr algn="ctr"/>
+            <a:r>
+              <a:rPr lang="fr-FR" sz="1000" dirty="0" smtClean="0"/>
+              <a:t>Linux RHEL</a:t>
+            </a:r>
+            <a:endParaRPr lang="fr-FR" sz="1000" dirty="0"/>
+          </a:p>
+        </p:txBody>
+      </p:sp>
+      <p:sp>
+        <p:nvSpPr>
+          <p:cNvPr id="6" name="Rectangle à coins arrondis 5"/>
+          <p:cNvSpPr/>
+          <p:nvPr/>
+        </p:nvSpPr>
+        <p:spPr>
+          <a:xfrm>
+            <a:off x="1714779" y="2096852"/>
+            <a:ext cx="1440160" cy="360040"/>
+          </a:xfrm>
+          <a:prstGeom prst="roundRect">
+            <a:avLst/>
+          </a:prstGeom>
+        </p:spPr>
+        <p:style>
+          <a:lnRef idx="2">
+            <a:schemeClr val="accent1">
+              <a:shade val="50000"/>
+            </a:schemeClr>
+          </a:lnRef>
+          <a:fillRef idx="1">
+            <a:schemeClr val="accent1"/>
+          </a:fillRef>
+          <a:effectRef idx="0">
+            <a:schemeClr val="accent1"/>
+          </a:effectRef>
+          <a:fontRef idx="minor">
+            <a:schemeClr val="lt1"/>
+          </a:fontRef>
+        </p:style>
+        <p:txBody>
+          <a:bodyPr rtlCol="0" anchor="ctr"/>
+          <a:lstStyle/>
+          <a:p>
+            <a:pPr algn="ctr"/>
+            <a:r>
+              <a:rPr lang="fr-FR" sz="1200" dirty="0" smtClean="0"/>
+              <a:t>Enterprise image:</a:t>
+            </a:r>
+          </a:p>
+          <a:p>
+            <a:pPr algn="ctr"/>
+            <a:r>
+              <a:rPr lang="fr-FR" sz="1200" dirty="0" smtClean="0"/>
+              <a:t>Windows 2016</a:t>
+            </a:r>
+            <a:endParaRPr lang="fr-FR" sz="1200" dirty="0"/>
+          </a:p>
+        </p:txBody>
+      </p:sp>
+      <p:cxnSp>
+        <p:nvCxnSpPr>
+          <p:cNvPr id="9" name="Connecteur droit 8"/>
+          <p:cNvCxnSpPr/>
+          <p:nvPr/>
+        </p:nvCxnSpPr>
+        <p:spPr>
+          <a:xfrm>
+            <a:off x="107504" y="3140968"/>
+            <a:ext cx="8784976" cy="0"/>
+          </a:xfrm>
+          <a:prstGeom prst="line">
+            <a:avLst/>
+          </a:prstGeom>
+        </p:spPr>
+        <p:style>
+          <a:lnRef idx="1">
+            <a:schemeClr val="accent1"/>
+          </a:lnRef>
+          <a:fillRef idx="0">
+            <a:schemeClr val="accent1"/>
+          </a:fillRef>
+          <a:effectRef idx="0">
+            <a:schemeClr val="accent1"/>
+          </a:effectRef>
+          <a:fontRef idx="minor">
+            <a:schemeClr val="tx1"/>
+          </a:fontRef>
+        </p:style>
+      </p:cxnSp>
+      <p:sp>
+        <p:nvSpPr>
+          <p:cNvPr id="10" name="ZoneTexte 9"/>
+          <p:cNvSpPr txBox="1"/>
+          <p:nvPr/>
+        </p:nvSpPr>
+        <p:spPr>
+          <a:xfrm>
+            <a:off x="120483" y="3161566"/>
+            <a:ext cx="1257652" cy="369332"/>
+          </a:xfrm>
+          <a:prstGeom prst="rect">
+            <a:avLst/>
+          </a:prstGeom>
+          <a:noFill/>
+        </p:spPr>
+        <p:txBody>
+          <a:bodyPr wrap="none" rtlCol="0">
+            <a:spAutoFit/>
+          </a:bodyPr>
+          <a:lstStyle/>
+          <a:p>
+            <a:r>
+              <a:rPr lang="fr-FR" dirty="0" smtClean="0"/>
+              <a:t>Docker hub</a:t>
+            </a:r>
+            <a:endParaRPr lang="fr-FR" dirty="0"/>
+          </a:p>
+        </p:txBody>
+      </p:sp>
+      <p:sp>
+        <p:nvSpPr>
+          <p:cNvPr id="11" name="ZoneTexte 10"/>
+          <p:cNvSpPr txBox="1"/>
+          <p:nvPr/>
+        </p:nvSpPr>
+        <p:spPr>
+          <a:xfrm>
+            <a:off x="145996" y="2708920"/>
+            <a:ext cx="1565044" cy="369332"/>
+          </a:xfrm>
+          <a:prstGeom prst="rect">
+            <a:avLst/>
+          </a:prstGeom>
+          <a:noFill/>
+        </p:spPr>
+        <p:txBody>
+          <a:bodyPr wrap="none" rtlCol="0">
+            <a:spAutoFit/>
+          </a:bodyPr>
+          <a:lstStyle/>
+          <a:p>
+            <a:r>
+              <a:rPr lang="fr-FR" dirty="0" smtClean="0"/>
+              <a:t>Enterprise hub</a:t>
+            </a:r>
+            <a:endParaRPr lang="fr-FR" dirty="0"/>
+          </a:p>
+        </p:txBody>
+      </p:sp>
+      <p:sp>
+        <p:nvSpPr>
+          <p:cNvPr id="12" name="Rectangle à coins arrondis 11"/>
+          <p:cNvSpPr/>
+          <p:nvPr/>
+        </p:nvSpPr>
+        <p:spPr>
+          <a:xfrm>
+            <a:off x="3711809" y="5589240"/>
+            <a:ext cx="1440160" cy="360040"/>
+          </a:xfrm>
+          <a:prstGeom prst="roundRect">
+            <a:avLst/>
+          </a:prstGeom>
+        </p:spPr>
+        <p:style>
+          <a:lnRef idx="2">
+            <a:schemeClr val="accent1">
+              <a:shade val="50000"/>
+            </a:schemeClr>
+          </a:lnRef>
+          <a:fillRef idx="1">
+            <a:schemeClr val="accent1"/>
+          </a:fillRef>
+          <a:effectRef idx="0">
+            <a:schemeClr val="accent1"/>
+          </a:effectRef>
+          <a:fontRef idx="minor">
+            <a:schemeClr val="lt1"/>
+          </a:fontRef>
+        </p:style>
+        <p:txBody>
+          <a:bodyPr rtlCol="0" anchor="ctr"/>
+          <a:lstStyle/>
+          <a:p>
+            <a:pPr algn="ctr"/>
+            <a:r>
+              <a:rPr lang="fr-FR" sz="1000" dirty="0" smtClean="0"/>
+              <a:t>Windows 2016 </a:t>
+            </a:r>
+            <a:r>
+              <a:rPr lang="fr-FR" sz="1000" dirty="0" err="1" smtClean="0"/>
+              <a:t>nanoserver</a:t>
+            </a:r>
+            <a:endParaRPr lang="fr-FR" sz="1000" dirty="0"/>
+          </a:p>
+        </p:txBody>
+      </p:sp>
+      <p:sp>
+        <p:nvSpPr>
+          <p:cNvPr id="13" name="Rectangle à coins arrondis 12"/>
+          <p:cNvSpPr/>
+          <p:nvPr/>
+        </p:nvSpPr>
+        <p:spPr>
+          <a:xfrm>
+            <a:off x="1551656" y="4941168"/>
+            <a:ext cx="1440160" cy="360040"/>
+          </a:xfrm>
+          <a:prstGeom prst="roundRect">
+            <a:avLst/>
+          </a:prstGeom>
+        </p:spPr>
+        <p:style>
+          <a:lnRef idx="2">
+            <a:schemeClr val="accent1">
+              <a:shade val="50000"/>
+            </a:schemeClr>
+          </a:lnRef>
+          <a:fillRef idx="1">
+            <a:schemeClr val="accent1"/>
+          </a:fillRef>
+          <a:effectRef idx="0">
+            <a:schemeClr val="accent1"/>
+          </a:effectRef>
+          <a:fontRef idx="minor">
+            <a:schemeClr val="lt1"/>
+          </a:fontRef>
+        </p:style>
+        <p:txBody>
+          <a:bodyPr rtlCol="0" anchor="ctr"/>
+          <a:lstStyle/>
+          <a:p>
+            <a:pPr algn="ctr"/>
+            <a:r>
+              <a:rPr lang="fr-FR" sz="1000" dirty="0" err="1"/>
+              <a:t>microsoft</a:t>
+            </a:r>
+            <a:r>
+              <a:rPr lang="fr-FR" sz="1000" dirty="0"/>
+              <a:t>/</a:t>
+            </a:r>
+            <a:r>
+              <a:rPr lang="fr-FR" sz="1000" dirty="0" err="1"/>
+              <a:t>dotnet-framework</a:t>
+            </a:r>
+            <a:endParaRPr lang="fr-FR" sz="1000" dirty="0"/>
+          </a:p>
+        </p:txBody>
+      </p:sp>
+      <p:sp>
+        <p:nvSpPr>
+          <p:cNvPr id="14" name="Rectangle à coins arrondis 13"/>
+          <p:cNvSpPr/>
+          <p:nvPr/>
+        </p:nvSpPr>
+        <p:spPr>
+          <a:xfrm>
+            <a:off x="1547664" y="4221088"/>
+            <a:ext cx="1440160" cy="360040"/>
+          </a:xfrm>
+          <a:prstGeom prst="roundRect">
+            <a:avLst/>
+          </a:prstGeom>
+        </p:spPr>
+        <p:style>
+          <a:lnRef idx="2">
+            <a:schemeClr val="accent1">
+              <a:shade val="50000"/>
+            </a:schemeClr>
+          </a:lnRef>
+          <a:fillRef idx="1">
+            <a:schemeClr val="accent1"/>
+          </a:fillRef>
+          <a:effectRef idx="0">
+            <a:schemeClr val="accent1"/>
+          </a:effectRef>
+          <a:fontRef idx="minor">
+            <a:schemeClr val="lt1"/>
+          </a:fontRef>
+        </p:style>
+        <p:txBody>
+          <a:bodyPr rtlCol="0" anchor="ctr"/>
+          <a:lstStyle/>
+          <a:p>
+            <a:pPr algn="ctr"/>
+            <a:r>
+              <a:rPr lang="fr-FR" sz="1000" dirty="0" err="1" smtClean="0"/>
+              <a:t>microsoft</a:t>
+            </a:r>
+            <a:r>
+              <a:rPr lang="fr-FR" sz="1000" dirty="0" smtClean="0"/>
+              <a:t>/</a:t>
+            </a:r>
+            <a:r>
+              <a:rPr lang="fr-FR" sz="1000" dirty="0" err="1" smtClean="0"/>
+              <a:t>aspnet</a:t>
+            </a:r>
+            <a:endParaRPr lang="fr-FR" sz="1000" dirty="0"/>
+          </a:p>
+        </p:txBody>
+      </p:sp>
+      <p:sp>
+        <p:nvSpPr>
+          <p:cNvPr id="15" name="Rectangle à coins arrondis 14"/>
+          <p:cNvSpPr/>
+          <p:nvPr/>
+        </p:nvSpPr>
+        <p:spPr>
+          <a:xfrm>
+            <a:off x="3707904" y="4241645"/>
+            <a:ext cx="1440160" cy="360040"/>
+          </a:xfrm>
+          <a:prstGeom prst="roundRect">
+            <a:avLst/>
+          </a:prstGeom>
+        </p:spPr>
+        <p:style>
+          <a:lnRef idx="2">
+            <a:schemeClr val="accent1">
+              <a:shade val="50000"/>
+            </a:schemeClr>
+          </a:lnRef>
+          <a:fillRef idx="1">
+            <a:schemeClr val="accent1"/>
+          </a:fillRef>
+          <a:effectRef idx="0">
+            <a:schemeClr val="accent1"/>
+          </a:effectRef>
+          <a:fontRef idx="minor">
+            <a:schemeClr val="lt1"/>
+          </a:fontRef>
+        </p:style>
+        <p:txBody>
+          <a:bodyPr rtlCol="0" anchor="ctr"/>
+          <a:lstStyle/>
+          <a:p>
+            <a:pPr algn="ctr"/>
+            <a:r>
+              <a:rPr lang="fr-FR" sz="1000" dirty="0" err="1" smtClean="0"/>
+              <a:t>microsoft</a:t>
+            </a:r>
+            <a:r>
+              <a:rPr lang="fr-FR" sz="1000" dirty="0" smtClean="0"/>
+              <a:t>/</a:t>
+            </a:r>
+            <a:r>
+              <a:rPr lang="fr-FR" sz="1000" dirty="0" err="1" smtClean="0"/>
+              <a:t>aspnetcore</a:t>
+            </a:r>
+            <a:endParaRPr lang="fr-FR" sz="1000" dirty="0"/>
+          </a:p>
+        </p:txBody>
+      </p:sp>
+      <p:sp>
+        <p:nvSpPr>
+          <p:cNvPr id="16" name="Rectangle à coins arrondis 15"/>
+          <p:cNvSpPr/>
+          <p:nvPr/>
+        </p:nvSpPr>
+        <p:spPr>
+          <a:xfrm>
+            <a:off x="3711809" y="4941168"/>
+            <a:ext cx="1440160" cy="360040"/>
+          </a:xfrm>
+          <a:prstGeom prst="roundRect">
+            <a:avLst/>
+          </a:prstGeom>
+        </p:spPr>
+        <p:style>
+          <a:lnRef idx="2">
+            <a:schemeClr val="accent1">
+              <a:shade val="50000"/>
+            </a:schemeClr>
+          </a:lnRef>
+          <a:fillRef idx="1">
+            <a:schemeClr val="accent1"/>
+          </a:fillRef>
+          <a:effectRef idx="0">
+            <a:schemeClr val="accent1"/>
+          </a:effectRef>
+          <a:fontRef idx="minor">
+            <a:schemeClr val="lt1"/>
+          </a:fontRef>
+        </p:style>
+        <p:txBody>
+          <a:bodyPr rtlCol="0" anchor="ctr"/>
+          <a:lstStyle/>
+          <a:p>
+            <a:pPr algn="ctr"/>
+            <a:r>
+              <a:rPr lang="fr-FR" sz="1000" dirty="0" err="1" smtClean="0"/>
+              <a:t>microsoft</a:t>
+            </a:r>
+            <a:r>
+              <a:rPr lang="fr-FR" sz="1000" dirty="0" smtClean="0"/>
+              <a:t>/</a:t>
+            </a:r>
+            <a:r>
+              <a:rPr lang="fr-FR" sz="1000" dirty="0" err="1" smtClean="0"/>
+              <a:t>dotnet</a:t>
+            </a:r>
+            <a:endParaRPr lang="fr-FR" sz="1000" dirty="0"/>
+          </a:p>
+        </p:txBody>
+      </p:sp>
+    </p:spTree>
+    <p:extLst>
+      <p:ext uri="{BB962C8B-B14F-4D97-AF65-F5344CB8AC3E}">
+        <p14:creationId xmlns:p14="http://schemas.microsoft.com/office/powerpoint/2010/main" val="1344675733"/>
+      </p:ext>
+    </p:extLst>
+  </p:cSld>
+  <p:clrMapOvr>
+    <a:masterClrMapping/>
+  </p:clrMapOvr>
+</p:sld>
+</file>
+
+<file path=ppt/slides/slide18.xml><?xml version="1.0" encoding="utf-8"?>
+<p:sld xmlns:a="http://schemas.openxmlformats.org/drawingml/2006/main" xmlns:r="http://schemas.openxmlformats.org/officeDocument/2006/relationships" xmlns:p="http://schemas.openxmlformats.org/presentationml/2006/main">
+  <p:cSld>
+    <p:spTree>
+      <p:nvGrpSpPr>
+        <p:cNvPr id="1" name=""/>
+        <p:cNvGrpSpPr/>
+        <p:nvPr/>
+      </p:nvGrpSpPr>
+      <p:grpSpPr>
+        <a:xfrm>
+          <a:off x="0" y="0"/>
+          <a:ext cx="0" cy="0"/>
+          <a:chOff x="0" y="0"/>
+          <a:chExt cx="0" cy="0"/>
+        </a:xfrm>
+      </p:grpSpPr>
+      <p:sp>
+        <p:nvSpPr>
+          <p:cNvPr id="2" name="Titre 1"/>
+          <p:cNvSpPr>
+            <a:spLocks noGrp="1"/>
+          </p:cNvSpPr>
+          <p:nvPr>
+            <p:ph type="title"/>
+          </p:nvPr>
+        </p:nvSpPr>
+        <p:spPr>
+          <a:xfrm>
+            <a:off x="457200" y="274638"/>
+            <a:ext cx="8229600" cy="490066"/>
+          </a:xfrm>
+        </p:spPr>
+        <p:txBody>
+          <a:bodyPr>
+            <a:normAutofit/>
+          </a:bodyPr>
+          <a:lstStyle/>
+          <a:p>
+            <a:r>
+              <a:rPr lang="en-GB" sz="2400" b="1" dirty="0" smtClean="0"/>
+              <a:t>Docker : Standard</a:t>
+            </a:r>
+            <a:endParaRPr lang="en-GB" sz="2400" b="1" dirty="0"/>
+          </a:p>
+        </p:txBody>
+      </p:sp>
+      <p:sp>
+        <p:nvSpPr>
+          <p:cNvPr id="3" name="Espace réservé du contenu 2"/>
+          <p:cNvSpPr>
+            <a:spLocks noGrp="1"/>
+          </p:cNvSpPr>
+          <p:nvPr>
+            <p:ph idx="1"/>
+          </p:nvPr>
+        </p:nvSpPr>
+        <p:spPr>
+          <a:xfrm>
+            <a:off x="457200" y="980728"/>
+            <a:ext cx="8229600" cy="5145435"/>
+          </a:xfrm>
+        </p:spPr>
+        <p:txBody>
+          <a:bodyPr>
+            <a:normAutofit fontScale="92500" lnSpcReduction="10000"/>
+          </a:bodyPr>
+          <a:lstStyle/>
+          <a:p>
+            <a:r>
+              <a:rPr lang="en-GB" sz="2000" dirty="0" smtClean="0"/>
+              <a:t>Docker is the standard</a:t>
+            </a:r>
+          </a:p>
+          <a:p>
+            <a:pPr lvl="1"/>
+            <a:r>
+              <a:rPr lang="en-GB" sz="1600" dirty="0"/>
+              <a:t>Resource : </a:t>
+            </a:r>
+            <a:r>
+              <a:rPr lang="en-GB" sz="1600" dirty="0">
+                <a:hlinkClick r:id="rId2"/>
+              </a:rPr>
+              <a:t>http://</a:t>
+            </a:r>
+            <a:r>
+              <a:rPr lang="en-GB" sz="1600" dirty="0" smtClean="0">
+                <a:hlinkClick r:id="rId2"/>
+              </a:rPr>
+              <a:t>www.silicon.fr/conteneurs-plebiscites-docker-leader-inconteste-119810.html?inf_by=59fcd2a2681db87f588b4b04</a:t>
+            </a:r>
+            <a:r>
+              <a:rPr lang="fr-FR" sz="1800" dirty="0" smtClean="0"/>
+              <a:t>   22 </a:t>
+            </a:r>
+            <a:r>
+              <a:rPr lang="fr-FR" sz="1800" dirty="0"/>
+              <a:t>juin 2015</a:t>
+            </a:r>
+            <a:endParaRPr lang="en-GB" sz="1800" dirty="0" smtClean="0"/>
+          </a:p>
+          <a:p>
+            <a:pPr lvl="1"/>
+            <a:endParaRPr lang="en-GB" sz="1600" dirty="0" smtClean="0"/>
+          </a:p>
+          <a:p>
+            <a:pPr lvl="1"/>
+            <a:endParaRPr lang="en-GB" sz="1600" dirty="0" smtClean="0"/>
+          </a:p>
+          <a:p>
+            <a:pPr lvl="1"/>
+            <a:endParaRPr lang="en-GB" sz="1600" dirty="0"/>
+          </a:p>
+          <a:p>
+            <a:pPr lvl="1"/>
+            <a:endParaRPr lang="en-GB" sz="1600" dirty="0" smtClean="0"/>
+          </a:p>
+          <a:p>
+            <a:pPr lvl="1"/>
+            <a:endParaRPr lang="en-GB" sz="1600" dirty="0" smtClean="0"/>
+          </a:p>
+          <a:p>
+            <a:pPr lvl="1"/>
+            <a:endParaRPr lang="en-GB" sz="1600" dirty="0"/>
+          </a:p>
+          <a:p>
+            <a:pPr lvl="1"/>
+            <a:endParaRPr lang="en-GB" sz="1600" dirty="0" smtClean="0"/>
+          </a:p>
+          <a:p>
+            <a:pPr lvl="1"/>
+            <a:endParaRPr lang="en-GB" sz="1600" dirty="0" smtClean="0"/>
+          </a:p>
+          <a:p>
+            <a:r>
+              <a:rPr lang="en-GB" sz="2000" dirty="0" err="1" smtClean="0"/>
+              <a:t>Concurents</a:t>
+            </a:r>
+            <a:endParaRPr lang="en-GB" sz="2000" dirty="0" smtClean="0"/>
+          </a:p>
+          <a:p>
+            <a:pPr lvl="1"/>
+            <a:r>
+              <a:rPr lang="en-GB" sz="1600" dirty="0" smtClean="0">
+                <a:hlinkClick r:id="rId3"/>
+              </a:rPr>
+              <a:t>Resource : https</a:t>
+            </a:r>
+            <a:r>
+              <a:rPr lang="en-GB" sz="1600" dirty="0">
+                <a:hlinkClick r:id="rId3"/>
+              </a:rPr>
+              <a:t>://</a:t>
+            </a:r>
+            <a:r>
+              <a:rPr lang="en-GB" sz="1600" dirty="0" smtClean="0">
+                <a:hlinkClick r:id="rId3"/>
+              </a:rPr>
+              <a:t>www.lemarson.com/thematic/1137/les-concurrents-de-docker-oui-ils-existent</a:t>
+            </a:r>
+            <a:r>
+              <a:rPr lang="en-GB" sz="1600" dirty="0" smtClean="0"/>
+              <a:t> (2017)</a:t>
+            </a:r>
+          </a:p>
+          <a:p>
+            <a:pPr lvl="1"/>
+            <a:r>
+              <a:rPr lang="en-GB" sz="1600" dirty="0" smtClean="0"/>
+              <a:t>LXC</a:t>
+            </a:r>
+          </a:p>
+          <a:p>
+            <a:pPr lvl="1"/>
+            <a:r>
+              <a:rPr lang="en-GB" sz="1600" dirty="0" smtClean="0"/>
+              <a:t>Rocket By CoreOS</a:t>
+            </a:r>
+          </a:p>
+          <a:p>
+            <a:pPr lvl="1"/>
+            <a:r>
+              <a:rPr lang="en-GB" sz="1600" dirty="0" smtClean="0"/>
+              <a:t>LXD</a:t>
+            </a:r>
+          </a:p>
+          <a:p>
+            <a:pPr lvl="1"/>
+            <a:r>
+              <a:rPr lang="en-GB" sz="1600" dirty="0" smtClean="0"/>
+              <a:t>Solaris Zones</a:t>
+            </a:r>
+          </a:p>
+          <a:p>
+            <a:pPr lvl="1"/>
+            <a:r>
+              <a:rPr lang="en-GB" sz="1600" dirty="0" smtClean="0"/>
+              <a:t>BSD Jails</a:t>
+            </a:r>
+          </a:p>
+          <a:p>
+            <a:pPr lvl="1"/>
+            <a:r>
+              <a:rPr lang="en-GB" sz="1600" dirty="0" smtClean="0"/>
+              <a:t>Open Container Initiative</a:t>
+            </a:r>
+          </a:p>
+          <a:p>
+            <a:pPr lvl="1"/>
+            <a:endParaRPr lang="en-GB" sz="1600" dirty="0"/>
+          </a:p>
+        </p:txBody>
+      </p:sp>
+      <p:pic>
+        <p:nvPicPr>
+          <p:cNvPr id="1026" name="Picture 2"/>
+          <p:cNvPicPr>
+            <a:picLocks noChangeAspect="1" noChangeArrowheads="1"/>
+          </p:cNvPicPr>
+          <p:nvPr/>
+        </p:nvPicPr>
+        <p:blipFill>
+          <a:blip r:embed="rId4">
+            <a:extLst>
+              <a:ext uri="{28A0092B-C50C-407E-A947-70E740481C1C}">
+                <a14:useLocalDpi xmlns:a14="http://schemas.microsoft.com/office/drawing/2010/main" val="0"/>
+              </a:ext>
+            </a:extLst>
+          </a:blip>
+          <a:srcRect/>
+          <a:stretch>
+            <a:fillRect/>
+          </a:stretch>
+        </p:blipFill>
+        <p:spPr bwMode="auto">
+          <a:xfrm>
+            <a:off x="1240832" y="1844824"/>
+            <a:ext cx="3960440" cy="2034659"/>
+          </a:xfrm>
+          <a:prstGeom prst="rect">
+            <a:avLst/>
+          </a:prstGeom>
+          <a:noFill/>
+          <a:ln>
+            <a:noFill/>
+          </a:ln>
+          <a:extLst>
+            <a:ext uri="{909E8E84-426E-40DD-AFC4-6F175D3DCCD1}">
+              <a14:hiddenFill xmlns:a14="http://schemas.microsoft.com/office/drawing/2010/main">
+                <a:solidFill>
+                  <a:schemeClr val="accent1"/>
+                </a:solidFill>
+              </a14:hiddenFill>
+            </a:ext>
+            <a:ext uri="{91240B29-F687-4F45-9708-019B960494DF}">
+              <a14:hiddenLine xmlns:a14="http://schemas.microsoft.com/office/drawing/2010/main" w="9525">
+                <a:solidFill>
+                  <a:schemeClr val="tx1"/>
+                </a:solidFill>
+                <a:miter lim="800000"/>
+                <a:headEnd/>
+                <a:tailEnd/>
+              </a14:hiddenLine>
+            </a:ext>
+          </a:extLst>
+        </p:spPr>
+      </p:pic>
+    </p:spTree>
+    <p:extLst>
+      <p:ext uri="{BB962C8B-B14F-4D97-AF65-F5344CB8AC3E}">
+        <p14:creationId xmlns:p14="http://schemas.microsoft.com/office/powerpoint/2010/main" val="2816874521"/>
+      </p:ext>
+    </p:extLst>
+  </p:cSld>
+  <p:clrMapOvr>
+    <a:masterClrMapping/>
+  </p:clrMapOvr>
+</p:sld>
+</file>
+
+<file path=ppt/slides/slide19.xml><?xml version="1.0" encoding="utf-8"?>
+<p:sld xmlns:a="http://schemas.openxmlformats.org/drawingml/2006/main" xmlns:r="http://schemas.openxmlformats.org/officeDocument/2006/relationships" xmlns:p="http://schemas.openxmlformats.org/presentationml/2006/main">
+  <p:cSld>
+    <p:spTree>
+      <p:nvGrpSpPr>
+        <p:cNvPr id="1" name=""/>
+        <p:cNvGrpSpPr/>
+        <p:nvPr/>
+      </p:nvGrpSpPr>
+      <p:grpSpPr>
+        <a:xfrm>
+          <a:off x="0" y="0"/>
+          <a:ext cx="0" cy="0"/>
+          <a:chOff x="0" y="0"/>
+          <a:chExt cx="0" cy="0"/>
+        </a:xfrm>
+      </p:grpSpPr>
+      <p:sp>
+        <p:nvSpPr>
+          <p:cNvPr id="2" name="Titre 1"/>
+          <p:cNvSpPr>
+            <a:spLocks noGrp="1"/>
+          </p:cNvSpPr>
+          <p:nvPr>
+            <p:ph type="title"/>
+          </p:nvPr>
+        </p:nvSpPr>
+        <p:spPr>
+          <a:xfrm>
+            <a:off x="457200" y="274638"/>
+            <a:ext cx="8229600" cy="490066"/>
+          </a:xfrm>
+        </p:spPr>
+        <p:txBody>
+          <a:bodyPr>
+            <a:normAutofit/>
+          </a:bodyPr>
+          <a:lstStyle/>
+          <a:p>
+            <a:r>
+              <a:rPr lang="en-GB" sz="2400" b="1" dirty="0" smtClean="0"/>
+              <a:t>Docker :</a:t>
+            </a:r>
+            <a:r>
+              <a:rPr lang="en-GB" sz="2400" b="1" dirty="0" err="1" smtClean="0"/>
+              <a:t>Concurrents</a:t>
+            </a:r>
+            <a:endParaRPr lang="en-GB" sz="2400" b="1" dirty="0"/>
+          </a:p>
+        </p:txBody>
+      </p:sp>
+      <p:sp>
+        <p:nvSpPr>
+          <p:cNvPr id="3" name="Espace réservé du contenu 2"/>
+          <p:cNvSpPr>
+            <a:spLocks noGrp="1"/>
+          </p:cNvSpPr>
+          <p:nvPr>
+            <p:ph idx="1"/>
+          </p:nvPr>
+        </p:nvSpPr>
+        <p:spPr>
+          <a:xfrm>
+            <a:off x="457200" y="980728"/>
+            <a:ext cx="8229600" cy="5145435"/>
+          </a:xfrm>
+        </p:spPr>
+        <p:txBody>
+          <a:bodyPr>
+            <a:normAutofit/>
+          </a:bodyPr>
+          <a:lstStyle/>
+          <a:p>
+            <a:r>
+              <a:rPr lang="en-GB" sz="2000" dirty="0" smtClean="0"/>
+              <a:t>Model 4 couches Containers</a:t>
+            </a:r>
+          </a:p>
+          <a:p>
+            <a:endParaRPr lang="en-GB" sz="2000" dirty="0"/>
+          </a:p>
+          <a:p>
+            <a:endParaRPr lang="en-GB" sz="2000" dirty="0" smtClean="0"/>
+          </a:p>
+          <a:p>
+            <a:endParaRPr lang="en-GB" sz="2000" dirty="0"/>
+          </a:p>
+          <a:p>
+            <a:endParaRPr lang="en-GB" sz="2000" dirty="0" smtClean="0"/>
+          </a:p>
+          <a:p>
+            <a:endParaRPr lang="en-GB" sz="2000" dirty="0"/>
+          </a:p>
+          <a:p>
+            <a:r>
+              <a:rPr lang="en-GB" sz="2000" dirty="0" err="1" smtClean="0"/>
+              <a:t>Pourquoi</a:t>
+            </a:r>
+            <a:r>
+              <a:rPr lang="en-GB" sz="2000" dirty="0" smtClean="0"/>
+              <a:t> Rocket</a:t>
+            </a:r>
+          </a:p>
+          <a:p>
+            <a:pPr lvl="1"/>
+            <a:r>
+              <a:rPr lang="en-GB" sz="1600" dirty="0"/>
+              <a:t>Resource : </a:t>
+            </a:r>
+            <a:r>
+              <a:rPr lang="en-GB" sz="1600" dirty="0">
+                <a:hlinkClick r:id="rId2"/>
+              </a:rPr>
+              <a:t>https://</a:t>
+            </a:r>
+            <a:r>
+              <a:rPr lang="en-GB" sz="1600" dirty="0" smtClean="0">
+                <a:hlinkClick r:id="rId2"/>
+              </a:rPr>
+              <a:t>www.linformaticien.com/actualites/id/34959/coreos-lance-rocket-son-concurrent-de-docker.aspx</a:t>
+            </a:r>
+            <a:r>
+              <a:rPr lang="en-GB" sz="1600" dirty="0" smtClean="0"/>
+              <a:t> (2014)</a:t>
+            </a:r>
+          </a:p>
+          <a:p>
+            <a:pPr marL="457200" lvl="1" indent="0">
+              <a:buNone/>
+            </a:pPr>
+            <a:r>
+              <a:rPr lang="en-GB" sz="1600" dirty="0"/>
+              <a:t> </a:t>
+            </a:r>
+            <a:r>
+              <a:rPr lang="en-GB" sz="1600" dirty="0" smtClean="0"/>
+              <a:t>     “</a:t>
+            </a:r>
+            <a:r>
+              <a:rPr lang="fr-FR" sz="1600" dirty="0"/>
+              <a:t>Rocket doit se cantonner à un rôle de container, contrairement à Docker qui évolue vers </a:t>
+            </a:r>
+            <a:r>
+              <a:rPr lang="fr-FR" sz="1600" dirty="0" smtClean="0"/>
+              <a:t> une </a:t>
+            </a:r>
+            <a:r>
+              <a:rPr lang="fr-FR" sz="1600" dirty="0"/>
+              <a:t>plateforme globale de services et de gestion. </a:t>
+            </a:r>
+            <a:r>
+              <a:rPr lang="fr-FR" sz="1600" dirty="0" smtClean="0"/>
+              <a:t> »</a:t>
+            </a:r>
+            <a:endParaRPr lang="en-GB" sz="1600" dirty="0"/>
+          </a:p>
+          <a:p>
+            <a:endParaRPr lang="en-GB" sz="2000" dirty="0" smtClean="0"/>
+          </a:p>
+          <a:p>
+            <a:endParaRPr lang="en-GB" sz="1600" dirty="0"/>
+          </a:p>
+        </p:txBody>
+      </p:sp>
+      <p:pic>
+        <p:nvPicPr>
+          <p:cNvPr id="3074" name="Picture 2"/>
+          <p:cNvPicPr>
+            <a:picLocks noChangeAspect="1" noChangeArrowheads="1"/>
+          </p:cNvPicPr>
+          <p:nvPr/>
+        </p:nvPicPr>
+        <p:blipFill>
+          <a:blip r:embed="rId3">
+            <a:extLst>
+              <a:ext uri="{28A0092B-C50C-407E-A947-70E740481C1C}">
+                <a14:useLocalDpi xmlns:a14="http://schemas.microsoft.com/office/drawing/2010/main" val="0"/>
+              </a:ext>
+            </a:extLst>
+          </a:blip>
+          <a:srcRect/>
+          <a:stretch>
+            <a:fillRect/>
+          </a:stretch>
+        </p:blipFill>
+        <p:spPr bwMode="auto">
+          <a:xfrm>
+            <a:off x="1000124" y="1412776"/>
+            <a:ext cx="4680521" cy="1872208"/>
+          </a:xfrm>
+          <a:prstGeom prst="rect">
+            <a:avLst/>
+          </a:prstGeom>
+          <a:noFill/>
+          <a:ln>
+            <a:noFill/>
+          </a:ln>
+          <a:extLst>
+            <a:ext uri="{909E8E84-426E-40DD-AFC4-6F175D3DCCD1}">
+              <a14:hiddenFill xmlns:a14="http://schemas.microsoft.com/office/drawing/2010/main">
+                <a:solidFill>
+                  <a:schemeClr val="accent1"/>
+                </a:solidFill>
+              </a14:hiddenFill>
+            </a:ext>
+            <a:ext uri="{91240B29-F687-4F45-9708-019B960494DF}">
+              <a14:hiddenLine xmlns:a14="http://schemas.microsoft.com/office/drawing/2010/main" w="9525">
+                <a:solidFill>
+                  <a:schemeClr val="tx1"/>
+                </a:solidFill>
+                <a:miter lim="800000"/>
+                <a:headEnd/>
+                <a:tailEnd/>
+              </a14:hiddenLine>
+            </a:ext>
+          </a:extLst>
+        </p:spPr>
+      </p:pic>
+    </p:spTree>
+    <p:extLst>
+      <p:ext uri="{BB962C8B-B14F-4D97-AF65-F5344CB8AC3E}">
+        <p14:creationId xmlns:p14="http://schemas.microsoft.com/office/powerpoint/2010/main" val="2008055695"/>
+      </p:ext>
+    </p:extLst>
+  </p:cSld>
+  <p:clrMapOvr>
+    <a:masterClrMapping/>
+  </p:clrMapOvr>
+</p:sld>
+</file>
+
+<file path=ppt/slides/slide2.xml><?xml version="1.0" encoding="utf-8"?>
+<p:sld xmlns:a="http://schemas.openxmlformats.org/drawingml/2006/main" xmlns:r="http://schemas.openxmlformats.org/officeDocument/2006/relationships" xmlns:p="http://schemas.openxmlformats.org/presentationml/2006/main">
+  <p:cSld>
+    <p:spTree>
+      <p:nvGrpSpPr>
+        <p:cNvPr id="1" name=""/>
+        <p:cNvGrpSpPr/>
+        <p:nvPr/>
+      </p:nvGrpSpPr>
+      <p:grpSpPr>
+        <a:xfrm>
+          <a:off x="0" y="0"/>
+          <a:ext cx="0" cy="0"/>
+          <a:chOff x="0" y="0"/>
+          <a:chExt cx="0" cy="0"/>
+        </a:xfrm>
+      </p:grpSpPr>
+      <p:sp>
+        <p:nvSpPr>
+          <p:cNvPr id="2" name="Titre 1"/>
+          <p:cNvSpPr>
+            <a:spLocks noGrp="1"/>
+          </p:cNvSpPr>
+          <p:nvPr>
+            <p:ph type="title"/>
+          </p:nvPr>
+        </p:nvSpPr>
+        <p:spPr/>
+        <p:txBody>
+          <a:bodyPr>
+            <a:normAutofit fontScale="90000"/>
+          </a:bodyPr>
+          <a:lstStyle/>
+          <a:p>
+            <a:r>
+              <a:rPr lang="fr-FR" dirty="0" smtClean="0"/>
+              <a:t>Généralités</a:t>
+            </a:r>
+            <a:endParaRPr lang="fr-FR" dirty="0"/>
+          </a:p>
+        </p:txBody>
+      </p:sp>
+      <p:sp>
+        <p:nvSpPr>
+          <p:cNvPr id="3" name="Espace réservé du contenu 2"/>
+          <p:cNvSpPr>
+            <a:spLocks noGrp="1"/>
+          </p:cNvSpPr>
+          <p:nvPr>
+            <p:ph idx="1"/>
+          </p:nvPr>
+        </p:nvSpPr>
+        <p:spPr/>
+        <p:txBody>
+          <a:bodyPr>
+            <a:normAutofit fontScale="92500" lnSpcReduction="20000"/>
+          </a:bodyPr>
+          <a:lstStyle/>
+          <a:p>
+            <a:r>
+              <a:rPr lang="fr-FR" dirty="0" smtClean="0"/>
+              <a:t>Docker</a:t>
+            </a:r>
+          </a:p>
+          <a:p>
+            <a:pPr lvl="1"/>
+            <a:r>
+              <a:rPr lang="fr-FR" dirty="0" smtClean="0"/>
+              <a:t>Solution de containérisation adoptée par tous les Majors IT</a:t>
+            </a:r>
+          </a:p>
+          <a:p>
+            <a:pPr lvl="1"/>
+            <a:r>
+              <a:rPr lang="fr-FR" dirty="0" smtClean="0"/>
+              <a:t>Cross-</a:t>
+            </a:r>
+            <a:r>
+              <a:rPr lang="fr-FR" dirty="0" err="1" smtClean="0"/>
+              <a:t>platform</a:t>
+            </a:r>
+            <a:endParaRPr lang="fr-FR" dirty="0" smtClean="0"/>
+          </a:p>
+          <a:p>
+            <a:pPr lvl="1"/>
+            <a:r>
+              <a:rPr lang="fr-FR" dirty="0" smtClean="0"/>
+              <a:t>Peu ou pas de concurrents (</a:t>
+            </a:r>
+            <a:r>
+              <a:rPr lang="fr-FR" dirty="0" err="1" smtClean="0"/>
+              <a:t>Roket</a:t>
+            </a:r>
+            <a:r>
+              <a:rPr lang="fr-FR" dirty="0" smtClean="0"/>
+              <a:t>, LXC)</a:t>
+            </a:r>
+          </a:p>
+          <a:p>
+            <a:r>
+              <a:rPr lang="fr-FR" dirty="0" smtClean="0"/>
+              <a:t>Pourquoi les containers</a:t>
+            </a:r>
+          </a:p>
+          <a:p>
+            <a:pPr lvl="1"/>
+            <a:r>
+              <a:rPr lang="fr-FR" dirty="0" err="1" smtClean="0"/>
+              <a:t>Scalabilité</a:t>
+            </a:r>
+            <a:r>
+              <a:rPr lang="fr-FR" dirty="0" smtClean="0"/>
+              <a:t> Horizontale</a:t>
+            </a:r>
+          </a:p>
+          <a:p>
+            <a:pPr lvl="1"/>
+            <a:r>
+              <a:rPr lang="fr-FR" dirty="0" smtClean="0"/>
+              <a:t>Patch Management</a:t>
+            </a:r>
+          </a:p>
+          <a:p>
+            <a:pPr lvl="1"/>
+            <a:r>
+              <a:rPr lang="fr-FR" dirty="0" smtClean="0"/>
+              <a:t>Rapidité / Fiabilité de déploiement</a:t>
+            </a:r>
+          </a:p>
+          <a:p>
+            <a:r>
+              <a:rPr lang="fr-FR" dirty="0" smtClean="0"/>
+              <a:t>Plate-forme d’exécution</a:t>
+            </a:r>
+          </a:p>
+          <a:p>
+            <a:pPr lvl="1"/>
+            <a:r>
+              <a:rPr lang="fr-FR" dirty="0" smtClean="0"/>
+              <a:t>Orchestration déploiement</a:t>
+            </a:r>
+          </a:p>
+          <a:p>
+            <a:pPr lvl="1"/>
+            <a:r>
+              <a:rPr lang="fr-FR" dirty="0" smtClean="0"/>
+              <a:t>Orchestration </a:t>
+            </a:r>
+            <a:r>
+              <a:rPr lang="fr-FR" dirty="0" err="1" smtClean="0"/>
+              <a:t>scalabilité</a:t>
+            </a:r>
+            <a:endParaRPr lang="fr-FR" dirty="0" smtClean="0"/>
+          </a:p>
+          <a:p>
+            <a:pPr lvl="1"/>
+            <a:r>
+              <a:rPr lang="fr-FR" dirty="0" smtClean="0"/>
+              <a:t>Services associés</a:t>
+            </a:r>
+          </a:p>
+          <a:p>
+            <a:pPr lvl="1"/>
+            <a:r>
+              <a:rPr lang="fr-FR" dirty="0" smtClean="0"/>
+              <a:t>Monitoring</a:t>
+            </a:r>
+          </a:p>
+          <a:p>
+            <a:r>
+              <a:rPr lang="fr-FR" dirty="0" smtClean="0"/>
+              <a:t>Micro Service</a:t>
+            </a:r>
+          </a:p>
+          <a:p>
+            <a:pPr lvl="1"/>
+            <a:r>
+              <a:rPr lang="fr-FR" dirty="0" smtClean="0"/>
+              <a:t>Changement architecture applicative</a:t>
+            </a:r>
+            <a:endParaRPr lang="fr-FR" dirty="0"/>
+          </a:p>
+          <a:p>
+            <a:pPr lvl="1"/>
+            <a:endParaRPr lang="fr-FR" dirty="0" smtClean="0"/>
+          </a:p>
+        </p:txBody>
+      </p:sp>
+    </p:spTree>
+    <p:extLst>
+      <p:ext uri="{BB962C8B-B14F-4D97-AF65-F5344CB8AC3E}">
+        <p14:creationId xmlns:p14="http://schemas.microsoft.com/office/powerpoint/2010/main" val="4219070909"/>
+      </p:ext>
+    </p:extLst>
+  </p:cSld>
+  <p:clrMapOvr>
+    <a:masterClrMapping/>
+  </p:clrMapOvr>
+</p:sld>
+</file>
+
+<file path=ppt/slides/slide20.xml><?xml version="1.0" encoding="utf-8"?>
+<p:sld xmlns:a="http://schemas.openxmlformats.org/drawingml/2006/main" xmlns:r="http://schemas.openxmlformats.org/officeDocument/2006/relationships" xmlns:p="http://schemas.openxmlformats.org/presentationml/2006/main">
+  <p:cSld>
+    <p:spTree>
+      <p:nvGrpSpPr>
+        <p:cNvPr id="1" name=""/>
+        <p:cNvGrpSpPr/>
+        <p:nvPr/>
+      </p:nvGrpSpPr>
+      <p:grpSpPr>
+        <a:xfrm>
+          <a:off x="0" y="0"/>
+          <a:ext cx="0" cy="0"/>
+          <a:chOff x="0" y="0"/>
+          <a:chExt cx="0" cy="0"/>
+        </a:xfrm>
+      </p:grpSpPr>
+      <p:sp>
+        <p:nvSpPr>
+          <p:cNvPr id="2" name="Titre 1"/>
+          <p:cNvSpPr>
+            <a:spLocks noGrp="1"/>
+          </p:cNvSpPr>
+          <p:nvPr>
+            <p:ph type="title"/>
+          </p:nvPr>
+        </p:nvSpPr>
+        <p:spPr>
+          <a:xfrm>
+            <a:off x="457200" y="274638"/>
+            <a:ext cx="8229600" cy="490066"/>
+          </a:xfrm>
+        </p:spPr>
+        <p:txBody>
+          <a:bodyPr>
+            <a:normAutofit/>
+          </a:bodyPr>
+          <a:lstStyle/>
+          <a:p>
+            <a:r>
+              <a:rPr lang="en-GB" sz="2400" b="1" dirty="0" smtClean="0"/>
+              <a:t>Docker : Uses cases</a:t>
+            </a:r>
+            <a:endParaRPr lang="en-GB" sz="2400" b="1" dirty="0"/>
+          </a:p>
+        </p:txBody>
+      </p:sp>
+      <p:sp>
+        <p:nvSpPr>
+          <p:cNvPr id="3" name="Espace réservé du contenu 2"/>
+          <p:cNvSpPr>
+            <a:spLocks noGrp="1"/>
+          </p:cNvSpPr>
+          <p:nvPr>
+            <p:ph idx="1"/>
+          </p:nvPr>
+        </p:nvSpPr>
+        <p:spPr>
+          <a:xfrm>
+            <a:off x="457200" y="980728"/>
+            <a:ext cx="8229600" cy="5145435"/>
+          </a:xfrm>
+        </p:spPr>
+        <p:txBody>
+          <a:bodyPr>
+            <a:normAutofit fontScale="62500" lnSpcReduction="20000"/>
+          </a:bodyPr>
+          <a:lstStyle/>
+          <a:p>
+            <a:r>
+              <a:rPr lang="en-US" b="1" dirty="0"/>
+              <a:t>Table of Contents : </a:t>
+            </a:r>
+            <a:r>
+              <a:rPr lang="en-US" b="1" dirty="0">
+                <a:hlinkClick r:id="rId2"/>
+              </a:rPr>
+              <a:t>https://</a:t>
+            </a:r>
+            <a:r>
+              <a:rPr lang="en-US" b="1" dirty="0" smtClean="0">
+                <a:hlinkClick r:id="rId2"/>
+              </a:rPr>
+              <a:t>www.gartner.com/doc/3574617/assessing-docker-containers-software-delivery</a:t>
+            </a:r>
+            <a:endParaRPr lang="en-US" b="1" dirty="0" smtClean="0"/>
+          </a:p>
+          <a:p>
+            <a:endParaRPr lang="en-US" b="1" dirty="0"/>
+          </a:p>
+          <a:p>
+            <a:r>
+              <a:rPr lang="en-US" dirty="0"/>
+              <a:t>Analysis </a:t>
+            </a:r>
+          </a:p>
+          <a:p>
+            <a:pPr lvl="1"/>
+            <a:r>
+              <a:rPr lang="en-US" dirty="0"/>
+              <a:t>Use Cases for Docker </a:t>
+            </a:r>
+          </a:p>
+          <a:p>
+            <a:pPr lvl="2"/>
+            <a:r>
+              <a:rPr lang="en-US" dirty="0"/>
+              <a:t>Summary of Use-Case Assessments </a:t>
+            </a:r>
+          </a:p>
+          <a:p>
+            <a:pPr lvl="2"/>
+            <a:r>
+              <a:rPr lang="en-US" dirty="0"/>
+              <a:t>Assessment Criteria </a:t>
+            </a:r>
+          </a:p>
+          <a:p>
+            <a:pPr lvl="2"/>
+            <a:r>
+              <a:rPr lang="en-US" dirty="0"/>
+              <a:t>Use Case 1: Docker for Solo and Team Application Development and Test </a:t>
+            </a:r>
+          </a:p>
+          <a:p>
+            <a:pPr lvl="2"/>
+            <a:r>
+              <a:rPr lang="en-US" dirty="0"/>
+              <a:t>Use Case 2: Docker for Continuous Integration </a:t>
+            </a:r>
+          </a:p>
+          <a:p>
+            <a:pPr lvl="2"/>
+            <a:r>
+              <a:rPr lang="en-US" dirty="0"/>
+              <a:t>Use Case 3: Docker for Production Application Deployment </a:t>
+            </a:r>
+          </a:p>
+          <a:p>
+            <a:pPr lvl="2"/>
+            <a:r>
+              <a:rPr lang="en-US" dirty="0"/>
+              <a:t>Use Case 4: Docker for Creating a Private PaaS </a:t>
+            </a:r>
+          </a:p>
+          <a:p>
+            <a:pPr lvl="2"/>
+            <a:r>
+              <a:rPr lang="en-US" dirty="0"/>
+              <a:t>Use Case 5: Docker for Application Infrastructure and Cloud Portability </a:t>
+            </a:r>
+          </a:p>
+          <a:p>
+            <a:pPr lvl="1"/>
+            <a:r>
+              <a:rPr lang="en-US" dirty="0"/>
+              <a:t>Strengths </a:t>
+            </a:r>
+          </a:p>
+          <a:p>
+            <a:pPr lvl="1"/>
+            <a:r>
+              <a:rPr lang="en-US" dirty="0"/>
+              <a:t>Weaknesses </a:t>
+            </a:r>
+          </a:p>
+          <a:p>
+            <a:r>
+              <a:rPr lang="en-US" dirty="0"/>
+              <a:t>Guidance </a:t>
+            </a:r>
+          </a:p>
+          <a:p>
+            <a:pPr lvl="1"/>
+            <a:r>
+              <a:rPr lang="en-US" dirty="0"/>
+              <a:t>Containers Are Not Suitable for Every Application </a:t>
+            </a:r>
+          </a:p>
+          <a:p>
+            <a:pPr lvl="1"/>
+            <a:r>
+              <a:rPr lang="en-US" dirty="0"/>
+              <a:t>Use Docker in Production If You Have Sophisticated and Agile Operations </a:t>
+            </a:r>
+          </a:p>
+          <a:p>
+            <a:pPr lvl="1"/>
+            <a:r>
+              <a:rPr lang="en-US" dirty="0"/>
+              <a:t>Consider Management, Monitoring, Backup, Disaster Recovery and Other Tools as Well as Orchestration </a:t>
+            </a:r>
+          </a:p>
+          <a:p>
+            <a:pPr lvl="1"/>
+            <a:r>
+              <a:rPr lang="en-US" dirty="0"/>
+              <a:t>Plan on a Combination of Containers and Virtual Machines </a:t>
+            </a:r>
+          </a:p>
+          <a:p>
+            <a:pPr lvl="1"/>
+            <a:r>
+              <a:rPr lang="en-US" dirty="0"/>
+              <a:t>Don't Build a PaaS Yourself Using Docker, but Build Docker Into Your PaaS Strategy </a:t>
+            </a:r>
+          </a:p>
+          <a:p>
+            <a:r>
+              <a:rPr lang="en-US" dirty="0"/>
+              <a:t>Gartner Recommended Reading </a:t>
+            </a:r>
+          </a:p>
+          <a:p>
+            <a:endParaRPr lang="en-GB" sz="1600" dirty="0"/>
+          </a:p>
+        </p:txBody>
+      </p:sp>
+    </p:spTree>
+    <p:extLst>
+      <p:ext uri="{BB962C8B-B14F-4D97-AF65-F5344CB8AC3E}">
+        <p14:creationId xmlns:p14="http://schemas.microsoft.com/office/powerpoint/2010/main" val="3568153689"/>
+      </p:ext>
+    </p:extLst>
+  </p:cSld>
+  <p:clrMapOvr>
+    <a:masterClrMapping/>
+  </p:clrMapOvr>
+</p:sld>
+</file>
+
+<file path=ppt/slides/slide21.xml><?xml version="1.0" encoding="utf-8"?>
+<p:sld xmlns:a="http://schemas.openxmlformats.org/drawingml/2006/main" xmlns:r="http://schemas.openxmlformats.org/officeDocument/2006/relationships" xmlns:p="http://schemas.openxmlformats.org/presentationml/2006/main">
+  <p:cSld>
+    <p:spTree>
+      <p:nvGrpSpPr>
+        <p:cNvPr id="1" name=""/>
+        <p:cNvGrpSpPr/>
+        <p:nvPr/>
+      </p:nvGrpSpPr>
+      <p:grpSpPr>
+        <a:xfrm>
+          <a:off x="0" y="0"/>
+          <a:ext cx="0" cy="0"/>
+          <a:chOff x="0" y="0"/>
+          <a:chExt cx="0" cy="0"/>
+        </a:xfrm>
+      </p:grpSpPr>
+      <p:sp>
+        <p:nvSpPr>
+          <p:cNvPr id="2" name="Titre 1"/>
+          <p:cNvSpPr>
+            <a:spLocks noGrp="1"/>
+          </p:cNvSpPr>
+          <p:nvPr>
+            <p:ph type="title"/>
+          </p:nvPr>
+        </p:nvSpPr>
+        <p:spPr>
+          <a:xfrm>
+            <a:off x="457200" y="274638"/>
+            <a:ext cx="8229600" cy="490066"/>
+          </a:xfrm>
+        </p:spPr>
+        <p:txBody>
+          <a:bodyPr>
+            <a:normAutofit/>
+          </a:bodyPr>
+          <a:lstStyle/>
+          <a:p>
+            <a:r>
+              <a:rPr lang="en-GB" sz="2400" b="1" dirty="0" smtClean="0"/>
+              <a:t>Docker : Monitoring</a:t>
+            </a:r>
+            <a:endParaRPr lang="en-GB" sz="2400" b="1" dirty="0"/>
+          </a:p>
+        </p:txBody>
+      </p:sp>
+      <p:sp>
+        <p:nvSpPr>
+          <p:cNvPr id="3" name="Espace réservé du contenu 2"/>
+          <p:cNvSpPr>
+            <a:spLocks noGrp="1"/>
+          </p:cNvSpPr>
+          <p:nvPr>
+            <p:ph idx="1"/>
+          </p:nvPr>
+        </p:nvSpPr>
+        <p:spPr>
+          <a:xfrm>
+            <a:off x="457200" y="980728"/>
+            <a:ext cx="8229600" cy="5145435"/>
+          </a:xfrm>
+        </p:spPr>
+        <p:txBody>
+          <a:bodyPr>
+            <a:normAutofit fontScale="77500" lnSpcReduction="20000"/>
+          </a:bodyPr>
+          <a:lstStyle/>
+          <a:p>
+            <a:r>
+              <a:rPr lang="en-GB" sz="2000" dirty="0" smtClean="0"/>
+              <a:t>Docker is the standard</a:t>
+            </a:r>
+          </a:p>
+          <a:p>
+            <a:endParaRPr lang="en-GB" sz="2000" dirty="0" smtClean="0"/>
+          </a:p>
+          <a:p>
+            <a:r>
+              <a:rPr lang="en-GB" sz="2000" dirty="0" err="1" smtClean="0"/>
+              <a:t>Concurents</a:t>
+            </a:r>
+            <a:endParaRPr lang="en-GB" sz="2000" dirty="0" smtClean="0"/>
+          </a:p>
+          <a:p>
+            <a:pPr lvl="1"/>
+            <a:r>
+              <a:rPr lang="en-GB" sz="1600" dirty="0" smtClean="0"/>
+              <a:t>Rocket By CoreOS</a:t>
+            </a:r>
+          </a:p>
+          <a:p>
+            <a:pPr lvl="1"/>
+            <a:endParaRPr lang="en-GB" sz="1600" dirty="0"/>
+          </a:p>
+          <a:p>
+            <a:r>
+              <a:rPr lang="en-GB" sz="2000" dirty="0" smtClean="0"/>
+              <a:t>Monitoring containers</a:t>
+            </a:r>
+          </a:p>
+          <a:p>
+            <a:pPr lvl="1"/>
+            <a:r>
+              <a:rPr lang="en-GB" sz="1600" dirty="0"/>
+              <a:t>Resources : </a:t>
+            </a:r>
+            <a:r>
+              <a:rPr lang="en-GB" sz="1600" dirty="0">
+                <a:hlinkClick r:id="rId2"/>
+              </a:rPr>
+              <a:t>http://</a:t>
+            </a:r>
+            <a:r>
+              <a:rPr lang="en-GB" sz="1600" dirty="0" smtClean="0">
+                <a:hlinkClick r:id="rId2"/>
+              </a:rPr>
+              <a:t>www.lemondeinformatique.fr/actualites/lire-6-outils-de-suivi-des-conteneurs-concurrents-a-docker-62190.html</a:t>
+            </a:r>
+            <a:endParaRPr lang="en-GB" sz="1600" dirty="0" smtClean="0"/>
+          </a:p>
+          <a:p>
+            <a:pPr lvl="1"/>
+            <a:endParaRPr lang="en-GB" sz="1600" dirty="0" smtClean="0"/>
+          </a:p>
+          <a:p>
+            <a:pPr lvl="1"/>
+            <a:r>
+              <a:rPr lang="en-GB" sz="1600" dirty="0" err="1" smtClean="0"/>
+              <a:t>cAdvisor</a:t>
+            </a:r>
+            <a:r>
+              <a:rPr lang="en-GB" sz="1600" dirty="0" smtClean="0"/>
+              <a:t> by Google :</a:t>
+            </a:r>
+          </a:p>
+          <a:p>
+            <a:pPr lvl="2"/>
+            <a:r>
+              <a:rPr lang="en-GB" sz="1200" dirty="0" smtClean="0"/>
+              <a:t>Open source : </a:t>
+            </a:r>
+            <a:r>
+              <a:rPr lang="en-GB" sz="1200" dirty="0" err="1" smtClean="0"/>
+              <a:t>github</a:t>
+            </a:r>
+            <a:endParaRPr lang="en-GB" sz="1200" dirty="0" smtClean="0"/>
+          </a:p>
+          <a:p>
+            <a:pPr lvl="2"/>
+            <a:r>
+              <a:rPr lang="en-GB" sz="1200" dirty="0" smtClean="0"/>
+              <a:t>Simple</a:t>
+            </a:r>
+          </a:p>
+          <a:p>
+            <a:pPr lvl="2"/>
+            <a:r>
+              <a:rPr lang="en-GB" sz="1200" dirty="0" smtClean="0"/>
+              <a:t>Suit </a:t>
+            </a:r>
+            <a:r>
+              <a:rPr lang="en-GB" sz="1200" dirty="0" err="1" smtClean="0"/>
+              <a:t>uniquement</a:t>
+            </a:r>
+            <a:r>
+              <a:rPr lang="en-GB" sz="1200" dirty="0" smtClean="0"/>
+              <a:t> les containers sur le </a:t>
+            </a:r>
+            <a:r>
+              <a:rPr lang="en-GB" sz="1200" dirty="0" err="1" smtClean="0"/>
+              <a:t>même</a:t>
+            </a:r>
+            <a:r>
+              <a:rPr lang="en-GB" sz="1200" dirty="0" smtClean="0"/>
+              <a:t> </a:t>
+            </a:r>
+            <a:r>
+              <a:rPr lang="en-GB" sz="1200" dirty="0" err="1" smtClean="0"/>
+              <a:t>hôte</a:t>
+            </a:r>
+            <a:endParaRPr lang="en-GB" sz="1200" dirty="0" smtClean="0"/>
+          </a:p>
+          <a:p>
+            <a:pPr lvl="1"/>
+            <a:r>
+              <a:rPr lang="en-GB" sz="1600" dirty="0" smtClean="0"/>
+              <a:t>Promotheus.io by </a:t>
+            </a:r>
+            <a:r>
+              <a:rPr lang="en-GB" sz="1600" dirty="0" err="1" smtClean="0"/>
+              <a:t>SoundCloud</a:t>
+            </a:r>
+            <a:endParaRPr lang="en-GB" sz="1600" dirty="0" smtClean="0"/>
+          </a:p>
+          <a:p>
+            <a:pPr lvl="2"/>
+            <a:r>
+              <a:rPr lang="en-GB" sz="1200" dirty="0" smtClean="0"/>
+              <a:t>Open source</a:t>
+            </a:r>
+          </a:p>
+          <a:p>
+            <a:pPr lvl="2"/>
+            <a:r>
+              <a:rPr lang="en-GB" sz="1200" dirty="0" err="1" smtClean="0"/>
+              <a:t>Intégre</a:t>
+            </a:r>
+            <a:r>
+              <a:rPr lang="en-GB" sz="1200" dirty="0" smtClean="0"/>
+              <a:t> </a:t>
+            </a:r>
+            <a:r>
+              <a:rPr lang="en-GB" sz="1200" dirty="0" err="1" smtClean="0"/>
+              <a:t>données</a:t>
+            </a:r>
+            <a:r>
+              <a:rPr lang="en-GB" sz="1200" dirty="0" smtClean="0"/>
+              <a:t> de </a:t>
+            </a:r>
+            <a:r>
+              <a:rPr lang="en-GB" sz="1200" dirty="0" err="1" smtClean="0"/>
+              <a:t>nombreuses</a:t>
+            </a:r>
+            <a:r>
+              <a:rPr lang="en-GB" sz="1200" dirty="0" smtClean="0"/>
+              <a:t> sources </a:t>
+            </a:r>
+            <a:r>
+              <a:rPr lang="en-GB" sz="1200" dirty="0" err="1" smtClean="0"/>
+              <a:t>dont</a:t>
+            </a:r>
+            <a:r>
+              <a:rPr lang="en-GB" sz="1200" dirty="0" smtClean="0"/>
+              <a:t> les </a:t>
+            </a:r>
+            <a:r>
+              <a:rPr lang="en-GB" sz="1200" dirty="0" err="1" smtClean="0"/>
+              <a:t>conteneurs</a:t>
+            </a:r>
+            <a:r>
+              <a:rPr lang="en-GB" sz="1200" dirty="0" smtClean="0"/>
+              <a:t>, </a:t>
+            </a:r>
+            <a:r>
+              <a:rPr lang="en-GB" sz="1200" dirty="0" err="1" smtClean="0"/>
+              <a:t>cAdvisor</a:t>
+            </a:r>
+            <a:r>
+              <a:rPr lang="en-GB" sz="1200" dirty="0" smtClean="0"/>
+              <a:t>, Kubernetes, </a:t>
+            </a:r>
+            <a:r>
+              <a:rPr lang="en-GB" sz="1200" dirty="0" err="1" smtClean="0"/>
+              <a:t>Etcd</a:t>
+            </a:r>
+            <a:r>
+              <a:rPr lang="en-GB" sz="1200" dirty="0" smtClean="0"/>
+              <a:t>, </a:t>
+            </a:r>
+            <a:r>
+              <a:rPr lang="en-GB" sz="1200" dirty="0" err="1" smtClean="0"/>
+              <a:t>CoreOs</a:t>
+            </a:r>
+            <a:endParaRPr lang="en-GB" sz="1200" dirty="0" smtClean="0"/>
+          </a:p>
+          <a:p>
+            <a:pPr lvl="1"/>
+            <a:r>
+              <a:rPr lang="en-GB" sz="1600" dirty="0" smtClean="0"/>
+              <a:t>Scout</a:t>
+            </a:r>
+          </a:p>
+          <a:p>
+            <a:pPr lvl="2"/>
+            <a:r>
+              <a:rPr lang="en-GB" sz="1200" dirty="0" smtClean="0"/>
+              <a:t>Service de monitoring</a:t>
+            </a:r>
+          </a:p>
+          <a:p>
+            <a:pPr lvl="2"/>
+            <a:r>
+              <a:rPr lang="en-GB" sz="1200" dirty="0" smtClean="0"/>
+              <a:t>Plugin architecture</a:t>
+            </a:r>
+          </a:p>
+          <a:p>
+            <a:pPr lvl="2"/>
+            <a:r>
+              <a:rPr lang="en-GB" sz="1200" dirty="0" smtClean="0"/>
+              <a:t>Price : 10 $ / host</a:t>
+            </a:r>
+          </a:p>
+          <a:p>
+            <a:pPr lvl="1"/>
+            <a:r>
+              <a:rPr lang="en-GB" sz="1600" dirty="0" err="1" smtClean="0"/>
+              <a:t>DataDog</a:t>
+            </a:r>
+            <a:endParaRPr lang="en-GB" sz="1600" dirty="0" smtClean="0"/>
+          </a:p>
+          <a:p>
+            <a:pPr lvl="2"/>
+            <a:r>
+              <a:rPr lang="en-GB" sz="1200" dirty="0"/>
+              <a:t>Service de monitoring</a:t>
+            </a:r>
+          </a:p>
+          <a:p>
+            <a:pPr lvl="2"/>
+            <a:r>
+              <a:rPr lang="en-GB" sz="1200" dirty="0" smtClean="0"/>
+              <a:t>Reporting plus </a:t>
+            </a:r>
+            <a:r>
+              <a:rPr lang="en-GB" sz="1200" dirty="0" err="1" smtClean="0"/>
+              <a:t>détaillé</a:t>
+            </a:r>
+            <a:r>
+              <a:rPr lang="en-GB" sz="1200" dirty="0" smtClean="0"/>
+              <a:t> / flexible que Scout</a:t>
+            </a:r>
+          </a:p>
+          <a:p>
+            <a:pPr lvl="2"/>
+            <a:r>
+              <a:rPr lang="en-GB" sz="1200" dirty="0" smtClean="0"/>
+              <a:t>Price :  15 </a:t>
+            </a:r>
+            <a:r>
+              <a:rPr lang="en-GB" sz="1200" dirty="0"/>
+              <a:t>$ / </a:t>
+            </a:r>
+            <a:r>
+              <a:rPr lang="en-GB" sz="1200" dirty="0" smtClean="0"/>
+              <a:t>host</a:t>
+            </a:r>
+          </a:p>
+          <a:p>
+            <a:pPr lvl="1">
+              <a:buFontTx/>
+              <a:buChar char="-"/>
+            </a:pPr>
+            <a:r>
+              <a:rPr lang="en-GB" sz="1600" dirty="0" err="1" smtClean="0"/>
+              <a:t>LogEntries</a:t>
+            </a:r>
+            <a:endParaRPr lang="en-GB" sz="1600" dirty="0" smtClean="0"/>
+          </a:p>
+          <a:p>
+            <a:pPr lvl="2">
+              <a:buFontTx/>
+              <a:buChar char="-"/>
+            </a:pPr>
+            <a:r>
+              <a:rPr lang="en-GB" sz="1200" dirty="0" smtClean="0"/>
+              <a:t>Service  de monitoring</a:t>
+            </a:r>
+          </a:p>
+          <a:p>
+            <a:pPr lvl="1">
+              <a:buFontTx/>
+              <a:buChar char="-"/>
+            </a:pPr>
+            <a:r>
+              <a:rPr lang="en-GB" sz="1600" dirty="0" err="1" smtClean="0"/>
+              <a:t>Sematext</a:t>
+            </a:r>
+            <a:endParaRPr lang="en-GB" sz="1600" dirty="0" smtClean="0"/>
+          </a:p>
+          <a:p>
+            <a:pPr lvl="2">
+              <a:buFontTx/>
+              <a:buChar char="-"/>
+            </a:pPr>
+            <a:r>
+              <a:rPr lang="en-GB" sz="1200" dirty="0" smtClean="0"/>
+              <a:t>Service </a:t>
+            </a:r>
+            <a:r>
+              <a:rPr lang="en-GB" sz="1200" dirty="0" err="1" smtClean="0"/>
+              <a:t>ou</a:t>
+            </a:r>
+            <a:r>
+              <a:rPr lang="en-GB" sz="1200" dirty="0" smtClean="0"/>
+              <a:t> on premise</a:t>
+            </a:r>
+            <a:endParaRPr lang="en-GB" sz="1200" dirty="0"/>
+          </a:p>
+          <a:p>
+            <a:pPr lvl="2"/>
+            <a:endParaRPr lang="en-GB" sz="1200" dirty="0" smtClean="0"/>
+          </a:p>
+          <a:p>
+            <a:pPr lvl="1"/>
+            <a:endParaRPr lang="en-GB" sz="1600" dirty="0" smtClean="0"/>
+          </a:p>
+          <a:p>
+            <a:pPr marL="457200" lvl="1" indent="0">
+              <a:buNone/>
+            </a:pPr>
+            <a:endParaRPr lang="en-GB" sz="2000" dirty="0"/>
+          </a:p>
+        </p:txBody>
+      </p:sp>
+    </p:spTree>
+    <p:extLst>
+      <p:ext uri="{BB962C8B-B14F-4D97-AF65-F5344CB8AC3E}">
+        <p14:creationId xmlns:p14="http://schemas.microsoft.com/office/powerpoint/2010/main" val="4058090107"/>
+      </p:ext>
+    </p:extLst>
+  </p:cSld>
+  <p:clrMapOvr>
+    <a:masterClrMapping/>
+  </p:clrMapOvr>
+</p:sld>
+</file>
+
+<file path=ppt/slides/slide22.xml><?xml version="1.0" encoding="utf-8"?>
+<p:sld xmlns:a="http://schemas.openxmlformats.org/drawingml/2006/main" xmlns:r="http://schemas.openxmlformats.org/officeDocument/2006/relationships" xmlns:p="http://schemas.openxmlformats.org/presentationml/2006/main">
+  <p:cSld>
+    <p:spTree>
+      <p:nvGrpSpPr>
+        <p:cNvPr id="1" name=""/>
+        <p:cNvGrpSpPr/>
+        <p:nvPr/>
+      </p:nvGrpSpPr>
+      <p:grpSpPr>
+        <a:xfrm>
+          <a:off x="0" y="0"/>
+          <a:ext cx="0" cy="0"/>
+          <a:chOff x="0" y="0"/>
+          <a:chExt cx="0" cy="0"/>
+        </a:xfrm>
+      </p:grpSpPr>
+      <p:sp>
+        <p:nvSpPr>
+          <p:cNvPr id="2" name="Titre 1"/>
+          <p:cNvSpPr>
+            <a:spLocks noGrp="1"/>
+          </p:cNvSpPr>
+          <p:nvPr>
+            <p:ph type="title"/>
+          </p:nvPr>
+        </p:nvSpPr>
+        <p:spPr>
+          <a:xfrm>
+            <a:off x="457200" y="274638"/>
+            <a:ext cx="8229600" cy="490066"/>
+          </a:xfrm>
+        </p:spPr>
+        <p:txBody>
+          <a:bodyPr>
+            <a:normAutofit/>
+          </a:bodyPr>
+          <a:lstStyle/>
+          <a:p>
+            <a:r>
+              <a:rPr lang="en-GB" sz="2400" b="1" dirty="0" smtClean="0"/>
+              <a:t>Platform Orchestrators / Services</a:t>
+            </a:r>
+            <a:endParaRPr lang="en-GB" sz="2400" b="1" dirty="0"/>
+          </a:p>
+        </p:txBody>
+      </p:sp>
+      <p:sp>
+        <p:nvSpPr>
+          <p:cNvPr id="3" name="Espace réservé du contenu 2"/>
+          <p:cNvSpPr>
+            <a:spLocks noGrp="1"/>
+          </p:cNvSpPr>
+          <p:nvPr>
+            <p:ph idx="1"/>
+          </p:nvPr>
+        </p:nvSpPr>
+        <p:spPr>
+          <a:xfrm>
+            <a:off x="457200" y="980728"/>
+            <a:ext cx="8229600" cy="5145435"/>
+          </a:xfrm>
+        </p:spPr>
+        <p:txBody>
+          <a:bodyPr>
+            <a:normAutofit fontScale="85000" lnSpcReduction="10000"/>
+          </a:bodyPr>
+          <a:lstStyle/>
+          <a:p>
+            <a:r>
+              <a:rPr lang="en-GB" sz="2000" dirty="0" smtClean="0"/>
+              <a:t>Platform repartitions</a:t>
+            </a:r>
+          </a:p>
+          <a:p>
+            <a:pPr lvl="1"/>
+            <a:r>
+              <a:rPr lang="en-GB" sz="1600" dirty="0"/>
+              <a:t>Resource : </a:t>
+            </a:r>
+            <a:r>
+              <a:rPr lang="en-GB" sz="1600" dirty="0">
+                <a:hlinkClick r:id="rId2"/>
+              </a:rPr>
+              <a:t>http://www.silicon.fr/conteneurs-plebiscites-docker-leader-inconteste-119810.html?inf_by=59fcd2a2681db87f588b4b04</a:t>
+            </a:r>
+            <a:r>
+              <a:rPr lang="fr-FR" sz="1800" dirty="0"/>
+              <a:t>   22 juin </a:t>
+            </a:r>
+            <a:r>
+              <a:rPr lang="fr-FR" sz="1800" dirty="0" smtClean="0"/>
+              <a:t>2015</a:t>
+            </a:r>
+          </a:p>
+          <a:p>
+            <a:pPr lvl="1"/>
+            <a:endParaRPr lang="fr-FR" sz="1800" dirty="0"/>
+          </a:p>
+          <a:p>
+            <a:pPr lvl="1"/>
+            <a:endParaRPr lang="fr-FR" sz="1800" dirty="0" smtClean="0"/>
+          </a:p>
+          <a:p>
+            <a:pPr lvl="1"/>
+            <a:endParaRPr lang="fr-FR" sz="1800" dirty="0"/>
+          </a:p>
+          <a:p>
+            <a:pPr lvl="1"/>
+            <a:endParaRPr lang="fr-FR" sz="1800" dirty="0" smtClean="0"/>
+          </a:p>
+          <a:p>
+            <a:pPr lvl="1"/>
+            <a:endParaRPr lang="fr-FR" sz="1800" dirty="0"/>
+          </a:p>
+          <a:p>
+            <a:pPr lvl="1"/>
+            <a:endParaRPr lang="fr-FR" sz="1800" dirty="0" smtClean="0"/>
+          </a:p>
+          <a:p>
+            <a:pPr lvl="1"/>
+            <a:endParaRPr lang="fr-FR" sz="1800" dirty="0" smtClean="0"/>
+          </a:p>
+          <a:p>
+            <a:pPr lvl="1"/>
+            <a:endParaRPr lang="fr-FR" sz="1800" dirty="0"/>
+          </a:p>
+          <a:p>
+            <a:pPr lvl="1"/>
+            <a:endParaRPr lang="fr-FR" sz="1800" dirty="0" smtClean="0"/>
+          </a:p>
+          <a:p>
+            <a:pPr lvl="1"/>
+            <a:endParaRPr lang="fr-FR" sz="1800" dirty="0"/>
+          </a:p>
+          <a:p>
+            <a:pPr lvl="1"/>
+            <a:endParaRPr lang="fr-FR" sz="1800" dirty="0" smtClean="0"/>
+          </a:p>
+          <a:p>
+            <a:pPr lvl="1"/>
+            <a:endParaRPr lang="fr-FR" sz="1800" dirty="0"/>
+          </a:p>
+          <a:p>
+            <a:pPr lvl="1"/>
+            <a:r>
+              <a:rPr lang="fr-FR" sz="1800" dirty="0" smtClean="0"/>
+              <a:t>Resource </a:t>
+            </a:r>
+            <a:r>
+              <a:rPr lang="fr-FR" sz="1800" dirty="0"/>
+              <a:t>: </a:t>
+            </a:r>
+            <a:r>
+              <a:rPr lang="fr-FR" sz="1800" dirty="0">
+                <a:hlinkClick r:id="rId3"/>
+              </a:rPr>
+              <a:t>https://</a:t>
+            </a:r>
+            <a:r>
+              <a:rPr lang="fr-FR" sz="1800" dirty="0" smtClean="0">
+                <a:hlinkClick r:id="rId3"/>
+              </a:rPr>
+              <a:t>www.linformaticien.com/actualites/id/45342/docker-rend-les-armes-face-a-kubernetes.aspx</a:t>
+            </a:r>
+            <a:r>
+              <a:rPr lang="fr-FR" sz="1800" dirty="0" smtClean="0"/>
+              <a:t> (17/10/2017)</a:t>
+            </a:r>
+          </a:p>
+          <a:p>
+            <a:pPr marL="457200" lvl="1" indent="0">
+              <a:buNone/>
+            </a:pPr>
+            <a:r>
+              <a:rPr lang="fr-FR" sz="1800" dirty="0"/>
+              <a:t> </a:t>
+            </a:r>
+            <a:r>
+              <a:rPr lang="fr-FR" sz="1800" dirty="0" smtClean="0"/>
+              <a:t>     « </a:t>
+            </a:r>
+            <a:r>
+              <a:rPr lang="fr-FR" sz="1800" dirty="0"/>
+              <a:t>Une étude d’avril dernier réalisée pour le compte de </a:t>
+            </a:r>
+            <a:r>
+              <a:rPr lang="fr-FR" sz="1800" dirty="0" err="1"/>
+              <a:t>Sysdig</a:t>
+            </a:r>
+            <a:r>
+              <a:rPr lang="fr-FR" sz="1800" dirty="0"/>
+              <a:t>, un éditeur de solutions de monitoring des environnements en containers, indiquait que parmi les entreprises ayant déployé des containers, 43 % avaient choisi </a:t>
+            </a:r>
+            <a:r>
+              <a:rPr lang="fr-FR" sz="1800" dirty="0" err="1"/>
+              <a:t>Kubernetes</a:t>
+            </a:r>
+            <a:r>
+              <a:rPr lang="fr-FR" sz="1800" dirty="0"/>
+              <a:t>, 9 % </a:t>
+            </a:r>
+            <a:r>
+              <a:rPr lang="fr-FR" sz="1800" dirty="0" err="1"/>
+              <a:t>Mesos</a:t>
+            </a:r>
+            <a:r>
+              <a:rPr lang="fr-FR" sz="1800" dirty="0"/>
+              <a:t> et 7 % </a:t>
+            </a:r>
+            <a:r>
+              <a:rPr lang="fr-FR" sz="1800" dirty="0" err="1" smtClean="0"/>
+              <a:t>Swarm</a:t>
+            </a:r>
+            <a:r>
+              <a:rPr lang="fr-FR" sz="1800" dirty="0" smtClean="0"/>
+              <a:t> »</a:t>
+            </a:r>
+          </a:p>
+          <a:p>
+            <a:pPr lvl="1"/>
+            <a:endParaRPr lang="en-GB" sz="1800" dirty="0"/>
+          </a:p>
+          <a:p>
+            <a:pPr marL="457200" lvl="1" indent="0">
+              <a:buNone/>
+            </a:pPr>
+            <a:endParaRPr lang="en-GB" sz="1600" dirty="0" smtClean="0"/>
+          </a:p>
+          <a:p>
+            <a:pPr marL="457200" lvl="1" indent="0">
+              <a:buNone/>
+            </a:pPr>
+            <a:endParaRPr lang="en-GB" sz="2000" dirty="0"/>
+          </a:p>
+        </p:txBody>
+      </p:sp>
+      <p:pic>
+        <p:nvPicPr>
+          <p:cNvPr id="2050" name="Picture 2"/>
+          <p:cNvPicPr>
+            <a:picLocks noChangeAspect="1" noChangeArrowheads="1"/>
+          </p:cNvPicPr>
+          <p:nvPr/>
+        </p:nvPicPr>
+        <p:blipFill>
+          <a:blip r:embed="rId4">
+            <a:extLst>
+              <a:ext uri="{28A0092B-C50C-407E-A947-70E740481C1C}">
+                <a14:useLocalDpi xmlns:a14="http://schemas.microsoft.com/office/drawing/2010/main" val="0"/>
+              </a:ext>
+            </a:extLst>
+          </a:blip>
+          <a:srcRect/>
+          <a:stretch>
+            <a:fillRect/>
+          </a:stretch>
+        </p:blipFill>
+        <p:spPr bwMode="auto">
+          <a:xfrm>
+            <a:off x="1259633" y="1700809"/>
+            <a:ext cx="4176463" cy="2547144"/>
+          </a:xfrm>
+          <a:prstGeom prst="rect">
+            <a:avLst/>
+          </a:prstGeom>
+          <a:noFill/>
+          <a:ln>
+            <a:noFill/>
+          </a:ln>
+          <a:extLst>
+            <a:ext uri="{909E8E84-426E-40DD-AFC4-6F175D3DCCD1}">
+              <a14:hiddenFill xmlns:a14="http://schemas.microsoft.com/office/drawing/2010/main">
+                <a:solidFill>
+                  <a:schemeClr val="accent1"/>
+                </a:solidFill>
+              </a14:hiddenFill>
+            </a:ext>
+            <a:ext uri="{91240B29-F687-4F45-9708-019B960494DF}">
+              <a14:hiddenLine xmlns:a14="http://schemas.microsoft.com/office/drawing/2010/main" w="9525">
+                <a:solidFill>
+                  <a:schemeClr val="tx1"/>
+                </a:solidFill>
+                <a:miter lim="800000"/>
+                <a:headEnd/>
+                <a:tailEnd/>
+              </a14:hiddenLine>
+            </a:ext>
+          </a:extLst>
+        </p:spPr>
+      </p:pic>
+    </p:spTree>
+    <p:extLst>
+      <p:ext uri="{BB962C8B-B14F-4D97-AF65-F5344CB8AC3E}">
+        <p14:creationId xmlns:p14="http://schemas.microsoft.com/office/powerpoint/2010/main" val="255936209"/>
+      </p:ext>
+    </p:extLst>
+  </p:cSld>
+  <p:clrMapOvr>
+    <a:masterClrMapping/>
+  </p:clrMapOvr>
+</p:sld>
+</file>
+
+<file path=ppt/slides/slide23.xml><?xml version="1.0" encoding="utf-8"?>
+<p:sld xmlns:a="http://schemas.openxmlformats.org/drawingml/2006/main" xmlns:r="http://schemas.openxmlformats.org/officeDocument/2006/relationships" xmlns:p="http://schemas.openxmlformats.org/presentationml/2006/main">
+  <p:cSld>
+    <p:spTree>
+      <p:nvGrpSpPr>
+        <p:cNvPr id="1" name=""/>
+        <p:cNvGrpSpPr/>
+        <p:nvPr/>
+      </p:nvGrpSpPr>
+      <p:grpSpPr>
+        <a:xfrm>
+          <a:off x="0" y="0"/>
+          <a:ext cx="0" cy="0"/>
+          <a:chOff x="0" y="0"/>
+          <a:chExt cx="0" cy="0"/>
+        </a:xfrm>
+      </p:grpSpPr>
+      <p:sp>
+        <p:nvSpPr>
+          <p:cNvPr id="2" name="Titre 1"/>
+          <p:cNvSpPr>
+            <a:spLocks noGrp="1"/>
+          </p:cNvSpPr>
+          <p:nvPr>
+            <p:ph type="title"/>
+          </p:nvPr>
+        </p:nvSpPr>
+        <p:spPr>
+          <a:xfrm>
+            <a:off x="457200" y="274638"/>
+            <a:ext cx="8229600" cy="490066"/>
+          </a:xfrm>
+        </p:spPr>
+        <p:txBody>
+          <a:bodyPr>
+            <a:normAutofit/>
+          </a:bodyPr>
+          <a:lstStyle/>
+          <a:p>
+            <a:r>
+              <a:rPr lang="en-GB" sz="2400" b="1" dirty="0" err="1" smtClean="0"/>
+              <a:t>Programmation</a:t>
+            </a:r>
+            <a:r>
+              <a:rPr lang="en-GB" sz="2400" b="1" dirty="0" smtClean="0"/>
+              <a:t> </a:t>
+            </a:r>
+            <a:r>
+              <a:rPr lang="en-GB" sz="2400" b="1" dirty="0" err="1" smtClean="0"/>
+              <a:t>Langages</a:t>
+            </a:r>
+            <a:endParaRPr lang="en-GB" sz="2400" b="1" dirty="0"/>
+          </a:p>
+        </p:txBody>
+      </p:sp>
+      <p:sp>
+        <p:nvSpPr>
+          <p:cNvPr id="3" name="Espace réservé du contenu 2"/>
+          <p:cNvSpPr>
+            <a:spLocks noGrp="1"/>
+          </p:cNvSpPr>
+          <p:nvPr>
+            <p:ph idx="1"/>
+          </p:nvPr>
+        </p:nvSpPr>
+        <p:spPr>
+          <a:xfrm>
+            <a:off x="457200" y="980728"/>
+            <a:ext cx="8229600" cy="5145435"/>
+          </a:xfrm>
+        </p:spPr>
+        <p:txBody>
+          <a:bodyPr>
+            <a:normAutofit fontScale="77500" lnSpcReduction="20000"/>
+          </a:bodyPr>
+          <a:lstStyle/>
+          <a:p>
+            <a:r>
+              <a:rPr lang="en-GB" sz="2000" dirty="0" err="1" smtClean="0"/>
+              <a:t>.Net</a:t>
+            </a:r>
+            <a:r>
+              <a:rPr lang="en-GB" sz="2000" dirty="0" smtClean="0"/>
+              <a:t> Framework</a:t>
+            </a:r>
+          </a:p>
+          <a:p>
+            <a:r>
+              <a:rPr lang="en-GB" sz="2000" dirty="0" err="1" smtClean="0"/>
+              <a:t>.Net</a:t>
+            </a:r>
+            <a:r>
+              <a:rPr lang="en-GB" sz="2000" dirty="0" smtClean="0"/>
+              <a:t> Core</a:t>
+            </a:r>
+          </a:p>
+          <a:p>
+            <a:pPr lvl="1"/>
+            <a:r>
+              <a:rPr lang="en-GB" sz="1600" dirty="0">
+                <a:hlinkClick r:id="rId2"/>
+              </a:rPr>
+              <a:t>https://</a:t>
+            </a:r>
+            <a:r>
+              <a:rPr lang="en-GB" sz="1600" dirty="0" smtClean="0">
+                <a:hlinkClick r:id="rId2"/>
+              </a:rPr>
+              <a:t>docs.microsoft.com/en-us/dotnet/standard/choosing-core-framework-server</a:t>
+            </a:r>
+            <a:endParaRPr lang="en-GB" sz="1600" dirty="0" smtClean="0"/>
+          </a:p>
+          <a:p>
+            <a:pPr marL="457200" lvl="1" indent="0">
+              <a:buNone/>
+            </a:pPr>
+            <a:endParaRPr lang="en-GB" sz="1600" dirty="0"/>
+          </a:p>
+          <a:p>
+            <a:pPr lvl="1"/>
+            <a:r>
+              <a:rPr lang="en-US" dirty="0"/>
+              <a:t>Use .NET Core for your server application when</a:t>
+            </a:r>
+            <a:r>
+              <a:rPr lang="en-US" dirty="0" smtClean="0"/>
+              <a:t>: </a:t>
+            </a:r>
+            <a:endParaRPr lang="en-US" dirty="0"/>
+          </a:p>
+          <a:p>
+            <a:pPr lvl="2"/>
+            <a:r>
+              <a:rPr lang="en-US" dirty="0"/>
+              <a:t>You have cross-platform needs.</a:t>
+            </a:r>
+          </a:p>
+          <a:p>
+            <a:pPr lvl="2"/>
+            <a:r>
+              <a:rPr lang="en-US" dirty="0"/>
+              <a:t>You are targeting </a:t>
+            </a:r>
+            <a:r>
+              <a:rPr lang="en-US" dirty="0" err="1"/>
+              <a:t>microservices</a:t>
+            </a:r>
+            <a:r>
+              <a:rPr lang="en-US" dirty="0"/>
+              <a:t>.</a:t>
+            </a:r>
+          </a:p>
+          <a:p>
+            <a:pPr lvl="2"/>
+            <a:r>
+              <a:rPr lang="en-US" dirty="0"/>
+              <a:t>You are using Docker containers.</a:t>
+            </a:r>
+          </a:p>
+          <a:p>
+            <a:pPr lvl="2"/>
+            <a:r>
+              <a:rPr lang="en-US" dirty="0"/>
+              <a:t>You need high-performance and scalable systems.</a:t>
+            </a:r>
+          </a:p>
+          <a:p>
+            <a:pPr lvl="2"/>
+            <a:r>
+              <a:rPr lang="en-US" dirty="0"/>
+              <a:t>You need side-by-side .NET versions per application.</a:t>
+            </a:r>
+          </a:p>
+          <a:p>
+            <a:endParaRPr lang="en-US" dirty="0"/>
+          </a:p>
+          <a:p>
+            <a:pPr lvl="1"/>
+            <a:r>
+              <a:rPr lang="en-US" dirty="0"/>
+              <a:t>Use .NET Framework for your server application when</a:t>
+            </a:r>
+            <a:r>
+              <a:rPr lang="en-US" dirty="0" smtClean="0"/>
+              <a:t>: </a:t>
+            </a:r>
+            <a:endParaRPr lang="en-US" dirty="0"/>
+          </a:p>
+          <a:p>
+            <a:pPr lvl="2"/>
+            <a:r>
+              <a:rPr lang="en-US" dirty="0"/>
+              <a:t>Your app currently uses .NET Framework (recommendation is to extend instead of migrating).</a:t>
+            </a:r>
+          </a:p>
+          <a:p>
+            <a:pPr lvl="2"/>
+            <a:r>
+              <a:rPr lang="en-US" dirty="0"/>
+              <a:t>Your app uses third-party .NET libraries or </a:t>
+            </a:r>
+            <a:r>
+              <a:rPr lang="en-US" dirty="0" err="1"/>
+              <a:t>NuGet</a:t>
+            </a:r>
+            <a:r>
+              <a:rPr lang="en-US" dirty="0"/>
+              <a:t> packages not available for .NET Core.</a:t>
+            </a:r>
+          </a:p>
+          <a:p>
+            <a:pPr lvl="2"/>
+            <a:r>
+              <a:rPr lang="en-US" dirty="0"/>
+              <a:t>Your app uses .NET technologies that aren't available for .NET Core.</a:t>
+            </a:r>
+          </a:p>
+          <a:p>
+            <a:pPr lvl="2"/>
+            <a:r>
+              <a:rPr lang="en-US" dirty="0"/>
+              <a:t>Your app uses a platform that doesn’t support .NET Core.</a:t>
+            </a:r>
+          </a:p>
+          <a:p>
+            <a:pPr marL="457200" lvl="1" indent="0">
+              <a:buNone/>
+            </a:pPr>
+            <a:endParaRPr lang="en-GB" sz="1600" dirty="0" smtClean="0"/>
+          </a:p>
+          <a:p>
+            <a:r>
+              <a:rPr lang="en-GB" sz="2000" dirty="0" smtClean="0"/>
+              <a:t>Java</a:t>
+            </a:r>
+          </a:p>
+          <a:p>
+            <a:r>
+              <a:rPr lang="en-GB" sz="2000" dirty="0" smtClean="0"/>
+              <a:t>Others </a:t>
+            </a:r>
+          </a:p>
+          <a:p>
+            <a:endParaRPr lang="en-GB" sz="2000" dirty="0" smtClean="0"/>
+          </a:p>
+          <a:p>
+            <a:pPr lvl="1"/>
+            <a:endParaRPr lang="en-GB" sz="1600" dirty="0" smtClean="0"/>
+          </a:p>
+          <a:p>
+            <a:pPr marL="457200" lvl="1" indent="0">
+              <a:buNone/>
+            </a:pPr>
+            <a:endParaRPr lang="en-GB" sz="2000" dirty="0"/>
+          </a:p>
+        </p:txBody>
+      </p:sp>
+    </p:spTree>
+    <p:extLst>
+      <p:ext uri="{BB962C8B-B14F-4D97-AF65-F5344CB8AC3E}">
+        <p14:creationId xmlns:p14="http://schemas.microsoft.com/office/powerpoint/2010/main" val="4062880136"/>
+      </p:ext>
+    </p:extLst>
+  </p:cSld>
+  <p:clrMapOvr>
+    <a:masterClrMapping/>
+  </p:clrMapOvr>
+</p:sld>
+</file>
+
+<file path=ppt/slides/slide24.xml><?xml version="1.0" encoding="utf-8"?>
+<p:sld xmlns:a="http://schemas.openxmlformats.org/drawingml/2006/main" xmlns:r="http://schemas.openxmlformats.org/officeDocument/2006/relationships" xmlns:p="http://schemas.openxmlformats.org/presentationml/2006/main">
+  <p:cSld>
+    <p:spTree>
+      <p:nvGrpSpPr>
+        <p:cNvPr id="1" name=""/>
+        <p:cNvGrpSpPr/>
+        <p:nvPr/>
+      </p:nvGrpSpPr>
+      <p:grpSpPr>
+        <a:xfrm>
+          <a:off x="0" y="0"/>
+          <a:ext cx="0" cy="0"/>
+          <a:chOff x="0" y="0"/>
+          <a:chExt cx="0" cy="0"/>
+        </a:xfrm>
+      </p:grpSpPr>
+      <p:sp>
+        <p:nvSpPr>
+          <p:cNvPr id="2" name="Titre 1"/>
+          <p:cNvSpPr>
+            <a:spLocks noGrp="1"/>
+          </p:cNvSpPr>
+          <p:nvPr>
+            <p:ph type="title"/>
+          </p:nvPr>
+        </p:nvSpPr>
+        <p:spPr>
+          <a:xfrm>
+            <a:off x="457200" y="274638"/>
+            <a:ext cx="8229600" cy="490066"/>
+          </a:xfrm>
+        </p:spPr>
+        <p:txBody>
+          <a:bodyPr>
+            <a:normAutofit/>
+          </a:bodyPr>
+          <a:lstStyle/>
+          <a:p>
+            <a:r>
+              <a:rPr lang="en-GB" sz="2400" b="1" dirty="0" err="1" smtClean="0"/>
+              <a:t>.Net</a:t>
+            </a:r>
+            <a:r>
+              <a:rPr lang="en-GB" sz="2400" b="1" dirty="0" smtClean="0"/>
+              <a:t> Core</a:t>
+            </a:r>
+            <a:endParaRPr lang="en-GB" sz="2400" b="1" dirty="0"/>
+          </a:p>
+        </p:txBody>
+      </p:sp>
+      <p:sp>
+        <p:nvSpPr>
+          <p:cNvPr id="3" name="Espace réservé du contenu 2"/>
+          <p:cNvSpPr>
+            <a:spLocks noGrp="1"/>
+          </p:cNvSpPr>
+          <p:nvPr>
+            <p:ph idx="1"/>
+          </p:nvPr>
+        </p:nvSpPr>
+        <p:spPr>
+          <a:xfrm>
+            <a:off x="457200" y="980728"/>
+            <a:ext cx="8229600" cy="5145435"/>
+          </a:xfrm>
+        </p:spPr>
+        <p:txBody>
+          <a:bodyPr>
+            <a:normAutofit/>
+          </a:bodyPr>
+          <a:lstStyle/>
+          <a:p>
+            <a:r>
+              <a:rPr lang="en-GB" sz="2000" dirty="0" err="1" smtClean="0"/>
+              <a:t>.Net</a:t>
+            </a:r>
+            <a:r>
+              <a:rPr lang="en-GB" sz="2000" dirty="0" smtClean="0"/>
+              <a:t> Core Supported Interfaces</a:t>
+            </a:r>
+          </a:p>
+          <a:p>
+            <a:pPr lvl="1"/>
+            <a:r>
+              <a:rPr lang="en-GB" sz="1600" dirty="0"/>
+              <a:t>Oracle : </a:t>
+            </a:r>
+            <a:r>
+              <a:rPr lang="en-GB" sz="1600" dirty="0">
+                <a:hlinkClick r:id="rId2"/>
+              </a:rPr>
+              <a:t>http://</a:t>
+            </a:r>
+            <a:r>
+              <a:rPr lang="en-GB" sz="1600" dirty="0" smtClean="0">
+                <a:hlinkClick r:id="rId2"/>
+              </a:rPr>
+              <a:t>www.oracle.com/technetwork/topics/dotnet/tech-info/odpnet-dotnet-core-sod-3628981.pdf</a:t>
+            </a:r>
+            <a:r>
+              <a:rPr lang="en-GB" sz="1600" dirty="0" smtClean="0"/>
+              <a:t> : Only </a:t>
+            </a:r>
+            <a:r>
+              <a:rPr lang="en-GB" sz="1600" smtClean="0"/>
+              <a:t>Managed drivers</a:t>
+            </a:r>
+            <a:endParaRPr lang="en-GB" sz="1600" dirty="0" smtClean="0"/>
+          </a:p>
+          <a:p>
+            <a:pPr marL="457200" lvl="1" indent="0">
+              <a:buNone/>
+            </a:pPr>
+            <a:r>
+              <a:rPr lang="en-GB" sz="1600" dirty="0" smtClean="0"/>
+              <a:t>      </a:t>
+            </a:r>
+            <a:r>
+              <a:rPr lang="en-GB" sz="1600" dirty="0"/>
+              <a:t>	</a:t>
+            </a:r>
+            <a:endParaRPr lang="en-GB" sz="1600" dirty="0" smtClean="0"/>
+          </a:p>
+          <a:p>
+            <a:r>
+              <a:rPr lang="en-GB" sz="2000" dirty="0" err="1"/>
+              <a:t>.Net</a:t>
+            </a:r>
+            <a:r>
+              <a:rPr lang="en-GB" sz="2000" dirty="0"/>
+              <a:t> Core </a:t>
+            </a:r>
+            <a:r>
+              <a:rPr lang="en-GB" sz="2000" dirty="0" smtClean="0"/>
+              <a:t>Not Supported </a:t>
+            </a:r>
+            <a:r>
+              <a:rPr lang="en-GB" sz="2000" dirty="0"/>
+              <a:t>Interfaces</a:t>
+            </a:r>
+          </a:p>
+          <a:p>
+            <a:pPr lvl="1"/>
+            <a:r>
+              <a:rPr lang="en-GB" sz="1600" dirty="0" smtClean="0"/>
+              <a:t>IBM MQ : check version 9.0.x</a:t>
+            </a:r>
+          </a:p>
+          <a:p>
+            <a:endParaRPr lang="en-GB" sz="2000" dirty="0" smtClean="0"/>
+          </a:p>
+          <a:p>
+            <a:endParaRPr lang="en-GB" sz="2000" dirty="0" smtClean="0"/>
+          </a:p>
+          <a:p>
+            <a:pPr lvl="1"/>
+            <a:endParaRPr lang="en-GB" sz="1600" dirty="0" smtClean="0"/>
+          </a:p>
+          <a:p>
+            <a:pPr marL="457200" lvl="1" indent="0">
+              <a:buNone/>
+            </a:pPr>
+            <a:endParaRPr lang="en-GB" sz="2000" dirty="0"/>
+          </a:p>
+        </p:txBody>
+      </p:sp>
+    </p:spTree>
+    <p:extLst>
+      <p:ext uri="{BB962C8B-B14F-4D97-AF65-F5344CB8AC3E}">
+        <p14:creationId xmlns:p14="http://schemas.microsoft.com/office/powerpoint/2010/main" val="3140253936"/>
+      </p:ext>
+    </p:extLst>
+  </p:cSld>
+  <p:clrMapOvr>
+    <a:masterClrMapping/>
+  </p:clrMapOvr>
+</p:sld>
+</file>
+
+<file path=ppt/slides/slide25.xml><?xml version="1.0" encoding="utf-8"?>
+<p:sld xmlns:a="http://schemas.openxmlformats.org/drawingml/2006/main" xmlns:r="http://schemas.openxmlformats.org/officeDocument/2006/relationships" xmlns:p="http://schemas.openxmlformats.org/presentationml/2006/main">
+  <p:cSld>
+    <p:spTree>
+      <p:nvGrpSpPr>
+        <p:cNvPr id="1" name=""/>
+        <p:cNvGrpSpPr/>
+        <p:nvPr/>
+      </p:nvGrpSpPr>
+      <p:grpSpPr>
+        <a:xfrm>
+          <a:off x="0" y="0"/>
+          <a:ext cx="0" cy="0"/>
+          <a:chOff x="0" y="0"/>
+          <a:chExt cx="0" cy="0"/>
+        </a:xfrm>
+      </p:grpSpPr>
+      <p:sp>
+        <p:nvSpPr>
+          <p:cNvPr id="2" name="Titre 1"/>
+          <p:cNvSpPr>
+            <a:spLocks noGrp="1"/>
+          </p:cNvSpPr>
+          <p:nvPr>
+            <p:ph type="title"/>
+          </p:nvPr>
+        </p:nvSpPr>
+        <p:spPr>
+          <a:xfrm>
+            <a:off x="457200" y="274638"/>
+            <a:ext cx="8229600" cy="490066"/>
+          </a:xfrm>
+        </p:spPr>
+        <p:txBody>
+          <a:bodyPr>
+            <a:normAutofit/>
+          </a:bodyPr>
+          <a:lstStyle/>
+          <a:p>
+            <a:r>
+              <a:rPr lang="fr-FR" sz="2400" b="1" dirty="0" err="1" smtClean="0"/>
+              <a:t>Resources</a:t>
+            </a:r>
+            <a:endParaRPr lang="fr-FR" sz="2400" b="1" dirty="0"/>
+          </a:p>
+        </p:txBody>
+      </p:sp>
+      <p:sp>
+        <p:nvSpPr>
+          <p:cNvPr id="3" name="Espace réservé du contenu 2"/>
+          <p:cNvSpPr>
+            <a:spLocks noGrp="1"/>
+          </p:cNvSpPr>
+          <p:nvPr>
+            <p:ph idx="1"/>
+          </p:nvPr>
+        </p:nvSpPr>
+        <p:spPr>
+          <a:xfrm>
+            <a:off x="457200" y="980728"/>
+            <a:ext cx="8229600" cy="5145435"/>
+          </a:xfrm>
+        </p:spPr>
+        <p:txBody>
+          <a:bodyPr>
+            <a:normAutofit/>
+          </a:bodyPr>
+          <a:lstStyle/>
+          <a:p>
+            <a:r>
+              <a:rPr lang="fr-FR" sz="2000" dirty="0" smtClean="0"/>
+              <a:t>Gartner </a:t>
+            </a:r>
+            <a:r>
+              <a:rPr lang="fr-FR" sz="2000" dirty="0" smtClean="0"/>
+              <a:t>:</a:t>
+            </a:r>
+          </a:p>
+          <a:p>
+            <a:pPr lvl="1"/>
+            <a:r>
+              <a:rPr lang="fr-FR" sz="1600" dirty="0">
+                <a:hlinkClick r:id="rId2"/>
+              </a:rPr>
+              <a:t>https://</a:t>
+            </a:r>
+            <a:r>
+              <a:rPr lang="fr-FR" sz="1600" dirty="0" smtClean="0">
+                <a:hlinkClick r:id="rId2"/>
+              </a:rPr>
+              <a:t>www.gartner.com/doc/3574617/assessing-docker-containers-software-delivery</a:t>
+            </a:r>
+            <a:endParaRPr lang="fr-FR" sz="1600" dirty="0" smtClean="0"/>
+          </a:p>
+          <a:p>
+            <a:pPr lvl="1"/>
+            <a:r>
+              <a:rPr lang="fr-FR" sz="1600" dirty="0">
+                <a:hlinkClick r:id="rId3"/>
+              </a:rPr>
+              <a:t>https://</a:t>
+            </a:r>
+            <a:r>
+              <a:rPr lang="fr-FR" sz="1600" dirty="0" smtClean="0">
+                <a:hlinkClick r:id="rId3"/>
+              </a:rPr>
+              <a:t>www.gartner.com/doc/3512817/need-know-docker-containers</a:t>
+            </a:r>
+            <a:endParaRPr lang="fr-FR" sz="1600" dirty="0" smtClean="0"/>
+          </a:p>
+          <a:p>
+            <a:pPr lvl="1"/>
+            <a:endParaRPr lang="fr-FR" sz="1600" dirty="0" smtClean="0"/>
+          </a:p>
+          <a:p>
+            <a:pPr lvl="1"/>
+            <a:endParaRPr lang="fr-FR" sz="1600" dirty="0" smtClean="0"/>
+          </a:p>
+          <a:p>
+            <a:endParaRPr lang="fr-FR" sz="2000" dirty="0" smtClean="0"/>
+          </a:p>
+          <a:p>
+            <a:pPr lvl="1"/>
+            <a:endParaRPr lang="fr-FR" sz="1600" dirty="0" smtClean="0"/>
+          </a:p>
+          <a:p>
+            <a:pPr marL="457200" lvl="1" indent="0">
+              <a:buNone/>
+            </a:pPr>
+            <a:endParaRPr lang="fr-FR" sz="2000" dirty="0"/>
+          </a:p>
+        </p:txBody>
+      </p:sp>
+    </p:spTree>
+    <p:extLst>
+      <p:ext uri="{BB962C8B-B14F-4D97-AF65-F5344CB8AC3E}">
+        <p14:creationId xmlns:p14="http://schemas.microsoft.com/office/powerpoint/2010/main" val="3925886425"/>
+      </p:ext>
+    </p:extLst>
+  </p:cSld>
+  <p:clrMapOvr>
+    <a:masterClrMapping/>
+  </p:clrMapOvr>
+</p:sld>
+</file>
+
+<file path=ppt/slides/slide3.xml><?xml version="1.0" encoding="utf-8"?>
+<p:sld xmlns:a="http://schemas.openxmlformats.org/drawingml/2006/main" xmlns:r="http://schemas.openxmlformats.org/officeDocument/2006/relationships" xmlns:p="http://schemas.openxmlformats.org/presentationml/2006/main">
+  <p:cSld>
+    <p:spTree>
+      <p:nvGrpSpPr>
+        <p:cNvPr id="1" name=""/>
+        <p:cNvGrpSpPr/>
+        <p:nvPr/>
+      </p:nvGrpSpPr>
+      <p:grpSpPr>
+        <a:xfrm>
+          <a:off x="0" y="0"/>
+          <a:ext cx="0" cy="0"/>
+          <a:chOff x="0" y="0"/>
+          <a:chExt cx="0" cy="0"/>
+        </a:xfrm>
+      </p:grpSpPr>
+      <p:sp>
+        <p:nvSpPr>
+          <p:cNvPr id="2" name="Titre 1"/>
+          <p:cNvSpPr>
+            <a:spLocks noGrp="1"/>
+          </p:cNvSpPr>
+          <p:nvPr>
+            <p:ph type="title"/>
+          </p:nvPr>
+        </p:nvSpPr>
+        <p:spPr/>
+        <p:txBody>
+          <a:bodyPr>
+            <a:normAutofit fontScale="90000"/>
+          </a:bodyPr>
+          <a:lstStyle/>
+          <a:p>
+            <a:r>
+              <a:rPr lang="fr-FR" dirty="0" smtClean="0"/>
+              <a:t>Objectifs du document</a:t>
+            </a:r>
+            <a:endParaRPr lang="fr-FR" dirty="0"/>
+          </a:p>
+        </p:txBody>
+      </p:sp>
+      <p:sp>
+        <p:nvSpPr>
+          <p:cNvPr id="3" name="Espace réservé du contenu 2"/>
+          <p:cNvSpPr>
+            <a:spLocks noGrp="1"/>
+          </p:cNvSpPr>
+          <p:nvPr>
+            <p:ph idx="1"/>
+          </p:nvPr>
+        </p:nvSpPr>
+        <p:spPr/>
+        <p:txBody>
+          <a:bodyPr>
+            <a:normAutofit/>
+          </a:bodyPr>
+          <a:lstStyle/>
+          <a:p>
+            <a:r>
+              <a:rPr lang="fr-FR" dirty="0" smtClean="0"/>
+              <a:t>Passer en revue les topics liés à la containérisation</a:t>
+            </a:r>
+          </a:p>
+          <a:p>
+            <a:r>
+              <a:rPr lang="fr-FR" dirty="0" smtClean="0"/>
+              <a:t>Sélection des topics à inclure dans l’étude</a:t>
+            </a:r>
+          </a:p>
+          <a:p>
+            <a:r>
+              <a:rPr lang="fr-FR" dirty="0" smtClean="0"/>
+              <a:t>Mettre une priorité :</a:t>
+            </a:r>
+          </a:p>
+          <a:p>
+            <a:pPr lvl="1"/>
+            <a:r>
+              <a:rPr lang="fr-FR" dirty="0" smtClean="0"/>
+              <a:t>Importante, moyenne, faible</a:t>
+            </a:r>
+            <a:endParaRPr lang="fr-FR" dirty="0"/>
+          </a:p>
+          <a:p>
+            <a:pPr lvl="1"/>
+            <a:endParaRPr lang="fr-FR" dirty="0" smtClean="0"/>
+          </a:p>
+        </p:txBody>
+      </p:sp>
+    </p:spTree>
+    <p:extLst>
+      <p:ext uri="{BB962C8B-B14F-4D97-AF65-F5344CB8AC3E}">
+        <p14:creationId xmlns:p14="http://schemas.microsoft.com/office/powerpoint/2010/main" val="35213746"/>
+      </p:ext>
+    </p:extLst>
+  </p:cSld>
+  <p:clrMapOvr>
+    <a:masterClrMapping/>
+  </p:clrMapOvr>
+</p:sld>
+</file>
+
+<file path=ppt/slides/slide4.xml><?xml version="1.0" encoding="utf-8"?>
+<p:sld xmlns:a="http://schemas.openxmlformats.org/drawingml/2006/main" xmlns:r="http://schemas.openxmlformats.org/officeDocument/2006/relationships" xmlns:p="http://schemas.openxmlformats.org/presentationml/2006/main">
+  <p:cSld>
+    <p:spTree>
+      <p:nvGrpSpPr>
+        <p:cNvPr id="1" name=""/>
+        <p:cNvGrpSpPr/>
+        <p:nvPr/>
+      </p:nvGrpSpPr>
+      <p:grpSpPr>
+        <a:xfrm>
+          <a:off x="0" y="0"/>
+          <a:ext cx="0" cy="0"/>
+          <a:chOff x="0" y="0"/>
+          <a:chExt cx="0" cy="0"/>
+        </a:xfrm>
+      </p:grpSpPr>
+      <p:sp>
+        <p:nvSpPr>
+          <p:cNvPr id="2" name="Titre 1"/>
+          <p:cNvSpPr>
+            <a:spLocks noGrp="1"/>
+          </p:cNvSpPr>
+          <p:nvPr>
+            <p:ph type="title"/>
+          </p:nvPr>
+        </p:nvSpPr>
+        <p:spPr/>
+        <p:txBody>
+          <a:bodyPr>
+            <a:normAutofit fontScale="90000"/>
+          </a:bodyPr>
+          <a:lstStyle/>
+          <a:p>
+            <a:r>
+              <a:rPr lang="fr-FR" dirty="0" smtClean="0"/>
+              <a:t>Sommaire</a:t>
+            </a:r>
+            <a:endParaRPr lang="fr-FR" dirty="0"/>
+          </a:p>
+        </p:txBody>
+      </p:sp>
+      <p:sp>
+        <p:nvSpPr>
+          <p:cNvPr id="3" name="Espace réservé du contenu 2"/>
+          <p:cNvSpPr>
+            <a:spLocks noGrp="1"/>
+          </p:cNvSpPr>
+          <p:nvPr>
+            <p:ph idx="1"/>
+          </p:nvPr>
+        </p:nvSpPr>
+        <p:spPr/>
+        <p:txBody>
+          <a:bodyPr>
+            <a:normAutofit/>
+          </a:bodyPr>
+          <a:lstStyle/>
+          <a:p>
+            <a:r>
+              <a:rPr lang="fr-FR" dirty="0" smtClean="0"/>
+              <a:t>Micro service</a:t>
+            </a:r>
+          </a:p>
+          <a:p>
+            <a:r>
+              <a:rPr lang="fr-FR" dirty="0" smtClean="0"/>
+              <a:t>Docker</a:t>
+            </a:r>
+          </a:p>
+          <a:p>
+            <a:r>
+              <a:rPr lang="fr-FR" dirty="0" smtClean="0"/>
+              <a:t>Application cibles</a:t>
+            </a:r>
+          </a:p>
+          <a:p>
+            <a:r>
+              <a:rPr lang="fr-FR" dirty="0" smtClean="0"/>
+              <a:t>Application développement</a:t>
+            </a:r>
+          </a:p>
+          <a:p>
+            <a:r>
+              <a:rPr lang="fr-FR" dirty="0" smtClean="0"/>
+              <a:t>Plateforme d’exécution</a:t>
+            </a:r>
+          </a:p>
+          <a:p>
+            <a:r>
+              <a:rPr lang="fr-FR" dirty="0" smtClean="0"/>
+              <a:t>Architecture</a:t>
+            </a:r>
+          </a:p>
+          <a:p>
+            <a:r>
+              <a:rPr lang="fr-FR" dirty="0" smtClean="0"/>
+              <a:t>Sécurité</a:t>
+            </a:r>
+          </a:p>
+          <a:p>
+            <a:endParaRPr lang="fr-FR" dirty="0"/>
+          </a:p>
+          <a:p>
+            <a:pPr lvl="1"/>
+            <a:endParaRPr lang="fr-FR" dirty="0" smtClean="0"/>
+          </a:p>
+        </p:txBody>
+      </p:sp>
+    </p:spTree>
+    <p:extLst>
+      <p:ext uri="{BB962C8B-B14F-4D97-AF65-F5344CB8AC3E}">
+        <p14:creationId xmlns:p14="http://schemas.microsoft.com/office/powerpoint/2010/main" val="4037784113"/>
+      </p:ext>
+    </p:extLst>
+  </p:cSld>
+  <p:clrMapOvr>
+    <a:masterClrMapping/>
+  </p:clrMapOvr>
+</p:sld>
+</file>
+
+<file path=ppt/slides/slide5.xml><?xml version="1.0" encoding="utf-8"?>
+<p:sld xmlns:a="http://schemas.openxmlformats.org/drawingml/2006/main" xmlns:r="http://schemas.openxmlformats.org/officeDocument/2006/relationships" xmlns:p="http://schemas.openxmlformats.org/presentationml/2006/main">
+  <p:cSld>
+    <p:spTree>
+      <p:nvGrpSpPr>
+        <p:cNvPr id="1" name=""/>
+        <p:cNvGrpSpPr/>
+        <p:nvPr/>
+      </p:nvGrpSpPr>
+      <p:grpSpPr>
+        <a:xfrm>
+          <a:off x="0" y="0"/>
+          <a:ext cx="0" cy="0"/>
+          <a:chOff x="0" y="0"/>
+          <a:chExt cx="0" cy="0"/>
+        </a:xfrm>
+      </p:grpSpPr>
+      <p:sp>
+        <p:nvSpPr>
+          <p:cNvPr id="2" name="Titre 1"/>
+          <p:cNvSpPr>
+            <a:spLocks noGrp="1"/>
+          </p:cNvSpPr>
+          <p:nvPr>
+            <p:ph type="title"/>
+          </p:nvPr>
+        </p:nvSpPr>
+        <p:spPr/>
+        <p:txBody>
+          <a:bodyPr>
+            <a:normAutofit fontScale="90000"/>
+          </a:bodyPr>
+          <a:lstStyle/>
+          <a:p>
+            <a:r>
+              <a:rPr lang="fr-FR" dirty="0" smtClean="0"/>
+              <a:t>Micro service</a:t>
+            </a:r>
+            <a:endParaRPr lang="fr-FR" dirty="0"/>
+          </a:p>
+        </p:txBody>
+      </p:sp>
+      <p:sp>
+        <p:nvSpPr>
+          <p:cNvPr id="3" name="Espace réservé du contenu 2"/>
+          <p:cNvSpPr>
+            <a:spLocks noGrp="1"/>
+          </p:cNvSpPr>
+          <p:nvPr>
+            <p:ph idx="1"/>
+          </p:nvPr>
+        </p:nvSpPr>
+        <p:spPr/>
+        <p:txBody>
+          <a:bodyPr>
+            <a:normAutofit fontScale="62500" lnSpcReduction="20000"/>
+          </a:bodyPr>
+          <a:lstStyle/>
+          <a:p>
+            <a:r>
+              <a:rPr lang="fr-FR" dirty="0" smtClean="0"/>
+              <a:t>Pourquoi </a:t>
+            </a:r>
+          </a:p>
+          <a:p>
+            <a:pPr lvl="1"/>
+            <a:r>
+              <a:rPr lang="fr-FR" dirty="0" smtClean="0"/>
+              <a:t>Container </a:t>
+            </a:r>
+            <a:r>
+              <a:rPr lang="fr-FR" dirty="0" smtClean="0"/>
+              <a:t>souvent associé à </a:t>
+            </a:r>
+            <a:r>
+              <a:rPr lang="fr-FR" dirty="0" smtClean="0"/>
+              <a:t>Architecture micro </a:t>
+            </a:r>
+            <a:r>
+              <a:rPr lang="fr-FR" dirty="0" smtClean="0"/>
+              <a:t>services</a:t>
+            </a:r>
+            <a:endParaRPr lang="fr-FR" dirty="0" smtClean="0"/>
+          </a:p>
+          <a:p>
+            <a:pPr lvl="1"/>
+            <a:r>
+              <a:rPr lang="fr-FR" dirty="0" smtClean="0"/>
+              <a:t>Stratégie digitale = Services Métiers = Micro Services</a:t>
+            </a:r>
+          </a:p>
+          <a:p>
+            <a:pPr lvl="1"/>
+            <a:r>
+              <a:rPr lang="fr-FR" dirty="0" smtClean="0"/>
+              <a:t>Etude = Container ou plateforme micro service</a:t>
+            </a:r>
+          </a:p>
+          <a:p>
+            <a:pPr lvl="1"/>
+            <a:r>
+              <a:rPr lang="fr-FR" dirty="0" smtClean="0"/>
+              <a:t>Architecture cible = use case de validation</a:t>
+            </a:r>
+          </a:p>
+          <a:p>
+            <a:pPr marL="393192" lvl="1" indent="0">
+              <a:buNone/>
+            </a:pPr>
+            <a:endParaRPr lang="fr-FR" dirty="0" smtClean="0"/>
+          </a:p>
+          <a:p>
+            <a:r>
+              <a:rPr lang="fr-FR" dirty="0" smtClean="0"/>
+              <a:t>Les points à estimer</a:t>
+            </a:r>
+          </a:p>
+          <a:p>
+            <a:pPr lvl="1"/>
+            <a:r>
+              <a:rPr lang="fr-FR" dirty="0" smtClean="0"/>
+              <a:t>Architecture cible de nos futurs développements</a:t>
+            </a:r>
+          </a:p>
+          <a:p>
+            <a:pPr lvl="2"/>
+            <a:r>
+              <a:rPr lang="fr-FR" dirty="0" smtClean="0"/>
+              <a:t>Patterns pour les micro services</a:t>
+            </a:r>
+          </a:p>
+          <a:p>
+            <a:pPr lvl="2"/>
+            <a:r>
+              <a:rPr lang="fr-FR" dirty="0" smtClean="0"/>
+              <a:t>Intégration avec le </a:t>
+            </a:r>
+            <a:r>
+              <a:rPr lang="fr-FR" dirty="0" err="1" smtClean="0"/>
+              <a:t>Legacy</a:t>
+            </a:r>
+            <a:endParaRPr lang="fr-FR" dirty="0" smtClean="0"/>
+          </a:p>
+          <a:p>
+            <a:pPr lvl="1"/>
+            <a:r>
+              <a:rPr lang="fr-FR" dirty="0" smtClean="0"/>
+              <a:t>SLA</a:t>
+            </a:r>
+          </a:p>
+          <a:p>
+            <a:pPr lvl="2"/>
+            <a:r>
+              <a:rPr lang="fr-FR" dirty="0" smtClean="0"/>
+              <a:t>Back-end </a:t>
+            </a:r>
+            <a:r>
+              <a:rPr lang="fr-FR" dirty="0" err="1" smtClean="0"/>
+              <a:t>Strategy</a:t>
+            </a:r>
+            <a:r>
+              <a:rPr lang="fr-FR" dirty="0" smtClean="0"/>
+              <a:t> </a:t>
+            </a:r>
+          </a:p>
+          <a:p>
+            <a:pPr lvl="2"/>
+            <a:r>
+              <a:rPr lang="fr-FR" dirty="0" err="1" smtClean="0"/>
+              <a:t>Database</a:t>
+            </a:r>
+            <a:r>
+              <a:rPr lang="fr-FR" dirty="0" smtClean="0"/>
+              <a:t> </a:t>
+            </a:r>
+            <a:r>
+              <a:rPr lang="fr-FR" dirty="0" err="1" smtClean="0"/>
+              <a:t>Strategy</a:t>
+            </a:r>
+            <a:endParaRPr lang="fr-FR" dirty="0"/>
+          </a:p>
+          <a:p>
+            <a:pPr lvl="1"/>
+            <a:r>
+              <a:rPr lang="fr-FR" dirty="0" smtClean="0"/>
+              <a:t>Security</a:t>
+            </a:r>
+          </a:p>
+          <a:p>
+            <a:pPr lvl="2"/>
+            <a:r>
+              <a:rPr lang="fr-FR" dirty="0" smtClean="0"/>
+              <a:t>Exposition Internet / Extranet</a:t>
+            </a:r>
+          </a:p>
+          <a:p>
+            <a:pPr lvl="2"/>
+            <a:r>
+              <a:rPr lang="fr-FR" dirty="0" smtClean="0"/>
+              <a:t>Donnée secrètes / confidentielles</a:t>
+            </a:r>
+          </a:p>
+          <a:p>
+            <a:pPr lvl="2"/>
+            <a:r>
+              <a:rPr lang="fr-FR" dirty="0" smtClean="0"/>
+              <a:t>Données localisées</a:t>
+            </a:r>
+          </a:p>
+          <a:p>
+            <a:pPr lvl="1"/>
+            <a:endParaRPr lang="fr-FR" dirty="0" smtClean="0"/>
+          </a:p>
+          <a:p>
+            <a:r>
+              <a:rPr lang="fr-FR" dirty="0" smtClean="0"/>
+              <a:t>Les problèmes</a:t>
+            </a:r>
+            <a:endParaRPr lang="fr-FR" dirty="0" smtClean="0"/>
+          </a:p>
+          <a:p>
+            <a:pPr lvl="1"/>
+            <a:r>
+              <a:rPr lang="fr-FR" dirty="0" smtClean="0"/>
+              <a:t>Développement déjà en cours</a:t>
+            </a:r>
+            <a:endParaRPr lang="fr-FR" dirty="0" smtClean="0"/>
+          </a:p>
+          <a:p>
+            <a:pPr lvl="1"/>
+            <a:r>
+              <a:rPr lang="fr-FR" dirty="0" smtClean="0"/>
+              <a:t>Pas de Solution Architect</a:t>
+            </a:r>
+            <a:endParaRPr lang="fr-FR" dirty="0" smtClean="0"/>
+          </a:p>
+          <a:p>
+            <a:endParaRPr lang="fr-FR" dirty="0" smtClean="0"/>
+          </a:p>
+          <a:p>
+            <a:pPr lvl="1"/>
+            <a:endParaRPr lang="fr-FR" dirty="0"/>
+          </a:p>
+          <a:p>
+            <a:pPr lvl="1"/>
+            <a:endParaRPr lang="fr-FR" dirty="0" smtClean="0"/>
+          </a:p>
+        </p:txBody>
+      </p:sp>
+    </p:spTree>
+    <p:extLst>
+      <p:ext uri="{BB962C8B-B14F-4D97-AF65-F5344CB8AC3E}">
+        <p14:creationId xmlns:p14="http://schemas.microsoft.com/office/powerpoint/2010/main" val="158660815"/>
+      </p:ext>
+    </p:extLst>
+  </p:cSld>
+  <p:clrMapOvr>
+    <a:masterClrMapping/>
+  </p:clrMapOvr>
+</p:sld>
+</file>
+
+<file path=ppt/slides/slide6.xml><?xml version="1.0" encoding="utf-8"?>
+<p:sld xmlns:a="http://schemas.openxmlformats.org/drawingml/2006/main" xmlns:r="http://schemas.openxmlformats.org/officeDocument/2006/relationships" xmlns:p="http://schemas.openxmlformats.org/presentationml/2006/main">
+  <p:cSld>
+    <p:spTree>
+      <p:nvGrpSpPr>
+        <p:cNvPr id="1" name=""/>
+        <p:cNvGrpSpPr/>
+        <p:nvPr/>
+      </p:nvGrpSpPr>
+      <p:grpSpPr>
+        <a:xfrm>
+          <a:off x="0" y="0"/>
+          <a:ext cx="0" cy="0"/>
+          <a:chOff x="0" y="0"/>
+          <a:chExt cx="0" cy="0"/>
+        </a:xfrm>
+      </p:grpSpPr>
+      <p:sp>
+        <p:nvSpPr>
+          <p:cNvPr id="2" name="Titre 1"/>
+          <p:cNvSpPr>
+            <a:spLocks noGrp="1"/>
+          </p:cNvSpPr>
+          <p:nvPr>
+            <p:ph type="title"/>
+          </p:nvPr>
+        </p:nvSpPr>
+        <p:spPr/>
+        <p:txBody>
+          <a:bodyPr>
+            <a:normAutofit fontScale="90000"/>
+          </a:bodyPr>
+          <a:lstStyle/>
+          <a:p>
+            <a:r>
+              <a:rPr lang="fr-FR" dirty="0" err="1" smtClean="0"/>
+              <a:t>Strategy</a:t>
+            </a:r>
+            <a:endParaRPr lang="fr-FR" dirty="0"/>
+          </a:p>
+        </p:txBody>
+      </p:sp>
+      <p:sp>
+        <p:nvSpPr>
+          <p:cNvPr id="3" name="Espace réservé du contenu 2"/>
+          <p:cNvSpPr>
+            <a:spLocks noGrp="1"/>
+          </p:cNvSpPr>
+          <p:nvPr>
+            <p:ph idx="1"/>
+          </p:nvPr>
+        </p:nvSpPr>
+        <p:spPr/>
+        <p:txBody>
+          <a:bodyPr>
+            <a:normAutofit/>
+          </a:bodyPr>
+          <a:lstStyle/>
+          <a:p>
+            <a:r>
+              <a:rPr lang="fr-FR" dirty="0" smtClean="0"/>
+              <a:t>Pourquoi </a:t>
+            </a:r>
+          </a:p>
+          <a:p>
+            <a:pPr lvl="1"/>
+            <a:r>
+              <a:rPr lang="fr-FR" dirty="0" smtClean="0"/>
+              <a:t>Connaître la couverture à étudier / valider</a:t>
+            </a:r>
+          </a:p>
+          <a:p>
+            <a:pPr lvl="1"/>
+            <a:r>
+              <a:rPr lang="fr-FR" dirty="0" smtClean="0"/>
+              <a:t>Etude centrée docker ou plus globale PAAS</a:t>
+            </a:r>
+          </a:p>
+          <a:p>
+            <a:pPr marL="393192" lvl="1" indent="0">
+              <a:buNone/>
+            </a:pPr>
+            <a:endParaRPr lang="fr-FR" dirty="0" smtClean="0"/>
+          </a:p>
+          <a:p>
+            <a:r>
+              <a:rPr lang="fr-FR" dirty="0" smtClean="0"/>
+              <a:t>Les points </a:t>
+            </a:r>
+            <a:r>
+              <a:rPr lang="fr-FR" smtClean="0"/>
+              <a:t>à estimer</a:t>
+            </a:r>
+          </a:p>
+          <a:p>
+            <a:pPr lvl="1"/>
+            <a:endParaRPr lang="fr-FR" dirty="0" smtClean="0"/>
+          </a:p>
+          <a:p>
+            <a:pPr lvl="1"/>
+            <a:endParaRPr lang="fr-FR" dirty="0" smtClean="0"/>
+          </a:p>
+          <a:p>
+            <a:pPr lvl="1"/>
+            <a:endParaRPr lang="fr-FR" dirty="0" smtClean="0"/>
+          </a:p>
+          <a:p>
+            <a:r>
+              <a:rPr lang="fr-FR" dirty="0" smtClean="0"/>
+              <a:t>Les problèmes</a:t>
+            </a:r>
+            <a:endParaRPr lang="fr-FR" dirty="0" smtClean="0"/>
+          </a:p>
+          <a:p>
+            <a:pPr lvl="1"/>
+            <a:r>
+              <a:rPr lang="fr-FR" dirty="0" smtClean="0"/>
+              <a:t>Développement déjà en cours</a:t>
+            </a:r>
+            <a:endParaRPr lang="fr-FR" dirty="0" smtClean="0"/>
+          </a:p>
+          <a:p>
+            <a:pPr lvl="1"/>
+            <a:r>
+              <a:rPr lang="fr-FR" dirty="0" smtClean="0"/>
+              <a:t>Pas de Solution Architect</a:t>
+            </a:r>
+            <a:endParaRPr lang="fr-FR" dirty="0" smtClean="0"/>
+          </a:p>
+          <a:p>
+            <a:endParaRPr lang="fr-FR" dirty="0" smtClean="0"/>
+          </a:p>
+          <a:p>
+            <a:pPr lvl="1"/>
+            <a:endParaRPr lang="fr-FR" dirty="0"/>
+          </a:p>
+          <a:p>
+            <a:pPr lvl="1"/>
+            <a:endParaRPr lang="fr-FR" dirty="0" smtClean="0"/>
+          </a:p>
+        </p:txBody>
+      </p:sp>
+    </p:spTree>
+    <p:extLst>
+      <p:ext uri="{BB962C8B-B14F-4D97-AF65-F5344CB8AC3E}">
+        <p14:creationId xmlns:p14="http://schemas.microsoft.com/office/powerpoint/2010/main" val="1907913486"/>
+      </p:ext>
+    </p:extLst>
+  </p:cSld>
+  <p:clrMapOvr>
+    <a:masterClrMapping/>
+  </p:clrMapOvr>
+</p:sld>
+</file>
+
+<file path=ppt/slides/slide7.xml><?xml version="1.0" encoding="utf-8"?>
+<p:sld xmlns:a="http://schemas.openxmlformats.org/drawingml/2006/main" xmlns:r="http://schemas.openxmlformats.org/officeDocument/2006/relationships" xmlns:p="http://schemas.openxmlformats.org/presentationml/2006/main">
+  <p:cSld>
+    <p:spTree>
+      <p:nvGrpSpPr>
+        <p:cNvPr id="1" name=""/>
+        <p:cNvGrpSpPr/>
+        <p:nvPr/>
+      </p:nvGrpSpPr>
+      <p:grpSpPr>
+        <a:xfrm>
+          <a:off x="0" y="0"/>
+          <a:ext cx="0" cy="0"/>
+          <a:chOff x="0" y="0"/>
+          <a:chExt cx="0" cy="0"/>
+        </a:xfrm>
+      </p:grpSpPr>
+      <p:sp>
+        <p:nvSpPr>
+          <p:cNvPr id="2" name="Titre 1"/>
+          <p:cNvSpPr>
+            <a:spLocks noGrp="1"/>
+          </p:cNvSpPr>
+          <p:nvPr>
+            <p:ph type="title"/>
+          </p:nvPr>
+        </p:nvSpPr>
+        <p:spPr/>
+        <p:txBody>
+          <a:bodyPr>
+            <a:normAutofit fontScale="90000"/>
+          </a:bodyPr>
+          <a:lstStyle/>
+          <a:p>
+            <a:r>
+              <a:rPr lang="fr-FR" dirty="0" smtClean="0"/>
+              <a:t>Intervenants externes</a:t>
+            </a:r>
+            <a:endParaRPr lang="fr-FR" dirty="0"/>
+          </a:p>
+        </p:txBody>
+      </p:sp>
+      <p:sp>
+        <p:nvSpPr>
+          <p:cNvPr id="3" name="Espace réservé du contenu 2"/>
+          <p:cNvSpPr>
+            <a:spLocks noGrp="1"/>
+          </p:cNvSpPr>
+          <p:nvPr>
+            <p:ph idx="1"/>
+          </p:nvPr>
+        </p:nvSpPr>
+        <p:spPr/>
+        <p:txBody>
+          <a:bodyPr>
+            <a:normAutofit fontScale="85000" lnSpcReduction="20000"/>
+          </a:bodyPr>
+          <a:lstStyle/>
+          <a:p>
+            <a:r>
+              <a:rPr lang="fr-FR" dirty="0" smtClean="0"/>
+              <a:t>Pourquoi ?</a:t>
+            </a:r>
+          </a:p>
+          <a:p>
+            <a:pPr lvl="1"/>
+            <a:r>
+              <a:rPr lang="fr-FR" dirty="0" smtClean="0"/>
+              <a:t>Peu de connaissances sur le sujet</a:t>
+            </a:r>
+            <a:endParaRPr lang="fr-FR" dirty="0" smtClean="0"/>
+          </a:p>
+          <a:p>
+            <a:pPr lvl="1"/>
+            <a:r>
+              <a:rPr lang="fr-FR" dirty="0" smtClean="0"/>
+              <a:t>Des solutions en cours d’élaborations (version béta)</a:t>
+            </a:r>
+            <a:endParaRPr lang="fr-FR" dirty="0" smtClean="0"/>
+          </a:p>
+          <a:p>
+            <a:pPr lvl="1"/>
+            <a:r>
+              <a:rPr lang="fr-FR" dirty="0" smtClean="0"/>
+              <a:t>Besoin d’architectes</a:t>
+            </a:r>
+            <a:endParaRPr lang="fr-FR" dirty="0" smtClean="0"/>
+          </a:p>
+          <a:p>
+            <a:pPr marL="393192" lvl="1" indent="0">
+              <a:buNone/>
+            </a:pPr>
+            <a:endParaRPr lang="fr-FR" dirty="0" smtClean="0"/>
+          </a:p>
+          <a:p>
+            <a:r>
+              <a:rPr lang="fr-FR" dirty="0" smtClean="0"/>
+              <a:t>Les points à estimer</a:t>
+            </a:r>
+          </a:p>
+          <a:p>
+            <a:pPr lvl="1"/>
+            <a:r>
+              <a:rPr lang="fr-FR" dirty="0" smtClean="0"/>
+              <a:t>Création des scénarios de tests</a:t>
+            </a:r>
+          </a:p>
+          <a:p>
+            <a:pPr lvl="1"/>
+            <a:r>
+              <a:rPr lang="fr-FR" dirty="0" smtClean="0"/>
+              <a:t>Contact avec les sociétés externes</a:t>
+            </a:r>
+          </a:p>
+          <a:p>
+            <a:pPr lvl="2"/>
+            <a:r>
+              <a:rPr lang="fr-FR" dirty="0" err="1" smtClean="0"/>
+              <a:t>Redhat</a:t>
+            </a:r>
+            <a:endParaRPr lang="fr-FR" dirty="0" smtClean="0"/>
+          </a:p>
+          <a:p>
+            <a:pPr lvl="2"/>
+            <a:r>
+              <a:rPr lang="fr-FR" dirty="0" smtClean="0"/>
+              <a:t>Microsoft</a:t>
+            </a:r>
+          </a:p>
+          <a:p>
+            <a:pPr lvl="2"/>
+            <a:r>
+              <a:rPr lang="fr-FR" dirty="0" smtClean="0"/>
+              <a:t>Autres</a:t>
+            </a:r>
+          </a:p>
+          <a:p>
+            <a:pPr lvl="1"/>
+            <a:r>
+              <a:rPr lang="fr-FR" dirty="0" smtClean="0"/>
+              <a:t>Mise à disposition des environnements de POC / Validation</a:t>
+            </a:r>
+            <a:endParaRPr lang="fr-FR" dirty="0" smtClean="0"/>
+          </a:p>
+          <a:p>
+            <a:pPr lvl="2"/>
+            <a:endParaRPr lang="fr-FR" dirty="0" smtClean="0"/>
+          </a:p>
+          <a:p>
+            <a:r>
+              <a:rPr lang="fr-FR" dirty="0" smtClean="0"/>
+              <a:t>Les problèmes</a:t>
+            </a:r>
+          </a:p>
+          <a:p>
+            <a:pPr lvl="1"/>
+            <a:r>
+              <a:rPr lang="fr-FR" dirty="0" smtClean="0"/>
+              <a:t>Réalise t-on une véritable sélection : Appel d’offres</a:t>
+            </a:r>
+          </a:p>
+          <a:p>
+            <a:pPr lvl="1"/>
+            <a:r>
+              <a:rPr lang="fr-FR" dirty="0" smtClean="0"/>
+              <a:t>Interventions gratuites de ces sociétés</a:t>
+            </a:r>
+            <a:endParaRPr lang="fr-FR" dirty="0"/>
+          </a:p>
+          <a:p>
+            <a:pPr lvl="1"/>
+            <a:endParaRPr lang="fr-FR" dirty="0" smtClean="0"/>
+          </a:p>
+        </p:txBody>
+      </p:sp>
+    </p:spTree>
+    <p:extLst>
+      <p:ext uri="{BB962C8B-B14F-4D97-AF65-F5344CB8AC3E}">
+        <p14:creationId xmlns:p14="http://schemas.microsoft.com/office/powerpoint/2010/main" val="3725106761"/>
+      </p:ext>
+    </p:extLst>
+  </p:cSld>
+  <p:clrMapOvr>
+    <a:masterClrMapping/>
+  </p:clrMapOvr>
+</p:sld>
+</file>
+
+<file path=ppt/slides/slide8.xml><?xml version="1.0" encoding="utf-8"?>
+<p:sld xmlns:a="http://schemas.openxmlformats.org/drawingml/2006/main" xmlns:r="http://schemas.openxmlformats.org/officeDocument/2006/relationships" xmlns:p="http://schemas.openxmlformats.org/presentationml/2006/main">
+  <p:cSld>
+    <p:spTree>
+      <p:nvGrpSpPr>
+        <p:cNvPr id="1" name=""/>
+        <p:cNvGrpSpPr/>
+        <p:nvPr/>
+      </p:nvGrpSpPr>
+      <p:grpSpPr>
+        <a:xfrm>
+          <a:off x="0" y="0"/>
+          <a:ext cx="0" cy="0"/>
+          <a:chOff x="0" y="0"/>
+          <a:chExt cx="0" cy="0"/>
+        </a:xfrm>
+      </p:grpSpPr>
+      <p:sp>
+        <p:nvSpPr>
+          <p:cNvPr id="2" name="Titre 1"/>
+          <p:cNvSpPr>
+            <a:spLocks noGrp="1"/>
+          </p:cNvSpPr>
+          <p:nvPr>
+            <p:ph type="title"/>
+          </p:nvPr>
+        </p:nvSpPr>
+        <p:spPr/>
+        <p:txBody>
+          <a:bodyPr>
+            <a:normAutofit fontScale="90000"/>
+          </a:bodyPr>
+          <a:lstStyle/>
+          <a:p>
+            <a:r>
+              <a:rPr lang="fr-FR" dirty="0" smtClean="0"/>
+              <a:t>Environnement de développement</a:t>
+            </a:r>
+            <a:endParaRPr lang="fr-FR" dirty="0"/>
+          </a:p>
+        </p:txBody>
+      </p:sp>
+      <p:sp>
+        <p:nvSpPr>
+          <p:cNvPr id="3" name="Espace réservé du contenu 2"/>
+          <p:cNvSpPr>
+            <a:spLocks noGrp="1"/>
+          </p:cNvSpPr>
+          <p:nvPr>
+            <p:ph idx="1"/>
+          </p:nvPr>
+        </p:nvSpPr>
+        <p:spPr/>
+        <p:txBody>
+          <a:bodyPr>
+            <a:normAutofit fontScale="62500" lnSpcReduction="20000"/>
+          </a:bodyPr>
+          <a:lstStyle/>
+          <a:p>
+            <a:r>
+              <a:rPr lang="fr-FR" dirty="0" smtClean="0"/>
+              <a:t>Pourquoi ?</a:t>
+            </a:r>
+          </a:p>
+          <a:p>
+            <a:pPr lvl="1"/>
+            <a:r>
+              <a:rPr lang="fr-FR" dirty="0" smtClean="0"/>
+              <a:t>Intégration des outils de développements dans la cible d’exécution</a:t>
+            </a:r>
+            <a:endParaRPr lang="fr-FR" dirty="0" smtClean="0"/>
+          </a:p>
+          <a:p>
+            <a:pPr lvl="1"/>
+            <a:r>
+              <a:rPr lang="fr-FR" dirty="0" smtClean="0"/>
+              <a:t>Modéliser  l’interaction des services / regroupement des services avant déploiements (Composition de services, </a:t>
+            </a:r>
+            <a:r>
+              <a:rPr lang="fr-FR" dirty="0" err="1" smtClean="0"/>
+              <a:t>pods</a:t>
+            </a:r>
+            <a:r>
+              <a:rPr lang="fr-FR" dirty="0" smtClean="0"/>
+              <a:t>,…)</a:t>
+            </a:r>
+            <a:endParaRPr lang="fr-FR" dirty="0" smtClean="0"/>
+          </a:p>
+          <a:p>
+            <a:pPr lvl="1"/>
+            <a:r>
+              <a:rPr lang="fr-FR" dirty="0" smtClean="0"/>
+              <a:t>Pour tester la </a:t>
+            </a:r>
+            <a:endParaRPr lang="fr-FR" dirty="0" smtClean="0"/>
+          </a:p>
+          <a:p>
+            <a:pPr marL="393192" lvl="1" indent="0">
+              <a:buNone/>
+            </a:pPr>
+            <a:endParaRPr lang="fr-FR" dirty="0" smtClean="0"/>
+          </a:p>
+          <a:p>
+            <a:r>
+              <a:rPr lang="fr-FR" dirty="0" smtClean="0"/>
+              <a:t>Les points à estimer</a:t>
+            </a:r>
+          </a:p>
+          <a:p>
+            <a:pPr lvl="1"/>
+            <a:r>
+              <a:rPr lang="fr-FR" dirty="0" smtClean="0"/>
+              <a:t>Mise à disposition de Windows 10 ou VDI</a:t>
+            </a:r>
+          </a:p>
+          <a:p>
+            <a:pPr lvl="1"/>
+            <a:r>
+              <a:rPr lang="fr-FR" dirty="0" smtClean="0"/>
+              <a:t>Récupération / Installation des outils</a:t>
+            </a:r>
+          </a:p>
+          <a:p>
+            <a:pPr lvl="2"/>
+            <a:r>
+              <a:rPr lang="fr-FR" dirty="0" smtClean="0"/>
+              <a:t>Docker</a:t>
+            </a:r>
+          </a:p>
+          <a:p>
+            <a:pPr lvl="2"/>
+            <a:r>
+              <a:rPr lang="fr-FR" dirty="0" err="1" smtClean="0"/>
+              <a:t>Kubernetes</a:t>
+            </a:r>
+            <a:r>
+              <a:rPr lang="fr-FR" dirty="0" smtClean="0"/>
+              <a:t> (</a:t>
+            </a:r>
+            <a:r>
+              <a:rPr lang="fr-FR" dirty="0" err="1" smtClean="0"/>
+              <a:t>Minikubes</a:t>
+            </a:r>
+            <a:r>
+              <a:rPr lang="fr-FR" dirty="0" smtClean="0"/>
+              <a:t>)</a:t>
+            </a:r>
+          </a:p>
+          <a:p>
+            <a:pPr lvl="2"/>
+            <a:r>
+              <a:rPr lang="fr-FR" dirty="0" err="1" smtClean="0"/>
+              <a:t>OpenShift</a:t>
+            </a:r>
+            <a:r>
+              <a:rPr lang="fr-FR" dirty="0" smtClean="0"/>
+              <a:t> (</a:t>
+            </a:r>
+            <a:r>
+              <a:rPr lang="fr-FR" dirty="0" err="1" smtClean="0"/>
+              <a:t>MiniShift</a:t>
+            </a:r>
+            <a:r>
+              <a:rPr lang="fr-FR" dirty="0" smtClean="0"/>
+              <a:t>)</a:t>
+            </a:r>
+          </a:p>
+          <a:p>
+            <a:pPr lvl="2"/>
+            <a:r>
+              <a:rPr lang="fr-FR" dirty="0" smtClean="0"/>
+              <a:t>Service </a:t>
+            </a:r>
+            <a:r>
+              <a:rPr lang="fr-FR" dirty="0" err="1" smtClean="0"/>
+              <a:t>Fabric</a:t>
+            </a:r>
+            <a:endParaRPr lang="fr-FR" dirty="0" smtClean="0"/>
+          </a:p>
+          <a:p>
+            <a:pPr lvl="2"/>
+            <a:r>
+              <a:rPr lang="fr-FR" dirty="0" smtClean="0"/>
+              <a:t>Autres</a:t>
+            </a:r>
+          </a:p>
+          <a:p>
+            <a:pPr lvl="2"/>
+            <a:endParaRPr lang="fr-FR" dirty="0" smtClean="0"/>
+          </a:p>
+          <a:p>
+            <a:r>
+              <a:rPr lang="fr-FR" dirty="0" smtClean="0"/>
+              <a:t>Les problèmes</a:t>
+            </a:r>
+          </a:p>
+          <a:p>
+            <a:pPr lvl="1"/>
+            <a:r>
+              <a:rPr lang="fr-FR" dirty="0" smtClean="0"/>
+              <a:t>Nombre de téléchargements / sites bloqués</a:t>
+            </a:r>
+          </a:p>
+          <a:p>
+            <a:pPr lvl="1"/>
+            <a:r>
+              <a:rPr lang="fr-FR" dirty="0" smtClean="0"/>
+              <a:t>Pas d’images Windows 10 </a:t>
+            </a:r>
+            <a:r>
+              <a:rPr lang="fr-FR" dirty="0" err="1" smtClean="0"/>
+              <a:t>compliant</a:t>
+            </a:r>
+            <a:endParaRPr lang="fr-FR" dirty="0" smtClean="0"/>
+          </a:p>
+          <a:p>
+            <a:pPr lvl="1"/>
+            <a:r>
+              <a:rPr lang="fr-FR" dirty="0" smtClean="0"/>
+              <a:t>Nombre d’outils à tester</a:t>
+            </a:r>
+          </a:p>
+          <a:p>
+            <a:pPr lvl="1"/>
+            <a:r>
+              <a:rPr lang="fr-FR" dirty="0" smtClean="0"/>
+              <a:t>Droits Administrateur sur les PC</a:t>
+            </a:r>
+          </a:p>
+          <a:p>
+            <a:pPr lvl="1"/>
+            <a:r>
+              <a:rPr lang="fr-FR" dirty="0" smtClean="0"/>
+              <a:t>Outils instables : multiples réinstallations</a:t>
+            </a:r>
+            <a:endParaRPr lang="fr-FR" dirty="0"/>
+          </a:p>
+          <a:p>
+            <a:pPr lvl="1"/>
+            <a:endParaRPr lang="fr-FR" dirty="0" smtClean="0"/>
+          </a:p>
+        </p:txBody>
+      </p:sp>
+    </p:spTree>
+    <p:extLst>
+      <p:ext uri="{BB962C8B-B14F-4D97-AF65-F5344CB8AC3E}">
+        <p14:creationId xmlns:p14="http://schemas.microsoft.com/office/powerpoint/2010/main" val="1036107645"/>
+      </p:ext>
+    </p:extLst>
+  </p:cSld>
+  <p:clrMapOvr>
+    <a:masterClrMapping/>
+  </p:clrMapOvr>
+</p:sld>
+</file>
+
 <file path=ppt/slides/slide9.xml><?xml version="1.0" encoding="utf-8"?>
 <p:sld xmlns:a="http://schemas.openxmlformats.org/drawingml/2006/main" xmlns:r="http://schemas.openxmlformats.org/officeDocument/2006/relationships" xmlns:p="http://schemas.openxmlformats.org/presentationml/2006/main">
   <p:cSld>
@@ -7594,110 +8987,160 @@
           <a:p>
             <a:r>
               <a:rPr lang="fr-FR" dirty="0" smtClean="0"/>
-              <a:t>Micro Services </a:t>
+              <a:t>Framework développement</a:t>
+            </a:r>
+            <a:endParaRPr lang="fr-FR" dirty="0"/>
+          </a:p>
+        </p:txBody>
+      </p:sp>
+      <p:sp>
+        <p:nvSpPr>
+          <p:cNvPr id="3" name="Espace réservé du contenu 2"/>
+          <p:cNvSpPr>
+            <a:spLocks noGrp="1"/>
+          </p:cNvSpPr>
+          <p:nvPr>
+            <p:ph idx="1"/>
+          </p:nvPr>
+        </p:nvSpPr>
+        <p:spPr/>
+        <p:txBody>
+          <a:bodyPr>
+            <a:normAutofit fontScale="92500" lnSpcReduction="20000"/>
+          </a:bodyPr>
+          <a:lstStyle/>
+          <a:p>
+            <a:r>
+              <a:rPr lang="fr-FR" dirty="0" smtClean="0"/>
+              <a:t>Pourquoi </a:t>
+            </a:r>
+          </a:p>
+          <a:p>
+            <a:pPr lvl="1"/>
+            <a:r>
+              <a:rPr lang="fr-FR" dirty="0" smtClean="0"/>
+              <a:t>Apparition de nouveaux </a:t>
             </a:r>
             <a:r>
               <a:rPr lang="fr-FR" dirty="0" err="1" smtClean="0"/>
-              <a:t>references</a:t>
-            </a:r>
-            <a:endParaRPr lang="fr-FR" dirty="0"/>
-          </a:p>
-        </p:txBody>
-      </p:sp>
-      <p:sp>
-        <p:nvSpPr>
-          <p:cNvPr id="3" name="Espace réservé du contenu 2"/>
-          <p:cNvSpPr>
-            <a:spLocks noGrp="1"/>
-          </p:cNvSpPr>
-          <p:nvPr>
-            <p:ph idx="1"/>
-          </p:nvPr>
-        </p:nvSpPr>
-        <p:spPr/>
-        <p:txBody>
-          <a:bodyPr/>
-          <a:lstStyle/>
-          <a:p>
-            <a:r>
-              <a:rPr lang="fr-FR" dirty="0" err="1" smtClean="0"/>
-              <a:t>Redhat</a:t>
+              <a:t>framework</a:t>
+            </a:r>
+            <a:r>
+              <a:rPr lang="fr-FR" dirty="0" smtClean="0"/>
+              <a:t> spécialisés pour les micro services</a:t>
+            </a:r>
+          </a:p>
+          <a:p>
+            <a:pPr lvl="1"/>
+            <a:r>
+              <a:rPr lang="fr-FR" dirty="0" smtClean="0"/>
+              <a:t>Développement .Net impactés</a:t>
+            </a:r>
+          </a:p>
+          <a:p>
+            <a:pPr lvl="1"/>
+            <a:r>
+              <a:rPr lang="fr-FR" dirty="0" smtClean="0"/>
+              <a:t>Nouveaux Framework = remise en cause de certains choix</a:t>
             </a:r>
             <a:endParaRPr lang="fr-FR" dirty="0" smtClean="0"/>
           </a:p>
           <a:p>
-            <a:pPr lvl="1"/>
-            <a:r>
-              <a:rPr lang="fr-FR" dirty="0">
-                <a:hlinkClick r:id="rId2"/>
-              </a:rPr>
-              <a:t>https://</a:t>
-            </a:r>
-            <a:r>
-              <a:rPr lang="fr-FR" dirty="0" smtClean="0">
-                <a:hlinkClick r:id="rId2"/>
-              </a:rPr>
-              <a:t>www.redhat.com/cms/managed-files/mi-microservices-eap-7-reference-architecture-201606-en.pdf</a:t>
-            </a:r>
-            <a:endParaRPr lang="fr-FR" dirty="0" smtClean="0"/>
-          </a:p>
-          <a:p>
-            <a:pPr lvl="1"/>
-            <a:r>
-              <a:rPr lang="fr-FR" dirty="0" err="1" smtClean="0"/>
-              <a:t>Definition</a:t>
-            </a:r>
-            <a:r>
-              <a:rPr lang="fr-FR" dirty="0" smtClean="0"/>
-              <a:t> : Page 4</a:t>
-            </a:r>
-          </a:p>
-          <a:p>
-            <a:pPr lvl="1"/>
-            <a:r>
-              <a:rPr lang="fr-FR" dirty="0" err="1" smtClean="0"/>
-              <a:t>Advantages</a:t>
-            </a:r>
-            <a:r>
-              <a:rPr lang="fr-FR" dirty="0" smtClean="0"/>
-              <a:t> / </a:t>
-            </a:r>
-            <a:r>
-              <a:rPr lang="fr-FR" dirty="0" err="1" smtClean="0"/>
-              <a:t>Disadvantages</a:t>
-            </a:r>
-            <a:r>
-              <a:rPr lang="fr-FR" dirty="0" smtClean="0"/>
-              <a:t> : Page 4-5</a:t>
-            </a:r>
-          </a:p>
-          <a:p>
-            <a:pPr lvl="1"/>
-            <a:r>
-              <a:rPr lang="fr-FR" dirty="0" smtClean="0"/>
-              <a:t>Cross-</a:t>
-            </a:r>
-            <a:r>
-              <a:rPr lang="fr-FR" dirty="0" err="1" smtClean="0"/>
-              <a:t>Cutting</a:t>
-            </a:r>
-            <a:r>
-              <a:rPr lang="fr-FR" dirty="0" smtClean="0"/>
-              <a:t> : Page 16</a:t>
-            </a:r>
-          </a:p>
-          <a:p>
-            <a:pPr marL="457200" lvl="1" indent="0">
+            <a:pPr marL="393192" lvl="1" indent="0">
               <a:buNone/>
             </a:pPr>
-            <a:endParaRPr lang="fr-FR" dirty="0"/>
+            <a:endParaRPr lang="fr-FR" dirty="0" smtClean="0"/>
+          </a:p>
+          <a:p>
+            <a:r>
+              <a:rPr lang="fr-FR" dirty="0" smtClean="0"/>
+              <a:t>Les points à estimer</a:t>
+            </a:r>
+          </a:p>
+          <a:p>
+            <a:pPr lvl="1"/>
+            <a:r>
+              <a:rPr lang="fr-FR" dirty="0" smtClean="0"/>
+              <a:t>Support .Net </a:t>
+            </a:r>
+            <a:r>
+              <a:rPr lang="fr-FR" dirty="0" err="1" smtClean="0"/>
+              <a:t>Core</a:t>
+            </a:r>
+            <a:endParaRPr lang="fr-FR" dirty="0" smtClean="0"/>
+          </a:p>
+          <a:p>
+            <a:pPr lvl="2"/>
+            <a:r>
+              <a:rPr lang="fr-FR" dirty="0" err="1" smtClean="0"/>
+              <a:t>Database</a:t>
+            </a:r>
+            <a:r>
+              <a:rPr lang="fr-FR" dirty="0" smtClean="0"/>
+              <a:t> supports</a:t>
+            </a:r>
+          </a:p>
+          <a:p>
+            <a:pPr lvl="2"/>
+            <a:r>
+              <a:rPr lang="fr-FR" dirty="0" smtClean="0"/>
+              <a:t>Messaging support</a:t>
+            </a:r>
+          </a:p>
+          <a:p>
+            <a:pPr lvl="2"/>
+            <a:r>
+              <a:rPr lang="fr-FR" dirty="0" smtClean="0"/>
+              <a:t>Security Support</a:t>
+            </a:r>
+          </a:p>
+          <a:p>
+            <a:pPr lvl="1"/>
+            <a:r>
+              <a:rPr lang="fr-FR" dirty="0" smtClean="0"/>
+              <a:t>Migration .Net standard vers .Net </a:t>
+            </a:r>
+            <a:r>
+              <a:rPr lang="fr-FR" dirty="0" err="1" smtClean="0"/>
+              <a:t>core</a:t>
+            </a:r>
+            <a:endParaRPr lang="fr-FR" dirty="0" smtClean="0"/>
+          </a:p>
+          <a:p>
+            <a:pPr lvl="2"/>
+            <a:endParaRPr lang="fr-FR" dirty="0" smtClean="0"/>
+          </a:p>
+          <a:p>
+            <a:r>
+              <a:rPr lang="fr-FR" dirty="0" smtClean="0"/>
+              <a:t>Les problèmes</a:t>
+            </a:r>
+          </a:p>
+          <a:p>
+            <a:pPr lvl="1"/>
+            <a:r>
+              <a:rPr lang="fr-FR" dirty="0" smtClean="0"/>
+              <a:t>.Net </a:t>
+            </a:r>
+            <a:r>
+              <a:rPr lang="fr-FR" dirty="0" err="1" smtClean="0"/>
+              <a:t>Core</a:t>
+            </a:r>
+            <a:r>
+              <a:rPr lang="fr-FR" dirty="0" smtClean="0"/>
+              <a:t> est récent  v2.0</a:t>
+            </a:r>
+          </a:p>
+          <a:p>
+            <a:pPr lvl="1"/>
+            <a:endParaRPr lang="fr-FR" dirty="0" smtClean="0"/>
           </a:p>
         </p:txBody>
       </p:sp>
     </p:spTree>
     <p:extLst>
       <p:ext uri="{BB962C8B-B14F-4D97-AF65-F5344CB8AC3E}">
-        <p14:creationId xmlns:p14="http://schemas.microsoft.com/office/powerpoint/2010/main" val="1176314488"/>
+        <p14:creationId xmlns:p14="http://schemas.microsoft.com/office/powerpoint/2010/main" val="2245446507"/>
       </p:ext>
     </p:extLst>
   </p:cSld>

--- a/Documentation/Container Architecture.pptx
+++ b/Documentation/Container Architecture.pptx
@@ -15,21 +15,29 @@
     <p:sldId id="274" r:id="rId9"/>
     <p:sldId id="278" r:id="rId10"/>
     <p:sldId id="271" r:id="rId11"/>
-    <p:sldId id="257" r:id="rId12"/>
-    <p:sldId id="273" r:id="rId13"/>
-    <p:sldId id="275" r:id="rId14"/>
-    <p:sldId id="258" r:id="rId15"/>
-    <p:sldId id="279" r:id="rId16"/>
-    <p:sldId id="277" r:id="rId17"/>
-    <p:sldId id="256" r:id="rId18"/>
-    <p:sldId id="263" r:id="rId19"/>
-    <p:sldId id="264" r:id="rId20"/>
-    <p:sldId id="265" r:id="rId21"/>
-    <p:sldId id="262" r:id="rId22"/>
-    <p:sldId id="261" r:id="rId23"/>
-    <p:sldId id="260" r:id="rId24"/>
-    <p:sldId id="266" r:id="rId25"/>
-    <p:sldId id="259" r:id="rId26"/>
+    <p:sldId id="281" r:id="rId12"/>
+    <p:sldId id="282" r:id="rId13"/>
+    <p:sldId id="257" r:id="rId14"/>
+    <p:sldId id="273" r:id="rId15"/>
+    <p:sldId id="275" r:id="rId16"/>
+    <p:sldId id="258" r:id="rId17"/>
+    <p:sldId id="279" r:id="rId18"/>
+    <p:sldId id="286" r:id="rId19"/>
+    <p:sldId id="287" r:id="rId20"/>
+    <p:sldId id="289" r:id="rId21"/>
+    <p:sldId id="288" r:id="rId22"/>
+    <p:sldId id="256" r:id="rId23"/>
+    <p:sldId id="263" r:id="rId24"/>
+    <p:sldId id="264" r:id="rId25"/>
+    <p:sldId id="265" r:id="rId26"/>
+    <p:sldId id="262" r:id="rId27"/>
+    <p:sldId id="261" r:id="rId28"/>
+    <p:sldId id="260" r:id="rId29"/>
+    <p:sldId id="266" r:id="rId30"/>
+    <p:sldId id="283" r:id="rId31"/>
+    <p:sldId id="285" r:id="rId32"/>
+    <p:sldId id="284" r:id="rId33"/>
+    <p:sldId id="259" r:id="rId34"/>
   </p:sldIdLst>
   <p:sldSz cx="9144000" cy="6858000" type="screen4x3"/>
   <p:notesSz cx="6858000" cy="9144000"/>
@@ -304,7 +312,7 @@
           <a:p>
             <a:fld id="{4F38D3F6-E48F-4950-AC1B-79C88B17E831}" type="datetimeFigureOut">
               <a:rPr lang="fr-FR" smtClean="0"/>
-              <a:t>14/12/2017</a:t>
+              <a:t>17/12/2017</a:t>
             </a:fld>
             <a:endParaRPr lang="fr-FR"/>
           </a:p>
@@ -451,7 +459,7 @@
           <a:p>
             <a:fld id="{4F38D3F6-E48F-4950-AC1B-79C88B17E831}" type="datetimeFigureOut">
               <a:rPr lang="fr-FR" smtClean="0"/>
-              <a:t>14/12/2017</a:t>
+              <a:t>17/12/2017</a:t>
             </a:fld>
             <a:endParaRPr lang="fr-FR"/>
           </a:p>
@@ -682,7 +690,7 @@
           <a:p>
             <a:fld id="{4F38D3F6-E48F-4950-AC1B-79C88B17E831}" type="datetimeFigureOut">
               <a:rPr lang="fr-FR" smtClean="0"/>
-              <a:t>14/12/2017</a:t>
+              <a:t>17/12/2017</a:t>
             </a:fld>
             <a:endParaRPr lang="fr-FR"/>
           </a:p>
@@ -863,7 +871,7 @@
           <a:p>
             <a:fld id="{4F38D3F6-E48F-4950-AC1B-79C88B17E831}" type="datetimeFigureOut">
               <a:rPr lang="fr-FR" smtClean="0"/>
-              <a:t>14/12/2017</a:t>
+              <a:t>17/12/2017</a:t>
             </a:fld>
             <a:endParaRPr lang="fr-FR"/>
           </a:p>
@@ -1105,7 +1113,7 @@
           <a:p>
             <a:fld id="{4F38D3F6-E48F-4950-AC1B-79C88B17E831}" type="datetimeFigureOut">
               <a:rPr lang="fr-FR" smtClean="0"/>
-              <a:t>14/12/2017</a:t>
+              <a:t>17/12/2017</a:t>
             </a:fld>
             <a:endParaRPr lang="fr-FR"/>
           </a:p>
@@ -1341,7 +1349,7 @@
           <a:p>
             <a:fld id="{4F38D3F6-E48F-4950-AC1B-79C88B17E831}" type="datetimeFigureOut">
               <a:rPr lang="fr-FR" smtClean="0"/>
-              <a:t>14/12/2017</a:t>
+              <a:t>17/12/2017</a:t>
             </a:fld>
             <a:endParaRPr lang="fr-FR"/>
           </a:p>
@@ -1737,7 +1745,7 @@
           <a:p>
             <a:fld id="{4F38D3F6-E48F-4950-AC1B-79C88B17E831}" type="datetimeFigureOut">
               <a:rPr lang="fr-FR" smtClean="0"/>
-              <a:t>14/12/2017</a:t>
+              <a:t>17/12/2017</a:t>
             </a:fld>
             <a:endParaRPr lang="fr-FR"/>
           </a:p>
@@ -1877,7 +1885,7 @@
           <a:p>
             <a:fld id="{4F38D3F6-E48F-4950-AC1B-79C88B17E831}" type="datetimeFigureOut">
               <a:rPr lang="fr-FR" smtClean="0"/>
-              <a:t>14/12/2017</a:t>
+              <a:t>17/12/2017</a:t>
             </a:fld>
             <a:endParaRPr lang="fr-FR"/>
           </a:p>
@@ -2017,7 +2025,7 @@
           <a:p>
             <a:fld id="{4F38D3F6-E48F-4950-AC1B-79C88B17E831}" type="datetimeFigureOut">
               <a:rPr lang="fr-FR" smtClean="0"/>
-              <a:t>14/12/2017</a:t>
+              <a:t>17/12/2017</a:t>
             </a:fld>
             <a:endParaRPr lang="fr-FR"/>
           </a:p>
@@ -2229,7 +2237,7 @@
           <a:p>
             <a:fld id="{4F38D3F6-E48F-4950-AC1B-79C88B17E831}" type="datetimeFigureOut">
               <a:rPr lang="fr-FR" smtClean="0"/>
-              <a:t>14/12/2017</a:t>
+              <a:t>17/12/2017</a:t>
             </a:fld>
             <a:endParaRPr lang="fr-FR"/>
           </a:p>
@@ -2567,7 +2575,7 @@
           <a:p>
             <a:fld id="{4F38D3F6-E48F-4950-AC1B-79C88B17E831}" type="datetimeFigureOut">
               <a:rPr lang="fr-FR" smtClean="0"/>
-              <a:t>14/12/2017</a:t>
+              <a:t>17/12/2017</a:t>
             </a:fld>
             <a:endParaRPr lang="fr-FR"/>
           </a:p>
@@ -3338,7 +3346,7 @@
           <a:p>
             <a:fld id="{4F38D3F6-E48F-4950-AC1B-79C88B17E831}" type="datetimeFigureOut">
               <a:rPr lang="fr-FR" smtClean="0"/>
-              <a:t>14/12/2017</a:t>
+              <a:t>17/12/2017</a:t>
             </a:fld>
             <a:endParaRPr lang="fr-FR"/>
           </a:p>
@@ -3904,6 +3912,333 @@
       </p:grpSpPr>
       <p:pic>
         <p:nvPicPr>
+          <p:cNvPr id="3" name="Picture 2" descr="Layers of a container based on the Ubuntu image"/>
+          <p:cNvPicPr>
+            <a:picLocks noChangeAspect="1" noChangeArrowheads="1"/>
+          </p:cNvPicPr>
+          <p:nvPr/>
+        </p:nvPicPr>
+        <p:blipFill>
+          <a:blip r:embed="rId2">
+            <a:extLst>
+              <a:ext uri="{28A0092B-C50C-407E-A947-70E740481C1C}">
+                <a14:useLocalDpi xmlns:a14="http://schemas.microsoft.com/office/drawing/2010/main" val="0"/>
+              </a:ext>
+            </a:extLst>
+          </a:blip>
+          <a:srcRect/>
+          <a:stretch>
+            <a:fillRect/>
+          </a:stretch>
+        </p:blipFill>
+        <p:spPr bwMode="auto">
+          <a:xfrm>
+            <a:off x="899593" y="1268761"/>
+            <a:ext cx="5181812" cy="3600400"/>
+          </a:xfrm>
+          <a:prstGeom prst="rect">
+            <a:avLst/>
+          </a:prstGeom>
+          <a:noFill/>
+          <a:extLst>
+            <a:ext uri="{909E8E84-426E-40DD-AFC4-6F175D3DCCD1}">
+              <a14:hiddenFill xmlns:a14="http://schemas.microsoft.com/office/drawing/2010/main">
+                <a:solidFill>
+                  <a:srgbClr val="FFFFFF"/>
+                </a:solidFill>
+              </a14:hiddenFill>
+            </a:ext>
+          </a:extLst>
+        </p:spPr>
+      </p:pic>
+      <p:sp>
+        <p:nvSpPr>
+          <p:cNvPr id="4" name="ZoneTexte 3"/>
+          <p:cNvSpPr txBox="1"/>
+          <p:nvPr/>
+        </p:nvSpPr>
+        <p:spPr>
+          <a:xfrm>
+            <a:off x="251520" y="4797152"/>
+            <a:ext cx="7851569" cy="1569660"/>
+          </a:xfrm>
+          <a:prstGeom prst="rect">
+            <a:avLst/>
+          </a:prstGeom>
+          <a:noFill/>
+        </p:spPr>
+        <p:txBody>
+          <a:bodyPr wrap="square" rtlCol="0">
+            <a:spAutoFit/>
+          </a:bodyPr>
+          <a:lstStyle/>
+          <a:p>
+            <a:r>
+              <a:rPr lang="en-US" sz="1200" dirty="0">
+                <a:latin typeface="+mj-lt"/>
+              </a:rPr>
+              <a:t>A Docker image is built up from a series of layers. Each layer represents an instruction in the image’s </a:t>
+            </a:r>
+            <a:r>
+              <a:rPr lang="en-US" sz="1200" dirty="0" err="1">
+                <a:latin typeface="+mj-lt"/>
+              </a:rPr>
+              <a:t>Dockerfile</a:t>
+            </a:r>
+            <a:r>
+              <a:rPr lang="en-US" sz="1200" dirty="0">
+                <a:latin typeface="+mj-lt"/>
+              </a:rPr>
+              <a:t>. Each layer except the very last one is read-only. Consider the following </a:t>
+            </a:r>
+            <a:r>
+              <a:rPr lang="en-US" sz="1200" dirty="0" err="1">
+                <a:latin typeface="+mj-lt"/>
+              </a:rPr>
+              <a:t>Dockerfile</a:t>
+            </a:r>
+            <a:r>
+              <a:rPr lang="en-US" sz="1200" dirty="0">
+                <a:latin typeface="+mj-lt"/>
+              </a:rPr>
+              <a:t>:</a:t>
+            </a:r>
+          </a:p>
+          <a:p>
+            <a:endParaRPr lang="en-US" sz="1200" dirty="0" smtClean="0">
+              <a:latin typeface="+mj-lt"/>
+            </a:endParaRPr>
+          </a:p>
+          <a:p>
+            <a:r>
+              <a:rPr lang="en-US" sz="1200" dirty="0" smtClean="0">
+                <a:latin typeface="+mj-lt"/>
+              </a:rPr>
+              <a:t>FROM ubuntu:15.04</a:t>
+            </a:r>
+          </a:p>
+          <a:p>
+            <a:r>
+              <a:rPr lang="en-US" sz="1200" dirty="0" smtClean="0">
+                <a:latin typeface="+mj-lt"/>
+              </a:rPr>
+              <a:t>COPY </a:t>
+            </a:r>
+            <a:r>
+              <a:rPr lang="en-US" sz="1200" dirty="0">
+                <a:latin typeface="+mj-lt"/>
+              </a:rPr>
+              <a:t>. /app </a:t>
+            </a:r>
+            <a:r>
+              <a:rPr lang="en-US" sz="1200" dirty="0" smtClean="0">
+                <a:latin typeface="+mj-lt"/>
+              </a:rPr>
+              <a:t>RUN</a:t>
+            </a:r>
+          </a:p>
+          <a:p>
+            <a:r>
+              <a:rPr lang="en-US" sz="1200" dirty="0" smtClean="0">
+                <a:latin typeface="+mj-lt"/>
+              </a:rPr>
+              <a:t>make </a:t>
+            </a:r>
+            <a:r>
+              <a:rPr lang="en-US" sz="1200" dirty="0">
+                <a:latin typeface="+mj-lt"/>
+              </a:rPr>
+              <a:t>/</a:t>
+            </a:r>
+            <a:r>
+              <a:rPr lang="en-US" sz="1200" dirty="0" smtClean="0">
+                <a:latin typeface="+mj-lt"/>
+              </a:rPr>
+              <a:t>app</a:t>
+            </a:r>
+          </a:p>
+          <a:p>
+            <a:r>
+              <a:rPr lang="en-US" sz="1200" dirty="0" smtClean="0">
+                <a:latin typeface="+mj-lt"/>
+              </a:rPr>
+              <a:t>CMD </a:t>
+            </a:r>
+            <a:r>
+              <a:rPr lang="en-US" sz="1200" dirty="0">
+                <a:latin typeface="+mj-lt"/>
+              </a:rPr>
+              <a:t>python /app/app.py </a:t>
+            </a:r>
+          </a:p>
+          <a:p>
+            <a:endParaRPr lang="fr-FR" sz="1200" dirty="0">
+              <a:latin typeface="+mj-lt"/>
+            </a:endParaRPr>
+          </a:p>
+        </p:txBody>
+      </p:sp>
+      <p:sp>
+        <p:nvSpPr>
+          <p:cNvPr id="5" name="ZoneTexte 4"/>
+          <p:cNvSpPr txBox="1"/>
+          <p:nvPr/>
+        </p:nvSpPr>
+        <p:spPr>
+          <a:xfrm>
+            <a:off x="467544" y="700184"/>
+            <a:ext cx="8131842" cy="369332"/>
+          </a:xfrm>
+          <a:prstGeom prst="rect">
+            <a:avLst/>
+          </a:prstGeom>
+          <a:noFill/>
+        </p:spPr>
+        <p:txBody>
+          <a:bodyPr wrap="none" rtlCol="0">
+            <a:spAutoFit/>
+          </a:bodyPr>
+          <a:lstStyle/>
+          <a:p>
+            <a:r>
+              <a:rPr lang="fr-FR" dirty="0"/>
+              <a:t>https://docs.docker.com/engine/userguide/storagedriver/imagesandcontainers/</a:t>
+            </a:r>
+          </a:p>
+        </p:txBody>
+      </p:sp>
+    </p:spTree>
+    <p:extLst>
+      <p:ext uri="{BB962C8B-B14F-4D97-AF65-F5344CB8AC3E}">
+        <p14:creationId xmlns:p14="http://schemas.microsoft.com/office/powerpoint/2010/main" val="3850907403"/>
+      </p:ext>
+    </p:extLst>
+  </p:cSld>
+  <p:clrMapOvr>
+    <a:masterClrMapping/>
+  </p:clrMapOvr>
+</p:sld>
+</file>
+
+<file path=ppt/slides/slide12.xml><?xml version="1.0" encoding="utf-8"?>
+<p:sld xmlns:a="http://schemas.openxmlformats.org/drawingml/2006/main" xmlns:r="http://schemas.openxmlformats.org/officeDocument/2006/relationships" xmlns:p="http://schemas.openxmlformats.org/presentationml/2006/main">
+  <p:cSld>
+    <p:spTree>
+      <p:nvGrpSpPr>
+        <p:cNvPr id="1" name=""/>
+        <p:cNvGrpSpPr/>
+        <p:nvPr/>
+      </p:nvGrpSpPr>
+      <p:grpSpPr>
+        <a:xfrm>
+          <a:off x="0" y="0"/>
+          <a:ext cx="0" cy="0"/>
+          <a:chOff x="0" y="0"/>
+          <a:chExt cx="0" cy="0"/>
+        </a:xfrm>
+      </p:grpSpPr>
+      <p:sp>
+        <p:nvSpPr>
+          <p:cNvPr id="5" name="ZoneTexte 4"/>
+          <p:cNvSpPr txBox="1"/>
+          <p:nvPr/>
+        </p:nvSpPr>
+        <p:spPr>
+          <a:xfrm>
+            <a:off x="467544" y="700184"/>
+            <a:ext cx="8131842" cy="369332"/>
+          </a:xfrm>
+          <a:prstGeom prst="rect">
+            <a:avLst/>
+          </a:prstGeom>
+          <a:noFill/>
+        </p:spPr>
+        <p:txBody>
+          <a:bodyPr wrap="none" rtlCol="0">
+            <a:spAutoFit/>
+          </a:bodyPr>
+          <a:lstStyle/>
+          <a:p>
+            <a:r>
+              <a:rPr lang="fr-FR" dirty="0"/>
+              <a:t>https://docs.docker.com/engine/userguide/storagedriver/imagesandcontainers/</a:t>
+            </a:r>
+          </a:p>
+        </p:txBody>
+      </p:sp>
+      <p:pic>
+        <p:nvPicPr>
+          <p:cNvPr id="2050" name="Picture 2" descr="Containers sharing same image"/>
+          <p:cNvPicPr>
+            <a:picLocks noChangeAspect="1" noChangeArrowheads="1"/>
+          </p:cNvPicPr>
+          <p:nvPr/>
+        </p:nvPicPr>
+        <p:blipFill>
+          <a:blip r:embed="rId2">
+            <a:extLst>
+              <a:ext uri="{28A0092B-C50C-407E-A947-70E740481C1C}">
+                <a14:useLocalDpi xmlns:a14="http://schemas.microsoft.com/office/drawing/2010/main" val="0"/>
+              </a:ext>
+            </a:extLst>
+          </a:blip>
+          <a:srcRect/>
+          <a:stretch>
+            <a:fillRect/>
+          </a:stretch>
+        </p:blipFill>
+        <p:spPr bwMode="auto">
+          <a:xfrm>
+            <a:off x="1547664" y="1556792"/>
+            <a:ext cx="4968552" cy="3069002"/>
+          </a:xfrm>
+          <a:prstGeom prst="rect">
+            <a:avLst/>
+          </a:prstGeom>
+          <a:noFill/>
+          <a:extLst>
+            <a:ext uri="{909E8E84-426E-40DD-AFC4-6F175D3DCCD1}">
+              <a14:hiddenFill xmlns:a14="http://schemas.microsoft.com/office/drawing/2010/main">
+                <a:solidFill>
+                  <a:srgbClr val="FFFFFF"/>
+                </a:solidFill>
+              </a14:hiddenFill>
+            </a:ext>
+          </a:extLst>
+        </p:spPr>
+      </p:pic>
+    </p:spTree>
+    <p:extLst>
+      <p:ext uri="{BB962C8B-B14F-4D97-AF65-F5344CB8AC3E}">
+        <p14:creationId xmlns:p14="http://schemas.microsoft.com/office/powerpoint/2010/main" val="3766327598"/>
+      </p:ext>
+    </p:extLst>
+  </p:cSld>
+  <p:clrMapOvr>
+    <a:masterClrMapping/>
+  </p:clrMapOvr>
+</p:sld>
+</file>
+
+<file path=ppt/slides/slide13.xml><?xml version="1.0" encoding="utf-8"?>
+<p:sld xmlns:a="http://schemas.openxmlformats.org/drawingml/2006/main" xmlns:r="http://schemas.openxmlformats.org/officeDocument/2006/relationships" xmlns:p="http://schemas.openxmlformats.org/presentationml/2006/main">
+  <p:cSld>
+    <p:spTree>
+      <p:nvGrpSpPr>
+        <p:cNvPr id="1" name=""/>
+        <p:cNvGrpSpPr/>
+        <p:nvPr/>
+      </p:nvGrpSpPr>
+      <p:grpSpPr>
+        <a:xfrm>
+          <a:off x="0" y="0"/>
+          <a:ext cx="0" cy="0"/>
+          <a:chOff x="0" y="0"/>
+          <a:chExt cx="0" cy="0"/>
+        </a:xfrm>
+      </p:grpSpPr>
+      <p:pic>
+        <p:nvPicPr>
           <p:cNvPr id="1026" name="Picture 2"/>
           <p:cNvPicPr>
             <a:picLocks noChangeAspect="1" noChangeArrowheads="1"/>
@@ -4103,7 +4438,7 @@
 </p:sld>
 </file>
 
-<file path=ppt/slides/slide12.xml><?xml version="1.0" encoding="utf-8"?>
+<file path=ppt/slides/slide14.xml><?xml version="1.0" encoding="utf-8"?>
 <p:sld xmlns:a="http://schemas.openxmlformats.org/drawingml/2006/main" xmlns:r="http://schemas.openxmlformats.org/officeDocument/2006/relationships" xmlns:p="http://schemas.openxmlformats.org/presentationml/2006/main">
   <p:cSld>
     <p:spTree>
@@ -4366,7 +4701,7 @@
 </p:sld>
 </file>
 
-<file path=ppt/slides/slide13.xml><?xml version="1.0" encoding="utf-8"?>
+<file path=ppt/slides/slide15.xml><?xml version="1.0" encoding="utf-8"?>
 <p:sld xmlns:a="http://schemas.openxmlformats.org/drawingml/2006/main" xmlns:r="http://schemas.openxmlformats.org/officeDocument/2006/relationships" xmlns:p="http://schemas.openxmlformats.org/presentationml/2006/main">
   <p:cSld>
     <p:spTree>
@@ -4457,8 +4792,15 @@
             <a:pPr lvl="1"/>
             <a:r>
               <a:rPr lang="fr-FR" dirty="0" smtClean="0"/>
-              <a:t>Date : 14/12/2017</a:t>
-            </a:r>
+              <a:t>Date : </a:t>
+            </a:r>
+            <a:r>
+              <a:rPr lang="fr-FR" dirty="0" smtClean="0"/>
+              <a:t>14/12/2017</a:t>
+            </a:r>
+          </a:p>
+          <a:p>
+            <a:pPr lvl="1"/>
             <a:endParaRPr lang="fr-FR" dirty="0" smtClean="0"/>
           </a:p>
           <a:p>
@@ -4492,7 +4834,7 @@
         </p:blipFill>
         <p:spPr bwMode="auto">
           <a:xfrm>
-            <a:off x="539552" y="2564905"/>
+            <a:off x="395536" y="2996952"/>
             <a:ext cx="7173913" cy="2880320"/>
           </a:xfrm>
           <a:prstGeom prst="rect">
@@ -4546,281 +4888,6 @@
 </p:sld>
 </file>
 
-<file path=ppt/slides/slide14.xml><?xml version="1.0" encoding="utf-8"?>
-<p:sld xmlns:a="http://schemas.openxmlformats.org/drawingml/2006/main" xmlns:r="http://schemas.openxmlformats.org/officeDocument/2006/relationships" xmlns:p="http://schemas.openxmlformats.org/presentationml/2006/main">
-  <p:cSld>
-    <p:spTree>
-      <p:nvGrpSpPr>
-        <p:cNvPr id="1" name=""/>
-        <p:cNvGrpSpPr/>
-        <p:nvPr/>
-      </p:nvGrpSpPr>
-      <p:grpSpPr>
-        <a:xfrm>
-          <a:off x="0" y="0"/>
-          <a:ext cx="0" cy="0"/>
-          <a:chOff x="0" y="0"/>
-          <a:chExt cx="0" cy="0"/>
-        </a:xfrm>
-      </p:grpSpPr>
-      <p:sp>
-        <p:nvSpPr>
-          <p:cNvPr id="2" name="Titre 1"/>
-          <p:cNvSpPr>
-            <a:spLocks noGrp="1"/>
-          </p:cNvSpPr>
-          <p:nvPr>
-            <p:ph type="title"/>
-          </p:nvPr>
-        </p:nvSpPr>
-        <p:spPr/>
-        <p:txBody>
-          <a:bodyPr>
-            <a:normAutofit fontScale="90000"/>
-          </a:bodyPr>
-          <a:lstStyle/>
-          <a:p>
-            <a:r>
-              <a:rPr lang="fr-FR" dirty="0" smtClean="0"/>
-              <a:t>Micro Services </a:t>
-            </a:r>
-            <a:r>
-              <a:rPr lang="fr-FR" dirty="0" smtClean="0"/>
-              <a:t>- </a:t>
-            </a:r>
-            <a:r>
-              <a:rPr lang="fr-FR" dirty="0" err="1" smtClean="0"/>
-              <a:t>Redhat</a:t>
-            </a:r>
-            <a:endParaRPr lang="fr-FR" dirty="0"/>
-          </a:p>
-        </p:txBody>
-      </p:sp>
-      <p:sp>
-        <p:nvSpPr>
-          <p:cNvPr id="3" name="Espace réservé du contenu 2"/>
-          <p:cNvSpPr>
-            <a:spLocks noGrp="1"/>
-          </p:cNvSpPr>
-          <p:nvPr>
-            <p:ph idx="1"/>
-          </p:nvPr>
-        </p:nvSpPr>
-        <p:spPr/>
-        <p:txBody>
-          <a:bodyPr/>
-          <a:lstStyle/>
-          <a:p>
-            <a:r>
-              <a:rPr lang="fr-FR" dirty="0" smtClean="0"/>
-              <a:t>Architecture</a:t>
-            </a:r>
-            <a:endParaRPr lang="fr-FR" dirty="0" smtClean="0"/>
-          </a:p>
-          <a:p>
-            <a:pPr lvl="1"/>
-            <a:r>
-              <a:rPr lang="fr-FR" dirty="0">
-                <a:hlinkClick r:id="rId2"/>
-              </a:rPr>
-              <a:t>https://</a:t>
-            </a:r>
-            <a:r>
-              <a:rPr lang="fr-FR" dirty="0" smtClean="0">
-                <a:hlinkClick r:id="rId2"/>
-              </a:rPr>
-              <a:t>www.redhat.com/cms/managed-files/mi-microservices-eap-7-reference-architecture-201606-en.pdf</a:t>
-            </a:r>
-            <a:endParaRPr lang="fr-FR" dirty="0" smtClean="0"/>
-          </a:p>
-          <a:p>
-            <a:pPr lvl="1"/>
-            <a:r>
-              <a:rPr lang="fr-FR" dirty="0" err="1" smtClean="0"/>
-              <a:t>Definition</a:t>
-            </a:r>
-            <a:r>
-              <a:rPr lang="fr-FR" dirty="0" smtClean="0"/>
-              <a:t> : Page 4</a:t>
-            </a:r>
-          </a:p>
-          <a:p>
-            <a:pPr lvl="1"/>
-            <a:r>
-              <a:rPr lang="fr-FR" dirty="0" err="1" smtClean="0"/>
-              <a:t>Advantages</a:t>
-            </a:r>
-            <a:r>
-              <a:rPr lang="fr-FR" dirty="0" smtClean="0"/>
-              <a:t> / </a:t>
-            </a:r>
-            <a:r>
-              <a:rPr lang="fr-FR" dirty="0" err="1" smtClean="0"/>
-              <a:t>Disadvantages</a:t>
-            </a:r>
-            <a:r>
-              <a:rPr lang="fr-FR" dirty="0" smtClean="0"/>
-              <a:t> : Page 4-5</a:t>
-            </a:r>
-          </a:p>
-          <a:p>
-            <a:pPr lvl="1"/>
-            <a:r>
-              <a:rPr lang="fr-FR" dirty="0" smtClean="0"/>
-              <a:t>Cross-</a:t>
-            </a:r>
-            <a:r>
-              <a:rPr lang="fr-FR" dirty="0" err="1" smtClean="0"/>
-              <a:t>Cutting</a:t>
-            </a:r>
-            <a:r>
-              <a:rPr lang="fr-FR" dirty="0" smtClean="0"/>
-              <a:t> : Page 16</a:t>
-            </a:r>
-          </a:p>
-          <a:p>
-            <a:pPr marL="457200" lvl="1" indent="0">
-              <a:buNone/>
-            </a:pPr>
-            <a:endParaRPr lang="fr-FR" dirty="0"/>
-          </a:p>
-        </p:txBody>
-      </p:sp>
-    </p:spTree>
-    <p:extLst>
-      <p:ext uri="{BB962C8B-B14F-4D97-AF65-F5344CB8AC3E}">
-        <p14:creationId xmlns:p14="http://schemas.microsoft.com/office/powerpoint/2010/main" val="1176314488"/>
-      </p:ext>
-    </p:extLst>
-  </p:cSld>
-  <p:clrMapOvr>
-    <a:masterClrMapping/>
-  </p:clrMapOvr>
-</p:sld>
-</file>
-
-<file path=ppt/slides/slide15.xml><?xml version="1.0" encoding="utf-8"?>
-<p:sld xmlns:a="http://schemas.openxmlformats.org/drawingml/2006/main" xmlns:r="http://schemas.openxmlformats.org/officeDocument/2006/relationships" xmlns:p="http://schemas.openxmlformats.org/presentationml/2006/main">
-  <p:cSld>
-    <p:spTree>
-      <p:nvGrpSpPr>
-        <p:cNvPr id="1" name=""/>
-        <p:cNvGrpSpPr/>
-        <p:nvPr/>
-      </p:nvGrpSpPr>
-      <p:grpSpPr>
-        <a:xfrm>
-          <a:off x="0" y="0"/>
-          <a:ext cx="0" cy="0"/>
-          <a:chOff x="0" y="0"/>
-          <a:chExt cx="0" cy="0"/>
-        </a:xfrm>
-      </p:grpSpPr>
-      <p:sp>
-        <p:nvSpPr>
-          <p:cNvPr id="2" name="Titre 1"/>
-          <p:cNvSpPr>
-            <a:spLocks noGrp="1"/>
-          </p:cNvSpPr>
-          <p:nvPr>
-            <p:ph type="title"/>
-          </p:nvPr>
-        </p:nvSpPr>
-        <p:spPr/>
-        <p:txBody>
-          <a:bodyPr>
-            <a:normAutofit fontScale="90000"/>
-          </a:bodyPr>
-          <a:lstStyle/>
-          <a:p>
-            <a:r>
-              <a:rPr lang="fr-FR" dirty="0" smtClean="0"/>
-              <a:t>Micro Services </a:t>
-            </a:r>
-            <a:r>
-              <a:rPr lang="fr-FR" dirty="0" smtClean="0"/>
-              <a:t>- Microsoft</a:t>
-            </a:r>
-            <a:endParaRPr lang="fr-FR" dirty="0"/>
-          </a:p>
-        </p:txBody>
-      </p:sp>
-      <p:sp>
-        <p:nvSpPr>
-          <p:cNvPr id="3" name="Espace réservé du contenu 2"/>
-          <p:cNvSpPr>
-            <a:spLocks noGrp="1"/>
-          </p:cNvSpPr>
-          <p:nvPr>
-            <p:ph idx="1"/>
-          </p:nvPr>
-        </p:nvSpPr>
-        <p:spPr/>
-        <p:txBody>
-          <a:bodyPr>
-            <a:normAutofit/>
-          </a:bodyPr>
-          <a:lstStyle/>
-          <a:p>
-            <a:r>
-              <a:rPr lang="fr-FR" sz="2000" dirty="0" smtClean="0"/>
-              <a:t>Architecture</a:t>
-            </a:r>
-            <a:endParaRPr lang="fr-FR" sz="2000" dirty="0"/>
-          </a:p>
-          <a:p>
-            <a:pPr lvl="1"/>
-            <a:r>
-              <a:rPr lang="fr-FR" sz="1600" dirty="0"/>
-              <a:t>NET-Microservices-Architecture-for-Containerized-NET-Applications-(Microsoft-eBook).</a:t>
-            </a:r>
-            <a:r>
-              <a:rPr lang="fr-FR" sz="1600" dirty="0" smtClean="0"/>
-              <a:t>pdf</a:t>
-            </a:r>
-          </a:p>
-          <a:p>
-            <a:pPr lvl="1"/>
-            <a:endParaRPr lang="fr-FR" sz="1600" dirty="0" smtClean="0"/>
-          </a:p>
-          <a:p>
-            <a:r>
-              <a:rPr lang="fr-FR" sz="1800" dirty="0" smtClean="0"/>
-              <a:t>Intégration avec outils Microsoft</a:t>
-            </a:r>
-            <a:endParaRPr lang="fr-FR" sz="1800" dirty="0"/>
-          </a:p>
-          <a:p>
-            <a:pPr lvl="1"/>
-            <a:r>
-              <a:rPr lang="fr-FR" sz="1600" dirty="0"/>
-              <a:t>Containerized-Docker-Application-Lifecycle-with-Microsoft-Platform-and-Tools-(eBook)_v1.1.pdf</a:t>
-            </a:r>
-          </a:p>
-          <a:p>
-            <a:endParaRPr lang="fr-FR" dirty="0" smtClean="0"/>
-          </a:p>
-          <a:p>
-            <a:pPr marL="457200" lvl="1" indent="0">
-              <a:buNone/>
-            </a:pPr>
-            <a:endParaRPr lang="fr-FR" dirty="0"/>
-          </a:p>
-        </p:txBody>
-      </p:sp>
-    </p:spTree>
-    <p:extLst>
-      <p:ext uri="{BB962C8B-B14F-4D97-AF65-F5344CB8AC3E}">
-        <p14:creationId xmlns:p14="http://schemas.microsoft.com/office/powerpoint/2010/main" val="3983967800"/>
-      </p:ext>
-    </p:extLst>
-  </p:cSld>
-  <p:clrMapOvr>
-    <a:masterClrMapping/>
-  </p:clrMapOvr>
-</p:sld>
-</file>
-
 <file path=ppt/slides/slide16.xml><?xml version="1.0" encoding="utf-8"?>
 <p:sld xmlns:a="http://schemas.openxmlformats.org/drawingml/2006/main" xmlns:r="http://schemas.openxmlformats.org/officeDocument/2006/relationships" xmlns:p="http://schemas.openxmlformats.org/presentationml/2006/main">
   <p:cSld>
@@ -4857,7 +4924,11 @@
           <a:p>
             <a:r>
               <a:rPr lang="fr-FR" dirty="0" smtClean="0"/>
-              <a:t>Micro service – Architecture Pattern</a:t>
+              <a:t>Micro Services - </a:t>
+            </a:r>
+            <a:r>
+              <a:rPr lang="fr-FR" dirty="0" err="1" smtClean="0"/>
+              <a:t>Redhat</a:t>
             </a:r>
             <a:endParaRPr lang="fr-FR" dirty="0"/>
           </a:p>
@@ -4875,14 +4946,12 @@
         </p:nvSpPr>
         <p:spPr/>
         <p:txBody>
-          <a:bodyPr>
-            <a:normAutofit fontScale="85000" lnSpcReduction="10000"/>
-          </a:bodyPr>
-          <a:lstStyle/>
-          <a:p>
-            <a:r>
-              <a:rPr lang="fr-FR" dirty="0" smtClean="0"/>
-              <a:t>Micro service Architecture</a:t>
+          <a:bodyPr/>
+          <a:lstStyle/>
+          <a:p>
+            <a:r>
+              <a:rPr lang="fr-FR" dirty="0" smtClean="0"/>
+              <a:t>Architecture</a:t>
             </a:r>
           </a:p>
           <a:p>
@@ -4891,172 +4960,60 @@
               <a:rPr lang="fr-FR" dirty="0">
                 <a:hlinkClick r:id="rId2"/>
               </a:rPr>
-              <a:t>http://</a:t>
+              <a:t>https://</a:t>
             </a:r>
             <a:r>
               <a:rPr lang="fr-FR" dirty="0" smtClean="0">
                 <a:hlinkClick r:id="rId2"/>
               </a:rPr>
-              <a:t>microservices.io/patterns/microservices.html</a:t>
+              <a:t>www.redhat.com/cms/managed-files/mi-microservices-eap-7-reference-architecture-201606-en.pdf</a:t>
             </a:r>
             <a:endParaRPr lang="fr-FR" dirty="0" smtClean="0"/>
           </a:p>
           <a:p>
-            <a:pPr marL="393192" lvl="1" indent="0">
-              <a:buNone/>
-            </a:pPr>
-            <a:endParaRPr lang="fr-FR" dirty="0" smtClean="0"/>
-          </a:p>
-          <a:p>
+            <a:pPr lvl="1"/>
             <a:r>
               <a:rPr lang="fr-FR" dirty="0" err="1" smtClean="0"/>
-              <a:t>Database</a:t>
-            </a:r>
-            <a:r>
-              <a:rPr lang="fr-FR" dirty="0" smtClean="0"/>
-              <a:t> per service</a:t>
-            </a:r>
-          </a:p>
-          <a:p>
-            <a:pPr lvl="1"/>
-            <a:r>
-              <a:rPr lang="fr-FR" dirty="0">
-                <a:hlinkClick r:id="rId3"/>
-              </a:rPr>
-              <a:t>http://</a:t>
-            </a:r>
-            <a:r>
-              <a:rPr lang="fr-FR" dirty="0" smtClean="0">
-                <a:hlinkClick r:id="rId3"/>
-              </a:rPr>
-              <a:t>microservices.io/patterns/data/database-per-service.html</a:t>
-            </a:r>
-            <a:endParaRPr lang="fr-FR" dirty="0" smtClean="0"/>
-          </a:p>
-          <a:p>
-            <a:pPr lvl="1"/>
-            <a:endParaRPr lang="fr-FR" dirty="0" smtClean="0"/>
-          </a:p>
-          <a:p>
+              <a:t>Definition</a:t>
+            </a:r>
+            <a:r>
+              <a:rPr lang="fr-FR" dirty="0" smtClean="0"/>
+              <a:t> : Page 4</a:t>
+            </a:r>
+          </a:p>
+          <a:p>
+            <a:pPr lvl="1"/>
             <a:r>
               <a:rPr lang="fr-FR" dirty="0" err="1" smtClean="0"/>
-              <a:t>Decompose</a:t>
-            </a:r>
-            <a:r>
-              <a:rPr lang="fr-FR" dirty="0" smtClean="0"/>
-              <a:t> by Business </a:t>
+              <a:t>Advantages</a:t>
+            </a:r>
+            <a:r>
+              <a:rPr lang="fr-FR" dirty="0" smtClean="0"/>
+              <a:t> / </a:t>
             </a:r>
             <a:r>
               <a:rPr lang="fr-FR" dirty="0" err="1" smtClean="0"/>
-              <a:t>capability</a:t>
-            </a:r>
-            <a:endParaRPr lang="fr-FR" dirty="0" smtClean="0"/>
-          </a:p>
-          <a:p>
-            <a:pPr lvl="1"/>
-            <a:r>
-              <a:rPr lang="fr-FR" dirty="0">
-                <a:hlinkClick r:id="rId4"/>
-              </a:rPr>
-              <a:t>http://</a:t>
-            </a:r>
-            <a:r>
-              <a:rPr lang="fr-FR" dirty="0" smtClean="0">
-                <a:hlinkClick r:id="rId4"/>
-              </a:rPr>
-              <a:t>microservices.io/patterns/decomposition/decompose-by-business-capability.html</a:t>
-            </a:r>
-            <a:endParaRPr lang="fr-FR" dirty="0" smtClean="0"/>
-          </a:p>
-          <a:p>
-            <a:pPr lvl="1"/>
-            <a:endParaRPr lang="fr-FR" dirty="0" smtClean="0"/>
-          </a:p>
-          <a:p>
-            <a:r>
-              <a:rPr lang="fr-FR" dirty="0" smtClean="0"/>
-              <a:t>Event </a:t>
+              <a:t>Disadvantages</a:t>
+            </a:r>
+            <a:r>
+              <a:rPr lang="fr-FR" dirty="0" smtClean="0"/>
+              <a:t> : Page 4-5</a:t>
+            </a:r>
+          </a:p>
+          <a:p>
+            <a:pPr lvl="1"/>
+            <a:r>
+              <a:rPr lang="fr-FR" dirty="0" smtClean="0"/>
+              <a:t>Cross-</a:t>
             </a:r>
             <a:r>
               <a:rPr lang="fr-FR" dirty="0" err="1" smtClean="0"/>
-              <a:t>sourcing</a:t>
-            </a:r>
-            <a:endParaRPr lang="fr-FR" dirty="0" smtClean="0"/>
-          </a:p>
-          <a:p>
-            <a:pPr lvl="1"/>
-            <a:r>
-              <a:rPr lang="fr-FR" dirty="0">
-                <a:hlinkClick r:id="rId5"/>
-              </a:rPr>
-              <a:t>http://</a:t>
-            </a:r>
-            <a:r>
-              <a:rPr lang="fr-FR" dirty="0" smtClean="0">
-                <a:hlinkClick r:id="rId5"/>
-              </a:rPr>
-              <a:t>microservices.io/patterns/data/event-sourcing.html</a:t>
-            </a:r>
-            <a:endParaRPr lang="fr-FR" dirty="0" smtClean="0"/>
-          </a:p>
-          <a:p>
-            <a:pPr lvl="1"/>
-            <a:endParaRPr lang="fr-FR" dirty="0" smtClean="0"/>
-          </a:p>
-          <a:p>
-            <a:r>
-              <a:rPr lang="fr-FR" dirty="0" smtClean="0"/>
-              <a:t>Command </a:t>
-            </a:r>
-            <a:r>
-              <a:rPr lang="fr-FR" dirty="0" err="1" smtClean="0"/>
-              <a:t>Query</a:t>
-            </a:r>
-            <a:r>
-              <a:rPr lang="fr-FR" dirty="0" smtClean="0"/>
-              <a:t> </a:t>
-            </a:r>
-            <a:r>
-              <a:rPr lang="fr-FR" dirty="0" err="1" smtClean="0"/>
-              <a:t>Responsibility</a:t>
-            </a:r>
-            <a:r>
-              <a:rPr lang="fr-FR" dirty="0" smtClean="0"/>
-              <a:t> </a:t>
-            </a:r>
-            <a:r>
-              <a:rPr lang="fr-FR" dirty="0" err="1" smtClean="0"/>
-              <a:t>Segregation</a:t>
-            </a:r>
-            <a:r>
-              <a:rPr lang="fr-FR" dirty="0" smtClean="0"/>
-              <a:t> (CQRS)</a:t>
-            </a:r>
-            <a:endParaRPr lang="fr-FR" dirty="0" smtClean="0"/>
-          </a:p>
-          <a:p>
-            <a:pPr lvl="1"/>
-            <a:r>
-              <a:rPr lang="fr-FR" dirty="0" smtClean="0"/>
-              <a:t>url </a:t>
-            </a:r>
-            <a:r>
-              <a:rPr lang="fr-FR" dirty="0"/>
-              <a:t>: </a:t>
-            </a:r>
-            <a:r>
-              <a:rPr lang="fr-FR" dirty="0">
-                <a:hlinkClick r:id="rId6"/>
-              </a:rPr>
-              <a:t>http://</a:t>
-            </a:r>
-            <a:r>
-              <a:rPr lang="fr-FR" dirty="0" smtClean="0">
-                <a:hlinkClick r:id="rId6"/>
-              </a:rPr>
-              <a:t>microservices.io/patterns/data/cqrs.html</a:t>
-            </a:r>
-            <a:endParaRPr lang="fr-FR" dirty="0" smtClean="0"/>
+              <a:t>Cutting</a:t>
+            </a:r>
+            <a:r>
+              <a:rPr lang="fr-FR" dirty="0" smtClean="0"/>
+              <a:t> : Page 16</a:t>
+            </a:r>
           </a:p>
           <a:p>
             <a:pPr marL="457200" lvl="1" indent="0">
@@ -5069,7 +5026,7 @@
     </p:spTree>
     <p:extLst>
       <p:ext uri="{BB962C8B-B14F-4D97-AF65-F5344CB8AC3E}">
-        <p14:creationId xmlns:p14="http://schemas.microsoft.com/office/powerpoint/2010/main" val="791464001"/>
+        <p14:creationId xmlns:p14="http://schemas.microsoft.com/office/powerpoint/2010/main" val="1176314488"/>
       </p:ext>
     </p:extLst>
   </p:cSld>
@@ -5080,6 +5037,1398 @@
 </file>
 
 <file path=ppt/slides/slide17.xml><?xml version="1.0" encoding="utf-8"?>
+<p:sld xmlns:a="http://schemas.openxmlformats.org/drawingml/2006/main" xmlns:r="http://schemas.openxmlformats.org/officeDocument/2006/relationships" xmlns:p="http://schemas.openxmlformats.org/presentationml/2006/main">
+  <p:cSld>
+    <p:spTree>
+      <p:nvGrpSpPr>
+        <p:cNvPr id="1" name=""/>
+        <p:cNvGrpSpPr/>
+        <p:nvPr/>
+      </p:nvGrpSpPr>
+      <p:grpSpPr>
+        <a:xfrm>
+          <a:off x="0" y="0"/>
+          <a:ext cx="0" cy="0"/>
+          <a:chOff x="0" y="0"/>
+          <a:chExt cx="0" cy="0"/>
+        </a:xfrm>
+      </p:grpSpPr>
+      <p:sp>
+        <p:nvSpPr>
+          <p:cNvPr id="2" name="Titre 1"/>
+          <p:cNvSpPr>
+            <a:spLocks noGrp="1"/>
+          </p:cNvSpPr>
+          <p:nvPr>
+            <p:ph type="title"/>
+          </p:nvPr>
+        </p:nvSpPr>
+        <p:spPr/>
+        <p:txBody>
+          <a:bodyPr>
+            <a:normAutofit fontScale="90000"/>
+          </a:bodyPr>
+          <a:lstStyle/>
+          <a:p>
+            <a:r>
+              <a:rPr lang="fr-FR" dirty="0" smtClean="0"/>
+              <a:t>Micro Services - Microsoft</a:t>
+            </a:r>
+            <a:endParaRPr lang="fr-FR" dirty="0"/>
+          </a:p>
+        </p:txBody>
+      </p:sp>
+      <p:sp>
+        <p:nvSpPr>
+          <p:cNvPr id="3" name="Espace réservé du contenu 2"/>
+          <p:cNvSpPr>
+            <a:spLocks noGrp="1"/>
+          </p:cNvSpPr>
+          <p:nvPr>
+            <p:ph idx="1"/>
+          </p:nvPr>
+        </p:nvSpPr>
+        <p:spPr/>
+        <p:txBody>
+          <a:bodyPr>
+            <a:normAutofit fontScale="92500" lnSpcReduction="20000"/>
+          </a:bodyPr>
+          <a:lstStyle/>
+          <a:p>
+            <a:r>
+              <a:rPr lang="fr-FR" sz="2000" dirty="0" smtClean="0"/>
+              <a:t>Architecture</a:t>
+            </a:r>
+          </a:p>
+          <a:p>
+            <a:pPr lvl="1"/>
+            <a:r>
+              <a:rPr lang="fr-FR" sz="1800" dirty="0"/>
+              <a:t>https://www.microsoft.com/net/learn/architecture</a:t>
+            </a:r>
+          </a:p>
+          <a:p>
+            <a:endParaRPr lang="fr-FR" sz="2000" dirty="0"/>
+          </a:p>
+          <a:p>
+            <a:pPr lvl="1"/>
+            <a:r>
+              <a:rPr lang="fr-FR" sz="1600" dirty="0"/>
+              <a:t>NET-Microservices-Architecture-for-Containerized-NET-Applications-(Microsoft-eBook).</a:t>
+            </a:r>
+            <a:r>
+              <a:rPr lang="fr-FR" sz="1600" dirty="0" smtClean="0"/>
+              <a:t>pdf</a:t>
+            </a:r>
+          </a:p>
+          <a:p>
+            <a:pPr marL="393192" lvl="1" indent="0">
+              <a:buNone/>
+            </a:pPr>
+            <a:r>
+              <a:rPr lang="fr-FR" sz="1600" dirty="0"/>
+              <a:t>https://www.microsoft.com/net/download/thank-you/microservices-architecture-ebook</a:t>
+            </a:r>
+            <a:endParaRPr lang="fr-FR" sz="1600" dirty="0" smtClean="0"/>
+          </a:p>
+          <a:p>
+            <a:pPr lvl="1"/>
+            <a:r>
+              <a:rPr lang="fr-FR" sz="1600" dirty="0" smtClean="0"/>
+              <a:t>Page 258 – Partial </a:t>
+            </a:r>
+            <a:r>
+              <a:rPr lang="fr-FR" sz="1600" dirty="0" err="1" smtClean="0"/>
+              <a:t>Failure</a:t>
+            </a:r>
+            <a:r>
+              <a:rPr lang="fr-FR" sz="1600" dirty="0" smtClean="0"/>
+              <a:t> </a:t>
+            </a:r>
+            <a:r>
+              <a:rPr lang="fr-FR" sz="1600" dirty="0" err="1" smtClean="0"/>
+              <a:t>Amplified</a:t>
+            </a:r>
+            <a:r>
+              <a:rPr lang="fr-FR" sz="1600" dirty="0" smtClean="0"/>
+              <a:t> in Micro Service</a:t>
+            </a:r>
+          </a:p>
+          <a:p>
+            <a:pPr marL="667512" lvl="2" indent="0">
+              <a:buNone/>
+            </a:pPr>
+            <a:r>
+              <a:rPr lang="en-US" sz="1300" dirty="0"/>
+              <a:t>If you do not design and implement techniques to ensure fault tolerance, even small downtimes can be amplified. As an example, 50 dependencies each with 99.99% of availability would result in several hours of downtime each month because of this ripple effect. When a </a:t>
+            </a:r>
+            <a:r>
+              <a:rPr lang="en-US" sz="1300" dirty="0" err="1"/>
+              <a:t>microservice</a:t>
+            </a:r>
+            <a:r>
+              <a:rPr lang="en-US" sz="1300" dirty="0"/>
+              <a:t> dependency fails while handling a high volume of requests, that failure can quickly saturate all available request threads in each service and crash the whole application. </a:t>
+            </a:r>
+            <a:endParaRPr lang="en-US" sz="1300" dirty="0" smtClean="0"/>
+          </a:p>
+          <a:p>
+            <a:pPr marL="667512" lvl="2" indent="0">
+              <a:buNone/>
+            </a:pPr>
+            <a:endParaRPr lang="en-US" sz="1300" dirty="0"/>
+          </a:p>
+          <a:p>
+            <a:pPr lvl="1"/>
+            <a:r>
+              <a:rPr lang="en-US" sz="1600" dirty="0" smtClean="0"/>
+              <a:t>Page 41 </a:t>
+            </a:r>
+            <a:r>
+              <a:rPr lang="en-US" sz="1600" dirty="0"/>
+              <a:t>–  How to design communication across </a:t>
+            </a:r>
+            <a:r>
+              <a:rPr lang="en-US" sz="1600" dirty="0" err="1"/>
+              <a:t>microservice</a:t>
+            </a:r>
+            <a:r>
+              <a:rPr lang="en-US" sz="1600" dirty="0"/>
+              <a:t> boundaries </a:t>
+            </a:r>
+            <a:endParaRPr lang="en-US" sz="1600" dirty="0" smtClean="0"/>
+          </a:p>
+          <a:p>
+            <a:pPr marL="667512" lvl="2" indent="0">
+              <a:buNone/>
+            </a:pPr>
+            <a:r>
+              <a:rPr lang="en-US" sz="1300" dirty="0"/>
+              <a:t>Therefore, in order to enforce </a:t>
+            </a:r>
+            <a:r>
+              <a:rPr lang="en-US" sz="1300" dirty="0" err="1"/>
+              <a:t>microservice</a:t>
+            </a:r>
+            <a:r>
+              <a:rPr lang="en-US" sz="1300" dirty="0"/>
+              <a:t> autonomy and have better resiliency, you should minimize the use of chains of request/response communication across </a:t>
+            </a:r>
+            <a:r>
+              <a:rPr lang="en-US" sz="1300" dirty="0" err="1"/>
+              <a:t>microservices</a:t>
+            </a:r>
+            <a:r>
+              <a:rPr lang="en-US" sz="1300" dirty="0"/>
+              <a:t>. It is recommended that you use only asynchronous interaction for inter-</a:t>
+            </a:r>
+            <a:r>
+              <a:rPr lang="en-US" sz="1300" dirty="0" err="1"/>
+              <a:t>microservice</a:t>
+            </a:r>
+            <a:r>
+              <a:rPr lang="en-US" sz="1300" dirty="0"/>
+              <a:t> communication, either by using asynchronous message- and event-based communication, or by using HTTP polling independently of the original HTTP request/response cycle. </a:t>
+            </a:r>
+          </a:p>
+          <a:p>
+            <a:pPr lvl="1"/>
+            <a:endParaRPr lang="fr-FR" sz="1600" dirty="0" smtClean="0"/>
+          </a:p>
+          <a:p>
+            <a:pPr lvl="1"/>
+            <a:endParaRPr lang="fr-FR" sz="1600" dirty="0"/>
+          </a:p>
+          <a:p>
+            <a:pPr lvl="1"/>
+            <a:endParaRPr lang="fr-FR" sz="1600" dirty="0" smtClean="0"/>
+          </a:p>
+          <a:p>
+            <a:r>
+              <a:rPr lang="fr-FR" sz="1800" dirty="0" smtClean="0"/>
+              <a:t>Intégration avec outils Microsoft</a:t>
+            </a:r>
+            <a:endParaRPr lang="fr-FR" sz="1800" dirty="0"/>
+          </a:p>
+          <a:p>
+            <a:pPr lvl="1"/>
+            <a:r>
+              <a:rPr lang="fr-FR" sz="1600" dirty="0"/>
+              <a:t>Containerized-Docker-Application-Lifecycle-with-Microsoft-Platform-and-Tools-(eBook)_v1.1.pdf</a:t>
+            </a:r>
+          </a:p>
+          <a:p>
+            <a:endParaRPr lang="fr-FR" dirty="0" smtClean="0"/>
+          </a:p>
+          <a:p>
+            <a:pPr marL="457200" lvl="1" indent="0">
+              <a:buNone/>
+            </a:pPr>
+            <a:endParaRPr lang="fr-FR" dirty="0"/>
+          </a:p>
+        </p:txBody>
+      </p:sp>
+    </p:spTree>
+    <p:extLst>
+      <p:ext uri="{BB962C8B-B14F-4D97-AF65-F5344CB8AC3E}">
+        <p14:creationId xmlns:p14="http://schemas.microsoft.com/office/powerpoint/2010/main" val="3983967800"/>
+      </p:ext>
+    </p:extLst>
+  </p:cSld>
+  <p:clrMapOvr>
+    <a:masterClrMapping/>
+  </p:clrMapOvr>
+</p:sld>
+</file>
+
+<file path=ppt/slides/slide18.xml><?xml version="1.0" encoding="utf-8"?>
+<p:sld xmlns:a="http://schemas.openxmlformats.org/drawingml/2006/main" xmlns:r="http://schemas.openxmlformats.org/officeDocument/2006/relationships" xmlns:p="http://schemas.openxmlformats.org/presentationml/2006/main">
+  <p:cSld>
+    <p:spTree>
+      <p:nvGrpSpPr>
+        <p:cNvPr id="1" name=""/>
+        <p:cNvGrpSpPr/>
+        <p:nvPr/>
+      </p:nvGrpSpPr>
+      <p:grpSpPr>
+        <a:xfrm>
+          <a:off x="0" y="0"/>
+          <a:ext cx="0" cy="0"/>
+          <a:chOff x="0" y="0"/>
+          <a:chExt cx="0" cy="0"/>
+        </a:xfrm>
+      </p:grpSpPr>
+      <p:sp>
+        <p:nvSpPr>
+          <p:cNvPr id="2" name="Titre 1"/>
+          <p:cNvSpPr>
+            <a:spLocks noGrp="1"/>
+          </p:cNvSpPr>
+          <p:nvPr>
+            <p:ph type="title"/>
+          </p:nvPr>
+        </p:nvSpPr>
+        <p:spPr/>
+        <p:txBody>
+          <a:bodyPr>
+            <a:normAutofit fontScale="90000"/>
+          </a:bodyPr>
+          <a:lstStyle/>
+          <a:p>
+            <a:r>
+              <a:rPr lang="fr-FR" dirty="0" smtClean="0"/>
+              <a:t>Micro service – Architecture Pattern</a:t>
+            </a:r>
+            <a:endParaRPr lang="fr-FR" dirty="0"/>
+          </a:p>
+        </p:txBody>
+      </p:sp>
+      <p:sp>
+        <p:nvSpPr>
+          <p:cNvPr id="3" name="Espace réservé du contenu 2"/>
+          <p:cNvSpPr>
+            <a:spLocks noGrp="1"/>
+          </p:cNvSpPr>
+          <p:nvPr>
+            <p:ph idx="1"/>
+          </p:nvPr>
+        </p:nvSpPr>
+        <p:spPr/>
+        <p:txBody>
+          <a:bodyPr>
+            <a:normAutofit fontScale="85000" lnSpcReduction="10000"/>
+          </a:bodyPr>
+          <a:lstStyle/>
+          <a:p>
+            <a:r>
+              <a:rPr lang="fr-FR" dirty="0" smtClean="0"/>
+              <a:t>Micro service Architecture</a:t>
+            </a:r>
+          </a:p>
+          <a:p>
+            <a:pPr lvl="1"/>
+            <a:r>
+              <a:rPr lang="fr-FR" dirty="0">
+                <a:hlinkClick r:id="rId2"/>
+              </a:rPr>
+              <a:t>http://</a:t>
+            </a:r>
+            <a:r>
+              <a:rPr lang="fr-FR" dirty="0" smtClean="0">
+                <a:hlinkClick r:id="rId2"/>
+              </a:rPr>
+              <a:t>microservices.io/patterns/microservices.html</a:t>
+            </a:r>
+            <a:endParaRPr lang="fr-FR" dirty="0" smtClean="0"/>
+          </a:p>
+          <a:p>
+            <a:pPr marL="393192" lvl="1" indent="0">
+              <a:buNone/>
+            </a:pPr>
+            <a:endParaRPr lang="fr-FR" dirty="0" smtClean="0"/>
+          </a:p>
+          <a:p>
+            <a:r>
+              <a:rPr lang="fr-FR" dirty="0" err="1" smtClean="0"/>
+              <a:t>Database</a:t>
+            </a:r>
+            <a:r>
+              <a:rPr lang="fr-FR" dirty="0" smtClean="0"/>
+              <a:t> per service</a:t>
+            </a:r>
+          </a:p>
+          <a:p>
+            <a:pPr lvl="1"/>
+            <a:r>
+              <a:rPr lang="fr-FR" dirty="0">
+                <a:hlinkClick r:id="rId3"/>
+              </a:rPr>
+              <a:t>http://</a:t>
+            </a:r>
+            <a:r>
+              <a:rPr lang="fr-FR" dirty="0" smtClean="0">
+                <a:hlinkClick r:id="rId3"/>
+              </a:rPr>
+              <a:t>microservices.io/patterns/data/database-per-service.html</a:t>
+            </a:r>
+            <a:endParaRPr lang="fr-FR" dirty="0" smtClean="0"/>
+          </a:p>
+          <a:p>
+            <a:pPr lvl="1"/>
+            <a:endParaRPr lang="fr-FR" dirty="0" smtClean="0"/>
+          </a:p>
+          <a:p>
+            <a:r>
+              <a:rPr lang="fr-FR" dirty="0" err="1" smtClean="0"/>
+              <a:t>Decompose</a:t>
+            </a:r>
+            <a:r>
+              <a:rPr lang="fr-FR" dirty="0" smtClean="0"/>
+              <a:t> by Business </a:t>
+            </a:r>
+            <a:r>
+              <a:rPr lang="fr-FR" dirty="0" err="1" smtClean="0"/>
+              <a:t>capability</a:t>
+            </a:r>
+            <a:endParaRPr lang="fr-FR" dirty="0" smtClean="0"/>
+          </a:p>
+          <a:p>
+            <a:pPr lvl="1"/>
+            <a:r>
+              <a:rPr lang="fr-FR" dirty="0">
+                <a:hlinkClick r:id="rId4"/>
+              </a:rPr>
+              <a:t>http://</a:t>
+            </a:r>
+            <a:r>
+              <a:rPr lang="fr-FR" dirty="0" smtClean="0">
+                <a:hlinkClick r:id="rId4"/>
+              </a:rPr>
+              <a:t>microservices.io/patterns/decomposition/decompose-by-business-capability.html</a:t>
+            </a:r>
+            <a:endParaRPr lang="fr-FR" dirty="0" smtClean="0"/>
+          </a:p>
+          <a:p>
+            <a:pPr lvl="1"/>
+            <a:endParaRPr lang="fr-FR" dirty="0" smtClean="0"/>
+          </a:p>
+          <a:p>
+            <a:r>
+              <a:rPr lang="fr-FR" dirty="0" smtClean="0"/>
+              <a:t>Event </a:t>
+            </a:r>
+            <a:r>
+              <a:rPr lang="fr-FR" dirty="0" err="1" smtClean="0"/>
+              <a:t>sourcing</a:t>
+            </a:r>
+            <a:endParaRPr lang="fr-FR" dirty="0" smtClean="0"/>
+          </a:p>
+          <a:p>
+            <a:pPr lvl="1"/>
+            <a:r>
+              <a:rPr lang="fr-FR" dirty="0">
+                <a:hlinkClick r:id="rId5"/>
+              </a:rPr>
+              <a:t>http://</a:t>
+            </a:r>
+            <a:r>
+              <a:rPr lang="fr-FR" dirty="0" smtClean="0">
+                <a:hlinkClick r:id="rId5"/>
+              </a:rPr>
+              <a:t>microservices.io/patterns/data/event-sourcing.html</a:t>
+            </a:r>
+            <a:endParaRPr lang="fr-FR" dirty="0" smtClean="0"/>
+          </a:p>
+          <a:p>
+            <a:pPr lvl="1"/>
+            <a:endParaRPr lang="fr-FR" dirty="0" smtClean="0"/>
+          </a:p>
+          <a:p>
+            <a:r>
+              <a:rPr lang="fr-FR" dirty="0" smtClean="0"/>
+              <a:t>Command </a:t>
+            </a:r>
+            <a:r>
+              <a:rPr lang="fr-FR" dirty="0" err="1" smtClean="0"/>
+              <a:t>Query</a:t>
+            </a:r>
+            <a:r>
+              <a:rPr lang="fr-FR" dirty="0" smtClean="0"/>
+              <a:t> </a:t>
+            </a:r>
+            <a:r>
+              <a:rPr lang="fr-FR" dirty="0" err="1" smtClean="0"/>
+              <a:t>Responsibility</a:t>
+            </a:r>
+            <a:r>
+              <a:rPr lang="fr-FR" dirty="0" smtClean="0"/>
+              <a:t> </a:t>
+            </a:r>
+            <a:r>
+              <a:rPr lang="fr-FR" dirty="0" err="1" smtClean="0"/>
+              <a:t>Segregation</a:t>
+            </a:r>
+            <a:r>
+              <a:rPr lang="fr-FR" dirty="0" smtClean="0"/>
+              <a:t> (CQRS)</a:t>
+            </a:r>
+          </a:p>
+          <a:p>
+            <a:pPr lvl="1"/>
+            <a:r>
+              <a:rPr lang="fr-FR" dirty="0" smtClean="0"/>
+              <a:t>url </a:t>
+            </a:r>
+            <a:r>
+              <a:rPr lang="fr-FR" dirty="0"/>
+              <a:t>: </a:t>
+            </a:r>
+            <a:r>
+              <a:rPr lang="fr-FR" dirty="0">
+                <a:hlinkClick r:id="rId6"/>
+              </a:rPr>
+              <a:t>http://</a:t>
+            </a:r>
+            <a:r>
+              <a:rPr lang="fr-FR" dirty="0" smtClean="0">
+                <a:hlinkClick r:id="rId6"/>
+              </a:rPr>
+              <a:t>microservices.io/patterns/data/cqrs.html</a:t>
+            </a:r>
+            <a:endParaRPr lang="fr-FR" dirty="0" smtClean="0"/>
+          </a:p>
+          <a:p>
+            <a:pPr marL="457200" lvl="1" indent="0">
+              <a:buNone/>
+            </a:pPr>
+            <a:endParaRPr lang="fr-FR" dirty="0"/>
+          </a:p>
+        </p:txBody>
+      </p:sp>
+    </p:spTree>
+    <p:extLst>
+      <p:ext uri="{BB962C8B-B14F-4D97-AF65-F5344CB8AC3E}">
+        <p14:creationId xmlns:p14="http://schemas.microsoft.com/office/powerpoint/2010/main" val="37302309"/>
+      </p:ext>
+    </p:extLst>
+  </p:cSld>
+  <p:clrMapOvr>
+    <a:masterClrMapping/>
+  </p:clrMapOvr>
+</p:sld>
+</file>
+
+<file path=ppt/slides/slide19.xml><?xml version="1.0" encoding="utf-8"?>
+<p:sld xmlns:a="http://schemas.openxmlformats.org/drawingml/2006/main" xmlns:r="http://schemas.openxmlformats.org/officeDocument/2006/relationships" xmlns:p="http://schemas.openxmlformats.org/presentationml/2006/main">
+  <p:cSld>
+    <p:spTree>
+      <p:nvGrpSpPr>
+        <p:cNvPr id="1" name=""/>
+        <p:cNvGrpSpPr/>
+        <p:nvPr/>
+      </p:nvGrpSpPr>
+      <p:grpSpPr>
+        <a:xfrm>
+          <a:off x="0" y="0"/>
+          <a:ext cx="0" cy="0"/>
+          <a:chOff x="0" y="0"/>
+          <a:chExt cx="0" cy="0"/>
+        </a:xfrm>
+      </p:grpSpPr>
+      <p:sp>
+        <p:nvSpPr>
+          <p:cNvPr id="2" name="Titre 1"/>
+          <p:cNvSpPr>
+            <a:spLocks noGrp="1"/>
+          </p:cNvSpPr>
+          <p:nvPr>
+            <p:ph type="title"/>
+          </p:nvPr>
+        </p:nvSpPr>
+        <p:spPr/>
+        <p:txBody>
+          <a:bodyPr>
+            <a:normAutofit fontScale="90000"/>
+          </a:bodyPr>
+          <a:lstStyle/>
+          <a:p>
+            <a:r>
+              <a:rPr lang="fr-FR" dirty="0" smtClean="0"/>
+              <a:t>Micro service – Architecture Pattern</a:t>
+            </a:r>
+            <a:endParaRPr lang="fr-FR" dirty="0"/>
+          </a:p>
+        </p:txBody>
+      </p:sp>
+      <p:sp>
+        <p:nvSpPr>
+          <p:cNvPr id="3" name="Espace réservé du contenu 2"/>
+          <p:cNvSpPr>
+            <a:spLocks noGrp="1"/>
+          </p:cNvSpPr>
+          <p:nvPr>
+            <p:ph idx="1"/>
+          </p:nvPr>
+        </p:nvSpPr>
+        <p:spPr/>
+        <p:txBody>
+          <a:bodyPr>
+            <a:normAutofit/>
+          </a:bodyPr>
+          <a:lstStyle/>
+          <a:p>
+            <a:r>
+              <a:rPr lang="fr-FR" dirty="0">
+                <a:hlinkClick r:id="rId2"/>
+              </a:rPr>
+              <a:t>https://</a:t>
+            </a:r>
+            <a:r>
+              <a:rPr lang="fr-FR" dirty="0" smtClean="0">
+                <a:hlinkClick r:id="rId2"/>
+              </a:rPr>
+              <a:t>www.martinfowler.com/articles/microservices.html</a:t>
+            </a:r>
+            <a:endParaRPr lang="fr-FR" dirty="0" smtClean="0"/>
+          </a:p>
+          <a:p>
+            <a:pPr lvl="1"/>
+            <a:r>
+              <a:rPr lang="fr-FR" b="1" dirty="0" err="1"/>
+              <a:t>Organized</a:t>
+            </a:r>
+            <a:r>
+              <a:rPr lang="fr-FR" b="1" dirty="0"/>
+              <a:t> </a:t>
+            </a:r>
+            <a:r>
+              <a:rPr lang="fr-FR" b="1" dirty="0" err="1"/>
+              <a:t>around</a:t>
+            </a:r>
+            <a:r>
+              <a:rPr lang="fr-FR" b="1" dirty="0"/>
+              <a:t> Business </a:t>
+            </a:r>
+            <a:r>
+              <a:rPr lang="fr-FR" b="1" dirty="0" err="1" smtClean="0"/>
+              <a:t>Capabilities</a:t>
+            </a:r>
+            <a:r>
+              <a:rPr lang="fr-FR" b="1" dirty="0" smtClean="0"/>
+              <a:t> = </a:t>
+            </a:r>
+            <a:r>
+              <a:rPr lang="fr-FR" b="1" dirty="0" err="1" smtClean="0"/>
+              <a:t>Ready</a:t>
+            </a:r>
+            <a:r>
+              <a:rPr lang="fr-FR" b="1" dirty="0" smtClean="0"/>
+              <a:t> to Agile</a:t>
+            </a:r>
+            <a:endParaRPr lang="fr-FR" dirty="0" smtClean="0"/>
+          </a:p>
+          <a:p>
+            <a:pPr marL="0" indent="0">
+              <a:buNone/>
+            </a:pPr>
+            <a:endParaRPr lang="fr-FR" dirty="0" smtClean="0"/>
+          </a:p>
+          <a:p>
+            <a:pPr marL="393192" lvl="1" indent="0">
+              <a:buNone/>
+            </a:pPr>
+            <a:endParaRPr lang="fr-FR" dirty="0" smtClean="0"/>
+          </a:p>
+        </p:txBody>
+      </p:sp>
+      <p:pic>
+        <p:nvPicPr>
+          <p:cNvPr id="6146" name="Picture 2"/>
+          <p:cNvPicPr>
+            <a:picLocks noChangeAspect="1" noChangeArrowheads="1"/>
+          </p:cNvPicPr>
+          <p:nvPr/>
+        </p:nvPicPr>
+        <p:blipFill>
+          <a:blip r:embed="rId3">
+            <a:extLst>
+              <a:ext uri="{28A0092B-C50C-407E-A947-70E740481C1C}">
+                <a14:useLocalDpi xmlns:a14="http://schemas.microsoft.com/office/drawing/2010/main" val="0"/>
+              </a:ext>
+            </a:extLst>
+          </a:blip>
+          <a:srcRect/>
+          <a:stretch>
+            <a:fillRect/>
+          </a:stretch>
+        </p:blipFill>
+        <p:spPr bwMode="auto">
+          <a:xfrm>
+            <a:off x="827585" y="2708920"/>
+            <a:ext cx="2736304" cy="2262337"/>
+          </a:xfrm>
+          <a:prstGeom prst="rect">
+            <a:avLst/>
+          </a:prstGeom>
+          <a:noFill/>
+          <a:ln>
+            <a:noFill/>
+          </a:ln>
+          <a:extLst>
+            <a:ext uri="{909E8E84-426E-40DD-AFC4-6F175D3DCCD1}">
+              <a14:hiddenFill xmlns:a14="http://schemas.microsoft.com/office/drawing/2010/main">
+                <a:solidFill>
+                  <a:schemeClr val="accent1"/>
+                </a:solidFill>
+              </a14:hiddenFill>
+            </a:ext>
+            <a:ext uri="{91240B29-F687-4F45-9708-019B960494DF}">
+              <a14:hiddenLine xmlns:a14="http://schemas.microsoft.com/office/drawing/2010/main" w="9525">
+                <a:solidFill>
+                  <a:schemeClr val="tx1"/>
+                </a:solidFill>
+                <a:miter lim="800000"/>
+                <a:headEnd/>
+                <a:tailEnd/>
+              </a14:hiddenLine>
+            </a:ext>
+          </a:extLst>
+        </p:spPr>
+      </p:pic>
+      <p:pic>
+        <p:nvPicPr>
+          <p:cNvPr id="6148" name="Picture 4" descr="https://www.martinfowler.com/articles/microservices/images/PreferFunctionalStaffOrganization.png"/>
+          <p:cNvPicPr>
+            <a:picLocks noChangeAspect="1" noChangeArrowheads="1"/>
+          </p:cNvPicPr>
+          <p:nvPr/>
+        </p:nvPicPr>
+        <p:blipFill>
+          <a:blip r:embed="rId4">
+            <a:extLst>
+              <a:ext uri="{28A0092B-C50C-407E-A947-70E740481C1C}">
+                <a14:useLocalDpi xmlns:a14="http://schemas.microsoft.com/office/drawing/2010/main" val="0"/>
+              </a:ext>
+            </a:extLst>
+          </a:blip>
+          <a:srcRect/>
+          <a:stretch>
+            <a:fillRect/>
+          </a:stretch>
+        </p:blipFill>
+        <p:spPr bwMode="auto">
+          <a:xfrm>
+            <a:off x="4293506" y="2765483"/>
+            <a:ext cx="3738625" cy="2149209"/>
+          </a:xfrm>
+          <a:prstGeom prst="rect">
+            <a:avLst/>
+          </a:prstGeom>
+          <a:noFill/>
+          <a:extLst>
+            <a:ext uri="{909E8E84-426E-40DD-AFC4-6F175D3DCCD1}">
+              <a14:hiddenFill xmlns:a14="http://schemas.microsoft.com/office/drawing/2010/main">
+                <a:solidFill>
+                  <a:srgbClr val="FFFFFF"/>
+                </a:solidFill>
+              </a14:hiddenFill>
+            </a:ext>
+          </a:extLst>
+        </p:spPr>
+      </p:pic>
+      <p:sp>
+        <p:nvSpPr>
+          <p:cNvPr id="4" name="ZoneTexte 3"/>
+          <p:cNvSpPr txBox="1"/>
+          <p:nvPr/>
+        </p:nvSpPr>
+        <p:spPr>
+          <a:xfrm>
+            <a:off x="416007" y="5085184"/>
+            <a:ext cx="3564395" cy="1200329"/>
+          </a:xfrm>
+          <a:prstGeom prst="rect">
+            <a:avLst/>
+          </a:prstGeom>
+          <a:noFill/>
+        </p:spPr>
+        <p:txBody>
+          <a:bodyPr wrap="square" rtlCol="0">
+            <a:spAutoFit/>
+          </a:bodyPr>
+          <a:lstStyle/>
+          <a:p>
+            <a:r>
+              <a:rPr lang="en-US" sz="1200" dirty="0"/>
+              <a:t>When looking to split a large application into parts, often management focuses on the technology layer, leading to UI teams, server-side logic teams, and database teams. When teams are separated along these lines, even simple changes can lead to a cross-team project taking time and budgetary approval</a:t>
+            </a:r>
+            <a:endParaRPr lang="fr-FR" sz="1200" dirty="0"/>
+          </a:p>
+        </p:txBody>
+      </p:sp>
+      <p:sp>
+        <p:nvSpPr>
+          <p:cNvPr id="7" name="ZoneTexte 6"/>
+          <p:cNvSpPr txBox="1"/>
+          <p:nvPr/>
+        </p:nvSpPr>
+        <p:spPr>
+          <a:xfrm>
+            <a:off x="4459475" y="5085184"/>
+            <a:ext cx="3564395" cy="1384995"/>
+          </a:xfrm>
+          <a:prstGeom prst="rect">
+            <a:avLst/>
+          </a:prstGeom>
+          <a:noFill/>
+        </p:spPr>
+        <p:txBody>
+          <a:bodyPr wrap="square" rtlCol="0">
+            <a:spAutoFit/>
+          </a:bodyPr>
+          <a:lstStyle/>
+          <a:p>
+            <a:r>
+              <a:rPr lang="en-US" sz="1200" dirty="0" smtClean="0"/>
+              <a:t>Such </a:t>
+            </a:r>
+            <a:r>
+              <a:rPr lang="en-US" sz="1200" dirty="0"/>
+              <a:t>services take a broad-stack implementation of software for that business area, including user-interface, </a:t>
+            </a:r>
+            <a:r>
+              <a:rPr lang="en-US" sz="1200" dirty="0" err="1"/>
+              <a:t>persistant</a:t>
+            </a:r>
+            <a:r>
+              <a:rPr lang="en-US" sz="1200" dirty="0"/>
+              <a:t> storage, and any external collaborations. Consequently the teams are cross-functional, including the full range of skills required for the development: user-experience, database, and project management. </a:t>
+            </a:r>
+            <a:endParaRPr lang="fr-FR" sz="1200" dirty="0"/>
+          </a:p>
+        </p:txBody>
+      </p:sp>
+    </p:spTree>
+    <p:extLst>
+      <p:ext uri="{BB962C8B-B14F-4D97-AF65-F5344CB8AC3E}">
+        <p14:creationId xmlns:p14="http://schemas.microsoft.com/office/powerpoint/2010/main" val="37302309"/>
+      </p:ext>
+    </p:extLst>
+  </p:cSld>
+  <p:clrMapOvr>
+    <a:masterClrMapping/>
+  </p:clrMapOvr>
+</p:sld>
+</file>
+
+<file path=ppt/slides/slide2.xml><?xml version="1.0" encoding="utf-8"?>
+<p:sld xmlns:a="http://schemas.openxmlformats.org/drawingml/2006/main" xmlns:r="http://schemas.openxmlformats.org/officeDocument/2006/relationships" xmlns:p="http://schemas.openxmlformats.org/presentationml/2006/main">
+  <p:cSld>
+    <p:spTree>
+      <p:nvGrpSpPr>
+        <p:cNvPr id="1" name=""/>
+        <p:cNvGrpSpPr/>
+        <p:nvPr/>
+      </p:nvGrpSpPr>
+      <p:grpSpPr>
+        <a:xfrm>
+          <a:off x="0" y="0"/>
+          <a:ext cx="0" cy="0"/>
+          <a:chOff x="0" y="0"/>
+          <a:chExt cx="0" cy="0"/>
+        </a:xfrm>
+      </p:grpSpPr>
+      <p:sp>
+        <p:nvSpPr>
+          <p:cNvPr id="2" name="Titre 1"/>
+          <p:cNvSpPr>
+            <a:spLocks noGrp="1"/>
+          </p:cNvSpPr>
+          <p:nvPr>
+            <p:ph type="title"/>
+          </p:nvPr>
+        </p:nvSpPr>
+        <p:spPr/>
+        <p:txBody>
+          <a:bodyPr>
+            <a:normAutofit fontScale="90000"/>
+          </a:bodyPr>
+          <a:lstStyle/>
+          <a:p>
+            <a:r>
+              <a:rPr lang="fr-FR" dirty="0" smtClean="0"/>
+              <a:t>Généralités</a:t>
+            </a:r>
+            <a:endParaRPr lang="fr-FR" dirty="0"/>
+          </a:p>
+        </p:txBody>
+      </p:sp>
+      <p:sp>
+        <p:nvSpPr>
+          <p:cNvPr id="3" name="Espace réservé du contenu 2"/>
+          <p:cNvSpPr>
+            <a:spLocks noGrp="1"/>
+          </p:cNvSpPr>
+          <p:nvPr>
+            <p:ph idx="1"/>
+          </p:nvPr>
+        </p:nvSpPr>
+        <p:spPr/>
+        <p:txBody>
+          <a:bodyPr>
+            <a:normAutofit fontScale="92500" lnSpcReduction="20000"/>
+          </a:bodyPr>
+          <a:lstStyle/>
+          <a:p>
+            <a:r>
+              <a:rPr lang="fr-FR" dirty="0" smtClean="0"/>
+              <a:t>Docker</a:t>
+            </a:r>
+          </a:p>
+          <a:p>
+            <a:pPr lvl="1"/>
+            <a:r>
+              <a:rPr lang="fr-FR" dirty="0" smtClean="0"/>
+              <a:t>Solution de containérisation adoptée par tous les Majors IT</a:t>
+            </a:r>
+          </a:p>
+          <a:p>
+            <a:pPr lvl="1"/>
+            <a:r>
+              <a:rPr lang="fr-FR" dirty="0" smtClean="0"/>
+              <a:t>Cross-</a:t>
+            </a:r>
+            <a:r>
+              <a:rPr lang="fr-FR" dirty="0" err="1" smtClean="0"/>
+              <a:t>platform</a:t>
+            </a:r>
+            <a:endParaRPr lang="fr-FR" dirty="0" smtClean="0"/>
+          </a:p>
+          <a:p>
+            <a:pPr lvl="1"/>
+            <a:r>
+              <a:rPr lang="fr-FR" dirty="0" smtClean="0"/>
+              <a:t>Peu ou pas de concurrents (</a:t>
+            </a:r>
+            <a:r>
+              <a:rPr lang="fr-FR" dirty="0" err="1" smtClean="0"/>
+              <a:t>Roket</a:t>
+            </a:r>
+            <a:r>
+              <a:rPr lang="fr-FR" dirty="0" smtClean="0"/>
+              <a:t>, LXC)</a:t>
+            </a:r>
+          </a:p>
+          <a:p>
+            <a:r>
+              <a:rPr lang="fr-FR" dirty="0" smtClean="0"/>
+              <a:t>Pourquoi les containers</a:t>
+            </a:r>
+          </a:p>
+          <a:p>
+            <a:pPr lvl="1"/>
+            <a:r>
+              <a:rPr lang="fr-FR" dirty="0" err="1" smtClean="0"/>
+              <a:t>Scalabilité</a:t>
+            </a:r>
+            <a:r>
+              <a:rPr lang="fr-FR" dirty="0" smtClean="0"/>
+              <a:t> Horizontale</a:t>
+            </a:r>
+          </a:p>
+          <a:p>
+            <a:pPr lvl="1"/>
+            <a:r>
+              <a:rPr lang="fr-FR" dirty="0" smtClean="0"/>
+              <a:t>Patch Management</a:t>
+            </a:r>
+          </a:p>
+          <a:p>
+            <a:pPr lvl="1"/>
+            <a:r>
+              <a:rPr lang="fr-FR" dirty="0" smtClean="0"/>
+              <a:t>Rapidité / Fiabilité de déploiement</a:t>
+            </a:r>
+          </a:p>
+          <a:p>
+            <a:r>
+              <a:rPr lang="fr-FR" dirty="0" smtClean="0"/>
+              <a:t>Plate-forme d’exécution</a:t>
+            </a:r>
+          </a:p>
+          <a:p>
+            <a:pPr lvl="1"/>
+            <a:r>
+              <a:rPr lang="fr-FR" dirty="0" smtClean="0"/>
+              <a:t>Orchestration déploiement</a:t>
+            </a:r>
+          </a:p>
+          <a:p>
+            <a:pPr lvl="1"/>
+            <a:r>
+              <a:rPr lang="fr-FR" dirty="0" smtClean="0"/>
+              <a:t>Orchestration </a:t>
+            </a:r>
+            <a:r>
+              <a:rPr lang="fr-FR" dirty="0" err="1" smtClean="0"/>
+              <a:t>scalabilité</a:t>
+            </a:r>
+            <a:endParaRPr lang="fr-FR" dirty="0" smtClean="0"/>
+          </a:p>
+          <a:p>
+            <a:pPr lvl="1"/>
+            <a:r>
+              <a:rPr lang="fr-FR" dirty="0" smtClean="0"/>
+              <a:t>Services associés</a:t>
+            </a:r>
+          </a:p>
+          <a:p>
+            <a:pPr lvl="1"/>
+            <a:r>
+              <a:rPr lang="fr-FR" dirty="0" smtClean="0"/>
+              <a:t>Monitoring</a:t>
+            </a:r>
+          </a:p>
+          <a:p>
+            <a:r>
+              <a:rPr lang="fr-FR" dirty="0" smtClean="0"/>
+              <a:t>Micro Service</a:t>
+            </a:r>
+          </a:p>
+          <a:p>
+            <a:pPr lvl="1"/>
+            <a:r>
+              <a:rPr lang="fr-FR" dirty="0" smtClean="0"/>
+              <a:t>Changement architecture applicative</a:t>
+            </a:r>
+            <a:endParaRPr lang="fr-FR" dirty="0"/>
+          </a:p>
+          <a:p>
+            <a:pPr lvl="1"/>
+            <a:endParaRPr lang="fr-FR" dirty="0" smtClean="0"/>
+          </a:p>
+        </p:txBody>
+      </p:sp>
+    </p:spTree>
+    <p:extLst>
+      <p:ext uri="{BB962C8B-B14F-4D97-AF65-F5344CB8AC3E}">
+        <p14:creationId xmlns:p14="http://schemas.microsoft.com/office/powerpoint/2010/main" val="4219070909"/>
+      </p:ext>
+    </p:extLst>
+  </p:cSld>
+  <p:clrMapOvr>
+    <a:masterClrMapping/>
+  </p:clrMapOvr>
+</p:sld>
+</file>
+
+<file path=ppt/slides/slide20.xml><?xml version="1.0" encoding="utf-8"?>
+<p:sld xmlns:a="http://schemas.openxmlformats.org/drawingml/2006/main" xmlns:r="http://schemas.openxmlformats.org/officeDocument/2006/relationships" xmlns:p="http://schemas.openxmlformats.org/presentationml/2006/main">
+  <p:cSld>
+    <p:spTree>
+      <p:nvGrpSpPr>
+        <p:cNvPr id="1" name=""/>
+        <p:cNvGrpSpPr/>
+        <p:nvPr/>
+      </p:nvGrpSpPr>
+      <p:grpSpPr>
+        <a:xfrm>
+          <a:off x="0" y="0"/>
+          <a:ext cx="0" cy="0"/>
+          <a:chOff x="0" y="0"/>
+          <a:chExt cx="0" cy="0"/>
+        </a:xfrm>
+      </p:grpSpPr>
+      <p:sp>
+        <p:nvSpPr>
+          <p:cNvPr id="2" name="Titre 1"/>
+          <p:cNvSpPr>
+            <a:spLocks noGrp="1"/>
+          </p:cNvSpPr>
+          <p:nvPr>
+            <p:ph type="title"/>
+          </p:nvPr>
+        </p:nvSpPr>
+        <p:spPr/>
+        <p:txBody>
+          <a:bodyPr>
+            <a:normAutofit fontScale="90000"/>
+          </a:bodyPr>
+          <a:lstStyle/>
+          <a:p>
+            <a:r>
+              <a:rPr lang="fr-FR" dirty="0" smtClean="0"/>
+              <a:t>Micro service – Architecture Pattern</a:t>
+            </a:r>
+            <a:endParaRPr lang="fr-FR" dirty="0"/>
+          </a:p>
+        </p:txBody>
+      </p:sp>
+      <p:sp>
+        <p:nvSpPr>
+          <p:cNvPr id="3" name="Espace réservé du contenu 2"/>
+          <p:cNvSpPr>
+            <a:spLocks noGrp="1"/>
+          </p:cNvSpPr>
+          <p:nvPr>
+            <p:ph idx="1"/>
+          </p:nvPr>
+        </p:nvSpPr>
+        <p:spPr/>
+        <p:txBody>
+          <a:bodyPr>
+            <a:normAutofit/>
+          </a:bodyPr>
+          <a:lstStyle/>
+          <a:p>
+            <a:r>
+              <a:rPr lang="fr-FR" dirty="0">
+                <a:hlinkClick r:id="rId2"/>
+              </a:rPr>
+              <a:t>https://</a:t>
+            </a:r>
+            <a:r>
+              <a:rPr lang="fr-FR" dirty="0" smtClean="0">
+                <a:hlinkClick r:id="rId2"/>
+              </a:rPr>
+              <a:t>www.martinfowler.com/articles/microservices.html</a:t>
+            </a:r>
+            <a:endParaRPr lang="fr-FR" dirty="0" smtClean="0"/>
+          </a:p>
+          <a:p>
+            <a:pPr lvl="1"/>
+            <a:r>
+              <a:rPr lang="fr-FR" b="1" dirty="0" err="1"/>
+              <a:t>Decentralized</a:t>
+            </a:r>
+            <a:r>
+              <a:rPr lang="fr-FR" b="1" dirty="0"/>
+              <a:t> Data Management</a:t>
+            </a:r>
+            <a:endParaRPr lang="fr-FR" dirty="0" smtClean="0"/>
+          </a:p>
+          <a:p>
+            <a:pPr marL="393192" lvl="1" indent="0">
+              <a:buNone/>
+            </a:pPr>
+            <a:endParaRPr lang="fr-FR" dirty="0" smtClean="0"/>
+          </a:p>
+        </p:txBody>
+      </p:sp>
+      <p:sp>
+        <p:nvSpPr>
+          <p:cNvPr id="7" name="ZoneTexte 6"/>
+          <p:cNvSpPr txBox="1"/>
+          <p:nvPr/>
+        </p:nvSpPr>
+        <p:spPr>
+          <a:xfrm>
+            <a:off x="611561" y="5284365"/>
+            <a:ext cx="7412310" cy="1384995"/>
+          </a:xfrm>
+          <a:prstGeom prst="rect">
+            <a:avLst/>
+          </a:prstGeom>
+          <a:noFill/>
+        </p:spPr>
+        <p:txBody>
+          <a:bodyPr wrap="square" rtlCol="0">
+            <a:spAutoFit/>
+          </a:bodyPr>
+          <a:lstStyle/>
+          <a:p>
+            <a:r>
+              <a:rPr lang="fr-FR" sz="1200" dirty="0" smtClean="0"/>
+              <a:t>A expliquer : Pas les mêmes besoins en terme d’entité (plu sou moins d’attributs, attributs spécifiques et communs) =&gt; DDD</a:t>
+            </a:r>
+          </a:p>
+          <a:p>
+            <a:endParaRPr lang="fr-FR" sz="1200" dirty="0"/>
+          </a:p>
+          <a:p>
+            <a:r>
+              <a:rPr lang="en-US" sz="1200" dirty="0"/>
+              <a:t>While monolithic applications prefer a single logical database for </a:t>
+            </a:r>
+            <a:r>
+              <a:rPr lang="en-US" sz="1200" dirty="0" err="1"/>
+              <a:t>persistant</a:t>
+            </a:r>
+            <a:r>
+              <a:rPr lang="en-US" sz="1200" dirty="0"/>
+              <a:t> data, enterprises often prefer a single database across a range of applications - many of these decisions driven through vendor's commercial models around licensing. </a:t>
+            </a:r>
+            <a:r>
+              <a:rPr lang="en-US" sz="1200" dirty="0" err="1"/>
+              <a:t>Microservices</a:t>
+            </a:r>
+            <a:r>
+              <a:rPr lang="en-US" sz="1200" dirty="0"/>
+              <a:t> prefer letting each service manage its own database, either different instances of the same database technology, or entirely different database systems</a:t>
+            </a:r>
+            <a:endParaRPr lang="fr-FR" sz="1200" dirty="0"/>
+          </a:p>
+        </p:txBody>
+      </p:sp>
+      <p:pic>
+        <p:nvPicPr>
+          <p:cNvPr id="7170" name="Picture 2"/>
+          <p:cNvPicPr>
+            <a:picLocks noChangeAspect="1" noChangeArrowheads="1"/>
+          </p:cNvPicPr>
+          <p:nvPr/>
+        </p:nvPicPr>
+        <p:blipFill>
+          <a:blip r:embed="rId3">
+            <a:extLst>
+              <a:ext uri="{28A0092B-C50C-407E-A947-70E740481C1C}">
+                <a14:useLocalDpi xmlns:a14="http://schemas.microsoft.com/office/drawing/2010/main" val="0"/>
+              </a:ext>
+            </a:extLst>
+          </a:blip>
+          <a:srcRect/>
+          <a:stretch>
+            <a:fillRect/>
+          </a:stretch>
+        </p:blipFill>
+        <p:spPr bwMode="auto">
+          <a:xfrm>
+            <a:off x="2162681" y="2494954"/>
+            <a:ext cx="4762103" cy="2789411"/>
+          </a:xfrm>
+          <a:prstGeom prst="rect">
+            <a:avLst/>
+          </a:prstGeom>
+          <a:noFill/>
+          <a:ln>
+            <a:noFill/>
+          </a:ln>
+          <a:extLst>
+            <a:ext uri="{909E8E84-426E-40DD-AFC4-6F175D3DCCD1}">
+              <a14:hiddenFill xmlns:a14="http://schemas.microsoft.com/office/drawing/2010/main">
+                <a:solidFill>
+                  <a:schemeClr val="accent1"/>
+                </a:solidFill>
+              </a14:hiddenFill>
+            </a:ext>
+            <a:ext uri="{91240B29-F687-4F45-9708-019B960494DF}">
+              <a14:hiddenLine xmlns:a14="http://schemas.microsoft.com/office/drawing/2010/main" w="9525">
+                <a:solidFill>
+                  <a:schemeClr val="tx1"/>
+                </a:solidFill>
+                <a:miter lim="800000"/>
+                <a:headEnd/>
+                <a:tailEnd/>
+              </a14:hiddenLine>
+            </a:ext>
+          </a:extLst>
+        </p:spPr>
+      </p:pic>
+    </p:spTree>
+    <p:extLst>
+      <p:ext uri="{BB962C8B-B14F-4D97-AF65-F5344CB8AC3E}">
+        <p14:creationId xmlns:p14="http://schemas.microsoft.com/office/powerpoint/2010/main" val="681248868"/>
+      </p:ext>
+    </p:extLst>
+  </p:cSld>
+  <p:clrMapOvr>
+    <a:masterClrMapping/>
+  </p:clrMapOvr>
+</p:sld>
+</file>
+
+<file path=ppt/slides/slide21.xml><?xml version="1.0" encoding="utf-8"?>
+<p:sld xmlns:a="http://schemas.openxmlformats.org/drawingml/2006/main" xmlns:r="http://schemas.openxmlformats.org/officeDocument/2006/relationships" xmlns:p="http://schemas.openxmlformats.org/presentationml/2006/main">
+  <p:cSld>
+    <p:spTree>
+      <p:nvGrpSpPr>
+        <p:cNvPr id="1" name=""/>
+        <p:cNvGrpSpPr/>
+        <p:nvPr/>
+      </p:nvGrpSpPr>
+      <p:grpSpPr>
+        <a:xfrm>
+          <a:off x="0" y="0"/>
+          <a:ext cx="0" cy="0"/>
+          <a:chOff x="0" y="0"/>
+          <a:chExt cx="0" cy="0"/>
+        </a:xfrm>
+      </p:grpSpPr>
+      <p:sp>
+        <p:nvSpPr>
+          <p:cNvPr id="2" name="Titre 1"/>
+          <p:cNvSpPr>
+            <a:spLocks noGrp="1"/>
+          </p:cNvSpPr>
+          <p:nvPr>
+            <p:ph type="title"/>
+          </p:nvPr>
+        </p:nvSpPr>
+        <p:spPr/>
+        <p:txBody>
+          <a:bodyPr>
+            <a:normAutofit fontScale="90000"/>
+          </a:bodyPr>
+          <a:lstStyle/>
+          <a:p>
+            <a:r>
+              <a:rPr lang="fr-FR" dirty="0" smtClean="0"/>
+              <a:t>Micro service – Architecture Pattern</a:t>
+            </a:r>
+            <a:endParaRPr lang="fr-FR" dirty="0"/>
+          </a:p>
+        </p:txBody>
+      </p:sp>
+      <p:sp>
+        <p:nvSpPr>
+          <p:cNvPr id="3" name="Espace réservé du contenu 2"/>
+          <p:cNvSpPr>
+            <a:spLocks noGrp="1"/>
+          </p:cNvSpPr>
+          <p:nvPr>
+            <p:ph idx="1"/>
+          </p:nvPr>
+        </p:nvSpPr>
+        <p:spPr/>
+        <p:txBody>
+          <a:bodyPr>
+            <a:normAutofit/>
+          </a:bodyPr>
+          <a:lstStyle/>
+          <a:p>
+            <a:r>
+              <a:rPr lang="fr-FR" dirty="0">
+                <a:hlinkClick r:id="rId2"/>
+              </a:rPr>
+              <a:t>https://</a:t>
+            </a:r>
+            <a:r>
+              <a:rPr lang="fr-FR" dirty="0" smtClean="0">
+                <a:hlinkClick r:id="rId2"/>
+              </a:rPr>
+              <a:t>www.martinfowler.com/articles/microservices.html</a:t>
+            </a:r>
+            <a:endParaRPr lang="fr-FR" dirty="0" smtClean="0"/>
+          </a:p>
+          <a:p>
+            <a:pPr lvl="1"/>
+            <a:r>
+              <a:rPr lang="fr-FR" b="1" dirty="0" err="1"/>
+              <a:t>Decentralized</a:t>
+            </a:r>
+            <a:r>
+              <a:rPr lang="fr-FR" b="1" dirty="0"/>
+              <a:t> </a:t>
+            </a:r>
+            <a:r>
+              <a:rPr lang="fr-FR" b="1" dirty="0" err="1" smtClean="0"/>
+              <a:t>Governance</a:t>
+            </a:r>
+            <a:endParaRPr lang="fr-FR" b="1" dirty="0" smtClean="0"/>
+          </a:p>
+          <a:p>
+            <a:pPr marL="667512" lvl="2" indent="0">
+              <a:buNone/>
+            </a:pPr>
+            <a:r>
+              <a:rPr lang="en-US" dirty="0" smtClean="0"/>
+              <a:t>“One </a:t>
+            </a:r>
+            <a:r>
+              <a:rPr lang="en-US" dirty="0"/>
+              <a:t>of the consequences of </a:t>
+            </a:r>
+            <a:r>
+              <a:rPr lang="en-US" dirty="0" err="1"/>
+              <a:t>centralised</a:t>
+            </a:r>
+            <a:r>
+              <a:rPr lang="en-US" dirty="0"/>
+              <a:t> governance is the tendency to </a:t>
+            </a:r>
+            <a:r>
+              <a:rPr lang="en-US" dirty="0" err="1"/>
+              <a:t>standardise</a:t>
+            </a:r>
+            <a:r>
+              <a:rPr lang="en-US" dirty="0"/>
+              <a:t> on single technology platforms. Experience shows that this approach is constricting - not every problem is a nail and not every solution a </a:t>
+            </a:r>
+            <a:r>
+              <a:rPr lang="en-US" dirty="0" smtClean="0"/>
+              <a:t>hammer”</a:t>
+            </a:r>
+          </a:p>
+          <a:p>
+            <a:pPr marL="667512" lvl="2" indent="0">
+              <a:buNone/>
+            </a:pPr>
+            <a:endParaRPr lang="en-US" dirty="0"/>
+          </a:p>
+          <a:p>
+            <a:pPr marL="667512" lvl="2" indent="0">
+              <a:buNone/>
+            </a:pPr>
+            <a:r>
+              <a:rPr lang="en-US" dirty="0"/>
+              <a:t>“Teams building </a:t>
+            </a:r>
+            <a:r>
+              <a:rPr lang="en-US" dirty="0" err="1"/>
+              <a:t>microservices</a:t>
+            </a:r>
+            <a:r>
+              <a:rPr lang="en-US" dirty="0"/>
+              <a:t> prefer a different approach to standards too. Rather than use a set of defined standards written down somewhere on paper they prefer the idea of producing useful tools that other developers can use to solve similar problems to the ones they are facing. These tools are usually harvested from implementations and shared with a wider </a:t>
+            </a:r>
+            <a:r>
+              <a:rPr lang="en-US" dirty="0" smtClean="0"/>
+              <a:t>group”</a:t>
+            </a:r>
+            <a:endParaRPr lang="fr-FR" dirty="0" smtClean="0"/>
+          </a:p>
+          <a:p>
+            <a:pPr marL="393192" lvl="1" indent="0">
+              <a:buNone/>
+            </a:pPr>
+            <a:endParaRPr lang="fr-FR" dirty="0" smtClean="0"/>
+          </a:p>
+        </p:txBody>
+      </p:sp>
+    </p:spTree>
+    <p:extLst>
+      <p:ext uri="{BB962C8B-B14F-4D97-AF65-F5344CB8AC3E}">
+        <p14:creationId xmlns:p14="http://schemas.microsoft.com/office/powerpoint/2010/main" val="2718414173"/>
+      </p:ext>
+    </p:extLst>
+  </p:cSld>
+  <p:clrMapOvr>
+    <a:masterClrMapping/>
+  </p:clrMapOvr>
+</p:sld>
+</file>
+
+<file path=ppt/slides/slide22.xml><?xml version="1.0" encoding="utf-8"?>
 <p:sld xmlns:a="http://schemas.openxmlformats.org/drawingml/2006/main" xmlns:r="http://schemas.openxmlformats.org/officeDocument/2006/relationships" xmlns:p="http://schemas.openxmlformats.org/presentationml/2006/main">
   <p:cSld>
     <p:spTree>
@@ -5602,7 +6951,7 @@
 </p:sld>
 </file>
 
-<file path=ppt/slides/slide18.xml><?xml version="1.0" encoding="utf-8"?>
+<file path=ppt/slides/slide23.xml><?xml version="1.0" encoding="utf-8"?>
 <p:sld xmlns:a="http://schemas.openxmlformats.org/drawingml/2006/main" xmlns:r="http://schemas.openxmlformats.org/officeDocument/2006/relationships" xmlns:p="http://schemas.openxmlformats.org/presentationml/2006/main">
   <p:cSld>
     <p:spTree>
@@ -5883,7 +7232,7 @@
 </p:sld>
 </file>
 
-<file path=ppt/slides/slide19.xml><?xml version="1.0" encoding="utf-8"?>
+<file path=ppt/slides/slide24.xml><?xml version="1.0" encoding="utf-8"?>
 <p:sld xmlns:a="http://schemas.openxmlformats.org/drawingml/2006/main" xmlns:r="http://schemas.openxmlformats.org/officeDocument/2006/relationships" xmlns:p="http://schemas.openxmlformats.org/presentationml/2006/main">
   <p:cSld>
     <p:spTree>
@@ -6114,7 +7463,7 @@
 </p:sld>
 </file>
 
-<file path=ppt/slides/slide2.xml><?xml version="1.0" encoding="utf-8"?>
+<file path=ppt/slides/slide25.xml><?xml version="1.0" encoding="utf-8"?>
 <p:sld xmlns:a="http://schemas.openxmlformats.org/drawingml/2006/main" xmlns:r="http://schemas.openxmlformats.org/officeDocument/2006/relationships" xmlns:p="http://schemas.openxmlformats.org/presentationml/2006/main">
   <p:cSld>
     <p:spTree>
@@ -6141,18 +7490,23 @@
             <p:ph type="title"/>
           </p:nvPr>
         </p:nvSpPr>
-        <p:spPr/>
+        <p:spPr>
+          <a:xfrm>
+            <a:off x="457200" y="274638"/>
+            <a:ext cx="8229600" cy="490066"/>
+          </a:xfrm>
+        </p:spPr>
         <p:txBody>
           <a:bodyPr>
-            <a:normAutofit fontScale="90000"/>
+            <a:normAutofit/>
           </a:bodyPr>
           <a:lstStyle/>
           <a:p>
             <a:r>
-              <a:rPr lang="fr-FR" dirty="0" smtClean="0"/>
-              <a:t>Généralités</a:t>
-            </a:r>
-            <a:endParaRPr lang="fr-FR" dirty="0"/>
+              <a:rPr lang="en-GB" sz="2400" b="1" dirty="0" smtClean="0"/>
+              <a:t>Docker : Uses cases</a:t>
+            </a:r>
+            <a:endParaRPr lang="en-GB" sz="2400" b="1" dirty="0"/>
           </a:p>
         </p:txBody>
       </p:sp>
@@ -6166,146 +7520,171 @@
             <p:ph idx="1"/>
           </p:nvPr>
         </p:nvSpPr>
-        <p:spPr/>
+        <p:spPr>
+          <a:xfrm>
+            <a:off x="457200" y="980728"/>
+            <a:ext cx="8229600" cy="5145435"/>
+          </a:xfrm>
+        </p:spPr>
         <p:txBody>
           <a:bodyPr>
-            <a:normAutofit fontScale="92500" lnSpcReduction="20000"/>
+            <a:normAutofit fontScale="62500" lnSpcReduction="20000"/>
           </a:bodyPr>
           <a:lstStyle/>
           <a:p>
             <a:r>
-              <a:rPr lang="fr-FR" dirty="0" smtClean="0"/>
-              <a:t>Docker</a:t>
-            </a:r>
-          </a:p>
-          <a:p>
-            <a:pPr lvl="1"/>
-            <a:r>
-              <a:rPr lang="fr-FR" dirty="0" smtClean="0"/>
-              <a:t>Solution de containérisation adoptée par tous les Majors IT</a:t>
-            </a:r>
-          </a:p>
-          <a:p>
-            <a:pPr lvl="1"/>
-            <a:r>
-              <a:rPr lang="fr-FR" dirty="0" smtClean="0"/>
-              <a:t>Cross-</a:t>
-            </a:r>
-            <a:r>
-              <a:rPr lang="fr-FR" dirty="0" err="1" smtClean="0"/>
-              <a:t>platform</a:t>
-            </a:r>
-            <a:endParaRPr lang="fr-FR" dirty="0" smtClean="0"/>
-          </a:p>
-          <a:p>
-            <a:pPr lvl="1"/>
-            <a:r>
-              <a:rPr lang="fr-FR" dirty="0" smtClean="0"/>
-              <a:t>Peu ou pas de concurrents (</a:t>
-            </a:r>
-            <a:r>
-              <a:rPr lang="fr-FR" dirty="0" err="1" smtClean="0"/>
-              <a:t>Roket</a:t>
-            </a:r>
-            <a:r>
-              <a:rPr lang="fr-FR" dirty="0" smtClean="0"/>
-              <a:t>, LXC)</a:t>
-            </a:r>
-          </a:p>
-          <a:p>
-            <a:r>
-              <a:rPr lang="fr-FR" dirty="0" smtClean="0"/>
-              <a:t>Pourquoi les containers</a:t>
-            </a:r>
-          </a:p>
-          <a:p>
-            <a:pPr lvl="1"/>
-            <a:r>
-              <a:rPr lang="fr-FR" dirty="0" err="1" smtClean="0"/>
-              <a:t>Scalabilité</a:t>
-            </a:r>
-            <a:r>
-              <a:rPr lang="fr-FR" dirty="0" smtClean="0"/>
-              <a:t> Horizontale</a:t>
-            </a:r>
-          </a:p>
-          <a:p>
-            <a:pPr lvl="1"/>
-            <a:r>
-              <a:rPr lang="fr-FR" dirty="0" smtClean="0"/>
-              <a:t>Patch Management</a:t>
-            </a:r>
-          </a:p>
-          <a:p>
-            <a:pPr lvl="1"/>
-            <a:r>
-              <a:rPr lang="fr-FR" dirty="0" smtClean="0"/>
-              <a:t>Rapidité / Fiabilité de déploiement</a:t>
-            </a:r>
-          </a:p>
-          <a:p>
-            <a:r>
-              <a:rPr lang="fr-FR" dirty="0" smtClean="0"/>
-              <a:t>Plate-forme d’exécution</a:t>
-            </a:r>
-          </a:p>
-          <a:p>
-            <a:pPr lvl="1"/>
-            <a:r>
-              <a:rPr lang="fr-FR" dirty="0" smtClean="0"/>
-              <a:t>Orchestration déploiement</a:t>
-            </a:r>
-          </a:p>
-          <a:p>
-            <a:pPr lvl="1"/>
-            <a:r>
-              <a:rPr lang="fr-FR" dirty="0" smtClean="0"/>
-              <a:t>Orchestration </a:t>
-            </a:r>
-            <a:r>
-              <a:rPr lang="fr-FR" dirty="0" err="1" smtClean="0"/>
-              <a:t>scalabilité</a:t>
-            </a:r>
-            <a:endParaRPr lang="fr-FR" dirty="0" smtClean="0"/>
-          </a:p>
-          <a:p>
-            <a:pPr lvl="1"/>
-            <a:r>
-              <a:rPr lang="fr-FR" dirty="0" smtClean="0"/>
-              <a:t>Services associés</a:t>
-            </a:r>
-          </a:p>
-          <a:p>
-            <a:pPr lvl="1"/>
-            <a:r>
-              <a:rPr lang="fr-FR" dirty="0" smtClean="0"/>
-              <a:t>Monitoring</a:t>
-            </a:r>
-          </a:p>
-          <a:p>
-            <a:r>
-              <a:rPr lang="fr-FR" dirty="0" smtClean="0"/>
-              <a:t>Micro Service</a:t>
-            </a:r>
-          </a:p>
-          <a:p>
-            <a:pPr lvl="1"/>
-            <a:r>
-              <a:rPr lang="fr-FR" dirty="0" smtClean="0"/>
-              <a:t>Changement architecture applicative</a:t>
-            </a:r>
-            <a:endParaRPr lang="fr-FR" dirty="0"/>
-          </a:p>
-          <a:p>
-            <a:pPr lvl="1"/>
-            <a:endParaRPr lang="fr-FR" dirty="0" smtClean="0"/>
+              <a:rPr lang="en-US" b="1" dirty="0"/>
+              <a:t>Table of Contents : </a:t>
+            </a:r>
+            <a:r>
+              <a:rPr lang="en-US" b="1" dirty="0">
+                <a:hlinkClick r:id="rId2"/>
+              </a:rPr>
+              <a:t>https://</a:t>
+            </a:r>
+            <a:r>
+              <a:rPr lang="en-US" b="1" dirty="0" smtClean="0">
+                <a:hlinkClick r:id="rId2"/>
+              </a:rPr>
+              <a:t>www.gartner.com/doc/3574617/assessing-docker-containers-software-delivery</a:t>
+            </a:r>
+            <a:endParaRPr lang="en-US" b="1" dirty="0" smtClean="0"/>
+          </a:p>
+          <a:p>
+            <a:endParaRPr lang="en-US" b="1" dirty="0"/>
+          </a:p>
+          <a:p>
+            <a:r>
+              <a:rPr lang="en-US" dirty="0"/>
+              <a:t>Analysis </a:t>
+            </a:r>
+          </a:p>
+          <a:p>
+            <a:pPr lvl="1"/>
+            <a:r>
+              <a:rPr lang="en-US" dirty="0"/>
+              <a:t>Use Cases for Docker </a:t>
+            </a:r>
+          </a:p>
+          <a:p>
+            <a:pPr lvl="2"/>
+            <a:r>
+              <a:rPr lang="en-US" dirty="0"/>
+              <a:t>Summary of Use-Case Assessments </a:t>
+            </a:r>
+          </a:p>
+          <a:p>
+            <a:pPr lvl="2"/>
+            <a:r>
+              <a:rPr lang="en-US" dirty="0"/>
+              <a:t>Assessment Criteria </a:t>
+            </a:r>
+          </a:p>
+          <a:p>
+            <a:pPr lvl="2"/>
+            <a:r>
+              <a:rPr lang="en-US" dirty="0"/>
+              <a:t>Use Case 1: Docker for Solo and Team Application Development and Test </a:t>
+            </a:r>
+          </a:p>
+          <a:p>
+            <a:pPr lvl="2"/>
+            <a:r>
+              <a:rPr lang="en-US" dirty="0"/>
+              <a:t>Use Case 2: Docker for Continuous Integration </a:t>
+            </a:r>
+          </a:p>
+          <a:p>
+            <a:pPr lvl="2"/>
+            <a:r>
+              <a:rPr lang="en-US" dirty="0"/>
+              <a:t>Use Case 3: Docker for Production Application Deployment </a:t>
+            </a:r>
+          </a:p>
+          <a:p>
+            <a:pPr lvl="2"/>
+            <a:r>
+              <a:rPr lang="en-US" dirty="0"/>
+              <a:t>Use Case 4: Docker for Creating a Private PaaS </a:t>
+            </a:r>
+          </a:p>
+          <a:p>
+            <a:pPr lvl="2"/>
+            <a:r>
+              <a:rPr lang="en-US" dirty="0"/>
+              <a:t>Use Case 5: Docker for Application Infrastructure and Cloud Portability </a:t>
+            </a:r>
+          </a:p>
+          <a:p>
+            <a:pPr lvl="1"/>
+            <a:r>
+              <a:rPr lang="en-US" dirty="0"/>
+              <a:t>Strengths </a:t>
+            </a:r>
+          </a:p>
+          <a:p>
+            <a:pPr lvl="1"/>
+            <a:r>
+              <a:rPr lang="en-US" dirty="0"/>
+              <a:t>Weaknesses </a:t>
+            </a:r>
+          </a:p>
+          <a:p>
+            <a:r>
+              <a:rPr lang="en-US" dirty="0"/>
+              <a:t>Guidance </a:t>
+            </a:r>
+          </a:p>
+          <a:p>
+            <a:pPr lvl="1"/>
+            <a:r>
+              <a:rPr lang="en-US" dirty="0"/>
+              <a:t>Containers Are Not Suitable for Every Application </a:t>
+            </a:r>
+          </a:p>
+          <a:p>
+            <a:pPr lvl="1"/>
+            <a:r>
+              <a:rPr lang="en-US" dirty="0"/>
+              <a:t>Use Docker in Production If You Have Sophisticated and Agile Operations </a:t>
+            </a:r>
+          </a:p>
+          <a:p>
+            <a:pPr lvl="1"/>
+            <a:r>
+              <a:rPr lang="en-US" dirty="0"/>
+              <a:t>Consider Management, Monitoring, Backup, Disaster Recovery and Other Tools as Well as Orchestration </a:t>
+            </a:r>
+          </a:p>
+          <a:p>
+            <a:pPr lvl="1"/>
+            <a:r>
+              <a:rPr lang="en-US" dirty="0"/>
+              <a:t>Plan on a Combination of Containers and Virtual Machines </a:t>
+            </a:r>
+          </a:p>
+          <a:p>
+            <a:pPr lvl="1"/>
+            <a:r>
+              <a:rPr lang="en-US" dirty="0"/>
+              <a:t>Don't Build a PaaS Yourself Using Docker, but Build Docker Into Your PaaS Strategy </a:t>
+            </a:r>
+          </a:p>
+          <a:p>
+            <a:r>
+              <a:rPr lang="en-US" dirty="0"/>
+              <a:t>Gartner Recommended Reading </a:t>
+            </a:r>
+          </a:p>
+          <a:p>
+            <a:endParaRPr lang="en-GB" sz="1600" dirty="0"/>
           </a:p>
         </p:txBody>
       </p:sp>
     </p:spTree>
     <p:extLst>
       <p:ext uri="{BB962C8B-B14F-4D97-AF65-F5344CB8AC3E}">
-        <p14:creationId xmlns:p14="http://schemas.microsoft.com/office/powerpoint/2010/main" val="4219070909"/>
+        <p14:creationId xmlns:p14="http://schemas.microsoft.com/office/powerpoint/2010/main" val="3568153689"/>
       </p:ext>
     </p:extLst>
   </p:cSld>
@@ -6315,7 +7694,7 @@
 </p:sld>
 </file>
 
-<file path=ppt/slides/slide20.xml><?xml version="1.0" encoding="utf-8"?>
+<file path=ppt/slides/slide26.xml><?xml version="1.0" encoding="utf-8"?>
 <p:sld xmlns:a="http://schemas.openxmlformats.org/drawingml/2006/main" xmlns:r="http://schemas.openxmlformats.org/officeDocument/2006/relationships" xmlns:p="http://schemas.openxmlformats.org/presentationml/2006/main">
   <p:cSld>
     <p:spTree>
@@ -6356,237 +7735,6 @@
           <a:p>
             <a:r>
               <a:rPr lang="en-GB" sz="2400" b="1" dirty="0" smtClean="0"/>
-              <a:t>Docker : Uses cases</a:t>
-            </a:r>
-            <a:endParaRPr lang="en-GB" sz="2400" b="1" dirty="0"/>
-          </a:p>
-        </p:txBody>
-      </p:sp>
-      <p:sp>
-        <p:nvSpPr>
-          <p:cNvPr id="3" name="Espace réservé du contenu 2"/>
-          <p:cNvSpPr>
-            <a:spLocks noGrp="1"/>
-          </p:cNvSpPr>
-          <p:nvPr>
-            <p:ph idx="1"/>
-          </p:nvPr>
-        </p:nvSpPr>
-        <p:spPr>
-          <a:xfrm>
-            <a:off x="457200" y="980728"/>
-            <a:ext cx="8229600" cy="5145435"/>
-          </a:xfrm>
-        </p:spPr>
-        <p:txBody>
-          <a:bodyPr>
-            <a:normAutofit fontScale="62500" lnSpcReduction="20000"/>
-          </a:bodyPr>
-          <a:lstStyle/>
-          <a:p>
-            <a:r>
-              <a:rPr lang="en-US" b="1" dirty="0"/>
-              <a:t>Table of Contents : </a:t>
-            </a:r>
-            <a:r>
-              <a:rPr lang="en-US" b="1" dirty="0">
-                <a:hlinkClick r:id="rId2"/>
-              </a:rPr>
-              <a:t>https://</a:t>
-            </a:r>
-            <a:r>
-              <a:rPr lang="en-US" b="1" dirty="0" smtClean="0">
-                <a:hlinkClick r:id="rId2"/>
-              </a:rPr>
-              <a:t>www.gartner.com/doc/3574617/assessing-docker-containers-software-delivery</a:t>
-            </a:r>
-            <a:endParaRPr lang="en-US" b="1" dirty="0" smtClean="0"/>
-          </a:p>
-          <a:p>
-            <a:endParaRPr lang="en-US" b="1" dirty="0"/>
-          </a:p>
-          <a:p>
-            <a:r>
-              <a:rPr lang="en-US" dirty="0"/>
-              <a:t>Analysis </a:t>
-            </a:r>
-          </a:p>
-          <a:p>
-            <a:pPr lvl="1"/>
-            <a:r>
-              <a:rPr lang="en-US" dirty="0"/>
-              <a:t>Use Cases for Docker </a:t>
-            </a:r>
-          </a:p>
-          <a:p>
-            <a:pPr lvl="2"/>
-            <a:r>
-              <a:rPr lang="en-US" dirty="0"/>
-              <a:t>Summary of Use-Case Assessments </a:t>
-            </a:r>
-          </a:p>
-          <a:p>
-            <a:pPr lvl="2"/>
-            <a:r>
-              <a:rPr lang="en-US" dirty="0"/>
-              <a:t>Assessment Criteria </a:t>
-            </a:r>
-          </a:p>
-          <a:p>
-            <a:pPr lvl="2"/>
-            <a:r>
-              <a:rPr lang="en-US" dirty="0"/>
-              <a:t>Use Case 1: Docker for Solo and Team Application Development and Test </a:t>
-            </a:r>
-          </a:p>
-          <a:p>
-            <a:pPr lvl="2"/>
-            <a:r>
-              <a:rPr lang="en-US" dirty="0"/>
-              <a:t>Use Case 2: Docker for Continuous Integration </a:t>
-            </a:r>
-          </a:p>
-          <a:p>
-            <a:pPr lvl="2"/>
-            <a:r>
-              <a:rPr lang="en-US" dirty="0"/>
-              <a:t>Use Case 3: Docker for Production Application Deployment </a:t>
-            </a:r>
-          </a:p>
-          <a:p>
-            <a:pPr lvl="2"/>
-            <a:r>
-              <a:rPr lang="en-US" dirty="0"/>
-              <a:t>Use Case 4: Docker for Creating a Private PaaS </a:t>
-            </a:r>
-          </a:p>
-          <a:p>
-            <a:pPr lvl="2"/>
-            <a:r>
-              <a:rPr lang="en-US" dirty="0"/>
-              <a:t>Use Case 5: Docker for Application Infrastructure and Cloud Portability </a:t>
-            </a:r>
-          </a:p>
-          <a:p>
-            <a:pPr lvl="1"/>
-            <a:r>
-              <a:rPr lang="en-US" dirty="0"/>
-              <a:t>Strengths </a:t>
-            </a:r>
-          </a:p>
-          <a:p>
-            <a:pPr lvl="1"/>
-            <a:r>
-              <a:rPr lang="en-US" dirty="0"/>
-              <a:t>Weaknesses </a:t>
-            </a:r>
-          </a:p>
-          <a:p>
-            <a:r>
-              <a:rPr lang="en-US" dirty="0"/>
-              <a:t>Guidance </a:t>
-            </a:r>
-          </a:p>
-          <a:p>
-            <a:pPr lvl="1"/>
-            <a:r>
-              <a:rPr lang="en-US" dirty="0"/>
-              <a:t>Containers Are Not Suitable for Every Application </a:t>
-            </a:r>
-          </a:p>
-          <a:p>
-            <a:pPr lvl="1"/>
-            <a:r>
-              <a:rPr lang="en-US" dirty="0"/>
-              <a:t>Use Docker in Production If You Have Sophisticated and Agile Operations </a:t>
-            </a:r>
-          </a:p>
-          <a:p>
-            <a:pPr lvl="1"/>
-            <a:r>
-              <a:rPr lang="en-US" dirty="0"/>
-              <a:t>Consider Management, Monitoring, Backup, Disaster Recovery and Other Tools as Well as Orchestration </a:t>
-            </a:r>
-          </a:p>
-          <a:p>
-            <a:pPr lvl="1"/>
-            <a:r>
-              <a:rPr lang="en-US" dirty="0"/>
-              <a:t>Plan on a Combination of Containers and Virtual Machines </a:t>
-            </a:r>
-          </a:p>
-          <a:p>
-            <a:pPr lvl="1"/>
-            <a:r>
-              <a:rPr lang="en-US" dirty="0"/>
-              <a:t>Don't Build a PaaS Yourself Using Docker, but Build Docker Into Your PaaS Strategy </a:t>
-            </a:r>
-          </a:p>
-          <a:p>
-            <a:r>
-              <a:rPr lang="en-US" dirty="0"/>
-              <a:t>Gartner Recommended Reading </a:t>
-            </a:r>
-          </a:p>
-          <a:p>
-            <a:endParaRPr lang="en-GB" sz="1600" dirty="0"/>
-          </a:p>
-        </p:txBody>
-      </p:sp>
-    </p:spTree>
-    <p:extLst>
-      <p:ext uri="{BB962C8B-B14F-4D97-AF65-F5344CB8AC3E}">
-        <p14:creationId xmlns:p14="http://schemas.microsoft.com/office/powerpoint/2010/main" val="3568153689"/>
-      </p:ext>
-    </p:extLst>
-  </p:cSld>
-  <p:clrMapOvr>
-    <a:masterClrMapping/>
-  </p:clrMapOvr>
-</p:sld>
-</file>
-
-<file path=ppt/slides/slide21.xml><?xml version="1.0" encoding="utf-8"?>
-<p:sld xmlns:a="http://schemas.openxmlformats.org/drawingml/2006/main" xmlns:r="http://schemas.openxmlformats.org/officeDocument/2006/relationships" xmlns:p="http://schemas.openxmlformats.org/presentationml/2006/main">
-  <p:cSld>
-    <p:spTree>
-      <p:nvGrpSpPr>
-        <p:cNvPr id="1" name=""/>
-        <p:cNvGrpSpPr/>
-        <p:nvPr/>
-      </p:nvGrpSpPr>
-      <p:grpSpPr>
-        <a:xfrm>
-          <a:off x="0" y="0"/>
-          <a:ext cx="0" cy="0"/>
-          <a:chOff x="0" y="0"/>
-          <a:chExt cx="0" cy="0"/>
-        </a:xfrm>
-      </p:grpSpPr>
-      <p:sp>
-        <p:nvSpPr>
-          <p:cNvPr id="2" name="Titre 1"/>
-          <p:cNvSpPr>
-            <a:spLocks noGrp="1"/>
-          </p:cNvSpPr>
-          <p:nvPr>
-            <p:ph type="title"/>
-          </p:nvPr>
-        </p:nvSpPr>
-        <p:spPr>
-          <a:xfrm>
-            <a:off x="457200" y="274638"/>
-            <a:ext cx="8229600" cy="490066"/>
-          </a:xfrm>
-        </p:spPr>
-        <p:txBody>
-          <a:bodyPr>
-            <a:normAutofit/>
-          </a:bodyPr>
-          <a:lstStyle/>
-          <a:p>
-            <a:r>
-              <a:rPr lang="en-GB" sz="2400" b="1" dirty="0" smtClean="0"/>
               <a:t>Docker : Monitoring</a:t>
             </a:r>
             <a:endParaRPr lang="en-GB" sz="2400" b="1" dirty="0"/>
@@ -6965,7 +8113,7 @@
 </p:sld>
 </file>
 
-<file path=ppt/slides/slide22.xml><?xml version="1.0" encoding="utf-8"?>
+<file path=ppt/slides/slide27.xml><?xml version="1.0" encoding="utf-8"?>
 <p:sld xmlns:a="http://schemas.openxmlformats.org/drawingml/2006/main" xmlns:r="http://schemas.openxmlformats.org/officeDocument/2006/relationships" xmlns:p="http://schemas.openxmlformats.org/presentationml/2006/main">
   <p:cSld>
     <p:spTree>
@@ -7269,7 +8417,7 @@
 </p:sld>
 </file>
 
-<file path=ppt/slides/slide23.xml><?xml version="1.0" encoding="utf-8"?>
+<file path=ppt/slides/slide28.xml><?xml version="1.0" encoding="utf-8"?>
 <p:sld xmlns:a="http://schemas.openxmlformats.org/drawingml/2006/main" xmlns:r="http://schemas.openxmlformats.org/officeDocument/2006/relationships" xmlns:p="http://schemas.openxmlformats.org/presentationml/2006/main">
   <p:cSld>
     <p:spTree>
@@ -7539,7 +8687,7 @@
 </p:sld>
 </file>
 
-<file path=ppt/slides/slide24.xml><?xml version="1.0" encoding="utf-8"?>
+<file path=ppt/slides/slide29.xml><?xml version="1.0" encoding="utf-8"?>
 <p:sld xmlns:a="http://schemas.openxmlformats.org/drawingml/2006/main" xmlns:r="http://schemas.openxmlformats.org/officeDocument/2006/relationships" xmlns:p="http://schemas.openxmlformats.org/presentationml/2006/main">
   <p:cSld>
     <p:spTree>
@@ -7641,12 +8789,20 @@
             </a:r>
             <a:r>
               <a:rPr lang="en-GB" sz="1600" dirty="0" smtClean="0"/>
-              <a:t> : Only </a:t>
-            </a:r>
-            <a:r>
-              <a:rPr lang="en-GB" sz="1600" smtClean="0"/>
-              <a:t>Managed drivers</a:t>
-            </a:r>
+              <a:t> : Only Managed drivers</a:t>
+            </a:r>
+          </a:p>
+          <a:p>
+            <a:pPr lvl="1"/>
+            <a:r>
+              <a:rPr lang="fr-FR" sz="1600" dirty="0"/>
+              <a:t>https://blogs.msdn.microsoft.com/dotnet/2016/11/09/net-core-data-access/</a:t>
+            </a:r>
+          </a:p>
+          <a:p>
+            <a:pPr marL="393192" lvl="1" indent="0">
+              <a:buNone/>
+            </a:pPr>
             <a:endParaRPr lang="en-GB" sz="1600" dirty="0" smtClean="0"/>
           </a:p>
           <a:p>
@@ -7664,6 +8820,12 @@
             <a:endParaRPr lang="en-GB" sz="1600" dirty="0" smtClean="0"/>
           </a:p>
           <a:p>
+            <a:pPr marL="457200" lvl="1" indent="0">
+              <a:buNone/>
+            </a:pPr>
+            <a:endParaRPr lang="en-GB" sz="1600" dirty="0" smtClean="0"/>
+          </a:p>
+          <a:p>
             <a:r>
               <a:rPr lang="en-GB" sz="2000" dirty="0" err="1"/>
               <a:t>.Net</a:t>
@@ -7687,6 +8849,62 @@
               <a:rPr lang="en-GB" sz="1600" dirty="0" smtClean="0"/>
               <a:t>IBM MQ : check version 9.0.x</a:t>
             </a:r>
+          </a:p>
+          <a:p>
+            <a:pPr lvl="1"/>
+            <a:endParaRPr lang="en-GB" sz="1600" dirty="0"/>
+          </a:p>
+          <a:p>
+            <a:pPr lvl="1"/>
+            <a:endParaRPr lang="en-GB" sz="1600" dirty="0" smtClean="0"/>
+          </a:p>
+          <a:p>
+            <a:r>
+              <a:rPr lang="en-GB" sz="1800" dirty="0" smtClean="0"/>
+              <a:t>Tips :</a:t>
+            </a:r>
+          </a:p>
+          <a:p>
+            <a:pPr lvl="1"/>
+            <a:r>
+              <a:rPr lang="en-GB" sz="1600" dirty="0" smtClean="0">
+                <a:hlinkClick r:id="rId3"/>
+              </a:rPr>
+              <a:t>https</a:t>
+            </a:r>
+            <a:r>
+              <a:rPr lang="en-GB" sz="1600" dirty="0">
+                <a:hlinkClick r:id="rId3"/>
+              </a:rPr>
+              <a:t>://</a:t>
+            </a:r>
+            <a:r>
+              <a:rPr lang="en-GB" sz="1600" dirty="0" smtClean="0">
+                <a:hlinkClick r:id="rId3"/>
+              </a:rPr>
+              <a:t>docs.microsoft.com/fr-fr/aspnet/core/mvc/models/validation</a:t>
+            </a:r>
+            <a:endParaRPr lang="en-GB" sz="1600" dirty="0" smtClean="0"/>
+          </a:p>
+          <a:p>
+            <a:pPr lvl="1"/>
+            <a:r>
+              <a:rPr lang="en-GB" sz="1600" dirty="0">
+                <a:hlinkClick r:id="rId4"/>
+              </a:rPr>
+              <a:t>https://</a:t>
+            </a:r>
+            <a:r>
+              <a:rPr lang="en-GB" sz="1600" dirty="0" smtClean="0">
+                <a:hlinkClick r:id="rId4"/>
+              </a:rPr>
+              <a:t>docs.microsoft.com/en-us/aspnet/core/security/authentication/windowsauth?tabs=aspnetcore2x</a:t>
+            </a:r>
+            <a:endParaRPr lang="en-GB" sz="1600" dirty="0" smtClean="0"/>
+          </a:p>
+          <a:p>
+            <a:pPr lvl="1"/>
+            <a:endParaRPr lang="en-GB" sz="1600" dirty="0" smtClean="0"/>
           </a:p>
           <a:p>
             <a:endParaRPr lang="en-GB" sz="2000" dirty="0" smtClean="0"/>
@@ -7710,152 +8928,6 @@
     <p:extLst>
       <p:ext uri="{BB962C8B-B14F-4D97-AF65-F5344CB8AC3E}">
         <p14:creationId xmlns:p14="http://schemas.microsoft.com/office/powerpoint/2010/main" val="3140253936"/>
-      </p:ext>
-    </p:extLst>
-  </p:cSld>
-  <p:clrMapOvr>
-    <a:masterClrMapping/>
-  </p:clrMapOvr>
-</p:sld>
-</file>
-
-<file path=ppt/slides/slide25.xml><?xml version="1.0" encoding="utf-8"?>
-<p:sld xmlns:a="http://schemas.openxmlformats.org/drawingml/2006/main" xmlns:r="http://schemas.openxmlformats.org/officeDocument/2006/relationships" xmlns:p="http://schemas.openxmlformats.org/presentationml/2006/main">
-  <p:cSld>
-    <p:spTree>
-      <p:nvGrpSpPr>
-        <p:cNvPr id="1" name=""/>
-        <p:cNvGrpSpPr/>
-        <p:nvPr/>
-      </p:nvGrpSpPr>
-      <p:grpSpPr>
-        <a:xfrm>
-          <a:off x="0" y="0"/>
-          <a:ext cx="0" cy="0"/>
-          <a:chOff x="0" y="0"/>
-          <a:chExt cx="0" cy="0"/>
-        </a:xfrm>
-      </p:grpSpPr>
-      <p:sp>
-        <p:nvSpPr>
-          <p:cNvPr id="2" name="Titre 1"/>
-          <p:cNvSpPr>
-            <a:spLocks noGrp="1"/>
-          </p:cNvSpPr>
-          <p:nvPr>
-            <p:ph type="title"/>
-          </p:nvPr>
-        </p:nvSpPr>
-        <p:spPr>
-          <a:xfrm>
-            <a:off x="457200" y="274638"/>
-            <a:ext cx="8229600" cy="490066"/>
-          </a:xfrm>
-        </p:spPr>
-        <p:txBody>
-          <a:bodyPr>
-            <a:normAutofit/>
-          </a:bodyPr>
-          <a:lstStyle/>
-          <a:p>
-            <a:r>
-              <a:rPr lang="fr-FR" sz="2400" b="1" dirty="0" err="1" smtClean="0"/>
-              <a:t>Resources</a:t>
-            </a:r>
-            <a:endParaRPr lang="fr-FR" sz="2400" b="1" dirty="0"/>
-          </a:p>
-        </p:txBody>
-      </p:sp>
-      <p:sp>
-        <p:nvSpPr>
-          <p:cNvPr id="3" name="Espace réservé du contenu 2"/>
-          <p:cNvSpPr>
-            <a:spLocks noGrp="1"/>
-          </p:cNvSpPr>
-          <p:nvPr>
-            <p:ph idx="1"/>
-          </p:nvPr>
-        </p:nvSpPr>
-        <p:spPr>
-          <a:xfrm>
-            <a:off x="457200" y="980728"/>
-            <a:ext cx="8229600" cy="5145435"/>
-          </a:xfrm>
-        </p:spPr>
-        <p:txBody>
-          <a:bodyPr>
-            <a:normAutofit/>
-          </a:bodyPr>
-          <a:lstStyle/>
-          <a:p>
-            <a:r>
-              <a:rPr lang="fr-FR" sz="2000" dirty="0" smtClean="0"/>
-              <a:t>Gartner </a:t>
-            </a:r>
-            <a:r>
-              <a:rPr lang="fr-FR" sz="2000" dirty="0" smtClean="0"/>
-              <a:t>:</a:t>
-            </a:r>
-          </a:p>
-          <a:p>
-            <a:pPr lvl="1"/>
-            <a:r>
-              <a:rPr lang="fr-FR" sz="1600" dirty="0">
-                <a:hlinkClick r:id="rId2"/>
-              </a:rPr>
-              <a:t>https://</a:t>
-            </a:r>
-            <a:r>
-              <a:rPr lang="fr-FR" sz="1600" dirty="0" smtClean="0">
-                <a:hlinkClick r:id="rId2"/>
-              </a:rPr>
-              <a:t>www.gartner.com/doc/3574617/assessing-docker-containers-software-delivery</a:t>
-            </a:r>
-            <a:endParaRPr lang="fr-FR" sz="1600" dirty="0" smtClean="0"/>
-          </a:p>
-          <a:p>
-            <a:pPr lvl="1"/>
-            <a:r>
-              <a:rPr lang="fr-FR" sz="1600" dirty="0">
-                <a:hlinkClick r:id="rId3"/>
-              </a:rPr>
-              <a:t>https://</a:t>
-            </a:r>
-            <a:r>
-              <a:rPr lang="fr-FR" sz="1600" dirty="0" smtClean="0">
-                <a:hlinkClick r:id="rId3"/>
-              </a:rPr>
-              <a:t>www.gartner.com/doc/3512817/need-know-docker-containers</a:t>
-            </a:r>
-            <a:endParaRPr lang="fr-FR" sz="1600" dirty="0" smtClean="0"/>
-          </a:p>
-          <a:p>
-            <a:pPr lvl="1"/>
-            <a:endParaRPr lang="fr-FR" sz="1600" dirty="0" smtClean="0"/>
-          </a:p>
-          <a:p>
-            <a:pPr lvl="1"/>
-            <a:endParaRPr lang="fr-FR" sz="1600" dirty="0" smtClean="0"/>
-          </a:p>
-          <a:p>
-            <a:endParaRPr lang="fr-FR" sz="2000" dirty="0" smtClean="0"/>
-          </a:p>
-          <a:p>
-            <a:pPr lvl="1"/>
-            <a:endParaRPr lang="fr-FR" sz="1600" dirty="0" smtClean="0"/>
-          </a:p>
-          <a:p>
-            <a:pPr marL="457200" lvl="1" indent="0">
-              <a:buNone/>
-            </a:pPr>
-            <a:endParaRPr lang="fr-FR" sz="2000" dirty="0"/>
-          </a:p>
-        </p:txBody>
-      </p:sp>
-    </p:spTree>
-    <p:extLst>
-      <p:ext uri="{BB962C8B-B14F-4D97-AF65-F5344CB8AC3E}">
-        <p14:creationId xmlns:p14="http://schemas.microsoft.com/office/powerpoint/2010/main" val="3925886425"/>
       </p:ext>
     </p:extLst>
   </p:cSld>
@@ -7959,6 +9031,1016 @@
     <p:extLst>
       <p:ext uri="{BB962C8B-B14F-4D97-AF65-F5344CB8AC3E}">
         <p14:creationId xmlns:p14="http://schemas.microsoft.com/office/powerpoint/2010/main" val="35213746"/>
+      </p:ext>
+    </p:extLst>
+  </p:cSld>
+  <p:clrMapOvr>
+    <a:masterClrMapping/>
+  </p:clrMapOvr>
+</p:sld>
+</file>
+
+<file path=ppt/slides/slide30.xml><?xml version="1.0" encoding="utf-8"?>
+<p:sld xmlns:a="http://schemas.openxmlformats.org/drawingml/2006/main" xmlns:r="http://schemas.openxmlformats.org/officeDocument/2006/relationships" xmlns:p="http://schemas.openxmlformats.org/presentationml/2006/main">
+  <p:cSld>
+    <p:spTree>
+      <p:nvGrpSpPr>
+        <p:cNvPr id="1" name=""/>
+        <p:cNvGrpSpPr/>
+        <p:nvPr/>
+      </p:nvGrpSpPr>
+      <p:grpSpPr>
+        <a:xfrm>
+          <a:off x="0" y="0"/>
+          <a:ext cx="0" cy="0"/>
+          <a:chOff x="0" y="0"/>
+          <a:chExt cx="0" cy="0"/>
+        </a:xfrm>
+      </p:grpSpPr>
+      <p:sp>
+        <p:nvSpPr>
+          <p:cNvPr id="2" name="Titre 1"/>
+          <p:cNvSpPr>
+            <a:spLocks noGrp="1"/>
+          </p:cNvSpPr>
+          <p:nvPr>
+            <p:ph type="title"/>
+          </p:nvPr>
+        </p:nvSpPr>
+        <p:spPr>
+          <a:xfrm>
+            <a:off x="457200" y="274638"/>
+            <a:ext cx="8229600" cy="490066"/>
+          </a:xfrm>
+        </p:spPr>
+        <p:txBody>
+          <a:bodyPr>
+            <a:normAutofit/>
+          </a:bodyPr>
+          <a:lstStyle/>
+          <a:p>
+            <a:r>
+              <a:rPr lang="en-GB" sz="2400" b="1" dirty="0" err="1" smtClean="0"/>
+              <a:t>.Net</a:t>
+            </a:r>
+            <a:r>
+              <a:rPr lang="en-GB" sz="2400" b="1" dirty="0" smtClean="0"/>
+              <a:t> Core : web servers</a:t>
+            </a:r>
+            <a:endParaRPr lang="en-GB" sz="2400" b="1" dirty="0"/>
+          </a:p>
+        </p:txBody>
+      </p:sp>
+      <p:sp>
+        <p:nvSpPr>
+          <p:cNvPr id="3" name="Espace réservé du contenu 2"/>
+          <p:cNvSpPr>
+            <a:spLocks noGrp="1"/>
+          </p:cNvSpPr>
+          <p:nvPr>
+            <p:ph idx="1"/>
+          </p:nvPr>
+        </p:nvSpPr>
+        <p:spPr>
+          <a:xfrm>
+            <a:off x="457200" y="980728"/>
+            <a:ext cx="8229600" cy="5145435"/>
+          </a:xfrm>
+        </p:spPr>
+        <p:txBody>
+          <a:bodyPr>
+            <a:normAutofit/>
+          </a:bodyPr>
+          <a:lstStyle/>
+          <a:p>
+            <a:r>
+              <a:rPr lang="en-US" sz="2000" dirty="0"/>
+              <a:t>ASP.NET Core ships two server </a:t>
+            </a:r>
+            <a:r>
+              <a:rPr lang="en-US" sz="2000" dirty="0" smtClean="0"/>
+              <a:t>implementations</a:t>
+            </a:r>
+          </a:p>
+          <a:p>
+            <a:pPr lvl="1"/>
+            <a:r>
+              <a:rPr lang="en-US" sz="1800" dirty="0">
+                <a:hlinkClick r:id="rId2"/>
+              </a:rPr>
+              <a:t>Kestrel</a:t>
+            </a:r>
+            <a:r>
+              <a:rPr lang="en-US" sz="1800" dirty="0"/>
+              <a:t> is a cross-platform HTTP server based on </a:t>
+            </a:r>
+            <a:r>
+              <a:rPr lang="en-US" sz="1800" dirty="0" err="1">
+                <a:hlinkClick r:id="rId3"/>
+              </a:rPr>
+              <a:t>libuv</a:t>
+            </a:r>
+            <a:r>
+              <a:rPr lang="en-US" sz="1800" dirty="0"/>
+              <a:t>, a cross-platform asynchronous I/O library</a:t>
+            </a:r>
+            <a:r>
+              <a:rPr lang="en-US" sz="1800" dirty="0" smtClean="0"/>
+              <a:t>.</a:t>
+            </a:r>
+          </a:p>
+          <a:p>
+            <a:pPr marL="640080" lvl="2" indent="0">
+              <a:buNone/>
+            </a:pPr>
+            <a:r>
+              <a:rPr lang="en-US" dirty="0"/>
+              <a:t>Kestrel supports the following features</a:t>
+            </a:r>
+            <a:r>
+              <a:rPr lang="en-US" dirty="0" smtClean="0"/>
+              <a:t>: </a:t>
+            </a:r>
+            <a:endParaRPr lang="en-US" dirty="0"/>
+          </a:p>
+          <a:p>
+            <a:pPr lvl="2"/>
+            <a:r>
+              <a:rPr lang="en-US" dirty="0"/>
+              <a:t>HTTPS</a:t>
+            </a:r>
+          </a:p>
+          <a:p>
+            <a:pPr lvl="2"/>
+            <a:r>
+              <a:rPr lang="en-US" dirty="0"/>
+              <a:t>Opaque upgrade used to enable </a:t>
+            </a:r>
+            <a:r>
+              <a:rPr lang="en-US" dirty="0" err="1">
+                <a:hlinkClick r:id="rId4"/>
+              </a:rPr>
+              <a:t>WebSockets</a:t>
+            </a:r>
+            <a:endParaRPr lang="en-US" dirty="0"/>
+          </a:p>
+          <a:p>
+            <a:pPr lvl="2"/>
+            <a:r>
+              <a:rPr lang="en-US" dirty="0"/>
+              <a:t>Unix sockets for high performance behind Nginx </a:t>
+            </a:r>
+          </a:p>
+          <a:p>
+            <a:pPr marL="640080" lvl="2" indent="0">
+              <a:buNone/>
+            </a:pPr>
+            <a:r>
+              <a:rPr lang="en-US" dirty="0" smtClean="0"/>
+              <a:t>Kestrel </a:t>
+            </a:r>
+            <a:r>
+              <a:rPr lang="en-US" dirty="0"/>
+              <a:t>is supported on all platforms and versions that .NET Core supports.</a:t>
+            </a:r>
+          </a:p>
+          <a:p>
+            <a:pPr marL="393192" lvl="1" indent="0">
+              <a:buNone/>
+            </a:pPr>
+            <a:endParaRPr lang="en-US" sz="1800" dirty="0" smtClean="0"/>
+          </a:p>
+          <a:p>
+            <a:pPr marL="0" indent="0">
+              <a:buNone/>
+            </a:pPr>
+            <a:endParaRPr lang="en-US" sz="2000" dirty="0" smtClean="0"/>
+          </a:p>
+          <a:p>
+            <a:endParaRPr lang="en-GB" sz="2000" dirty="0" smtClean="0"/>
+          </a:p>
+          <a:p>
+            <a:endParaRPr lang="en-GB" sz="2000" dirty="0" smtClean="0"/>
+          </a:p>
+          <a:p>
+            <a:pPr lvl="1"/>
+            <a:endParaRPr lang="en-GB" sz="1600" dirty="0" smtClean="0"/>
+          </a:p>
+          <a:p>
+            <a:pPr marL="457200" lvl="1" indent="0">
+              <a:buNone/>
+            </a:pPr>
+            <a:endParaRPr lang="en-GB" sz="2000" dirty="0"/>
+          </a:p>
+        </p:txBody>
+      </p:sp>
+      <p:pic>
+        <p:nvPicPr>
+          <p:cNvPr id="3074" name="Picture 2"/>
+          <p:cNvPicPr>
+            <a:picLocks noChangeAspect="1" noChangeArrowheads="1"/>
+          </p:cNvPicPr>
+          <p:nvPr/>
+        </p:nvPicPr>
+        <p:blipFill>
+          <a:blip r:embed="rId5">
+            <a:extLst>
+              <a:ext uri="{28A0092B-C50C-407E-A947-70E740481C1C}">
+                <a14:useLocalDpi xmlns:a14="http://schemas.microsoft.com/office/drawing/2010/main" val="0"/>
+              </a:ext>
+            </a:extLst>
+          </a:blip>
+          <a:srcRect/>
+          <a:stretch>
+            <a:fillRect/>
+          </a:stretch>
+        </p:blipFill>
+        <p:spPr bwMode="auto">
+          <a:xfrm>
+            <a:off x="1338089" y="4293096"/>
+            <a:ext cx="4019550" cy="781050"/>
+          </a:xfrm>
+          <a:prstGeom prst="rect">
+            <a:avLst/>
+          </a:prstGeom>
+          <a:noFill/>
+          <a:ln>
+            <a:noFill/>
+          </a:ln>
+          <a:extLst>
+            <a:ext uri="{909E8E84-426E-40DD-AFC4-6F175D3DCCD1}">
+              <a14:hiddenFill xmlns:a14="http://schemas.microsoft.com/office/drawing/2010/main">
+                <a:solidFill>
+                  <a:schemeClr val="accent1"/>
+                </a:solidFill>
+              </a14:hiddenFill>
+            </a:ext>
+            <a:ext uri="{91240B29-F687-4F45-9708-019B960494DF}">
+              <a14:hiddenLine xmlns:a14="http://schemas.microsoft.com/office/drawing/2010/main" w="9525">
+                <a:solidFill>
+                  <a:schemeClr val="tx1"/>
+                </a:solidFill>
+                <a:miter lim="800000"/>
+                <a:headEnd/>
+                <a:tailEnd/>
+              </a14:hiddenLine>
+            </a:ext>
+          </a:extLst>
+        </p:spPr>
+      </p:pic>
+      <p:pic>
+        <p:nvPicPr>
+          <p:cNvPr id="3076" name="Picture 4" descr="Kestrel communicates indirectly with the Internet through a reverse proxy server, such as IIS, Nginx, or Apache"/>
+          <p:cNvPicPr>
+            <a:picLocks noChangeAspect="1" noChangeArrowheads="1"/>
+          </p:cNvPicPr>
+          <p:nvPr/>
+        </p:nvPicPr>
+        <p:blipFill>
+          <a:blip r:embed="rId6">
+            <a:extLst>
+              <a:ext uri="{28A0092B-C50C-407E-A947-70E740481C1C}">
+                <a14:useLocalDpi xmlns:a14="http://schemas.microsoft.com/office/drawing/2010/main" val="0"/>
+              </a:ext>
+            </a:extLst>
+          </a:blip>
+          <a:srcRect/>
+          <a:stretch>
+            <a:fillRect/>
+          </a:stretch>
+        </p:blipFill>
+        <p:spPr bwMode="auto">
+          <a:xfrm>
+            <a:off x="1367328" y="5229200"/>
+            <a:ext cx="6105525" cy="781050"/>
+          </a:xfrm>
+          <a:prstGeom prst="rect">
+            <a:avLst/>
+          </a:prstGeom>
+          <a:noFill/>
+          <a:extLst>
+            <a:ext uri="{909E8E84-426E-40DD-AFC4-6F175D3DCCD1}">
+              <a14:hiddenFill xmlns:a14="http://schemas.microsoft.com/office/drawing/2010/main">
+                <a:solidFill>
+                  <a:srgbClr val="FFFFFF"/>
+                </a:solidFill>
+              </a14:hiddenFill>
+            </a:ext>
+          </a:extLst>
+        </p:spPr>
+      </p:pic>
+    </p:spTree>
+    <p:extLst>
+      <p:ext uri="{BB962C8B-B14F-4D97-AF65-F5344CB8AC3E}">
+        <p14:creationId xmlns:p14="http://schemas.microsoft.com/office/powerpoint/2010/main" val="3053256712"/>
+      </p:ext>
+    </p:extLst>
+  </p:cSld>
+  <p:clrMapOvr>
+    <a:masterClrMapping/>
+  </p:clrMapOvr>
+</p:sld>
+</file>
+
+<file path=ppt/slides/slide31.xml><?xml version="1.0" encoding="utf-8"?>
+<p:sld xmlns:a="http://schemas.openxmlformats.org/drawingml/2006/main" xmlns:r="http://schemas.openxmlformats.org/officeDocument/2006/relationships" xmlns:p="http://schemas.openxmlformats.org/presentationml/2006/main">
+  <p:cSld>
+    <p:spTree>
+      <p:nvGrpSpPr>
+        <p:cNvPr id="1" name=""/>
+        <p:cNvGrpSpPr/>
+        <p:nvPr/>
+      </p:nvGrpSpPr>
+      <p:grpSpPr>
+        <a:xfrm>
+          <a:off x="0" y="0"/>
+          <a:ext cx="0" cy="0"/>
+          <a:chOff x="0" y="0"/>
+          <a:chExt cx="0" cy="0"/>
+        </a:xfrm>
+      </p:grpSpPr>
+      <p:sp>
+        <p:nvSpPr>
+          <p:cNvPr id="2" name="Titre 1"/>
+          <p:cNvSpPr>
+            <a:spLocks noGrp="1"/>
+          </p:cNvSpPr>
+          <p:nvPr>
+            <p:ph type="title"/>
+          </p:nvPr>
+        </p:nvSpPr>
+        <p:spPr>
+          <a:xfrm>
+            <a:off x="457200" y="274638"/>
+            <a:ext cx="8229600" cy="490066"/>
+          </a:xfrm>
+        </p:spPr>
+        <p:txBody>
+          <a:bodyPr>
+            <a:normAutofit/>
+          </a:bodyPr>
+          <a:lstStyle/>
+          <a:p>
+            <a:r>
+              <a:rPr lang="en-GB" sz="2400" b="1" dirty="0" err="1" smtClean="0"/>
+              <a:t>.Net</a:t>
+            </a:r>
+            <a:r>
+              <a:rPr lang="en-GB" sz="2400" b="1" dirty="0" smtClean="0"/>
+              <a:t> Core : web servers</a:t>
+            </a:r>
+            <a:endParaRPr lang="en-GB" sz="2400" b="1" dirty="0"/>
+          </a:p>
+        </p:txBody>
+      </p:sp>
+      <p:sp>
+        <p:nvSpPr>
+          <p:cNvPr id="3" name="Espace réservé du contenu 2"/>
+          <p:cNvSpPr>
+            <a:spLocks noGrp="1"/>
+          </p:cNvSpPr>
+          <p:nvPr>
+            <p:ph idx="1"/>
+          </p:nvPr>
+        </p:nvSpPr>
+        <p:spPr>
+          <a:xfrm>
+            <a:off x="457200" y="980728"/>
+            <a:ext cx="8229600" cy="5145435"/>
+          </a:xfrm>
+        </p:spPr>
+        <p:txBody>
+          <a:bodyPr>
+            <a:normAutofit fontScale="85000" lnSpcReduction="20000"/>
+          </a:bodyPr>
+          <a:lstStyle/>
+          <a:p>
+            <a:r>
+              <a:rPr lang="en-US" sz="2000" dirty="0"/>
+              <a:t>ASP.NET Core ships two server </a:t>
+            </a:r>
+            <a:r>
+              <a:rPr lang="en-US" sz="2000" dirty="0" smtClean="0"/>
+              <a:t>implementations</a:t>
+            </a:r>
+          </a:p>
+          <a:p>
+            <a:pPr lvl="1"/>
+            <a:r>
+              <a:rPr lang="en-US" sz="1800" dirty="0" smtClean="0">
+                <a:hlinkClick r:id="rId2"/>
+              </a:rPr>
+              <a:t>HTTP.sys</a:t>
+            </a:r>
+            <a:r>
+              <a:rPr lang="en-US" sz="1800" dirty="0" smtClean="0"/>
+              <a:t> </a:t>
+            </a:r>
+            <a:r>
+              <a:rPr lang="en-US" sz="1800" dirty="0"/>
+              <a:t>is a Windows-only HTTP server based on the </a:t>
+            </a:r>
+            <a:r>
+              <a:rPr lang="en-US" sz="1800" dirty="0" err="1">
+                <a:hlinkClick r:id="rId3"/>
+              </a:rPr>
+              <a:t>Http.Sys</a:t>
+            </a:r>
+            <a:r>
+              <a:rPr lang="en-US" sz="1800" dirty="0">
+                <a:hlinkClick r:id="rId3"/>
+              </a:rPr>
+              <a:t> kernel driver</a:t>
+            </a:r>
+            <a:r>
+              <a:rPr lang="en-US" sz="1800" dirty="0" smtClean="0"/>
+              <a:t>.</a:t>
+            </a:r>
+          </a:p>
+          <a:p>
+            <a:pPr marL="393192" lvl="1" indent="0">
+              <a:buNone/>
+            </a:pPr>
+            <a:r>
+              <a:rPr lang="en-US" sz="1800" dirty="0" err="1"/>
+              <a:t>Http.Sys</a:t>
+            </a:r>
+            <a:r>
+              <a:rPr lang="en-US" sz="1800" dirty="0"/>
+              <a:t> is mature technology that protects against many kinds of attacks and provides the robustness, security, and scalability of a full-featured web server. IIS itself runs as an HTTP listener on top of </a:t>
+            </a:r>
+            <a:r>
+              <a:rPr lang="en-US" sz="1800" dirty="0" err="1"/>
+              <a:t>Http.Sys</a:t>
+            </a:r>
+            <a:r>
+              <a:rPr lang="en-US" sz="1800" dirty="0"/>
+              <a:t>. </a:t>
+            </a:r>
+            <a:endParaRPr lang="en-US" sz="1800" dirty="0" smtClean="0"/>
+          </a:p>
+          <a:p>
+            <a:pPr marL="393192" lvl="1" indent="0">
+              <a:buNone/>
+            </a:pPr>
+            <a:endParaRPr lang="en-US" sz="1800" dirty="0"/>
+          </a:p>
+          <a:p>
+            <a:pPr marL="393192" lvl="1" indent="0">
+              <a:buNone/>
+            </a:pPr>
+            <a:r>
+              <a:rPr lang="en-US" sz="1800" dirty="0"/>
+              <a:t>HTTP.sys is a good choice for internal deployments when you need a feature not available in Kestrel, such as Windows authentication</a:t>
+            </a:r>
+            <a:r>
+              <a:rPr lang="en-US" sz="1800" dirty="0" smtClean="0"/>
+              <a:t>.</a:t>
+            </a:r>
+          </a:p>
+          <a:p>
+            <a:pPr marL="393192" lvl="1" indent="0">
+              <a:buNone/>
+            </a:pPr>
+            <a:endParaRPr lang="en-US" sz="1800" dirty="0"/>
+          </a:p>
+          <a:p>
+            <a:pPr marL="393192" lvl="1" indent="0">
+              <a:buNone/>
+            </a:pPr>
+            <a:endParaRPr lang="en-US" sz="1800" dirty="0" smtClean="0"/>
+          </a:p>
+          <a:p>
+            <a:pPr lvl="1"/>
+            <a:endParaRPr lang="en-US" sz="1800" dirty="0" smtClean="0"/>
+          </a:p>
+          <a:p>
+            <a:pPr lvl="1"/>
+            <a:endParaRPr lang="en-US" sz="1800" dirty="0"/>
+          </a:p>
+          <a:p>
+            <a:pPr lvl="1"/>
+            <a:r>
+              <a:rPr lang="en-US" dirty="0"/>
+              <a:t>HTTP.sys supports the following features:+ </a:t>
+            </a:r>
+          </a:p>
+          <a:p>
+            <a:pPr lvl="2"/>
+            <a:r>
+              <a:rPr lang="en-US" dirty="0">
+                <a:hlinkClick r:id="rId4"/>
+              </a:rPr>
+              <a:t>Windows Authentication</a:t>
+            </a:r>
+            <a:endParaRPr lang="en-US" dirty="0"/>
+          </a:p>
+          <a:p>
+            <a:pPr lvl="2"/>
+            <a:r>
+              <a:rPr lang="en-US" dirty="0"/>
+              <a:t>Port sharing</a:t>
+            </a:r>
+          </a:p>
+          <a:p>
+            <a:pPr lvl="2"/>
+            <a:r>
+              <a:rPr lang="en-US" dirty="0"/>
+              <a:t>HTTPS with SNI</a:t>
+            </a:r>
+          </a:p>
+          <a:p>
+            <a:pPr lvl="2"/>
+            <a:r>
+              <a:rPr lang="en-US" dirty="0"/>
+              <a:t>HTTP/2 over TLS (Windows 10)</a:t>
+            </a:r>
+          </a:p>
+          <a:p>
+            <a:pPr lvl="2"/>
+            <a:r>
+              <a:rPr lang="en-US" dirty="0"/>
+              <a:t>Direct file transmission</a:t>
+            </a:r>
+          </a:p>
+          <a:p>
+            <a:pPr lvl="2"/>
+            <a:r>
+              <a:rPr lang="en-US" dirty="0"/>
+              <a:t>Response caching</a:t>
+            </a:r>
+          </a:p>
+          <a:p>
+            <a:pPr lvl="2"/>
+            <a:r>
+              <a:rPr lang="en-US" dirty="0" err="1"/>
+              <a:t>WebSockets</a:t>
+            </a:r>
+            <a:r>
+              <a:rPr lang="en-US" dirty="0"/>
+              <a:t> (Windows 8)</a:t>
+            </a:r>
+          </a:p>
+          <a:p>
+            <a:pPr lvl="1"/>
+            <a:endParaRPr lang="en-US" sz="1800" dirty="0" smtClean="0"/>
+          </a:p>
+          <a:p>
+            <a:pPr marL="0" indent="0">
+              <a:buNone/>
+            </a:pPr>
+            <a:endParaRPr lang="en-GB" sz="2000" dirty="0" smtClean="0"/>
+          </a:p>
+          <a:p>
+            <a:pPr lvl="1"/>
+            <a:endParaRPr lang="en-GB" sz="1600" dirty="0" smtClean="0"/>
+          </a:p>
+          <a:p>
+            <a:pPr marL="457200" lvl="1" indent="0">
+              <a:buNone/>
+            </a:pPr>
+            <a:endParaRPr lang="en-GB" sz="2000" dirty="0"/>
+          </a:p>
+        </p:txBody>
+      </p:sp>
+      <p:pic>
+        <p:nvPicPr>
+          <p:cNvPr id="5122" name="Picture 2"/>
+          <p:cNvPicPr>
+            <a:picLocks noChangeAspect="1" noChangeArrowheads="1"/>
+          </p:cNvPicPr>
+          <p:nvPr/>
+        </p:nvPicPr>
+        <p:blipFill>
+          <a:blip r:embed="rId5">
+            <a:extLst>
+              <a:ext uri="{28A0092B-C50C-407E-A947-70E740481C1C}">
+                <a14:useLocalDpi xmlns:a14="http://schemas.microsoft.com/office/drawing/2010/main" val="0"/>
+              </a:ext>
+            </a:extLst>
+          </a:blip>
+          <a:srcRect/>
+          <a:stretch>
+            <a:fillRect/>
+          </a:stretch>
+        </p:blipFill>
+        <p:spPr bwMode="auto">
+          <a:xfrm>
+            <a:off x="908941" y="2780928"/>
+            <a:ext cx="4019550" cy="781050"/>
+          </a:xfrm>
+          <a:prstGeom prst="rect">
+            <a:avLst/>
+          </a:prstGeom>
+          <a:noFill/>
+          <a:ln>
+            <a:noFill/>
+          </a:ln>
+          <a:extLst>
+            <a:ext uri="{909E8E84-426E-40DD-AFC4-6F175D3DCCD1}">
+              <a14:hiddenFill xmlns:a14="http://schemas.microsoft.com/office/drawing/2010/main">
+                <a:solidFill>
+                  <a:schemeClr val="accent1"/>
+                </a:solidFill>
+              </a14:hiddenFill>
+            </a:ext>
+            <a:ext uri="{91240B29-F687-4F45-9708-019B960494DF}">
+              <a14:hiddenLine xmlns:a14="http://schemas.microsoft.com/office/drawing/2010/main" w="9525">
+                <a:solidFill>
+                  <a:schemeClr val="tx1"/>
+                </a:solidFill>
+                <a:miter lim="800000"/>
+                <a:headEnd/>
+                <a:tailEnd/>
+              </a14:hiddenLine>
+            </a:ext>
+          </a:extLst>
+        </p:spPr>
+      </p:pic>
+    </p:spTree>
+    <p:extLst>
+      <p:ext uri="{BB962C8B-B14F-4D97-AF65-F5344CB8AC3E}">
+        <p14:creationId xmlns:p14="http://schemas.microsoft.com/office/powerpoint/2010/main" val="2544432261"/>
+      </p:ext>
+    </p:extLst>
+  </p:cSld>
+  <p:clrMapOvr>
+    <a:masterClrMapping/>
+  </p:clrMapOvr>
+</p:sld>
+</file>
+
+<file path=ppt/slides/slide32.xml><?xml version="1.0" encoding="utf-8"?>
+<p:sld xmlns:a="http://schemas.openxmlformats.org/drawingml/2006/main" xmlns:r="http://schemas.openxmlformats.org/officeDocument/2006/relationships" xmlns:p="http://schemas.openxmlformats.org/presentationml/2006/main">
+  <p:cSld>
+    <p:spTree>
+      <p:nvGrpSpPr>
+        <p:cNvPr id="1" name=""/>
+        <p:cNvGrpSpPr/>
+        <p:nvPr/>
+      </p:nvGrpSpPr>
+      <p:grpSpPr>
+        <a:xfrm>
+          <a:off x="0" y="0"/>
+          <a:ext cx="0" cy="0"/>
+          <a:chOff x="0" y="0"/>
+          <a:chExt cx="0" cy="0"/>
+        </a:xfrm>
+      </p:grpSpPr>
+      <p:sp>
+        <p:nvSpPr>
+          <p:cNvPr id="2" name="Titre 1"/>
+          <p:cNvSpPr>
+            <a:spLocks noGrp="1"/>
+          </p:cNvSpPr>
+          <p:nvPr>
+            <p:ph type="title"/>
+          </p:nvPr>
+        </p:nvSpPr>
+        <p:spPr>
+          <a:xfrm>
+            <a:off x="457200" y="274638"/>
+            <a:ext cx="8229600" cy="490066"/>
+          </a:xfrm>
+        </p:spPr>
+        <p:txBody>
+          <a:bodyPr>
+            <a:normAutofit/>
+          </a:bodyPr>
+          <a:lstStyle/>
+          <a:p>
+            <a:r>
+              <a:rPr lang="en-GB" sz="2400" b="1" dirty="0" err="1" smtClean="0"/>
+              <a:t>.Net</a:t>
+            </a:r>
+            <a:r>
+              <a:rPr lang="en-GB" sz="2400" b="1" dirty="0" smtClean="0"/>
+              <a:t> Core : web servers</a:t>
+            </a:r>
+            <a:endParaRPr lang="en-GB" sz="2400" b="1" dirty="0"/>
+          </a:p>
+        </p:txBody>
+      </p:sp>
+      <p:sp>
+        <p:nvSpPr>
+          <p:cNvPr id="3" name="Espace réservé du contenu 2"/>
+          <p:cNvSpPr>
+            <a:spLocks noGrp="1"/>
+          </p:cNvSpPr>
+          <p:nvPr>
+            <p:ph idx="1"/>
+          </p:nvPr>
+        </p:nvSpPr>
+        <p:spPr>
+          <a:xfrm>
+            <a:off x="457200" y="980728"/>
+            <a:ext cx="8229600" cy="5145435"/>
+          </a:xfrm>
+        </p:spPr>
+        <p:txBody>
+          <a:bodyPr>
+            <a:normAutofit/>
+          </a:bodyPr>
+          <a:lstStyle/>
+          <a:p>
+            <a:r>
+              <a:rPr lang="en-US" sz="2000" dirty="0" err="1" smtClean="0"/>
+              <a:t>ASP.Net</a:t>
+            </a:r>
+            <a:r>
+              <a:rPr lang="en-US" sz="2000" dirty="0" smtClean="0"/>
+              <a:t> Core Module</a:t>
+            </a:r>
+          </a:p>
+          <a:p>
+            <a:pPr marL="0" indent="0">
+              <a:buNone/>
+            </a:pPr>
+            <a:endParaRPr lang="en-US" sz="2000" dirty="0"/>
+          </a:p>
+          <a:p>
+            <a:endParaRPr lang="en-US" sz="2000" dirty="0" smtClean="0"/>
+          </a:p>
+          <a:p>
+            <a:endParaRPr lang="en-GB" sz="2000" dirty="0" smtClean="0"/>
+          </a:p>
+          <a:p>
+            <a:endParaRPr lang="en-GB" sz="2000" dirty="0" smtClean="0"/>
+          </a:p>
+          <a:p>
+            <a:r>
+              <a:rPr lang="en-US" sz="2000" dirty="0"/>
+              <a:t>ANCM has a few other functions as well</a:t>
+            </a:r>
+            <a:r>
+              <a:rPr lang="en-US" sz="2000" dirty="0" smtClean="0"/>
+              <a:t>:</a:t>
+            </a:r>
+            <a:endParaRPr lang="en-US" sz="2000" dirty="0"/>
+          </a:p>
+          <a:p>
+            <a:pPr lvl="1"/>
+            <a:r>
+              <a:rPr lang="en-US" sz="1800" dirty="0"/>
+              <a:t>Sets environment variables.</a:t>
+            </a:r>
+          </a:p>
+          <a:p>
+            <a:pPr lvl="1"/>
+            <a:r>
+              <a:rPr lang="en-US" sz="1800" dirty="0"/>
+              <a:t>Logs </a:t>
+            </a:r>
+            <a:r>
+              <a:rPr lang="en-US" sz="1800" dirty="0" err="1"/>
+              <a:t>stdout</a:t>
+            </a:r>
+            <a:r>
+              <a:rPr lang="en-US" sz="1800" dirty="0"/>
+              <a:t> output to file storage.</a:t>
+            </a:r>
+          </a:p>
+          <a:p>
+            <a:pPr lvl="1"/>
+            <a:r>
+              <a:rPr lang="en-US" sz="1800" dirty="0"/>
+              <a:t>Forwards Windows authentication tokens.</a:t>
+            </a:r>
+          </a:p>
+          <a:p>
+            <a:pPr marL="0" indent="0">
+              <a:buNone/>
+            </a:pPr>
+            <a:endParaRPr lang="en-GB" sz="2000" dirty="0" smtClean="0"/>
+          </a:p>
+          <a:p>
+            <a:pPr marL="0" indent="0">
+              <a:buNone/>
+            </a:pPr>
+            <a:r>
+              <a:rPr lang="en-US" sz="2000" dirty="0"/>
+              <a:t>ANCM does not support HTTPS forwarding, so requests are forwarded over HTTP even if received by IIS over HTTPS</a:t>
+            </a:r>
+            <a:endParaRPr lang="en-GB" sz="2000" dirty="0" smtClean="0"/>
+          </a:p>
+          <a:p>
+            <a:pPr marL="0" indent="0">
+              <a:buNone/>
+            </a:pPr>
+            <a:endParaRPr lang="en-GB" sz="2000" dirty="0" smtClean="0"/>
+          </a:p>
+          <a:p>
+            <a:pPr lvl="1"/>
+            <a:endParaRPr lang="en-GB" sz="1600" dirty="0" smtClean="0"/>
+          </a:p>
+          <a:p>
+            <a:pPr marL="457200" lvl="1" indent="0">
+              <a:buNone/>
+            </a:pPr>
+            <a:endParaRPr lang="en-GB" sz="2000" dirty="0"/>
+          </a:p>
+        </p:txBody>
+      </p:sp>
+      <p:pic>
+        <p:nvPicPr>
+          <p:cNvPr id="4098" name="Picture 2"/>
+          <p:cNvPicPr>
+            <a:picLocks noChangeAspect="1" noChangeArrowheads="1"/>
+          </p:cNvPicPr>
+          <p:nvPr/>
+        </p:nvPicPr>
+        <p:blipFill>
+          <a:blip r:embed="rId2">
+            <a:extLst>
+              <a:ext uri="{28A0092B-C50C-407E-A947-70E740481C1C}">
+                <a14:useLocalDpi xmlns:a14="http://schemas.microsoft.com/office/drawing/2010/main" val="0"/>
+              </a:ext>
+            </a:extLst>
+          </a:blip>
+          <a:srcRect/>
+          <a:stretch>
+            <a:fillRect/>
+          </a:stretch>
+        </p:blipFill>
+        <p:spPr bwMode="auto">
+          <a:xfrm>
+            <a:off x="856910" y="1628800"/>
+            <a:ext cx="6134100" cy="1019175"/>
+          </a:xfrm>
+          <a:prstGeom prst="rect">
+            <a:avLst/>
+          </a:prstGeom>
+          <a:noFill/>
+          <a:ln>
+            <a:noFill/>
+          </a:ln>
+          <a:extLst>
+            <a:ext uri="{909E8E84-426E-40DD-AFC4-6F175D3DCCD1}">
+              <a14:hiddenFill xmlns:a14="http://schemas.microsoft.com/office/drawing/2010/main">
+                <a:solidFill>
+                  <a:schemeClr val="accent1"/>
+                </a:solidFill>
+              </a14:hiddenFill>
+            </a:ext>
+            <a:ext uri="{91240B29-F687-4F45-9708-019B960494DF}">
+              <a14:hiddenLine xmlns:a14="http://schemas.microsoft.com/office/drawing/2010/main" w="9525">
+                <a:solidFill>
+                  <a:schemeClr val="tx1"/>
+                </a:solidFill>
+                <a:miter lim="800000"/>
+                <a:headEnd/>
+                <a:tailEnd/>
+              </a14:hiddenLine>
+            </a:ext>
+          </a:extLst>
+        </p:spPr>
+      </p:pic>
+    </p:spTree>
+    <p:extLst>
+      <p:ext uri="{BB962C8B-B14F-4D97-AF65-F5344CB8AC3E}">
+        <p14:creationId xmlns:p14="http://schemas.microsoft.com/office/powerpoint/2010/main" val="943696599"/>
+      </p:ext>
+    </p:extLst>
+  </p:cSld>
+  <p:clrMapOvr>
+    <a:masterClrMapping/>
+  </p:clrMapOvr>
+</p:sld>
+</file>
+
+<file path=ppt/slides/slide33.xml><?xml version="1.0" encoding="utf-8"?>
+<p:sld xmlns:a="http://schemas.openxmlformats.org/drawingml/2006/main" xmlns:r="http://schemas.openxmlformats.org/officeDocument/2006/relationships" xmlns:p="http://schemas.openxmlformats.org/presentationml/2006/main">
+  <p:cSld>
+    <p:spTree>
+      <p:nvGrpSpPr>
+        <p:cNvPr id="1" name=""/>
+        <p:cNvGrpSpPr/>
+        <p:nvPr/>
+      </p:nvGrpSpPr>
+      <p:grpSpPr>
+        <a:xfrm>
+          <a:off x="0" y="0"/>
+          <a:ext cx="0" cy="0"/>
+          <a:chOff x="0" y="0"/>
+          <a:chExt cx="0" cy="0"/>
+        </a:xfrm>
+      </p:grpSpPr>
+      <p:sp>
+        <p:nvSpPr>
+          <p:cNvPr id="2" name="Titre 1"/>
+          <p:cNvSpPr>
+            <a:spLocks noGrp="1"/>
+          </p:cNvSpPr>
+          <p:nvPr>
+            <p:ph type="title"/>
+          </p:nvPr>
+        </p:nvSpPr>
+        <p:spPr>
+          <a:xfrm>
+            <a:off x="457200" y="274638"/>
+            <a:ext cx="8229600" cy="490066"/>
+          </a:xfrm>
+        </p:spPr>
+        <p:txBody>
+          <a:bodyPr>
+            <a:normAutofit/>
+          </a:bodyPr>
+          <a:lstStyle/>
+          <a:p>
+            <a:r>
+              <a:rPr lang="fr-FR" sz="2400" b="1" dirty="0" err="1" smtClean="0"/>
+              <a:t>Resources</a:t>
+            </a:r>
+            <a:endParaRPr lang="fr-FR" sz="2400" b="1" dirty="0"/>
+          </a:p>
+        </p:txBody>
+      </p:sp>
+      <p:sp>
+        <p:nvSpPr>
+          <p:cNvPr id="3" name="Espace réservé du contenu 2"/>
+          <p:cNvSpPr>
+            <a:spLocks noGrp="1"/>
+          </p:cNvSpPr>
+          <p:nvPr>
+            <p:ph idx="1"/>
+          </p:nvPr>
+        </p:nvSpPr>
+        <p:spPr>
+          <a:xfrm>
+            <a:off x="457200" y="980728"/>
+            <a:ext cx="8229600" cy="5145435"/>
+          </a:xfrm>
+        </p:spPr>
+        <p:txBody>
+          <a:bodyPr>
+            <a:normAutofit/>
+          </a:bodyPr>
+          <a:lstStyle/>
+          <a:p>
+            <a:r>
+              <a:rPr lang="fr-FR" sz="2000" dirty="0" smtClean="0"/>
+              <a:t>Gartner :</a:t>
+            </a:r>
+          </a:p>
+          <a:p>
+            <a:pPr lvl="1"/>
+            <a:r>
+              <a:rPr lang="fr-FR" sz="1600" dirty="0">
+                <a:hlinkClick r:id="rId2"/>
+              </a:rPr>
+              <a:t>https://</a:t>
+            </a:r>
+            <a:r>
+              <a:rPr lang="fr-FR" sz="1600" dirty="0" smtClean="0">
+                <a:hlinkClick r:id="rId2"/>
+              </a:rPr>
+              <a:t>www.gartner.com/doc/3574617/assessing-docker-containers-software-delivery</a:t>
+            </a:r>
+            <a:endParaRPr lang="fr-FR" sz="1600" dirty="0" smtClean="0"/>
+          </a:p>
+          <a:p>
+            <a:pPr lvl="1"/>
+            <a:r>
+              <a:rPr lang="fr-FR" sz="1600" dirty="0">
+                <a:hlinkClick r:id="rId3"/>
+              </a:rPr>
+              <a:t>https://</a:t>
+            </a:r>
+            <a:r>
+              <a:rPr lang="fr-FR" sz="1600" dirty="0" smtClean="0">
+                <a:hlinkClick r:id="rId3"/>
+              </a:rPr>
+              <a:t>www.gartner.com/doc/3512817/need-know-docker-containers</a:t>
+            </a:r>
+            <a:endParaRPr lang="fr-FR" sz="1600" dirty="0" smtClean="0"/>
+          </a:p>
+          <a:p>
+            <a:pPr lvl="1"/>
+            <a:endParaRPr lang="fr-FR" sz="1600" dirty="0" smtClean="0"/>
+          </a:p>
+          <a:p>
+            <a:pPr lvl="1"/>
+            <a:endParaRPr lang="fr-FR" sz="1600" dirty="0" smtClean="0"/>
+          </a:p>
+          <a:p>
+            <a:endParaRPr lang="fr-FR" sz="2000" dirty="0" smtClean="0"/>
+          </a:p>
+          <a:p>
+            <a:pPr lvl="1"/>
+            <a:endParaRPr lang="fr-FR" sz="1600" dirty="0" smtClean="0"/>
+          </a:p>
+          <a:p>
+            <a:pPr marL="457200" lvl="1" indent="0">
+              <a:buNone/>
+            </a:pPr>
+            <a:endParaRPr lang="fr-FR" sz="2000" dirty="0"/>
+          </a:p>
+        </p:txBody>
+      </p:sp>
+    </p:spTree>
+    <p:extLst>
+      <p:ext uri="{BB962C8B-B14F-4D97-AF65-F5344CB8AC3E}">
+        <p14:creationId xmlns:p14="http://schemas.microsoft.com/office/powerpoint/2010/main" val="3925886425"/>
       </p:ext>
     </p:extLst>
   </p:cSld>
@@ -8158,21 +10240,8 @@
             <a:pPr lvl="1"/>
             <a:r>
               <a:rPr lang="fr-FR" dirty="0" smtClean="0"/>
-              <a:t>Container </a:t>
-            </a:r>
-            <a:r>
-              <a:rPr lang="fr-FR" dirty="0" smtClean="0"/>
-              <a:t>souvent associé à </a:t>
-            </a:r>
-            <a:r>
-              <a:rPr lang="fr-FR" dirty="0" smtClean="0"/>
-              <a:t>Architecture micro </a:t>
-            </a:r>
-            <a:r>
-              <a:rPr lang="fr-FR" dirty="0" smtClean="0"/>
-              <a:t>services</a:t>
-            </a:r>
-            <a:endParaRPr lang="fr-FR" dirty="0" smtClean="0"/>
+              <a:t>Container souvent associé à Architecture micro services</a:t>
+            </a:r>
           </a:p>
           <a:p>
             <a:pPr lvl="1"/>
@@ -8308,7 +10377,6 @@
               <a:rPr lang="fr-FR" dirty="0" smtClean="0"/>
               <a:t>Les problèmes</a:t>
             </a:r>
-            <a:endParaRPr lang="fr-FR" dirty="0" smtClean="0"/>
           </a:p>
           <a:p>
             <a:pPr lvl="1"/>
@@ -8316,7 +10384,6 @@
               <a:rPr lang="fr-FR" dirty="0" smtClean="0"/>
               <a:t>Développement déjà en cours</a:t>
             </a:r>
-            <a:endParaRPr lang="fr-FR" dirty="0" smtClean="0"/>
           </a:p>
           <a:p>
             <a:pPr lvl="1"/>
@@ -8324,7 +10391,6 @@
               <a:rPr lang="fr-FR" dirty="0" smtClean="0"/>
               <a:t>Pas de Solution Architect</a:t>
             </a:r>
-            <a:endParaRPr lang="fr-FR" dirty="0" smtClean="0"/>
           </a:p>
           <a:p>
             <a:endParaRPr lang="fr-FR" dirty="0" smtClean="0"/>
@@ -8463,7 +10529,6 @@
               <a:rPr lang="fr-FR" dirty="0" smtClean="0"/>
               <a:t>Les problèmes</a:t>
             </a:r>
-            <a:endParaRPr lang="fr-FR" dirty="0" smtClean="0"/>
           </a:p>
           <a:p>
             <a:pPr lvl="1"/>
@@ -8471,7 +10536,6 @@
               <a:rPr lang="fr-FR" dirty="0" smtClean="0"/>
               <a:t>Développement déjà en cours</a:t>
             </a:r>
-            <a:endParaRPr lang="fr-FR" dirty="0" smtClean="0"/>
           </a:p>
           <a:p>
             <a:pPr lvl="1"/>
@@ -8479,7 +10543,6 @@
               <a:rPr lang="fr-FR" dirty="0" smtClean="0"/>
               <a:t>Pas de Solution Architect</a:t>
             </a:r>
-            <a:endParaRPr lang="fr-FR" dirty="0" smtClean="0"/>
           </a:p>
           <a:p>
             <a:endParaRPr lang="fr-FR" dirty="0" smtClean="0"/>
@@ -8577,7 +10640,6 @@
               <a:rPr lang="fr-FR" dirty="0" smtClean="0"/>
               <a:t>Peu de connaissances sur le sujet</a:t>
             </a:r>
-            <a:endParaRPr lang="fr-FR" dirty="0" smtClean="0"/>
           </a:p>
           <a:p>
             <a:pPr lvl="1"/>
@@ -8585,7 +10647,6 @@
               <a:rPr lang="fr-FR" dirty="0" smtClean="0"/>
               <a:t>Des solutions en cours d’élaborations (version béta)</a:t>
             </a:r>
-            <a:endParaRPr lang="fr-FR" dirty="0" smtClean="0"/>
           </a:p>
           <a:p>
             <a:pPr lvl="1"/>
@@ -8593,7 +10654,6 @@
               <a:rPr lang="fr-FR" dirty="0" smtClean="0"/>
               <a:t>Besoin d’architectes</a:t>
             </a:r>
-            <a:endParaRPr lang="fr-FR" dirty="0" smtClean="0"/>
           </a:p>
           <a:p>
             <a:pPr marL="393192" lvl="1" indent="0">
@@ -8649,7 +10709,6 @@
               <a:rPr lang="fr-FR" dirty="0" smtClean="0"/>
               <a:t>Mise à disposition des environnements de POC / Validation</a:t>
             </a:r>
-            <a:endParaRPr lang="fr-FR" dirty="0" smtClean="0"/>
           </a:p>
           <a:p>
             <a:pPr lvl="2"/>
@@ -8765,7 +10824,6 @@
               <a:rPr lang="fr-FR" dirty="0" smtClean="0"/>
               <a:t>Intégration des outils de développements dans la cible d’exécution</a:t>
             </a:r>
-            <a:endParaRPr lang="fr-FR" dirty="0" smtClean="0"/>
           </a:p>
           <a:p>
             <a:pPr lvl="1"/>
@@ -8781,7 +10839,6 @@
               <a:rPr lang="fr-FR" dirty="0" smtClean="0"/>
               <a:t>,…)</a:t>
             </a:r>
-            <a:endParaRPr lang="fr-FR" dirty="0" smtClean="0"/>
           </a:p>
           <a:p>
             <a:pPr lvl="1"/>
@@ -8789,7 +10846,6 @@
               <a:rPr lang="fr-FR" dirty="0" smtClean="0"/>
               <a:t>Pour tester la </a:t>
             </a:r>
-            <a:endParaRPr lang="fr-FR" dirty="0" smtClean="0"/>
           </a:p>
           <a:p>
             <a:pPr marL="393192" lvl="1" indent="0">
@@ -9043,7 +11099,6 @@
               <a:rPr lang="fr-FR" dirty="0" smtClean="0"/>
               <a:t>Nouveaux Framework = remise en cause de certains choix</a:t>
             </a:r>
-            <a:endParaRPr lang="fr-FR" dirty="0" smtClean="0"/>
           </a:p>
           <a:p>
             <a:pPr marL="393192" lvl="1" indent="0">
